--- a/training/day3/Day3.pptx
+++ b/training/day3/Day3.pptx
@@ -5,11 +5,25 @@
     <p:sldMasterId id="2147483648" r:id="rId1"/>
   </p:sldMasterIdLst>
   <p:notesMasterIdLst>
-    <p:notesMasterId r:id="rId4"/>
+    <p:notesMasterId r:id="rId18"/>
   </p:notesMasterIdLst>
   <p:sldIdLst>
     <p:sldId id="414" r:id="rId2"/>
-    <p:sldId id="415" r:id="rId3"/>
+    <p:sldId id="431" r:id="rId3"/>
+    <p:sldId id="444" r:id="rId4"/>
+    <p:sldId id="432" r:id="rId5"/>
+    <p:sldId id="433" r:id="rId6"/>
+    <p:sldId id="434" r:id="rId7"/>
+    <p:sldId id="436" r:id="rId8"/>
+    <p:sldId id="435" r:id="rId9"/>
+    <p:sldId id="437" r:id="rId10"/>
+    <p:sldId id="440" r:id="rId11"/>
+    <p:sldId id="439" r:id="rId12"/>
+    <p:sldId id="438" r:id="rId13"/>
+    <p:sldId id="445" r:id="rId14"/>
+    <p:sldId id="441" r:id="rId15"/>
+    <p:sldId id="442" r:id="rId16"/>
+    <p:sldId id="443" r:id="rId17"/>
   </p:sldIdLst>
   <p:sldSz cx="12192000" cy="6858000"/>
   <p:notesSz cx="6858000" cy="9144000"/>
@@ -198,7 +212,7 @@
           <a:p>
             <a:fld id="{F15A6252-5F50-4106-9C23-9E03A675631E}" type="datetimeFigureOut">
               <a:rPr lang="en-IN" smtClean="0"/>
-              <a:t>29-04-2020</a:t>
+              <a:t>02-05-2020</a:t>
             </a:fld>
             <a:endParaRPr lang="en-IN"/>
           </a:p>
@@ -615,7 +629,7 @@
           <a:p>
             <a:fld id="{4086692B-153F-4DFE-BFBD-A2AE2C7443B6}" type="datetimeFigureOut">
               <a:rPr lang="en-IN" smtClean="0"/>
-              <a:t>29-04-2020</a:t>
+              <a:t>02-05-2020</a:t>
             </a:fld>
             <a:endParaRPr lang="en-IN"/>
           </a:p>
@@ -815,7 +829,7 @@
           <a:p>
             <a:fld id="{4086692B-153F-4DFE-BFBD-A2AE2C7443B6}" type="datetimeFigureOut">
               <a:rPr lang="en-IN" smtClean="0"/>
-              <a:t>29-04-2020</a:t>
+              <a:t>02-05-2020</a:t>
             </a:fld>
             <a:endParaRPr lang="en-IN"/>
           </a:p>
@@ -1025,7 +1039,7 @@
           <a:p>
             <a:fld id="{4086692B-153F-4DFE-BFBD-A2AE2C7443B6}" type="datetimeFigureOut">
               <a:rPr lang="en-IN" smtClean="0"/>
-              <a:t>29-04-2020</a:t>
+              <a:t>02-05-2020</a:t>
             </a:fld>
             <a:endParaRPr lang="en-IN"/>
           </a:p>
@@ -1225,7 +1239,7 @@
           <a:p>
             <a:fld id="{4086692B-153F-4DFE-BFBD-A2AE2C7443B6}" type="datetimeFigureOut">
               <a:rPr lang="en-IN" smtClean="0"/>
-              <a:t>29-04-2020</a:t>
+              <a:t>02-05-2020</a:t>
             </a:fld>
             <a:endParaRPr lang="en-IN"/>
           </a:p>
@@ -1501,7 +1515,7 @@
           <a:p>
             <a:fld id="{4086692B-153F-4DFE-BFBD-A2AE2C7443B6}" type="datetimeFigureOut">
               <a:rPr lang="en-IN" smtClean="0"/>
-              <a:t>29-04-2020</a:t>
+              <a:t>02-05-2020</a:t>
             </a:fld>
             <a:endParaRPr lang="en-IN"/>
           </a:p>
@@ -1769,7 +1783,7 @@
           <a:p>
             <a:fld id="{4086692B-153F-4DFE-BFBD-A2AE2C7443B6}" type="datetimeFigureOut">
               <a:rPr lang="en-IN" smtClean="0"/>
-              <a:t>29-04-2020</a:t>
+              <a:t>02-05-2020</a:t>
             </a:fld>
             <a:endParaRPr lang="en-IN"/>
           </a:p>
@@ -2184,7 +2198,7 @@
           <a:p>
             <a:fld id="{4086692B-153F-4DFE-BFBD-A2AE2C7443B6}" type="datetimeFigureOut">
               <a:rPr lang="en-IN" smtClean="0"/>
-              <a:t>29-04-2020</a:t>
+              <a:t>02-05-2020</a:t>
             </a:fld>
             <a:endParaRPr lang="en-IN"/>
           </a:p>
@@ -2326,7 +2340,7 @@
           <a:p>
             <a:fld id="{4086692B-153F-4DFE-BFBD-A2AE2C7443B6}" type="datetimeFigureOut">
               <a:rPr lang="en-IN" smtClean="0"/>
-              <a:t>29-04-2020</a:t>
+              <a:t>02-05-2020</a:t>
             </a:fld>
             <a:endParaRPr lang="en-IN"/>
           </a:p>
@@ -2439,7 +2453,7 @@
           <a:p>
             <a:fld id="{4086692B-153F-4DFE-BFBD-A2AE2C7443B6}" type="datetimeFigureOut">
               <a:rPr lang="en-IN" smtClean="0"/>
-              <a:t>29-04-2020</a:t>
+              <a:t>02-05-2020</a:t>
             </a:fld>
             <a:endParaRPr lang="en-IN"/>
           </a:p>
@@ -2752,7 +2766,7 @@
           <a:p>
             <a:fld id="{4086692B-153F-4DFE-BFBD-A2AE2C7443B6}" type="datetimeFigureOut">
               <a:rPr lang="en-IN" smtClean="0"/>
-              <a:t>29-04-2020</a:t>
+              <a:t>02-05-2020</a:t>
             </a:fld>
             <a:endParaRPr lang="en-IN"/>
           </a:p>
@@ -3041,7 +3055,7 @@
           <a:p>
             <a:fld id="{4086692B-153F-4DFE-BFBD-A2AE2C7443B6}" type="datetimeFigureOut">
               <a:rPr lang="en-IN" smtClean="0"/>
-              <a:t>29-04-2020</a:t>
+              <a:t>02-05-2020</a:t>
             </a:fld>
             <a:endParaRPr lang="en-IN"/>
           </a:p>
@@ -3284,7 +3298,7 @@
           <a:p>
             <a:fld id="{4086692B-153F-4DFE-BFBD-A2AE2C7443B6}" type="datetimeFigureOut">
               <a:rPr lang="en-IN" smtClean="0"/>
-              <a:t>29-04-2020</a:t>
+              <a:t>02-05-2020</a:t>
             </a:fld>
             <a:endParaRPr lang="en-IN"/>
           </a:p>
@@ -3770,8 +3784,8 @@
         </p:nvSpPr>
         <p:spPr>
           <a:xfrm>
-            <a:off x="838200" y="1779687"/>
-            <a:ext cx="10515600" cy="4524315"/>
+            <a:off x="838200" y="1451662"/>
+            <a:ext cx="10515600" cy="4247317"/>
           </a:xfrm>
           <a:prstGeom prst="rect">
             <a:avLst/>
@@ -3790,50 +3804,136 @@
                   <a:schemeClr val="bg1"/>
                 </a:solidFill>
               </a:rPr>
-              <a:t>Richardson Maturity Model</a:t>
-            </a:r>
-          </a:p>
-          <a:p>
-            <a:r>
-              <a:rPr lang="en-US" b="1" dirty="0">
-                <a:solidFill>
-                  <a:schemeClr val="bg1"/>
-                </a:solidFill>
-              </a:rPr>
-              <a:t>12 Factor applications</a:t>
-            </a:r>
-          </a:p>
-          <a:p>
-            <a:r>
-              <a:rPr lang="en-US" b="1" dirty="0">
-                <a:solidFill>
-                  <a:schemeClr val="bg1"/>
-                </a:solidFill>
-              </a:rPr>
-              <a:t>Decomposition patterns</a:t>
-            </a:r>
-          </a:p>
-          <a:p>
-            <a:r>
-              <a:rPr lang="en-US" b="1" dirty="0">
-                <a:solidFill>
-                  <a:schemeClr val="bg1"/>
-                </a:solidFill>
-              </a:rPr>
-              <a:t>	Decompose by business capability</a:t>
-            </a:r>
-          </a:p>
-          <a:p>
-            <a:r>
-              <a:rPr lang="en-US" b="1" dirty="0">
-                <a:solidFill>
-                  <a:schemeClr val="bg1"/>
-                </a:solidFill>
-              </a:rPr>
-              <a:t>	Decompose by subdomain</a:t>
-            </a:r>
-          </a:p>
-          <a:p>
+              <a:t>Introduction to Service Discovery</a:t>
+            </a:r>
+          </a:p>
+          <a:p>
+            <a:r>
+              <a:rPr lang="en-US" b="1" dirty="0">
+                <a:solidFill>
+                  <a:schemeClr val="bg1"/>
+                </a:solidFill>
+              </a:rPr>
+              <a:t>	Client side service discovery</a:t>
+            </a:r>
+          </a:p>
+          <a:p>
+            <a:r>
+              <a:rPr lang="en-US" b="1" dirty="0">
+                <a:solidFill>
+                  <a:schemeClr val="bg1"/>
+                </a:solidFill>
+              </a:rPr>
+              <a:t>		Eureka service</a:t>
+            </a:r>
+          </a:p>
+          <a:p>
+            <a:r>
+              <a:rPr lang="en-US" b="1" dirty="0">
+                <a:solidFill>
+                  <a:schemeClr val="bg1"/>
+                </a:solidFill>
+              </a:rPr>
+              <a:t>			Implementing the service discovery with Eureka</a:t>
+            </a:r>
+          </a:p>
+          <a:p>
+            <a:r>
+              <a:rPr lang="en-US" b="1" dirty="0">
+                <a:solidFill>
+                  <a:schemeClr val="bg1"/>
+                </a:solidFill>
+              </a:rPr>
+              <a:t>			Client side load balancing</a:t>
+            </a:r>
+          </a:p>
+          <a:p>
+            <a:r>
+              <a:rPr lang="en-US" b="1" dirty="0">
+                <a:solidFill>
+                  <a:schemeClr val="bg1"/>
+                </a:solidFill>
+              </a:rPr>
+              <a:t>		server side service discovery</a:t>
+            </a:r>
+          </a:p>
+          <a:p>
+            <a:r>
+              <a:rPr lang="en-US" b="1" dirty="0">
+                <a:solidFill>
+                  <a:schemeClr val="bg1"/>
+                </a:solidFill>
+              </a:rPr>
+              <a:t>			Docker/Kubernetes</a:t>
+            </a:r>
+          </a:p>
+          <a:p>
+            <a:r>
+              <a:rPr lang="en-US" b="1" dirty="0">
+                <a:solidFill>
+                  <a:schemeClr val="bg1"/>
+                </a:solidFill>
+              </a:rPr>
+              <a:t>				How Docker/Kubernetes does server side service discovery</a:t>
+            </a:r>
+          </a:p>
+          <a:p>
+            <a:r>
+              <a:rPr lang="en-US" b="1" dirty="0">
+                <a:solidFill>
+                  <a:schemeClr val="bg1"/>
+                </a:solidFill>
+              </a:rPr>
+              <a:t>Testing patterns: Service Component Test and Service Integration Contract Test</a:t>
+            </a:r>
+          </a:p>
+          <a:p>
+            <a:r>
+              <a:rPr lang="en-US" b="1" dirty="0">
+                <a:solidFill>
+                  <a:schemeClr val="bg1"/>
+                </a:solidFill>
+              </a:rPr>
+              <a:t>	Junit with Mockito</a:t>
+            </a:r>
+          </a:p>
+          <a:p>
+            <a:r>
+              <a:rPr lang="en-US" b="1" dirty="0">
+                <a:solidFill>
+                  <a:schemeClr val="bg1"/>
+                </a:solidFill>
+              </a:rPr>
+              <a:t>	Write a simple test using Mockito			</a:t>
+            </a:r>
+          </a:p>
+          <a:p>
+            <a:r>
+              <a:rPr lang="en-US" b="1" dirty="0">
+                <a:solidFill>
+                  <a:schemeClr val="bg1"/>
+                </a:solidFill>
+              </a:rPr>
+              <a:t>API Gateway Pattern</a:t>
+            </a:r>
+          </a:p>
+          <a:p>
+            <a:r>
+              <a:rPr lang="en-US" b="1" dirty="0">
+                <a:solidFill>
+                  <a:schemeClr val="bg1"/>
+                </a:solidFill>
+              </a:rPr>
+              <a:t>	</a:t>
+            </a:r>
+            <a:r>
+              <a:rPr lang="en-US" b="1" dirty="0" err="1">
+                <a:solidFill>
+                  <a:schemeClr val="bg1"/>
+                </a:solidFill>
+              </a:rPr>
+              <a:t>Zuul</a:t>
+            </a:r>
             <a:endParaRPr lang="en-US" b="1" dirty="0">
               <a:solidFill>
                 <a:schemeClr val="bg1"/>
@@ -3847,115 +3947,1321 @@
                   <a:schemeClr val="bg1"/>
                 </a:solidFill>
               </a:rPr>
-              <a:t>Testing patterns: Service Component Test and Service Integration Contract Test</a:t>
-            </a:r>
-          </a:p>
-          <a:p>
-            <a:r>
-              <a:rPr lang="en-US" b="1" dirty="0">
-                <a:solidFill>
-                  <a:schemeClr val="bg1"/>
-                </a:solidFill>
-              </a:rPr>
-              <a:t>	Junit with Mockito</a:t>
-            </a:r>
-          </a:p>
-          <a:p>
-            <a:r>
-              <a:rPr lang="en-US" b="1" dirty="0">
-                <a:solidFill>
-                  <a:schemeClr val="bg1"/>
-                </a:solidFill>
-              </a:rPr>
-              <a:t>		Write a simple test using Mockito</a:t>
-            </a:r>
-          </a:p>
-          <a:p>
-            <a:r>
-              <a:rPr lang="en-US" b="1" dirty="0">
-                <a:solidFill>
-                  <a:schemeClr val="bg1"/>
-                </a:solidFill>
-              </a:rPr>
-              <a:t>			</a:t>
-            </a:r>
-          </a:p>
-          <a:p>
-            <a:r>
-              <a:rPr lang="en-US" b="1" dirty="0">
-                <a:solidFill>
-                  <a:schemeClr val="bg1"/>
-                </a:solidFill>
-              </a:rPr>
-              <a:t>API Gateway Pattern</a:t>
-            </a:r>
-          </a:p>
-          <a:p>
-            <a:r>
-              <a:rPr lang="en-US" b="1" dirty="0">
-                <a:solidFill>
-                  <a:schemeClr val="bg1"/>
-                </a:solidFill>
-              </a:rPr>
-              <a:t>	</a:t>
-            </a:r>
+              <a:t>Security </a:t>
+            </a:r>
+          </a:p>
+          <a:p>
+            <a:r>
+              <a:rPr lang="en-US" b="1" dirty="0">
+                <a:solidFill>
+                  <a:schemeClr val="bg1"/>
+                </a:solidFill>
+              </a:rPr>
+              <a:t>	Discuss security best practices for Docker and Microservices</a:t>
+            </a:r>
+          </a:p>
+        </p:txBody>
+      </p:sp>
+    </p:spTree>
+    <p:extLst>
+      <p:ext uri="{BB962C8B-B14F-4D97-AF65-F5344CB8AC3E}">
+        <p14:creationId xmlns:p14="http://schemas.microsoft.com/office/powerpoint/2010/main" val="3416074860"/>
+      </p:ext>
+    </p:extLst>
+  </p:cSld>
+  <p:clrMapOvr>
+    <a:masterClrMapping/>
+  </p:clrMapOvr>
+</p:sld>
+</file>
+
+<file path=ppt/slides/slide10.xml><?xml version="1.0" encoding="utf-8"?>
+<p:sld xmlns:a="http://schemas.openxmlformats.org/drawingml/2006/main" xmlns:r="http://schemas.openxmlformats.org/officeDocument/2006/relationships" xmlns:p="http://schemas.openxmlformats.org/presentationml/2006/main">
+  <p:cSld>
+    <p:bg>
+      <p:bgPr>
+        <a:solidFill>
+          <a:schemeClr val="tx2">
+            <a:lumMod val="60000"/>
+            <a:lumOff val="40000"/>
+          </a:schemeClr>
+        </a:solidFill>
+        <a:effectLst/>
+      </p:bgPr>
+    </p:bg>
+    <p:spTree>
+      <p:nvGrpSpPr>
+        <p:cNvPr id="1" name=""/>
+        <p:cNvGrpSpPr/>
+        <p:nvPr/>
+      </p:nvGrpSpPr>
+      <p:grpSpPr>
+        <a:xfrm>
+          <a:off x="0" y="0"/>
+          <a:ext cx="0" cy="0"/>
+          <a:chOff x="0" y="0"/>
+          <a:chExt cx="0" cy="0"/>
+        </a:xfrm>
+      </p:grpSpPr>
+      <p:sp>
+        <p:nvSpPr>
+          <p:cNvPr id="2" name="Title 1">
+            <a:extLst>
+              <a:ext uri="{FF2B5EF4-FFF2-40B4-BE49-F238E27FC236}">
+                <a16:creationId xmlns:a16="http://schemas.microsoft.com/office/drawing/2014/main" id="{51F2C05B-3556-493B-855C-1F19ADDBAF69}"/>
+              </a:ext>
+            </a:extLst>
+          </p:cNvPr>
+          <p:cNvSpPr>
+            <a:spLocks noGrp="1"/>
+          </p:cNvSpPr>
+          <p:nvPr>
+            <p:ph type="title"/>
+          </p:nvPr>
+        </p:nvSpPr>
+        <p:spPr>
+          <a:xfrm>
+            <a:off x="838200" y="365125"/>
+            <a:ext cx="11099104" cy="1325563"/>
+          </a:xfrm>
+        </p:spPr>
+        <p:txBody>
+          <a:bodyPr/>
+          <a:lstStyle/>
+          <a:p>
+            <a:r>
+              <a:rPr lang="en-US" b="1" dirty="0">
+                <a:solidFill>
+                  <a:schemeClr val="bg1"/>
+                </a:solidFill>
+              </a:rPr>
+              <a:t>Architecture</a:t>
+            </a:r>
+          </a:p>
+        </p:txBody>
+      </p:sp>
+      <p:sp>
+        <p:nvSpPr>
+          <p:cNvPr id="4" name="TextBox 3">
+            <a:extLst>
+              <a:ext uri="{FF2B5EF4-FFF2-40B4-BE49-F238E27FC236}">
+                <a16:creationId xmlns:a16="http://schemas.microsoft.com/office/drawing/2014/main" id="{A32609F5-383A-417E-B9B0-CE955463E2E4}"/>
+              </a:ext>
+            </a:extLst>
+          </p:cNvPr>
+          <p:cNvSpPr txBox="1"/>
+          <p:nvPr/>
+        </p:nvSpPr>
+        <p:spPr>
+          <a:xfrm>
+            <a:off x="838200" y="1639662"/>
+            <a:ext cx="10515600" cy="4801314"/>
+          </a:xfrm>
+          <a:prstGeom prst="rect">
+            <a:avLst/>
+          </a:prstGeom>
+          <a:noFill/>
+        </p:spPr>
+        <p:txBody>
+          <a:bodyPr wrap="square" rtlCol="0">
+            <a:spAutoFit/>
+          </a:bodyPr>
+          <a:lstStyle/>
+          <a:p>
+            <a:r>
+              <a:rPr lang="en-US" b="1" dirty="0">
+                <a:solidFill>
+                  <a:schemeClr val="bg1"/>
+                </a:solidFill>
+              </a:rPr>
+              <a:t>Eureka system </a:t>
+            </a:r>
+          </a:p>
+          <a:p>
+            <a:r>
+              <a:rPr lang="en-US" b="1" dirty="0">
+                <a:solidFill>
+                  <a:schemeClr val="bg1"/>
+                </a:solidFill>
+              </a:rPr>
+              <a:t>	consists of a write and read cluster. </a:t>
+            </a:r>
+          </a:p>
+          <a:p>
+            <a:r>
+              <a:rPr lang="en-US" b="1" dirty="0">
+                <a:solidFill>
+                  <a:schemeClr val="bg1"/>
+                </a:solidFill>
+              </a:rPr>
+              <a:t>The write cluster </a:t>
+            </a:r>
+          </a:p>
+          <a:p>
+            <a:r>
+              <a:rPr lang="en-US" b="1" dirty="0">
+                <a:solidFill>
+                  <a:schemeClr val="bg1"/>
+                </a:solidFill>
+              </a:rPr>
+              <a:t>	stateful subsystem, </a:t>
+            </a:r>
+          </a:p>
+          <a:p>
+            <a:r>
+              <a:rPr lang="en-US" b="1" dirty="0">
+                <a:solidFill>
+                  <a:schemeClr val="bg1"/>
+                </a:solidFill>
+              </a:rPr>
+              <a:t>	which handles client registrations </a:t>
+            </a:r>
+          </a:p>
+          <a:p>
+            <a:r>
+              <a:rPr lang="en-US" b="1" dirty="0">
+                <a:solidFill>
+                  <a:schemeClr val="bg1"/>
+                </a:solidFill>
+              </a:rPr>
+              <a:t>	maintains internal service registry. </a:t>
+            </a:r>
+          </a:p>
+          <a:p>
+            <a:r>
+              <a:rPr lang="en-US" b="1" dirty="0">
+                <a:solidFill>
+                  <a:schemeClr val="bg1"/>
+                </a:solidFill>
+              </a:rPr>
+              <a:t>The registry content </a:t>
+            </a:r>
+          </a:p>
+          <a:p>
+            <a:r>
+              <a:rPr lang="en-US" b="1" dirty="0">
+                <a:solidFill>
+                  <a:schemeClr val="bg1"/>
+                </a:solidFill>
+              </a:rPr>
+              <a:t>	replicated between the all write server nodes in an eventually consistent manner. </a:t>
+            </a:r>
+          </a:p>
+          <a:p>
+            <a:r>
+              <a:rPr lang="en-US" b="1" dirty="0">
+                <a:solidFill>
+                  <a:schemeClr val="bg1"/>
+                </a:solidFill>
+              </a:rPr>
+              <a:t>The write cluster's registry content is read by the read cluster</a:t>
+            </a:r>
+          </a:p>
+          <a:p>
+            <a:r>
+              <a:rPr lang="en-US" b="1" dirty="0">
+                <a:solidFill>
+                  <a:schemeClr val="bg1"/>
+                </a:solidFill>
+              </a:rPr>
+              <a:t>	ultimately is used by the Eureka clients. </a:t>
+            </a:r>
+          </a:p>
+          <a:p>
+            <a:r>
+              <a:rPr lang="en-US" b="1" dirty="0">
+                <a:solidFill>
+                  <a:schemeClr val="bg1"/>
+                </a:solidFill>
+              </a:rPr>
+              <a:t>Read cluster </a:t>
+            </a:r>
+          </a:p>
+          <a:p>
+            <a:r>
+              <a:rPr lang="en-US" b="1" dirty="0">
+                <a:solidFill>
+                  <a:schemeClr val="bg1"/>
+                </a:solidFill>
+              </a:rPr>
+              <a:t>	is a cache layer, </a:t>
+            </a:r>
+          </a:p>
+          <a:p>
+            <a:r>
+              <a:rPr lang="en-US" b="1" dirty="0">
+                <a:solidFill>
+                  <a:schemeClr val="bg1"/>
+                </a:solidFill>
+              </a:rPr>
+              <a:t>	can be easily, and rapidly scaled out/in </a:t>
+            </a:r>
+          </a:p>
+          <a:p>
+            <a:r>
+              <a:rPr lang="en-US" b="1" dirty="0">
+                <a:solidFill>
+                  <a:schemeClr val="bg1"/>
+                </a:solidFill>
+              </a:rPr>
+              <a:t>The write cluster </a:t>
+            </a:r>
+          </a:p>
+          <a:p>
+            <a:r>
+              <a:rPr lang="en-US" b="1" dirty="0">
+                <a:solidFill>
+                  <a:schemeClr val="bg1"/>
+                </a:solidFill>
+              </a:rPr>
+              <a:t>	should be pre-scaled with a capacity enough to handle the peek/busy hour traffic. </a:t>
+            </a:r>
+          </a:p>
+          <a:p>
+            <a:r>
+              <a:rPr lang="en-US" b="1" dirty="0">
+                <a:solidFill>
+                  <a:schemeClr val="bg1"/>
+                </a:solidFill>
+              </a:rPr>
+              <a:t>	Scale out requires re-balancing (eventually balanced)</a:t>
+            </a:r>
+          </a:p>
+          <a:p>
+            <a:r>
+              <a:rPr lang="en-US" b="1" dirty="0">
+                <a:solidFill>
+                  <a:schemeClr val="bg1"/>
+                </a:solidFill>
+              </a:rPr>
+              <a:t>	Scale down will force terminated clients to re-register</a:t>
+            </a:r>
+          </a:p>
+        </p:txBody>
+      </p:sp>
+    </p:spTree>
+    <p:extLst>
+      <p:ext uri="{BB962C8B-B14F-4D97-AF65-F5344CB8AC3E}">
+        <p14:creationId xmlns:p14="http://schemas.microsoft.com/office/powerpoint/2010/main" val="3187117589"/>
+      </p:ext>
+    </p:extLst>
+  </p:cSld>
+  <p:clrMapOvr>
+    <a:masterClrMapping/>
+  </p:clrMapOvr>
+</p:sld>
+</file>
+
+<file path=ppt/slides/slide11.xml><?xml version="1.0" encoding="utf-8"?>
+<p:sld xmlns:a="http://schemas.openxmlformats.org/drawingml/2006/main" xmlns:r="http://schemas.openxmlformats.org/officeDocument/2006/relationships" xmlns:p="http://schemas.openxmlformats.org/presentationml/2006/main">
+  <p:cSld>
+    <p:bg>
+      <p:bgPr>
+        <a:solidFill>
+          <a:schemeClr val="tx2">
+            <a:lumMod val="60000"/>
+            <a:lumOff val="40000"/>
+          </a:schemeClr>
+        </a:solidFill>
+        <a:effectLst/>
+      </p:bgPr>
+    </p:bg>
+    <p:spTree>
+      <p:nvGrpSpPr>
+        <p:cNvPr id="1" name=""/>
+        <p:cNvGrpSpPr/>
+        <p:nvPr/>
+      </p:nvGrpSpPr>
+      <p:grpSpPr>
+        <a:xfrm>
+          <a:off x="0" y="0"/>
+          <a:ext cx="0" cy="0"/>
+          <a:chOff x="0" y="0"/>
+          <a:chExt cx="0" cy="0"/>
+        </a:xfrm>
+      </p:grpSpPr>
+      <p:sp>
+        <p:nvSpPr>
+          <p:cNvPr id="2" name="Title 1">
+            <a:extLst>
+              <a:ext uri="{FF2B5EF4-FFF2-40B4-BE49-F238E27FC236}">
+                <a16:creationId xmlns:a16="http://schemas.microsoft.com/office/drawing/2014/main" id="{51F2C05B-3556-493B-855C-1F19ADDBAF69}"/>
+              </a:ext>
+            </a:extLst>
+          </p:cNvPr>
+          <p:cNvSpPr>
+            <a:spLocks noGrp="1"/>
+          </p:cNvSpPr>
+          <p:nvPr>
+            <p:ph type="title"/>
+          </p:nvPr>
+        </p:nvSpPr>
+        <p:spPr>
+          <a:xfrm>
+            <a:off x="838200" y="365125"/>
+            <a:ext cx="11099104" cy="1325563"/>
+          </a:xfrm>
+        </p:spPr>
+        <p:txBody>
+          <a:bodyPr/>
+          <a:lstStyle/>
+          <a:p>
+            <a:r>
+              <a:rPr lang="en-US" b="1" dirty="0">
+                <a:solidFill>
+                  <a:schemeClr val="bg1"/>
+                </a:solidFill>
+              </a:rPr>
+              <a:t>Client Registration</a:t>
+            </a:r>
+          </a:p>
+        </p:txBody>
+      </p:sp>
+      <p:sp>
+        <p:nvSpPr>
+          <p:cNvPr id="4" name="TextBox 3">
+            <a:extLst>
+              <a:ext uri="{FF2B5EF4-FFF2-40B4-BE49-F238E27FC236}">
+                <a16:creationId xmlns:a16="http://schemas.microsoft.com/office/drawing/2014/main" id="{A32609F5-383A-417E-B9B0-CE955463E2E4}"/>
+              </a:ext>
+            </a:extLst>
+          </p:cNvPr>
+          <p:cNvSpPr txBox="1"/>
+          <p:nvPr/>
+        </p:nvSpPr>
+        <p:spPr>
+          <a:xfrm>
+            <a:off x="838200" y="1779687"/>
+            <a:ext cx="10515600" cy="369332"/>
+          </a:xfrm>
+          <a:prstGeom prst="rect">
+            <a:avLst/>
+          </a:prstGeom>
+          <a:noFill/>
+        </p:spPr>
+        <p:txBody>
+          <a:bodyPr wrap="square" rtlCol="0">
+            <a:spAutoFit/>
+          </a:bodyPr>
+          <a:lstStyle/>
+          <a:p>
             <a:r>
               <a:rPr lang="en-US" b="1" dirty="0" err="1">
                 <a:solidFill>
                   <a:schemeClr val="bg1"/>
                 </a:solidFill>
               </a:rPr>
-              <a:t>Zuul</a:t>
-            </a:r>
-            <a:endParaRPr lang="en-US" b="1" dirty="0">
+              <a:t>asd</a:t>
+            </a:r>
+            <a:endParaRPr lang="en-US" dirty="0">
               <a:solidFill>
                 <a:schemeClr val="bg1"/>
               </a:solidFill>
             </a:endParaRPr>
           </a:p>
-          <a:p>
-            <a:endParaRPr lang="en-US" b="1" dirty="0">
+        </p:txBody>
+      </p:sp>
+      <p:pic>
+        <p:nvPicPr>
+          <p:cNvPr id="4098" name="Picture 2" descr="Figure 2. Client registration">
+            <a:extLst>
+              <a:ext uri="{FF2B5EF4-FFF2-40B4-BE49-F238E27FC236}">
+                <a16:creationId xmlns:a16="http://schemas.microsoft.com/office/drawing/2014/main" id="{CEC19323-DBFF-480F-B823-285B67FED708}"/>
+              </a:ext>
+            </a:extLst>
+          </p:cNvPr>
+          <p:cNvPicPr>
+            <a:picLocks noChangeAspect="1" noChangeArrowheads="1"/>
+          </p:cNvPicPr>
+          <p:nvPr/>
+        </p:nvPicPr>
+        <p:blipFill>
+          <a:blip r:embed="rId2">
+            <a:extLst>
+              <a:ext uri="{28A0092B-C50C-407E-A947-70E740481C1C}">
+                <a14:useLocalDpi xmlns:a14="http://schemas.microsoft.com/office/drawing/2010/main" val="0"/>
+              </a:ext>
+            </a:extLst>
+          </a:blip>
+          <a:srcRect/>
+          <a:stretch>
+            <a:fillRect/>
+          </a:stretch>
+        </p:blipFill>
+        <p:spPr bwMode="auto">
+          <a:xfrm>
+            <a:off x="3905250" y="2419350"/>
+            <a:ext cx="4381500" cy="2019300"/>
+          </a:xfrm>
+          <a:prstGeom prst="rect">
+            <a:avLst/>
+          </a:prstGeom>
+          <a:noFill/>
+          <a:extLst>
+            <a:ext uri="{909E8E84-426E-40DD-AFC4-6F175D3DCCD1}">
+              <a14:hiddenFill xmlns:a14="http://schemas.microsoft.com/office/drawing/2010/main">
+                <a:solidFill>
+                  <a:srgbClr val="FFFFFF"/>
+                </a:solidFill>
+              </a14:hiddenFill>
+            </a:ext>
+          </a:extLst>
+        </p:spPr>
+      </p:pic>
+    </p:spTree>
+    <p:extLst>
+      <p:ext uri="{BB962C8B-B14F-4D97-AF65-F5344CB8AC3E}">
+        <p14:creationId xmlns:p14="http://schemas.microsoft.com/office/powerpoint/2010/main" val="2453228912"/>
+      </p:ext>
+    </p:extLst>
+  </p:cSld>
+  <p:clrMapOvr>
+    <a:masterClrMapping/>
+  </p:clrMapOvr>
+</p:sld>
+</file>
+
+<file path=ppt/slides/slide12.xml><?xml version="1.0" encoding="utf-8"?>
+<p:sld xmlns:a="http://schemas.openxmlformats.org/drawingml/2006/main" xmlns:r="http://schemas.openxmlformats.org/officeDocument/2006/relationships" xmlns:p="http://schemas.openxmlformats.org/presentationml/2006/main">
+  <p:cSld>
+    <p:bg>
+      <p:bgPr>
+        <a:solidFill>
+          <a:schemeClr val="tx2">
+            <a:lumMod val="60000"/>
+            <a:lumOff val="40000"/>
+          </a:schemeClr>
+        </a:solidFill>
+        <a:effectLst/>
+      </p:bgPr>
+    </p:bg>
+    <p:spTree>
+      <p:nvGrpSpPr>
+        <p:cNvPr id="1" name=""/>
+        <p:cNvGrpSpPr/>
+        <p:nvPr/>
+      </p:nvGrpSpPr>
+      <p:grpSpPr>
+        <a:xfrm>
+          <a:off x="0" y="0"/>
+          <a:ext cx="0" cy="0"/>
+          <a:chOff x="0" y="0"/>
+          <a:chExt cx="0" cy="0"/>
+        </a:xfrm>
+      </p:grpSpPr>
+      <p:sp>
+        <p:nvSpPr>
+          <p:cNvPr id="2" name="Title 1">
+            <a:extLst>
+              <a:ext uri="{FF2B5EF4-FFF2-40B4-BE49-F238E27FC236}">
+                <a16:creationId xmlns:a16="http://schemas.microsoft.com/office/drawing/2014/main" id="{51F2C05B-3556-493B-855C-1F19ADDBAF69}"/>
+              </a:ext>
+            </a:extLst>
+          </p:cNvPr>
+          <p:cNvSpPr>
+            <a:spLocks noGrp="1"/>
+          </p:cNvSpPr>
+          <p:nvPr>
+            <p:ph type="title"/>
+          </p:nvPr>
+        </p:nvSpPr>
+        <p:spPr>
+          <a:xfrm>
+            <a:off x="838200" y="365125"/>
+            <a:ext cx="11099104" cy="1325563"/>
+          </a:xfrm>
+        </p:spPr>
+        <p:txBody>
+          <a:bodyPr/>
+          <a:lstStyle/>
+          <a:p>
+            <a:r>
+              <a:rPr lang="en-US" b="1" dirty="0">
+                <a:solidFill>
+                  <a:schemeClr val="bg1"/>
+                </a:solidFill>
+              </a:rPr>
+              <a:t>Client Registration</a:t>
+            </a:r>
+          </a:p>
+        </p:txBody>
+      </p:sp>
+      <p:sp>
+        <p:nvSpPr>
+          <p:cNvPr id="4" name="TextBox 3">
+            <a:extLst>
+              <a:ext uri="{FF2B5EF4-FFF2-40B4-BE49-F238E27FC236}">
+                <a16:creationId xmlns:a16="http://schemas.microsoft.com/office/drawing/2014/main" id="{A32609F5-383A-417E-B9B0-CE955463E2E4}"/>
+              </a:ext>
+            </a:extLst>
+          </p:cNvPr>
+          <p:cNvSpPr txBox="1"/>
+          <p:nvPr/>
+        </p:nvSpPr>
+        <p:spPr>
+          <a:xfrm>
+            <a:off x="838200" y="1484222"/>
+            <a:ext cx="10515600" cy="3416320"/>
+          </a:xfrm>
+          <a:prstGeom prst="rect">
+            <a:avLst/>
+          </a:prstGeom>
+          <a:noFill/>
+        </p:spPr>
+        <p:txBody>
+          <a:bodyPr wrap="square" rtlCol="0">
+            <a:spAutoFit/>
+          </a:bodyPr>
+          <a:lstStyle/>
+          <a:p>
+            <a:r>
+              <a:rPr lang="en-US" b="1" dirty="0">
+                <a:solidFill>
+                  <a:schemeClr val="bg1"/>
+                </a:solidFill>
+              </a:rPr>
+              <a:t>Eureka clients </a:t>
+            </a:r>
+          </a:p>
+          <a:p>
+            <a:r>
+              <a:rPr lang="en-US" b="1" dirty="0">
+                <a:solidFill>
+                  <a:schemeClr val="bg1"/>
+                </a:solidFill>
+              </a:rPr>
+              <a:t>	register themselves to be discoverable. </a:t>
+            </a:r>
+          </a:p>
+          <a:p>
+            <a:r>
+              <a:rPr lang="en-US" b="1" dirty="0">
+                <a:solidFill>
+                  <a:schemeClr val="bg1"/>
+                </a:solidFill>
+              </a:rPr>
+              <a:t>Registrations include </a:t>
+            </a:r>
+          </a:p>
+          <a:p>
+            <a:r>
+              <a:rPr lang="en-US" b="1" dirty="0">
+                <a:solidFill>
+                  <a:schemeClr val="bg1"/>
+                </a:solidFill>
+              </a:rPr>
+              <a:t>	discoverable identifiers </a:t>
+            </a:r>
+          </a:p>
+          <a:p>
+            <a:r>
+              <a:rPr lang="en-US" b="1" dirty="0">
+                <a:solidFill>
+                  <a:schemeClr val="bg1"/>
+                </a:solidFill>
+              </a:rPr>
+              <a:t>	service status, </a:t>
+            </a:r>
+          </a:p>
+          <a:p>
+            <a:r>
+              <a:rPr lang="en-US" b="1" dirty="0">
+                <a:solidFill>
+                  <a:schemeClr val="bg1"/>
+                </a:solidFill>
+              </a:rPr>
+              <a:t>	optional freeform metadata. </a:t>
+            </a:r>
+          </a:p>
+          <a:p>
+            <a:r>
+              <a:rPr lang="en-US" b="1" dirty="0">
+                <a:solidFill>
+                  <a:schemeClr val="bg1"/>
+                </a:solidFill>
+              </a:rPr>
+              <a:t>A single client </a:t>
+            </a:r>
+          </a:p>
+          <a:p>
+            <a:r>
+              <a:rPr lang="en-US" b="1" dirty="0">
+                <a:solidFill>
+                  <a:schemeClr val="bg1"/>
+                </a:solidFill>
+              </a:rPr>
+              <a:t>	can register multiple service instances/times. </a:t>
+            </a:r>
+          </a:p>
+          <a:p>
+            <a:r>
+              <a:rPr lang="en-US" b="1" dirty="0">
+                <a:solidFill>
+                  <a:schemeClr val="bg1"/>
+                </a:solidFill>
+              </a:rPr>
+              <a:t>	Each registration is handled over a separate connection to the write server</a:t>
+            </a:r>
+          </a:p>
+          <a:p>
+            <a:r>
+              <a:rPr lang="en-US" b="1" dirty="0">
+                <a:solidFill>
+                  <a:schemeClr val="bg1"/>
+                </a:solidFill>
+              </a:rPr>
+              <a:t>	As the connection status itself denotes the service liveness. </a:t>
+            </a:r>
+          </a:p>
+          <a:p>
+            <a:r>
+              <a:rPr lang="en-US" b="1" dirty="0">
+                <a:solidFill>
+                  <a:schemeClr val="bg1"/>
+                </a:solidFill>
+              </a:rPr>
+              <a:t>	Software heartbeats at the Eureka level is used to determine connection liveness </a:t>
+            </a:r>
+          </a:p>
+          <a:p>
+            <a:r>
+              <a:rPr lang="en-US" b="1" dirty="0">
+                <a:solidFill>
+                  <a:schemeClr val="bg1"/>
+                </a:solidFill>
+              </a:rPr>
+              <a:t>	as network stacks in virtualized environments are not 100% trustworthy. </a:t>
+            </a:r>
+          </a:p>
+        </p:txBody>
+      </p:sp>
+    </p:spTree>
+    <p:extLst>
+      <p:ext uri="{BB962C8B-B14F-4D97-AF65-F5344CB8AC3E}">
+        <p14:creationId xmlns:p14="http://schemas.microsoft.com/office/powerpoint/2010/main" val="4139057196"/>
+      </p:ext>
+    </p:extLst>
+  </p:cSld>
+  <p:clrMapOvr>
+    <a:masterClrMapping/>
+  </p:clrMapOvr>
+</p:sld>
+</file>
+
+<file path=ppt/slides/slide13.xml><?xml version="1.0" encoding="utf-8"?>
+<p:sld xmlns:a="http://schemas.openxmlformats.org/drawingml/2006/main" xmlns:r="http://schemas.openxmlformats.org/officeDocument/2006/relationships" xmlns:p="http://schemas.openxmlformats.org/presentationml/2006/main">
+  <p:cSld>
+    <p:bg>
+      <p:bgPr>
+        <a:solidFill>
+          <a:schemeClr val="tx2">
+            <a:lumMod val="60000"/>
+            <a:lumOff val="40000"/>
+          </a:schemeClr>
+        </a:solidFill>
+        <a:effectLst/>
+      </p:bgPr>
+    </p:bg>
+    <p:spTree>
+      <p:nvGrpSpPr>
+        <p:cNvPr id="1" name=""/>
+        <p:cNvGrpSpPr/>
+        <p:nvPr/>
+      </p:nvGrpSpPr>
+      <p:grpSpPr>
+        <a:xfrm>
+          <a:off x="0" y="0"/>
+          <a:ext cx="0" cy="0"/>
+          <a:chOff x="0" y="0"/>
+          <a:chExt cx="0" cy="0"/>
+        </a:xfrm>
+      </p:grpSpPr>
+      <p:sp>
+        <p:nvSpPr>
+          <p:cNvPr id="2" name="Title 1">
+            <a:extLst>
+              <a:ext uri="{FF2B5EF4-FFF2-40B4-BE49-F238E27FC236}">
+                <a16:creationId xmlns:a16="http://schemas.microsoft.com/office/drawing/2014/main" id="{51F2C05B-3556-493B-855C-1F19ADDBAF69}"/>
+              </a:ext>
+            </a:extLst>
+          </p:cNvPr>
+          <p:cNvSpPr>
+            <a:spLocks noGrp="1"/>
+          </p:cNvSpPr>
+          <p:nvPr>
+            <p:ph type="title"/>
+          </p:nvPr>
+        </p:nvSpPr>
+        <p:spPr>
+          <a:xfrm>
+            <a:off x="838200" y="365125"/>
+            <a:ext cx="11099104" cy="1325563"/>
+          </a:xfrm>
+        </p:spPr>
+        <p:txBody>
+          <a:bodyPr/>
+          <a:lstStyle/>
+          <a:p>
+            <a:r>
+              <a:rPr lang="en-US" b="1" dirty="0">
+                <a:solidFill>
+                  <a:schemeClr val="bg1"/>
+                </a:solidFill>
+              </a:rPr>
+              <a:t>Client Registration</a:t>
+            </a:r>
+          </a:p>
+        </p:txBody>
+      </p:sp>
+      <p:sp>
+        <p:nvSpPr>
+          <p:cNvPr id="4" name="TextBox 3">
+            <a:extLst>
+              <a:ext uri="{FF2B5EF4-FFF2-40B4-BE49-F238E27FC236}">
+                <a16:creationId xmlns:a16="http://schemas.microsoft.com/office/drawing/2014/main" id="{A32609F5-383A-417E-B9B0-CE955463E2E4}"/>
+              </a:ext>
+            </a:extLst>
+          </p:cNvPr>
+          <p:cNvSpPr txBox="1"/>
+          <p:nvPr/>
+        </p:nvSpPr>
+        <p:spPr>
+          <a:xfrm>
+            <a:off x="838200" y="1779687"/>
+            <a:ext cx="10515600" cy="2585323"/>
+          </a:xfrm>
+          <a:prstGeom prst="rect">
+            <a:avLst/>
+          </a:prstGeom>
+          <a:noFill/>
+        </p:spPr>
+        <p:txBody>
+          <a:bodyPr wrap="square" rtlCol="0">
+            <a:spAutoFit/>
+          </a:bodyPr>
+          <a:lstStyle/>
+          <a:p>
+            <a:r>
+              <a:rPr lang="en-US" b="1">
+                <a:solidFill>
+                  <a:schemeClr val="bg1"/>
+                </a:solidFill>
+              </a:rPr>
+              <a:t>If </a:t>
+            </a:r>
+            <a:r>
+              <a:rPr lang="en-US" b="1" dirty="0">
+                <a:solidFill>
+                  <a:schemeClr val="bg1"/>
+                </a:solidFill>
+              </a:rPr>
+              <a:t>a connection is lost</a:t>
+            </a:r>
+          </a:p>
+          <a:p>
+            <a:r>
+              <a:rPr lang="en-US" b="1" dirty="0">
+                <a:solidFill>
+                  <a:schemeClr val="bg1"/>
+                </a:solidFill>
+              </a:rPr>
+              <a:t>	the registration entry in the write cluster registry is put into the eviction queue</a:t>
+            </a:r>
+          </a:p>
+          <a:p>
+            <a:r>
+              <a:rPr lang="en-US" b="1" dirty="0">
+                <a:solidFill>
+                  <a:schemeClr val="bg1"/>
+                </a:solidFill>
+              </a:rPr>
+              <a:t>	and ultimately remove from the registry. </a:t>
+            </a:r>
+          </a:p>
+          <a:p>
+            <a:r>
+              <a:rPr lang="en-US" b="1" dirty="0">
+                <a:solidFill>
+                  <a:schemeClr val="bg1"/>
+                </a:solidFill>
+              </a:rPr>
+              <a:t>	Well behaving clients should always send unregister request prior to disconnecting. </a:t>
+            </a:r>
+          </a:p>
+          <a:p>
+            <a:r>
+              <a:rPr lang="en-US" b="1" dirty="0">
+                <a:solidFill>
+                  <a:schemeClr val="bg1"/>
+                </a:solidFill>
+              </a:rPr>
+              <a:t>	This will result in immediate removal of the service from the registry. </a:t>
+            </a:r>
+          </a:p>
+          <a:p>
+            <a:r>
+              <a:rPr lang="en-US" b="1" dirty="0">
+                <a:solidFill>
+                  <a:schemeClr val="bg1"/>
+                </a:solidFill>
+              </a:rPr>
+              <a:t>After the registration, </a:t>
+            </a:r>
+          </a:p>
+          <a:p>
+            <a:r>
+              <a:rPr lang="en-US" b="1" dirty="0">
+                <a:solidFill>
+                  <a:schemeClr val="bg1"/>
+                </a:solidFill>
+              </a:rPr>
+              <a:t>	the client can send any number of update requests, </a:t>
+            </a:r>
+          </a:p>
+          <a:p>
+            <a:r>
+              <a:rPr lang="en-US" b="1" dirty="0">
+                <a:solidFill>
+                  <a:schemeClr val="bg1"/>
+                </a:solidFill>
+              </a:rPr>
+              <a:t>	changing its instance data. </a:t>
+            </a:r>
+          </a:p>
+          <a:p>
+            <a:r>
+              <a:rPr lang="en-US" b="1" dirty="0">
+                <a:solidFill>
+                  <a:schemeClr val="bg1"/>
+                </a:solidFill>
+              </a:rPr>
+              <a:t>	For e.g. scale out/in update requests.</a:t>
+            </a:r>
+            <a:endParaRPr lang="en-US" dirty="0">
               <a:solidFill>
                 <a:schemeClr val="bg1"/>
               </a:solidFill>
             </a:endParaRPr>
           </a:p>
-          <a:p>
-            <a:r>
-              <a:rPr lang="en-US" b="1" dirty="0">
-                <a:solidFill>
-                  <a:schemeClr val="bg1"/>
-                </a:solidFill>
-              </a:rPr>
-              <a:t>Security </a:t>
-            </a:r>
-          </a:p>
-          <a:p>
-            <a:r>
-              <a:rPr lang="en-US" b="1" dirty="0">
-                <a:solidFill>
-                  <a:schemeClr val="bg1"/>
-                </a:solidFill>
-              </a:rPr>
-              <a:t>	Discuss security best practices for Docker and Microservices</a:t>
-            </a:r>
-          </a:p>
-          <a:p>
-            <a:r>
-              <a:rPr lang="en-US" b="1" dirty="0">
-                <a:solidFill>
-                  <a:schemeClr val="bg1"/>
-                </a:solidFill>
-              </a:rPr>
-              <a:t>	</a:t>
-            </a:r>
-          </a:p>
         </p:txBody>
       </p:sp>
     </p:spTree>
     <p:extLst>
       <p:ext uri="{BB962C8B-B14F-4D97-AF65-F5344CB8AC3E}">
-        <p14:creationId xmlns:p14="http://schemas.microsoft.com/office/powerpoint/2010/main" val="3416074860"/>
+        <p14:creationId xmlns:p14="http://schemas.microsoft.com/office/powerpoint/2010/main" val="4027824652"/>
+      </p:ext>
+    </p:extLst>
+  </p:cSld>
+  <p:clrMapOvr>
+    <a:masterClrMapping/>
+  </p:clrMapOvr>
+</p:sld>
+</file>
+
+<file path=ppt/slides/slide14.xml><?xml version="1.0" encoding="utf-8"?>
+<p:sld xmlns:a="http://schemas.openxmlformats.org/drawingml/2006/main" xmlns:r="http://schemas.openxmlformats.org/officeDocument/2006/relationships" xmlns:p="http://schemas.openxmlformats.org/presentationml/2006/main">
+  <p:cSld>
+    <p:bg>
+      <p:bgPr>
+        <a:solidFill>
+          <a:schemeClr val="tx2">
+            <a:lumMod val="60000"/>
+            <a:lumOff val="40000"/>
+          </a:schemeClr>
+        </a:solidFill>
+        <a:effectLst/>
+      </p:bgPr>
+    </p:bg>
+    <p:spTree>
+      <p:nvGrpSpPr>
+        <p:cNvPr id="1" name=""/>
+        <p:cNvGrpSpPr/>
+        <p:nvPr/>
+      </p:nvGrpSpPr>
+      <p:grpSpPr>
+        <a:xfrm>
+          <a:off x="0" y="0"/>
+          <a:ext cx="0" cy="0"/>
+          <a:chOff x="0" y="0"/>
+          <a:chExt cx="0" cy="0"/>
+        </a:xfrm>
+      </p:grpSpPr>
+      <p:sp>
+        <p:nvSpPr>
+          <p:cNvPr id="2" name="Title 1">
+            <a:extLst>
+              <a:ext uri="{FF2B5EF4-FFF2-40B4-BE49-F238E27FC236}">
+                <a16:creationId xmlns:a16="http://schemas.microsoft.com/office/drawing/2014/main" id="{51F2C05B-3556-493B-855C-1F19ADDBAF69}"/>
+              </a:ext>
+            </a:extLst>
+          </p:cNvPr>
+          <p:cNvSpPr>
+            <a:spLocks noGrp="1"/>
+          </p:cNvSpPr>
+          <p:nvPr>
+            <p:ph type="title"/>
+          </p:nvPr>
+        </p:nvSpPr>
+        <p:spPr>
+          <a:xfrm>
+            <a:off x="838200" y="365125"/>
+            <a:ext cx="11099104" cy="1325563"/>
+          </a:xfrm>
+        </p:spPr>
+        <p:txBody>
+          <a:bodyPr/>
+          <a:lstStyle/>
+          <a:p>
+            <a:r>
+              <a:rPr lang="en-US" b="1" dirty="0">
+                <a:solidFill>
+                  <a:schemeClr val="bg1"/>
+                </a:solidFill>
+              </a:rPr>
+              <a:t>as</a:t>
+            </a:r>
+          </a:p>
+        </p:txBody>
+      </p:sp>
+      <p:sp>
+        <p:nvSpPr>
+          <p:cNvPr id="4" name="TextBox 3">
+            <a:extLst>
+              <a:ext uri="{FF2B5EF4-FFF2-40B4-BE49-F238E27FC236}">
+                <a16:creationId xmlns:a16="http://schemas.microsoft.com/office/drawing/2014/main" id="{A32609F5-383A-417E-B9B0-CE955463E2E4}"/>
+              </a:ext>
+            </a:extLst>
+          </p:cNvPr>
+          <p:cNvSpPr txBox="1"/>
+          <p:nvPr/>
+        </p:nvSpPr>
+        <p:spPr>
+          <a:xfrm>
+            <a:off x="838200" y="1779687"/>
+            <a:ext cx="10515600" cy="369332"/>
+          </a:xfrm>
+          <a:prstGeom prst="rect">
+            <a:avLst/>
+          </a:prstGeom>
+          <a:noFill/>
+        </p:spPr>
+        <p:txBody>
+          <a:bodyPr wrap="square" rtlCol="0">
+            <a:spAutoFit/>
+          </a:bodyPr>
+          <a:lstStyle/>
+          <a:p>
+            <a:r>
+              <a:rPr lang="en-US" b="1" dirty="0" err="1">
+                <a:solidFill>
+                  <a:schemeClr val="bg1"/>
+                </a:solidFill>
+              </a:rPr>
+              <a:t>asd</a:t>
+            </a:r>
+            <a:endParaRPr lang="en-US" dirty="0">
+              <a:solidFill>
+                <a:schemeClr val="bg1"/>
+              </a:solidFill>
+            </a:endParaRPr>
+          </a:p>
+        </p:txBody>
+      </p:sp>
+      <p:pic>
+        <p:nvPicPr>
+          <p:cNvPr id="5122" name="Picture 2" descr="Figure 3. Client subscription">
+            <a:extLst>
+              <a:ext uri="{FF2B5EF4-FFF2-40B4-BE49-F238E27FC236}">
+                <a16:creationId xmlns:a16="http://schemas.microsoft.com/office/drawing/2014/main" id="{2CDA8EFE-8DD3-4E78-BFBB-3243335DF505}"/>
+              </a:ext>
+            </a:extLst>
+          </p:cNvPr>
+          <p:cNvPicPr>
+            <a:picLocks noChangeAspect="1" noChangeArrowheads="1"/>
+          </p:cNvPicPr>
+          <p:nvPr/>
+        </p:nvPicPr>
+        <p:blipFill>
+          <a:blip r:embed="rId2">
+            <a:extLst>
+              <a:ext uri="{28A0092B-C50C-407E-A947-70E740481C1C}">
+                <a14:useLocalDpi xmlns:a14="http://schemas.microsoft.com/office/drawing/2010/main" val="0"/>
+              </a:ext>
+            </a:extLst>
+          </a:blip>
+          <a:srcRect/>
+          <a:stretch>
+            <a:fillRect/>
+          </a:stretch>
+        </p:blipFill>
+        <p:spPr bwMode="auto">
+          <a:xfrm>
+            <a:off x="2805113" y="1585913"/>
+            <a:ext cx="6581775" cy="3686175"/>
+          </a:xfrm>
+          <a:prstGeom prst="rect">
+            <a:avLst/>
+          </a:prstGeom>
+          <a:noFill/>
+          <a:extLst>
+            <a:ext uri="{909E8E84-426E-40DD-AFC4-6F175D3DCCD1}">
+              <a14:hiddenFill xmlns:a14="http://schemas.microsoft.com/office/drawing/2010/main">
+                <a:solidFill>
+                  <a:srgbClr val="FFFFFF"/>
+                </a:solidFill>
+              </a14:hiddenFill>
+            </a:ext>
+          </a:extLst>
+        </p:spPr>
+      </p:pic>
+    </p:spTree>
+    <p:extLst>
+      <p:ext uri="{BB962C8B-B14F-4D97-AF65-F5344CB8AC3E}">
+        <p14:creationId xmlns:p14="http://schemas.microsoft.com/office/powerpoint/2010/main" val="2991810940"/>
+      </p:ext>
+    </p:extLst>
+  </p:cSld>
+  <p:clrMapOvr>
+    <a:masterClrMapping/>
+  </p:clrMapOvr>
+</p:sld>
+</file>
+
+<file path=ppt/slides/slide15.xml><?xml version="1.0" encoding="utf-8"?>
+<p:sld xmlns:a="http://schemas.openxmlformats.org/drawingml/2006/main" xmlns:r="http://schemas.openxmlformats.org/officeDocument/2006/relationships" xmlns:p="http://schemas.openxmlformats.org/presentationml/2006/main">
+  <p:cSld>
+    <p:bg>
+      <p:bgPr>
+        <a:solidFill>
+          <a:schemeClr val="tx2">
+            <a:lumMod val="60000"/>
+            <a:lumOff val="40000"/>
+          </a:schemeClr>
+        </a:solidFill>
+        <a:effectLst/>
+      </p:bgPr>
+    </p:bg>
+    <p:spTree>
+      <p:nvGrpSpPr>
+        <p:cNvPr id="1" name=""/>
+        <p:cNvGrpSpPr/>
+        <p:nvPr/>
+      </p:nvGrpSpPr>
+      <p:grpSpPr>
+        <a:xfrm>
+          <a:off x="0" y="0"/>
+          <a:ext cx="0" cy="0"/>
+          <a:chOff x="0" y="0"/>
+          <a:chExt cx="0" cy="0"/>
+        </a:xfrm>
+      </p:grpSpPr>
+      <p:sp>
+        <p:nvSpPr>
+          <p:cNvPr id="2" name="Title 1">
+            <a:extLst>
+              <a:ext uri="{FF2B5EF4-FFF2-40B4-BE49-F238E27FC236}">
+                <a16:creationId xmlns:a16="http://schemas.microsoft.com/office/drawing/2014/main" id="{51F2C05B-3556-493B-855C-1F19ADDBAF69}"/>
+              </a:ext>
+            </a:extLst>
+          </p:cNvPr>
+          <p:cNvSpPr>
+            <a:spLocks noGrp="1"/>
+          </p:cNvSpPr>
+          <p:nvPr>
+            <p:ph type="title"/>
+          </p:nvPr>
+        </p:nvSpPr>
+        <p:spPr>
+          <a:xfrm>
+            <a:off x="838200" y="365125"/>
+            <a:ext cx="11099104" cy="1325563"/>
+          </a:xfrm>
+        </p:spPr>
+        <p:txBody>
+          <a:bodyPr/>
+          <a:lstStyle/>
+          <a:p>
+            <a:r>
+              <a:rPr lang="en-US" b="1" dirty="0">
+                <a:solidFill>
+                  <a:schemeClr val="bg1"/>
+                </a:solidFill>
+              </a:rPr>
+              <a:t>as</a:t>
+            </a:r>
+          </a:p>
+        </p:txBody>
+      </p:sp>
+      <p:sp>
+        <p:nvSpPr>
+          <p:cNvPr id="4" name="TextBox 3">
+            <a:extLst>
+              <a:ext uri="{FF2B5EF4-FFF2-40B4-BE49-F238E27FC236}">
+                <a16:creationId xmlns:a16="http://schemas.microsoft.com/office/drawing/2014/main" id="{A32609F5-383A-417E-B9B0-CE955463E2E4}"/>
+              </a:ext>
+            </a:extLst>
+          </p:cNvPr>
+          <p:cNvSpPr txBox="1"/>
+          <p:nvPr/>
+        </p:nvSpPr>
+        <p:spPr>
+          <a:xfrm>
+            <a:off x="838200" y="1779687"/>
+            <a:ext cx="10515600" cy="369332"/>
+          </a:xfrm>
+          <a:prstGeom prst="rect">
+            <a:avLst/>
+          </a:prstGeom>
+          <a:noFill/>
+        </p:spPr>
+        <p:txBody>
+          <a:bodyPr wrap="square" rtlCol="0">
+            <a:spAutoFit/>
+          </a:bodyPr>
+          <a:lstStyle/>
+          <a:p>
+            <a:r>
+              <a:rPr lang="en-US" b="1" dirty="0" err="1">
+                <a:solidFill>
+                  <a:schemeClr val="bg1"/>
+                </a:solidFill>
+              </a:rPr>
+              <a:t>asd</a:t>
+            </a:r>
+            <a:endParaRPr lang="en-US" dirty="0">
+              <a:solidFill>
+                <a:schemeClr val="bg1"/>
+              </a:solidFill>
+            </a:endParaRPr>
+          </a:p>
+        </p:txBody>
+      </p:sp>
+    </p:spTree>
+    <p:extLst>
+      <p:ext uri="{BB962C8B-B14F-4D97-AF65-F5344CB8AC3E}">
+        <p14:creationId xmlns:p14="http://schemas.microsoft.com/office/powerpoint/2010/main" val="936731269"/>
+      </p:ext>
+    </p:extLst>
+  </p:cSld>
+  <p:clrMapOvr>
+    <a:masterClrMapping/>
+  </p:clrMapOvr>
+</p:sld>
+</file>
+
+<file path=ppt/slides/slide16.xml><?xml version="1.0" encoding="utf-8"?>
+<p:sld xmlns:a="http://schemas.openxmlformats.org/drawingml/2006/main" xmlns:r="http://schemas.openxmlformats.org/officeDocument/2006/relationships" xmlns:p="http://schemas.openxmlformats.org/presentationml/2006/main">
+  <p:cSld>
+    <p:bg>
+      <p:bgPr>
+        <a:solidFill>
+          <a:schemeClr val="tx2">
+            <a:lumMod val="60000"/>
+            <a:lumOff val="40000"/>
+          </a:schemeClr>
+        </a:solidFill>
+        <a:effectLst/>
+      </p:bgPr>
+    </p:bg>
+    <p:spTree>
+      <p:nvGrpSpPr>
+        <p:cNvPr id="1" name=""/>
+        <p:cNvGrpSpPr/>
+        <p:nvPr/>
+      </p:nvGrpSpPr>
+      <p:grpSpPr>
+        <a:xfrm>
+          <a:off x="0" y="0"/>
+          <a:ext cx="0" cy="0"/>
+          <a:chOff x="0" y="0"/>
+          <a:chExt cx="0" cy="0"/>
+        </a:xfrm>
+      </p:grpSpPr>
+      <p:sp>
+        <p:nvSpPr>
+          <p:cNvPr id="2" name="Title 1">
+            <a:extLst>
+              <a:ext uri="{FF2B5EF4-FFF2-40B4-BE49-F238E27FC236}">
+                <a16:creationId xmlns:a16="http://schemas.microsoft.com/office/drawing/2014/main" id="{51F2C05B-3556-493B-855C-1F19ADDBAF69}"/>
+              </a:ext>
+            </a:extLst>
+          </p:cNvPr>
+          <p:cNvSpPr>
+            <a:spLocks noGrp="1"/>
+          </p:cNvSpPr>
+          <p:nvPr>
+            <p:ph type="title"/>
+          </p:nvPr>
+        </p:nvSpPr>
+        <p:spPr>
+          <a:xfrm>
+            <a:off x="838200" y="365125"/>
+            <a:ext cx="11099104" cy="1325563"/>
+          </a:xfrm>
+        </p:spPr>
+        <p:txBody>
+          <a:bodyPr/>
+          <a:lstStyle/>
+          <a:p>
+            <a:r>
+              <a:rPr lang="en-US" b="1" dirty="0">
+                <a:solidFill>
+                  <a:schemeClr val="bg1"/>
+                </a:solidFill>
+              </a:rPr>
+              <a:t>as</a:t>
+            </a:r>
+          </a:p>
+        </p:txBody>
+      </p:sp>
+      <p:sp>
+        <p:nvSpPr>
+          <p:cNvPr id="4" name="TextBox 3">
+            <a:extLst>
+              <a:ext uri="{FF2B5EF4-FFF2-40B4-BE49-F238E27FC236}">
+                <a16:creationId xmlns:a16="http://schemas.microsoft.com/office/drawing/2014/main" id="{A32609F5-383A-417E-B9B0-CE955463E2E4}"/>
+              </a:ext>
+            </a:extLst>
+          </p:cNvPr>
+          <p:cNvSpPr txBox="1"/>
+          <p:nvPr/>
+        </p:nvSpPr>
+        <p:spPr>
+          <a:xfrm>
+            <a:off x="838200" y="1779687"/>
+            <a:ext cx="10515600" cy="369332"/>
+          </a:xfrm>
+          <a:prstGeom prst="rect">
+            <a:avLst/>
+          </a:prstGeom>
+          <a:noFill/>
+        </p:spPr>
+        <p:txBody>
+          <a:bodyPr wrap="square" rtlCol="0">
+            <a:spAutoFit/>
+          </a:bodyPr>
+          <a:lstStyle/>
+          <a:p>
+            <a:r>
+              <a:rPr lang="en-US" b="1" dirty="0" err="1">
+                <a:solidFill>
+                  <a:schemeClr val="bg1"/>
+                </a:solidFill>
+              </a:rPr>
+              <a:t>asd</a:t>
+            </a:r>
+            <a:endParaRPr lang="en-US" dirty="0">
+              <a:solidFill>
+                <a:schemeClr val="bg1"/>
+              </a:solidFill>
+            </a:endParaRPr>
+          </a:p>
+        </p:txBody>
+      </p:sp>
+    </p:spTree>
+    <p:extLst>
+      <p:ext uri="{BB962C8B-B14F-4D97-AF65-F5344CB8AC3E}">
+        <p14:creationId xmlns:p14="http://schemas.microsoft.com/office/powerpoint/2010/main" val="1206675036"/>
       </p:ext>
     </p:extLst>
   </p:cSld>
@@ -4020,20 +5326,13 @@
           <a:lstStyle/>
           <a:p>
             <a:r>
-              <a:rPr lang="en-US" dirty="0">
-                <a:solidFill>
-                  <a:schemeClr val="bg1"/>
-                </a:solidFill>
-                <a:latin typeface="+mn-lt"/>
-              </a:rPr>
-              <a:t> Day 2 - Agenda</a:t>
-            </a:r>
-            <a:endParaRPr lang="en-IN" dirty="0">
-              <a:solidFill>
-                <a:schemeClr val="bg1"/>
-              </a:solidFill>
-              <a:latin typeface="+mn-lt"/>
-            </a:endParaRPr>
+              <a:rPr lang="en-US" b="1" dirty="0">
+                <a:solidFill>
+                  <a:schemeClr val="bg1"/>
+                </a:solidFill>
+              </a:rPr>
+              <a:t>Service Discovery</a:t>
+            </a:r>
           </a:p>
         </p:txBody>
       </p:sp>
@@ -4052,7 +5351,7 @@
         <p:spPr>
           <a:xfrm>
             <a:off x="838200" y="1779687"/>
-            <a:ext cx="10515600" cy="4524315"/>
+            <a:ext cx="10515600" cy="3416320"/>
           </a:xfrm>
           <a:prstGeom prst="rect">
             <a:avLst/>
@@ -4071,157 +5370,111 @@
                   <a:schemeClr val="bg1"/>
                 </a:solidFill>
               </a:rPr>
-              <a:t>Introduction to JPA</a:t>
-            </a:r>
-          </a:p>
-          <a:p>
-            <a:r>
-              <a:rPr lang="en-US" b="1" dirty="0">
-                <a:solidFill>
-                  <a:schemeClr val="bg1"/>
-                </a:solidFill>
-              </a:rPr>
-              <a:t>How DI makes the process very simple.</a:t>
-            </a:r>
-          </a:p>
-          <a:p>
-            <a:r>
-              <a:rPr lang="en-US" b="1" dirty="0">
-                <a:solidFill>
-                  <a:schemeClr val="bg1"/>
-                </a:solidFill>
-              </a:rPr>
-              <a:t>Spring Boot Actuator</a:t>
-            </a:r>
-          </a:p>
-          <a:p>
-            <a:r>
-              <a:rPr lang="en-US" b="1" dirty="0">
-                <a:solidFill>
-                  <a:schemeClr val="bg1"/>
-                </a:solidFill>
-              </a:rPr>
-              <a:t>		</a:t>
-            </a:r>
-          </a:p>
-          <a:p>
-            <a:r>
-              <a:rPr lang="en-US" b="1" dirty="0">
-                <a:solidFill>
-                  <a:schemeClr val="bg1"/>
-                </a:solidFill>
-              </a:rPr>
-              <a:t>Database per service pattern</a:t>
-            </a:r>
-          </a:p>
-          <a:p>
-            <a:r>
-              <a:rPr lang="en-US" b="1" dirty="0">
-                <a:solidFill>
-                  <a:schemeClr val="bg1"/>
-                </a:solidFill>
-              </a:rPr>
-              <a:t>Returning a custom object instead of List from Microservices</a:t>
-            </a:r>
-          </a:p>
-          <a:p>
-            <a:r>
-              <a:rPr lang="en-US" b="1" dirty="0">
-                <a:solidFill>
-                  <a:schemeClr val="bg1"/>
-                </a:solidFill>
-              </a:rPr>
-              <a:t>	Why?</a:t>
-            </a:r>
-          </a:p>
-          <a:p>
-            <a:r>
-              <a:rPr lang="en-US" b="1" dirty="0">
-                <a:solidFill>
-                  <a:schemeClr val="bg1"/>
-                </a:solidFill>
-              </a:rPr>
-              <a:t>Introduction to Service Discovery</a:t>
-            </a:r>
-          </a:p>
-          <a:p>
-            <a:r>
-              <a:rPr lang="en-US" b="1" dirty="0">
-                <a:solidFill>
-                  <a:schemeClr val="bg1"/>
-                </a:solidFill>
-              </a:rPr>
-              <a:t>	Client side service discovery</a:t>
-            </a:r>
-          </a:p>
-          <a:p>
-            <a:r>
-              <a:rPr lang="en-US" b="1" dirty="0">
-                <a:solidFill>
-                  <a:schemeClr val="bg1"/>
-                </a:solidFill>
-              </a:rPr>
-              <a:t>		Eureka service</a:t>
-            </a:r>
-          </a:p>
-          <a:p>
-            <a:r>
-              <a:rPr lang="en-US" b="1" dirty="0">
-                <a:solidFill>
-                  <a:schemeClr val="bg1"/>
-                </a:solidFill>
-              </a:rPr>
-              <a:t>		Implementing the service discovery with Eureka</a:t>
-            </a:r>
-          </a:p>
-          <a:p>
-            <a:r>
-              <a:rPr lang="en-US" b="1" dirty="0">
-                <a:solidFill>
-                  <a:schemeClr val="bg1"/>
-                </a:solidFill>
-              </a:rPr>
-              <a:t>		Client side load balancing</a:t>
-            </a:r>
-          </a:p>
-          <a:p>
-            <a:r>
-              <a:rPr lang="en-US" b="1" dirty="0">
-                <a:solidFill>
-                  <a:schemeClr val="bg1"/>
-                </a:solidFill>
-              </a:rPr>
-              <a:t>	server side service discovery</a:t>
-            </a:r>
-          </a:p>
-          <a:p>
-            <a:r>
-              <a:rPr lang="en-US" b="1" dirty="0">
-                <a:solidFill>
-                  <a:schemeClr val="bg1"/>
-                </a:solidFill>
-              </a:rPr>
-              <a:t>		Kubernetes</a:t>
-            </a:r>
-          </a:p>
-          <a:p>
-            <a:r>
-              <a:rPr lang="en-US" b="1" dirty="0">
-                <a:solidFill>
-                  <a:schemeClr val="bg1"/>
-                </a:solidFill>
-              </a:rPr>
-              <a:t>			How Kubernetes does server side service discovery</a:t>
-            </a:r>
-          </a:p>
-          <a:p>
-            <a:r>
-              <a:rPr lang="en-US" dirty="0">
-                <a:solidFill>
-                  <a:schemeClr val="bg1"/>
-                </a:solidFill>
-              </a:rPr>
-              <a:t>	</a:t>
+              <a:t>What is Service Discovery and why do you need the same?</a:t>
+            </a:r>
+          </a:p>
+          <a:p>
+            <a:endParaRPr lang="en-US" b="1" dirty="0">
+              <a:solidFill>
+                <a:schemeClr val="bg1"/>
+              </a:solidFill>
+            </a:endParaRPr>
+          </a:p>
+          <a:p>
+            <a:r>
+              <a:rPr lang="en-US" b="1" dirty="0">
+                <a:solidFill>
+                  <a:schemeClr val="bg1"/>
+                </a:solidFill>
+              </a:rPr>
+              <a:t>Without service discovery</a:t>
+            </a:r>
+          </a:p>
+          <a:p>
+            <a:r>
+              <a:rPr lang="en-US" b="1" dirty="0">
+                <a:solidFill>
+                  <a:schemeClr val="bg1"/>
+                </a:solidFill>
+              </a:rPr>
+              <a:t>	Service URL changes require code changes</a:t>
+            </a:r>
+          </a:p>
+          <a:p>
+            <a:r>
+              <a:rPr lang="en-US" b="1" dirty="0">
+                <a:solidFill>
+                  <a:schemeClr val="bg1"/>
+                </a:solidFill>
+              </a:rPr>
+              <a:t>	Cloud - has dynamic URLs</a:t>
+            </a:r>
+          </a:p>
+          <a:p>
+            <a:r>
+              <a:rPr lang="en-US" b="1" dirty="0">
+                <a:solidFill>
+                  <a:schemeClr val="bg1"/>
+                </a:solidFill>
+              </a:rPr>
+              <a:t>	Load balancing</a:t>
+            </a:r>
+          </a:p>
+          <a:p>
+            <a:r>
+              <a:rPr lang="en-US" b="1" dirty="0">
+                <a:solidFill>
+                  <a:schemeClr val="bg1"/>
+                </a:solidFill>
+              </a:rPr>
+              <a:t>	Multiple instances</a:t>
+            </a:r>
+          </a:p>
+          <a:p>
+            <a:endParaRPr lang="en-US" b="1" dirty="0">
+              <a:solidFill>
+                <a:schemeClr val="bg1"/>
+              </a:solidFill>
+            </a:endParaRPr>
+          </a:p>
+          <a:p>
+            <a:r>
+              <a:rPr lang="en-US" b="1" dirty="0">
+                <a:solidFill>
+                  <a:schemeClr val="bg1"/>
+                </a:solidFill>
+              </a:rPr>
+              <a:t>Service registration and discovery</a:t>
+            </a:r>
+          </a:p>
+          <a:p>
+            <a:r>
+              <a:rPr lang="en-US" b="1" dirty="0">
+                <a:solidFill>
+                  <a:schemeClr val="bg1"/>
+                </a:solidFill>
+              </a:rPr>
+              <a:t>	dedicated server is responsible to maintain the registry </a:t>
+            </a:r>
+          </a:p>
+          <a:p>
+            <a:r>
+              <a:rPr lang="en-US" b="1" dirty="0">
+                <a:solidFill>
+                  <a:schemeClr val="bg1"/>
+                </a:solidFill>
+              </a:rPr>
+              <a:t>	of all the Microservice that has been deployed and removed. </a:t>
+            </a:r>
+          </a:p>
+          <a:p>
+            <a:r>
+              <a:rPr lang="en-US" b="1" dirty="0">
+                <a:solidFill>
+                  <a:schemeClr val="bg1"/>
+                </a:solidFill>
+              </a:rPr>
+              <a:t>	Will act like a phone book of all other applications/microservices</a:t>
             </a:r>
           </a:p>
         </p:txBody>
@@ -4229,7 +5482,1278 @@
     </p:spTree>
     <p:extLst>
       <p:ext uri="{BB962C8B-B14F-4D97-AF65-F5344CB8AC3E}">
-        <p14:creationId xmlns:p14="http://schemas.microsoft.com/office/powerpoint/2010/main" val="1914847033"/>
+        <p14:creationId xmlns:p14="http://schemas.microsoft.com/office/powerpoint/2010/main" val="1081268966"/>
+      </p:ext>
+    </p:extLst>
+  </p:cSld>
+  <p:clrMapOvr>
+    <a:masterClrMapping/>
+  </p:clrMapOvr>
+</p:sld>
+</file>
+
+<file path=ppt/slides/slide3.xml><?xml version="1.0" encoding="utf-8"?>
+<p:sld xmlns:a="http://schemas.openxmlformats.org/drawingml/2006/main" xmlns:r="http://schemas.openxmlformats.org/officeDocument/2006/relationships" xmlns:p="http://schemas.openxmlformats.org/presentationml/2006/main">
+  <p:cSld>
+    <p:bg>
+      <p:bgPr>
+        <a:solidFill>
+          <a:schemeClr val="tx2">
+            <a:lumMod val="60000"/>
+            <a:lumOff val="40000"/>
+          </a:schemeClr>
+        </a:solidFill>
+        <a:effectLst/>
+      </p:bgPr>
+    </p:bg>
+    <p:spTree>
+      <p:nvGrpSpPr>
+        <p:cNvPr id="1" name=""/>
+        <p:cNvGrpSpPr/>
+        <p:nvPr/>
+      </p:nvGrpSpPr>
+      <p:grpSpPr>
+        <a:xfrm>
+          <a:off x="0" y="0"/>
+          <a:ext cx="0" cy="0"/>
+          <a:chOff x="0" y="0"/>
+          <a:chExt cx="0" cy="0"/>
+        </a:xfrm>
+      </p:grpSpPr>
+      <p:sp>
+        <p:nvSpPr>
+          <p:cNvPr id="2" name="Title 1">
+            <a:extLst>
+              <a:ext uri="{FF2B5EF4-FFF2-40B4-BE49-F238E27FC236}">
+                <a16:creationId xmlns:a16="http://schemas.microsoft.com/office/drawing/2014/main" id="{51F2C05B-3556-493B-855C-1F19ADDBAF69}"/>
+              </a:ext>
+            </a:extLst>
+          </p:cNvPr>
+          <p:cNvSpPr>
+            <a:spLocks noGrp="1"/>
+          </p:cNvSpPr>
+          <p:nvPr>
+            <p:ph type="title"/>
+          </p:nvPr>
+        </p:nvSpPr>
+        <p:spPr>
+          <a:xfrm>
+            <a:off x="838200" y="365125"/>
+            <a:ext cx="11099104" cy="1325563"/>
+          </a:xfrm>
+        </p:spPr>
+        <p:txBody>
+          <a:bodyPr/>
+          <a:lstStyle/>
+          <a:p>
+            <a:r>
+              <a:rPr lang="en-US" b="1" dirty="0">
+                <a:solidFill>
+                  <a:schemeClr val="bg1"/>
+                </a:solidFill>
+              </a:rPr>
+              <a:t>Service Discovery</a:t>
+            </a:r>
+          </a:p>
+        </p:txBody>
+      </p:sp>
+      <p:sp>
+        <p:nvSpPr>
+          <p:cNvPr id="4" name="TextBox 3">
+            <a:extLst>
+              <a:ext uri="{FF2B5EF4-FFF2-40B4-BE49-F238E27FC236}">
+                <a16:creationId xmlns:a16="http://schemas.microsoft.com/office/drawing/2014/main" id="{A32609F5-383A-417E-B9B0-CE955463E2E4}"/>
+              </a:ext>
+            </a:extLst>
+          </p:cNvPr>
+          <p:cNvSpPr txBox="1"/>
+          <p:nvPr/>
+        </p:nvSpPr>
+        <p:spPr>
+          <a:xfrm>
+            <a:off x="838200" y="1779687"/>
+            <a:ext cx="10515600" cy="1200329"/>
+          </a:xfrm>
+          <a:prstGeom prst="rect">
+            <a:avLst/>
+          </a:prstGeom>
+          <a:noFill/>
+        </p:spPr>
+        <p:txBody>
+          <a:bodyPr wrap="square" rtlCol="0">
+            <a:spAutoFit/>
+          </a:bodyPr>
+          <a:lstStyle/>
+          <a:p>
+            <a:r>
+              <a:rPr lang="en-US" b="1" dirty="0">
+                <a:solidFill>
+                  <a:schemeClr val="bg1"/>
+                </a:solidFill>
+              </a:rPr>
+              <a:t>Client Side Service Discovery</a:t>
+            </a:r>
+          </a:p>
+          <a:p>
+            <a:r>
+              <a:rPr lang="en-US" b="1" dirty="0">
+                <a:solidFill>
+                  <a:schemeClr val="bg1"/>
+                </a:solidFill>
+              </a:rPr>
+              <a:t>	Eureka</a:t>
+            </a:r>
+          </a:p>
+          <a:p>
+            <a:r>
+              <a:rPr lang="en-US" b="1" dirty="0">
+                <a:solidFill>
+                  <a:schemeClr val="bg1"/>
+                </a:solidFill>
+              </a:rPr>
+              <a:t>Server Side Service Discovery</a:t>
+            </a:r>
+          </a:p>
+          <a:p>
+            <a:r>
+              <a:rPr lang="en-US" b="1" dirty="0">
+                <a:solidFill>
+                  <a:schemeClr val="bg1"/>
+                </a:solidFill>
+              </a:rPr>
+              <a:t>	Kubernetes</a:t>
+            </a:r>
+          </a:p>
+        </p:txBody>
+      </p:sp>
+    </p:spTree>
+    <p:extLst>
+      <p:ext uri="{BB962C8B-B14F-4D97-AF65-F5344CB8AC3E}">
+        <p14:creationId xmlns:p14="http://schemas.microsoft.com/office/powerpoint/2010/main" val="550935055"/>
+      </p:ext>
+    </p:extLst>
+  </p:cSld>
+  <p:clrMapOvr>
+    <a:masterClrMapping/>
+  </p:clrMapOvr>
+</p:sld>
+</file>
+
+<file path=ppt/slides/slide4.xml><?xml version="1.0" encoding="utf-8"?>
+<p:sld xmlns:a="http://schemas.openxmlformats.org/drawingml/2006/main" xmlns:r="http://schemas.openxmlformats.org/officeDocument/2006/relationships" xmlns:p="http://schemas.openxmlformats.org/presentationml/2006/main">
+  <p:cSld>
+    <p:bg>
+      <p:bgPr>
+        <a:solidFill>
+          <a:schemeClr val="tx2">
+            <a:lumMod val="60000"/>
+            <a:lumOff val="40000"/>
+          </a:schemeClr>
+        </a:solidFill>
+        <a:effectLst/>
+      </p:bgPr>
+    </p:bg>
+    <p:spTree>
+      <p:nvGrpSpPr>
+        <p:cNvPr id="1" name=""/>
+        <p:cNvGrpSpPr/>
+        <p:nvPr/>
+      </p:nvGrpSpPr>
+      <p:grpSpPr>
+        <a:xfrm>
+          <a:off x="0" y="0"/>
+          <a:ext cx="0" cy="0"/>
+          <a:chOff x="0" y="0"/>
+          <a:chExt cx="0" cy="0"/>
+        </a:xfrm>
+      </p:grpSpPr>
+      <p:sp>
+        <p:nvSpPr>
+          <p:cNvPr id="2" name="Title 1">
+            <a:extLst>
+              <a:ext uri="{FF2B5EF4-FFF2-40B4-BE49-F238E27FC236}">
+                <a16:creationId xmlns:a16="http://schemas.microsoft.com/office/drawing/2014/main" id="{51F2C05B-3556-493B-855C-1F19ADDBAF69}"/>
+              </a:ext>
+            </a:extLst>
+          </p:cNvPr>
+          <p:cNvSpPr>
+            <a:spLocks noGrp="1"/>
+          </p:cNvSpPr>
+          <p:nvPr>
+            <p:ph type="title"/>
+          </p:nvPr>
+        </p:nvSpPr>
+        <p:spPr>
+          <a:xfrm>
+            <a:off x="838200" y="365125"/>
+            <a:ext cx="11099104" cy="1325563"/>
+          </a:xfrm>
+        </p:spPr>
+        <p:txBody>
+          <a:bodyPr/>
+          <a:lstStyle/>
+          <a:p>
+            <a:r>
+              <a:rPr lang="en-US" b="1" dirty="0">
+                <a:solidFill>
+                  <a:schemeClr val="bg1"/>
+                </a:solidFill>
+              </a:rPr>
+              <a:t>Server Side Service Discovery</a:t>
+            </a:r>
+          </a:p>
+        </p:txBody>
+      </p:sp>
+      <p:sp>
+        <p:nvSpPr>
+          <p:cNvPr id="4" name="TextBox 3">
+            <a:extLst>
+              <a:ext uri="{FF2B5EF4-FFF2-40B4-BE49-F238E27FC236}">
+                <a16:creationId xmlns:a16="http://schemas.microsoft.com/office/drawing/2014/main" id="{A32609F5-383A-417E-B9B0-CE955463E2E4}"/>
+              </a:ext>
+            </a:extLst>
+          </p:cNvPr>
+          <p:cNvSpPr txBox="1"/>
+          <p:nvPr/>
+        </p:nvSpPr>
+        <p:spPr>
+          <a:xfrm>
+            <a:off x="838200" y="1779687"/>
+            <a:ext cx="10515600" cy="2031325"/>
+          </a:xfrm>
+          <a:prstGeom prst="rect">
+            <a:avLst/>
+          </a:prstGeom>
+          <a:noFill/>
+        </p:spPr>
+        <p:txBody>
+          <a:bodyPr wrap="square" rtlCol="0">
+            <a:spAutoFit/>
+          </a:bodyPr>
+          <a:lstStyle/>
+          <a:p>
+            <a:r>
+              <a:rPr lang="en-US" b="1" dirty="0">
+                <a:solidFill>
+                  <a:schemeClr val="bg1"/>
+                </a:solidFill>
+              </a:rPr>
+              <a:t>Kubernetes: Server side service discovery.</a:t>
+            </a:r>
+          </a:p>
+          <a:p>
+            <a:r>
+              <a:rPr lang="en-US" b="1" dirty="0">
+                <a:solidFill>
+                  <a:schemeClr val="bg1"/>
+                </a:solidFill>
+              </a:rPr>
+              <a:t>	Relatively less efficient</a:t>
+            </a:r>
+          </a:p>
+          <a:p>
+            <a:r>
+              <a:rPr lang="en-US" b="1" dirty="0">
+                <a:solidFill>
+                  <a:schemeClr val="bg1"/>
+                </a:solidFill>
+              </a:rPr>
+              <a:t>	But very reliable.</a:t>
+            </a:r>
+          </a:p>
+          <a:p>
+            <a:r>
+              <a:rPr lang="en-US" b="1" dirty="0">
+                <a:solidFill>
+                  <a:schemeClr val="bg1"/>
+                </a:solidFill>
+              </a:rPr>
+              <a:t>	When env. go down, the servers are always aware.	</a:t>
+            </a:r>
+          </a:p>
+          <a:p>
+            <a:r>
+              <a:rPr lang="en-US" b="1" dirty="0">
+                <a:solidFill>
+                  <a:schemeClr val="bg1"/>
+                </a:solidFill>
+              </a:rPr>
+              <a:t>	Client always gets the latest active service.</a:t>
+            </a:r>
+          </a:p>
+          <a:p>
+            <a:endParaRPr lang="en-US" b="1" dirty="0">
+              <a:solidFill>
+                <a:schemeClr val="bg1"/>
+              </a:solidFill>
+            </a:endParaRPr>
+          </a:p>
+          <a:p>
+            <a:r>
+              <a:rPr lang="en-US" b="1" dirty="0">
+                <a:solidFill>
+                  <a:schemeClr val="bg1"/>
+                </a:solidFill>
+              </a:rPr>
+              <a:t>Both has it's own adv. and </a:t>
+            </a:r>
+            <a:r>
+              <a:rPr lang="en-US" b="1" dirty="0" err="1">
+                <a:solidFill>
+                  <a:schemeClr val="bg1"/>
+                </a:solidFill>
+              </a:rPr>
+              <a:t>disadv</a:t>
+            </a:r>
+            <a:r>
+              <a:rPr lang="en-US" b="1" dirty="0">
+                <a:solidFill>
+                  <a:schemeClr val="bg1"/>
+                </a:solidFill>
+              </a:rPr>
+              <a:t>.</a:t>
+            </a:r>
+          </a:p>
+        </p:txBody>
+      </p:sp>
+    </p:spTree>
+    <p:extLst>
+      <p:ext uri="{BB962C8B-B14F-4D97-AF65-F5344CB8AC3E}">
+        <p14:creationId xmlns:p14="http://schemas.microsoft.com/office/powerpoint/2010/main" val="1678020484"/>
+      </p:ext>
+    </p:extLst>
+  </p:cSld>
+  <p:clrMapOvr>
+    <a:masterClrMapping/>
+  </p:clrMapOvr>
+</p:sld>
+</file>
+
+<file path=ppt/slides/slide5.xml><?xml version="1.0" encoding="utf-8"?>
+<p:sld xmlns:a="http://schemas.openxmlformats.org/drawingml/2006/main" xmlns:r="http://schemas.openxmlformats.org/officeDocument/2006/relationships" xmlns:p="http://schemas.openxmlformats.org/presentationml/2006/main">
+  <p:cSld>
+    <p:bg>
+      <p:bgPr>
+        <a:solidFill>
+          <a:schemeClr val="tx2">
+            <a:lumMod val="60000"/>
+            <a:lumOff val="40000"/>
+          </a:schemeClr>
+        </a:solidFill>
+        <a:effectLst/>
+      </p:bgPr>
+    </p:bg>
+    <p:spTree>
+      <p:nvGrpSpPr>
+        <p:cNvPr id="1" name=""/>
+        <p:cNvGrpSpPr/>
+        <p:nvPr/>
+      </p:nvGrpSpPr>
+      <p:grpSpPr>
+        <a:xfrm>
+          <a:off x="0" y="0"/>
+          <a:ext cx="0" cy="0"/>
+          <a:chOff x="0" y="0"/>
+          <a:chExt cx="0" cy="0"/>
+        </a:xfrm>
+      </p:grpSpPr>
+      <p:sp>
+        <p:nvSpPr>
+          <p:cNvPr id="2" name="Title 1">
+            <a:extLst>
+              <a:ext uri="{FF2B5EF4-FFF2-40B4-BE49-F238E27FC236}">
+                <a16:creationId xmlns:a16="http://schemas.microsoft.com/office/drawing/2014/main" id="{51F2C05B-3556-493B-855C-1F19ADDBAF69}"/>
+              </a:ext>
+            </a:extLst>
+          </p:cNvPr>
+          <p:cNvSpPr>
+            <a:spLocks noGrp="1"/>
+          </p:cNvSpPr>
+          <p:nvPr>
+            <p:ph type="title"/>
+          </p:nvPr>
+        </p:nvSpPr>
+        <p:spPr>
+          <a:xfrm>
+            <a:off x="838200" y="365125"/>
+            <a:ext cx="11099104" cy="1325563"/>
+          </a:xfrm>
+        </p:spPr>
+        <p:txBody>
+          <a:bodyPr/>
+          <a:lstStyle/>
+          <a:p>
+            <a:r>
+              <a:rPr lang="en-US" b="1" dirty="0">
+                <a:solidFill>
+                  <a:schemeClr val="bg1"/>
+                </a:solidFill>
+              </a:rPr>
+              <a:t>Client Side Service Discovery - Eureka</a:t>
+            </a:r>
+          </a:p>
+        </p:txBody>
+      </p:sp>
+      <p:sp>
+        <p:nvSpPr>
+          <p:cNvPr id="4" name="TextBox 3">
+            <a:extLst>
+              <a:ext uri="{FF2B5EF4-FFF2-40B4-BE49-F238E27FC236}">
+                <a16:creationId xmlns:a16="http://schemas.microsoft.com/office/drawing/2014/main" id="{A32609F5-383A-417E-B9B0-CE955463E2E4}"/>
+              </a:ext>
+            </a:extLst>
+          </p:cNvPr>
+          <p:cNvSpPr txBox="1"/>
+          <p:nvPr/>
+        </p:nvSpPr>
+        <p:spPr>
+          <a:xfrm>
+            <a:off x="838200" y="1779687"/>
+            <a:ext cx="10515600" cy="3416320"/>
+          </a:xfrm>
+          <a:prstGeom prst="rect">
+            <a:avLst/>
+          </a:prstGeom>
+          <a:noFill/>
+        </p:spPr>
+        <p:txBody>
+          <a:bodyPr wrap="square" rtlCol="0">
+            <a:spAutoFit/>
+          </a:bodyPr>
+          <a:lstStyle/>
+          <a:p>
+            <a:r>
+              <a:rPr lang="en-US" b="1" dirty="0">
+                <a:solidFill>
+                  <a:schemeClr val="bg1"/>
+                </a:solidFill>
+              </a:rPr>
+              <a:t>Like a lookup service where </a:t>
+            </a:r>
+          </a:p>
+          <a:p>
+            <a:r>
+              <a:rPr lang="en-US" b="1" dirty="0">
+                <a:solidFill>
+                  <a:schemeClr val="bg1"/>
+                </a:solidFill>
+              </a:rPr>
+              <a:t>	microservices (clients) can register themselves </a:t>
+            </a:r>
+          </a:p>
+          <a:p>
+            <a:r>
+              <a:rPr lang="en-US" b="1" dirty="0">
+                <a:solidFill>
+                  <a:schemeClr val="bg1"/>
+                </a:solidFill>
+              </a:rPr>
+              <a:t>	discover other registered microservices. </a:t>
+            </a:r>
+          </a:p>
+          <a:p>
+            <a:endParaRPr lang="en-US" b="1" dirty="0">
+              <a:solidFill>
+                <a:schemeClr val="bg1"/>
+              </a:solidFill>
+            </a:endParaRPr>
+          </a:p>
+          <a:p>
+            <a:r>
+              <a:rPr lang="en-US" b="1" dirty="0">
+                <a:solidFill>
+                  <a:schemeClr val="bg1"/>
+                </a:solidFill>
+              </a:rPr>
+              <a:t>	</a:t>
+            </a:r>
+          </a:p>
+          <a:p>
+            <a:r>
+              <a:rPr lang="en-US" b="1" dirty="0">
+                <a:solidFill>
+                  <a:schemeClr val="bg1"/>
+                </a:solidFill>
+              </a:rPr>
+              <a:t>When a client microservice registers with Eureka </a:t>
+            </a:r>
+          </a:p>
+          <a:p>
+            <a:r>
+              <a:rPr lang="en-US" b="1" dirty="0">
+                <a:solidFill>
+                  <a:schemeClr val="bg1"/>
+                </a:solidFill>
+              </a:rPr>
+              <a:t>	it provides metadata such as host, port, and health indicator </a:t>
+            </a:r>
+          </a:p>
+          <a:p>
+            <a:r>
+              <a:rPr lang="en-US" b="1" dirty="0">
+                <a:solidFill>
+                  <a:schemeClr val="bg1"/>
+                </a:solidFill>
+              </a:rPr>
+              <a:t>This allows other microservices to discover it. </a:t>
+            </a:r>
+          </a:p>
+          <a:p>
+            <a:r>
+              <a:rPr lang="en-US" b="1" dirty="0">
+                <a:solidFill>
+                  <a:schemeClr val="bg1"/>
+                </a:solidFill>
+              </a:rPr>
+              <a:t>The discovery server expects </a:t>
+            </a:r>
+          </a:p>
+          <a:p>
+            <a:r>
+              <a:rPr lang="en-US" b="1" dirty="0">
+                <a:solidFill>
+                  <a:schemeClr val="bg1"/>
+                </a:solidFill>
+              </a:rPr>
+              <a:t>	a regular heartbeat message from each microservice instance. </a:t>
+            </a:r>
+          </a:p>
+          <a:p>
+            <a:r>
+              <a:rPr lang="en-US" b="1" dirty="0">
+                <a:solidFill>
+                  <a:schemeClr val="bg1"/>
+                </a:solidFill>
+              </a:rPr>
+              <a:t>If an instance doesn't send heartbeat consistently, </a:t>
+            </a:r>
+          </a:p>
+          <a:p>
+            <a:r>
+              <a:rPr lang="en-US" b="1" dirty="0">
+                <a:solidFill>
+                  <a:schemeClr val="bg1"/>
+                </a:solidFill>
+              </a:rPr>
+              <a:t>	the discovery server will remove the instance from his registry.</a:t>
+            </a:r>
+          </a:p>
+        </p:txBody>
+      </p:sp>
+    </p:spTree>
+    <p:extLst>
+      <p:ext uri="{BB962C8B-B14F-4D97-AF65-F5344CB8AC3E}">
+        <p14:creationId xmlns:p14="http://schemas.microsoft.com/office/powerpoint/2010/main" val="3639391312"/>
+      </p:ext>
+    </p:extLst>
+  </p:cSld>
+  <p:clrMapOvr>
+    <a:masterClrMapping/>
+  </p:clrMapOvr>
+</p:sld>
+</file>
+
+<file path=ppt/slides/slide6.xml><?xml version="1.0" encoding="utf-8"?>
+<p:sld xmlns:a="http://schemas.openxmlformats.org/drawingml/2006/main" xmlns:r="http://schemas.openxmlformats.org/officeDocument/2006/relationships" xmlns:p="http://schemas.openxmlformats.org/presentationml/2006/main">
+  <p:cSld>
+    <p:bg>
+      <p:bgPr>
+        <a:solidFill>
+          <a:schemeClr val="tx2">
+            <a:lumMod val="60000"/>
+            <a:lumOff val="40000"/>
+          </a:schemeClr>
+        </a:solidFill>
+        <a:effectLst/>
+      </p:bgPr>
+    </p:bg>
+    <p:spTree>
+      <p:nvGrpSpPr>
+        <p:cNvPr id="1" name=""/>
+        <p:cNvGrpSpPr/>
+        <p:nvPr/>
+      </p:nvGrpSpPr>
+      <p:grpSpPr>
+        <a:xfrm>
+          <a:off x="0" y="0"/>
+          <a:ext cx="0" cy="0"/>
+          <a:chOff x="0" y="0"/>
+          <a:chExt cx="0" cy="0"/>
+        </a:xfrm>
+      </p:grpSpPr>
+      <p:sp>
+        <p:nvSpPr>
+          <p:cNvPr id="2" name="Title 1">
+            <a:extLst>
+              <a:ext uri="{FF2B5EF4-FFF2-40B4-BE49-F238E27FC236}">
+                <a16:creationId xmlns:a16="http://schemas.microsoft.com/office/drawing/2014/main" id="{51F2C05B-3556-493B-855C-1F19ADDBAF69}"/>
+              </a:ext>
+            </a:extLst>
+          </p:cNvPr>
+          <p:cNvSpPr>
+            <a:spLocks noGrp="1"/>
+          </p:cNvSpPr>
+          <p:nvPr>
+            <p:ph type="title"/>
+          </p:nvPr>
+        </p:nvSpPr>
+        <p:spPr>
+          <a:xfrm>
+            <a:off x="838200" y="365125"/>
+            <a:ext cx="11099104" cy="1325563"/>
+          </a:xfrm>
+        </p:spPr>
+        <p:txBody>
+          <a:bodyPr/>
+          <a:lstStyle/>
+          <a:p>
+            <a:r>
+              <a:rPr lang="en-US" b="1" dirty="0">
+                <a:solidFill>
+                  <a:schemeClr val="bg1"/>
+                </a:solidFill>
+              </a:rPr>
+              <a:t>Advantages of Eureka Service</a:t>
+            </a:r>
+          </a:p>
+        </p:txBody>
+      </p:sp>
+      <p:sp>
+        <p:nvSpPr>
+          <p:cNvPr id="4" name="TextBox 3">
+            <a:extLst>
+              <a:ext uri="{FF2B5EF4-FFF2-40B4-BE49-F238E27FC236}">
+                <a16:creationId xmlns:a16="http://schemas.microsoft.com/office/drawing/2014/main" id="{A32609F5-383A-417E-B9B0-CE955463E2E4}"/>
+              </a:ext>
+            </a:extLst>
+          </p:cNvPr>
+          <p:cNvSpPr txBox="1"/>
+          <p:nvPr/>
+        </p:nvSpPr>
+        <p:spPr>
+          <a:xfrm>
+            <a:off x="838200" y="1779687"/>
+            <a:ext cx="10515600" cy="3693319"/>
+          </a:xfrm>
+          <a:prstGeom prst="rect">
+            <a:avLst/>
+          </a:prstGeom>
+          <a:noFill/>
+        </p:spPr>
+        <p:txBody>
+          <a:bodyPr wrap="square" rtlCol="0">
+            <a:spAutoFit/>
+          </a:bodyPr>
+          <a:lstStyle/>
+          <a:p>
+            <a:r>
+              <a:rPr lang="en-US" b="1" dirty="0">
+                <a:solidFill>
+                  <a:schemeClr val="bg1"/>
+                </a:solidFill>
+              </a:rPr>
+              <a:t>Disclaimer: Not in comparison with Service Side Service Discovery</a:t>
+            </a:r>
+          </a:p>
+          <a:p>
+            <a:endParaRPr lang="en-US" b="1" dirty="0">
+              <a:solidFill>
+                <a:schemeClr val="bg1"/>
+              </a:solidFill>
+            </a:endParaRPr>
+          </a:p>
+          <a:p>
+            <a:r>
+              <a:rPr lang="en-US" b="1" dirty="0">
+                <a:solidFill>
+                  <a:schemeClr val="bg1"/>
+                </a:solidFill>
+              </a:rPr>
+              <a:t>Creates very stable ecosystem of Microservices collaborating among each other, </a:t>
+            </a:r>
+          </a:p>
+          <a:p>
+            <a:r>
+              <a:rPr lang="en-US" b="1" dirty="0">
+                <a:solidFill>
+                  <a:schemeClr val="bg1"/>
+                </a:solidFill>
+              </a:rPr>
+              <a:t>Clients doesn't need to maintain address of other Microservice, </a:t>
+            </a:r>
+          </a:p>
+          <a:p>
+            <a:r>
+              <a:rPr lang="en-US" b="1" dirty="0">
+                <a:solidFill>
+                  <a:schemeClr val="bg1"/>
+                </a:solidFill>
+              </a:rPr>
+              <a:t>Facilitate scale-out/scale-in</a:t>
+            </a:r>
+          </a:p>
+          <a:p>
+            <a:r>
+              <a:rPr lang="en-US" b="1" dirty="0">
+                <a:solidFill>
+                  <a:schemeClr val="bg1"/>
+                </a:solidFill>
+              </a:rPr>
+              <a:t>Does load balancing (</a:t>
+            </a:r>
+            <a:r>
+              <a:rPr lang="en-US" b="1" dirty="0" err="1">
+                <a:solidFill>
+                  <a:schemeClr val="bg1"/>
+                </a:solidFill>
+              </a:rPr>
+              <a:t>Kuberentes</a:t>
+            </a:r>
+            <a:r>
+              <a:rPr lang="en-US" b="1" dirty="0">
+                <a:solidFill>
+                  <a:schemeClr val="bg1"/>
+                </a:solidFill>
+              </a:rPr>
+              <a:t> is the master of this)..</a:t>
+            </a:r>
+          </a:p>
+          <a:p>
+            <a:endParaRPr lang="en-US" b="1" dirty="0">
+              <a:solidFill>
+                <a:schemeClr val="bg1"/>
+              </a:solidFill>
+            </a:endParaRPr>
+          </a:p>
+          <a:p>
+            <a:r>
+              <a:rPr lang="en-US" b="1" dirty="0">
+                <a:solidFill>
+                  <a:schemeClr val="bg1"/>
+                </a:solidFill>
+              </a:rPr>
+              <a:t>Eureka 2.0 is a </a:t>
+            </a:r>
+          </a:p>
+          <a:p>
+            <a:r>
+              <a:rPr lang="en-US" b="1" dirty="0">
+                <a:solidFill>
+                  <a:schemeClr val="bg1"/>
+                </a:solidFill>
+              </a:rPr>
+              <a:t>	Service discovery framework </a:t>
+            </a:r>
+          </a:p>
+          <a:p>
+            <a:r>
+              <a:rPr lang="en-US" b="1" dirty="0">
+                <a:solidFill>
+                  <a:schemeClr val="bg1"/>
+                </a:solidFill>
+              </a:rPr>
+              <a:t>	Designed for cloud deployments. </a:t>
+            </a:r>
+          </a:p>
+          <a:p>
+            <a:r>
+              <a:rPr lang="en-US" b="1" dirty="0">
+                <a:solidFill>
+                  <a:schemeClr val="bg1"/>
+                </a:solidFill>
+              </a:rPr>
+              <a:t>	Evolution of the original 1.0 version, </a:t>
+            </a:r>
+          </a:p>
+          <a:p>
+            <a:r>
+              <a:rPr lang="en-US" b="1" dirty="0">
+                <a:solidFill>
+                  <a:schemeClr val="bg1"/>
+                </a:solidFill>
+              </a:rPr>
+              <a:t>	Aims to be much more scalable, </a:t>
+            </a:r>
+          </a:p>
+          <a:p>
+            <a:r>
+              <a:rPr lang="en-US" b="1" dirty="0">
+                <a:solidFill>
+                  <a:schemeClr val="bg1"/>
+                </a:solidFill>
+              </a:rPr>
+              <a:t>	Replace the pull based model with fine grain subscription model.</a:t>
+            </a:r>
+          </a:p>
+        </p:txBody>
+      </p:sp>
+    </p:spTree>
+    <p:extLst>
+      <p:ext uri="{BB962C8B-B14F-4D97-AF65-F5344CB8AC3E}">
+        <p14:creationId xmlns:p14="http://schemas.microsoft.com/office/powerpoint/2010/main" val="3846244411"/>
+      </p:ext>
+    </p:extLst>
+  </p:cSld>
+  <p:clrMapOvr>
+    <a:masterClrMapping/>
+  </p:clrMapOvr>
+</p:sld>
+</file>
+
+<file path=ppt/slides/slide7.xml><?xml version="1.0" encoding="utf-8"?>
+<p:sld xmlns:a="http://schemas.openxmlformats.org/drawingml/2006/main" xmlns:r="http://schemas.openxmlformats.org/officeDocument/2006/relationships" xmlns:p="http://schemas.openxmlformats.org/presentationml/2006/main">
+  <p:cSld>
+    <p:bg>
+      <p:bgPr>
+        <a:solidFill>
+          <a:schemeClr val="tx2">
+            <a:lumMod val="60000"/>
+            <a:lumOff val="40000"/>
+          </a:schemeClr>
+        </a:solidFill>
+        <a:effectLst/>
+      </p:bgPr>
+    </p:bg>
+    <p:spTree>
+      <p:nvGrpSpPr>
+        <p:cNvPr id="1" name=""/>
+        <p:cNvGrpSpPr/>
+        <p:nvPr/>
+      </p:nvGrpSpPr>
+      <p:grpSpPr>
+        <a:xfrm>
+          <a:off x="0" y="0"/>
+          <a:ext cx="0" cy="0"/>
+          <a:chOff x="0" y="0"/>
+          <a:chExt cx="0" cy="0"/>
+        </a:xfrm>
+      </p:grpSpPr>
+      <p:sp>
+        <p:nvSpPr>
+          <p:cNvPr id="2" name="Title 1">
+            <a:extLst>
+              <a:ext uri="{FF2B5EF4-FFF2-40B4-BE49-F238E27FC236}">
+                <a16:creationId xmlns:a16="http://schemas.microsoft.com/office/drawing/2014/main" id="{51F2C05B-3556-493B-855C-1F19ADDBAF69}"/>
+              </a:ext>
+            </a:extLst>
+          </p:cNvPr>
+          <p:cNvSpPr>
+            <a:spLocks noGrp="1"/>
+          </p:cNvSpPr>
+          <p:nvPr>
+            <p:ph type="title"/>
+          </p:nvPr>
+        </p:nvSpPr>
+        <p:spPr>
+          <a:xfrm>
+            <a:off x="838200" y="365125"/>
+            <a:ext cx="11099104" cy="1325563"/>
+          </a:xfrm>
+        </p:spPr>
+        <p:txBody>
+          <a:bodyPr/>
+          <a:lstStyle/>
+          <a:p>
+            <a:r>
+              <a:rPr lang="en-US" b="1" dirty="0">
+                <a:solidFill>
+                  <a:schemeClr val="bg1"/>
+                </a:solidFill>
+              </a:rPr>
+              <a:t>Simple working model</a:t>
+            </a:r>
+          </a:p>
+        </p:txBody>
+      </p:sp>
+      <p:sp>
+        <p:nvSpPr>
+          <p:cNvPr id="4" name="TextBox 3">
+            <a:extLst>
+              <a:ext uri="{FF2B5EF4-FFF2-40B4-BE49-F238E27FC236}">
+                <a16:creationId xmlns:a16="http://schemas.microsoft.com/office/drawing/2014/main" id="{A32609F5-383A-417E-B9B0-CE955463E2E4}"/>
+              </a:ext>
+            </a:extLst>
+          </p:cNvPr>
+          <p:cNvSpPr txBox="1"/>
+          <p:nvPr/>
+        </p:nvSpPr>
+        <p:spPr>
+          <a:xfrm>
+            <a:off x="838200" y="1779687"/>
+            <a:ext cx="10515600" cy="369332"/>
+          </a:xfrm>
+          <a:prstGeom prst="rect">
+            <a:avLst/>
+          </a:prstGeom>
+          <a:noFill/>
+        </p:spPr>
+        <p:txBody>
+          <a:bodyPr wrap="square" rtlCol="0">
+            <a:spAutoFit/>
+          </a:bodyPr>
+          <a:lstStyle/>
+          <a:p>
+            <a:r>
+              <a:rPr lang="en-US" b="1" dirty="0" err="1">
+                <a:solidFill>
+                  <a:schemeClr val="bg1"/>
+                </a:solidFill>
+              </a:rPr>
+              <a:t>asd</a:t>
+            </a:r>
+            <a:endParaRPr lang="en-US" dirty="0">
+              <a:solidFill>
+                <a:schemeClr val="bg1"/>
+              </a:solidFill>
+            </a:endParaRPr>
+          </a:p>
+        </p:txBody>
+      </p:sp>
+      <p:pic>
+        <p:nvPicPr>
+          <p:cNvPr id="2050" name="Picture 2" descr="Multi-version Service Discovery using Spring Cloud Netflix Eureka ...">
+            <a:extLst>
+              <a:ext uri="{FF2B5EF4-FFF2-40B4-BE49-F238E27FC236}">
+                <a16:creationId xmlns:a16="http://schemas.microsoft.com/office/drawing/2014/main" id="{CBE4DEC5-3F11-4EAA-BF53-899A254E32ED}"/>
+              </a:ext>
+            </a:extLst>
+          </p:cNvPr>
+          <p:cNvPicPr>
+            <a:picLocks noChangeAspect="1" noChangeArrowheads="1"/>
+          </p:cNvPicPr>
+          <p:nvPr/>
+        </p:nvPicPr>
+        <p:blipFill>
+          <a:blip r:embed="rId2">
+            <a:extLst>
+              <a:ext uri="{28A0092B-C50C-407E-A947-70E740481C1C}">
+                <a14:useLocalDpi xmlns:a14="http://schemas.microsoft.com/office/drawing/2010/main" val="0"/>
+              </a:ext>
+            </a:extLst>
+          </a:blip>
+          <a:srcRect/>
+          <a:stretch>
+            <a:fillRect/>
+          </a:stretch>
+        </p:blipFill>
+        <p:spPr bwMode="auto">
+          <a:xfrm>
+            <a:off x="1704975" y="1752600"/>
+            <a:ext cx="8782050" cy="3352800"/>
+          </a:xfrm>
+          <a:prstGeom prst="rect">
+            <a:avLst/>
+          </a:prstGeom>
+          <a:noFill/>
+          <a:extLst>
+            <a:ext uri="{909E8E84-426E-40DD-AFC4-6F175D3DCCD1}">
+              <a14:hiddenFill xmlns:a14="http://schemas.microsoft.com/office/drawing/2010/main">
+                <a:solidFill>
+                  <a:srgbClr val="FFFFFF"/>
+                </a:solidFill>
+              </a14:hiddenFill>
+            </a:ext>
+          </a:extLst>
+        </p:spPr>
+      </p:pic>
+    </p:spTree>
+    <p:extLst>
+      <p:ext uri="{BB962C8B-B14F-4D97-AF65-F5344CB8AC3E}">
+        <p14:creationId xmlns:p14="http://schemas.microsoft.com/office/powerpoint/2010/main" val="1798581727"/>
+      </p:ext>
+    </p:extLst>
+  </p:cSld>
+  <p:clrMapOvr>
+    <a:masterClrMapping/>
+  </p:clrMapOvr>
+</p:sld>
+</file>
+
+<file path=ppt/slides/slide8.xml><?xml version="1.0" encoding="utf-8"?>
+<p:sld xmlns:a="http://schemas.openxmlformats.org/drawingml/2006/main" xmlns:r="http://schemas.openxmlformats.org/officeDocument/2006/relationships" xmlns:p="http://schemas.openxmlformats.org/presentationml/2006/main">
+  <p:cSld>
+    <p:bg>
+      <p:bgPr>
+        <a:solidFill>
+          <a:schemeClr val="tx2">
+            <a:lumMod val="60000"/>
+            <a:lumOff val="40000"/>
+          </a:schemeClr>
+        </a:solidFill>
+        <a:effectLst/>
+      </p:bgPr>
+    </p:bg>
+    <p:spTree>
+      <p:nvGrpSpPr>
+        <p:cNvPr id="1" name=""/>
+        <p:cNvGrpSpPr/>
+        <p:nvPr/>
+      </p:nvGrpSpPr>
+      <p:grpSpPr>
+        <a:xfrm>
+          <a:off x="0" y="0"/>
+          <a:ext cx="0" cy="0"/>
+          <a:chOff x="0" y="0"/>
+          <a:chExt cx="0" cy="0"/>
+        </a:xfrm>
+      </p:grpSpPr>
+      <p:sp>
+        <p:nvSpPr>
+          <p:cNvPr id="2" name="Title 1">
+            <a:extLst>
+              <a:ext uri="{FF2B5EF4-FFF2-40B4-BE49-F238E27FC236}">
+                <a16:creationId xmlns:a16="http://schemas.microsoft.com/office/drawing/2014/main" id="{51F2C05B-3556-493B-855C-1F19ADDBAF69}"/>
+              </a:ext>
+            </a:extLst>
+          </p:cNvPr>
+          <p:cNvSpPr>
+            <a:spLocks noGrp="1"/>
+          </p:cNvSpPr>
+          <p:nvPr>
+            <p:ph type="title"/>
+          </p:nvPr>
+        </p:nvSpPr>
+        <p:spPr>
+          <a:xfrm>
+            <a:off x="838200" y="365125"/>
+            <a:ext cx="11099104" cy="1325563"/>
+          </a:xfrm>
+        </p:spPr>
+        <p:txBody>
+          <a:bodyPr/>
+          <a:lstStyle/>
+          <a:p>
+            <a:r>
+              <a:rPr lang="en-US" b="1" dirty="0">
+                <a:solidFill>
+                  <a:schemeClr val="bg1"/>
+                </a:solidFill>
+              </a:rPr>
+              <a:t> </a:t>
+            </a:r>
+          </a:p>
+        </p:txBody>
+      </p:sp>
+      <p:pic>
+        <p:nvPicPr>
+          <p:cNvPr id="1026" name="Picture 2" descr="TSM - (Micro)Service Discovery using Netflix Eureka">
+            <a:extLst>
+              <a:ext uri="{FF2B5EF4-FFF2-40B4-BE49-F238E27FC236}">
+                <a16:creationId xmlns:a16="http://schemas.microsoft.com/office/drawing/2014/main" id="{AA49C754-699D-4F19-963E-2A687CB926A9}"/>
+              </a:ext>
+            </a:extLst>
+          </p:cNvPr>
+          <p:cNvPicPr>
+            <a:picLocks noChangeAspect="1" noChangeArrowheads="1"/>
+          </p:cNvPicPr>
+          <p:nvPr/>
+        </p:nvPicPr>
+        <p:blipFill>
+          <a:blip r:embed="rId2">
+            <a:extLst>
+              <a:ext uri="{28A0092B-C50C-407E-A947-70E740481C1C}">
+                <a14:useLocalDpi xmlns:a14="http://schemas.microsoft.com/office/drawing/2010/main" val="0"/>
+              </a:ext>
+            </a:extLst>
+          </a:blip>
+          <a:srcRect/>
+          <a:stretch>
+            <a:fillRect/>
+          </a:stretch>
+        </p:blipFill>
+        <p:spPr bwMode="auto">
+          <a:xfrm>
+            <a:off x="838200" y="511630"/>
+            <a:ext cx="10657114" cy="5889170"/>
+          </a:xfrm>
+          <a:prstGeom prst="rect">
+            <a:avLst/>
+          </a:prstGeom>
+          <a:noFill/>
+          <a:extLst>
+            <a:ext uri="{909E8E84-426E-40DD-AFC4-6F175D3DCCD1}">
+              <a14:hiddenFill xmlns:a14="http://schemas.microsoft.com/office/drawing/2010/main">
+                <a:solidFill>
+                  <a:srgbClr val="FFFFFF"/>
+                </a:solidFill>
+              </a14:hiddenFill>
+            </a:ext>
+          </a:extLst>
+        </p:spPr>
+      </p:pic>
+    </p:spTree>
+    <p:extLst>
+      <p:ext uri="{BB962C8B-B14F-4D97-AF65-F5344CB8AC3E}">
+        <p14:creationId xmlns:p14="http://schemas.microsoft.com/office/powerpoint/2010/main" val="3954957470"/>
+      </p:ext>
+    </p:extLst>
+  </p:cSld>
+  <p:clrMapOvr>
+    <a:masterClrMapping/>
+  </p:clrMapOvr>
+</p:sld>
+</file>
+
+<file path=ppt/slides/slide9.xml><?xml version="1.0" encoding="utf-8"?>
+<p:sld xmlns:a="http://schemas.openxmlformats.org/drawingml/2006/main" xmlns:r="http://schemas.openxmlformats.org/officeDocument/2006/relationships" xmlns:p="http://schemas.openxmlformats.org/presentationml/2006/main">
+  <p:cSld>
+    <p:bg>
+      <p:bgPr>
+        <a:solidFill>
+          <a:schemeClr val="tx2">
+            <a:lumMod val="60000"/>
+            <a:lumOff val="40000"/>
+          </a:schemeClr>
+        </a:solidFill>
+        <a:effectLst/>
+      </p:bgPr>
+    </p:bg>
+    <p:spTree>
+      <p:nvGrpSpPr>
+        <p:cNvPr id="1" name=""/>
+        <p:cNvGrpSpPr/>
+        <p:nvPr/>
+      </p:nvGrpSpPr>
+      <p:grpSpPr>
+        <a:xfrm>
+          <a:off x="0" y="0"/>
+          <a:ext cx="0" cy="0"/>
+          <a:chOff x="0" y="0"/>
+          <a:chExt cx="0" cy="0"/>
+        </a:xfrm>
+      </p:grpSpPr>
+      <p:sp>
+        <p:nvSpPr>
+          <p:cNvPr id="2" name="Title 1">
+            <a:extLst>
+              <a:ext uri="{FF2B5EF4-FFF2-40B4-BE49-F238E27FC236}">
+                <a16:creationId xmlns:a16="http://schemas.microsoft.com/office/drawing/2014/main" id="{51F2C05B-3556-493B-855C-1F19ADDBAF69}"/>
+              </a:ext>
+            </a:extLst>
+          </p:cNvPr>
+          <p:cNvSpPr>
+            <a:spLocks noGrp="1"/>
+          </p:cNvSpPr>
+          <p:nvPr>
+            <p:ph type="title"/>
+          </p:nvPr>
+        </p:nvSpPr>
+        <p:spPr>
+          <a:xfrm>
+            <a:off x="838200" y="365125"/>
+            <a:ext cx="11099104" cy="1325563"/>
+          </a:xfrm>
+        </p:spPr>
+        <p:txBody>
+          <a:bodyPr/>
+          <a:lstStyle/>
+          <a:p>
+            <a:r>
+              <a:rPr lang="en-US" b="1" dirty="0">
+                <a:solidFill>
+                  <a:schemeClr val="bg1"/>
+                </a:solidFill>
+              </a:rPr>
+              <a:t>Architecture</a:t>
+            </a:r>
+          </a:p>
+        </p:txBody>
+      </p:sp>
+      <p:sp>
+        <p:nvSpPr>
+          <p:cNvPr id="4" name="TextBox 3">
+            <a:extLst>
+              <a:ext uri="{FF2B5EF4-FFF2-40B4-BE49-F238E27FC236}">
+                <a16:creationId xmlns:a16="http://schemas.microsoft.com/office/drawing/2014/main" id="{A32609F5-383A-417E-B9B0-CE955463E2E4}"/>
+              </a:ext>
+            </a:extLst>
+          </p:cNvPr>
+          <p:cNvSpPr txBox="1"/>
+          <p:nvPr/>
+        </p:nvSpPr>
+        <p:spPr>
+          <a:xfrm>
+            <a:off x="838200" y="1779687"/>
+            <a:ext cx="10515600" cy="369332"/>
+          </a:xfrm>
+          <a:prstGeom prst="rect">
+            <a:avLst/>
+          </a:prstGeom>
+          <a:noFill/>
+        </p:spPr>
+        <p:txBody>
+          <a:bodyPr wrap="square" rtlCol="0">
+            <a:spAutoFit/>
+          </a:bodyPr>
+          <a:lstStyle/>
+          <a:p>
+            <a:r>
+              <a:rPr lang="en-US" b="1" dirty="0">
+                <a:solidFill>
+                  <a:schemeClr val="bg1"/>
+                </a:solidFill>
+              </a:rPr>
+              <a:t> </a:t>
+            </a:r>
+            <a:endParaRPr lang="en-US" dirty="0">
+              <a:solidFill>
+                <a:schemeClr val="bg1"/>
+              </a:solidFill>
+            </a:endParaRPr>
+          </a:p>
+        </p:txBody>
+      </p:sp>
+      <p:pic>
+        <p:nvPicPr>
+          <p:cNvPr id="3074" name="Picture 2" descr="Figure 1. Eureka 2.0 Architecture">
+            <a:extLst>
+              <a:ext uri="{FF2B5EF4-FFF2-40B4-BE49-F238E27FC236}">
+                <a16:creationId xmlns:a16="http://schemas.microsoft.com/office/drawing/2014/main" id="{85B98369-E3D9-4FB3-AC89-E36381DED70C}"/>
+              </a:ext>
+            </a:extLst>
+          </p:cNvPr>
+          <p:cNvPicPr>
+            <a:picLocks noChangeAspect="1" noChangeArrowheads="1"/>
+          </p:cNvPicPr>
+          <p:nvPr/>
+        </p:nvPicPr>
+        <p:blipFill>
+          <a:blip r:embed="rId2">
+            <a:extLst>
+              <a:ext uri="{28A0092B-C50C-407E-A947-70E740481C1C}">
+                <a14:useLocalDpi xmlns:a14="http://schemas.microsoft.com/office/drawing/2010/main" val="0"/>
+              </a:ext>
+            </a:extLst>
+          </a:blip>
+          <a:srcRect/>
+          <a:stretch>
+            <a:fillRect/>
+          </a:stretch>
+        </p:blipFill>
+        <p:spPr bwMode="auto">
+          <a:xfrm>
+            <a:off x="1306286" y="1371600"/>
+            <a:ext cx="9590314" cy="4500563"/>
+          </a:xfrm>
+          <a:prstGeom prst="rect">
+            <a:avLst/>
+          </a:prstGeom>
+          <a:noFill/>
+          <a:extLst>
+            <a:ext uri="{909E8E84-426E-40DD-AFC4-6F175D3DCCD1}">
+              <a14:hiddenFill xmlns:a14="http://schemas.microsoft.com/office/drawing/2010/main">
+                <a:solidFill>
+                  <a:srgbClr val="FFFFFF"/>
+                </a:solidFill>
+              </a14:hiddenFill>
+            </a:ext>
+          </a:extLst>
+        </p:spPr>
+      </p:pic>
+    </p:spTree>
+    <p:extLst>
+      <p:ext uri="{BB962C8B-B14F-4D97-AF65-F5344CB8AC3E}">
+        <p14:creationId xmlns:p14="http://schemas.microsoft.com/office/powerpoint/2010/main" val="20253337"/>
       </p:ext>
     </p:extLst>
   </p:cSld>

--- a/training/day3/Day3.pptx
+++ b/training/day3/Day3.pptx
@@ -5,7 +5,7 @@
     <p:sldMasterId id="2147483648" r:id="rId1"/>
   </p:sldMasterIdLst>
   <p:notesMasterIdLst>
-    <p:notesMasterId r:id="rId18"/>
+    <p:notesMasterId r:id="rId27"/>
   </p:notesMasterIdLst>
   <p:sldIdLst>
     <p:sldId id="414" r:id="rId2"/>
@@ -23,7 +23,16 @@
     <p:sldId id="445" r:id="rId14"/>
     <p:sldId id="441" r:id="rId15"/>
     <p:sldId id="442" r:id="rId16"/>
-    <p:sldId id="443" r:id="rId17"/>
+    <p:sldId id="450" r:id="rId17"/>
+    <p:sldId id="449" r:id="rId18"/>
+    <p:sldId id="446" r:id="rId19"/>
+    <p:sldId id="451" r:id="rId20"/>
+    <p:sldId id="452" r:id="rId21"/>
+    <p:sldId id="453" r:id="rId22"/>
+    <p:sldId id="454" r:id="rId23"/>
+    <p:sldId id="447" r:id="rId24"/>
+    <p:sldId id="448" r:id="rId25"/>
+    <p:sldId id="443" r:id="rId26"/>
   </p:sldIdLst>
   <p:sldSz cx="12192000" cy="6858000"/>
   <p:notesSz cx="6858000" cy="9144000"/>
@@ -4918,7 +4927,7 @@
                   <a:schemeClr val="bg1"/>
                 </a:solidFill>
               </a:rPr>
-              <a:t>as</a:t>
+              <a:t>Service Discovery</a:t>
             </a:r>
           </a:p>
         </p:txBody>
@@ -4951,14 +4960,6 @@
           </a:bodyPr>
           <a:lstStyle/>
           <a:p>
-            <a:r>
-              <a:rPr lang="en-US" b="1" dirty="0" err="1">
-                <a:solidFill>
-                  <a:schemeClr val="bg1"/>
-                </a:solidFill>
-              </a:rPr>
-              <a:t>asd</a:t>
-            </a:r>
             <a:endParaRPr lang="en-US" dirty="0">
               <a:solidFill>
                 <a:schemeClr val="bg1"/>
@@ -5087,7 +5088,7 @@
                   <a:schemeClr val="bg1"/>
                 </a:solidFill>
               </a:rPr>
-              <a:t>as</a:t>
+              <a:t>Testing Microservices</a:t>
             </a:r>
           </a:p>
         </p:txBody>
@@ -5107,7 +5108,7 @@
         <p:spPr>
           <a:xfrm>
             <a:off x="838200" y="1779687"/>
-            <a:ext cx="10515600" cy="369332"/>
+            <a:ext cx="10515600" cy="3139321"/>
           </a:xfrm>
           <a:prstGeom prst="rect">
             <a:avLst/>
@@ -5121,14 +5122,103 @@
           <a:lstStyle/>
           <a:p>
             <a:r>
-              <a:rPr lang="en-US" b="1" dirty="0" err="1">
-                <a:solidFill>
-                  <a:schemeClr val="bg1"/>
-                </a:solidFill>
-              </a:rPr>
-              <a:t>asd</a:t>
-            </a:r>
-            <a:endParaRPr lang="en-US" dirty="0">
+              <a:rPr lang="en-US" b="1" dirty="0">
+                <a:solidFill>
+                  <a:schemeClr val="bg1"/>
+                </a:solidFill>
+              </a:rPr>
+              <a:t>Many applications are designed for eventual consistency.</a:t>
+            </a:r>
+          </a:p>
+          <a:p>
+            <a:r>
+              <a:rPr lang="en-US" b="1" dirty="0">
+                <a:solidFill>
+                  <a:schemeClr val="bg1"/>
+                </a:solidFill>
+              </a:rPr>
+              <a:t>QE Vs QA</a:t>
+            </a:r>
+          </a:p>
+          <a:p>
+            <a:r>
+              <a:rPr lang="en-US" b="1" dirty="0">
+                <a:solidFill>
+                  <a:schemeClr val="bg1"/>
+                </a:solidFill>
+              </a:rPr>
+              <a:t>	Build Simulators.</a:t>
+            </a:r>
+          </a:p>
+          <a:p>
+            <a:r>
+              <a:rPr lang="en-US" b="1" dirty="0">
+                <a:solidFill>
+                  <a:schemeClr val="bg1"/>
+                </a:solidFill>
+              </a:rPr>
+              <a:t>	</a:t>
+            </a:r>
+          </a:p>
+          <a:p>
+            <a:endParaRPr lang="en-US" b="1" dirty="0">
+              <a:solidFill>
+                <a:schemeClr val="bg1"/>
+              </a:solidFill>
+            </a:endParaRPr>
+          </a:p>
+          <a:p>
+            <a:r>
+              <a:rPr lang="en-US" b="1" dirty="0">
+                <a:solidFill>
+                  <a:schemeClr val="bg1"/>
+                </a:solidFill>
+              </a:rPr>
+              <a:t>Testing microservices is even more challenging.</a:t>
+            </a:r>
+          </a:p>
+          <a:p>
+            <a:r>
+              <a:rPr lang="en-US" b="1" dirty="0">
+                <a:solidFill>
+                  <a:schemeClr val="bg1"/>
+                </a:solidFill>
+              </a:rPr>
+              <a:t>Pay special attention to loosely coupled tests.</a:t>
+            </a:r>
+          </a:p>
+          <a:p>
+            <a:r>
+              <a:rPr lang="en-US" b="1" dirty="0">
+                <a:solidFill>
+                  <a:schemeClr val="bg1"/>
+                </a:solidFill>
+              </a:rPr>
+              <a:t>Isolate services for loosely coupled tests</a:t>
+            </a:r>
+          </a:p>
+          <a:p>
+            <a:r>
+              <a:rPr lang="en-US" b="1" dirty="0">
+                <a:solidFill>
+                  <a:schemeClr val="bg1"/>
+                </a:solidFill>
+              </a:rPr>
+              <a:t>Include tests that resemble production</a:t>
+            </a:r>
+          </a:p>
+          <a:p>
+            <a:r>
+              <a:rPr lang="en-US" b="1" dirty="0">
+                <a:solidFill>
+                  <a:schemeClr val="bg1"/>
+                </a:solidFill>
+              </a:rPr>
+              <a:t>Make security testing a first-class citizen</a:t>
+            </a:r>
+          </a:p>
+          <a:p>
+            <a:endParaRPr lang="en-US" b="1" dirty="0">
               <a:solidFill>
                 <a:schemeClr val="bg1"/>
               </a:solidFill>
@@ -5209,7 +5299,7 @@
                   <a:schemeClr val="bg1"/>
                 </a:solidFill>
               </a:rPr>
-              <a:t>as</a:t>
+              <a:t>Testing Challenges</a:t>
             </a:r>
           </a:p>
         </p:txBody>
@@ -5229,7 +5319,7 @@
         <p:spPr>
           <a:xfrm>
             <a:off x="838200" y="1779687"/>
-            <a:ext cx="10515600" cy="369332"/>
+            <a:ext cx="10515600" cy="2585323"/>
           </a:xfrm>
           <a:prstGeom prst="rect">
             <a:avLst/>
@@ -5243,25 +5333,665 @@
           <a:lstStyle/>
           <a:p>
             <a:r>
+              <a:rPr lang="en-US" b="1" dirty="0">
+                <a:solidFill>
+                  <a:schemeClr val="bg1"/>
+                </a:solidFill>
+              </a:rPr>
+              <a:t>Cannot share a single environment</a:t>
+            </a:r>
+          </a:p>
+          <a:p>
+            <a:r>
+              <a:rPr lang="en-US" b="1" dirty="0">
+                <a:solidFill>
+                  <a:schemeClr val="bg1"/>
+                </a:solidFill>
+              </a:rPr>
+              <a:t>Environment is going to very dynamic.</a:t>
+            </a:r>
+          </a:p>
+          <a:p>
+            <a:r>
+              <a:rPr lang="en-US" b="1" dirty="0">
+                <a:solidFill>
+                  <a:schemeClr val="bg1"/>
+                </a:solidFill>
+              </a:rPr>
+              <a:t>Some testing in Java, Scala, Python, </a:t>
+            </a:r>
+            <a:r>
               <a:rPr lang="en-US" b="1" dirty="0" err="1">
                 <a:solidFill>
                   <a:schemeClr val="bg1"/>
                 </a:solidFill>
               </a:rPr>
-              <a:t>asd</a:t>
-            </a:r>
-            <a:endParaRPr lang="en-US" dirty="0">
+              <a:t>.Net</a:t>
+            </a:r>
+            <a:r>
+              <a:rPr lang="en-US" b="1" dirty="0">
+                <a:solidFill>
+                  <a:schemeClr val="bg1"/>
+                </a:solidFill>
+              </a:rPr>
+              <a:t> </a:t>
+            </a:r>
+            <a:r>
+              <a:rPr lang="en-US" b="1" dirty="0" err="1">
+                <a:solidFill>
+                  <a:schemeClr val="bg1"/>
+                </a:solidFill>
+              </a:rPr>
+              <a:t>ect</a:t>
+            </a:r>
+            <a:r>
+              <a:rPr lang="en-US" b="1" dirty="0">
+                <a:solidFill>
+                  <a:schemeClr val="bg1"/>
+                </a:solidFill>
+              </a:rPr>
+              <a:t>.</a:t>
+            </a:r>
+          </a:p>
+          <a:p>
+            <a:r>
+              <a:rPr lang="en-US" b="1" dirty="0">
+                <a:solidFill>
+                  <a:schemeClr val="bg1"/>
+                </a:solidFill>
+              </a:rPr>
+              <a:t>Full ecosystem unsuitable for local testing</a:t>
+            </a:r>
+          </a:p>
+          <a:p>
+            <a:r>
+              <a:rPr lang="en-US" b="1" dirty="0">
+                <a:solidFill>
+                  <a:schemeClr val="bg1"/>
+                </a:solidFill>
+              </a:rPr>
+              <a:t>Lack of control over third party dependencies.</a:t>
+            </a:r>
+          </a:p>
+          <a:p>
+            <a:endParaRPr lang="en-US" b="1" dirty="0">
               <a:solidFill>
                 <a:schemeClr val="bg1"/>
               </a:solidFill>
             </a:endParaRPr>
           </a:p>
+          <a:p>
+            <a:r>
+              <a:rPr lang="en-US" b="1" dirty="0">
+                <a:solidFill>
+                  <a:schemeClr val="bg1"/>
+                </a:solidFill>
+              </a:rPr>
+              <a:t>Functional change impact needs to be analyzed in detail.</a:t>
+            </a:r>
+          </a:p>
+          <a:p>
+            <a:r>
+              <a:rPr lang="en-US" b="1" dirty="0">
+                <a:solidFill>
+                  <a:schemeClr val="bg1"/>
+                </a:solidFill>
+              </a:rPr>
+              <a:t>	Many calls could be asynchronous.</a:t>
+            </a:r>
+          </a:p>
+          <a:p>
+            <a:r>
+              <a:rPr lang="en-US" b="1" dirty="0">
+                <a:solidFill>
+                  <a:schemeClr val="bg1"/>
+                </a:solidFill>
+              </a:rPr>
+              <a:t>	Asynchronous exception handling.</a:t>
+            </a:r>
+          </a:p>
         </p:txBody>
       </p:sp>
     </p:spTree>
     <p:extLst>
       <p:ext uri="{BB962C8B-B14F-4D97-AF65-F5344CB8AC3E}">
-        <p14:creationId xmlns:p14="http://schemas.microsoft.com/office/powerpoint/2010/main" val="1206675036"/>
+        <p14:creationId xmlns:p14="http://schemas.microsoft.com/office/powerpoint/2010/main" val="2835953185"/>
+      </p:ext>
+    </p:extLst>
+  </p:cSld>
+  <p:clrMapOvr>
+    <a:masterClrMapping/>
+  </p:clrMapOvr>
+</p:sld>
+</file>
+
+<file path=ppt/slides/slide17.xml><?xml version="1.0" encoding="utf-8"?>
+<p:sld xmlns:a="http://schemas.openxmlformats.org/drawingml/2006/main" xmlns:r="http://schemas.openxmlformats.org/officeDocument/2006/relationships" xmlns:p="http://schemas.openxmlformats.org/presentationml/2006/main">
+  <p:cSld>
+    <p:bg>
+      <p:bgPr>
+        <a:solidFill>
+          <a:schemeClr val="tx2">
+            <a:lumMod val="60000"/>
+            <a:lumOff val="40000"/>
+          </a:schemeClr>
+        </a:solidFill>
+        <a:effectLst/>
+      </p:bgPr>
+    </p:bg>
+    <p:spTree>
+      <p:nvGrpSpPr>
+        <p:cNvPr id="1" name=""/>
+        <p:cNvGrpSpPr/>
+        <p:nvPr/>
+      </p:nvGrpSpPr>
+      <p:grpSpPr>
+        <a:xfrm>
+          <a:off x="0" y="0"/>
+          <a:ext cx="0" cy="0"/>
+          <a:chOff x="0" y="0"/>
+          <a:chExt cx="0" cy="0"/>
+        </a:xfrm>
+      </p:grpSpPr>
+      <p:sp>
+        <p:nvSpPr>
+          <p:cNvPr id="2" name="Title 1">
+            <a:extLst>
+              <a:ext uri="{FF2B5EF4-FFF2-40B4-BE49-F238E27FC236}">
+                <a16:creationId xmlns:a16="http://schemas.microsoft.com/office/drawing/2014/main" id="{51F2C05B-3556-493B-855C-1F19ADDBAF69}"/>
+              </a:ext>
+            </a:extLst>
+          </p:cNvPr>
+          <p:cNvSpPr>
+            <a:spLocks noGrp="1"/>
+          </p:cNvSpPr>
+          <p:nvPr>
+            <p:ph type="title"/>
+          </p:nvPr>
+        </p:nvSpPr>
+        <p:spPr>
+          <a:xfrm>
+            <a:off x="838200" y="365125"/>
+            <a:ext cx="11099104" cy="1325563"/>
+          </a:xfrm>
+        </p:spPr>
+        <p:txBody>
+          <a:bodyPr/>
+          <a:lstStyle/>
+          <a:p>
+            <a:r>
+              <a:rPr lang="en-US" b="1" dirty="0">
+                <a:solidFill>
+                  <a:schemeClr val="bg1"/>
+                </a:solidFill>
+              </a:rPr>
+              <a:t>Agile Testing Quadrants</a:t>
+            </a:r>
+          </a:p>
+        </p:txBody>
+      </p:sp>
+      <p:pic>
+        <p:nvPicPr>
+          <p:cNvPr id="1026" name="Picture 2" descr="Using the Agile Testing Quadrants - Agile Testing with Lisa Crispin">
+            <a:extLst>
+              <a:ext uri="{FF2B5EF4-FFF2-40B4-BE49-F238E27FC236}">
+                <a16:creationId xmlns:a16="http://schemas.microsoft.com/office/drawing/2014/main" id="{6F0DF3F7-5C59-4004-8F8E-EBA31AF1415B}"/>
+              </a:ext>
+            </a:extLst>
+          </p:cNvPr>
+          <p:cNvPicPr>
+            <a:picLocks noChangeAspect="1" noChangeArrowheads="1"/>
+          </p:cNvPicPr>
+          <p:nvPr/>
+        </p:nvPicPr>
+        <p:blipFill>
+          <a:blip r:embed="rId2">
+            <a:extLst>
+              <a:ext uri="{28A0092B-C50C-407E-A947-70E740481C1C}">
+                <a14:useLocalDpi xmlns:a14="http://schemas.microsoft.com/office/drawing/2010/main" val="0"/>
+              </a:ext>
+            </a:extLst>
+          </a:blip>
+          <a:srcRect/>
+          <a:stretch>
+            <a:fillRect/>
+          </a:stretch>
+        </p:blipFill>
+        <p:spPr bwMode="auto">
+          <a:xfrm>
+            <a:off x="1556654" y="1605643"/>
+            <a:ext cx="9176657" cy="4648200"/>
+          </a:xfrm>
+          <a:prstGeom prst="rect">
+            <a:avLst/>
+          </a:prstGeom>
+          <a:noFill/>
+          <a:extLst>
+            <a:ext uri="{909E8E84-426E-40DD-AFC4-6F175D3DCCD1}">
+              <a14:hiddenFill xmlns:a14="http://schemas.microsoft.com/office/drawing/2010/main">
+                <a:solidFill>
+                  <a:srgbClr val="FFFFFF"/>
+                </a:solidFill>
+              </a14:hiddenFill>
+            </a:ext>
+          </a:extLst>
+        </p:spPr>
+      </p:pic>
+    </p:spTree>
+    <p:extLst>
+      <p:ext uri="{BB962C8B-B14F-4D97-AF65-F5344CB8AC3E}">
+        <p14:creationId xmlns:p14="http://schemas.microsoft.com/office/powerpoint/2010/main" val="3124008929"/>
+      </p:ext>
+    </p:extLst>
+  </p:cSld>
+  <p:clrMapOvr>
+    <a:masterClrMapping/>
+  </p:clrMapOvr>
+</p:sld>
+</file>
+
+<file path=ppt/slides/slide18.xml><?xml version="1.0" encoding="utf-8"?>
+<p:sld xmlns:a="http://schemas.openxmlformats.org/drawingml/2006/main" xmlns:r="http://schemas.openxmlformats.org/officeDocument/2006/relationships" xmlns:p="http://schemas.openxmlformats.org/presentationml/2006/main">
+  <p:cSld>
+    <p:bg>
+      <p:bgPr>
+        <a:solidFill>
+          <a:schemeClr val="tx2">
+            <a:lumMod val="60000"/>
+            <a:lumOff val="40000"/>
+          </a:schemeClr>
+        </a:solidFill>
+        <a:effectLst/>
+      </p:bgPr>
+    </p:bg>
+    <p:spTree>
+      <p:nvGrpSpPr>
+        <p:cNvPr id="1" name=""/>
+        <p:cNvGrpSpPr/>
+        <p:nvPr/>
+      </p:nvGrpSpPr>
+      <p:grpSpPr>
+        <a:xfrm>
+          <a:off x="0" y="0"/>
+          <a:ext cx="0" cy="0"/>
+          <a:chOff x="0" y="0"/>
+          <a:chExt cx="0" cy="0"/>
+        </a:xfrm>
+      </p:grpSpPr>
+      <p:sp>
+        <p:nvSpPr>
+          <p:cNvPr id="2" name="Title 1">
+            <a:extLst>
+              <a:ext uri="{FF2B5EF4-FFF2-40B4-BE49-F238E27FC236}">
+                <a16:creationId xmlns:a16="http://schemas.microsoft.com/office/drawing/2014/main" id="{51F2C05B-3556-493B-855C-1F19ADDBAF69}"/>
+              </a:ext>
+            </a:extLst>
+          </p:cNvPr>
+          <p:cNvSpPr>
+            <a:spLocks noGrp="1"/>
+          </p:cNvSpPr>
+          <p:nvPr>
+            <p:ph type="title"/>
+          </p:nvPr>
+        </p:nvSpPr>
+        <p:spPr>
+          <a:xfrm>
+            <a:off x="838200" y="365125"/>
+            <a:ext cx="11099104" cy="1325563"/>
+          </a:xfrm>
+        </p:spPr>
+        <p:txBody>
+          <a:bodyPr/>
+          <a:lstStyle/>
+          <a:p>
+            <a:r>
+              <a:rPr lang="en-US" b="1" dirty="0">
+                <a:solidFill>
+                  <a:schemeClr val="bg1"/>
+                </a:solidFill>
+              </a:rPr>
+              <a:t>Testing Microservices</a:t>
+            </a:r>
+          </a:p>
+        </p:txBody>
+      </p:sp>
+      <p:sp>
+        <p:nvSpPr>
+          <p:cNvPr id="4" name="TextBox 3">
+            <a:extLst>
+              <a:ext uri="{FF2B5EF4-FFF2-40B4-BE49-F238E27FC236}">
+                <a16:creationId xmlns:a16="http://schemas.microsoft.com/office/drawing/2014/main" id="{A32609F5-383A-417E-B9B0-CE955463E2E4}"/>
+              </a:ext>
+            </a:extLst>
+          </p:cNvPr>
+          <p:cNvSpPr txBox="1"/>
+          <p:nvPr/>
+        </p:nvSpPr>
+        <p:spPr>
+          <a:xfrm>
+            <a:off x="838200" y="1779687"/>
+            <a:ext cx="10515600" cy="3416320"/>
+          </a:xfrm>
+          <a:prstGeom prst="rect">
+            <a:avLst/>
+          </a:prstGeom>
+          <a:noFill/>
+        </p:spPr>
+        <p:txBody>
+          <a:bodyPr wrap="square" rtlCol="0">
+            <a:spAutoFit/>
+          </a:bodyPr>
+          <a:lstStyle/>
+          <a:p>
+            <a:r>
+              <a:rPr lang="en-US" b="1" dirty="0">
+                <a:solidFill>
+                  <a:schemeClr val="bg1"/>
+                </a:solidFill>
+              </a:rPr>
+              <a:t>Junit 5</a:t>
+            </a:r>
+          </a:p>
+          <a:p>
+            <a:r>
+              <a:rPr lang="en-US" b="1" dirty="0">
+                <a:solidFill>
+                  <a:schemeClr val="bg1"/>
+                </a:solidFill>
+              </a:rPr>
+              <a:t>	Junit 4 was there for a long time.</a:t>
+            </a:r>
+          </a:p>
+          <a:p>
+            <a:r>
+              <a:rPr lang="en-US" b="1" dirty="0">
+                <a:solidFill>
+                  <a:schemeClr val="bg1"/>
+                </a:solidFill>
+              </a:rPr>
+              <a:t>	Not up-to date with the latest in testing.</a:t>
+            </a:r>
+          </a:p>
+          <a:p>
+            <a:r>
+              <a:rPr lang="en-US" b="1" dirty="0">
+                <a:solidFill>
+                  <a:schemeClr val="bg1"/>
+                </a:solidFill>
+              </a:rPr>
+              <a:t>	Mindset how people approach has not evolved</a:t>
+            </a:r>
+          </a:p>
+          <a:p>
+            <a:r>
+              <a:rPr lang="en-US" b="1" dirty="0">
+                <a:solidFill>
+                  <a:schemeClr val="bg1"/>
+                </a:solidFill>
+              </a:rPr>
+              <a:t>	Java has evolved</a:t>
+            </a:r>
+          </a:p>
+          <a:p>
+            <a:r>
+              <a:rPr lang="en-US" b="1" dirty="0">
+                <a:solidFill>
+                  <a:schemeClr val="bg1"/>
+                </a:solidFill>
+              </a:rPr>
+              <a:t>	Monolithic architecture</a:t>
+            </a:r>
+          </a:p>
+          <a:p>
+            <a:r>
+              <a:rPr lang="en-US" b="1" dirty="0">
+                <a:solidFill>
+                  <a:schemeClr val="bg1"/>
+                </a:solidFill>
+              </a:rPr>
+              <a:t>	Bugs and features requests piled up.</a:t>
+            </a:r>
+          </a:p>
+          <a:p>
+            <a:r>
+              <a:rPr lang="en-US" b="1" dirty="0">
+                <a:solidFill>
+                  <a:schemeClr val="bg1"/>
+                </a:solidFill>
+              </a:rPr>
+              <a:t>	Open source</a:t>
+            </a:r>
+          </a:p>
+          <a:p>
+            <a:r>
+              <a:rPr lang="en-US" b="1" dirty="0">
+                <a:solidFill>
+                  <a:schemeClr val="bg1"/>
+                </a:solidFill>
+              </a:rPr>
+              <a:t>	Crowd funding.</a:t>
+            </a:r>
+          </a:p>
+          <a:p>
+            <a:r>
+              <a:rPr lang="en-US" b="1" dirty="0">
+                <a:solidFill>
+                  <a:schemeClr val="bg1"/>
+                </a:solidFill>
+              </a:rPr>
+              <a:t>Junit 5 came up.</a:t>
+            </a:r>
+          </a:p>
+          <a:p>
+            <a:r>
+              <a:rPr lang="en-US" b="1" dirty="0">
+                <a:solidFill>
+                  <a:schemeClr val="bg1"/>
+                </a:solidFill>
+              </a:rPr>
+              <a:t>	Not an update to Junit 4</a:t>
+            </a:r>
+          </a:p>
+          <a:p>
+            <a:r>
+              <a:rPr lang="en-US" b="1" dirty="0">
+                <a:solidFill>
+                  <a:schemeClr val="bg1"/>
+                </a:solidFill>
+              </a:rPr>
+              <a:t>	Cannot easily upgrade from Junit 4 to Junit 5</a:t>
+            </a:r>
+          </a:p>
+        </p:txBody>
+      </p:sp>
+    </p:spTree>
+    <p:extLst>
+      <p:ext uri="{BB962C8B-B14F-4D97-AF65-F5344CB8AC3E}">
+        <p14:creationId xmlns:p14="http://schemas.microsoft.com/office/powerpoint/2010/main" val="3357363931"/>
+      </p:ext>
+    </p:extLst>
+  </p:cSld>
+  <p:clrMapOvr>
+    <a:masterClrMapping/>
+  </p:clrMapOvr>
+</p:sld>
+</file>
+
+<file path=ppt/slides/slide19.xml><?xml version="1.0" encoding="utf-8"?>
+<p:sld xmlns:a="http://schemas.openxmlformats.org/drawingml/2006/main" xmlns:r="http://schemas.openxmlformats.org/officeDocument/2006/relationships" xmlns:p="http://schemas.openxmlformats.org/presentationml/2006/main">
+  <p:cSld>
+    <p:bg>
+      <p:bgPr>
+        <a:solidFill>
+          <a:schemeClr val="tx2">
+            <a:lumMod val="60000"/>
+            <a:lumOff val="40000"/>
+          </a:schemeClr>
+        </a:solidFill>
+        <a:effectLst/>
+      </p:bgPr>
+    </p:bg>
+    <p:spTree>
+      <p:nvGrpSpPr>
+        <p:cNvPr id="1" name=""/>
+        <p:cNvGrpSpPr/>
+        <p:nvPr/>
+      </p:nvGrpSpPr>
+      <p:grpSpPr>
+        <a:xfrm>
+          <a:off x="0" y="0"/>
+          <a:ext cx="0" cy="0"/>
+          <a:chOff x="0" y="0"/>
+          <a:chExt cx="0" cy="0"/>
+        </a:xfrm>
+      </p:grpSpPr>
+      <p:sp>
+        <p:nvSpPr>
+          <p:cNvPr id="2" name="Title 1">
+            <a:extLst>
+              <a:ext uri="{FF2B5EF4-FFF2-40B4-BE49-F238E27FC236}">
+                <a16:creationId xmlns:a16="http://schemas.microsoft.com/office/drawing/2014/main" id="{51F2C05B-3556-493B-855C-1F19ADDBAF69}"/>
+              </a:ext>
+            </a:extLst>
+          </p:cNvPr>
+          <p:cNvSpPr>
+            <a:spLocks noGrp="1"/>
+          </p:cNvSpPr>
+          <p:nvPr>
+            <p:ph type="title"/>
+          </p:nvPr>
+        </p:nvSpPr>
+        <p:spPr>
+          <a:xfrm>
+            <a:off x="838200" y="365125"/>
+            <a:ext cx="11099104" cy="1325563"/>
+          </a:xfrm>
+        </p:spPr>
+        <p:txBody>
+          <a:bodyPr/>
+          <a:lstStyle/>
+          <a:p>
+            <a:r>
+              <a:rPr lang="en-US" b="1" dirty="0">
+                <a:solidFill>
+                  <a:schemeClr val="bg1"/>
+                </a:solidFill>
+              </a:rPr>
+              <a:t>Testing Strategy</a:t>
+            </a:r>
+          </a:p>
+        </p:txBody>
+      </p:sp>
+      <p:sp>
+        <p:nvSpPr>
+          <p:cNvPr id="4" name="TextBox 3">
+            <a:extLst>
+              <a:ext uri="{FF2B5EF4-FFF2-40B4-BE49-F238E27FC236}">
+                <a16:creationId xmlns:a16="http://schemas.microsoft.com/office/drawing/2014/main" id="{A32609F5-383A-417E-B9B0-CE955463E2E4}"/>
+              </a:ext>
+            </a:extLst>
+          </p:cNvPr>
+          <p:cNvSpPr txBox="1"/>
+          <p:nvPr/>
+        </p:nvSpPr>
+        <p:spPr>
+          <a:xfrm>
+            <a:off x="838200" y="1779687"/>
+            <a:ext cx="10515600" cy="2308324"/>
+          </a:xfrm>
+          <a:prstGeom prst="rect">
+            <a:avLst/>
+          </a:prstGeom>
+          <a:noFill/>
+        </p:spPr>
+        <p:txBody>
+          <a:bodyPr wrap="square" rtlCol="0">
+            <a:spAutoFit/>
+          </a:bodyPr>
+          <a:lstStyle/>
+          <a:p>
+            <a:r>
+              <a:rPr lang="en-US" b="1" dirty="0">
+                <a:solidFill>
+                  <a:schemeClr val="bg1"/>
+                </a:solidFill>
+              </a:rPr>
+              <a:t>Isolate parts and ensure the contracts are not broken.</a:t>
+            </a:r>
+          </a:p>
+          <a:p>
+            <a:r>
+              <a:rPr lang="en-US" b="1" dirty="0">
+                <a:solidFill>
+                  <a:schemeClr val="bg1"/>
+                </a:solidFill>
+              </a:rPr>
+              <a:t>	Lot of automated testing should ensure the contracts are good.</a:t>
+            </a:r>
+          </a:p>
+          <a:p>
+            <a:r>
+              <a:rPr lang="en-US" b="1" dirty="0">
+                <a:solidFill>
+                  <a:schemeClr val="bg1"/>
+                </a:solidFill>
+              </a:rPr>
+              <a:t>No isolations</a:t>
+            </a:r>
+          </a:p>
+          <a:p>
+            <a:r>
+              <a:rPr lang="en-US" b="1" dirty="0">
+                <a:solidFill>
+                  <a:schemeClr val="bg1"/>
+                </a:solidFill>
+              </a:rPr>
+              <a:t>	Customer sees no isolations.</a:t>
+            </a:r>
+          </a:p>
+          <a:p>
+            <a:r>
+              <a:rPr lang="en-US" b="1" dirty="0">
+                <a:solidFill>
+                  <a:schemeClr val="bg1"/>
+                </a:solidFill>
+              </a:rPr>
+              <a:t>	Ensure what customer want works the way they want.</a:t>
+            </a:r>
+          </a:p>
+          <a:p>
+            <a:r>
+              <a:rPr lang="en-US" b="1" dirty="0">
+                <a:solidFill>
+                  <a:schemeClr val="bg1"/>
+                </a:solidFill>
+              </a:rPr>
+              <a:t>Unowned components.</a:t>
+            </a:r>
+          </a:p>
+          <a:p>
+            <a:r>
+              <a:rPr lang="en-US" b="1" dirty="0">
+                <a:solidFill>
+                  <a:schemeClr val="bg1"/>
+                </a:solidFill>
+              </a:rPr>
+              <a:t>	Isolate I own Vs. I don't own Vs Nobody owns.</a:t>
+            </a:r>
+          </a:p>
+          <a:p>
+            <a:endParaRPr lang="en-US" b="1" dirty="0">
+              <a:solidFill>
+                <a:schemeClr val="bg1"/>
+              </a:solidFill>
+            </a:endParaRPr>
+          </a:p>
+        </p:txBody>
+      </p:sp>
+    </p:spTree>
+    <p:extLst>
+      <p:ext uri="{BB962C8B-B14F-4D97-AF65-F5344CB8AC3E}">
+        <p14:creationId xmlns:p14="http://schemas.microsoft.com/office/powerpoint/2010/main" val="1223262558"/>
       </p:ext>
     </p:extLst>
   </p:cSld>
@@ -5483,6 +6213,1404 @@
     <p:extLst>
       <p:ext uri="{BB962C8B-B14F-4D97-AF65-F5344CB8AC3E}">
         <p14:creationId xmlns:p14="http://schemas.microsoft.com/office/powerpoint/2010/main" val="1081268966"/>
+      </p:ext>
+    </p:extLst>
+  </p:cSld>
+  <p:clrMapOvr>
+    <a:masterClrMapping/>
+  </p:clrMapOvr>
+</p:sld>
+</file>
+
+<file path=ppt/slides/slide20.xml><?xml version="1.0" encoding="utf-8"?>
+<p:sld xmlns:a="http://schemas.openxmlformats.org/drawingml/2006/main" xmlns:r="http://schemas.openxmlformats.org/officeDocument/2006/relationships" xmlns:p="http://schemas.openxmlformats.org/presentationml/2006/main">
+  <p:cSld>
+    <p:bg>
+      <p:bgPr>
+        <a:solidFill>
+          <a:schemeClr val="tx2">
+            <a:lumMod val="60000"/>
+            <a:lumOff val="40000"/>
+          </a:schemeClr>
+        </a:solidFill>
+        <a:effectLst/>
+      </p:bgPr>
+    </p:bg>
+    <p:spTree>
+      <p:nvGrpSpPr>
+        <p:cNvPr id="1" name=""/>
+        <p:cNvGrpSpPr/>
+        <p:nvPr/>
+      </p:nvGrpSpPr>
+      <p:grpSpPr>
+        <a:xfrm>
+          <a:off x="0" y="0"/>
+          <a:ext cx="0" cy="0"/>
+          <a:chOff x="0" y="0"/>
+          <a:chExt cx="0" cy="0"/>
+        </a:xfrm>
+      </p:grpSpPr>
+      <p:sp>
+        <p:nvSpPr>
+          <p:cNvPr id="2" name="Title 1">
+            <a:extLst>
+              <a:ext uri="{FF2B5EF4-FFF2-40B4-BE49-F238E27FC236}">
+                <a16:creationId xmlns:a16="http://schemas.microsoft.com/office/drawing/2014/main" id="{51F2C05B-3556-493B-855C-1F19ADDBAF69}"/>
+              </a:ext>
+            </a:extLst>
+          </p:cNvPr>
+          <p:cNvSpPr>
+            <a:spLocks noGrp="1"/>
+          </p:cNvSpPr>
+          <p:nvPr>
+            <p:ph type="title"/>
+          </p:nvPr>
+        </p:nvSpPr>
+        <p:spPr>
+          <a:xfrm>
+            <a:off x="838200" y="365125"/>
+            <a:ext cx="11099104" cy="1325563"/>
+          </a:xfrm>
+        </p:spPr>
+        <p:txBody>
+          <a:bodyPr/>
+          <a:lstStyle/>
+          <a:p>
+            <a:r>
+              <a:rPr lang="en-US" b="1" dirty="0">
+                <a:solidFill>
+                  <a:schemeClr val="bg1"/>
+                </a:solidFill>
+              </a:rPr>
+              <a:t>Test Doubles</a:t>
+            </a:r>
+          </a:p>
+        </p:txBody>
+      </p:sp>
+      <p:sp>
+        <p:nvSpPr>
+          <p:cNvPr id="4" name="TextBox 3">
+            <a:extLst>
+              <a:ext uri="{FF2B5EF4-FFF2-40B4-BE49-F238E27FC236}">
+                <a16:creationId xmlns:a16="http://schemas.microsoft.com/office/drawing/2014/main" id="{A32609F5-383A-417E-B9B0-CE955463E2E4}"/>
+              </a:ext>
+            </a:extLst>
+          </p:cNvPr>
+          <p:cNvSpPr txBox="1"/>
+          <p:nvPr/>
+        </p:nvSpPr>
+        <p:spPr>
+          <a:xfrm>
+            <a:off x="838200" y="1779687"/>
+            <a:ext cx="10515600" cy="3139321"/>
+          </a:xfrm>
+          <a:prstGeom prst="rect">
+            <a:avLst/>
+          </a:prstGeom>
+          <a:noFill/>
+        </p:spPr>
+        <p:txBody>
+          <a:bodyPr wrap="square" rtlCol="0">
+            <a:spAutoFit/>
+          </a:bodyPr>
+          <a:lstStyle/>
+          <a:p>
+            <a:r>
+              <a:rPr lang="en-US" b="1" dirty="0">
+                <a:solidFill>
+                  <a:schemeClr val="bg1"/>
+                </a:solidFill>
+              </a:rPr>
+              <a:t>Dummy objects</a:t>
+            </a:r>
+          </a:p>
+          <a:p>
+            <a:r>
+              <a:rPr lang="en-US" b="1" dirty="0">
+                <a:solidFill>
+                  <a:schemeClr val="bg1"/>
+                </a:solidFill>
+              </a:rPr>
+              <a:t>	passed around but never actually used.</a:t>
+            </a:r>
+          </a:p>
+          <a:p>
+            <a:r>
+              <a:rPr lang="en-US" b="1" dirty="0">
+                <a:solidFill>
+                  <a:schemeClr val="bg1"/>
+                </a:solidFill>
+              </a:rPr>
+              <a:t>Fake objects</a:t>
+            </a:r>
+          </a:p>
+          <a:p>
+            <a:r>
+              <a:rPr lang="en-US" b="1" dirty="0">
+                <a:solidFill>
+                  <a:schemeClr val="bg1"/>
+                </a:solidFill>
+              </a:rPr>
+              <a:t>	working implementation not suitable for production</a:t>
+            </a:r>
+          </a:p>
+          <a:p>
+            <a:r>
+              <a:rPr lang="en-US" b="1" dirty="0">
+                <a:solidFill>
+                  <a:schemeClr val="bg1"/>
+                </a:solidFill>
+              </a:rPr>
+              <a:t>Stubs</a:t>
+            </a:r>
+          </a:p>
+          <a:p>
+            <a:r>
+              <a:rPr lang="en-US" b="1" dirty="0">
+                <a:solidFill>
+                  <a:schemeClr val="bg1"/>
+                </a:solidFill>
+              </a:rPr>
+              <a:t>	provide canned answers to calls made during tests</a:t>
+            </a:r>
+          </a:p>
+          <a:p>
+            <a:r>
+              <a:rPr lang="en-US" b="1" dirty="0">
+                <a:solidFill>
+                  <a:schemeClr val="bg1"/>
+                </a:solidFill>
+              </a:rPr>
+              <a:t>Spies</a:t>
+            </a:r>
+          </a:p>
+          <a:p>
+            <a:r>
+              <a:rPr lang="en-US" b="1" dirty="0">
+                <a:solidFill>
+                  <a:schemeClr val="bg1"/>
+                </a:solidFill>
+              </a:rPr>
+              <a:t>	Stubs that also record information based on how they were called.</a:t>
+            </a:r>
+          </a:p>
+          <a:p>
+            <a:r>
+              <a:rPr lang="en-US" b="1" dirty="0">
+                <a:solidFill>
+                  <a:schemeClr val="bg1"/>
+                </a:solidFill>
+              </a:rPr>
+              <a:t>Mocks</a:t>
+            </a:r>
+          </a:p>
+          <a:p>
+            <a:r>
+              <a:rPr lang="en-US" b="1" dirty="0">
+                <a:solidFill>
+                  <a:schemeClr val="bg1"/>
+                </a:solidFill>
+              </a:rPr>
+              <a:t>	Objects pre-programmed with exceptions</a:t>
+            </a:r>
+          </a:p>
+          <a:p>
+            <a:endParaRPr lang="en-US" b="1" dirty="0">
+              <a:solidFill>
+                <a:schemeClr val="bg1"/>
+              </a:solidFill>
+            </a:endParaRPr>
+          </a:p>
+        </p:txBody>
+      </p:sp>
+    </p:spTree>
+    <p:extLst>
+      <p:ext uri="{BB962C8B-B14F-4D97-AF65-F5344CB8AC3E}">
+        <p14:creationId xmlns:p14="http://schemas.microsoft.com/office/powerpoint/2010/main" val="1175434357"/>
+      </p:ext>
+    </p:extLst>
+  </p:cSld>
+  <p:clrMapOvr>
+    <a:masterClrMapping/>
+  </p:clrMapOvr>
+</p:sld>
+</file>
+
+<file path=ppt/slides/slide21.xml><?xml version="1.0" encoding="utf-8"?>
+<p:sld xmlns:a="http://schemas.openxmlformats.org/drawingml/2006/main" xmlns:r="http://schemas.openxmlformats.org/officeDocument/2006/relationships" xmlns:p="http://schemas.openxmlformats.org/presentationml/2006/main">
+  <p:cSld>
+    <p:bg>
+      <p:bgPr>
+        <a:solidFill>
+          <a:schemeClr val="tx2">
+            <a:lumMod val="60000"/>
+            <a:lumOff val="40000"/>
+          </a:schemeClr>
+        </a:solidFill>
+        <a:effectLst/>
+      </p:bgPr>
+    </p:bg>
+    <p:spTree>
+      <p:nvGrpSpPr>
+        <p:cNvPr id="1" name=""/>
+        <p:cNvGrpSpPr/>
+        <p:nvPr/>
+      </p:nvGrpSpPr>
+      <p:grpSpPr>
+        <a:xfrm>
+          <a:off x="0" y="0"/>
+          <a:ext cx="0" cy="0"/>
+          <a:chOff x="0" y="0"/>
+          <a:chExt cx="0" cy="0"/>
+        </a:xfrm>
+      </p:grpSpPr>
+      <p:sp>
+        <p:nvSpPr>
+          <p:cNvPr id="2" name="Title 1">
+            <a:extLst>
+              <a:ext uri="{FF2B5EF4-FFF2-40B4-BE49-F238E27FC236}">
+                <a16:creationId xmlns:a16="http://schemas.microsoft.com/office/drawing/2014/main" id="{51F2C05B-3556-493B-855C-1F19ADDBAF69}"/>
+              </a:ext>
+            </a:extLst>
+          </p:cNvPr>
+          <p:cNvSpPr>
+            <a:spLocks noGrp="1"/>
+          </p:cNvSpPr>
+          <p:nvPr>
+            <p:ph type="title"/>
+          </p:nvPr>
+        </p:nvSpPr>
+        <p:spPr>
+          <a:xfrm>
+            <a:off x="838200" y="365125"/>
+            <a:ext cx="11099104" cy="1325563"/>
+          </a:xfrm>
+        </p:spPr>
+        <p:txBody>
+          <a:bodyPr/>
+          <a:lstStyle/>
+          <a:p>
+            <a:r>
+              <a:rPr lang="en-US" b="1" dirty="0">
+                <a:solidFill>
+                  <a:schemeClr val="bg1"/>
+                </a:solidFill>
+              </a:rPr>
+              <a:t>Testing Strategy</a:t>
+            </a:r>
+          </a:p>
+        </p:txBody>
+      </p:sp>
+      <p:sp>
+        <p:nvSpPr>
+          <p:cNvPr id="4" name="TextBox 3">
+            <a:extLst>
+              <a:ext uri="{FF2B5EF4-FFF2-40B4-BE49-F238E27FC236}">
+                <a16:creationId xmlns:a16="http://schemas.microsoft.com/office/drawing/2014/main" id="{A32609F5-383A-417E-B9B0-CE955463E2E4}"/>
+              </a:ext>
+            </a:extLst>
+          </p:cNvPr>
+          <p:cNvSpPr txBox="1"/>
+          <p:nvPr/>
+        </p:nvSpPr>
+        <p:spPr>
+          <a:xfrm>
+            <a:off x="838200" y="1779687"/>
+            <a:ext cx="10515600" cy="2308324"/>
+          </a:xfrm>
+          <a:prstGeom prst="rect">
+            <a:avLst/>
+          </a:prstGeom>
+          <a:noFill/>
+        </p:spPr>
+        <p:txBody>
+          <a:bodyPr wrap="square" rtlCol="0">
+            <a:spAutoFit/>
+          </a:bodyPr>
+          <a:lstStyle/>
+          <a:p>
+            <a:r>
+              <a:rPr lang="en-US" b="1" dirty="0">
+                <a:solidFill>
+                  <a:schemeClr val="bg1"/>
+                </a:solidFill>
+              </a:rPr>
+              <a:t>Isolate parts and ensure the contracts are not broken.</a:t>
+            </a:r>
+          </a:p>
+          <a:p>
+            <a:r>
+              <a:rPr lang="en-US" b="1" dirty="0">
+                <a:solidFill>
+                  <a:schemeClr val="bg1"/>
+                </a:solidFill>
+              </a:rPr>
+              <a:t>	Lot of automated testing should ensure the contracts are good.</a:t>
+            </a:r>
+          </a:p>
+          <a:p>
+            <a:r>
+              <a:rPr lang="en-US" b="1" dirty="0">
+                <a:solidFill>
+                  <a:schemeClr val="bg1"/>
+                </a:solidFill>
+              </a:rPr>
+              <a:t>No isolations</a:t>
+            </a:r>
+          </a:p>
+          <a:p>
+            <a:r>
+              <a:rPr lang="en-US" b="1" dirty="0">
+                <a:solidFill>
+                  <a:schemeClr val="bg1"/>
+                </a:solidFill>
+              </a:rPr>
+              <a:t>	Customer sees no isolations.</a:t>
+            </a:r>
+          </a:p>
+          <a:p>
+            <a:r>
+              <a:rPr lang="en-US" b="1" dirty="0">
+                <a:solidFill>
+                  <a:schemeClr val="bg1"/>
+                </a:solidFill>
+              </a:rPr>
+              <a:t>	Ensure what customer want works the way they want.</a:t>
+            </a:r>
+          </a:p>
+          <a:p>
+            <a:r>
+              <a:rPr lang="en-US" b="1" dirty="0">
+                <a:solidFill>
+                  <a:schemeClr val="bg1"/>
+                </a:solidFill>
+              </a:rPr>
+              <a:t>Unowned components.</a:t>
+            </a:r>
+          </a:p>
+          <a:p>
+            <a:r>
+              <a:rPr lang="en-US" b="1" dirty="0">
+                <a:solidFill>
+                  <a:schemeClr val="bg1"/>
+                </a:solidFill>
+              </a:rPr>
+              <a:t>	Isolate I own Vs. I don't own Vs Nobody owns.</a:t>
+            </a:r>
+          </a:p>
+          <a:p>
+            <a:endParaRPr lang="en-US" b="1" dirty="0">
+              <a:solidFill>
+                <a:schemeClr val="bg1"/>
+              </a:solidFill>
+            </a:endParaRPr>
+          </a:p>
+        </p:txBody>
+      </p:sp>
+    </p:spTree>
+    <p:extLst>
+      <p:ext uri="{BB962C8B-B14F-4D97-AF65-F5344CB8AC3E}">
+        <p14:creationId xmlns:p14="http://schemas.microsoft.com/office/powerpoint/2010/main" val="32543096"/>
+      </p:ext>
+    </p:extLst>
+  </p:cSld>
+  <p:clrMapOvr>
+    <a:masterClrMapping/>
+  </p:clrMapOvr>
+</p:sld>
+</file>
+
+<file path=ppt/slides/slide22.xml><?xml version="1.0" encoding="utf-8"?>
+<p:sld xmlns:a="http://schemas.openxmlformats.org/drawingml/2006/main" xmlns:r="http://schemas.openxmlformats.org/officeDocument/2006/relationships" xmlns:p="http://schemas.openxmlformats.org/presentationml/2006/main">
+  <p:cSld>
+    <p:bg>
+      <p:bgPr>
+        <a:solidFill>
+          <a:schemeClr val="tx2">
+            <a:lumMod val="60000"/>
+            <a:lumOff val="40000"/>
+          </a:schemeClr>
+        </a:solidFill>
+        <a:effectLst/>
+      </p:bgPr>
+    </p:bg>
+    <p:spTree>
+      <p:nvGrpSpPr>
+        <p:cNvPr id="1" name=""/>
+        <p:cNvGrpSpPr/>
+        <p:nvPr/>
+      </p:nvGrpSpPr>
+      <p:grpSpPr>
+        <a:xfrm>
+          <a:off x="0" y="0"/>
+          <a:ext cx="0" cy="0"/>
+          <a:chOff x="0" y="0"/>
+          <a:chExt cx="0" cy="0"/>
+        </a:xfrm>
+      </p:grpSpPr>
+      <p:sp>
+        <p:nvSpPr>
+          <p:cNvPr id="2" name="Title 1">
+            <a:extLst>
+              <a:ext uri="{FF2B5EF4-FFF2-40B4-BE49-F238E27FC236}">
+                <a16:creationId xmlns:a16="http://schemas.microsoft.com/office/drawing/2014/main" id="{51F2C05B-3556-493B-855C-1F19ADDBAF69}"/>
+              </a:ext>
+            </a:extLst>
+          </p:cNvPr>
+          <p:cNvSpPr>
+            <a:spLocks noGrp="1"/>
+          </p:cNvSpPr>
+          <p:nvPr>
+            <p:ph type="title"/>
+          </p:nvPr>
+        </p:nvSpPr>
+        <p:spPr>
+          <a:xfrm>
+            <a:off x="838200" y="365125"/>
+            <a:ext cx="11099104" cy="1325563"/>
+          </a:xfrm>
+        </p:spPr>
+        <p:txBody>
+          <a:bodyPr/>
+          <a:lstStyle/>
+          <a:p>
+            <a:r>
+              <a:rPr lang="en-US" b="1" dirty="0">
+                <a:solidFill>
+                  <a:schemeClr val="bg1"/>
+                </a:solidFill>
+              </a:rPr>
+              <a:t>Testing Strategy</a:t>
+            </a:r>
+          </a:p>
+        </p:txBody>
+      </p:sp>
+      <p:sp>
+        <p:nvSpPr>
+          <p:cNvPr id="4" name="TextBox 3">
+            <a:extLst>
+              <a:ext uri="{FF2B5EF4-FFF2-40B4-BE49-F238E27FC236}">
+                <a16:creationId xmlns:a16="http://schemas.microsoft.com/office/drawing/2014/main" id="{A32609F5-383A-417E-B9B0-CE955463E2E4}"/>
+              </a:ext>
+            </a:extLst>
+          </p:cNvPr>
+          <p:cNvSpPr txBox="1"/>
+          <p:nvPr/>
+        </p:nvSpPr>
+        <p:spPr>
+          <a:xfrm>
+            <a:off x="838200" y="1779687"/>
+            <a:ext cx="10515600" cy="2308324"/>
+          </a:xfrm>
+          <a:prstGeom prst="rect">
+            <a:avLst/>
+          </a:prstGeom>
+          <a:noFill/>
+        </p:spPr>
+        <p:txBody>
+          <a:bodyPr wrap="square" rtlCol="0">
+            <a:spAutoFit/>
+          </a:bodyPr>
+          <a:lstStyle/>
+          <a:p>
+            <a:r>
+              <a:rPr lang="en-US" b="1" dirty="0">
+                <a:solidFill>
+                  <a:schemeClr val="bg1"/>
+                </a:solidFill>
+              </a:rPr>
+              <a:t>Isolate parts and ensure the contracts are not broken.</a:t>
+            </a:r>
+          </a:p>
+          <a:p>
+            <a:r>
+              <a:rPr lang="en-US" b="1" dirty="0">
+                <a:solidFill>
+                  <a:schemeClr val="bg1"/>
+                </a:solidFill>
+              </a:rPr>
+              <a:t>	Lot of automated testing should ensure the contracts are good.</a:t>
+            </a:r>
+          </a:p>
+          <a:p>
+            <a:r>
+              <a:rPr lang="en-US" b="1" dirty="0">
+                <a:solidFill>
+                  <a:schemeClr val="bg1"/>
+                </a:solidFill>
+              </a:rPr>
+              <a:t>No isolations</a:t>
+            </a:r>
+          </a:p>
+          <a:p>
+            <a:r>
+              <a:rPr lang="en-US" b="1" dirty="0">
+                <a:solidFill>
+                  <a:schemeClr val="bg1"/>
+                </a:solidFill>
+              </a:rPr>
+              <a:t>	Customer sees no isolations.</a:t>
+            </a:r>
+          </a:p>
+          <a:p>
+            <a:r>
+              <a:rPr lang="en-US" b="1" dirty="0">
+                <a:solidFill>
+                  <a:schemeClr val="bg1"/>
+                </a:solidFill>
+              </a:rPr>
+              <a:t>	Ensure what customer want works the way they want.</a:t>
+            </a:r>
+          </a:p>
+          <a:p>
+            <a:r>
+              <a:rPr lang="en-US" b="1" dirty="0">
+                <a:solidFill>
+                  <a:schemeClr val="bg1"/>
+                </a:solidFill>
+              </a:rPr>
+              <a:t>Unowned components.</a:t>
+            </a:r>
+          </a:p>
+          <a:p>
+            <a:r>
+              <a:rPr lang="en-US" b="1" dirty="0">
+                <a:solidFill>
+                  <a:schemeClr val="bg1"/>
+                </a:solidFill>
+              </a:rPr>
+              <a:t>	Isolate I own Vs. I don't own Vs Nobody owns.</a:t>
+            </a:r>
+          </a:p>
+          <a:p>
+            <a:endParaRPr lang="en-US" b="1" dirty="0">
+              <a:solidFill>
+                <a:schemeClr val="bg1"/>
+              </a:solidFill>
+            </a:endParaRPr>
+          </a:p>
+        </p:txBody>
+      </p:sp>
+    </p:spTree>
+    <p:extLst>
+      <p:ext uri="{BB962C8B-B14F-4D97-AF65-F5344CB8AC3E}">
+        <p14:creationId xmlns:p14="http://schemas.microsoft.com/office/powerpoint/2010/main" val="1762955286"/>
+      </p:ext>
+    </p:extLst>
+  </p:cSld>
+  <p:clrMapOvr>
+    <a:masterClrMapping/>
+  </p:clrMapOvr>
+</p:sld>
+</file>
+
+<file path=ppt/slides/slide23.xml><?xml version="1.0" encoding="utf-8"?>
+<p:sld xmlns:a="http://schemas.openxmlformats.org/drawingml/2006/main" xmlns:r="http://schemas.openxmlformats.org/officeDocument/2006/relationships" xmlns:p="http://schemas.openxmlformats.org/presentationml/2006/main">
+  <p:cSld>
+    <p:bg>
+      <p:bgPr>
+        <a:solidFill>
+          <a:schemeClr val="tx2">
+            <a:lumMod val="60000"/>
+            <a:lumOff val="40000"/>
+          </a:schemeClr>
+        </a:solidFill>
+        <a:effectLst/>
+      </p:bgPr>
+    </p:bg>
+    <p:spTree>
+      <p:nvGrpSpPr>
+        <p:cNvPr id="1" name=""/>
+        <p:cNvGrpSpPr/>
+        <p:nvPr/>
+      </p:nvGrpSpPr>
+      <p:grpSpPr>
+        <a:xfrm>
+          <a:off x="0" y="0"/>
+          <a:ext cx="0" cy="0"/>
+          <a:chOff x="0" y="0"/>
+          <a:chExt cx="0" cy="0"/>
+        </a:xfrm>
+      </p:grpSpPr>
+      <p:sp>
+        <p:nvSpPr>
+          <p:cNvPr id="2" name="Title 1">
+            <a:extLst>
+              <a:ext uri="{FF2B5EF4-FFF2-40B4-BE49-F238E27FC236}">
+                <a16:creationId xmlns:a16="http://schemas.microsoft.com/office/drawing/2014/main" id="{51F2C05B-3556-493B-855C-1F19ADDBAF69}"/>
+              </a:ext>
+            </a:extLst>
+          </p:cNvPr>
+          <p:cNvSpPr>
+            <a:spLocks noGrp="1"/>
+          </p:cNvSpPr>
+          <p:nvPr>
+            <p:ph type="title"/>
+          </p:nvPr>
+        </p:nvSpPr>
+        <p:spPr>
+          <a:xfrm>
+            <a:off x="838200" y="365125"/>
+            <a:ext cx="11099104" cy="1325563"/>
+          </a:xfrm>
+        </p:spPr>
+        <p:txBody>
+          <a:bodyPr/>
+          <a:lstStyle/>
+          <a:p>
+            <a:r>
+              <a:rPr lang="en-US" b="1" dirty="0">
+                <a:solidFill>
+                  <a:schemeClr val="bg1"/>
+                </a:solidFill>
+              </a:rPr>
+              <a:t>Testing Microservices</a:t>
+            </a:r>
+          </a:p>
+        </p:txBody>
+      </p:sp>
+      <p:sp>
+        <p:nvSpPr>
+          <p:cNvPr id="4" name="TextBox 3">
+            <a:extLst>
+              <a:ext uri="{FF2B5EF4-FFF2-40B4-BE49-F238E27FC236}">
+                <a16:creationId xmlns:a16="http://schemas.microsoft.com/office/drawing/2014/main" id="{A32609F5-383A-417E-B9B0-CE955463E2E4}"/>
+              </a:ext>
+            </a:extLst>
+          </p:cNvPr>
+          <p:cNvSpPr txBox="1"/>
+          <p:nvPr/>
+        </p:nvSpPr>
+        <p:spPr>
+          <a:xfrm>
+            <a:off x="838200" y="1779687"/>
+            <a:ext cx="10515600" cy="7848302"/>
+          </a:xfrm>
+          <a:prstGeom prst="rect">
+            <a:avLst/>
+          </a:prstGeom>
+          <a:noFill/>
+        </p:spPr>
+        <p:txBody>
+          <a:bodyPr wrap="square" rtlCol="0">
+            <a:spAutoFit/>
+          </a:bodyPr>
+          <a:lstStyle/>
+          <a:p>
+            <a:r>
+              <a:rPr lang="en-US" b="1" dirty="0">
+                <a:solidFill>
+                  <a:schemeClr val="bg1"/>
+                </a:solidFill>
+              </a:rPr>
+              <a:t>Broken down </a:t>
+            </a:r>
+          </a:p>
+          <a:p>
+            <a:r>
+              <a:rPr lang="en-US" b="1" dirty="0">
+                <a:solidFill>
+                  <a:schemeClr val="bg1"/>
+                </a:solidFill>
+              </a:rPr>
+              <a:t>	Platform</a:t>
+            </a:r>
+          </a:p>
+          <a:p>
+            <a:r>
+              <a:rPr lang="en-US" b="1" dirty="0">
+                <a:solidFill>
+                  <a:schemeClr val="bg1"/>
+                </a:solidFill>
+              </a:rPr>
+              <a:t>		library of Junit</a:t>
+            </a:r>
+          </a:p>
+          <a:p>
+            <a:r>
+              <a:rPr lang="en-US" b="1" dirty="0">
+                <a:solidFill>
+                  <a:schemeClr val="bg1"/>
+                </a:solidFill>
+              </a:rPr>
+              <a:t>		Running tests</a:t>
+            </a:r>
+          </a:p>
+          <a:p>
+            <a:r>
+              <a:rPr lang="en-US" b="1" dirty="0">
+                <a:solidFill>
+                  <a:schemeClr val="bg1"/>
+                </a:solidFill>
+              </a:rPr>
+              <a:t>		Providing a way to run </a:t>
+            </a:r>
+            <a:r>
+              <a:rPr lang="en-US" b="1" dirty="0" err="1">
+                <a:solidFill>
+                  <a:schemeClr val="bg1"/>
+                </a:solidFill>
+              </a:rPr>
+              <a:t>TestRunner</a:t>
+            </a:r>
+            <a:endParaRPr lang="en-US" b="1" dirty="0">
+              <a:solidFill>
+                <a:schemeClr val="bg1"/>
+              </a:solidFill>
+            </a:endParaRPr>
+          </a:p>
+          <a:p>
+            <a:r>
+              <a:rPr lang="en-US" b="1" dirty="0">
+                <a:solidFill>
+                  <a:schemeClr val="bg1"/>
+                </a:solidFill>
+              </a:rPr>
+              <a:t>		Dev./We don't directly interact with.</a:t>
+            </a:r>
+          </a:p>
+          <a:p>
+            <a:r>
+              <a:rPr lang="en-US" b="1" dirty="0">
+                <a:solidFill>
+                  <a:schemeClr val="bg1"/>
+                </a:solidFill>
+              </a:rPr>
+              <a:t>	Junit API - Jupiter</a:t>
+            </a:r>
+          </a:p>
+          <a:p>
+            <a:r>
+              <a:rPr lang="en-US" b="1" dirty="0">
+                <a:solidFill>
+                  <a:schemeClr val="bg1"/>
+                </a:solidFill>
+              </a:rPr>
+              <a:t>		@Test, Assert </a:t>
+            </a:r>
+            <a:r>
+              <a:rPr lang="en-US" b="1" dirty="0" err="1">
+                <a:solidFill>
+                  <a:schemeClr val="bg1"/>
+                </a:solidFill>
+              </a:rPr>
+              <a:t>ect</a:t>
+            </a:r>
+            <a:r>
+              <a:rPr lang="en-US" b="1" dirty="0">
+                <a:solidFill>
+                  <a:schemeClr val="bg1"/>
+                </a:solidFill>
+              </a:rPr>
+              <a:t> are all part of Jupiter</a:t>
+            </a:r>
+          </a:p>
+          <a:p>
+            <a:r>
+              <a:rPr lang="en-US" b="1" dirty="0">
+                <a:solidFill>
+                  <a:schemeClr val="bg1"/>
+                </a:solidFill>
+              </a:rPr>
+              <a:t>		We interact with Jupiter</a:t>
+            </a:r>
+          </a:p>
+          <a:p>
+            <a:r>
+              <a:rPr lang="en-US" b="1" dirty="0">
+                <a:solidFill>
+                  <a:schemeClr val="bg1"/>
+                </a:solidFill>
+              </a:rPr>
+              <a:t>	</a:t>
+            </a:r>
+            <a:r>
+              <a:rPr lang="en-US" b="1" dirty="0" err="1">
+                <a:solidFill>
+                  <a:schemeClr val="bg1"/>
+                </a:solidFill>
+              </a:rPr>
+              <a:t>Wintage</a:t>
+            </a:r>
+            <a:endParaRPr lang="en-US" b="1" dirty="0">
+              <a:solidFill>
+                <a:schemeClr val="bg1"/>
+              </a:solidFill>
+            </a:endParaRPr>
+          </a:p>
+          <a:p>
+            <a:r>
+              <a:rPr lang="en-US" b="1" dirty="0">
+                <a:solidFill>
+                  <a:schemeClr val="bg1"/>
+                </a:solidFill>
+              </a:rPr>
+              <a:t>		using when you run older Junit code.</a:t>
+            </a:r>
+          </a:p>
+          <a:p>
+            <a:r>
+              <a:rPr lang="en-US" b="1" dirty="0">
+                <a:solidFill>
+                  <a:schemeClr val="bg1"/>
+                </a:solidFill>
+              </a:rPr>
+              <a:t>		Way to make it </a:t>
+            </a:r>
+            <a:r>
+              <a:rPr lang="en-US" b="1" dirty="0" err="1">
+                <a:solidFill>
+                  <a:schemeClr val="bg1"/>
+                </a:solidFill>
+              </a:rPr>
+              <a:t>backword</a:t>
+            </a:r>
+            <a:r>
+              <a:rPr lang="en-US" b="1" dirty="0">
+                <a:solidFill>
+                  <a:schemeClr val="bg1"/>
+                </a:solidFill>
+              </a:rPr>
+              <a:t> compatible with Junit4</a:t>
+            </a:r>
+          </a:p>
+          <a:p>
+            <a:r>
+              <a:rPr lang="en-US" b="1" dirty="0">
+                <a:solidFill>
+                  <a:schemeClr val="bg1"/>
+                </a:solidFill>
+              </a:rPr>
+              <a:t>		Old tests should use this.</a:t>
+            </a:r>
+          </a:p>
+          <a:p>
+            <a:r>
+              <a:rPr lang="en-US" b="1" dirty="0">
+                <a:solidFill>
+                  <a:schemeClr val="bg1"/>
+                </a:solidFill>
+              </a:rPr>
+              <a:t>		Extension</a:t>
+            </a:r>
+          </a:p>
+          <a:p>
+            <a:r>
+              <a:rPr lang="en-US" b="1" dirty="0">
+                <a:solidFill>
+                  <a:schemeClr val="bg1"/>
+                </a:solidFill>
+              </a:rPr>
+              <a:t>		Third party library plugin should be done through Extension.</a:t>
+            </a:r>
+          </a:p>
+          <a:p>
+            <a:r>
+              <a:rPr lang="en-US" b="1" dirty="0">
+                <a:solidFill>
+                  <a:schemeClr val="bg1"/>
+                </a:solidFill>
+              </a:rPr>
+              <a:t>	A test case that we write can </a:t>
+            </a:r>
+          </a:p>
+          <a:p>
+            <a:r>
+              <a:rPr lang="en-US" b="1" dirty="0">
+                <a:solidFill>
+                  <a:schemeClr val="bg1"/>
+                </a:solidFill>
+              </a:rPr>
+              <a:t>		work with Jupiter or </a:t>
+            </a:r>
+            <a:r>
+              <a:rPr lang="en-US" b="1" dirty="0" err="1">
+                <a:solidFill>
+                  <a:schemeClr val="bg1"/>
+                </a:solidFill>
+              </a:rPr>
+              <a:t>Wintage</a:t>
+            </a:r>
+            <a:r>
+              <a:rPr lang="en-US" b="1" dirty="0">
+                <a:solidFill>
+                  <a:schemeClr val="bg1"/>
+                </a:solidFill>
+              </a:rPr>
+              <a:t> or Extension.</a:t>
+            </a:r>
+          </a:p>
+          <a:p>
+            <a:r>
+              <a:rPr lang="en-US" dirty="0">
+                <a:solidFill>
+                  <a:schemeClr val="bg1"/>
+                </a:solidFill>
+              </a:rPr>
+              <a:t>				</a:t>
+            </a:r>
+          </a:p>
+          <a:p>
+            <a:r>
+              <a:rPr lang="en-US" dirty="0">
+                <a:solidFill>
+                  <a:schemeClr val="bg1"/>
+                </a:solidFill>
+              </a:rPr>
+              <a:t>		maven</a:t>
+            </a:r>
+          </a:p>
+          <a:p>
+            <a:r>
+              <a:rPr lang="en-US" dirty="0">
+                <a:solidFill>
+                  <a:schemeClr val="bg1"/>
+                </a:solidFill>
+              </a:rPr>
+              <a:t>			two dependencies </a:t>
+            </a:r>
+            <a:r>
+              <a:rPr lang="en-US" dirty="0" err="1">
+                <a:solidFill>
+                  <a:schemeClr val="bg1"/>
+                </a:solidFill>
+              </a:rPr>
+              <a:t>atleast</a:t>
+            </a:r>
+            <a:endParaRPr lang="en-US" dirty="0">
+              <a:solidFill>
+                <a:schemeClr val="bg1"/>
+              </a:solidFill>
+            </a:endParaRPr>
+          </a:p>
+          <a:p>
+            <a:r>
+              <a:rPr lang="en-US" dirty="0">
+                <a:solidFill>
+                  <a:schemeClr val="bg1"/>
+                </a:solidFill>
+              </a:rPr>
+              <a:t>				Platform + what you want.</a:t>
+            </a:r>
+          </a:p>
+          <a:p>
+            <a:r>
+              <a:rPr lang="en-US" dirty="0">
+                <a:solidFill>
+                  <a:schemeClr val="bg1"/>
+                </a:solidFill>
+              </a:rPr>
+              <a:t>				e.g. Platform + Jupiter</a:t>
+            </a:r>
+          </a:p>
+          <a:p>
+            <a:r>
+              <a:rPr lang="en-US" dirty="0">
+                <a:solidFill>
+                  <a:schemeClr val="bg1"/>
+                </a:solidFill>
+              </a:rPr>
+              <a:t>				or </a:t>
+            </a:r>
+          </a:p>
+          <a:p>
+            <a:r>
+              <a:rPr lang="en-US" dirty="0">
+                <a:solidFill>
+                  <a:schemeClr val="bg1"/>
+                </a:solidFill>
+              </a:rPr>
+              <a:t>								+ </a:t>
+            </a:r>
+            <a:r>
+              <a:rPr lang="en-US" dirty="0" err="1">
+                <a:solidFill>
+                  <a:schemeClr val="bg1"/>
+                </a:solidFill>
+              </a:rPr>
+              <a:t>Wintage</a:t>
+            </a:r>
+            <a:endParaRPr lang="en-US" dirty="0">
+              <a:solidFill>
+                <a:schemeClr val="bg1"/>
+              </a:solidFill>
+            </a:endParaRPr>
+          </a:p>
+          <a:p>
+            <a:r>
+              <a:rPr lang="en-US" dirty="0">
+                <a:solidFill>
+                  <a:schemeClr val="bg1"/>
+                </a:solidFill>
+              </a:rPr>
+              <a:t>				or</a:t>
+            </a:r>
+          </a:p>
+          <a:p>
+            <a:r>
+              <a:rPr lang="en-US" dirty="0">
+                <a:solidFill>
+                  <a:schemeClr val="bg1"/>
+                </a:solidFill>
+              </a:rPr>
+              <a:t>								+ Extension </a:t>
+            </a:r>
+          </a:p>
+          <a:p>
+            <a:endParaRPr lang="en-US" dirty="0">
+              <a:solidFill>
+                <a:schemeClr val="bg1"/>
+              </a:solidFill>
+            </a:endParaRPr>
+          </a:p>
+        </p:txBody>
+      </p:sp>
+    </p:spTree>
+    <p:extLst>
+      <p:ext uri="{BB962C8B-B14F-4D97-AF65-F5344CB8AC3E}">
+        <p14:creationId xmlns:p14="http://schemas.microsoft.com/office/powerpoint/2010/main" val="2282002914"/>
+      </p:ext>
+    </p:extLst>
+  </p:cSld>
+  <p:clrMapOvr>
+    <a:masterClrMapping/>
+  </p:clrMapOvr>
+</p:sld>
+</file>
+
+<file path=ppt/slides/slide24.xml><?xml version="1.0" encoding="utf-8"?>
+<p:sld xmlns:a="http://schemas.openxmlformats.org/drawingml/2006/main" xmlns:r="http://schemas.openxmlformats.org/officeDocument/2006/relationships" xmlns:p="http://schemas.openxmlformats.org/presentationml/2006/main">
+  <p:cSld>
+    <p:bg>
+      <p:bgPr>
+        <a:solidFill>
+          <a:schemeClr val="tx2">
+            <a:lumMod val="60000"/>
+            <a:lumOff val="40000"/>
+          </a:schemeClr>
+        </a:solidFill>
+        <a:effectLst/>
+      </p:bgPr>
+    </p:bg>
+    <p:spTree>
+      <p:nvGrpSpPr>
+        <p:cNvPr id="1" name=""/>
+        <p:cNvGrpSpPr/>
+        <p:nvPr/>
+      </p:nvGrpSpPr>
+      <p:grpSpPr>
+        <a:xfrm>
+          <a:off x="0" y="0"/>
+          <a:ext cx="0" cy="0"/>
+          <a:chOff x="0" y="0"/>
+          <a:chExt cx="0" cy="0"/>
+        </a:xfrm>
+      </p:grpSpPr>
+      <p:sp>
+        <p:nvSpPr>
+          <p:cNvPr id="2" name="Title 1">
+            <a:extLst>
+              <a:ext uri="{FF2B5EF4-FFF2-40B4-BE49-F238E27FC236}">
+                <a16:creationId xmlns:a16="http://schemas.microsoft.com/office/drawing/2014/main" id="{51F2C05B-3556-493B-855C-1F19ADDBAF69}"/>
+              </a:ext>
+            </a:extLst>
+          </p:cNvPr>
+          <p:cNvSpPr>
+            <a:spLocks noGrp="1"/>
+          </p:cNvSpPr>
+          <p:nvPr>
+            <p:ph type="title"/>
+          </p:nvPr>
+        </p:nvSpPr>
+        <p:spPr>
+          <a:xfrm>
+            <a:off x="838200" y="365125"/>
+            <a:ext cx="11099104" cy="1325563"/>
+          </a:xfrm>
+        </p:spPr>
+        <p:txBody>
+          <a:bodyPr/>
+          <a:lstStyle/>
+          <a:p>
+            <a:r>
+              <a:rPr lang="en-US" b="1" dirty="0">
+                <a:solidFill>
+                  <a:schemeClr val="bg1"/>
+                </a:solidFill>
+              </a:rPr>
+              <a:t>Testing Microservices</a:t>
+            </a:r>
+          </a:p>
+        </p:txBody>
+      </p:sp>
+      <p:sp>
+        <p:nvSpPr>
+          <p:cNvPr id="4" name="TextBox 3">
+            <a:extLst>
+              <a:ext uri="{FF2B5EF4-FFF2-40B4-BE49-F238E27FC236}">
+                <a16:creationId xmlns:a16="http://schemas.microsoft.com/office/drawing/2014/main" id="{A32609F5-383A-417E-B9B0-CE955463E2E4}"/>
+              </a:ext>
+            </a:extLst>
+          </p:cNvPr>
+          <p:cNvSpPr txBox="1"/>
+          <p:nvPr/>
+        </p:nvSpPr>
+        <p:spPr>
+          <a:xfrm>
+            <a:off x="838200" y="1779687"/>
+            <a:ext cx="10515600" cy="2585323"/>
+          </a:xfrm>
+          <a:prstGeom prst="rect">
+            <a:avLst/>
+          </a:prstGeom>
+          <a:noFill/>
+        </p:spPr>
+        <p:txBody>
+          <a:bodyPr wrap="square" rtlCol="0">
+            <a:spAutoFit/>
+          </a:bodyPr>
+          <a:lstStyle/>
+          <a:p>
+            <a:r>
+              <a:rPr lang="en-US" b="1" dirty="0">
+                <a:solidFill>
+                  <a:schemeClr val="bg1"/>
+                </a:solidFill>
+              </a:rPr>
+              <a:t>maven</a:t>
+            </a:r>
+          </a:p>
+          <a:p>
+            <a:r>
+              <a:rPr lang="en-US" b="1" dirty="0">
+                <a:solidFill>
+                  <a:schemeClr val="bg1"/>
+                </a:solidFill>
+              </a:rPr>
+              <a:t>	two dependencies </a:t>
+            </a:r>
+            <a:r>
+              <a:rPr lang="en-US" b="1" dirty="0" err="1">
+                <a:solidFill>
+                  <a:schemeClr val="bg1"/>
+                </a:solidFill>
+              </a:rPr>
+              <a:t>atleast</a:t>
+            </a:r>
+            <a:endParaRPr lang="en-US" b="1" dirty="0">
+              <a:solidFill>
+                <a:schemeClr val="bg1"/>
+              </a:solidFill>
+            </a:endParaRPr>
+          </a:p>
+          <a:p>
+            <a:r>
+              <a:rPr lang="en-US" b="1" dirty="0">
+                <a:solidFill>
+                  <a:schemeClr val="bg1"/>
+                </a:solidFill>
+              </a:rPr>
+              <a:t>	Platform + what you want.</a:t>
+            </a:r>
+          </a:p>
+          <a:p>
+            <a:r>
+              <a:rPr lang="en-US" b="1" dirty="0">
+                <a:solidFill>
+                  <a:schemeClr val="bg1"/>
+                </a:solidFill>
+              </a:rPr>
+              <a:t>	e.g. Platform 	+ Jupiter</a:t>
+            </a:r>
+          </a:p>
+          <a:p>
+            <a:r>
+              <a:rPr lang="en-US" b="1" dirty="0">
+                <a:solidFill>
+                  <a:schemeClr val="bg1"/>
+                </a:solidFill>
+              </a:rPr>
+              <a:t>	or </a:t>
+            </a:r>
+          </a:p>
+          <a:p>
+            <a:r>
+              <a:rPr lang="en-US" b="1" dirty="0">
+                <a:solidFill>
+                  <a:schemeClr val="bg1"/>
+                </a:solidFill>
+              </a:rPr>
+              <a:t>			+ </a:t>
+            </a:r>
+            <a:r>
+              <a:rPr lang="en-US" b="1" dirty="0" err="1">
+                <a:solidFill>
+                  <a:schemeClr val="bg1"/>
+                </a:solidFill>
+              </a:rPr>
+              <a:t>Wintage</a:t>
+            </a:r>
+            <a:endParaRPr lang="en-US" b="1" dirty="0">
+              <a:solidFill>
+                <a:schemeClr val="bg1"/>
+              </a:solidFill>
+            </a:endParaRPr>
+          </a:p>
+          <a:p>
+            <a:r>
+              <a:rPr lang="en-US" b="1" dirty="0">
+                <a:solidFill>
+                  <a:schemeClr val="bg1"/>
+                </a:solidFill>
+              </a:rPr>
+              <a:t>	or</a:t>
+            </a:r>
+          </a:p>
+          <a:p>
+            <a:r>
+              <a:rPr lang="en-US" b="1" dirty="0">
+                <a:solidFill>
+                  <a:schemeClr val="bg1"/>
+                </a:solidFill>
+              </a:rPr>
+              <a:t>			+ Extension </a:t>
+            </a:r>
+          </a:p>
+          <a:p>
+            <a:endParaRPr lang="en-US" dirty="0">
+              <a:solidFill>
+                <a:schemeClr val="bg1"/>
+              </a:solidFill>
+            </a:endParaRPr>
+          </a:p>
+        </p:txBody>
+      </p:sp>
+    </p:spTree>
+    <p:extLst>
+      <p:ext uri="{BB962C8B-B14F-4D97-AF65-F5344CB8AC3E}">
+        <p14:creationId xmlns:p14="http://schemas.microsoft.com/office/powerpoint/2010/main" val="2539159580"/>
+      </p:ext>
+    </p:extLst>
+  </p:cSld>
+  <p:clrMapOvr>
+    <a:masterClrMapping/>
+  </p:clrMapOvr>
+</p:sld>
+</file>
+
+<file path=ppt/slides/slide25.xml><?xml version="1.0" encoding="utf-8"?>
+<p:sld xmlns:a="http://schemas.openxmlformats.org/drawingml/2006/main" xmlns:r="http://schemas.openxmlformats.org/officeDocument/2006/relationships" xmlns:p="http://schemas.openxmlformats.org/presentationml/2006/main">
+  <p:cSld>
+    <p:bg>
+      <p:bgPr>
+        <a:solidFill>
+          <a:schemeClr val="tx2">
+            <a:lumMod val="60000"/>
+            <a:lumOff val="40000"/>
+          </a:schemeClr>
+        </a:solidFill>
+        <a:effectLst/>
+      </p:bgPr>
+    </p:bg>
+    <p:spTree>
+      <p:nvGrpSpPr>
+        <p:cNvPr id="1" name=""/>
+        <p:cNvGrpSpPr/>
+        <p:nvPr/>
+      </p:nvGrpSpPr>
+      <p:grpSpPr>
+        <a:xfrm>
+          <a:off x="0" y="0"/>
+          <a:ext cx="0" cy="0"/>
+          <a:chOff x="0" y="0"/>
+          <a:chExt cx="0" cy="0"/>
+        </a:xfrm>
+      </p:grpSpPr>
+      <p:sp>
+        <p:nvSpPr>
+          <p:cNvPr id="2" name="Title 1">
+            <a:extLst>
+              <a:ext uri="{FF2B5EF4-FFF2-40B4-BE49-F238E27FC236}">
+                <a16:creationId xmlns:a16="http://schemas.microsoft.com/office/drawing/2014/main" id="{51F2C05B-3556-493B-855C-1F19ADDBAF69}"/>
+              </a:ext>
+            </a:extLst>
+          </p:cNvPr>
+          <p:cNvSpPr>
+            <a:spLocks noGrp="1"/>
+          </p:cNvSpPr>
+          <p:nvPr>
+            <p:ph type="title"/>
+          </p:nvPr>
+        </p:nvSpPr>
+        <p:spPr>
+          <a:xfrm>
+            <a:off x="838200" y="365125"/>
+            <a:ext cx="11099104" cy="1325563"/>
+          </a:xfrm>
+        </p:spPr>
+        <p:txBody>
+          <a:bodyPr/>
+          <a:lstStyle/>
+          <a:p>
+            <a:r>
+              <a:rPr lang="en-US" b="1" dirty="0">
+                <a:solidFill>
+                  <a:schemeClr val="bg1"/>
+                </a:solidFill>
+              </a:rPr>
+              <a:t>as</a:t>
+            </a:r>
+          </a:p>
+        </p:txBody>
+      </p:sp>
+      <p:sp>
+        <p:nvSpPr>
+          <p:cNvPr id="4" name="TextBox 3">
+            <a:extLst>
+              <a:ext uri="{FF2B5EF4-FFF2-40B4-BE49-F238E27FC236}">
+                <a16:creationId xmlns:a16="http://schemas.microsoft.com/office/drawing/2014/main" id="{A32609F5-383A-417E-B9B0-CE955463E2E4}"/>
+              </a:ext>
+            </a:extLst>
+          </p:cNvPr>
+          <p:cNvSpPr txBox="1"/>
+          <p:nvPr/>
+        </p:nvSpPr>
+        <p:spPr>
+          <a:xfrm>
+            <a:off x="838200" y="1779687"/>
+            <a:ext cx="10515600" cy="369332"/>
+          </a:xfrm>
+          <a:prstGeom prst="rect">
+            <a:avLst/>
+          </a:prstGeom>
+          <a:noFill/>
+        </p:spPr>
+        <p:txBody>
+          <a:bodyPr wrap="square" rtlCol="0">
+            <a:spAutoFit/>
+          </a:bodyPr>
+          <a:lstStyle/>
+          <a:p>
+            <a:r>
+              <a:rPr lang="en-US" b="1" dirty="0" err="1">
+                <a:solidFill>
+                  <a:schemeClr val="bg1"/>
+                </a:solidFill>
+              </a:rPr>
+              <a:t>asd</a:t>
+            </a:r>
+            <a:endParaRPr lang="en-US" dirty="0">
+              <a:solidFill>
+                <a:schemeClr val="bg1"/>
+              </a:solidFill>
+            </a:endParaRPr>
+          </a:p>
+        </p:txBody>
+      </p:sp>
+    </p:spTree>
+    <p:extLst>
+      <p:ext uri="{BB962C8B-B14F-4D97-AF65-F5344CB8AC3E}">
+        <p14:creationId xmlns:p14="http://schemas.microsoft.com/office/powerpoint/2010/main" val="1206675036"/>
       </p:ext>
     </p:extLst>
   </p:cSld>

--- a/training/day3/Day3.pptx
+++ b/training/day3/Day3.pptx
@@ -5,7 +5,7 @@
     <p:sldMasterId id="2147483648" r:id="rId1"/>
   </p:sldMasterIdLst>
   <p:notesMasterIdLst>
-    <p:notesMasterId r:id="rId27"/>
+    <p:notesMasterId r:id="rId33"/>
   </p:notesMasterIdLst>
   <p:sldIdLst>
     <p:sldId id="414" r:id="rId2"/>
@@ -25,14 +25,20 @@
     <p:sldId id="442" r:id="rId16"/>
     <p:sldId id="450" r:id="rId17"/>
     <p:sldId id="449" r:id="rId18"/>
-    <p:sldId id="446" r:id="rId19"/>
-    <p:sldId id="451" r:id="rId20"/>
-    <p:sldId id="452" r:id="rId21"/>
-    <p:sldId id="453" r:id="rId22"/>
-    <p:sldId id="454" r:id="rId23"/>
+    <p:sldId id="451" r:id="rId19"/>
+    <p:sldId id="452" r:id="rId20"/>
+    <p:sldId id="453" r:id="rId21"/>
+    <p:sldId id="454" r:id="rId22"/>
+    <p:sldId id="446" r:id="rId23"/>
     <p:sldId id="447" r:id="rId24"/>
     <p:sldId id="448" r:id="rId25"/>
-    <p:sldId id="443" r:id="rId26"/>
+    <p:sldId id="455" r:id="rId26"/>
+    <p:sldId id="456" r:id="rId27"/>
+    <p:sldId id="457" r:id="rId28"/>
+    <p:sldId id="458" r:id="rId29"/>
+    <p:sldId id="459" r:id="rId30"/>
+    <p:sldId id="460" r:id="rId31"/>
+    <p:sldId id="461" r:id="rId32"/>
   </p:sldIdLst>
   <p:sldSz cx="12192000" cy="6858000"/>
   <p:notesSz cx="6858000" cy="9144000"/>
@@ -5650,7 +5656,7 @@
                   <a:schemeClr val="bg1"/>
                 </a:solidFill>
               </a:rPr>
-              <a:t>Testing Microservices</a:t>
+              <a:t>Testing Strategy</a:t>
             </a:r>
           </a:p>
         </p:txBody>
@@ -5670,7 +5676,7 @@
         <p:spPr>
           <a:xfrm>
             <a:off x="838200" y="1779687"/>
-            <a:ext cx="10515600" cy="3416320"/>
+            <a:ext cx="10515600" cy="2308324"/>
           </a:xfrm>
           <a:prstGeom prst="rect">
             <a:avLst/>
@@ -5689,125 +5695,82 @@
                   <a:schemeClr val="bg1"/>
                 </a:solidFill>
               </a:rPr>
-              <a:t>Junit 5</a:t>
-            </a:r>
-          </a:p>
-          <a:p>
-            <a:r>
-              <a:rPr lang="en-US" b="1" dirty="0">
-                <a:solidFill>
-                  <a:schemeClr val="bg1"/>
-                </a:solidFill>
-              </a:rPr>
-              <a:t>	Junit 4 was there for a long time.</a:t>
-            </a:r>
-          </a:p>
-          <a:p>
-            <a:r>
-              <a:rPr lang="en-US" b="1" dirty="0">
-                <a:solidFill>
-                  <a:schemeClr val="bg1"/>
-                </a:solidFill>
-              </a:rPr>
-              <a:t>	Not up-to date with the latest in testing.</a:t>
-            </a:r>
-          </a:p>
-          <a:p>
-            <a:r>
-              <a:rPr lang="en-US" b="1" dirty="0">
-                <a:solidFill>
-                  <a:schemeClr val="bg1"/>
-                </a:solidFill>
-              </a:rPr>
-              <a:t>	Mindset how people approach has not evolved</a:t>
-            </a:r>
-          </a:p>
-          <a:p>
-            <a:r>
-              <a:rPr lang="en-US" b="1" dirty="0">
-                <a:solidFill>
-                  <a:schemeClr val="bg1"/>
-                </a:solidFill>
-              </a:rPr>
-              <a:t>	Java has evolved</a:t>
-            </a:r>
-          </a:p>
-          <a:p>
-            <a:r>
-              <a:rPr lang="en-US" b="1" dirty="0">
-                <a:solidFill>
-                  <a:schemeClr val="bg1"/>
-                </a:solidFill>
-              </a:rPr>
-              <a:t>	Monolithic architecture</a:t>
-            </a:r>
-          </a:p>
-          <a:p>
-            <a:r>
-              <a:rPr lang="en-US" b="1" dirty="0">
-                <a:solidFill>
-                  <a:schemeClr val="bg1"/>
-                </a:solidFill>
-              </a:rPr>
-              <a:t>	Bugs and features requests piled up.</a:t>
-            </a:r>
-          </a:p>
-          <a:p>
-            <a:r>
-              <a:rPr lang="en-US" b="1" dirty="0">
-                <a:solidFill>
-                  <a:schemeClr val="bg1"/>
-                </a:solidFill>
-              </a:rPr>
-              <a:t>	Open source</a:t>
-            </a:r>
-          </a:p>
-          <a:p>
-            <a:r>
-              <a:rPr lang="en-US" b="1" dirty="0">
-                <a:solidFill>
-                  <a:schemeClr val="bg1"/>
-                </a:solidFill>
-              </a:rPr>
-              <a:t>	Crowd funding.</a:t>
-            </a:r>
-          </a:p>
-          <a:p>
-            <a:r>
-              <a:rPr lang="en-US" b="1" dirty="0">
-                <a:solidFill>
-                  <a:schemeClr val="bg1"/>
-                </a:solidFill>
-              </a:rPr>
-              <a:t>Junit 5 came up.</a:t>
-            </a:r>
-          </a:p>
-          <a:p>
-            <a:r>
-              <a:rPr lang="en-US" b="1" dirty="0">
-                <a:solidFill>
-                  <a:schemeClr val="bg1"/>
-                </a:solidFill>
-              </a:rPr>
-              <a:t>	Not an update to Junit 4</a:t>
-            </a:r>
-          </a:p>
-          <a:p>
-            <a:r>
-              <a:rPr lang="en-US" b="1" dirty="0">
-                <a:solidFill>
-                  <a:schemeClr val="bg1"/>
-                </a:solidFill>
-              </a:rPr>
-              <a:t>	Cannot easily upgrade from Junit 4 to Junit 5</a:t>
-            </a:r>
+              <a:t>Isolate parts and ensure the contracts are not broken.</a:t>
+            </a:r>
+          </a:p>
+          <a:p>
+            <a:r>
+              <a:rPr lang="en-US" b="1" dirty="0">
+                <a:solidFill>
+                  <a:schemeClr val="bg1"/>
+                </a:solidFill>
+              </a:rPr>
+              <a:t>	Lot of automated testing should ensure the contracts are good.</a:t>
+            </a:r>
+          </a:p>
+          <a:p>
+            <a:r>
+              <a:rPr lang="en-US" b="1" dirty="0">
+                <a:solidFill>
+                  <a:schemeClr val="bg1"/>
+                </a:solidFill>
+              </a:rPr>
+              <a:t>No isolations</a:t>
+            </a:r>
+          </a:p>
+          <a:p>
+            <a:r>
+              <a:rPr lang="en-US" b="1" dirty="0">
+                <a:solidFill>
+                  <a:schemeClr val="bg1"/>
+                </a:solidFill>
+              </a:rPr>
+              <a:t>	Customer sees no isolations.</a:t>
+            </a:r>
+          </a:p>
+          <a:p>
+            <a:r>
+              <a:rPr lang="en-US" b="1" dirty="0">
+                <a:solidFill>
+                  <a:schemeClr val="bg1"/>
+                </a:solidFill>
+              </a:rPr>
+              <a:t>	Ensure what customer want works the way they want.</a:t>
+            </a:r>
+          </a:p>
+          <a:p>
+            <a:r>
+              <a:rPr lang="en-US" b="1" dirty="0">
+                <a:solidFill>
+                  <a:schemeClr val="bg1"/>
+                </a:solidFill>
+              </a:rPr>
+              <a:t>Unowned components.</a:t>
+            </a:r>
+          </a:p>
+          <a:p>
+            <a:r>
+              <a:rPr lang="en-US" b="1" dirty="0">
+                <a:solidFill>
+                  <a:schemeClr val="bg1"/>
+                </a:solidFill>
+              </a:rPr>
+              <a:t>	Isolate I own Vs. I don't own Vs Nobody owns.</a:t>
+            </a:r>
+          </a:p>
+          <a:p>
+            <a:endParaRPr lang="en-US" b="1" dirty="0">
+              <a:solidFill>
+                <a:schemeClr val="bg1"/>
+              </a:solidFill>
+            </a:endParaRPr>
           </a:p>
         </p:txBody>
       </p:sp>
     </p:spTree>
     <p:extLst>
       <p:ext uri="{BB962C8B-B14F-4D97-AF65-F5344CB8AC3E}">
-        <p14:creationId xmlns:p14="http://schemas.microsoft.com/office/powerpoint/2010/main" val="3357363931"/>
+        <p14:creationId xmlns:p14="http://schemas.microsoft.com/office/powerpoint/2010/main" val="1223262558"/>
       </p:ext>
     </p:extLst>
   </p:cSld>
@@ -5877,7 +5840,7 @@
                   <a:schemeClr val="bg1"/>
                 </a:solidFill>
               </a:rPr>
-              <a:t>Testing Strategy</a:t>
+              <a:t>Test Doubles</a:t>
             </a:r>
           </a:p>
         </p:txBody>
@@ -5897,7 +5860,7 @@
         <p:spPr>
           <a:xfrm>
             <a:off x="838200" y="1779687"/>
-            <a:ext cx="10515600" cy="2308324"/>
+            <a:ext cx="10515600" cy="3139321"/>
           </a:xfrm>
           <a:prstGeom prst="rect">
             <a:avLst/>
@@ -5916,67 +5879,97 @@
                   <a:schemeClr val="bg1"/>
                 </a:solidFill>
               </a:rPr>
-              <a:t>Isolate parts and ensure the contracts are not broken.</a:t>
-            </a:r>
-          </a:p>
-          <a:p>
-            <a:r>
-              <a:rPr lang="en-US" b="1" dirty="0">
-                <a:solidFill>
-                  <a:schemeClr val="bg1"/>
-                </a:solidFill>
-              </a:rPr>
-              <a:t>	Lot of automated testing should ensure the contracts are good.</a:t>
-            </a:r>
-          </a:p>
-          <a:p>
-            <a:r>
-              <a:rPr lang="en-US" b="1" dirty="0">
-                <a:solidFill>
-                  <a:schemeClr val="bg1"/>
-                </a:solidFill>
-              </a:rPr>
-              <a:t>No isolations</a:t>
-            </a:r>
-          </a:p>
-          <a:p>
-            <a:r>
-              <a:rPr lang="en-US" b="1" dirty="0">
-                <a:solidFill>
-                  <a:schemeClr val="bg1"/>
-                </a:solidFill>
-              </a:rPr>
-              <a:t>	Customer sees no isolations.</a:t>
-            </a:r>
-          </a:p>
-          <a:p>
-            <a:r>
-              <a:rPr lang="en-US" b="1" dirty="0">
-                <a:solidFill>
-                  <a:schemeClr val="bg1"/>
-                </a:solidFill>
-              </a:rPr>
-              <a:t>	Ensure what customer want works the way they want.</a:t>
-            </a:r>
-          </a:p>
-          <a:p>
-            <a:r>
-              <a:rPr lang="en-US" b="1" dirty="0">
-                <a:solidFill>
-                  <a:schemeClr val="bg1"/>
-                </a:solidFill>
-              </a:rPr>
-              <a:t>Unowned components.</a:t>
-            </a:r>
-          </a:p>
-          <a:p>
-            <a:r>
-              <a:rPr lang="en-US" b="1" dirty="0">
-                <a:solidFill>
-                  <a:schemeClr val="bg1"/>
-                </a:solidFill>
-              </a:rPr>
-              <a:t>	Isolate I own Vs. I don't own Vs Nobody owns.</a:t>
+              <a:t>Dummy objects</a:t>
+            </a:r>
+          </a:p>
+          <a:p>
+            <a:r>
+              <a:rPr lang="en-US" b="1" dirty="0">
+                <a:solidFill>
+                  <a:schemeClr val="bg1"/>
+                </a:solidFill>
+              </a:rPr>
+              <a:t>	passed around but never actually used.</a:t>
+            </a:r>
+          </a:p>
+          <a:p>
+            <a:r>
+              <a:rPr lang="en-US" b="1" dirty="0">
+                <a:solidFill>
+                  <a:schemeClr val="bg1"/>
+                </a:solidFill>
+              </a:rPr>
+              <a:t>Fake objects</a:t>
+            </a:r>
+          </a:p>
+          <a:p>
+            <a:r>
+              <a:rPr lang="en-US" b="1" dirty="0">
+                <a:solidFill>
+                  <a:schemeClr val="bg1"/>
+                </a:solidFill>
+              </a:rPr>
+              <a:t>	working implementation not suitable for production</a:t>
+            </a:r>
+          </a:p>
+          <a:p>
+            <a:r>
+              <a:rPr lang="en-US" b="1" dirty="0">
+                <a:solidFill>
+                  <a:schemeClr val="bg1"/>
+                </a:solidFill>
+              </a:rPr>
+              <a:t>Stubs</a:t>
+            </a:r>
+          </a:p>
+          <a:p>
+            <a:r>
+              <a:rPr lang="en-US" b="1" dirty="0">
+                <a:solidFill>
+                  <a:schemeClr val="bg1"/>
+                </a:solidFill>
+              </a:rPr>
+              <a:t>	provide canned answers to calls made during tests</a:t>
+            </a:r>
+          </a:p>
+          <a:p>
+            <a:r>
+              <a:rPr lang="en-US" b="1" dirty="0">
+                <a:solidFill>
+                  <a:schemeClr val="bg1"/>
+                </a:solidFill>
+              </a:rPr>
+              <a:t>Spies</a:t>
+            </a:r>
+          </a:p>
+          <a:p>
+            <a:r>
+              <a:rPr lang="en-US" b="1" dirty="0">
+                <a:solidFill>
+                  <a:schemeClr val="bg1"/>
+                </a:solidFill>
+              </a:rPr>
+              <a:t>	Stubs that also record information based on how they were called.</a:t>
+            </a:r>
+          </a:p>
+          <a:p>
+            <a:r>
+              <a:rPr lang="en-US" b="1" dirty="0">
+                <a:solidFill>
+                  <a:schemeClr val="bg1"/>
+                </a:solidFill>
+              </a:rPr>
+              <a:t>Mocks</a:t>
+            </a:r>
+          </a:p>
+          <a:p>
+            <a:r>
+              <a:rPr lang="en-US" b="1" dirty="0">
+                <a:solidFill>
+                  <a:schemeClr val="bg1"/>
+                </a:solidFill>
+              </a:rPr>
+              <a:t>	Objects pre-programmed with exceptions</a:t>
             </a:r>
           </a:p>
           <a:p>
@@ -5991,7 +5984,7 @@
     </p:spTree>
     <p:extLst>
       <p:ext uri="{BB962C8B-B14F-4D97-AF65-F5344CB8AC3E}">
-        <p14:creationId xmlns:p14="http://schemas.microsoft.com/office/powerpoint/2010/main" val="1223262558"/>
+        <p14:creationId xmlns:p14="http://schemas.microsoft.com/office/powerpoint/2010/main" val="1175434357"/>
       </p:ext>
     </p:extLst>
   </p:cSld>
@@ -6282,7 +6275,7 @@
                   <a:schemeClr val="bg1"/>
                 </a:solidFill>
               </a:rPr>
-              <a:t>Test Doubles</a:t>
+              <a:t>Testing Strategy</a:t>
             </a:r>
           </a:p>
         </p:txBody>
@@ -6302,7 +6295,7 @@
         <p:spPr>
           <a:xfrm>
             <a:off x="838200" y="1779687"/>
-            <a:ext cx="10515600" cy="3139321"/>
+            <a:ext cx="10515600" cy="2308324"/>
           </a:xfrm>
           <a:prstGeom prst="rect">
             <a:avLst/>
@@ -6321,97 +6314,67 @@
                   <a:schemeClr val="bg1"/>
                 </a:solidFill>
               </a:rPr>
-              <a:t>Dummy objects</a:t>
-            </a:r>
-          </a:p>
-          <a:p>
-            <a:r>
-              <a:rPr lang="en-US" b="1" dirty="0">
-                <a:solidFill>
-                  <a:schemeClr val="bg1"/>
-                </a:solidFill>
-              </a:rPr>
-              <a:t>	passed around but never actually used.</a:t>
-            </a:r>
-          </a:p>
-          <a:p>
-            <a:r>
-              <a:rPr lang="en-US" b="1" dirty="0">
-                <a:solidFill>
-                  <a:schemeClr val="bg1"/>
-                </a:solidFill>
-              </a:rPr>
-              <a:t>Fake objects</a:t>
-            </a:r>
-          </a:p>
-          <a:p>
-            <a:r>
-              <a:rPr lang="en-US" b="1" dirty="0">
-                <a:solidFill>
-                  <a:schemeClr val="bg1"/>
-                </a:solidFill>
-              </a:rPr>
-              <a:t>	working implementation not suitable for production</a:t>
-            </a:r>
-          </a:p>
-          <a:p>
-            <a:r>
-              <a:rPr lang="en-US" b="1" dirty="0">
-                <a:solidFill>
-                  <a:schemeClr val="bg1"/>
-                </a:solidFill>
-              </a:rPr>
-              <a:t>Stubs</a:t>
-            </a:r>
-          </a:p>
-          <a:p>
-            <a:r>
-              <a:rPr lang="en-US" b="1" dirty="0">
-                <a:solidFill>
-                  <a:schemeClr val="bg1"/>
-                </a:solidFill>
-              </a:rPr>
-              <a:t>	provide canned answers to calls made during tests</a:t>
-            </a:r>
-          </a:p>
-          <a:p>
-            <a:r>
-              <a:rPr lang="en-US" b="1" dirty="0">
-                <a:solidFill>
-                  <a:schemeClr val="bg1"/>
-                </a:solidFill>
-              </a:rPr>
-              <a:t>Spies</a:t>
-            </a:r>
-          </a:p>
-          <a:p>
-            <a:r>
-              <a:rPr lang="en-US" b="1" dirty="0">
-                <a:solidFill>
-                  <a:schemeClr val="bg1"/>
-                </a:solidFill>
-              </a:rPr>
-              <a:t>	Stubs that also record information based on how they were called.</a:t>
-            </a:r>
-          </a:p>
-          <a:p>
-            <a:r>
-              <a:rPr lang="en-US" b="1" dirty="0">
-                <a:solidFill>
-                  <a:schemeClr val="bg1"/>
-                </a:solidFill>
-              </a:rPr>
-              <a:t>Mocks</a:t>
-            </a:r>
-          </a:p>
-          <a:p>
-            <a:r>
-              <a:rPr lang="en-US" b="1" dirty="0">
-                <a:solidFill>
-                  <a:schemeClr val="bg1"/>
-                </a:solidFill>
-              </a:rPr>
-              <a:t>	Objects pre-programmed with exceptions</a:t>
+              <a:t>Isolate parts and ensure the contracts are not broken.</a:t>
+            </a:r>
+          </a:p>
+          <a:p>
+            <a:r>
+              <a:rPr lang="en-US" b="1" dirty="0">
+                <a:solidFill>
+                  <a:schemeClr val="bg1"/>
+                </a:solidFill>
+              </a:rPr>
+              <a:t>	Lot of automated testing should ensure the contracts are good.</a:t>
+            </a:r>
+          </a:p>
+          <a:p>
+            <a:r>
+              <a:rPr lang="en-US" b="1" dirty="0">
+                <a:solidFill>
+                  <a:schemeClr val="bg1"/>
+                </a:solidFill>
+              </a:rPr>
+              <a:t>No isolations</a:t>
+            </a:r>
+          </a:p>
+          <a:p>
+            <a:r>
+              <a:rPr lang="en-US" b="1" dirty="0">
+                <a:solidFill>
+                  <a:schemeClr val="bg1"/>
+                </a:solidFill>
+              </a:rPr>
+              <a:t>	Customer sees no isolations.</a:t>
+            </a:r>
+          </a:p>
+          <a:p>
+            <a:r>
+              <a:rPr lang="en-US" b="1" dirty="0">
+                <a:solidFill>
+                  <a:schemeClr val="bg1"/>
+                </a:solidFill>
+              </a:rPr>
+              <a:t>	Ensure what customer want works the way they want.</a:t>
+            </a:r>
+          </a:p>
+          <a:p>
+            <a:r>
+              <a:rPr lang="en-US" b="1" dirty="0">
+                <a:solidFill>
+                  <a:schemeClr val="bg1"/>
+                </a:solidFill>
+              </a:rPr>
+              <a:t>Unowned components.</a:t>
+            </a:r>
+          </a:p>
+          <a:p>
+            <a:r>
+              <a:rPr lang="en-US" b="1" dirty="0">
+                <a:solidFill>
+                  <a:schemeClr val="bg1"/>
+                </a:solidFill>
+              </a:rPr>
+              <a:t>	Isolate I own Vs. I don't own Vs Nobody owns.</a:t>
             </a:r>
           </a:p>
           <a:p>
@@ -6426,7 +6389,7 @@
     </p:spTree>
     <p:extLst>
       <p:ext uri="{BB962C8B-B14F-4D97-AF65-F5344CB8AC3E}">
-        <p14:creationId xmlns:p14="http://schemas.microsoft.com/office/powerpoint/2010/main" val="1175434357"/>
+        <p14:creationId xmlns:p14="http://schemas.microsoft.com/office/powerpoint/2010/main" val="32543096"/>
       </p:ext>
     </p:extLst>
   </p:cSld>
@@ -6610,7 +6573,7 @@
     </p:spTree>
     <p:extLst>
       <p:ext uri="{BB962C8B-B14F-4D97-AF65-F5344CB8AC3E}">
-        <p14:creationId xmlns:p14="http://schemas.microsoft.com/office/powerpoint/2010/main" val="32543096"/>
+        <p14:creationId xmlns:p14="http://schemas.microsoft.com/office/powerpoint/2010/main" val="1762955286"/>
       </p:ext>
     </p:extLst>
   </p:cSld>
@@ -6680,7 +6643,7 @@
                   <a:schemeClr val="bg1"/>
                 </a:solidFill>
               </a:rPr>
-              <a:t>Testing Strategy</a:t>
+              <a:t>Junit 5</a:t>
             </a:r>
           </a:p>
         </p:txBody>
@@ -6700,7 +6663,7 @@
         <p:spPr>
           <a:xfrm>
             <a:off x="838200" y="1779687"/>
-            <a:ext cx="10515600" cy="2308324"/>
+            <a:ext cx="10515600" cy="3416320"/>
           </a:xfrm>
           <a:prstGeom prst="rect">
             <a:avLst/>
@@ -6719,82 +6682,125 @@
                   <a:schemeClr val="bg1"/>
                 </a:solidFill>
               </a:rPr>
-              <a:t>Isolate parts and ensure the contracts are not broken.</a:t>
-            </a:r>
-          </a:p>
-          <a:p>
-            <a:r>
-              <a:rPr lang="en-US" b="1" dirty="0">
-                <a:solidFill>
-                  <a:schemeClr val="bg1"/>
-                </a:solidFill>
-              </a:rPr>
-              <a:t>	Lot of automated testing should ensure the contracts are good.</a:t>
-            </a:r>
-          </a:p>
-          <a:p>
-            <a:r>
-              <a:rPr lang="en-US" b="1" dirty="0">
-                <a:solidFill>
-                  <a:schemeClr val="bg1"/>
-                </a:solidFill>
-              </a:rPr>
-              <a:t>No isolations</a:t>
-            </a:r>
-          </a:p>
-          <a:p>
-            <a:r>
-              <a:rPr lang="en-US" b="1" dirty="0">
-                <a:solidFill>
-                  <a:schemeClr val="bg1"/>
-                </a:solidFill>
-              </a:rPr>
-              <a:t>	Customer sees no isolations.</a:t>
-            </a:r>
-          </a:p>
-          <a:p>
-            <a:r>
-              <a:rPr lang="en-US" b="1" dirty="0">
-                <a:solidFill>
-                  <a:schemeClr val="bg1"/>
-                </a:solidFill>
-              </a:rPr>
-              <a:t>	Ensure what customer want works the way they want.</a:t>
-            </a:r>
-          </a:p>
-          <a:p>
-            <a:r>
-              <a:rPr lang="en-US" b="1" dirty="0">
-                <a:solidFill>
-                  <a:schemeClr val="bg1"/>
-                </a:solidFill>
-              </a:rPr>
-              <a:t>Unowned components.</a:t>
-            </a:r>
-          </a:p>
-          <a:p>
-            <a:r>
-              <a:rPr lang="en-US" b="1" dirty="0">
-                <a:solidFill>
-                  <a:schemeClr val="bg1"/>
-                </a:solidFill>
-              </a:rPr>
-              <a:t>	Isolate I own Vs. I don't own Vs Nobody owns.</a:t>
-            </a:r>
-          </a:p>
-          <a:p>
-            <a:endParaRPr lang="en-US" b="1" dirty="0">
-              <a:solidFill>
-                <a:schemeClr val="bg1"/>
-              </a:solidFill>
-            </a:endParaRPr>
+              <a:t>Junit 5</a:t>
+            </a:r>
+          </a:p>
+          <a:p>
+            <a:r>
+              <a:rPr lang="en-US" b="1" dirty="0">
+                <a:solidFill>
+                  <a:schemeClr val="bg1"/>
+                </a:solidFill>
+              </a:rPr>
+              <a:t>	Junit 4 was there for a long time.</a:t>
+            </a:r>
+          </a:p>
+          <a:p>
+            <a:r>
+              <a:rPr lang="en-US" b="1" dirty="0">
+                <a:solidFill>
+                  <a:schemeClr val="bg1"/>
+                </a:solidFill>
+              </a:rPr>
+              <a:t>	Not up-to date with the latest in testing.</a:t>
+            </a:r>
+          </a:p>
+          <a:p>
+            <a:r>
+              <a:rPr lang="en-US" b="1" dirty="0">
+                <a:solidFill>
+                  <a:schemeClr val="bg1"/>
+                </a:solidFill>
+              </a:rPr>
+              <a:t>	Mindset how people approach has not evolved</a:t>
+            </a:r>
+          </a:p>
+          <a:p>
+            <a:r>
+              <a:rPr lang="en-US" b="1" dirty="0">
+                <a:solidFill>
+                  <a:schemeClr val="bg1"/>
+                </a:solidFill>
+              </a:rPr>
+              <a:t>	Java has evolved</a:t>
+            </a:r>
+          </a:p>
+          <a:p>
+            <a:r>
+              <a:rPr lang="en-US" b="1" dirty="0">
+                <a:solidFill>
+                  <a:schemeClr val="bg1"/>
+                </a:solidFill>
+              </a:rPr>
+              <a:t>	Monolithic architecture</a:t>
+            </a:r>
+          </a:p>
+          <a:p>
+            <a:r>
+              <a:rPr lang="en-US" b="1" dirty="0">
+                <a:solidFill>
+                  <a:schemeClr val="bg1"/>
+                </a:solidFill>
+              </a:rPr>
+              <a:t>	Bugs and features requests piled up.</a:t>
+            </a:r>
+          </a:p>
+          <a:p>
+            <a:r>
+              <a:rPr lang="en-US" b="1" dirty="0">
+                <a:solidFill>
+                  <a:schemeClr val="bg1"/>
+                </a:solidFill>
+              </a:rPr>
+              <a:t>	Open source</a:t>
+            </a:r>
+          </a:p>
+          <a:p>
+            <a:r>
+              <a:rPr lang="en-US" b="1" dirty="0">
+                <a:solidFill>
+                  <a:schemeClr val="bg1"/>
+                </a:solidFill>
+              </a:rPr>
+              <a:t>	Crowd funding.</a:t>
+            </a:r>
+          </a:p>
+          <a:p>
+            <a:r>
+              <a:rPr lang="en-US" b="1" dirty="0">
+                <a:solidFill>
+                  <a:schemeClr val="bg1"/>
+                </a:solidFill>
+              </a:rPr>
+              <a:t>Junit 5 came up.</a:t>
+            </a:r>
+          </a:p>
+          <a:p>
+            <a:r>
+              <a:rPr lang="en-US" b="1" dirty="0">
+                <a:solidFill>
+                  <a:schemeClr val="bg1"/>
+                </a:solidFill>
+              </a:rPr>
+              <a:t>	Not an update to Junit 4</a:t>
+            </a:r>
+          </a:p>
+          <a:p>
+            <a:r>
+              <a:rPr lang="en-US" b="1" dirty="0">
+                <a:solidFill>
+                  <a:schemeClr val="bg1"/>
+                </a:solidFill>
+              </a:rPr>
+              <a:t>	Cannot easily upgrade from Junit 4 to Junit 5</a:t>
+            </a:r>
           </a:p>
         </p:txBody>
       </p:sp>
     </p:spTree>
     <p:extLst>
       <p:ext uri="{BB962C8B-B14F-4D97-AF65-F5344CB8AC3E}">
-        <p14:creationId xmlns:p14="http://schemas.microsoft.com/office/powerpoint/2010/main" val="1762955286"/>
+        <p14:creationId xmlns:p14="http://schemas.microsoft.com/office/powerpoint/2010/main" val="3357363931"/>
       </p:ext>
     </p:extLst>
   </p:cSld>
@@ -6864,7 +6870,7 @@
                   <a:schemeClr val="bg1"/>
                 </a:solidFill>
               </a:rPr>
-              <a:t>Testing Microservices</a:t>
+              <a:t>Junit 5</a:t>
             </a:r>
           </a:p>
         </p:txBody>
@@ -6884,7 +6890,7 @@
         <p:spPr>
           <a:xfrm>
             <a:off x="838200" y="1779687"/>
-            <a:ext cx="10515600" cy="7848302"/>
+            <a:ext cx="10515600" cy="5078313"/>
           </a:xfrm>
           <a:prstGeom prst="rect">
             <a:avLst/>
@@ -7147,121 +7153,8 @@
                   <a:schemeClr val="bg1"/>
                 </a:solidFill>
               </a:rPr>
-              <a:t>				</a:t>
-            </a:r>
-          </a:p>
-          <a:p>
-            <a:r>
-              <a:rPr lang="en-US" dirty="0">
-                <a:solidFill>
-                  <a:schemeClr val="bg1"/>
-                </a:solidFill>
-              </a:rPr>
-              <a:t>		maven</a:t>
-            </a:r>
-          </a:p>
-          <a:p>
-            <a:r>
-              <a:rPr lang="en-US" dirty="0">
-                <a:solidFill>
-                  <a:schemeClr val="bg1"/>
-                </a:solidFill>
-              </a:rPr>
-              <a:t>			two dependencies </a:t>
-            </a:r>
-            <a:r>
-              <a:rPr lang="en-US" dirty="0" err="1">
-                <a:solidFill>
-                  <a:schemeClr val="bg1"/>
-                </a:solidFill>
-              </a:rPr>
-              <a:t>atleast</a:t>
-            </a:r>
-            <a:endParaRPr lang="en-US" dirty="0">
-              <a:solidFill>
-                <a:schemeClr val="bg1"/>
-              </a:solidFill>
-            </a:endParaRPr>
-          </a:p>
-          <a:p>
-            <a:r>
-              <a:rPr lang="en-US" dirty="0">
-                <a:solidFill>
-                  <a:schemeClr val="bg1"/>
-                </a:solidFill>
-              </a:rPr>
-              <a:t>				Platform + what you want.</a:t>
-            </a:r>
-          </a:p>
-          <a:p>
-            <a:r>
-              <a:rPr lang="en-US" dirty="0">
-                <a:solidFill>
-                  <a:schemeClr val="bg1"/>
-                </a:solidFill>
-              </a:rPr>
-              <a:t>				e.g. Platform + Jupiter</a:t>
-            </a:r>
-          </a:p>
-          <a:p>
-            <a:r>
-              <a:rPr lang="en-US" dirty="0">
-                <a:solidFill>
-                  <a:schemeClr val="bg1"/>
-                </a:solidFill>
-              </a:rPr>
-              <a:t>				or </a:t>
-            </a:r>
-          </a:p>
-          <a:p>
-            <a:r>
-              <a:rPr lang="en-US" dirty="0">
-                <a:solidFill>
-                  <a:schemeClr val="bg1"/>
-                </a:solidFill>
-              </a:rPr>
-              <a:t>								+ </a:t>
-            </a:r>
-            <a:r>
-              <a:rPr lang="en-US" dirty="0" err="1">
-                <a:solidFill>
-                  <a:schemeClr val="bg1"/>
-                </a:solidFill>
-              </a:rPr>
-              <a:t>Wintage</a:t>
-            </a:r>
-            <a:endParaRPr lang="en-US" dirty="0">
-              <a:solidFill>
-                <a:schemeClr val="bg1"/>
-              </a:solidFill>
-            </a:endParaRPr>
-          </a:p>
-          <a:p>
-            <a:r>
-              <a:rPr lang="en-US" dirty="0">
-                <a:solidFill>
-                  <a:schemeClr val="bg1"/>
-                </a:solidFill>
-              </a:rPr>
-              <a:t>				or</a:t>
-            </a:r>
-          </a:p>
-          <a:p>
-            <a:r>
-              <a:rPr lang="en-US" dirty="0">
-                <a:solidFill>
-                  <a:schemeClr val="bg1"/>
-                </a:solidFill>
-              </a:rPr>
-              <a:t>								+ Extension </a:t>
-            </a:r>
-          </a:p>
-          <a:p>
-            <a:endParaRPr lang="en-US" dirty="0">
-              <a:solidFill>
-                <a:schemeClr val="bg1"/>
-              </a:solidFill>
-            </a:endParaRPr>
+              <a:t>		</a:t>
+            </a:r>
           </a:p>
         </p:txBody>
       </p:sp>
@@ -7338,7 +7231,7 @@
                   <a:schemeClr val="bg1"/>
                 </a:solidFill>
               </a:rPr>
-              <a:t>Testing Microservices</a:t>
+              <a:t>Maven Setup</a:t>
             </a:r>
           </a:p>
         </p:txBody>
@@ -7358,7 +7251,7 @@
         <p:spPr>
           <a:xfrm>
             <a:off x="838200" y="1779687"/>
-            <a:ext cx="10515600" cy="2585323"/>
+            <a:ext cx="10515600" cy="4801314"/>
           </a:xfrm>
           <a:prstGeom prst="rect">
             <a:avLst/>
@@ -7475,6 +7368,154 @@
               </a:rPr>
               <a:t>			+ Extension </a:t>
             </a:r>
+          </a:p>
+          <a:p>
+            <a:endParaRPr lang="en-US" b="1" dirty="0">
+              <a:solidFill>
+                <a:schemeClr val="bg1"/>
+              </a:solidFill>
+            </a:endParaRPr>
+          </a:p>
+          <a:p>
+            <a:r>
+              <a:rPr lang="en-US" b="1" dirty="0">
+                <a:solidFill>
+                  <a:schemeClr val="bg1"/>
+                </a:solidFill>
+              </a:rPr>
+              <a:t>IDE based</a:t>
+            </a:r>
+          </a:p>
+          <a:p>
+            <a:r>
+              <a:rPr lang="en-US" b="1" dirty="0">
+                <a:solidFill>
+                  <a:schemeClr val="bg1"/>
+                </a:solidFill>
+              </a:rPr>
+              <a:t>	add dependency</a:t>
+            </a:r>
+          </a:p>
+          <a:p>
+            <a:r>
+              <a:rPr lang="en-US" b="1" dirty="0">
+                <a:solidFill>
+                  <a:schemeClr val="bg1"/>
+                </a:solidFill>
+              </a:rPr>
+              <a:t>	</a:t>
+            </a:r>
+            <a:r>
+              <a:rPr lang="en-US" b="1" dirty="0" err="1">
+                <a:solidFill>
+                  <a:schemeClr val="bg1"/>
+                </a:solidFill>
+              </a:rPr>
+              <a:t>junit</a:t>
+            </a:r>
+            <a:r>
+              <a:rPr lang="en-US" b="1" dirty="0">
+                <a:solidFill>
+                  <a:schemeClr val="bg1"/>
+                </a:solidFill>
+              </a:rPr>
+              <a:t>-</a:t>
+            </a:r>
+            <a:r>
+              <a:rPr lang="en-US" b="1" dirty="0" err="1">
+                <a:solidFill>
+                  <a:schemeClr val="bg1"/>
+                </a:solidFill>
+              </a:rPr>
+              <a:t>jupiter</a:t>
+            </a:r>
+            <a:r>
+              <a:rPr lang="en-US" b="1" dirty="0">
+                <a:solidFill>
+                  <a:schemeClr val="bg1"/>
+                </a:solidFill>
+              </a:rPr>
+              <a:t>-engine</a:t>
+            </a:r>
+          </a:p>
+          <a:p>
+            <a:r>
+              <a:rPr lang="en-US" b="1" dirty="0">
+                <a:solidFill>
+                  <a:schemeClr val="bg1"/>
+                </a:solidFill>
+              </a:rPr>
+              <a:t>	</a:t>
+            </a:r>
+            <a:r>
+              <a:rPr lang="en-US" b="1" dirty="0" err="1">
+                <a:solidFill>
+                  <a:schemeClr val="bg1"/>
+                </a:solidFill>
+              </a:rPr>
+              <a:t>junit-jupiter-api</a:t>
+            </a:r>
+            <a:endParaRPr lang="en-US" b="1" dirty="0">
+              <a:solidFill>
+                <a:schemeClr val="bg1"/>
+              </a:solidFill>
+            </a:endParaRPr>
+          </a:p>
+          <a:p>
+            <a:r>
+              <a:rPr lang="en-US" b="1" dirty="0">
+                <a:solidFill>
+                  <a:schemeClr val="bg1"/>
+                </a:solidFill>
+              </a:rPr>
+              <a:t>	</a:t>
+            </a:r>
+            <a:r>
+              <a:rPr lang="en-US" b="1" dirty="0" err="1">
+                <a:solidFill>
+                  <a:schemeClr val="bg1"/>
+                </a:solidFill>
+              </a:rPr>
+              <a:t>junit</a:t>
+            </a:r>
+            <a:r>
+              <a:rPr lang="en-US" b="1" dirty="0">
+                <a:solidFill>
+                  <a:schemeClr val="bg1"/>
+                </a:solidFill>
+              </a:rPr>
+              <a:t>-vintage-</a:t>
+            </a:r>
+            <a:r>
+              <a:rPr lang="en-US" b="1" dirty="0" err="1">
+                <a:solidFill>
+                  <a:schemeClr val="bg1"/>
+                </a:solidFill>
+              </a:rPr>
+              <a:t>engin</a:t>
+            </a:r>
+            <a:r>
+              <a:rPr lang="en-US" b="1" dirty="0">
+                <a:solidFill>
+                  <a:schemeClr val="bg1"/>
+                </a:solidFill>
+              </a:rPr>
+              <a:t> # if you have old version test cases...</a:t>
+            </a:r>
+          </a:p>
+          <a:p>
+            <a:endParaRPr lang="en-US" b="1" dirty="0">
+              <a:solidFill>
+                <a:schemeClr val="bg1"/>
+              </a:solidFill>
+            </a:endParaRPr>
+          </a:p>
+          <a:p>
+            <a:endParaRPr lang="en-US" b="1" dirty="0">
+              <a:solidFill>
+                <a:schemeClr val="bg1"/>
+              </a:solidFill>
+            </a:endParaRPr>
           </a:p>
           <a:p>
             <a:endParaRPr lang="en-US" dirty="0">
@@ -7558,7 +7599,7 @@
                   <a:schemeClr val="bg1"/>
                 </a:solidFill>
               </a:rPr>
-              <a:t>as</a:t>
+              <a:t>Junit 5 methods</a:t>
             </a:r>
           </a:p>
         </p:txBody>
@@ -7578,7 +7619,7 @@
         <p:spPr>
           <a:xfrm>
             <a:off x="838200" y="1779687"/>
-            <a:ext cx="10515600" cy="369332"/>
+            <a:ext cx="10515600" cy="2862322"/>
           </a:xfrm>
           <a:prstGeom prst="rect">
             <a:avLst/>
@@ -7592,12 +7633,598 @@
           <a:lstStyle/>
           <a:p>
             <a:r>
+              <a:rPr lang="en-US" b="1" dirty="0">
+                <a:solidFill>
+                  <a:schemeClr val="bg1"/>
+                </a:solidFill>
+              </a:rPr>
+              <a:t> @</a:t>
+            </a:r>
+            <a:r>
               <a:rPr lang="en-US" b="1" dirty="0" err="1">
                 <a:solidFill>
                   <a:schemeClr val="bg1"/>
                 </a:solidFill>
               </a:rPr>
-              <a:t>asd</a:t>
+              <a:t>BeforeEach</a:t>
+            </a:r>
+            <a:endParaRPr lang="en-US" b="1" dirty="0">
+              <a:solidFill>
+                <a:schemeClr val="bg1"/>
+              </a:solidFill>
+            </a:endParaRPr>
+          </a:p>
+          <a:p>
+            <a:r>
+              <a:rPr lang="en-US" b="1" dirty="0">
+                <a:solidFill>
+                  <a:schemeClr val="bg1"/>
+                </a:solidFill>
+              </a:rPr>
+              <a:t>	run before each @Test, @</a:t>
+            </a:r>
+            <a:r>
+              <a:rPr lang="en-US" b="1" dirty="0" err="1">
+                <a:solidFill>
+                  <a:schemeClr val="bg1"/>
+                </a:solidFill>
+              </a:rPr>
+              <a:t>RepeatedTest</a:t>
+            </a:r>
+            <a:r>
+              <a:rPr lang="en-US" b="1" dirty="0">
+                <a:solidFill>
+                  <a:schemeClr val="bg1"/>
+                </a:solidFill>
+              </a:rPr>
+              <a:t>, @</a:t>
+            </a:r>
+            <a:r>
+              <a:rPr lang="en-US" b="1" dirty="0" err="1">
+                <a:solidFill>
+                  <a:schemeClr val="bg1"/>
+                </a:solidFill>
+              </a:rPr>
+              <a:t>ParameterizedTest</a:t>
+            </a:r>
+            <a:r>
+              <a:rPr lang="en-US" b="1" dirty="0">
+                <a:solidFill>
+                  <a:schemeClr val="bg1"/>
+                </a:solidFill>
+              </a:rPr>
+              <a:t>, or @</a:t>
+            </a:r>
+            <a:r>
+              <a:rPr lang="en-US" b="1" dirty="0" err="1">
+                <a:solidFill>
+                  <a:schemeClr val="bg1"/>
+                </a:solidFill>
+              </a:rPr>
+              <a:t>TestFactory</a:t>
+            </a:r>
+            <a:endParaRPr lang="en-US" b="1" dirty="0">
+              <a:solidFill>
+                <a:schemeClr val="bg1"/>
+              </a:solidFill>
+            </a:endParaRPr>
+          </a:p>
+          <a:p>
+            <a:r>
+              <a:rPr lang="en-US" b="1" dirty="0">
+                <a:solidFill>
+                  <a:schemeClr val="bg1"/>
+                </a:solidFill>
+              </a:rPr>
+              <a:t>	Similar to @Before in junit4</a:t>
+            </a:r>
+          </a:p>
+          <a:p>
+            <a:r>
+              <a:rPr lang="en-US" b="1" dirty="0">
+                <a:solidFill>
+                  <a:schemeClr val="bg1"/>
+                </a:solidFill>
+              </a:rPr>
+              <a:t>@</a:t>
+            </a:r>
+            <a:r>
+              <a:rPr lang="en-US" b="1" dirty="0" err="1">
+                <a:solidFill>
+                  <a:schemeClr val="bg1"/>
+                </a:solidFill>
+              </a:rPr>
+              <a:t>AfterEach</a:t>
+            </a:r>
+            <a:endParaRPr lang="en-US" b="1" dirty="0">
+              <a:solidFill>
+                <a:schemeClr val="bg1"/>
+              </a:solidFill>
+            </a:endParaRPr>
+          </a:p>
+          <a:p>
+            <a:r>
+              <a:rPr lang="en-US" b="1" dirty="0">
+                <a:solidFill>
+                  <a:schemeClr val="bg1"/>
+                </a:solidFill>
+              </a:rPr>
+              <a:t>	run after each @Test, @</a:t>
+            </a:r>
+            <a:r>
+              <a:rPr lang="en-US" b="1" dirty="0" err="1">
+                <a:solidFill>
+                  <a:schemeClr val="bg1"/>
+                </a:solidFill>
+              </a:rPr>
+              <a:t>RepeatedTest</a:t>
+            </a:r>
+            <a:r>
+              <a:rPr lang="en-US" b="1" dirty="0">
+                <a:solidFill>
+                  <a:schemeClr val="bg1"/>
+                </a:solidFill>
+              </a:rPr>
+              <a:t>, @</a:t>
+            </a:r>
+            <a:r>
+              <a:rPr lang="en-US" b="1" dirty="0" err="1">
+                <a:solidFill>
+                  <a:schemeClr val="bg1"/>
+                </a:solidFill>
+              </a:rPr>
+              <a:t>ParameterizedTest</a:t>
+            </a:r>
+            <a:r>
+              <a:rPr lang="en-US" b="1" dirty="0">
+                <a:solidFill>
+                  <a:schemeClr val="bg1"/>
+                </a:solidFill>
+              </a:rPr>
+              <a:t>, or @</a:t>
+            </a:r>
+            <a:r>
+              <a:rPr lang="en-US" b="1" dirty="0" err="1">
+                <a:solidFill>
+                  <a:schemeClr val="bg1"/>
+                </a:solidFill>
+              </a:rPr>
+              <a:t>TestFactory</a:t>
+            </a:r>
+            <a:endParaRPr lang="en-US" b="1" dirty="0">
+              <a:solidFill>
+                <a:schemeClr val="bg1"/>
+              </a:solidFill>
+            </a:endParaRPr>
+          </a:p>
+          <a:p>
+            <a:r>
+              <a:rPr lang="en-US" b="1" dirty="0">
+                <a:solidFill>
+                  <a:schemeClr val="bg1"/>
+                </a:solidFill>
+              </a:rPr>
+              <a:t>	Similar to @After in junit4</a:t>
+            </a:r>
+          </a:p>
+          <a:p>
+            <a:r>
+              <a:rPr lang="en-US" b="1" dirty="0">
+                <a:solidFill>
+                  <a:schemeClr val="bg1"/>
+                </a:solidFill>
+              </a:rPr>
+              <a:t>@Test</a:t>
+            </a:r>
+          </a:p>
+          <a:p>
+            <a:r>
+              <a:rPr lang="en-US" b="1" dirty="0">
+                <a:solidFill>
+                  <a:schemeClr val="bg1"/>
+                </a:solidFill>
+              </a:rPr>
+              <a:t>	This is a test method</a:t>
+            </a:r>
+          </a:p>
+          <a:p>
+            <a:r>
+              <a:rPr lang="en-US" b="1" dirty="0">
+                <a:solidFill>
+                  <a:schemeClr val="bg1"/>
+                </a:solidFill>
+              </a:rPr>
+              <a:t>@</a:t>
+            </a:r>
+            <a:r>
+              <a:rPr lang="en-US" b="1" dirty="0" err="1">
+                <a:solidFill>
+                  <a:schemeClr val="bg1"/>
+                </a:solidFill>
+              </a:rPr>
+              <a:t>TestMethodOrder</a:t>
+            </a:r>
+            <a:endParaRPr lang="en-US" b="1" dirty="0">
+              <a:solidFill>
+                <a:schemeClr val="bg1"/>
+              </a:solidFill>
+            </a:endParaRPr>
+          </a:p>
+          <a:p>
+            <a:r>
+              <a:rPr lang="en-US" b="1" dirty="0">
+                <a:solidFill>
+                  <a:schemeClr val="bg1"/>
+                </a:solidFill>
+              </a:rPr>
+              <a:t>	Define test method order</a:t>
+            </a:r>
+          </a:p>
+        </p:txBody>
+      </p:sp>
+    </p:spTree>
+    <p:extLst>
+      <p:ext uri="{BB962C8B-B14F-4D97-AF65-F5344CB8AC3E}">
+        <p14:creationId xmlns:p14="http://schemas.microsoft.com/office/powerpoint/2010/main" val="347202915"/>
+      </p:ext>
+    </p:extLst>
+  </p:cSld>
+  <p:clrMapOvr>
+    <a:masterClrMapping/>
+  </p:clrMapOvr>
+</p:sld>
+</file>
+
+<file path=ppt/slides/slide26.xml><?xml version="1.0" encoding="utf-8"?>
+<p:sld xmlns:a="http://schemas.openxmlformats.org/drawingml/2006/main" xmlns:r="http://schemas.openxmlformats.org/officeDocument/2006/relationships" xmlns:p="http://schemas.openxmlformats.org/presentationml/2006/main">
+  <p:cSld>
+    <p:bg>
+      <p:bgPr>
+        <a:solidFill>
+          <a:schemeClr val="tx2">
+            <a:lumMod val="60000"/>
+            <a:lumOff val="40000"/>
+          </a:schemeClr>
+        </a:solidFill>
+        <a:effectLst/>
+      </p:bgPr>
+    </p:bg>
+    <p:spTree>
+      <p:nvGrpSpPr>
+        <p:cNvPr id="1" name=""/>
+        <p:cNvGrpSpPr/>
+        <p:nvPr/>
+      </p:nvGrpSpPr>
+      <p:grpSpPr>
+        <a:xfrm>
+          <a:off x="0" y="0"/>
+          <a:ext cx="0" cy="0"/>
+          <a:chOff x="0" y="0"/>
+          <a:chExt cx="0" cy="0"/>
+        </a:xfrm>
+      </p:grpSpPr>
+      <p:sp>
+        <p:nvSpPr>
+          <p:cNvPr id="2" name="Title 1">
+            <a:extLst>
+              <a:ext uri="{FF2B5EF4-FFF2-40B4-BE49-F238E27FC236}">
+                <a16:creationId xmlns:a16="http://schemas.microsoft.com/office/drawing/2014/main" id="{51F2C05B-3556-493B-855C-1F19ADDBAF69}"/>
+              </a:ext>
+            </a:extLst>
+          </p:cNvPr>
+          <p:cNvSpPr>
+            <a:spLocks noGrp="1"/>
+          </p:cNvSpPr>
+          <p:nvPr>
+            <p:ph type="title"/>
+          </p:nvPr>
+        </p:nvSpPr>
+        <p:spPr>
+          <a:xfrm>
+            <a:off x="838200" y="365125"/>
+            <a:ext cx="11099104" cy="1325563"/>
+          </a:xfrm>
+        </p:spPr>
+        <p:txBody>
+          <a:bodyPr/>
+          <a:lstStyle/>
+          <a:p>
+            <a:r>
+              <a:rPr lang="en-US" b="1" dirty="0">
+                <a:solidFill>
+                  <a:schemeClr val="bg1"/>
+                </a:solidFill>
+              </a:rPr>
+              <a:t>Junit 5 methods </a:t>
+            </a:r>
+            <a:r>
+              <a:rPr lang="en-US" b="1" dirty="0" err="1">
+                <a:solidFill>
+                  <a:schemeClr val="bg1"/>
+                </a:solidFill>
+              </a:rPr>
+              <a:t>cntd</a:t>
+            </a:r>
+            <a:r>
+              <a:rPr lang="en-US" b="1" dirty="0">
+                <a:solidFill>
+                  <a:schemeClr val="bg1"/>
+                </a:solidFill>
+              </a:rPr>
+              <a:t>.</a:t>
+            </a:r>
+          </a:p>
+        </p:txBody>
+      </p:sp>
+      <p:sp>
+        <p:nvSpPr>
+          <p:cNvPr id="4" name="TextBox 3">
+            <a:extLst>
+              <a:ext uri="{FF2B5EF4-FFF2-40B4-BE49-F238E27FC236}">
+                <a16:creationId xmlns:a16="http://schemas.microsoft.com/office/drawing/2014/main" id="{A32609F5-383A-417E-B9B0-CE955463E2E4}"/>
+              </a:ext>
+            </a:extLst>
+          </p:cNvPr>
+          <p:cNvSpPr txBox="1"/>
+          <p:nvPr/>
+        </p:nvSpPr>
+        <p:spPr>
+          <a:xfrm>
+            <a:off x="838200" y="1779687"/>
+            <a:ext cx="10515600" cy="3693319"/>
+          </a:xfrm>
+          <a:prstGeom prst="rect">
+            <a:avLst/>
+          </a:prstGeom>
+          <a:noFill/>
+        </p:spPr>
+        <p:txBody>
+          <a:bodyPr wrap="square" rtlCol="0">
+            <a:spAutoFit/>
+          </a:bodyPr>
+          <a:lstStyle/>
+          <a:p>
+            <a:r>
+              <a:rPr lang="en-US" b="1" dirty="0">
+                <a:solidFill>
+                  <a:schemeClr val="bg1"/>
+                </a:solidFill>
+              </a:rPr>
+              <a:t> @</a:t>
+            </a:r>
+            <a:r>
+              <a:rPr lang="en-US" b="1" dirty="0" err="1">
+                <a:solidFill>
+                  <a:schemeClr val="bg1"/>
+                </a:solidFill>
+              </a:rPr>
+              <a:t>BeforeAll</a:t>
+            </a:r>
+            <a:endParaRPr lang="en-US" b="1" dirty="0">
+              <a:solidFill>
+                <a:schemeClr val="bg1"/>
+              </a:solidFill>
+            </a:endParaRPr>
+          </a:p>
+          <a:p>
+            <a:r>
+              <a:rPr lang="en-US" b="1" dirty="0">
+                <a:solidFill>
+                  <a:schemeClr val="bg1"/>
+                </a:solidFill>
+              </a:rPr>
+              <a:t>	method should be executed before all @Test, @</a:t>
+            </a:r>
+            <a:r>
+              <a:rPr lang="en-US" b="1" dirty="0" err="1">
+                <a:solidFill>
+                  <a:schemeClr val="bg1"/>
+                </a:solidFill>
+              </a:rPr>
+              <a:t>RepeatedTest</a:t>
+            </a:r>
+            <a:r>
+              <a:rPr lang="en-US" b="1" dirty="0">
+                <a:solidFill>
+                  <a:schemeClr val="bg1"/>
+                </a:solidFill>
+              </a:rPr>
+              <a:t>, @</a:t>
+            </a:r>
+            <a:r>
+              <a:rPr lang="en-US" b="1" dirty="0" err="1">
+                <a:solidFill>
+                  <a:schemeClr val="bg1"/>
+                </a:solidFill>
+              </a:rPr>
+              <a:t>ParameterizedTest</a:t>
+            </a:r>
+            <a:r>
+              <a:rPr lang="en-US" b="1" dirty="0">
+                <a:solidFill>
+                  <a:schemeClr val="bg1"/>
+                </a:solidFill>
+              </a:rPr>
+              <a:t>, and 	@</a:t>
+            </a:r>
+            <a:r>
+              <a:rPr lang="en-US" b="1" dirty="0" err="1">
+                <a:solidFill>
+                  <a:schemeClr val="bg1"/>
+                </a:solidFill>
+              </a:rPr>
+              <a:t>TestFactory</a:t>
+            </a:r>
+            <a:r>
+              <a:rPr lang="en-US" b="1" dirty="0">
+                <a:solidFill>
+                  <a:schemeClr val="bg1"/>
+                </a:solidFill>
+              </a:rPr>
+              <a:t> methods</a:t>
+            </a:r>
+          </a:p>
+          <a:p>
+            <a:r>
+              <a:rPr lang="en-US" b="1" dirty="0">
+                <a:solidFill>
+                  <a:schemeClr val="bg1"/>
+                </a:solidFill>
+              </a:rPr>
+              <a:t>	Similar to @</a:t>
+            </a:r>
+            <a:r>
+              <a:rPr lang="en-US" b="1" dirty="0" err="1">
+                <a:solidFill>
+                  <a:schemeClr val="bg1"/>
+                </a:solidFill>
+              </a:rPr>
+              <a:t>BeforeClass</a:t>
+            </a:r>
+            <a:r>
+              <a:rPr lang="en-US" b="1" dirty="0">
+                <a:solidFill>
+                  <a:schemeClr val="bg1"/>
+                </a:solidFill>
+              </a:rPr>
+              <a:t> in junit4</a:t>
+            </a:r>
+          </a:p>
+          <a:p>
+            <a:r>
+              <a:rPr lang="en-US" b="1" dirty="0">
+                <a:solidFill>
+                  <a:schemeClr val="bg1"/>
+                </a:solidFill>
+              </a:rPr>
+              <a:t>@</a:t>
+            </a:r>
+            <a:r>
+              <a:rPr lang="en-US" b="1" dirty="0" err="1">
+                <a:solidFill>
+                  <a:schemeClr val="bg1"/>
+                </a:solidFill>
+              </a:rPr>
+              <a:t>AfterAll</a:t>
+            </a:r>
+            <a:endParaRPr lang="en-US" b="1" dirty="0">
+              <a:solidFill>
+                <a:schemeClr val="bg1"/>
+              </a:solidFill>
+            </a:endParaRPr>
+          </a:p>
+          <a:p>
+            <a:r>
+              <a:rPr lang="en-US" b="1" dirty="0">
+                <a:solidFill>
+                  <a:schemeClr val="bg1"/>
+                </a:solidFill>
+              </a:rPr>
+              <a:t>	method should be executed after all @Test, @</a:t>
+            </a:r>
+            <a:r>
+              <a:rPr lang="en-US" b="1" dirty="0" err="1">
+                <a:solidFill>
+                  <a:schemeClr val="bg1"/>
+                </a:solidFill>
+              </a:rPr>
+              <a:t>RepeatedTest</a:t>
+            </a:r>
+            <a:r>
+              <a:rPr lang="en-US" b="1" dirty="0">
+                <a:solidFill>
+                  <a:schemeClr val="bg1"/>
+                </a:solidFill>
+              </a:rPr>
+              <a:t>, @</a:t>
+            </a:r>
+            <a:r>
+              <a:rPr lang="en-US" b="1" dirty="0" err="1">
+                <a:solidFill>
+                  <a:schemeClr val="bg1"/>
+                </a:solidFill>
+              </a:rPr>
+              <a:t>ParameterizedTest</a:t>
+            </a:r>
+            <a:r>
+              <a:rPr lang="en-US" b="1" dirty="0">
+                <a:solidFill>
+                  <a:schemeClr val="bg1"/>
+                </a:solidFill>
+              </a:rPr>
+              <a:t>, and 	@</a:t>
+            </a:r>
+            <a:r>
+              <a:rPr lang="en-US" b="1" dirty="0" err="1">
+                <a:solidFill>
+                  <a:schemeClr val="bg1"/>
+                </a:solidFill>
+              </a:rPr>
+              <a:t>TestFactory</a:t>
+            </a:r>
+            <a:r>
+              <a:rPr lang="en-US" b="1" dirty="0">
+                <a:solidFill>
+                  <a:schemeClr val="bg1"/>
+                </a:solidFill>
+              </a:rPr>
+              <a:t> methods</a:t>
+            </a:r>
+          </a:p>
+          <a:p>
+            <a:r>
+              <a:rPr lang="en-US" b="1" dirty="0">
+                <a:solidFill>
+                  <a:schemeClr val="bg1"/>
+                </a:solidFill>
+              </a:rPr>
+              <a:t>	Similar to @</a:t>
+            </a:r>
+            <a:r>
+              <a:rPr lang="en-US" b="1" dirty="0" err="1">
+                <a:solidFill>
+                  <a:schemeClr val="bg1"/>
+                </a:solidFill>
+              </a:rPr>
+              <a:t>AfterClass</a:t>
+            </a:r>
+            <a:r>
+              <a:rPr lang="en-US" b="1" dirty="0">
+                <a:solidFill>
+                  <a:schemeClr val="bg1"/>
+                </a:solidFill>
+              </a:rPr>
+              <a:t> in junit4</a:t>
+            </a:r>
+          </a:p>
+          <a:p>
+            <a:r>
+              <a:rPr lang="en-US" b="1" dirty="0">
+                <a:solidFill>
+                  <a:schemeClr val="bg1"/>
+                </a:solidFill>
+              </a:rPr>
+              <a:t>@Tag</a:t>
+            </a:r>
+          </a:p>
+          <a:p>
+            <a:r>
+              <a:rPr lang="en-US" b="1" dirty="0">
+                <a:solidFill>
+                  <a:schemeClr val="bg1"/>
+                </a:solidFill>
+              </a:rPr>
+              <a:t>		Define key value pair tags.</a:t>
+            </a:r>
+          </a:p>
+          <a:p>
+            <a:r>
+              <a:rPr lang="en-US" b="1" dirty="0">
+                <a:solidFill>
+                  <a:schemeClr val="bg1"/>
+                </a:solidFill>
+              </a:rPr>
+              <a:t>		Can be used to filter and run specific set of test cases.</a:t>
             </a:r>
             <a:endParaRPr lang="en-US" dirty="0">
               <a:solidFill>
@@ -7605,12 +8232,470 @@
               </a:solidFill>
             </a:endParaRPr>
           </a:p>
+          <a:p>
+            <a:endParaRPr lang="en-US" dirty="0">
+              <a:solidFill>
+                <a:schemeClr val="bg1"/>
+              </a:solidFill>
+            </a:endParaRPr>
+          </a:p>
+          <a:p>
+            <a:r>
+              <a:rPr lang="en-US" b="1" dirty="0">
+                <a:solidFill>
+                  <a:schemeClr val="bg1"/>
+                </a:solidFill>
+              </a:rPr>
+              <a:t>Documentation: </a:t>
+            </a:r>
+            <a:r>
+              <a:rPr lang="en-IN" b="1" dirty="0">
+                <a:hlinkClick r:id="rId2"/>
+              </a:rPr>
+              <a:t>https://junit.org/junit5/docs/current/user-guide/</a:t>
+            </a:r>
+            <a:endParaRPr lang="en-US" b="1" dirty="0">
+              <a:solidFill>
+                <a:schemeClr val="bg1"/>
+              </a:solidFill>
+            </a:endParaRPr>
+          </a:p>
         </p:txBody>
       </p:sp>
     </p:spTree>
     <p:extLst>
       <p:ext uri="{BB962C8B-B14F-4D97-AF65-F5344CB8AC3E}">
-        <p14:creationId xmlns:p14="http://schemas.microsoft.com/office/powerpoint/2010/main" val="1206675036"/>
+        <p14:creationId xmlns:p14="http://schemas.microsoft.com/office/powerpoint/2010/main" val="1047659052"/>
+      </p:ext>
+    </p:extLst>
+  </p:cSld>
+  <p:clrMapOvr>
+    <a:masterClrMapping/>
+  </p:clrMapOvr>
+</p:sld>
+</file>
+
+<file path=ppt/slides/slide27.xml><?xml version="1.0" encoding="utf-8"?>
+<p:sld xmlns:a="http://schemas.openxmlformats.org/drawingml/2006/main" xmlns:r="http://schemas.openxmlformats.org/officeDocument/2006/relationships" xmlns:p="http://schemas.openxmlformats.org/presentationml/2006/main">
+  <p:cSld>
+    <p:bg>
+      <p:bgPr>
+        <a:solidFill>
+          <a:schemeClr val="tx2">
+            <a:lumMod val="60000"/>
+            <a:lumOff val="40000"/>
+          </a:schemeClr>
+        </a:solidFill>
+        <a:effectLst/>
+      </p:bgPr>
+    </p:bg>
+    <p:spTree>
+      <p:nvGrpSpPr>
+        <p:cNvPr id="1" name=""/>
+        <p:cNvGrpSpPr/>
+        <p:nvPr/>
+      </p:nvGrpSpPr>
+      <p:grpSpPr>
+        <a:xfrm>
+          <a:off x="0" y="0"/>
+          <a:ext cx="0" cy="0"/>
+          <a:chOff x="0" y="0"/>
+          <a:chExt cx="0" cy="0"/>
+        </a:xfrm>
+      </p:grpSpPr>
+      <p:sp>
+        <p:nvSpPr>
+          <p:cNvPr id="2" name="Title 1">
+            <a:extLst>
+              <a:ext uri="{FF2B5EF4-FFF2-40B4-BE49-F238E27FC236}">
+                <a16:creationId xmlns:a16="http://schemas.microsoft.com/office/drawing/2014/main" id="{51F2C05B-3556-493B-855C-1F19ADDBAF69}"/>
+              </a:ext>
+            </a:extLst>
+          </p:cNvPr>
+          <p:cNvSpPr>
+            <a:spLocks noGrp="1"/>
+          </p:cNvSpPr>
+          <p:nvPr>
+            <p:ph type="title"/>
+          </p:nvPr>
+        </p:nvSpPr>
+        <p:spPr>
+          <a:xfrm>
+            <a:off x="838200" y="365125"/>
+            <a:ext cx="11099104" cy="1325563"/>
+          </a:xfrm>
+        </p:spPr>
+        <p:txBody>
+          <a:bodyPr/>
+          <a:lstStyle/>
+          <a:p>
+            <a:r>
+              <a:rPr lang="en-US" b="1" dirty="0">
+                <a:solidFill>
+                  <a:schemeClr val="bg1"/>
+                </a:solidFill>
+              </a:rPr>
+              <a:t>Implement an Integration Test</a:t>
+            </a:r>
+          </a:p>
+        </p:txBody>
+      </p:sp>
+      <p:sp>
+        <p:nvSpPr>
+          <p:cNvPr id="4" name="TextBox 3">
+            <a:extLst>
+              <a:ext uri="{FF2B5EF4-FFF2-40B4-BE49-F238E27FC236}">
+                <a16:creationId xmlns:a16="http://schemas.microsoft.com/office/drawing/2014/main" id="{A32609F5-383A-417E-B9B0-CE955463E2E4}"/>
+              </a:ext>
+            </a:extLst>
+          </p:cNvPr>
+          <p:cNvSpPr txBox="1"/>
+          <p:nvPr/>
+        </p:nvSpPr>
+        <p:spPr>
+          <a:xfrm>
+            <a:off x="838200" y="1779687"/>
+            <a:ext cx="10515600" cy="646331"/>
+          </a:xfrm>
+          <a:prstGeom prst="rect">
+            <a:avLst/>
+          </a:prstGeom>
+          <a:noFill/>
+        </p:spPr>
+        <p:txBody>
+          <a:bodyPr wrap="square" rtlCol="0">
+            <a:spAutoFit/>
+          </a:bodyPr>
+          <a:lstStyle/>
+          <a:p>
+            <a:r>
+              <a:rPr lang="en-US" b="1" dirty="0">
+                <a:solidFill>
+                  <a:schemeClr val="bg1"/>
+                </a:solidFill>
+              </a:rPr>
+              <a:t>training\day3\Testing\InstrcutionsForTesting.txt</a:t>
+            </a:r>
+          </a:p>
+          <a:p>
+            <a:endParaRPr lang="en-US" dirty="0">
+              <a:solidFill>
+                <a:schemeClr val="bg1"/>
+              </a:solidFill>
+            </a:endParaRPr>
+          </a:p>
+        </p:txBody>
+      </p:sp>
+    </p:spTree>
+    <p:extLst>
+      <p:ext uri="{BB962C8B-B14F-4D97-AF65-F5344CB8AC3E}">
+        <p14:creationId xmlns:p14="http://schemas.microsoft.com/office/powerpoint/2010/main" val="2145521508"/>
+      </p:ext>
+    </p:extLst>
+  </p:cSld>
+  <p:clrMapOvr>
+    <a:masterClrMapping/>
+  </p:clrMapOvr>
+</p:sld>
+</file>
+
+<file path=ppt/slides/slide28.xml><?xml version="1.0" encoding="utf-8"?>
+<p:sld xmlns:a="http://schemas.openxmlformats.org/drawingml/2006/main" xmlns:r="http://schemas.openxmlformats.org/officeDocument/2006/relationships" xmlns:p="http://schemas.openxmlformats.org/presentationml/2006/main">
+  <p:cSld>
+    <p:bg>
+      <p:bgPr>
+        <a:solidFill>
+          <a:schemeClr val="tx2">
+            <a:lumMod val="60000"/>
+            <a:lumOff val="40000"/>
+          </a:schemeClr>
+        </a:solidFill>
+        <a:effectLst/>
+      </p:bgPr>
+    </p:bg>
+    <p:spTree>
+      <p:nvGrpSpPr>
+        <p:cNvPr id="1" name=""/>
+        <p:cNvGrpSpPr/>
+        <p:nvPr/>
+      </p:nvGrpSpPr>
+      <p:grpSpPr>
+        <a:xfrm>
+          <a:off x="0" y="0"/>
+          <a:ext cx="0" cy="0"/>
+          <a:chOff x="0" y="0"/>
+          <a:chExt cx="0" cy="0"/>
+        </a:xfrm>
+      </p:grpSpPr>
+      <p:sp>
+        <p:nvSpPr>
+          <p:cNvPr id="2" name="Title 1">
+            <a:extLst>
+              <a:ext uri="{FF2B5EF4-FFF2-40B4-BE49-F238E27FC236}">
+                <a16:creationId xmlns:a16="http://schemas.microsoft.com/office/drawing/2014/main" id="{51F2C05B-3556-493B-855C-1F19ADDBAF69}"/>
+              </a:ext>
+            </a:extLst>
+          </p:cNvPr>
+          <p:cNvSpPr>
+            <a:spLocks noGrp="1"/>
+          </p:cNvSpPr>
+          <p:nvPr>
+            <p:ph type="title"/>
+          </p:nvPr>
+        </p:nvSpPr>
+        <p:spPr>
+          <a:xfrm>
+            <a:off x="838200" y="365125"/>
+            <a:ext cx="11099104" cy="1325563"/>
+          </a:xfrm>
+        </p:spPr>
+        <p:txBody>
+          <a:bodyPr/>
+          <a:lstStyle/>
+          <a:p>
+            <a:r>
+              <a:rPr lang="en-US" b="1" dirty="0">
+                <a:solidFill>
+                  <a:schemeClr val="bg1"/>
+                </a:solidFill>
+              </a:rPr>
+              <a:t>API Gateway</a:t>
+            </a:r>
+          </a:p>
+        </p:txBody>
+      </p:sp>
+      <p:sp>
+        <p:nvSpPr>
+          <p:cNvPr id="4" name="TextBox 3">
+            <a:extLst>
+              <a:ext uri="{FF2B5EF4-FFF2-40B4-BE49-F238E27FC236}">
+                <a16:creationId xmlns:a16="http://schemas.microsoft.com/office/drawing/2014/main" id="{A32609F5-383A-417E-B9B0-CE955463E2E4}"/>
+              </a:ext>
+            </a:extLst>
+          </p:cNvPr>
+          <p:cNvSpPr txBox="1"/>
+          <p:nvPr/>
+        </p:nvSpPr>
+        <p:spPr>
+          <a:xfrm>
+            <a:off x="838200" y="1779687"/>
+            <a:ext cx="10515600" cy="646331"/>
+          </a:xfrm>
+          <a:prstGeom prst="rect">
+            <a:avLst/>
+          </a:prstGeom>
+          <a:noFill/>
+        </p:spPr>
+        <p:txBody>
+          <a:bodyPr wrap="square" rtlCol="0">
+            <a:spAutoFit/>
+          </a:bodyPr>
+          <a:lstStyle/>
+          <a:p>
+            <a:r>
+              <a:rPr lang="en-US" b="1" dirty="0">
+                <a:solidFill>
+                  <a:schemeClr val="bg1"/>
+                </a:solidFill>
+              </a:rPr>
+              <a:t> </a:t>
+            </a:r>
+            <a:r>
+              <a:rPr lang="en-US" b="1" dirty="0" err="1">
+                <a:solidFill>
+                  <a:schemeClr val="bg1"/>
+                </a:solidFill>
+              </a:rPr>
+              <a:t>asd</a:t>
+            </a:r>
+            <a:endParaRPr lang="en-US" b="1" dirty="0">
+              <a:solidFill>
+                <a:schemeClr val="bg1"/>
+              </a:solidFill>
+            </a:endParaRPr>
+          </a:p>
+          <a:p>
+            <a:endParaRPr lang="en-US" dirty="0">
+              <a:solidFill>
+                <a:schemeClr val="bg1"/>
+              </a:solidFill>
+            </a:endParaRPr>
+          </a:p>
+        </p:txBody>
+      </p:sp>
+    </p:spTree>
+    <p:extLst>
+      <p:ext uri="{BB962C8B-B14F-4D97-AF65-F5344CB8AC3E}">
+        <p14:creationId xmlns:p14="http://schemas.microsoft.com/office/powerpoint/2010/main" val="389176938"/>
+      </p:ext>
+    </p:extLst>
+  </p:cSld>
+  <p:clrMapOvr>
+    <a:masterClrMapping/>
+  </p:clrMapOvr>
+</p:sld>
+</file>
+
+<file path=ppt/slides/slide29.xml><?xml version="1.0" encoding="utf-8"?>
+<p:sld xmlns:a="http://schemas.openxmlformats.org/drawingml/2006/main" xmlns:r="http://schemas.openxmlformats.org/officeDocument/2006/relationships" xmlns:p="http://schemas.openxmlformats.org/presentationml/2006/main">
+  <p:cSld>
+    <p:bg>
+      <p:bgPr>
+        <a:solidFill>
+          <a:schemeClr val="tx2">
+            <a:lumMod val="60000"/>
+            <a:lumOff val="40000"/>
+          </a:schemeClr>
+        </a:solidFill>
+        <a:effectLst/>
+      </p:bgPr>
+    </p:bg>
+    <p:spTree>
+      <p:nvGrpSpPr>
+        <p:cNvPr id="1" name=""/>
+        <p:cNvGrpSpPr/>
+        <p:nvPr/>
+      </p:nvGrpSpPr>
+      <p:grpSpPr>
+        <a:xfrm>
+          <a:off x="0" y="0"/>
+          <a:ext cx="0" cy="0"/>
+          <a:chOff x="0" y="0"/>
+          <a:chExt cx="0" cy="0"/>
+        </a:xfrm>
+      </p:grpSpPr>
+      <p:sp>
+        <p:nvSpPr>
+          <p:cNvPr id="2" name="Title 1">
+            <a:extLst>
+              <a:ext uri="{FF2B5EF4-FFF2-40B4-BE49-F238E27FC236}">
+                <a16:creationId xmlns:a16="http://schemas.microsoft.com/office/drawing/2014/main" id="{51F2C05B-3556-493B-855C-1F19ADDBAF69}"/>
+              </a:ext>
+            </a:extLst>
+          </p:cNvPr>
+          <p:cNvSpPr>
+            <a:spLocks noGrp="1"/>
+          </p:cNvSpPr>
+          <p:nvPr>
+            <p:ph type="title"/>
+          </p:nvPr>
+        </p:nvSpPr>
+        <p:spPr>
+          <a:xfrm>
+            <a:off x="838200" y="365125"/>
+            <a:ext cx="11099104" cy="1325563"/>
+          </a:xfrm>
+        </p:spPr>
+        <p:txBody>
+          <a:bodyPr/>
+          <a:lstStyle/>
+          <a:p>
+            <a:r>
+              <a:rPr lang="en-US" b="1" dirty="0">
+                <a:solidFill>
+                  <a:schemeClr val="bg1"/>
+                </a:solidFill>
+              </a:rPr>
+              <a:t>API Gateway</a:t>
+            </a:r>
+          </a:p>
+        </p:txBody>
+      </p:sp>
+      <p:sp>
+        <p:nvSpPr>
+          <p:cNvPr id="4" name="TextBox 3">
+            <a:extLst>
+              <a:ext uri="{FF2B5EF4-FFF2-40B4-BE49-F238E27FC236}">
+                <a16:creationId xmlns:a16="http://schemas.microsoft.com/office/drawing/2014/main" id="{A32609F5-383A-417E-B9B0-CE955463E2E4}"/>
+              </a:ext>
+            </a:extLst>
+          </p:cNvPr>
+          <p:cNvSpPr txBox="1"/>
+          <p:nvPr/>
+        </p:nvSpPr>
+        <p:spPr>
+          <a:xfrm>
+            <a:off x="838199" y="1779687"/>
+            <a:ext cx="11954993" cy="369332"/>
+          </a:xfrm>
+          <a:prstGeom prst="rect">
+            <a:avLst/>
+          </a:prstGeom>
+          <a:noFill/>
+        </p:spPr>
+        <p:txBody>
+          <a:bodyPr wrap="square" rtlCol="0">
+            <a:spAutoFit/>
+          </a:bodyPr>
+          <a:lstStyle/>
+          <a:p>
+            <a:r>
+              <a:rPr lang="en-US" b="1" dirty="0">
+                <a:solidFill>
+                  <a:schemeClr val="bg1"/>
+                </a:solidFill>
+              </a:rPr>
+              <a:t> </a:t>
+            </a:r>
+            <a:endParaRPr lang="en-US" dirty="0">
+              <a:solidFill>
+                <a:schemeClr val="bg1"/>
+              </a:solidFill>
+            </a:endParaRPr>
+          </a:p>
+        </p:txBody>
+      </p:sp>
+      <p:pic>
+        <p:nvPicPr>
+          <p:cNvPr id="1026" name="Picture 2">
+            <a:extLst>
+              <a:ext uri="{FF2B5EF4-FFF2-40B4-BE49-F238E27FC236}">
+                <a16:creationId xmlns:a16="http://schemas.microsoft.com/office/drawing/2014/main" id="{38C130D5-96AB-40A1-8378-62EB6498BFA8}"/>
+              </a:ext>
+            </a:extLst>
+          </p:cNvPr>
+          <p:cNvPicPr>
+            <a:picLocks noChangeAspect="1" noChangeArrowheads="1"/>
+          </p:cNvPicPr>
+          <p:nvPr/>
+        </p:nvPicPr>
+        <p:blipFill>
+          <a:blip r:embed="rId2">
+            <a:extLst>
+              <a:ext uri="{28A0092B-C50C-407E-A947-70E740481C1C}">
+                <a14:useLocalDpi xmlns:a14="http://schemas.microsoft.com/office/drawing/2010/main" val="0"/>
+              </a:ext>
+            </a:extLst>
+          </a:blip>
+          <a:srcRect/>
+          <a:stretch>
+            <a:fillRect/>
+          </a:stretch>
+        </p:blipFill>
+        <p:spPr bwMode="auto">
+          <a:xfrm>
+            <a:off x="838199" y="1690688"/>
+            <a:ext cx="10646230" cy="4514169"/>
+          </a:xfrm>
+          <a:prstGeom prst="rect">
+            <a:avLst/>
+          </a:prstGeom>
+          <a:noFill/>
+          <a:extLst>
+            <a:ext uri="{909E8E84-426E-40DD-AFC4-6F175D3DCCD1}">
+              <a14:hiddenFill xmlns:a14="http://schemas.microsoft.com/office/drawing/2010/main">
+                <a:solidFill>
+                  <a:srgbClr val="FFFFFF"/>
+                </a:solidFill>
+              </a14:hiddenFill>
+            </a:ext>
+          </a:extLst>
+        </p:spPr>
+      </p:pic>
+    </p:spTree>
+    <p:extLst>
+      <p:ext uri="{BB962C8B-B14F-4D97-AF65-F5344CB8AC3E}">
+        <p14:creationId xmlns:p14="http://schemas.microsoft.com/office/powerpoint/2010/main" val="351667473"/>
       </p:ext>
     </p:extLst>
   </p:cSld>
@@ -7758,6 +8843,250 @@
     <p:extLst>
       <p:ext uri="{BB962C8B-B14F-4D97-AF65-F5344CB8AC3E}">
         <p14:creationId xmlns:p14="http://schemas.microsoft.com/office/powerpoint/2010/main" val="550935055"/>
+      </p:ext>
+    </p:extLst>
+  </p:cSld>
+  <p:clrMapOvr>
+    <a:masterClrMapping/>
+  </p:clrMapOvr>
+</p:sld>
+</file>
+
+<file path=ppt/slides/slide30.xml><?xml version="1.0" encoding="utf-8"?>
+<p:sld xmlns:a="http://schemas.openxmlformats.org/drawingml/2006/main" xmlns:r="http://schemas.openxmlformats.org/officeDocument/2006/relationships" xmlns:p="http://schemas.openxmlformats.org/presentationml/2006/main">
+  <p:cSld>
+    <p:bg>
+      <p:bgPr>
+        <a:solidFill>
+          <a:schemeClr val="tx2">
+            <a:lumMod val="60000"/>
+            <a:lumOff val="40000"/>
+          </a:schemeClr>
+        </a:solidFill>
+        <a:effectLst/>
+      </p:bgPr>
+    </p:bg>
+    <p:spTree>
+      <p:nvGrpSpPr>
+        <p:cNvPr id="1" name=""/>
+        <p:cNvGrpSpPr/>
+        <p:nvPr/>
+      </p:nvGrpSpPr>
+      <p:grpSpPr>
+        <a:xfrm>
+          <a:off x="0" y="0"/>
+          <a:ext cx="0" cy="0"/>
+          <a:chOff x="0" y="0"/>
+          <a:chExt cx="0" cy="0"/>
+        </a:xfrm>
+      </p:grpSpPr>
+      <p:sp>
+        <p:nvSpPr>
+          <p:cNvPr id="2" name="Title 1">
+            <a:extLst>
+              <a:ext uri="{FF2B5EF4-FFF2-40B4-BE49-F238E27FC236}">
+                <a16:creationId xmlns:a16="http://schemas.microsoft.com/office/drawing/2014/main" id="{51F2C05B-3556-493B-855C-1F19ADDBAF69}"/>
+              </a:ext>
+            </a:extLst>
+          </p:cNvPr>
+          <p:cNvSpPr>
+            <a:spLocks noGrp="1"/>
+          </p:cNvSpPr>
+          <p:nvPr>
+            <p:ph type="title"/>
+          </p:nvPr>
+        </p:nvSpPr>
+        <p:spPr>
+          <a:xfrm>
+            <a:off x="838200" y="365125"/>
+            <a:ext cx="11099104" cy="1325563"/>
+          </a:xfrm>
+        </p:spPr>
+        <p:txBody>
+          <a:bodyPr/>
+          <a:lstStyle/>
+          <a:p>
+            <a:r>
+              <a:rPr lang="en-US" b="1" dirty="0">
+                <a:solidFill>
+                  <a:schemeClr val="bg1"/>
+                </a:solidFill>
+              </a:rPr>
+              <a:t>Junit 5</a:t>
+            </a:r>
+          </a:p>
+        </p:txBody>
+      </p:sp>
+      <p:sp>
+        <p:nvSpPr>
+          <p:cNvPr id="4" name="TextBox 3">
+            <a:extLst>
+              <a:ext uri="{FF2B5EF4-FFF2-40B4-BE49-F238E27FC236}">
+                <a16:creationId xmlns:a16="http://schemas.microsoft.com/office/drawing/2014/main" id="{A32609F5-383A-417E-B9B0-CE955463E2E4}"/>
+              </a:ext>
+            </a:extLst>
+          </p:cNvPr>
+          <p:cNvSpPr txBox="1"/>
+          <p:nvPr/>
+        </p:nvSpPr>
+        <p:spPr>
+          <a:xfrm>
+            <a:off x="838200" y="1779687"/>
+            <a:ext cx="10515600" cy="369332"/>
+          </a:xfrm>
+          <a:prstGeom prst="rect">
+            <a:avLst/>
+          </a:prstGeom>
+          <a:noFill/>
+        </p:spPr>
+        <p:txBody>
+          <a:bodyPr wrap="square" rtlCol="0">
+            <a:spAutoFit/>
+          </a:bodyPr>
+          <a:lstStyle/>
+          <a:p>
+            <a:r>
+              <a:rPr lang="en-US" b="1" dirty="0">
+                <a:solidFill>
+                  <a:schemeClr val="bg1"/>
+                </a:solidFill>
+              </a:rPr>
+              <a:t> </a:t>
+            </a:r>
+            <a:endParaRPr lang="en-US" dirty="0">
+              <a:solidFill>
+                <a:schemeClr val="bg1"/>
+              </a:solidFill>
+            </a:endParaRPr>
+          </a:p>
+        </p:txBody>
+      </p:sp>
+    </p:spTree>
+    <p:extLst>
+      <p:ext uri="{BB962C8B-B14F-4D97-AF65-F5344CB8AC3E}">
+        <p14:creationId xmlns:p14="http://schemas.microsoft.com/office/powerpoint/2010/main" val="2186921650"/>
+      </p:ext>
+    </p:extLst>
+  </p:cSld>
+  <p:clrMapOvr>
+    <a:masterClrMapping/>
+  </p:clrMapOvr>
+</p:sld>
+</file>
+
+<file path=ppt/slides/slide31.xml><?xml version="1.0" encoding="utf-8"?>
+<p:sld xmlns:a="http://schemas.openxmlformats.org/drawingml/2006/main" xmlns:r="http://schemas.openxmlformats.org/officeDocument/2006/relationships" xmlns:p="http://schemas.openxmlformats.org/presentationml/2006/main">
+  <p:cSld>
+    <p:bg>
+      <p:bgPr>
+        <a:solidFill>
+          <a:schemeClr val="tx2">
+            <a:lumMod val="60000"/>
+            <a:lumOff val="40000"/>
+          </a:schemeClr>
+        </a:solidFill>
+        <a:effectLst/>
+      </p:bgPr>
+    </p:bg>
+    <p:spTree>
+      <p:nvGrpSpPr>
+        <p:cNvPr id="1" name=""/>
+        <p:cNvGrpSpPr/>
+        <p:nvPr/>
+      </p:nvGrpSpPr>
+      <p:grpSpPr>
+        <a:xfrm>
+          <a:off x="0" y="0"/>
+          <a:ext cx="0" cy="0"/>
+          <a:chOff x="0" y="0"/>
+          <a:chExt cx="0" cy="0"/>
+        </a:xfrm>
+      </p:grpSpPr>
+      <p:sp>
+        <p:nvSpPr>
+          <p:cNvPr id="2" name="Title 1">
+            <a:extLst>
+              <a:ext uri="{FF2B5EF4-FFF2-40B4-BE49-F238E27FC236}">
+                <a16:creationId xmlns:a16="http://schemas.microsoft.com/office/drawing/2014/main" id="{51F2C05B-3556-493B-855C-1F19ADDBAF69}"/>
+              </a:ext>
+            </a:extLst>
+          </p:cNvPr>
+          <p:cNvSpPr>
+            <a:spLocks noGrp="1"/>
+          </p:cNvSpPr>
+          <p:nvPr>
+            <p:ph type="title"/>
+          </p:nvPr>
+        </p:nvSpPr>
+        <p:spPr>
+          <a:xfrm>
+            <a:off x="838200" y="365125"/>
+            <a:ext cx="11099104" cy="1325563"/>
+          </a:xfrm>
+        </p:spPr>
+        <p:txBody>
+          <a:bodyPr/>
+          <a:lstStyle/>
+          <a:p>
+            <a:r>
+              <a:rPr lang="en-US" b="1" dirty="0">
+                <a:solidFill>
+                  <a:schemeClr val="bg1"/>
+                </a:solidFill>
+              </a:rPr>
+              <a:t>Junit 5</a:t>
+            </a:r>
+          </a:p>
+        </p:txBody>
+      </p:sp>
+      <p:sp>
+        <p:nvSpPr>
+          <p:cNvPr id="4" name="TextBox 3">
+            <a:extLst>
+              <a:ext uri="{FF2B5EF4-FFF2-40B4-BE49-F238E27FC236}">
+                <a16:creationId xmlns:a16="http://schemas.microsoft.com/office/drawing/2014/main" id="{A32609F5-383A-417E-B9B0-CE955463E2E4}"/>
+              </a:ext>
+            </a:extLst>
+          </p:cNvPr>
+          <p:cNvSpPr txBox="1"/>
+          <p:nvPr/>
+        </p:nvSpPr>
+        <p:spPr>
+          <a:xfrm>
+            <a:off x="838200" y="1779687"/>
+            <a:ext cx="10515600" cy="369332"/>
+          </a:xfrm>
+          <a:prstGeom prst="rect">
+            <a:avLst/>
+          </a:prstGeom>
+          <a:noFill/>
+        </p:spPr>
+        <p:txBody>
+          <a:bodyPr wrap="square" rtlCol="0">
+            <a:spAutoFit/>
+          </a:bodyPr>
+          <a:lstStyle/>
+          <a:p>
+            <a:r>
+              <a:rPr lang="en-US" b="1" dirty="0">
+                <a:solidFill>
+                  <a:schemeClr val="bg1"/>
+                </a:solidFill>
+              </a:rPr>
+              <a:t> </a:t>
+            </a:r>
+            <a:endParaRPr lang="en-US" dirty="0">
+              <a:solidFill>
+                <a:schemeClr val="bg1"/>
+              </a:solidFill>
+            </a:endParaRPr>
+          </a:p>
+        </p:txBody>
+      </p:sp>
+    </p:spTree>
+    <p:extLst>
+      <p:ext uri="{BB962C8B-B14F-4D97-AF65-F5344CB8AC3E}">
+        <p14:creationId xmlns:p14="http://schemas.microsoft.com/office/powerpoint/2010/main" val="91501442"/>
       </p:ext>
     </p:extLst>
   </p:cSld>
@@ -8522,12 +9851,12 @@
           <a:lstStyle/>
           <a:p>
             <a:r>
-              <a:rPr lang="en-US" b="1" dirty="0" err="1">
-                <a:solidFill>
-                  <a:schemeClr val="bg1"/>
-                </a:solidFill>
-              </a:rPr>
-              <a:t>asd</a:t>
+              <a:rPr lang="en-US" b="1" dirty="0">
+                <a:solidFill>
+                  <a:schemeClr val="bg1"/>
+                </a:solidFill>
+              </a:rPr>
+              <a:t> </a:t>
             </a:r>
             <a:endParaRPr lang="en-US" dirty="0">
               <a:solidFill>

--- a/training/day3/Day3.pptx
+++ b/training/day3/Day3.pptx
@@ -5,7 +5,7 @@
     <p:sldMasterId id="2147483648" r:id="rId1"/>
   </p:sldMasterIdLst>
   <p:notesMasterIdLst>
-    <p:notesMasterId r:id="rId33"/>
+    <p:notesMasterId r:id="rId47"/>
   </p:notesMasterIdLst>
   <p:sldIdLst>
     <p:sldId id="414" r:id="rId2"/>
@@ -39,6 +39,20 @@
     <p:sldId id="459" r:id="rId30"/>
     <p:sldId id="460" r:id="rId31"/>
     <p:sldId id="461" r:id="rId32"/>
+    <p:sldId id="462" r:id="rId33"/>
+    <p:sldId id="463" r:id="rId34"/>
+    <p:sldId id="467" r:id="rId35"/>
+    <p:sldId id="464" r:id="rId36"/>
+    <p:sldId id="465" r:id="rId37"/>
+    <p:sldId id="466" r:id="rId38"/>
+    <p:sldId id="468" r:id="rId39"/>
+    <p:sldId id="470" r:id="rId40"/>
+    <p:sldId id="471" r:id="rId41"/>
+    <p:sldId id="472" r:id="rId42"/>
+    <p:sldId id="473" r:id="rId43"/>
+    <p:sldId id="474" r:id="rId44"/>
+    <p:sldId id="475" r:id="rId45"/>
+    <p:sldId id="476" r:id="rId46"/>
   </p:sldIdLst>
   <p:sldSz cx="12192000" cy="6858000"/>
   <p:notesSz cx="6858000" cy="9144000"/>
@@ -8459,8 +8473,21 @@
                   <a:schemeClr val="bg1"/>
                 </a:solidFill>
               </a:rPr>
-              <a:t>API Gateway</a:t>
-            </a:r>
+              <a:t>API Gateway - </a:t>
+            </a:r>
+            <a:r>
+              <a:rPr lang="en-US" b="1" dirty="0" err="1">
+                <a:solidFill>
+                  <a:schemeClr val="bg1"/>
+                </a:solidFill>
+              </a:rPr>
+              <a:t>Zuul</a:t>
+            </a:r>
+            <a:endParaRPr lang="en-US" b="1" dirty="0">
+              <a:solidFill>
+                <a:schemeClr val="bg1"/>
+              </a:solidFill>
+            </a:endParaRPr>
           </a:p>
         </p:txBody>
       </p:sp>
@@ -8479,7 +8506,7 @@
         <p:spPr>
           <a:xfrm>
             <a:off x="838200" y="1779687"/>
-            <a:ext cx="10515600" cy="646331"/>
+            <a:ext cx="10515600" cy="3693319"/>
           </a:xfrm>
           <a:prstGeom prst="rect">
             <a:avLst/>
@@ -8498,7 +8525,7 @@
                   <a:schemeClr val="bg1"/>
                 </a:solidFill>
               </a:rPr>
-              <a:t> </a:t>
+              <a:t> With Microservices we can soon end up with having </a:t>
             </a:r>
             <a:r>
               <a:rPr lang="en-US" b="1" dirty="0" err="1">
@@ -8506,13 +8533,190 @@
                   <a:schemeClr val="bg1"/>
                 </a:solidFill>
               </a:rPr>
-              <a:t>asd</a:t>
-            </a:r>
-            <a:endParaRPr lang="en-US" b="1" dirty="0">
-              <a:solidFill>
-                <a:schemeClr val="bg1"/>
-              </a:solidFill>
-            </a:endParaRPr>
+              <a:t>somany</a:t>
+            </a:r>
+            <a:r>
+              <a:rPr lang="en-US" b="1" dirty="0">
+                <a:solidFill>
+                  <a:schemeClr val="bg1"/>
+                </a:solidFill>
+              </a:rPr>
+              <a:t> different </a:t>
+            </a:r>
+            <a:r>
+              <a:rPr lang="en-US" b="1" dirty="0" err="1">
+                <a:solidFill>
+                  <a:schemeClr val="bg1"/>
+                </a:solidFill>
+              </a:rPr>
+              <a:t>url's</a:t>
+            </a:r>
+            <a:r>
+              <a:rPr lang="en-US" b="1" dirty="0">
+                <a:solidFill>
+                  <a:schemeClr val="bg1"/>
+                </a:solidFill>
+              </a:rPr>
+              <a:t> all pointing to different IP.</a:t>
+            </a:r>
+          </a:p>
+          <a:p>
+            <a:r>
+              <a:rPr lang="en-US" b="1" dirty="0">
+                <a:solidFill>
+                  <a:schemeClr val="bg1"/>
+                </a:solidFill>
+              </a:rPr>
+              <a:t>User's need not be aware of the internal architecture and microservices design </a:t>
+            </a:r>
+            <a:r>
+              <a:rPr lang="en-US" b="1" dirty="0" err="1">
+                <a:solidFill>
+                  <a:schemeClr val="bg1"/>
+                </a:solidFill>
+              </a:rPr>
+              <a:t>ect</a:t>
+            </a:r>
+            <a:r>
+              <a:rPr lang="en-US" b="1" dirty="0">
+                <a:solidFill>
+                  <a:schemeClr val="bg1"/>
+                </a:solidFill>
+              </a:rPr>
+              <a:t>.</a:t>
+            </a:r>
+          </a:p>
+          <a:p>
+            <a:r>
+              <a:rPr lang="en-US" b="1" dirty="0">
+                <a:solidFill>
+                  <a:schemeClr val="bg1"/>
+                </a:solidFill>
+              </a:rPr>
+              <a:t>Need to provide a unique gateway to the client applications of your system. </a:t>
+            </a:r>
+          </a:p>
+          <a:p>
+            <a:r>
+              <a:rPr lang="en-US" b="1" dirty="0">
+                <a:solidFill>
+                  <a:schemeClr val="bg1"/>
+                </a:solidFill>
+              </a:rPr>
+              <a:t>	</a:t>
+            </a:r>
+          </a:p>
+          <a:p>
+            <a:r>
+              <a:rPr lang="en-US" b="1" dirty="0">
+                <a:solidFill>
+                  <a:schemeClr val="bg1"/>
+                </a:solidFill>
+              </a:rPr>
+              <a:t>Open-sourced </a:t>
+            </a:r>
+            <a:r>
+              <a:rPr lang="en-US" b="1" dirty="0" err="1">
+                <a:solidFill>
+                  <a:schemeClr val="bg1"/>
+                </a:solidFill>
+              </a:rPr>
+              <a:t>Zuul</a:t>
+            </a:r>
+            <a:r>
+              <a:rPr lang="en-US" b="1" dirty="0">
+                <a:solidFill>
+                  <a:schemeClr val="bg1"/>
+                </a:solidFill>
+              </a:rPr>
+              <a:t> solves this.</a:t>
+            </a:r>
+          </a:p>
+          <a:p>
+            <a:r>
+              <a:rPr lang="en-US" b="1" dirty="0">
+                <a:solidFill>
+                  <a:schemeClr val="bg1"/>
+                </a:solidFill>
+              </a:rPr>
+              <a:t>	Edge service that proxies requests to multiple backing services. </a:t>
+            </a:r>
+          </a:p>
+          <a:p>
+            <a:r>
+              <a:rPr lang="en-US" b="1" dirty="0">
+                <a:solidFill>
+                  <a:schemeClr val="bg1"/>
+                </a:solidFill>
+              </a:rPr>
+              <a:t>	Provides a unified “front door” to your ecosystem hosted on different computers. </a:t>
+            </a:r>
+          </a:p>
+          <a:p>
+            <a:r>
+              <a:rPr lang="en-US" b="1" dirty="0">
+                <a:solidFill>
+                  <a:schemeClr val="bg1"/>
+                </a:solidFill>
+              </a:rPr>
+              <a:t>	Can execute various functions during the </a:t>
+            </a:r>
+            <a:r>
+              <a:rPr lang="en-US" b="1" dirty="0" err="1">
+                <a:solidFill>
+                  <a:schemeClr val="bg1"/>
+                </a:solidFill>
+              </a:rPr>
+              <a:t>followign</a:t>
+            </a:r>
+            <a:r>
+              <a:rPr lang="en-US" b="1" dirty="0">
+                <a:solidFill>
+                  <a:schemeClr val="bg1"/>
+                </a:solidFill>
+              </a:rPr>
+              <a:t> lifecycle</a:t>
+            </a:r>
+          </a:p>
+          <a:p>
+            <a:r>
+              <a:rPr lang="en-US" b="1" dirty="0">
+                <a:solidFill>
+                  <a:schemeClr val="bg1"/>
+                </a:solidFill>
+              </a:rPr>
+              <a:t>		- Before forwarding</a:t>
+            </a:r>
+          </a:p>
+          <a:p>
+            <a:r>
+              <a:rPr lang="en-US" b="1" dirty="0">
+                <a:solidFill>
+                  <a:schemeClr val="bg1"/>
+                </a:solidFill>
+              </a:rPr>
+              <a:t>		- While forwarding</a:t>
+            </a:r>
+          </a:p>
+          <a:p>
+            <a:r>
+              <a:rPr lang="en-US" b="1" dirty="0">
+                <a:solidFill>
+                  <a:schemeClr val="bg1"/>
+                </a:solidFill>
+              </a:rPr>
+              <a:t>		- After forwarding</a:t>
+            </a:r>
+          </a:p>
+          <a:p>
+            <a:r>
+              <a:rPr lang="en-US" b="1" dirty="0">
+                <a:solidFill>
+                  <a:schemeClr val="bg1"/>
+                </a:solidFill>
+              </a:rPr>
+              <a:t>		- In case of an error</a:t>
+            </a:r>
           </a:p>
           <a:p>
             <a:endParaRPr lang="en-US" dirty="0">
@@ -8912,8 +9116,21 @@
                   <a:schemeClr val="bg1"/>
                 </a:solidFill>
               </a:rPr>
-              <a:t>Junit 5</a:t>
-            </a:r>
+              <a:t>Advantages of </a:t>
+            </a:r>
+            <a:r>
+              <a:rPr lang="en-US" b="1" dirty="0" err="1">
+                <a:solidFill>
+                  <a:schemeClr val="bg1"/>
+                </a:solidFill>
+              </a:rPr>
+              <a:t>Zuul</a:t>
+            </a:r>
+            <a:endParaRPr lang="en-US" b="1" dirty="0">
+              <a:solidFill>
+                <a:schemeClr val="bg1"/>
+              </a:solidFill>
+            </a:endParaRPr>
           </a:p>
         </p:txBody>
       </p:sp>
@@ -8932,7 +9149,7 @@
         <p:spPr>
           <a:xfrm>
             <a:off x="838200" y="1779687"/>
-            <a:ext cx="10515600" cy="369332"/>
+            <a:ext cx="10515600" cy="3139321"/>
           </a:xfrm>
           <a:prstGeom prst="rect">
             <a:avLst/>
@@ -8951,7 +9168,123 @@
                   <a:schemeClr val="bg1"/>
                 </a:solidFill>
               </a:rPr>
-              <a:t> </a:t>
+              <a:t>Netflix Uses </a:t>
+            </a:r>
+            <a:r>
+              <a:rPr lang="en-US" b="1" dirty="0" err="1">
+                <a:solidFill>
+                  <a:schemeClr val="bg1"/>
+                </a:solidFill>
+              </a:rPr>
+              <a:t>Zuul</a:t>
+            </a:r>
+            <a:r>
+              <a:rPr lang="en-US" b="1" dirty="0">
+                <a:solidFill>
+                  <a:schemeClr val="bg1"/>
+                </a:solidFill>
+              </a:rPr>
+              <a:t> for the following</a:t>
+            </a:r>
+          </a:p>
+          <a:p>
+            <a:r>
+              <a:rPr lang="en-US" b="1" dirty="0">
+                <a:solidFill>
+                  <a:schemeClr val="bg1"/>
+                </a:solidFill>
+              </a:rPr>
+              <a:t>	Provide a unified entry point</a:t>
+            </a:r>
+          </a:p>
+          <a:p>
+            <a:r>
+              <a:rPr lang="en-US" b="1" dirty="0">
+                <a:solidFill>
+                  <a:schemeClr val="bg1"/>
+                </a:solidFill>
+              </a:rPr>
+              <a:t>	Apply microservice authentication and security </a:t>
+            </a:r>
+          </a:p>
+          <a:p>
+            <a:r>
+              <a:rPr lang="en-US" b="1" dirty="0">
+                <a:solidFill>
+                  <a:schemeClr val="bg1"/>
+                </a:solidFill>
+              </a:rPr>
+              <a:t>	Can implement a single unified monitoring.</a:t>
+            </a:r>
+          </a:p>
+          <a:p>
+            <a:r>
+              <a:rPr lang="en-US" b="1" dirty="0">
+                <a:solidFill>
+                  <a:schemeClr val="bg1"/>
+                </a:solidFill>
+              </a:rPr>
+              <a:t>	Implement Dynamic Routing can route requests to different backend clusters as needed.</a:t>
+            </a:r>
+          </a:p>
+          <a:p>
+            <a:r>
+              <a:rPr lang="en-US" b="1" dirty="0">
+                <a:solidFill>
+                  <a:schemeClr val="bg1"/>
+                </a:solidFill>
+              </a:rPr>
+              <a:t>	Do runtime stress testing by gradually increasing the traffic </a:t>
+            </a:r>
+          </a:p>
+          <a:p>
+            <a:r>
+              <a:rPr lang="en-US" b="1" dirty="0">
+                <a:solidFill>
+                  <a:schemeClr val="bg1"/>
+                </a:solidFill>
+              </a:rPr>
+              <a:t>	We can do dynamic load shedding </a:t>
+            </a:r>
+          </a:p>
+          <a:p>
+            <a:r>
+              <a:rPr lang="en-US" b="1" dirty="0">
+                <a:solidFill>
+                  <a:schemeClr val="bg1"/>
+                </a:solidFill>
+              </a:rPr>
+              <a:t>		e.g. dropping requests that go over the limit.</a:t>
+            </a:r>
+          </a:p>
+          <a:p>
+            <a:r>
+              <a:rPr lang="en-US" b="1" dirty="0">
+                <a:solidFill>
+                  <a:schemeClr val="bg1"/>
+                </a:solidFill>
+              </a:rPr>
+              <a:t>	Apply static response handling </a:t>
+            </a:r>
+          </a:p>
+          <a:p>
+            <a:r>
+              <a:rPr lang="en-US" b="1" dirty="0">
+                <a:solidFill>
+                  <a:schemeClr val="bg1"/>
+                </a:solidFill>
+              </a:rPr>
+              <a:t>		e.g. while upgrading the system.</a:t>
+            </a:r>
+          </a:p>
+          <a:p>
+            <a:r>
+              <a:rPr lang="en-US" b="1" dirty="0">
+                <a:solidFill>
+                  <a:schemeClr val="bg1"/>
+                </a:solidFill>
+              </a:rPr>
+              <a:t>	Can enable dynamic routing, monitoring, resiliency, and security. </a:t>
             </a:r>
             <a:endParaRPr lang="en-US" dirty="0">
               <a:solidFill>
@@ -9029,12 +9362,20 @@
           <a:lstStyle/>
           <a:p>
             <a:r>
-              <a:rPr lang="en-US" b="1" dirty="0">
-                <a:solidFill>
-                  <a:schemeClr val="bg1"/>
-                </a:solidFill>
-              </a:rPr>
-              <a:t>Junit 5</a:t>
+              <a:rPr lang="en-US" b="1" dirty="0" err="1">
+                <a:solidFill>
+                  <a:schemeClr val="bg1"/>
+                </a:solidFill>
+              </a:rPr>
+              <a:t>Zuul</a:t>
+            </a:r>
+            <a:r>
+              <a:rPr lang="en-US" b="1" dirty="0">
+                <a:solidFill>
+                  <a:schemeClr val="bg1"/>
+                </a:solidFill>
+              </a:rPr>
+              <a:t> - lab</a:t>
             </a:r>
           </a:p>
         </p:txBody>
@@ -9073,7 +9414,23 @@
                   <a:schemeClr val="bg1"/>
                 </a:solidFill>
               </a:rPr>
-              <a:t> </a:t>
+              <a:t> training\day3\</a:t>
+            </a:r>
+            <a:r>
+              <a:rPr lang="en-US" b="1" dirty="0" err="1">
+                <a:solidFill>
+                  <a:schemeClr val="bg1"/>
+                </a:solidFill>
+              </a:rPr>
+              <a:t>APIGateway</a:t>
+            </a:r>
+            <a:r>
+              <a:rPr lang="en-US" b="1" dirty="0">
+                <a:solidFill>
+                  <a:schemeClr val="bg1"/>
+                </a:solidFill>
+              </a:rPr>
+              <a:t>\InstructionsForAPIGateway.txt</a:t>
             </a:r>
             <a:endParaRPr lang="en-US" dirty="0">
               <a:solidFill>
@@ -9087,6 +9444,2132 @@
     <p:extLst>
       <p:ext uri="{BB962C8B-B14F-4D97-AF65-F5344CB8AC3E}">
         <p14:creationId xmlns:p14="http://schemas.microsoft.com/office/powerpoint/2010/main" val="91501442"/>
+      </p:ext>
+    </p:extLst>
+  </p:cSld>
+  <p:clrMapOvr>
+    <a:masterClrMapping/>
+  </p:clrMapOvr>
+</p:sld>
+</file>
+
+<file path=ppt/slides/slide32.xml><?xml version="1.0" encoding="utf-8"?>
+<p:sld xmlns:a="http://schemas.openxmlformats.org/drawingml/2006/main" xmlns:r="http://schemas.openxmlformats.org/officeDocument/2006/relationships" xmlns:p="http://schemas.openxmlformats.org/presentationml/2006/main">
+  <p:cSld>
+    <p:bg>
+      <p:bgPr>
+        <a:solidFill>
+          <a:schemeClr val="tx2">
+            <a:lumMod val="60000"/>
+            <a:lumOff val="40000"/>
+          </a:schemeClr>
+        </a:solidFill>
+        <a:effectLst/>
+      </p:bgPr>
+    </p:bg>
+    <p:spTree>
+      <p:nvGrpSpPr>
+        <p:cNvPr id="1" name=""/>
+        <p:cNvGrpSpPr/>
+        <p:nvPr/>
+      </p:nvGrpSpPr>
+      <p:grpSpPr>
+        <a:xfrm>
+          <a:off x="0" y="0"/>
+          <a:ext cx="0" cy="0"/>
+          <a:chOff x="0" y="0"/>
+          <a:chExt cx="0" cy="0"/>
+        </a:xfrm>
+      </p:grpSpPr>
+      <p:sp>
+        <p:nvSpPr>
+          <p:cNvPr id="2" name="Title 1">
+            <a:extLst>
+              <a:ext uri="{FF2B5EF4-FFF2-40B4-BE49-F238E27FC236}">
+                <a16:creationId xmlns:a16="http://schemas.microsoft.com/office/drawing/2014/main" id="{51F2C05B-3556-493B-855C-1F19ADDBAF69}"/>
+              </a:ext>
+            </a:extLst>
+          </p:cNvPr>
+          <p:cNvSpPr>
+            <a:spLocks noGrp="1"/>
+          </p:cNvSpPr>
+          <p:nvPr>
+            <p:ph type="title"/>
+          </p:nvPr>
+        </p:nvSpPr>
+        <p:spPr>
+          <a:xfrm>
+            <a:off x="838200" y="365125"/>
+            <a:ext cx="11099104" cy="1325563"/>
+          </a:xfrm>
+        </p:spPr>
+        <p:txBody>
+          <a:bodyPr/>
+          <a:lstStyle/>
+          <a:p>
+            <a:r>
+              <a:rPr lang="en-US" b="1" dirty="0">
+                <a:solidFill>
+                  <a:schemeClr val="bg1"/>
+                </a:solidFill>
+              </a:rPr>
+              <a:t>Security</a:t>
+            </a:r>
+          </a:p>
+        </p:txBody>
+      </p:sp>
+      <p:sp>
+        <p:nvSpPr>
+          <p:cNvPr id="4" name="TextBox 3">
+            <a:extLst>
+              <a:ext uri="{FF2B5EF4-FFF2-40B4-BE49-F238E27FC236}">
+                <a16:creationId xmlns:a16="http://schemas.microsoft.com/office/drawing/2014/main" id="{A32609F5-383A-417E-B9B0-CE955463E2E4}"/>
+              </a:ext>
+            </a:extLst>
+          </p:cNvPr>
+          <p:cNvSpPr txBox="1"/>
+          <p:nvPr/>
+        </p:nvSpPr>
+        <p:spPr>
+          <a:xfrm>
+            <a:off x="838200" y="1779687"/>
+            <a:ext cx="10515600" cy="3416320"/>
+          </a:xfrm>
+          <a:prstGeom prst="rect">
+            <a:avLst/>
+          </a:prstGeom>
+          <a:noFill/>
+        </p:spPr>
+        <p:txBody>
+          <a:bodyPr wrap="square" rtlCol="0">
+            <a:spAutoFit/>
+          </a:bodyPr>
+          <a:lstStyle/>
+          <a:p>
+            <a:r>
+              <a:rPr lang="en-US" b="1" dirty="0">
+                <a:solidFill>
+                  <a:schemeClr val="bg1"/>
+                </a:solidFill>
+              </a:rPr>
+              <a:t>11 Patterns for Security</a:t>
+            </a:r>
+          </a:p>
+          <a:p>
+            <a:r>
+              <a:rPr lang="en-US" b="1" dirty="0">
+                <a:solidFill>
+                  <a:schemeClr val="bg1"/>
+                </a:solidFill>
+              </a:rPr>
+              <a:t>	Be Secure by Design</a:t>
+            </a:r>
+          </a:p>
+          <a:p>
+            <a:r>
+              <a:rPr lang="en-US" b="1" dirty="0">
+                <a:solidFill>
+                  <a:schemeClr val="bg1"/>
+                </a:solidFill>
+              </a:rPr>
+              <a:t>	Scan Dependencies</a:t>
+            </a:r>
+          </a:p>
+          <a:p>
+            <a:r>
+              <a:rPr lang="en-US" b="1" dirty="0">
+                <a:solidFill>
+                  <a:schemeClr val="bg1"/>
+                </a:solidFill>
+              </a:rPr>
+              <a:t>	Use HTTPS Everywhere</a:t>
+            </a:r>
+          </a:p>
+          <a:p>
+            <a:r>
+              <a:rPr lang="en-US" b="1" dirty="0">
+                <a:solidFill>
+                  <a:schemeClr val="bg1"/>
+                </a:solidFill>
+              </a:rPr>
+              <a:t>	Use Access and Identity Tokens</a:t>
+            </a:r>
+          </a:p>
+          <a:p>
+            <a:r>
+              <a:rPr lang="en-US" b="1" dirty="0">
+                <a:solidFill>
+                  <a:schemeClr val="bg1"/>
+                </a:solidFill>
+              </a:rPr>
+              <a:t>	Encrypt and Protect Secrets</a:t>
+            </a:r>
+          </a:p>
+          <a:p>
+            <a:r>
+              <a:rPr lang="en-US" b="1" dirty="0">
+                <a:solidFill>
+                  <a:schemeClr val="bg1"/>
+                </a:solidFill>
+              </a:rPr>
+              <a:t>	Verify Security with Delivery Pipelines</a:t>
+            </a:r>
+          </a:p>
+          <a:p>
+            <a:r>
+              <a:rPr lang="en-US" b="1" dirty="0">
+                <a:solidFill>
+                  <a:schemeClr val="bg1"/>
+                </a:solidFill>
+              </a:rPr>
+              <a:t>	Slow Down Attackers</a:t>
+            </a:r>
+          </a:p>
+          <a:p>
+            <a:r>
+              <a:rPr lang="en-US" b="1" dirty="0">
+                <a:solidFill>
+                  <a:schemeClr val="bg1"/>
+                </a:solidFill>
+              </a:rPr>
+              <a:t>	Use Docker Rootless Mode</a:t>
+            </a:r>
+          </a:p>
+          <a:p>
+            <a:r>
+              <a:rPr lang="en-US" b="1" dirty="0">
+                <a:solidFill>
+                  <a:schemeClr val="bg1"/>
+                </a:solidFill>
+              </a:rPr>
+              <a:t>	Use Time-Based Security</a:t>
+            </a:r>
+          </a:p>
+          <a:p>
+            <a:r>
+              <a:rPr lang="en-US" b="1" dirty="0">
+                <a:solidFill>
+                  <a:schemeClr val="bg1"/>
+                </a:solidFill>
+              </a:rPr>
+              <a:t>	Scan Docker and Kubernetes Configuration for Vulnerabilities</a:t>
+            </a:r>
+          </a:p>
+          <a:p>
+            <a:r>
+              <a:rPr lang="en-US" b="1" dirty="0">
+                <a:solidFill>
+                  <a:schemeClr val="bg1"/>
+                </a:solidFill>
+              </a:rPr>
+              <a:t>	Know Your Cloud and Cluster Security</a:t>
+            </a:r>
+          </a:p>
+        </p:txBody>
+      </p:sp>
+    </p:spTree>
+    <p:extLst>
+      <p:ext uri="{BB962C8B-B14F-4D97-AF65-F5344CB8AC3E}">
+        <p14:creationId xmlns:p14="http://schemas.microsoft.com/office/powerpoint/2010/main" val="265359252"/>
+      </p:ext>
+    </p:extLst>
+  </p:cSld>
+  <p:clrMapOvr>
+    <a:masterClrMapping/>
+  </p:clrMapOvr>
+</p:sld>
+</file>
+
+<file path=ppt/slides/slide33.xml><?xml version="1.0" encoding="utf-8"?>
+<p:sld xmlns:a="http://schemas.openxmlformats.org/drawingml/2006/main" xmlns:r="http://schemas.openxmlformats.org/officeDocument/2006/relationships" xmlns:p="http://schemas.openxmlformats.org/presentationml/2006/main">
+  <p:cSld>
+    <p:bg>
+      <p:bgPr>
+        <a:solidFill>
+          <a:schemeClr val="tx2">
+            <a:lumMod val="60000"/>
+            <a:lumOff val="40000"/>
+          </a:schemeClr>
+        </a:solidFill>
+        <a:effectLst/>
+      </p:bgPr>
+    </p:bg>
+    <p:spTree>
+      <p:nvGrpSpPr>
+        <p:cNvPr id="1" name=""/>
+        <p:cNvGrpSpPr/>
+        <p:nvPr/>
+      </p:nvGrpSpPr>
+      <p:grpSpPr>
+        <a:xfrm>
+          <a:off x="0" y="0"/>
+          <a:ext cx="0" cy="0"/>
+          <a:chOff x="0" y="0"/>
+          <a:chExt cx="0" cy="0"/>
+        </a:xfrm>
+      </p:grpSpPr>
+      <p:sp>
+        <p:nvSpPr>
+          <p:cNvPr id="2" name="Title 1">
+            <a:extLst>
+              <a:ext uri="{FF2B5EF4-FFF2-40B4-BE49-F238E27FC236}">
+                <a16:creationId xmlns:a16="http://schemas.microsoft.com/office/drawing/2014/main" id="{51F2C05B-3556-493B-855C-1F19ADDBAF69}"/>
+              </a:ext>
+            </a:extLst>
+          </p:cNvPr>
+          <p:cNvSpPr>
+            <a:spLocks noGrp="1"/>
+          </p:cNvSpPr>
+          <p:nvPr>
+            <p:ph type="title"/>
+          </p:nvPr>
+        </p:nvSpPr>
+        <p:spPr>
+          <a:xfrm>
+            <a:off x="838200" y="365125"/>
+            <a:ext cx="11099104" cy="1325563"/>
+          </a:xfrm>
+        </p:spPr>
+        <p:txBody>
+          <a:bodyPr/>
+          <a:lstStyle/>
+          <a:p>
+            <a:r>
+              <a:rPr lang="en-US" b="1" dirty="0">
+                <a:solidFill>
+                  <a:schemeClr val="bg1"/>
+                </a:solidFill>
+              </a:rPr>
+              <a:t>Be secure by Design</a:t>
+            </a:r>
+          </a:p>
+        </p:txBody>
+      </p:sp>
+      <p:sp>
+        <p:nvSpPr>
+          <p:cNvPr id="4" name="TextBox 3">
+            <a:extLst>
+              <a:ext uri="{FF2B5EF4-FFF2-40B4-BE49-F238E27FC236}">
+                <a16:creationId xmlns:a16="http://schemas.microsoft.com/office/drawing/2014/main" id="{A32609F5-383A-417E-B9B0-CE955463E2E4}"/>
+              </a:ext>
+            </a:extLst>
+          </p:cNvPr>
+          <p:cNvSpPr txBox="1"/>
+          <p:nvPr/>
+        </p:nvSpPr>
+        <p:spPr>
+          <a:xfrm>
+            <a:off x="838200" y="1801459"/>
+            <a:ext cx="10515600" cy="3416320"/>
+          </a:xfrm>
+          <a:prstGeom prst="rect">
+            <a:avLst/>
+          </a:prstGeom>
+          <a:noFill/>
+        </p:spPr>
+        <p:txBody>
+          <a:bodyPr wrap="square" rtlCol="0">
+            <a:spAutoFit/>
+          </a:bodyPr>
+          <a:lstStyle/>
+          <a:p>
+            <a:r>
+              <a:rPr lang="en-US" b="1" dirty="0">
+                <a:solidFill>
+                  <a:schemeClr val="bg1"/>
+                </a:solidFill>
+              </a:rPr>
+              <a:t>Design code for security. </a:t>
+            </a:r>
+          </a:p>
+          <a:p>
+            <a:r>
+              <a:rPr lang="en-US" b="1" dirty="0">
+                <a:solidFill>
+                  <a:schemeClr val="bg1"/>
+                </a:solidFill>
+              </a:rPr>
+              <a:t>Removing malicious characters is tricky </a:t>
+            </a:r>
+          </a:p>
+          <a:p>
+            <a:r>
+              <a:rPr lang="en-US" b="1" dirty="0">
+                <a:solidFill>
+                  <a:schemeClr val="bg1"/>
+                </a:solidFill>
+              </a:rPr>
+              <a:t>Malicious character depends on the context </a:t>
+            </a:r>
+          </a:p>
+          <a:p>
+            <a:r>
+              <a:rPr lang="en-US" b="1" dirty="0">
+                <a:solidFill>
+                  <a:schemeClr val="bg1"/>
+                </a:solidFill>
+              </a:rPr>
+              <a:t>For e.g. Ensure no malicious characters in an HTML context </a:t>
+            </a:r>
+          </a:p>
+          <a:p>
+            <a:r>
+              <a:rPr lang="en-US" b="1" dirty="0">
+                <a:solidFill>
+                  <a:schemeClr val="bg1"/>
+                </a:solidFill>
+              </a:rPr>
+              <a:t>There could be other injection attacks (i.e. JavaScript, SQL, </a:t>
+            </a:r>
+            <a:r>
+              <a:rPr lang="en-US" b="1" dirty="0" err="1">
+                <a:solidFill>
+                  <a:schemeClr val="bg1"/>
+                </a:solidFill>
+              </a:rPr>
+              <a:t>etc</a:t>
+            </a:r>
+            <a:r>
+              <a:rPr lang="en-US" b="1" dirty="0">
+                <a:solidFill>
+                  <a:schemeClr val="bg1"/>
+                </a:solidFill>
+              </a:rPr>
+              <a:t>). </a:t>
+            </a:r>
+          </a:p>
+          <a:p>
+            <a:r>
+              <a:rPr lang="en-US" b="1" dirty="0">
+                <a:solidFill>
+                  <a:schemeClr val="bg1"/>
+                </a:solidFill>
+              </a:rPr>
+              <a:t>Many time ' is a malicious character, </a:t>
+            </a:r>
+          </a:p>
+          <a:p>
+            <a:r>
+              <a:rPr lang="en-US" b="1" dirty="0">
+                <a:solidFill>
+                  <a:schemeClr val="bg1"/>
+                </a:solidFill>
+              </a:rPr>
+              <a:t>	but Business requires it. </a:t>
+            </a:r>
+          </a:p>
+          <a:p>
+            <a:r>
+              <a:rPr lang="en-US" b="1" dirty="0">
+                <a:solidFill>
+                  <a:schemeClr val="bg1"/>
+                </a:solidFill>
+              </a:rPr>
+              <a:t>	What should be done then?</a:t>
+            </a:r>
+          </a:p>
+          <a:p>
+            <a:r>
+              <a:rPr lang="en-US" b="1" dirty="0">
+                <a:solidFill>
+                  <a:schemeClr val="bg1"/>
+                </a:solidFill>
+              </a:rPr>
+              <a:t>Generally engineers concentrate on good design but not on security</a:t>
+            </a:r>
+          </a:p>
+          <a:p>
+            <a:r>
+              <a:rPr lang="en-US" b="1" dirty="0">
+                <a:solidFill>
+                  <a:schemeClr val="bg1"/>
+                </a:solidFill>
+              </a:rPr>
+              <a:t>Fight back when security issues are raised.</a:t>
+            </a:r>
+          </a:p>
+          <a:p>
+            <a:r>
+              <a:rPr lang="en-US" b="1" dirty="0">
+                <a:solidFill>
+                  <a:schemeClr val="bg1"/>
+                </a:solidFill>
+              </a:rPr>
+              <a:t>	</a:t>
+            </a:r>
+          </a:p>
+          <a:p>
+            <a:r>
+              <a:rPr lang="en-US" b="1" dirty="0">
+                <a:solidFill>
+                  <a:schemeClr val="bg1"/>
+                </a:solidFill>
+              </a:rPr>
+              <a:t>OWASP top 10 hasn't changed much.</a:t>
+            </a:r>
+          </a:p>
+        </p:txBody>
+      </p:sp>
+    </p:spTree>
+    <p:extLst>
+      <p:ext uri="{BB962C8B-B14F-4D97-AF65-F5344CB8AC3E}">
+        <p14:creationId xmlns:p14="http://schemas.microsoft.com/office/powerpoint/2010/main" val="1928521402"/>
+      </p:ext>
+    </p:extLst>
+  </p:cSld>
+  <p:clrMapOvr>
+    <a:masterClrMapping/>
+  </p:clrMapOvr>
+</p:sld>
+</file>
+
+<file path=ppt/slides/slide34.xml><?xml version="1.0" encoding="utf-8"?>
+<p:sld xmlns:a="http://schemas.openxmlformats.org/drawingml/2006/main" xmlns:r="http://schemas.openxmlformats.org/officeDocument/2006/relationships" xmlns:p="http://schemas.openxmlformats.org/presentationml/2006/main">
+  <p:cSld>
+    <p:bg>
+      <p:bgPr>
+        <a:solidFill>
+          <a:schemeClr val="tx2">
+            <a:lumMod val="60000"/>
+            <a:lumOff val="40000"/>
+          </a:schemeClr>
+        </a:solidFill>
+        <a:effectLst/>
+      </p:bgPr>
+    </p:bg>
+    <p:spTree>
+      <p:nvGrpSpPr>
+        <p:cNvPr id="1" name=""/>
+        <p:cNvGrpSpPr/>
+        <p:nvPr/>
+      </p:nvGrpSpPr>
+      <p:grpSpPr>
+        <a:xfrm>
+          <a:off x="0" y="0"/>
+          <a:ext cx="0" cy="0"/>
+          <a:chOff x="0" y="0"/>
+          <a:chExt cx="0" cy="0"/>
+        </a:xfrm>
+      </p:grpSpPr>
+      <p:sp>
+        <p:nvSpPr>
+          <p:cNvPr id="2" name="Title 1">
+            <a:extLst>
+              <a:ext uri="{FF2B5EF4-FFF2-40B4-BE49-F238E27FC236}">
+                <a16:creationId xmlns:a16="http://schemas.microsoft.com/office/drawing/2014/main" id="{51F2C05B-3556-493B-855C-1F19ADDBAF69}"/>
+              </a:ext>
+            </a:extLst>
+          </p:cNvPr>
+          <p:cNvSpPr>
+            <a:spLocks noGrp="1"/>
+          </p:cNvSpPr>
+          <p:nvPr>
+            <p:ph type="title"/>
+          </p:nvPr>
+        </p:nvSpPr>
+        <p:spPr>
+          <a:xfrm>
+            <a:off x="838200" y="365125"/>
+            <a:ext cx="11099104" cy="1325563"/>
+          </a:xfrm>
+        </p:spPr>
+        <p:txBody>
+          <a:bodyPr/>
+          <a:lstStyle/>
+          <a:p>
+            <a:r>
+              <a:rPr lang="en-US" b="1" dirty="0">
+                <a:solidFill>
+                  <a:schemeClr val="bg1"/>
+                </a:solidFill>
+              </a:rPr>
+              <a:t>Be secure by Design</a:t>
+            </a:r>
+          </a:p>
+        </p:txBody>
+      </p:sp>
+      <p:sp>
+        <p:nvSpPr>
+          <p:cNvPr id="4" name="TextBox 3">
+            <a:extLst>
+              <a:ext uri="{FF2B5EF4-FFF2-40B4-BE49-F238E27FC236}">
+                <a16:creationId xmlns:a16="http://schemas.microsoft.com/office/drawing/2014/main" id="{A32609F5-383A-417E-B9B0-CE955463E2E4}"/>
+              </a:ext>
+            </a:extLst>
+          </p:cNvPr>
+          <p:cNvSpPr txBox="1"/>
+          <p:nvPr/>
+        </p:nvSpPr>
+        <p:spPr>
+          <a:xfrm>
+            <a:off x="838200" y="1801459"/>
+            <a:ext cx="10515600" cy="1200329"/>
+          </a:xfrm>
+          <a:prstGeom prst="rect">
+            <a:avLst/>
+          </a:prstGeom>
+          <a:noFill/>
+        </p:spPr>
+        <p:txBody>
+          <a:bodyPr wrap="square" rtlCol="0">
+            <a:spAutoFit/>
+          </a:bodyPr>
+          <a:lstStyle/>
+          <a:p>
+            <a:r>
+              <a:rPr lang="en-US" b="1" dirty="0">
+                <a:solidFill>
+                  <a:schemeClr val="bg1"/>
+                </a:solidFill>
+              </a:rPr>
+              <a:t>Developers need to </a:t>
+            </a:r>
+          </a:p>
+          <a:p>
+            <a:r>
+              <a:rPr lang="en-US" b="1" dirty="0">
+                <a:solidFill>
+                  <a:schemeClr val="bg1"/>
+                </a:solidFill>
+              </a:rPr>
+              <a:t>	Thinking about security vulnerabilities</a:t>
+            </a:r>
+          </a:p>
+          <a:p>
+            <a:r>
+              <a:rPr lang="en-US" b="1" dirty="0">
+                <a:solidFill>
+                  <a:schemeClr val="bg1"/>
+                </a:solidFill>
+              </a:rPr>
+              <a:t>	Have to be security experts and know to use </a:t>
+            </a:r>
+            <a:r>
+              <a:rPr lang="en-US" b="1" dirty="0" err="1">
+                <a:solidFill>
+                  <a:schemeClr val="bg1"/>
+                </a:solidFill>
+              </a:rPr>
+              <a:t>validateForXSS</a:t>
+            </a:r>
+            <a:r>
+              <a:rPr lang="en-US" b="1" dirty="0">
+                <a:solidFill>
+                  <a:schemeClr val="bg1"/>
+                </a:solidFill>
+              </a:rPr>
+              <a:t>()</a:t>
+            </a:r>
+          </a:p>
+          <a:p>
+            <a:r>
+              <a:rPr lang="en-US" b="1" dirty="0">
+                <a:solidFill>
+                  <a:schemeClr val="bg1"/>
+                </a:solidFill>
+              </a:rPr>
+              <a:t>	Person writing the code can identify potential weakness that might occur now or in the future</a:t>
+            </a:r>
+          </a:p>
+        </p:txBody>
+      </p:sp>
+    </p:spTree>
+    <p:extLst>
+      <p:ext uri="{BB962C8B-B14F-4D97-AF65-F5344CB8AC3E}">
+        <p14:creationId xmlns:p14="http://schemas.microsoft.com/office/powerpoint/2010/main" val="3361787758"/>
+      </p:ext>
+    </p:extLst>
+  </p:cSld>
+  <p:clrMapOvr>
+    <a:masterClrMapping/>
+  </p:clrMapOvr>
+</p:sld>
+</file>
+
+<file path=ppt/slides/slide35.xml><?xml version="1.0" encoding="utf-8"?>
+<p:sld xmlns:a="http://schemas.openxmlformats.org/drawingml/2006/main" xmlns:r="http://schemas.openxmlformats.org/officeDocument/2006/relationships" xmlns:p="http://schemas.openxmlformats.org/presentationml/2006/main">
+  <p:cSld>
+    <p:bg>
+      <p:bgPr>
+        <a:solidFill>
+          <a:schemeClr val="tx2">
+            <a:lumMod val="60000"/>
+            <a:lumOff val="40000"/>
+          </a:schemeClr>
+        </a:solidFill>
+        <a:effectLst/>
+      </p:bgPr>
+    </p:bg>
+    <p:spTree>
+      <p:nvGrpSpPr>
+        <p:cNvPr id="1" name=""/>
+        <p:cNvGrpSpPr/>
+        <p:nvPr/>
+      </p:nvGrpSpPr>
+      <p:grpSpPr>
+        <a:xfrm>
+          <a:off x="0" y="0"/>
+          <a:ext cx="0" cy="0"/>
+          <a:chOff x="0" y="0"/>
+          <a:chExt cx="0" cy="0"/>
+        </a:xfrm>
+      </p:grpSpPr>
+      <p:sp>
+        <p:nvSpPr>
+          <p:cNvPr id="2" name="Title 1">
+            <a:extLst>
+              <a:ext uri="{FF2B5EF4-FFF2-40B4-BE49-F238E27FC236}">
+                <a16:creationId xmlns:a16="http://schemas.microsoft.com/office/drawing/2014/main" id="{51F2C05B-3556-493B-855C-1F19ADDBAF69}"/>
+              </a:ext>
+            </a:extLst>
+          </p:cNvPr>
+          <p:cNvSpPr>
+            <a:spLocks noGrp="1"/>
+          </p:cNvSpPr>
+          <p:nvPr>
+            <p:ph type="title"/>
+          </p:nvPr>
+        </p:nvSpPr>
+        <p:spPr>
+          <a:xfrm>
+            <a:off x="838200" y="365125"/>
+            <a:ext cx="11099104" cy="1325563"/>
+          </a:xfrm>
+        </p:spPr>
+        <p:txBody>
+          <a:bodyPr/>
+          <a:lstStyle/>
+          <a:p>
+            <a:r>
+              <a:rPr lang="en-US" b="1" dirty="0">
+                <a:solidFill>
+                  <a:schemeClr val="bg1"/>
+                </a:solidFill>
+              </a:rPr>
+              <a:t>Scan Dependencies</a:t>
+            </a:r>
+          </a:p>
+        </p:txBody>
+      </p:sp>
+      <p:sp>
+        <p:nvSpPr>
+          <p:cNvPr id="4" name="TextBox 3">
+            <a:extLst>
+              <a:ext uri="{FF2B5EF4-FFF2-40B4-BE49-F238E27FC236}">
+                <a16:creationId xmlns:a16="http://schemas.microsoft.com/office/drawing/2014/main" id="{A32609F5-383A-417E-B9B0-CE955463E2E4}"/>
+              </a:ext>
+            </a:extLst>
+          </p:cNvPr>
+          <p:cNvSpPr txBox="1"/>
+          <p:nvPr/>
+        </p:nvSpPr>
+        <p:spPr>
+          <a:xfrm>
+            <a:off x="870858" y="1779687"/>
+            <a:ext cx="10515600" cy="3416320"/>
+          </a:xfrm>
+          <a:prstGeom prst="rect">
+            <a:avLst/>
+          </a:prstGeom>
+          <a:noFill/>
+        </p:spPr>
+        <p:txBody>
+          <a:bodyPr wrap="square" rtlCol="0">
+            <a:spAutoFit/>
+          </a:bodyPr>
+          <a:lstStyle/>
+          <a:p>
+            <a:r>
+              <a:rPr lang="en-US" b="1" dirty="0">
+                <a:solidFill>
+                  <a:schemeClr val="bg1"/>
+                </a:solidFill>
+              </a:rPr>
+              <a:t>Transitive dependencies </a:t>
+            </a:r>
+          </a:p>
+          <a:p>
+            <a:r>
+              <a:rPr lang="en-US" b="1" dirty="0">
+                <a:solidFill>
+                  <a:schemeClr val="bg1"/>
+                </a:solidFill>
+              </a:rPr>
+              <a:t>	You use 3rd party s/w</a:t>
+            </a:r>
+          </a:p>
+          <a:p>
+            <a:r>
+              <a:rPr lang="en-US" b="1" dirty="0">
+                <a:solidFill>
+                  <a:schemeClr val="bg1"/>
+                </a:solidFill>
+              </a:rPr>
+              <a:t>		They use other 3rd party s/w</a:t>
+            </a:r>
+          </a:p>
+          <a:p>
+            <a:r>
+              <a:rPr lang="en-US" b="1" dirty="0">
+                <a:solidFill>
+                  <a:schemeClr val="bg1"/>
+                </a:solidFill>
+              </a:rPr>
+              <a:t>		You may not be even aware of this dependency.</a:t>
+            </a:r>
+          </a:p>
+          <a:p>
+            <a:r>
+              <a:rPr lang="en-US" b="1" dirty="0">
+                <a:solidFill>
+                  <a:schemeClr val="bg1"/>
+                </a:solidFill>
+              </a:rPr>
+              <a:t>	Their could be vulnerabilities anywhere </a:t>
+            </a:r>
+          </a:p>
+          <a:p>
+            <a:endParaRPr lang="en-US" b="1" dirty="0">
+              <a:solidFill>
+                <a:schemeClr val="bg1"/>
+              </a:solidFill>
+            </a:endParaRPr>
+          </a:p>
+          <a:p>
+            <a:r>
+              <a:rPr lang="en-US" b="1" dirty="0">
+                <a:solidFill>
+                  <a:schemeClr val="bg1"/>
+                </a:solidFill>
+              </a:rPr>
+              <a:t>Be aware of all dependencies.</a:t>
+            </a:r>
+          </a:p>
+          <a:p>
+            <a:r>
+              <a:rPr lang="en-US" b="1" dirty="0">
+                <a:solidFill>
+                  <a:schemeClr val="bg1"/>
+                </a:solidFill>
+              </a:rPr>
+              <a:t>Reduce dependencies to the extend possible.</a:t>
+            </a:r>
+          </a:p>
+          <a:p>
+            <a:r>
+              <a:rPr lang="en-US" b="1" dirty="0">
+                <a:solidFill>
+                  <a:schemeClr val="bg1"/>
+                </a:solidFill>
+              </a:rPr>
+              <a:t>	Use exclude where ever required.</a:t>
+            </a:r>
+          </a:p>
+          <a:p>
+            <a:r>
+              <a:rPr lang="en-US" b="1" dirty="0">
+                <a:solidFill>
+                  <a:schemeClr val="bg1"/>
+                </a:solidFill>
+              </a:rPr>
+              <a:t>	e.g. </a:t>
+            </a:r>
+            <a:r>
+              <a:rPr lang="en-US" b="1" dirty="0" err="1">
+                <a:solidFill>
+                  <a:schemeClr val="bg1"/>
+                </a:solidFill>
+              </a:rPr>
+              <a:t>wintage</a:t>
+            </a:r>
+            <a:endParaRPr lang="en-US" b="1" dirty="0">
+              <a:solidFill>
+                <a:schemeClr val="bg1"/>
+              </a:solidFill>
+            </a:endParaRPr>
+          </a:p>
+          <a:p>
+            <a:r>
+              <a:rPr lang="en-US" b="1" dirty="0">
+                <a:solidFill>
+                  <a:schemeClr val="bg1"/>
+                </a:solidFill>
+              </a:rPr>
+              <a:t>Keep dependencies updated.</a:t>
+            </a:r>
+          </a:p>
+          <a:p>
+            <a:endParaRPr lang="en-US" dirty="0">
+              <a:solidFill>
+                <a:schemeClr val="bg1"/>
+              </a:solidFill>
+            </a:endParaRPr>
+          </a:p>
+        </p:txBody>
+      </p:sp>
+    </p:spTree>
+    <p:extLst>
+      <p:ext uri="{BB962C8B-B14F-4D97-AF65-F5344CB8AC3E}">
+        <p14:creationId xmlns:p14="http://schemas.microsoft.com/office/powerpoint/2010/main" val="4077167694"/>
+      </p:ext>
+    </p:extLst>
+  </p:cSld>
+  <p:clrMapOvr>
+    <a:masterClrMapping/>
+  </p:clrMapOvr>
+</p:sld>
+</file>
+
+<file path=ppt/slides/slide36.xml><?xml version="1.0" encoding="utf-8"?>
+<p:sld xmlns:a="http://schemas.openxmlformats.org/drawingml/2006/main" xmlns:r="http://schemas.openxmlformats.org/officeDocument/2006/relationships" xmlns:p="http://schemas.openxmlformats.org/presentationml/2006/main">
+  <p:cSld>
+    <p:bg>
+      <p:bgPr>
+        <a:solidFill>
+          <a:schemeClr val="tx2">
+            <a:lumMod val="60000"/>
+            <a:lumOff val="40000"/>
+          </a:schemeClr>
+        </a:solidFill>
+        <a:effectLst/>
+      </p:bgPr>
+    </p:bg>
+    <p:spTree>
+      <p:nvGrpSpPr>
+        <p:cNvPr id="1" name=""/>
+        <p:cNvGrpSpPr/>
+        <p:nvPr/>
+      </p:nvGrpSpPr>
+      <p:grpSpPr>
+        <a:xfrm>
+          <a:off x="0" y="0"/>
+          <a:ext cx="0" cy="0"/>
+          <a:chOff x="0" y="0"/>
+          <a:chExt cx="0" cy="0"/>
+        </a:xfrm>
+      </p:grpSpPr>
+      <p:sp>
+        <p:nvSpPr>
+          <p:cNvPr id="2" name="Title 1">
+            <a:extLst>
+              <a:ext uri="{FF2B5EF4-FFF2-40B4-BE49-F238E27FC236}">
+                <a16:creationId xmlns:a16="http://schemas.microsoft.com/office/drawing/2014/main" id="{51F2C05B-3556-493B-855C-1F19ADDBAF69}"/>
+              </a:ext>
+            </a:extLst>
+          </p:cNvPr>
+          <p:cNvSpPr>
+            <a:spLocks noGrp="1"/>
+          </p:cNvSpPr>
+          <p:nvPr>
+            <p:ph type="title"/>
+          </p:nvPr>
+        </p:nvSpPr>
+        <p:spPr>
+          <a:xfrm>
+            <a:off x="838200" y="365125"/>
+            <a:ext cx="11099104" cy="1325563"/>
+          </a:xfrm>
+        </p:spPr>
+        <p:txBody>
+          <a:bodyPr/>
+          <a:lstStyle/>
+          <a:p>
+            <a:r>
+              <a:rPr lang="en-US" b="1" dirty="0">
+                <a:solidFill>
+                  <a:schemeClr val="bg1"/>
+                </a:solidFill>
+              </a:rPr>
+              <a:t>Use HTTPS Everywhere</a:t>
+            </a:r>
+          </a:p>
+        </p:txBody>
+      </p:sp>
+      <p:sp>
+        <p:nvSpPr>
+          <p:cNvPr id="4" name="TextBox 3">
+            <a:extLst>
+              <a:ext uri="{FF2B5EF4-FFF2-40B4-BE49-F238E27FC236}">
+                <a16:creationId xmlns:a16="http://schemas.microsoft.com/office/drawing/2014/main" id="{A32609F5-383A-417E-B9B0-CE955463E2E4}"/>
+              </a:ext>
+            </a:extLst>
+          </p:cNvPr>
+          <p:cNvSpPr txBox="1"/>
+          <p:nvPr/>
+        </p:nvSpPr>
+        <p:spPr>
+          <a:xfrm>
+            <a:off x="838200" y="1779687"/>
+            <a:ext cx="10515600" cy="5078313"/>
+          </a:xfrm>
+          <a:prstGeom prst="rect">
+            <a:avLst/>
+          </a:prstGeom>
+          <a:noFill/>
+        </p:spPr>
+        <p:txBody>
+          <a:bodyPr wrap="square" rtlCol="0">
+            <a:spAutoFit/>
+          </a:bodyPr>
+          <a:lstStyle/>
+          <a:p>
+            <a:r>
+              <a:rPr lang="en-US" b="1" dirty="0">
+                <a:solidFill>
+                  <a:schemeClr val="bg1"/>
+                </a:solidFill>
+              </a:rPr>
+              <a:t>HTTPS requires certificates for 2 way authentication.	</a:t>
+            </a:r>
+          </a:p>
+          <a:p>
+            <a:r>
+              <a:rPr lang="en-US" b="1" dirty="0">
+                <a:solidFill>
+                  <a:schemeClr val="bg1"/>
+                </a:solidFill>
+              </a:rPr>
+              <a:t>Let’s Encrypt offers free certificates, and you can use its API to automate renewing them. </a:t>
+            </a:r>
+          </a:p>
+          <a:p>
+            <a:r>
+              <a:rPr lang="en-US" b="1" dirty="0">
+                <a:solidFill>
+                  <a:schemeClr val="bg1"/>
+                </a:solidFill>
+              </a:rPr>
+              <a:t>Let’s Encrypt </a:t>
+            </a:r>
+          </a:p>
+          <a:p>
+            <a:r>
+              <a:rPr lang="en-US" b="1" dirty="0">
+                <a:solidFill>
+                  <a:schemeClr val="bg1"/>
+                </a:solidFill>
+              </a:rPr>
+              <a:t>	Recommends you use </a:t>
+            </a:r>
+            <a:r>
+              <a:rPr lang="en-US" b="1" dirty="0" err="1">
+                <a:solidFill>
+                  <a:schemeClr val="bg1"/>
+                </a:solidFill>
+              </a:rPr>
+              <a:t>Certbot</a:t>
+            </a:r>
+            <a:r>
+              <a:rPr lang="en-US" b="1" dirty="0">
+                <a:solidFill>
+                  <a:schemeClr val="bg1"/>
+                </a:solidFill>
+              </a:rPr>
+              <a:t> to obtain and renew your certificates. </a:t>
+            </a:r>
+          </a:p>
+          <a:p>
+            <a:r>
+              <a:rPr lang="en-US" b="1" dirty="0">
+                <a:solidFill>
+                  <a:schemeClr val="bg1"/>
+                </a:solidFill>
+              </a:rPr>
+              <a:t>	is a free, </a:t>
+            </a:r>
+          </a:p>
+          <a:p>
+            <a:r>
+              <a:rPr lang="en-US" b="1" dirty="0">
+                <a:solidFill>
+                  <a:schemeClr val="bg1"/>
+                </a:solidFill>
+              </a:rPr>
+              <a:t>	open-source software tool </a:t>
+            </a:r>
+          </a:p>
+          <a:p>
+            <a:r>
+              <a:rPr lang="en-US" b="1" dirty="0">
+                <a:solidFill>
+                  <a:schemeClr val="bg1"/>
+                </a:solidFill>
+              </a:rPr>
+              <a:t>	Generate automatically using Let’s Encrypt certificates on manually-administrated websites . </a:t>
+            </a:r>
+          </a:p>
+          <a:p>
+            <a:r>
+              <a:rPr lang="en-US" b="1" dirty="0">
+                <a:solidFill>
+                  <a:schemeClr val="bg1"/>
+                </a:solidFill>
+              </a:rPr>
+              <a:t>	The Electronic Frontier Foundation (EFF) created and maintains </a:t>
+            </a:r>
+            <a:r>
+              <a:rPr lang="en-US" b="1" dirty="0" err="1">
+                <a:solidFill>
+                  <a:schemeClr val="bg1"/>
+                </a:solidFill>
+              </a:rPr>
+              <a:t>Certbot</a:t>
+            </a:r>
+            <a:r>
+              <a:rPr lang="en-US" b="1" dirty="0">
+                <a:solidFill>
+                  <a:schemeClr val="bg1"/>
+                </a:solidFill>
+              </a:rPr>
+              <a:t>.</a:t>
+            </a:r>
+          </a:p>
+          <a:p>
+            <a:r>
+              <a:rPr lang="en-US" b="1" dirty="0">
+                <a:solidFill>
+                  <a:schemeClr val="bg1"/>
+                </a:solidFill>
+              </a:rPr>
+              <a:t>		</a:t>
+            </a:r>
+            <a:r>
+              <a:rPr lang="en-US" b="1" dirty="0" err="1">
+                <a:solidFill>
+                  <a:schemeClr val="bg1"/>
+                </a:solidFill>
+              </a:rPr>
+              <a:t>CertbotsThe</a:t>
+            </a:r>
+            <a:r>
+              <a:rPr lang="en-US" b="1" dirty="0">
+                <a:solidFill>
+                  <a:schemeClr val="bg1"/>
+                </a:solidFill>
+              </a:rPr>
+              <a:t> </a:t>
+            </a:r>
+            <a:r>
+              <a:rPr lang="en-US" b="1" dirty="0" err="1">
+                <a:solidFill>
+                  <a:schemeClr val="bg1"/>
+                </a:solidFill>
+              </a:rPr>
+              <a:t>Certbot</a:t>
+            </a:r>
+            <a:r>
+              <a:rPr lang="en-US" b="1" dirty="0">
+                <a:solidFill>
+                  <a:schemeClr val="bg1"/>
+                </a:solidFill>
+              </a:rPr>
+              <a:t> website lets you choose your web server and system, </a:t>
+            </a:r>
+          </a:p>
+          <a:p>
+            <a:r>
+              <a:rPr lang="en-US" b="1" dirty="0">
+                <a:solidFill>
+                  <a:schemeClr val="bg1"/>
+                </a:solidFill>
+              </a:rPr>
+              <a:t>		then provides the instructions for automating certificate generation and renewal.</a:t>
+            </a:r>
+          </a:p>
+          <a:p>
+            <a:r>
+              <a:rPr lang="en-US" b="1" dirty="0">
+                <a:solidFill>
+                  <a:schemeClr val="bg1"/>
+                </a:solidFill>
+              </a:rPr>
+              <a:t>Force HTTPS. </a:t>
+            </a:r>
+          </a:p>
+          <a:p>
+            <a:r>
+              <a:rPr lang="en-US" b="1" dirty="0">
+                <a:solidFill>
+                  <a:schemeClr val="bg1"/>
+                </a:solidFill>
+              </a:rPr>
+              <a:t>	Often, forcing HTTPS </a:t>
+            </a:r>
+          </a:p>
+          <a:p>
+            <a:r>
+              <a:rPr lang="en-US" b="1" dirty="0">
+                <a:solidFill>
+                  <a:schemeClr val="bg1"/>
+                </a:solidFill>
+              </a:rPr>
+              <a:t>		Uses an HTTP Strict-Transport-Security response header </a:t>
+            </a:r>
+          </a:p>
+          <a:p>
+            <a:r>
+              <a:rPr lang="en-US" b="1" dirty="0">
+                <a:solidFill>
+                  <a:schemeClr val="bg1"/>
+                </a:solidFill>
+              </a:rPr>
+              <a:t>		Tell browsers they should only access a website using HTTPS.</a:t>
+            </a:r>
+          </a:p>
+          <a:p>
+            <a:r>
+              <a:rPr lang="en-US" b="1" dirty="0">
+                <a:solidFill>
+                  <a:schemeClr val="bg1"/>
+                </a:solidFill>
+              </a:rPr>
+              <a:t>			</a:t>
+            </a:r>
+          </a:p>
+          <a:p>
+            <a:r>
+              <a:rPr lang="en-US" b="1" dirty="0">
+                <a:solidFill>
+                  <a:schemeClr val="bg1"/>
+                </a:solidFill>
+              </a:rPr>
+              <a:t>Why HTTS inside our network</a:t>
+            </a:r>
+          </a:p>
+          <a:p>
+            <a:r>
+              <a:rPr lang="en-US" b="1" dirty="0">
+                <a:solidFill>
+                  <a:schemeClr val="bg1"/>
+                </a:solidFill>
+              </a:rPr>
+              <a:t>	Phishing and guessing people’s credentials are incredibly effective techniques to hack. </a:t>
+            </a:r>
+          </a:p>
+          <a:p>
+            <a:endParaRPr lang="en-US" b="1" dirty="0">
+              <a:solidFill>
+                <a:schemeClr val="bg1"/>
+              </a:solidFill>
+            </a:endParaRPr>
+          </a:p>
+        </p:txBody>
+      </p:sp>
+    </p:spTree>
+    <p:extLst>
+      <p:ext uri="{BB962C8B-B14F-4D97-AF65-F5344CB8AC3E}">
+        <p14:creationId xmlns:p14="http://schemas.microsoft.com/office/powerpoint/2010/main" val="4182056134"/>
+      </p:ext>
+    </p:extLst>
+  </p:cSld>
+  <p:clrMapOvr>
+    <a:masterClrMapping/>
+  </p:clrMapOvr>
+</p:sld>
+</file>
+
+<file path=ppt/slides/slide37.xml><?xml version="1.0" encoding="utf-8"?>
+<p:sld xmlns:a="http://schemas.openxmlformats.org/drawingml/2006/main" xmlns:r="http://schemas.openxmlformats.org/officeDocument/2006/relationships" xmlns:p="http://schemas.openxmlformats.org/presentationml/2006/main">
+  <p:cSld>
+    <p:bg>
+      <p:bgPr>
+        <a:solidFill>
+          <a:schemeClr val="tx2">
+            <a:lumMod val="60000"/>
+            <a:lumOff val="40000"/>
+          </a:schemeClr>
+        </a:solidFill>
+        <a:effectLst/>
+      </p:bgPr>
+    </p:bg>
+    <p:spTree>
+      <p:nvGrpSpPr>
+        <p:cNvPr id="1" name=""/>
+        <p:cNvGrpSpPr/>
+        <p:nvPr/>
+      </p:nvGrpSpPr>
+      <p:grpSpPr>
+        <a:xfrm>
+          <a:off x="0" y="0"/>
+          <a:ext cx="0" cy="0"/>
+          <a:chOff x="0" y="0"/>
+          <a:chExt cx="0" cy="0"/>
+        </a:xfrm>
+      </p:grpSpPr>
+      <p:sp>
+        <p:nvSpPr>
+          <p:cNvPr id="2" name="Title 1">
+            <a:extLst>
+              <a:ext uri="{FF2B5EF4-FFF2-40B4-BE49-F238E27FC236}">
+                <a16:creationId xmlns:a16="http://schemas.microsoft.com/office/drawing/2014/main" id="{51F2C05B-3556-493B-855C-1F19ADDBAF69}"/>
+              </a:ext>
+            </a:extLst>
+          </p:cNvPr>
+          <p:cNvSpPr>
+            <a:spLocks noGrp="1"/>
+          </p:cNvSpPr>
+          <p:nvPr>
+            <p:ph type="title"/>
+          </p:nvPr>
+        </p:nvSpPr>
+        <p:spPr>
+          <a:xfrm>
+            <a:off x="838200" y="365125"/>
+            <a:ext cx="11099104" cy="1325563"/>
+          </a:xfrm>
+        </p:spPr>
+        <p:txBody>
+          <a:bodyPr/>
+          <a:lstStyle/>
+          <a:p>
+            <a:r>
+              <a:rPr lang="en-US" b="1" dirty="0">
+                <a:solidFill>
+                  <a:schemeClr val="bg1"/>
+                </a:solidFill>
+              </a:rPr>
+              <a:t>Use Access and Identity Tokens</a:t>
+            </a:r>
+          </a:p>
+        </p:txBody>
+      </p:sp>
+      <p:sp>
+        <p:nvSpPr>
+          <p:cNvPr id="4" name="TextBox 3">
+            <a:extLst>
+              <a:ext uri="{FF2B5EF4-FFF2-40B4-BE49-F238E27FC236}">
+                <a16:creationId xmlns:a16="http://schemas.microsoft.com/office/drawing/2014/main" id="{A32609F5-383A-417E-B9B0-CE955463E2E4}"/>
+              </a:ext>
+            </a:extLst>
+          </p:cNvPr>
+          <p:cNvSpPr txBox="1"/>
+          <p:nvPr/>
+        </p:nvSpPr>
+        <p:spPr>
+          <a:xfrm>
+            <a:off x="838200" y="1516976"/>
+            <a:ext cx="10515600" cy="5355312"/>
+          </a:xfrm>
+          <a:prstGeom prst="rect">
+            <a:avLst/>
+          </a:prstGeom>
+          <a:noFill/>
+        </p:spPr>
+        <p:txBody>
+          <a:bodyPr wrap="square" rtlCol="0">
+            <a:spAutoFit/>
+          </a:bodyPr>
+          <a:lstStyle/>
+          <a:p>
+            <a:r>
+              <a:rPr lang="en-US" b="1" dirty="0" err="1">
+                <a:solidFill>
+                  <a:schemeClr val="bg1"/>
+                </a:solidFill>
+              </a:rPr>
+              <a:t>Oauth</a:t>
+            </a:r>
+            <a:r>
+              <a:rPr lang="en-US" b="1" dirty="0">
+                <a:solidFill>
+                  <a:schemeClr val="bg1"/>
+                </a:solidFill>
+              </a:rPr>
+              <a:t> and JWT are really famous token systems. Use them.</a:t>
+            </a:r>
+          </a:p>
+          <a:p>
+            <a:endParaRPr lang="en-US" b="1" dirty="0">
+              <a:solidFill>
+                <a:schemeClr val="bg1"/>
+              </a:solidFill>
+            </a:endParaRPr>
+          </a:p>
+          <a:p>
+            <a:r>
+              <a:rPr lang="en-US" b="1" dirty="0" err="1">
+                <a:solidFill>
+                  <a:schemeClr val="bg1"/>
+                </a:solidFill>
+              </a:rPr>
+              <a:t>oAuth</a:t>
+            </a:r>
+            <a:endParaRPr lang="en-US" b="1" dirty="0">
+              <a:solidFill>
+                <a:schemeClr val="bg1"/>
+              </a:solidFill>
+            </a:endParaRPr>
+          </a:p>
+          <a:p>
+            <a:r>
+              <a:rPr lang="en-US" b="1" dirty="0">
+                <a:solidFill>
+                  <a:schemeClr val="bg1"/>
+                </a:solidFill>
+              </a:rPr>
+              <a:t>	</a:t>
+            </a:r>
+            <a:r>
+              <a:rPr lang="en-US" b="1" dirty="0" err="1">
+                <a:solidFill>
+                  <a:schemeClr val="bg1"/>
+                </a:solidFill>
+              </a:rPr>
+              <a:t>Tocken</a:t>
+            </a:r>
+            <a:r>
+              <a:rPr lang="en-US" b="1" dirty="0">
+                <a:solidFill>
+                  <a:schemeClr val="bg1"/>
+                </a:solidFill>
+              </a:rPr>
+              <a:t> based authorization </a:t>
+            </a:r>
+          </a:p>
+          <a:p>
+            <a:r>
+              <a:rPr lang="en-US" b="1" dirty="0">
+                <a:solidFill>
+                  <a:schemeClr val="bg1"/>
+                </a:solidFill>
+              </a:rPr>
+              <a:t>	Delegate access without user/</a:t>
+            </a:r>
+            <a:r>
+              <a:rPr lang="en-US" b="1" dirty="0" err="1">
+                <a:solidFill>
+                  <a:schemeClr val="bg1"/>
+                </a:solidFill>
+              </a:rPr>
+              <a:t>pwd</a:t>
+            </a:r>
+            <a:endParaRPr lang="en-US" b="1" dirty="0">
+              <a:solidFill>
+                <a:schemeClr val="bg1"/>
+              </a:solidFill>
+            </a:endParaRPr>
+          </a:p>
+          <a:p>
+            <a:r>
+              <a:rPr lang="en-US" b="1" dirty="0">
+                <a:solidFill>
+                  <a:schemeClr val="bg1"/>
+                </a:solidFill>
+              </a:rPr>
+              <a:t>	Grant access to a client to perform certain operation on behalf of user.</a:t>
+            </a:r>
+          </a:p>
+          <a:p>
+            <a:r>
+              <a:rPr lang="en-US" b="1" dirty="0">
+                <a:solidFill>
+                  <a:schemeClr val="bg1"/>
+                </a:solidFill>
+              </a:rPr>
+              <a:t>	Not authentication of user.</a:t>
+            </a:r>
+          </a:p>
+          <a:p>
+            <a:r>
+              <a:rPr lang="en-US" b="1" dirty="0">
+                <a:solidFill>
+                  <a:schemeClr val="bg1"/>
+                </a:solidFill>
+              </a:rPr>
+              <a:t>	Only authorization</a:t>
+            </a:r>
+          </a:p>
+          <a:p>
+            <a:r>
+              <a:rPr lang="en-US" b="1" dirty="0">
+                <a:solidFill>
+                  <a:schemeClr val="bg1"/>
+                </a:solidFill>
+              </a:rPr>
+              <a:t>	3rd party </a:t>
+            </a:r>
+            <a:r>
+              <a:rPr lang="en-US" b="1" dirty="0" err="1">
+                <a:solidFill>
+                  <a:schemeClr val="bg1"/>
+                </a:solidFill>
+              </a:rPr>
+              <a:t>oAuth</a:t>
+            </a:r>
+            <a:r>
+              <a:rPr lang="en-US" b="1" dirty="0">
+                <a:solidFill>
+                  <a:schemeClr val="bg1"/>
+                </a:solidFill>
+              </a:rPr>
+              <a:t> providers such as Google, fb, </a:t>
+            </a:r>
+            <a:r>
+              <a:rPr lang="en-US" b="1" dirty="0" err="1">
+                <a:solidFill>
+                  <a:schemeClr val="bg1"/>
+                </a:solidFill>
+              </a:rPr>
+              <a:t>github</a:t>
+            </a:r>
+            <a:r>
+              <a:rPr lang="en-US" b="1" dirty="0">
+                <a:solidFill>
+                  <a:schemeClr val="bg1"/>
+                </a:solidFill>
+              </a:rPr>
+              <a:t> </a:t>
+            </a:r>
+            <a:r>
+              <a:rPr lang="en-US" b="1" dirty="0" err="1">
+                <a:solidFill>
+                  <a:schemeClr val="bg1"/>
+                </a:solidFill>
+              </a:rPr>
+              <a:t>ect</a:t>
+            </a:r>
+            <a:r>
+              <a:rPr lang="en-US" b="1" dirty="0">
+                <a:solidFill>
+                  <a:schemeClr val="bg1"/>
+                </a:solidFill>
+              </a:rPr>
+              <a:t>..</a:t>
+            </a:r>
+          </a:p>
+          <a:p>
+            <a:r>
+              <a:rPr lang="en-US" b="1" dirty="0">
+                <a:solidFill>
+                  <a:schemeClr val="bg1"/>
+                </a:solidFill>
+              </a:rPr>
+              <a:t>JWTs are JSON data, encoded as a string, and cryptographically signed.</a:t>
+            </a:r>
+          </a:p>
+          <a:p>
+            <a:r>
+              <a:rPr lang="en-US" b="1" dirty="0">
+                <a:solidFill>
+                  <a:schemeClr val="bg1"/>
+                </a:solidFill>
+              </a:rPr>
+              <a:t>	</a:t>
+            </a:r>
+            <a:r>
+              <a:rPr lang="en-US" b="1" dirty="0" err="1">
+                <a:solidFill>
+                  <a:schemeClr val="bg1"/>
+                </a:solidFill>
+              </a:rPr>
+              <a:t>Unquely</a:t>
+            </a:r>
+            <a:r>
+              <a:rPr lang="en-US" b="1" dirty="0">
+                <a:solidFill>
+                  <a:schemeClr val="bg1"/>
+                </a:solidFill>
+              </a:rPr>
+              <a:t> identify a resource using JWT</a:t>
+            </a:r>
+          </a:p>
+          <a:p>
+            <a:r>
+              <a:rPr lang="en-US" b="1" dirty="0">
+                <a:solidFill>
+                  <a:schemeClr val="bg1"/>
+                </a:solidFill>
+              </a:rPr>
+              <a:t>Assume I’m blind and hard of hearing. </a:t>
+            </a:r>
+          </a:p>
+          <a:p>
+            <a:r>
+              <a:rPr lang="en-US" b="1" dirty="0">
+                <a:solidFill>
+                  <a:schemeClr val="bg1"/>
+                </a:solidFill>
+              </a:rPr>
+              <a:t>	Last week you bought me lunch, </a:t>
+            </a:r>
+          </a:p>
+          <a:p>
+            <a:r>
+              <a:rPr lang="en-US" b="1" dirty="0">
+                <a:solidFill>
+                  <a:schemeClr val="bg1"/>
+                </a:solidFill>
+              </a:rPr>
+              <a:t>	Now I need your </a:t>
+            </a:r>
+            <a:r>
+              <a:rPr lang="en-US" b="1" dirty="0" err="1">
+                <a:solidFill>
+                  <a:schemeClr val="bg1"/>
+                </a:solidFill>
+              </a:rPr>
+              <a:t>paytm</a:t>
+            </a:r>
+            <a:r>
+              <a:rPr lang="en-US" b="1" dirty="0">
+                <a:solidFill>
+                  <a:schemeClr val="bg1"/>
+                </a:solidFill>
+              </a:rPr>
+              <a:t> address to pay you back. </a:t>
+            </a:r>
+          </a:p>
+          <a:p>
+            <a:r>
+              <a:rPr lang="en-US" b="1" dirty="0">
+                <a:solidFill>
+                  <a:schemeClr val="bg1"/>
+                </a:solidFill>
+              </a:rPr>
+              <a:t>	If I ask you for your </a:t>
+            </a:r>
+            <a:r>
+              <a:rPr lang="en-US" b="1" dirty="0" err="1">
+                <a:solidFill>
+                  <a:schemeClr val="bg1"/>
+                </a:solidFill>
+              </a:rPr>
+              <a:t>paytm</a:t>
+            </a:r>
+            <a:r>
+              <a:rPr lang="en-US" b="1" dirty="0">
+                <a:solidFill>
+                  <a:schemeClr val="bg1"/>
+                </a:solidFill>
+              </a:rPr>
+              <a:t> address in person, </a:t>
+            </a:r>
+          </a:p>
+          <a:p>
+            <a:r>
+              <a:rPr lang="en-US" b="1" dirty="0">
+                <a:solidFill>
+                  <a:schemeClr val="bg1"/>
+                </a:solidFill>
+              </a:rPr>
+              <a:t>		someone else calls me and share their </a:t>
+            </a:r>
+            <a:r>
+              <a:rPr lang="en-US" b="1" dirty="0" err="1">
+                <a:solidFill>
+                  <a:schemeClr val="bg1"/>
+                </a:solidFill>
+              </a:rPr>
+              <a:t>paytm</a:t>
+            </a:r>
+            <a:r>
+              <a:rPr lang="en-US" b="1" dirty="0">
+                <a:solidFill>
+                  <a:schemeClr val="bg1"/>
+                </a:solidFill>
+              </a:rPr>
+              <a:t> address, </a:t>
+            </a:r>
+          </a:p>
+          <a:p>
+            <a:r>
+              <a:rPr lang="en-US" b="1" dirty="0">
+                <a:solidFill>
+                  <a:schemeClr val="bg1"/>
+                </a:solidFill>
+              </a:rPr>
+              <a:t>		I might accidentally send them the money I owe you.</a:t>
+            </a:r>
+          </a:p>
+          <a:p>
+            <a:r>
+              <a:rPr lang="en-US" b="1" dirty="0">
+                <a:solidFill>
+                  <a:schemeClr val="bg1"/>
+                </a:solidFill>
+              </a:rPr>
+              <a:t>	Instead if I gave you a unique number when </a:t>
+            </a:r>
+            <a:r>
+              <a:rPr lang="en-US" b="1" dirty="0" err="1">
+                <a:solidFill>
+                  <a:schemeClr val="bg1"/>
+                </a:solidFill>
+              </a:rPr>
+              <a:t>i</a:t>
+            </a:r>
+            <a:r>
+              <a:rPr lang="en-US" b="1" dirty="0">
+                <a:solidFill>
+                  <a:schemeClr val="bg1"/>
+                </a:solidFill>
+              </a:rPr>
+              <a:t> bought you lunch.</a:t>
+            </a:r>
+          </a:p>
+          <a:p>
+            <a:r>
+              <a:rPr lang="en-US" b="1" dirty="0">
+                <a:solidFill>
+                  <a:schemeClr val="bg1"/>
+                </a:solidFill>
+              </a:rPr>
+              <a:t>		Now you need to share the unique number along.</a:t>
+            </a:r>
+          </a:p>
+        </p:txBody>
+      </p:sp>
+    </p:spTree>
+    <p:extLst>
+      <p:ext uri="{BB962C8B-B14F-4D97-AF65-F5344CB8AC3E}">
+        <p14:creationId xmlns:p14="http://schemas.microsoft.com/office/powerpoint/2010/main" val="1131344006"/>
+      </p:ext>
+    </p:extLst>
+  </p:cSld>
+  <p:clrMapOvr>
+    <a:masterClrMapping/>
+  </p:clrMapOvr>
+</p:sld>
+</file>
+
+<file path=ppt/slides/slide38.xml><?xml version="1.0" encoding="utf-8"?>
+<p:sld xmlns:a="http://schemas.openxmlformats.org/drawingml/2006/main" xmlns:r="http://schemas.openxmlformats.org/officeDocument/2006/relationships" xmlns:p="http://schemas.openxmlformats.org/presentationml/2006/main">
+  <p:cSld>
+    <p:bg>
+      <p:bgPr>
+        <a:solidFill>
+          <a:schemeClr val="tx2">
+            <a:lumMod val="60000"/>
+            <a:lumOff val="40000"/>
+          </a:schemeClr>
+        </a:solidFill>
+        <a:effectLst/>
+      </p:bgPr>
+    </p:bg>
+    <p:spTree>
+      <p:nvGrpSpPr>
+        <p:cNvPr id="1" name=""/>
+        <p:cNvGrpSpPr/>
+        <p:nvPr/>
+      </p:nvGrpSpPr>
+      <p:grpSpPr>
+        <a:xfrm>
+          <a:off x="0" y="0"/>
+          <a:ext cx="0" cy="0"/>
+          <a:chOff x="0" y="0"/>
+          <a:chExt cx="0" cy="0"/>
+        </a:xfrm>
+      </p:grpSpPr>
+      <p:sp>
+        <p:nvSpPr>
+          <p:cNvPr id="2" name="Title 1">
+            <a:extLst>
+              <a:ext uri="{FF2B5EF4-FFF2-40B4-BE49-F238E27FC236}">
+                <a16:creationId xmlns:a16="http://schemas.microsoft.com/office/drawing/2014/main" id="{51F2C05B-3556-493B-855C-1F19ADDBAF69}"/>
+              </a:ext>
+            </a:extLst>
+          </p:cNvPr>
+          <p:cNvSpPr>
+            <a:spLocks noGrp="1"/>
+          </p:cNvSpPr>
+          <p:nvPr>
+            <p:ph type="title"/>
+          </p:nvPr>
+        </p:nvSpPr>
+        <p:spPr>
+          <a:xfrm>
+            <a:off x="838200" y="365125"/>
+            <a:ext cx="11099104" cy="1325563"/>
+          </a:xfrm>
+        </p:spPr>
+        <p:txBody>
+          <a:bodyPr/>
+          <a:lstStyle/>
+          <a:p>
+            <a:r>
+              <a:rPr lang="en-US" b="1" dirty="0">
+                <a:solidFill>
+                  <a:schemeClr val="bg1"/>
+                </a:solidFill>
+              </a:rPr>
+              <a:t>Encrypt and Protect Secrets</a:t>
+            </a:r>
+          </a:p>
+        </p:txBody>
+      </p:sp>
+      <p:sp>
+        <p:nvSpPr>
+          <p:cNvPr id="4" name="TextBox 3">
+            <a:extLst>
+              <a:ext uri="{FF2B5EF4-FFF2-40B4-BE49-F238E27FC236}">
+                <a16:creationId xmlns:a16="http://schemas.microsoft.com/office/drawing/2014/main" id="{A32609F5-383A-417E-B9B0-CE955463E2E4}"/>
+              </a:ext>
+            </a:extLst>
+          </p:cNvPr>
+          <p:cNvSpPr txBox="1"/>
+          <p:nvPr/>
+        </p:nvSpPr>
+        <p:spPr>
+          <a:xfrm>
+            <a:off x="838200" y="1516976"/>
+            <a:ext cx="10515600" cy="4524315"/>
+          </a:xfrm>
+          <a:prstGeom prst="rect">
+            <a:avLst/>
+          </a:prstGeom>
+          <a:noFill/>
+        </p:spPr>
+        <p:txBody>
+          <a:bodyPr wrap="square" rtlCol="0">
+            <a:spAutoFit/>
+          </a:bodyPr>
+          <a:lstStyle/>
+          <a:p>
+            <a:r>
+              <a:rPr lang="en-US" b="1" dirty="0">
+                <a:solidFill>
+                  <a:schemeClr val="bg1"/>
+                </a:solidFill>
+              </a:rPr>
+              <a:t>Generally microservices authenticates using an API key / tokens (JWT, PASTEO)</a:t>
+            </a:r>
+          </a:p>
+          <a:p>
+            <a:r>
+              <a:rPr lang="en-US" b="1" dirty="0">
+                <a:solidFill>
+                  <a:schemeClr val="bg1"/>
+                </a:solidFill>
+              </a:rPr>
+              <a:t>Rule 1</a:t>
+            </a:r>
+          </a:p>
+          <a:p>
+            <a:r>
+              <a:rPr lang="en-US" b="1" dirty="0">
+                <a:solidFill>
+                  <a:schemeClr val="bg1"/>
+                </a:solidFill>
+              </a:rPr>
+              <a:t>	Don’t check key into even private source control. </a:t>
+            </a:r>
+          </a:p>
+          <a:p>
+            <a:r>
+              <a:rPr lang="en-US" b="1" dirty="0">
+                <a:solidFill>
+                  <a:schemeClr val="bg1"/>
+                </a:solidFill>
+              </a:rPr>
+              <a:t>	Encrypt secrets </a:t>
+            </a:r>
+          </a:p>
+          <a:p>
+            <a:r>
+              <a:rPr lang="en-US" b="1" dirty="0">
+                <a:solidFill>
+                  <a:schemeClr val="bg1"/>
+                </a:solidFill>
+              </a:rPr>
+              <a:t>	Store in </a:t>
+            </a:r>
+            <a:r>
+              <a:rPr lang="en-US" b="1" dirty="0" err="1">
+                <a:solidFill>
+                  <a:schemeClr val="bg1"/>
+                </a:solidFill>
+              </a:rPr>
+              <a:t>Hashicorp</a:t>
+            </a:r>
+            <a:r>
+              <a:rPr lang="en-US" b="1" dirty="0">
+                <a:solidFill>
+                  <a:schemeClr val="bg1"/>
+                </a:solidFill>
+              </a:rPr>
+              <a:t> Vault or Spring Vault or Amazon KMS</a:t>
+            </a:r>
+          </a:p>
+          <a:p>
+            <a:r>
+              <a:rPr lang="en-US" b="1" dirty="0">
+                <a:solidFill>
+                  <a:schemeClr val="bg1"/>
+                </a:solidFill>
+              </a:rPr>
+              <a:t>Amazon KMS</a:t>
+            </a:r>
+          </a:p>
+          <a:p>
+            <a:r>
+              <a:rPr lang="en-US" b="1" dirty="0">
+                <a:solidFill>
+                  <a:schemeClr val="bg1"/>
+                </a:solidFill>
+              </a:rPr>
+              <a:t>	You generate a master key using KMS</a:t>
+            </a:r>
+          </a:p>
+          <a:p>
+            <a:r>
+              <a:rPr lang="en-US" b="1" dirty="0">
+                <a:solidFill>
+                  <a:schemeClr val="bg1"/>
+                </a:solidFill>
+              </a:rPr>
+              <a:t>	You want to encrypt data, </a:t>
+            </a:r>
+          </a:p>
+          <a:p>
+            <a:r>
+              <a:rPr lang="en-US" b="1" dirty="0">
+                <a:solidFill>
+                  <a:schemeClr val="bg1"/>
+                </a:solidFill>
+              </a:rPr>
+              <a:t>	You ask AWS to generate a new data key for you. </a:t>
+            </a:r>
+          </a:p>
+          <a:p>
+            <a:r>
+              <a:rPr lang="en-US" b="1" dirty="0">
+                <a:solidFill>
+                  <a:schemeClr val="bg1"/>
+                </a:solidFill>
+              </a:rPr>
+              <a:t>	A data key is a unique encryption key AWS generates for each piece of data you need to encrypt.</a:t>
+            </a:r>
+          </a:p>
+          <a:p>
+            <a:r>
+              <a:rPr lang="en-US" b="1" dirty="0">
+                <a:solidFill>
+                  <a:schemeClr val="bg1"/>
+                </a:solidFill>
+              </a:rPr>
+              <a:t>	You then encrypt your data using the data key</a:t>
+            </a:r>
+          </a:p>
+          <a:p>
+            <a:r>
+              <a:rPr lang="en-US" b="1" dirty="0">
+                <a:solidFill>
+                  <a:schemeClr val="bg1"/>
+                </a:solidFill>
+              </a:rPr>
+              <a:t>	Amazon will then encrypt your data key using the master key</a:t>
+            </a:r>
+          </a:p>
+          <a:p>
+            <a:r>
+              <a:rPr lang="en-US" b="1" dirty="0">
+                <a:solidFill>
+                  <a:schemeClr val="bg1"/>
+                </a:solidFill>
+              </a:rPr>
+              <a:t>	You merge the encrypted data key with the encrypted data to create an encrypted message. </a:t>
+            </a:r>
+          </a:p>
+          <a:p>
+            <a:r>
+              <a:rPr lang="en-US" b="1" dirty="0">
+                <a:solidFill>
+                  <a:schemeClr val="bg1"/>
+                </a:solidFill>
+              </a:rPr>
+              <a:t>	The encrypted message is your final output, </a:t>
+            </a:r>
+          </a:p>
+          <a:p>
+            <a:r>
+              <a:rPr lang="en-US" b="1" dirty="0">
+                <a:solidFill>
+                  <a:schemeClr val="bg1"/>
+                </a:solidFill>
+              </a:rPr>
+              <a:t>	which is what you would store as a file or in a database.</a:t>
+            </a:r>
+          </a:p>
+          <a:p>
+            <a:r>
+              <a:rPr lang="en-US" b="1" dirty="0">
+                <a:solidFill>
+                  <a:schemeClr val="bg1"/>
+                </a:solidFill>
+              </a:rPr>
+              <a:t>Alternatively you can use Azure Key Vaults</a:t>
+            </a:r>
+          </a:p>
+        </p:txBody>
+      </p:sp>
+    </p:spTree>
+    <p:extLst>
+      <p:ext uri="{BB962C8B-B14F-4D97-AF65-F5344CB8AC3E}">
+        <p14:creationId xmlns:p14="http://schemas.microsoft.com/office/powerpoint/2010/main" val="118816738"/>
+      </p:ext>
+    </p:extLst>
+  </p:cSld>
+  <p:clrMapOvr>
+    <a:masterClrMapping/>
+  </p:clrMapOvr>
+</p:sld>
+</file>
+
+<file path=ppt/slides/slide39.xml><?xml version="1.0" encoding="utf-8"?>
+<p:sld xmlns:a="http://schemas.openxmlformats.org/drawingml/2006/main" xmlns:r="http://schemas.openxmlformats.org/officeDocument/2006/relationships" xmlns:p="http://schemas.openxmlformats.org/presentationml/2006/main">
+  <p:cSld>
+    <p:bg>
+      <p:bgPr>
+        <a:solidFill>
+          <a:schemeClr val="tx2">
+            <a:lumMod val="60000"/>
+            <a:lumOff val="40000"/>
+          </a:schemeClr>
+        </a:solidFill>
+        <a:effectLst/>
+      </p:bgPr>
+    </p:bg>
+    <p:spTree>
+      <p:nvGrpSpPr>
+        <p:cNvPr id="1" name=""/>
+        <p:cNvGrpSpPr/>
+        <p:nvPr/>
+      </p:nvGrpSpPr>
+      <p:grpSpPr>
+        <a:xfrm>
+          <a:off x="0" y="0"/>
+          <a:ext cx="0" cy="0"/>
+          <a:chOff x="0" y="0"/>
+          <a:chExt cx="0" cy="0"/>
+        </a:xfrm>
+      </p:grpSpPr>
+      <p:sp>
+        <p:nvSpPr>
+          <p:cNvPr id="2" name="Title 1">
+            <a:extLst>
+              <a:ext uri="{FF2B5EF4-FFF2-40B4-BE49-F238E27FC236}">
+                <a16:creationId xmlns:a16="http://schemas.microsoft.com/office/drawing/2014/main" id="{51F2C05B-3556-493B-855C-1F19ADDBAF69}"/>
+              </a:ext>
+            </a:extLst>
+          </p:cNvPr>
+          <p:cNvSpPr>
+            <a:spLocks noGrp="1"/>
+          </p:cNvSpPr>
+          <p:nvPr>
+            <p:ph type="title"/>
+          </p:nvPr>
+        </p:nvSpPr>
+        <p:spPr>
+          <a:xfrm>
+            <a:off x="838200" y="365125"/>
+            <a:ext cx="11099104" cy="1325563"/>
+          </a:xfrm>
+        </p:spPr>
+        <p:txBody>
+          <a:bodyPr/>
+          <a:lstStyle/>
+          <a:p>
+            <a:r>
+              <a:rPr lang="en-US" b="1" dirty="0">
+                <a:solidFill>
+                  <a:schemeClr val="bg1"/>
+                </a:solidFill>
+              </a:rPr>
+              <a:t>Verify Security with Delivery Pipelines</a:t>
+            </a:r>
+          </a:p>
+        </p:txBody>
+      </p:sp>
+      <p:sp>
+        <p:nvSpPr>
+          <p:cNvPr id="4" name="TextBox 3">
+            <a:extLst>
+              <a:ext uri="{FF2B5EF4-FFF2-40B4-BE49-F238E27FC236}">
+                <a16:creationId xmlns:a16="http://schemas.microsoft.com/office/drawing/2014/main" id="{A32609F5-383A-417E-B9B0-CE955463E2E4}"/>
+              </a:ext>
+            </a:extLst>
+          </p:cNvPr>
+          <p:cNvSpPr txBox="1"/>
+          <p:nvPr/>
+        </p:nvSpPr>
+        <p:spPr>
+          <a:xfrm>
+            <a:off x="838200" y="1516976"/>
+            <a:ext cx="10515600" cy="1754326"/>
+          </a:xfrm>
+          <a:prstGeom prst="rect">
+            <a:avLst/>
+          </a:prstGeom>
+          <a:noFill/>
+        </p:spPr>
+        <p:txBody>
+          <a:bodyPr wrap="square" rtlCol="0">
+            <a:spAutoFit/>
+          </a:bodyPr>
+          <a:lstStyle/>
+          <a:p>
+            <a:r>
+              <a:rPr lang="en-US" b="1" dirty="0">
+                <a:solidFill>
+                  <a:schemeClr val="bg1"/>
+                </a:solidFill>
+              </a:rPr>
+              <a:t>Dependency and container scanning should be part of your source control monitoring system</a:t>
+            </a:r>
+          </a:p>
+          <a:p>
+            <a:r>
+              <a:rPr lang="en-US" b="1" dirty="0">
+                <a:solidFill>
+                  <a:schemeClr val="bg1"/>
+                </a:solidFill>
+              </a:rPr>
+              <a:t>Execute security tests when executing CI/CD.</a:t>
+            </a:r>
+          </a:p>
+          <a:p>
+            <a:r>
+              <a:rPr lang="en-US" b="1" dirty="0">
+                <a:solidFill>
+                  <a:schemeClr val="bg1"/>
+                </a:solidFill>
+              </a:rPr>
+              <a:t>	 security unit tests, </a:t>
+            </a:r>
+          </a:p>
+          <a:p>
+            <a:r>
+              <a:rPr lang="en-US" b="1" dirty="0">
+                <a:solidFill>
+                  <a:schemeClr val="bg1"/>
+                </a:solidFill>
+              </a:rPr>
+              <a:t>	 static analysis security testing (SAST), </a:t>
+            </a:r>
+          </a:p>
+          <a:p>
+            <a:r>
+              <a:rPr lang="en-US" b="1" dirty="0">
+                <a:solidFill>
+                  <a:schemeClr val="bg1"/>
+                </a:solidFill>
+              </a:rPr>
+              <a:t>	 dynamic analysis security testing (DAST).</a:t>
+            </a:r>
+          </a:p>
+          <a:p>
+            <a:endParaRPr lang="en-US" b="1" dirty="0">
+              <a:solidFill>
+                <a:schemeClr val="bg1"/>
+              </a:solidFill>
+            </a:endParaRPr>
+          </a:p>
+        </p:txBody>
+      </p:sp>
+    </p:spTree>
+    <p:extLst>
+      <p:ext uri="{BB962C8B-B14F-4D97-AF65-F5344CB8AC3E}">
+        <p14:creationId xmlns:p14="http://schemas.microsoft.com/office/powerpoint/2010/main" val="4119130609"/>
       </p:ext>
     </p:extLst>
   </p:cSld>
@@ -9277,6 +11760,1224 @@
     <p:extLst>
       <p:ext uri="{BB962C8B-B14F-4D97-AF65-F5344CB8AC3E}">
         <p14:creationId xmlns:p14="http://schemas.microsoft.com/office/powerpoint/2010/main" val="1678020484"/>
+      </p:ext>
+    </p:extLst>
+  </p:cSld>
+  <p:clrMapOvr>
+    <a:masterClrMapping/>
+  </p:clrMapOvr>
+</p:sld>
+</file>
+
+<file path=ppt/slides/slide40.xml><?xml version="1.0" encoding="utf-8"?>
+<p:sld xmlns:a="http://schemas.openxmlformats.org/drawingml/2006/main" xmlns:r="http://schemas.openxmlformats.org/officeDocument/2006/relationships" xmlns:p="http://schemas.openxmlformats.org/presentationml/2006/main">
+  <p:cSld>
+    <p:bg>
+      <p:bgPr>
+        <a:solidFill>
+          <a:schemeClr val="tx2">
+            <a:lumMod val="60000"/>
+            <a:lumOff val="40000"/>
+          </a:schemeClr>
+        </a:solidFill>
+        <a:effectLst/>
+      </p:bgPr>
+    </p:bg>
+    <p:spTree>
+      <p:nvGrpSpPr>
+        <p:cNvPr id="1" name=""/>
+        <p:cNvGrpSpPr/>
+        <p:nvPr/>
+      </p:nvGrpSpPr>
+      <p:grpSpPr>
+        <a:xfrm>
+          <a:off x="0" y="0"/>
+          <a:ext cx="0" cy="0"/>
+          <a:chOff x="0" y="0"/>
+          <a:chExt cx="0" cy="0"/>
+        </a:xfrm>
+      </p:grpSpPr>
+      <p:sp>
+        <p:nvSpPr>
+          <p:cNvPr id="2" name="Title 1">
+            <a:extLst>
+              <a:ext uri="{FF2B5EF4-FFF2-40B4-BE49-F238E27FC236}">
+                <a16:creationId xmlns:a16="http://schemas.microsoft.com/office/drawing/2014/main" id="{51F2C05B-3556-493B-855C-1F19ADDBAF69}"/>
+              </a:ext>
+            </a:extLst>
+          </p:cNvPr>
+          <p:cNvSpPr>
+            <a:spLocks noGrp="1"/>
+          </p:cNvSpPr>
+          <p:nvPr>
+            <p:ph type="title"/>
+          </p:nvPr>
+        </p:nvSpPr>
+        <p:spPr>
+          <a:xfrm>
+            <a:off x="838200" y="365125"/>
+            <a:ext cx="11099104" cy="1325563"/>
+          </a:xfrm>
+        </p:spPr>
+        <p:txBody>
+          <a:bodyPr/>
+          <a:lstStyle/>
+          <a:p>
+            <a:r>
+              <a:rPr lang="en-US" b="1" dirty="0">
+                <a:solidFill>
+                  <a:schemeClr val="bg1"/>
+                </a:solidFill>
+              </a:rPr>
+              <a:t>Slow Down Attackers</a:t>
+            </a:r>
+          </a:p>
+        </p:txBody>
+      </p:sp>
+      <p:sp>
+        <p:nvSpPr>
+          <p:cNvPr id="4" name="TextBox 3">
+            <a:extLst>
+              <a:ext uri="{FF2B5EF4-FFF2-40B4-BE49-F238E27FC236}">
+                <a16:creationId xmlns:a16="http://schemas.microsoft.com/office/drawing/2014/main" id="{A32609F5-383A-417E-B9B0-CE955463E2E4}"/>
+              </a:ext>
+            </a:extLst>
+          </p:cNvPr>
+          <p:cNvSpPr txBox="1"/>
+          <p:nvPr/>
+        </p:nvSpPr>
+        <p:spPr>
+          <a:xfrm>
+            <a:off x="838200" y="1516976"/>
+            <a:ext cx="10515600" cy="3139321"/>
+          </a:xfrm>
+          <a:prstGeom prst="rect">
+            <a:avLst/>
+          </a:prstGeom>
+          <a:noFill/>
+        </p:spPr>
+        <p:txBody>
+          <a:bodyPr wrap="square" rtlCol="0">
+            <a:spAutoFit/>
+          </a:bodyPr>
+          <a:lstStyle/>
+          <a:p>
+            <a:r>
+              <a:rPr lang="en-US" b="1" dirty="0">
+                <a:solidFill>
+                  <a:schemeClr val="bg1"/>
+                </a:solidFill>
+              </a:rPr>
+              <a:t>If someone tries to attack your APIs with hundreds of gigs of username/password combinations, </a:t>
+            </a:r>
+          </a:p>
+          <a:p>
+            <a:r>
+              <a:rPr lang="en-US" b="1" dirty="0">
+                <a:solidFill>
+                  <a:schemeClr val="bg1"/>
+                </a:solidFill>
+              </a:rPr>
+              <a:t>It could take a while for them to authenticate successfully. </a:t>
+            </a:r>
+          </a:p>
+          <a:p>
+            <a:r>
+              <a:rPr lang="en-US" b="1" dirty="0">
+                <a:solidFill>
+                  <a:schemeClr val="bg1"/>
+                </a:solidFill>
+              </a:rPr>
+              <a:t>	</a:t>
+            </a:r>
+          </a:p>
+          <a:p>
+            <a:r>
+              <a:rPr lang="en-US" b="1" dirty="0">
+                <a:solidFill>
+                  <a:schemeClr val="bg1"/>
+                </a:solidFill>
+              </a:rPr>
+              <a:t>Detect this attack and slow down your service, </a:t>
+            </a:r>
+          </a:p>
+          <a:p>
+            <a:r>
+              <a:rPr lang="en-US" b="1" dirty="0">
+                <a:solidFill>
+                  <a:schemeClr val="bg1"/>
+                </a:solidFill>
+              </a:rPr>
+              <a:t>	Most likely the attacker will go away. </a:t>
+            </a:r>
+          </a:p>
+          <a:p>
+            <a:r>
+              <a:rPr lang="en-US" b="1" dirty="0">
+                <a:solidFill>
+                  <a:schemeClr val="bg1"/>
+                </a:solidFill>
+              </a:rPr>
+              <a:t>	Simply not worth their time.</a:t>
+            </a:r>
+          </a:p>
+          <a:p>
+            <a:r>
+              <a:rPr lang="en-US" b="1" dirty="0">
+                <a:solidFill>
+                  <a:schemeClr val="bg1"/>
+                </a:solidFill>
+              </a:rPr>
+              <a:t>	You can implement rate-limiting (API rate limiting, email rate limiting </a:t>
+            </a:r>
+            <a:r>
+              <a:rPr lang="en-US" b="1" dirty="0" err="1">
+                <a:solidFill>
+                  <a:schemeClr val="bg1"/>
+                </a:solidFill>
+              </a:rPr>
+              <a:t>etc</a:t>
+            </a:r>
+            <a:r>
+              <a:rPr lang="en-US" b="1" dirty="0">
+                <a:solidFill>
+                  <a:schemeClr val="bg1"/>
+                </a:solidFill>
+              </a:rPr>
+              <a:t>)in your code </a:t>
+            </a:r>
+          </a:p>
+          <a:p>
+            <a:r>
+              <a:rPr lang="en-US" b="1" dirty="0">
+                <a:solidFill>
+                  <a:schemeClr val="bg1"/>
+                </a:solidFill>
+              </a:rPr>
+              <a:t>		(often with an open-source library) or </a:t>
+            </a:r>
+          </a:p>
+          <a:p>
+            <a:r>
+              <a:rPr lang="en-US" b="1" dirty="0">
+                <a:solidFill>
+                  <a:schemeClr val="bg1"/>
+                </a:solidFill>
+              </a:rPr>
+              <a:t>		your API Gateway or third party software. </a:t>
+            </a:r>
+          </a:p>
+          <a:p>
+            <a:endParaRPr lang="en-US" b="1" dirty="0">
+              <a:solidFill>
+                <a:schemeClr val="bg1"/>
+              </a:solidFill>
+            </a:endParaRPr>
+          </a:p>
+          <a:p>
+            <a:endParaRPr lang="en-US" b="1" dirty="0">
+              <a:solidFill>
+                <a:schemeClr val="bg1"/>
+              </a:solidFill>
+            </a:endParaRPr>
+          </a:p>
+        </p:txBody>
+      </p:sp>
+    </p:spTree>
+    <p:extLst>
+      <p:ext uri="{BB962C8B-B14F-4D97-AF65-F5344CB8AC3E}">
+        <p14:creationId xmlns:p14="http://schemas.microsoft.com/office/powerpoint/2010/main" val="3884806925"/>
+      </p:ext>
+    </p:extLst>
+  </p:cSld>
+  <p:clrMapOvr>
+    <a:masterClrMapping/>
+  </p:clrMapOvr>
+</p:sld>
+</file>
+
+<file path=ppt/slides/slide41.xml><?xml version="1.0" encoding="utf-8"?>
+<p:sld xmlns:a="http://schemas.openxmlformats.org/drawingml/2006/main" xmlns:r="http://schemas.openxmlformats.org/officeDocument/2006/relationships" xmlns:p="http://schemas.openxmlformats.org/presentationml/2006/main">
+  <p:cSld>
+    <p:bg>
+      <p:bgPr>
+        <a:solidFill>
+          <a:schemeClr val="tx2">
+            <a:lumMod val="60000"/>
+            <a:lumOff val="40000"/>
+          </a:schemeClr>
+        </a:solidFill>
+        <a:effectLst/>
+      </p:bgPr>
+    </p:bg>
+    <p:spTree>
+      <p:nvGrpSpPr>
+        <p:cNvPr id="1" name=""/>
+        <p:cNvGrpSpPr/>
+        <p:nvPr/>
+      </p:nvGrpSpPr>
+      <p:grpSpPr>
+        <a:xfrm>
+          <a:off x="0" y="0"/>
+          <a:ext cx="0" cy="0"/>
+          <a:chOff x="0" y="0"/>
+          <a:chExt cx="0" cy="0"/>
+        </a:xfrm>
+      </p:grpSpPr>
+      <p:sp>
+        <p:nvSpPr>
+          <p:cNvPr id="2" name="Title 1">
+            <a:extLst>
+              <a:ext uri="{FF2B5EF4-FFF2-40B4-BE49-F238E27FC236}">
+                <a16:creationId xmlns:a16="http://schemas.microsoft.com/office/drawing/2014/main" id="{51F2C05B-3556-493B-855C-1F19ADDBAF69}"/>
+              </a:ext>
+            </a:extLst>
+          </p:cNvPr>
+          <p:cNvSpPr>
+            <a:spLocks noGrp="1"/>
+          </p:cNvSpPr>
+          <p:nvPr>
+            <p:ph type="title"/>
+          </p:nvPr>
+        </p:nvSpPr>
+        <p:spPr>
+          <a:xfrm>
+            <a:off x="838200" y="365125"/>
+            <a:ext cx="11099104" cy="1325563"/>
+          </a:xfrm>
+        </p:spPr>
+        <p:txBody>
+          <a:bodyPr/>
+          <a:lstStyle/>
+          <a:p>
+            <a:r>
+              <a:rPr lang="en-US" b="1" dirty="0">
+                <a:solidFill>
+                  <a:schemeClr val="bg1"/>
+                </a:solidFill>
+              </a:rPr>
+              <a:t>Use Docker Rootless Mode</a:t>
+            </a:r>
+          </a:p>
+        </p:txBody>
+      </p:sp>
+      <p:sp>
+        <p:nvSpPr>
+          <p:cNvPr id="4" name="TextBox 3">
+            <a:extLst>
+              <a:ext uri="{FF2B5EF4-FFF2-40B4-BE49-F238E27FC236}">
+                <a16:creationId xmlns:a16="http://schemas.microsoft.com/office/drawing/2014/main" id="{A32609F5-383A-417E-B9B0-CE955463E2E4}"/>
+              </a:ext>
+            </a:extLst>
+          </p:cNvPr>
+          <p:cNvSpPr txBox="1"/>
+          <p:nvPr/>
+        </p:nvSpPr>
+        <p:spPr>
+          <a:xfrm>
+            <a:off x="838200" y="1516976"/>
+            <a:ext cx="10515600" cy="369332"/>
+          </a:xfrm>
+          <a:prstGeom prst="rect">
+            <a:avLst/>
+          </a:prstGeom>
+          <a:noFill/>
+        </p:spPr>
+        <p:txBody>
+          <a:bodyPr wrap="square" rtlCol="0">
+            <a:spAutoFit/>
+          </a:bodyPr>
+          <a:lstStyle/>
+          <a:p>
+            <a:r>
+              <a:rPr lang="en-US" b="1" dirty="0">
+                <a:solidFill>
+                  <a:schemeClr val="bg1"/>
+                </a:solidFill>
+              </a:rPr>
+              <a:t>?</a:t>
+            </a:r>
+          </a:p>
+        </p:txBody>
+      </p:sp>
+    </p:spTree>
+    <p:extLst>
+      <p:ext uri="{BB962C8B-B14F-4D97-AF65-F5344CB8AC3E}">
+        <p14:creationId xmlns:p14="http://schemas.microsoft.com/office/powerpoint/2010/main" val="3331135260"/>
+      </p:ext>
+    </p:extLst>
+  </p:cSld>
+  <p:clrMapOvr>
+    <a:masterClrMapping/>
+  </p:clrMapOvr>
+</p:sld>
+</file>
+
+<file path=ppt/slides/slide42.xml><?xml version="1.0" encoding="utf-8"?>
+<p:sld xmlns:a="http://schemas.openxmlformats.org/drawingml/2006/main" xmlns:r="http://schemas.openxmlformats.org/officeDocument/2006/relationships" xmlns:p="http://schemas.openxmlformats.org/presentationml/2006/main">
+  <p:cSld>
+    <p:bg>
+      <p:bgPr>
+        <a:solidFill>
+          <a:schemeClr val="tx2">
+            <a:lumMod val="60000"/>
+            <a:lumOff val="40000"/>
+          </a:schemeClr>
+        </a:solidFill>
+        <a:effectLst/>
+      </p:bgPr>
+    </p:bg>
+    <p:spTree>
+      <p:nvGrpSpPr>
+        <p:cNvPr id="1" name=""/>
+        <p:cNvGrpSpPr/>
+        <p:nvPr/>
+      </p:nvGrpSpPr>
+      <p:grpSpPr>
+        <a:xfrm>
+          <a:off x="0" y="0"/>
+          <a:ext cx="0" cy="0"/>
+          <a:chOff x="0" y="0"/>
+          <a:chExt cx="0" cy="0"/>
+        </a:xfrm>
+      </p:grpSpPr>
+      <p:sp>
+        <p:nvSpPr>
+          <p:cNvPr id="2" name="Title 1">
+            <a:extLst>
+              <a:ext uri="{FF2B5EF4-FFF2-40B4-BE49-F238E27FC236}">
+                <a16:creationId xmlns:a16="http://schemas.microsoft.com/office/drawing/2014/main" id="{51F2C05B-3556-493B-855C-1F19ADDBAF69}"/>
+              </a:ext>
+            </a:extLst>
+          </p:cNvPr>
+          <p:cNvSpPr>
+            <a:spLocks noGrp="1"/>
+          </p:cNvSpPr>
+          <p:nvPr>
+            <p:ph type="title"/>
+          </p:nvPr>
+        </p:nvSpPr>
+        <p:spPr>
+          <a:xfrm>
+            <a:off x="838200" y="365125"/>
+            <a:ext cx="11099104" cy="1325563"/>
+          </a:xfrm>
+        </p:spPr>
+        <p:txBody>
+          <a:bodyPr/>
+          <a:lstStyle/>
+          <a:p>
+            <a:r>
+              <a:rPr lang="en-US" b="1" dirty="0">
+                <a:solidFill>
+                  <a:schemeClr val="bg1"/>
+                </a:solidFill>
+              </a:rPr>
+              <a:t>Use Time-Based Security</a:t>
+            </a:r>
+          </a:p>
+        </p:txBody>
+      </p:sp>
+      <p:sp>
+        <p:nvSpPr>
+          <p:cNvPr id="4" name="TextBox 3">
+            <a:extLst>
+              <a:ext uri="{FF2B5EF4-FFF2-40B4-BE49-F238E27FC236}">
+                <a16:creationId xmlns:a16="http://schemas.microsoft.com/office/drawing/2014/main" id="{A32609F5-383A-417E-B9B0-CE955463E2E4}"/>
+              </a:ext>
+            </a:extLst>
+          </p:cNvPr>
+          <p:cNvSpPr txBox="1"/>
+          <p:nvPr/>
+        </p:nvSpPr>
+        <p:spPr>
+          <a:xfrm>
+            <a:off x="838200" y="1516976"/>
+            <a:ext cx="10515600" cy="3139321"/>
+          </a:xfrm>
+          <a:prstGeom prst="rect">
+            <a:avLst/>
+          </a:prstGeom>
+          <a:noFill/>
+        </p:spPr>
+        <p:txBody>
+          <a:bodyPr wrap="square" rtlCol="0">
+            <a:spAutoFit/>
+          </a:bodyPr>
+          <a:lstStyle/>
+          <a:p>
+            <a:r>
+              <a:rPr lang="en-US" b="1" dirty="0">
+                <a:solidFill>
+                  <a:schemeClr val="bg1"/>
+                </a:solidFill>
+              </a:rPr>
+              <a:t>System is never fully secure—</a:t>
+            </a:r>
+          </a:p>
+          <a:p>
+            <a:r>
+              <a:rPr lang="en-US" b="1" dirty="0">
+                <a:solidFill>
+                  <a:schemeClr val="bg1"/>
+                </a:solidFill>
+              </a:rPr>
+              <a:t>Someone will break in. </a:t>
+            </a:r>
+          </a:p>
+          <a:p>
+            <a:r>
+              <a:rPr lang="en-US" b="1" dirty="0">
+                <a:solidFill>
+                  <a:schemeClr val="bg1"/>
+                </a:solidFill>
+              </a:rPr>
+              <a:t>Preventing intruders is only one part of securing a system; </a:t>
+            </a:r>
+          </a:p>
+          <a:p>
+            <a:r>
+              <a:rPr lang="en-US" b="1" dirty="0">
+                <a:solidFill>
+                  <a:schemeClr val="bg1"/>
+                </a:solidFill>
+              </a:rPr>
+              <a:t>Detection and reaction are essential, too.</a:t>
+            </a:r>
+          </a:p>
+          <a:p>
+            <a:r>
+              <a:rPr lang="en-US" b="1" dirty="0">
+                <a:solidFill>
+                  <a:schemeClr val="bg1"/>
+                </a:solidFill>
+              </a:rPr>
+              <a:t>	</a:t>
+            </a:r>
+          </a:p>
+          <a:p>
+            <a:r>
+              <a:rPr lang="en-US" b="1" dirty="0">
+                <a:solidFill>
+                  <a:schemeClr val="bg1"/>
+                </a:solidFill>
+              </a:rPr>
+              <a:t>Use multi-factor authentication to slow down intruders, </a:t>
+            </a:r>
+          </a:p>
+          <a:p>
+            <a:r>
+              <a:rPr lang="en-US" b="1" dirty="0">
+                <a:solidFill>
+                  <a:schemeClr val="bg1"/>
+                </a:solidFill>
+              </a:rPr>
+              <a:t>	</a:t>
+            </a:r>
+          </a:p>
+          <a:p>
+            <a:r>
+              <a:rPr lang="en-US" b="1" dirty="0">
+                <a:solidFill>
+                  <a:schemeClr val="bg1"/>
+                </a:solidFill>
+              </a:rPr>
+              <a:t>But also to help detect when someone with elevated privilege authenticates into a critical server </a:t>
+            </a:r>
+          </a:p>
+          <a:p>
+            <a:r>
+              <a:rPr lang="en-US" b="1" dirty="0">
+                <a:solidFill>
+                  <a:schemeClr val="bg1"/>
+                </a:solidFill>
+              </a:rPr>
+              <a:t>	Send an alert to your network administrator team whenever there’s a successful login.</a:t>
+            </a:r>
+          </a:p>
+          <a:p>
+            <a:r>
+              <a:rPr lang="en-US" b="1" dirty="0">
+                <a:solidFill>
+                  <a:schemeClr val="bg1"/>
+                </a:solidFill>
+              </a:rPr>
+              <a:t>Implement solutions like the above.</a:t>
+            </a:r>
+          </a:p>
+          <a:p>
+            <a:r>
+              <a:rPr lang="en-US" b="1" dirty="0">
+                <a:solidFill>
+                  <a:schemeClr val="bg1"/>
+                </a:solidFill>
+              </a:rPr>
+              <a:t>	Another e.g. </a:t>
+            </a:r>
+            <a:r>
+              <a:rPr lang="en-US" b="1" dirty="0" err="1">
+                <a:solidFill>
+                  <a:schemeClr val="bg1"/>
+                </a:solidFill>
+              </a:rPr>
+              <a:t>extemely</a:t>
+            </a:r>
+            <a:r>
+              <a:rPr lang="en-US" b="1" dirty="0">
+                <a:solidFill>
+                  <a:schemeClr val="bg1"/>
+                </a:solidFill>
+              </a:rPr>
+              <a:t> critical login can happen only from a single machine.</a:t>
+            </a:r>
+          </a:p>
+        </p:txBody>
+      </p:sp>
+    </p:spTree>
+    <p:extLst>
+      <p:ext uri="{BB962C8B-B14F-4D97-AF65-F5344CB8AC3E}">
+        <p14:creationId xmlns:p14="http://schemas.microsoft.com/office/powerpoint/2010/main" val="4228632976"/>
+      </p:ext>
+    </p:extLst>
+  </p:cSld>
+  <p:clrMapOvr>
+    <a:masterClrMapping/>
+  </p:clrMapOvr>
+</p:sld>
+</file>
+
+<file path=ppt/slides/slide43.xml><?xml version="1.0" encoding="utf-8"?>
+<p:sld xmlns:a="http://schemas.openxmlformats.org/drawingml/2006/main" xmlns:r="http://schemas.openxmlformats.org/officeDocument/2006/relationships" xmlns:p="http://schemas.openxmlformats.org/presentationml/2006/main">
+  <p:cSld>
+    <p:bg>
+      <p:bgPr>
+        <a:solidFill>
+          <a:schemeClr val="tx2">
+            <a:lumMod val="60000"/>
+            <a:lumOff val="40000"/>
+          </a:schemeClr>
+        </a:solidFill>
+        <a:effectLst/>
+      </p:bgPr>
+    </p:bg>
+    <p:spTree>
+      <p:nvGrpSpPr>
+        <p:cNvPr id="1" name=""/>
+        <p:cNvGrpSpPr/>
+        <p:nvPr/>
+      </p:nvGrpSpPr>
+      <p:grpSpPr>
+        <a:xfrm>
+          <a:off x="0" y="0"/>
+          <a:ext cx="0" cy="0"/>
+          <a:chOff x="0" y="0"/>
+          <a:chExt cx="0" cy="0"/>
+        </a:xfrm>
+      </p:grpSpPr>
+      <p:sp>
+        <p:nvSpPr>
+          <p:cNvPr id="2" name="Title 1">
+            <a:extLst>
+              <a:ext uri="{FF2B5EF4-FFF2-40B4-BE49-F238E27FC236}">
+                <a16:creationId xmlns:a16="http://schemas.microsoft.com/office/drawing/2014/main" id="{51F2C05B-3556-493B-855C-1F19ADDBAF69}"/>
+              </a:ext>
+            </a:extLst>
+          </p:cNvPr>
+          <p:cNvSpPr>
+            <a:spLocks noGrp="1"/>
+          </p:cNvSpPr>
+          <p:nvPr>
+            <p:ph type="title"/>
+          </p:nvPr>
+        </p:nvSpPr>
+        <p:spPr>
+          <a:xfrm>
+            <a:off x="838200" y="365125"/>
+            <a:ext cx="11099104" cy="1325563"/>
+          </a:xfrm>
+        </p:spPr>
+        <p:txBody>
+          <a:bodyPr/>
+          <a:lstStyle/>
+          <a:p>
+            <a:r>
+              <a:rPr lang="en-US" b="1" dirty="0">
+                <a:solidFill>
+                  <a:schemeClr val="bg1"/>
+                </a:solidFill>
+              </a:rPr>
+              <a:t>Scan Docker and Kubernetes Configuration for Vulnerabilities</a:t>
+            </a:r>
+          </a:p>
+        </p:txBody>
+      </p:sp>
+      <p:sp>
+        <p:nvSpPr>
+          <p:cNvPr id="4" name="TextBox 3">
+            <a:extLst>
+              <a:ext uri="{FF2B5EF4-FFF2-40B4-BE49-F238E27FC236}">
+                <a16:creationId xmlns:a16="http://schemas.microsoft.com/office/drawing/2014/main" id="{A32609F5-383A-417E-B9B0-CE955463E2E4}"/>
+              </a:ext>
+            </a:extLst>
+          </p:cNvPr>
+          <p:cNvSpPr txBox="1"/>
+          <p:nvPr/>
+        </p:nvSpPr>
+        <p:spPr>
+          <a:xfrm>
+            <a:off x="838200" y="1859339"/>
+            <a:ext cx="10515600" cy="3139321"/>
+          </a:xfrm>
+          <a:prstGeom prst="rect">
+            <a:avLst/>
+          </a:prstGeom>
+          <a:noFill/>
+        </p:spPr>
+        <p:txBody>
+          <a:bodyPr wrap="square" rtlCol="0">
+            <a:spAutoFit/>
+          </a:bodyPr>
+          <a:lstStyle/>
+          <a:p>
+            <a:r>
+              <a:rPr lang="en-US" b="1" dirty="0">
+                <a:solidFill>
+                  <a:schemeClr val="bg1"/>
+                </a:solidFill>
+              </a:rPr>
+              <a:t> Prefer minimal base images</a:t>
+            </a:r>
+          </a:p>
+          <a:p>
+            <a:r>
+              <a:rPr lang="en-US" b="1" dirty="0">
+                <a:solidFill>
+                  <a:schemeClr val="bg1"/>
+                </a:solidFill>
+              </a:rPr>
+              <a:t>Use the USER directive to make sure the least privileged is used</a:t>
+            </a:r>
+          </a:p>
+          <a:p>
+            <a:r>
+              <a:rPr lang="en-US" b="1" dirty="0">
+                <a:solidFill>
+                  <a:schemeClr val="bg1"/>
+                </a:solidFill>
+              </a:rPr>
+              <a:t>Sign and verify images to mitigate attacks</a:t>
+            </a:r>
+          </a:p>
+          <a:p>
+            <a:r>
+              <a:rPr lang="en-US" b="1" dirty="0">
+                <a:solidFill>
+                  <a:schemeClr val="bg1"/>
+                </a:solidFill>
+              </a:rPr>
+              <a:t>Find, fix, and monitor for open-source vulnerabilities (</a:t>
+            </a:r>
+            <a:r>
+              <a:rPr lang="en-US" b="1" dirty="0" err="1">
+                <a:solidFill>
+                  <a:schemeClr val="bg1"/>
+                </a:solidFill>
+              </a:rPr>
+              <a:t>Snyk</a:t>
+            </a:r>
+            <a:r>
+              <a:rPr lang="en-US" b="1" dirty="0">
+                <a:solidFill>
+                  <a:schemeClr val="bg1"/>
+                </a:solidFill>
+              </a:rPr>
+              <a:t> offers a way to scan and monitor your Docker images too)</a:t>
+            </a:r>
+          </a:p>
+          <a:p>
+            <a:r>
+              <a:rPr lang="en-US" b="1" dirty="0">
+                <a:solidFill>
+                  <a:schemeClr val="bg1"/>
+                </a:solidFill>
+              </a:rPr>
+              <a:t>Don’t leak sensitive information to Docker images</a:t>
+            </a:r>
+          </a:p>
+          <a:p>
+            <a:r>
+              <a:rPr lang="en-US" b="1" dirty="0">
+                <a:solidFill>
+                  <a:schemeClr val="bg1"/>
+                </a:solidFill>
+              </a:rPr>
+              <a:t>Use fixed tags for immutability</a:t>
+            </a:r>
+          </a:p>
+          <a:p>
+            <a:r>
+              <a:rPr lang="en-US" b="1" dirty="0">
+                <a:solidFill>
+                  <a:schemeClr val="bg1"/>
+                </a:solidFill>
+              </a:rPr>
+              <a:t>Use COPY instead of ADD</a:t>
+            </a:r>
+          </a:p>
+          <a:p>
+            <a:r>
+              <a:rPr lang="en-US" b="1" dirty="0">
+                <a:solidFill>
+                  <a:schemeClr val="bg1"/>
+                </a:solidFill>
+              </a:rPr>
+              <a:t>Use metadata labels like maintainer and </a:t>
+            </a:r>
+            <a:r>
+              <a:rPr lang="en-US" b="1" dirty="0" err="1">
+                <a:solidFill>
+                  <a:schemeClr val="bg1"/>
+                </a:solidFill>
+              </a:rPr>
+              <a:t>securitytxt</a:t>
+            </a:r>
+            <a:endParaRPr lang="en-US" b="1" dirty="0">
+              <a:solidFill>
+                <a:schemeClr val="bg1"/>
+              </a:solidFill>
+            </a:endParaRPr>
+          </a:p>
+          <a:p>
+            <a:r>
+              <a:rPr lang="en-US" b="1" dirty="0">
+                <a:solidFill>
+                  <a:schemeClr val="bg1"/>
+                </a:solidFill>
+              </a:rPr>
+              <a:t>Use multi-stage builds for small and secure images</a:t>
+            </a:r>
+          </a:p>
+          <a:p>
+            <a:r>
+              <a:rPr lang="en-US" b="1" dirty="0">
+                <a:solidFill>
+                  <a:schemeClr val="bg1"/>
+                </a:solidFill>
+              </a:rPr>
+              <a:t>Use a linter like </a:t>
+            </a:r>
+            <a:r>
+              <a:rPr lang="en-US" b="1" dirty="0" err="1">
+                <a:solidFill>
+                  <a:schemeClr val="bg1"/>
+                </a:solidFill>
+              </a:rPr>
+              <a:t>hadolint</a:t>
+            </a:r>
+            <a:endParaRPr lang="en-US" b="1" dirty="0">
+              <a:solidFill>
+                <a:schemeClr val="bg1"/>
+              </a:solidFill>
+            </a:endParaRPr>
+          </a:p>
+        </p:txBody>
+      </p:sp>
+    </p:spTree>
+    <p:extLst>
+      <p:ext uri="{BB962C8B-B14F-4D97-AF65-F5344CB8AC3E}">
+        <p14:creationId xmlns:p14="http://schemas.microsoft.com/office/powerpoint/2010/main" val="1904339396"/>
+      </p:ext>
+    </p:extLst>
+  </p:cSld>
+  <p:clrMapOvr>
+    <a:masterClrMapping/>
+  </p:clrMapOvr>
+</p:sld>
+</file>
+
+<file path=ppt/slides/slide44.xml><?xml version="1.0" encoding="utf-8"?>
+<p:sld xmlns:a="http://schemas.openxmlformats.org/drawingml/2006/main" xmlns:r="http://schemas.openxmlformats.org/officeDocument/2006/relationships" xmlns:p="http://schemas.openxmlformats.org/presentationml/2006/main">
+  <p:cSld>
+    <p:bg>
+      <p:bgPr>
+        <a:solidFill>
+          <a:schemeClr val="tx2">
+            <a:lumMod val="60000"/>
+            <a:lumOff val="40000"/>
+          </a:schemeClr>
+        </a:solidFill>
+        <a:effectLst/>
+      </p:bgPr>
+    </p:bg>
+    <p:spTree>
+      <p:nvGrpSpPr>
+        <p:cNvPr id="1" name=""/>
+        <p:cNvGrpSpPr/>
+        <p:nvPr/>
+      </p:nvGrpSpPr>
+      <p:grpSpPr>
+        <a:xfrm>
+          <a:off x="0" y="0"/>
+          <a:ext cx="0" cy="0"/>
+          <a:chOff x="0" y="0"/>
+          <a:chExt cx="0" cy="0"/>
+        </a:xfrm>
+      </p:grpSpPr>
+      <p:sp>
+        <p:nvSpPr>
+          <p:cNvPr id="2" name="Title 1">
+            <a:extLst>
+              <a:ext uri="{FF2B5EF4-FFF2-40B4-BE49-F238E27FC236}">
+                <a16:creationId xmlns:a16="http://schemas.microsoft.com/office/drawing/2014/main" id="{51F2C05B-3556-493B-855C-1F19ADDBAF69}"/>
+              </a:ext>
+            </a:extLst>
+          </p:cNvPr>
+          <p:cNvSpPr>
+            <a:spLocks noGrp="1"/>
+          </p:cNvSpPr>
+          <p:nvPr>
+            <p:ph type="title"/>
+          </p:nvPr>
+        </p:nvSpPr>
+        <p:spPr>
+          <a:xfrm>
+            <a:off x="838200" y="365125"/>
+            <a:ext cx="11099104" cy="1325563"/>
+          </a:xfrm>
+        </p:spPr>
+        <p:txBody>
+          <a:bodyPr/>
+          <a:lstStyle/>
+          <a:p>
+            <a:r>
+              <a:rPr lang="en-US" b="1" dirty="0">
+                <a:solidFill>
+                  <a:schemeClr val="bg1"/>
+                </a:solidFill>
+              </a:rPr>
+              <a:t>Know Your Cloud and Cluster Security</a:t>
+            </a:r>
+          </a:p>
+        </p:txBody>
+      </p:sp>
+      <p:sp>
+        <p:nvSpPr>
+          <p:cNvPr id="4" name="TextBox 3">
+            <a:extLst>
+              <a:ext uri="{FF2B5EF4-FFF2-40B4-BE49-F238E27FC236}">
+                <a16:creationId xmlns:a16="http://schemas.microsoft.com/office/drawing/2014/main" id="{A32609F5-383A-417E-B9B0-CE955463E2E4}"/>
+              </a:ext>
+            </a:extLst>
+          </p:cNvPr>
+          <p:cNvSpPr txBox="1"/>
+          <p:nvPr/>
+        </p:nvSpPr>
+        <p:spPr>
+          <a:xfrm>
+            <a:off x="838200" y="1516976"/>
+            <a:ext cx="10515600" cy="3139321"/>
+          </a:xfrm>
+          <a:prstGeom prst="rect">
+            <a:avLst/>
+          </a:prstGeom>
+          <a:noFill/>
+        </p:spPr>
+        <p:txBody>
+          <a:bodyPr wrap="square" rtlCol="0">
+            <a:spAutoFit/>
+          </a:bodyPr>
+          <a:lstStyle/>
+          <a:p>
+            <a:r>
+              <a:rPr lang="en-US" b="1" dirty="0">
+                <a:solidFill>
+                  <a:schemeClr val="bg1"/>
+                </a:solidFill>
+              </a:rPr>
+              <a:t> Use TLS Everywhere</a:t>
+            </a:r>
+          </a:p>
+          <a:p>
+            <a:r>
+              <a:rPr lang="en-US" b="1" dirty="0">
+                <a:solidFill>
+                  <a:schemeClr val="bg1"/>
+                </a:solidFill>
+              </a:rPr>
+              <a:t>Enable RBAC with Least Privilege, Disable ABAC, and use Audit Logging</a:t>
+            </a:r>
+          </a:p>
+          <a:p>
+            <a:r>
+              <a:rPr lang="en-US" b="1" dirty="0">
+                <a:solidFill>
+                  <a:schemeClr val="bg1"/>
+                </a:solidFill>
+              </a:rPr>
+              <a:t>Use a Third-Party Auth provider (like Google, GitHub - or Okta!)</a:t>
+            </a:r>
+          </a:p>
+          <a:p>
+            <a:r>
+              <a:rPr lang="en-US" b="1" dirty="0">
+                <a:solidFill>
+                  <a:schemeClr val="bg1"/>
+                </a:solidFill>
+              </a:rPr>
+              <a:t>Separate and Firewall your </a:t>
+            </a:r>
+            <a:r>
+              <a:rPr lang="en-US" b="1" dirty="0" err="1">
+                <a:solidFill>
+                  <a:schemeClr val="bg1"/>
+                </a:solidFill>
+              </a:rPr>
+              <a:t>etcd</a:t>
+            </a:r>
+            <a:r>
+              <a:rPr lang="en-US" b="1" dirty="0">
+                <a:solidFill>
+                  <a:schemeClr val="bg1"/>
+                </a:solidFill>
+              </a:rPr>
+              <a:t> Cluster</a:t>
+            </a:r>
+          </a:p>
+          <a:p>
+            <a:r>
+              <a:rPr lang="en-US" b="1" dirty="0">
+                <a:solidFill>
+                  <a:schemeClr val="bg1"/>
+                </a:solidFill>
+              </a:rPr>
+              <a:t>Rotate Encryption Keys</a:t>
+            </a:r>
+          </a:p>
+          <a:p>
+            <a:r>
+              <a:rPr lang="en-US" b="1" dirty="0">
+                <a:solidFill>
+                  <a:schemeClr val="bg1"/>
+                </a:solidFill>
+              </a:rPr>
+              <a:t>Use Linux Security Features and a restricted </a:t>
+            </a:r>
+            <a:r>
+              <a:rPr lang="en-US" b="1" dirty="0" err="1">
+                <a:solidFill>
+                  <a:schemeClr val="bg1"/>
+                </a:solidFill>
+              </a:rPr>
+              <a:t>PodSecurityPolicy</a:t>
+            </a:r>
+            <a:endParaRPr lang="en-US" b="1" dirty="0">
+              <a:solidFill>
+                <a:schemeClr val="bg1"/>
+              </a:solidFill>
+            </a:endParaRPr>
+          </a:p>
+          <a:p>
+            <a:r>
+              <a:rPr lang="en-US" b="1" dirty="0">
+                <a:solidFill>
+                  <a:schemeClr val="bg1"/>
+                </a:solidFill>
+              </a:rPr>
+              <a:t>Statically </a:t>
+            </a:r>
+            <a:r>
+              <a:rPr lang="en-US" b="1" dirty="0" err="1">
+                <a:solidFill>
+                  <a:schemeClr val="bg1"/>
+                </a:solidFill>
+              </a:rPr>
+              <a:t>Analyse</a:t>
+            </a:r>
+            <a:r>
+              <a:rPr lang="en-US" b="1" dirty="0">
+                <a:solidFill>
+                  <a:schemeClr val="bg1"/>
+                </a:solidFill>
+              </a:rPr>
+              <a:t> YAML</a:t>
+            </a:r>
+          </a:p>
+          <a:p>
+            <a:r>
+              <a:rPr lang="en-US" b="1" dirty="0">
+                <a:solidFill>
+                  <a:schemeClr val="bg1"/>
+                </a:solidFill>
+              </a:rPr>
+              <a:t>Run Containers as a Non-Root User</a:t>
+            </a:r>
+          </a:p>
+          <a:p>
+            <a:r>
+              <a:rPr lang="en-US" b="1" dirty="0">
+                <a:solidFill>
+                  <a:schemeClr val="bg1"/>
+                </a:solidFill>
+              </a:rPr>
+              <a:t>Use Network Policies (to limit traffic between pods)</a:t>
+            </a:r>
+          </a:p>
+          <a:p>
+            <a:r>
+              <a:rPr lang="en-US" b="1" dirty="0">
+                <a:solidFill>
+                  <a:schemeClr val="bg1"/>
+                </a:solidFill>
+              </a:rPr>
+              <a:t>Scan Images and Run IDS (Intrusion Detection System)</a:t>
+            </a:r>
+          </a:p>
+          <a:p>
+            <a:r>
+              <a:rPr lang="en-US" b="1" dirty="0">
+                <a:solidFill>
+                  <a:schemeClr val="bg1"/>
+                </a:solidFill>
+              </a:rPr>
+              <a:t>Run a Service Mesh</a:t>
+            </a:r>
+          </a:p>
+        </p:txBody>
+      </p:sp>
+    </p:spTree>
+    <p:extLst>
+      <p:ext uri="{BB962C8B-B14F-4D97-AF65-F5344CB8AC3E}">
+        <p14:creationId xmlns:p14="http://schemas.microsoft.com/office/powerpoint/2010/main" val="2920852439"/>
+      </p:ext>
+    </p:extLst>
+  </p:cSld>
+  <p:clrMapOvr>
+    <a:masterClrMapping/>
+  </p:clrMapOvr>
+</p:sld>
+</file>
+
+<file path=ppt/slides/slide45.xml><?xml version="1.0" encoding="utf-8"?>
+<p:sld xmlns:a="http://schemas.openxmlformats.org/drawingml/2006/main" xmlns:r="http://schemas.openxmlformats.org/officeDocument/2006/relationships" xmlns:p="http://schemas.openxmlformats.org/presentationml/2006/main">
+  <p:cSld>
+    <p:bg>
+      <p:bgPr>
+        <a:solidFill>
+          <a:schemeClr val="tx2">
+            <a:lumMod val="60000"/>
+            <a:lumOff val="40000"/>
+          </a:schemeClr>
+        </a:solidFill>
+        <a:effectLst/>
+      </p:bgPr>
+    </p:bg>
+    <p:spTree>
+      <p:nvGrpSpPr>
+        <p:cNvPr id="1" name=""/>
+        <p:cNvGrpSpPr/>
+        <p:nvPr/>
+      </p:nvGrpSpPr>
+      <p:grpSpPr>
+        <a:xfrm>
+          <a:off x="0" y="0"/>
+          <a:ext cx="0" cy="0"/>
+          <a:chOff x="0" y="0"/>
+          <a:chExt cx="0" cy="0"/>
+        </a:xfrm>
+      </p:grpSpPr>
+      <p:sp>
+        <p:nvSpPr>
+          <p:cNvPr id="2" name="Title 1">
+            <a:extLst>
+              <a:ext uri="{FF2B5EF4-FFF2-40B4-BE49-F238E27FC236}">
+                <a16:creationId xmlns:a16="http://schemas.microsoft.com/office/drawing/2014/main" id="{51F2C05B-3556-493B-855C-1F19ADDBAF69}"/>
+              </a:ext>
+            </a:extLst>
+          </p:cNvPr>
+          <p:cNvSpPr>
+            <a:spLocks noGrp="1"/>
+          </p:cNvSpPr>
+          <p:nvPr>
+            <p:ph type="title"/>
+          </p:nvPr>
+        </p:nvSpPr>
+        <p:spPr>
+          <a:xfrm>
+            <a:off x="838200" y="365125"/>
+            <a:ext cx="11099104" cy="1325563"/>
+          </a:xfrm>
+        </p:spPr>
+        <p:txBody>
+          <a:bodyPr/>
+          <a:lstStyle/>
+          <a:p>
+            <a:r>
+              <a:rPr lang="en-US" b="1" dirty="0">
+                <a:solidFill>
+                  <a:schemeClr val="bg1"/>
+                </a:solidFill>
+              </a:rPr>
+              <a:t>JWT - lab</a:t>
+            </a:r>
+          </a:p>
+        </p:txBody>
+      </p:sp>
+      <p:sp>
+        <p:nvSpPr>
+          <p:cNvPr id="4" name="TextBox 3">
+            <a:extLst>
+              <a:ext uri="{FF2B5EF4-FFF2-40B4-BE49-F238E27FC236}">
+                <a16:creationId xmlns:a16="http://schemas.microsoft.com/office/drawing/2014/main" id="{A32609F5-383A-417E-B9B0-CE955463E2E4}"/>
+              </a:ext>
+            </a:extLst>
+          </p:cNvPr>
+          <p:cNvSpPr txBox="1"/>
+          <p:nvPr/>
+        </p:nvSpPr>
+        <p:spPr>
+          <a:xfrm>
+            <a:off x="838200" y="1516976"/>
+            <a:ext cx="10515600" cy="369332"/>
+          </a:xfrm>
+          <a:prstGeom prst="rect">
+            <a:avLst/>
+          </a:prstGeom>
+          <a:noFill/>
+        </p:spPr>
+        <p:txBody>
+          <a:bodyPr wrap="square" rtlCol="0">
+            <a:spAutoFit/>
+          </a:bodyPr>
+          <a:lstStyle/>
+          <a:p>
+            <a:r>
+              <a:rPr lang="en-US" b="1" dirty="0">
+                <a:solidFill>
+                  <a:schemeClr val="bg1"/>
+                </a:solidFill>
+              </a:rPr>
+              <a:t> training\day3\Security\JWT</a:t>
+            </a:r>
+            <a:r>
+              <a:rPr lang="en-US" b="1">
+                <a:solidFill>
+                  <a:schemeClr val="bg1"/>
+                </a:solidFill>
+              </a:rPr>
+              <a:t>\InstructionJWT.txt</a:t>
+            </a:r>
+            <a:endParaRPr lang="en-US" b="1" dirty="0">
+              <a:solidFill>
+                <a:schemeClr val="bg1"/>
+              </a:solidFill>
+            </a:endParaRPr>
+          </a:p>
+        </p:txBody>
+      </p:sp>
+    </p:spTree>
+    <p:extLst>
+      <p:ext uri="{BB962C8B-B14F-4D97-AF65-F5344CB8AC3E}">
+        <p14:creationId xmlns:p14="http://schemas.microsoft.com/office/powerpoint/2010/main" val="2011420473"/>
       </p:ext>
     </p:extLst>
   </p:cSld>

--- a/training/day3/Day3.pptx
+++ b/training/day3/Day3.pptx
@@ -5,7 +5,7 @@
     <p:sldMasterId id="2147483648" r:id="rId1"/>
   </p:sldMasterIdLst>
   <p:notesMasterIdLst>
-    <p:notesMasterId r:id="rId47"/>
+    <p:notesMasterId r:id="rId46"/>
   </p:notesMasterIdLst>
   <p:sldIdLst>
     <p:sldId id="414" r:id="rId2"/>
@@ -28,31 +28,30 @@
     <p:sldId id="451" r:id="rId19"/>
     <p:sldId id="452" r:id="rId20"/>
     <p:sldId id="453" r:id="rId21"/>
-    <p:sldId id="454" r:id="rId22"/>
-    <p:sldId id="446" r:id="rId23"/>
-    <p:sldId id="447" r:id="rId24"/>
-    <p:sldId id="448" r:id="rId25"/>
-    <p:sldId id="455" r:id="rId26"/>
-    <p:sldId id="456" r:id="rId27"/>
-    <p:sldId id="457" r:id="rId28"/>
-    <p:sldId id="458" r:id="rId29"/>
-    <p:sldId id="459" r:id="rId30"/>
-    <p:sldId id="460" r:id="rId31"/>
-    <p:sldId id="461" r:id="rId32"/>
-    <p:sldId id="462" r:id="rId33"/>
-    <p:sldId id="463" r:id="rId34"/>
-    <p:sldId id="467" r:id="rId35"/>
-    <p:sldId id="464" r:id="rId36"/>
-    <p:sldId id="465" r:id="rId37"/>
-    <p:sldId id="466" r:id="rId38"/>
-    <p:sldId id="468" r:id="rId39"/>
-    <p:sldId id="470" r:id="rId40"/>
-    <p:sldId id="471" r:id="rId41"/>
-    <p:sldId id="472" r:id="rId42"/>
-    <p:sldId id="473" r:id="rId43"/>
-    <p:sldId id="474" r:id="rId44"/>
-    <p:sldId id="475" r:id="rId45"/>
-    <p:sldId id="476" r:id="rId46"/>
+    <p:sldId id="446" r:id="rId22"/>
+    <p:sldId id="447" r:id="rId23"/>
+    <p:sldId id="448" r:id="rId24"/>
+    <p:sldId id="455" r:id="rId25"/>
+    <p:sldId id="456" r:id="rId26"/>
+    <p:sldId id="457" r:id="rId27"/>
+    <p:sldId id="458" r:id="rId28"/>
+    <p:sldId id="459" r:id="rId29"/>
+    <p:sldId id="460" r:id="rId30"/>
+    <p:sldId id="461" r:id="rId31"/>
+    <p:sldId id="462" r:id="rId32"/>
+    <p:sldId id="463" r:id="rId33"/>
+    <p:sldId id="467" r:id="rId34"/>
+    <p:sldId id="464" r:id="rId35"/>
+    <p:sldId id="465" r:id="rId36"/>
+    <p:sldId id="466" r:id="rId37"/>
+    <p:sldId id="468" r:id="rId38"/>
+    <p:sldId id="470" r:id="rId39"/>
+    <p:sldId id="471" r:id="rId40"/>
+    <p:sldId id="472" r:id="rId41"/>
+    <p:sldId id="473" r:id="rId42"/>
+    <p:sldId id="474" r:id="rId43"/>
+    <p:sldId id="475" r:id="rId44"/>
+    <p:sldId id="476" r:id="rId45"/>
   </p:sldIdLst>
   <p:sldSz cx="12192000" cy="6858000"/>
   <p:notesSz cx="6858000" cy="9144000"/>
@@ -241,7 +240,7 @@
           <a:p>
             <a:fld id="{F15A6252-5F50-4106-9C23-9E03A675631E}" type="datetimeFigureOut">
               <a:rPr lang="en-IN" smtClean="0"/>
-              <a:t>02-05-2020</a:t>
+              <a:t>06-05-2020</a:t>
             </a:fld>
             <a:endParaRPr lang="en-IN"/>
           </a:p>
@@ -658,7 +657,7 @@
           <a:p>
             <a:fld id="{4086692B-153F-4DFE-BFBD-A2AE2C7443B6}" type="datetimeFigureOut">
               <a:rPr lang="en-IN" smtClean="0"/>
-              <a:t>02-05-2020</a:t>
+              <a:t>06-05-2020</a:t>
             </a:fld>
             <a:endParaRPr lang="en-IN"/>
           </a:p>
@@ -858,7 +857,7 @@
           <a:p>
             <a:fld id="{4086692B-153F-4DFE-BFBD-A2AE2C7443B6}" type="datetimeFigureOut">
               <a:rPr lang="en-IN" smtClean="0"/>
-              <a:t>02-05-2020</a:t>
+              <a:t>06-05-2020</a:t>
             </a:fld>
             <a:endParaRPr lang="en-IN"/>
           </a:p>
@@ -1068,7 +1067,7 @@
           <a:p>
             <a:fld id="{4086692B-153F-4DFE-BFBD-A2AE2C7443B6}" type="datetimeFigureOut">
               <a:rPr lang="en-IN" smtClean="0"/>
-              <a:t>02-05-2020</a:t>
+              <a:t>06-05-2020</a:t>
             </a:fld>
             <a:endParaRPr lang="en-IN"/>
           </a:p>
@@ -1268,7 +1267,7 @@
           <a:p>
             <a:fld id="{4086692B-153F-4DFE-BFBD-A2AE2C7443B6}" type="datetimeFigureOut">
               <a:rPr lang="en-IN" smtClean="0"/>
-              <a:t>02-05-2020</a:t>
+              <a:t>06-05-2020</a:t>
             </a:fld>
             <a:endParaRPr lang="en-IN"/>
           </a:p>
@@ -1544,7 +1543,7 @@
           <a:p>
             <a:fld id="{4086692B-153F-4DFE-BFBD-A2AE2C7443B6}" type="datetimeFigureOut">
               <a:rPr lang="en-IN" smtClean="0"/>
-              <a:t>02-05-2020</a:t>
+              <a:t>06-05-2020</a:t>
             </a:fld>
             <a:endParaRPr lang="en-IN"/>
           </a:p>
@@ -1812,7 +1811,7 @@
           <a:p>
             <a:fld id="{4086692B-153F-4DFE-BFBD-A2AE2C7443B6}" type="datetimeFigureOut">
               <a:rPr lang="en-IN" smtClean="0"/>
-              <a:t>02-05-2020</a:t>
+              <a:t>06-05-2020</a:t>
             </a:fld>
             <a:endParaRPr lang="en-IN"/>
           </a:p>
@@ -2227,7 +2226,7 @@
           <a:p>
             <a:fld id="{4086692B-153F-4DFE-BFBD-A2AE2C7443B6}" type="datetimeFigureOut">
               <a:rPr lang="en-IN" smtClean="0"/>
-              <a:t>02-05-2020</a:t>
+              <a:t>06-05-2020</a:t>
             </a:fld>
             <a:endParaRPr lang="en-IN"/>
           </a:p>
@@ -2369,7 +2368,7 @@
           <a:p>
             <a:fld id="{4086692B-153F-4DFE-BFBD-A2AE2C7443B6}" type="datetimeFigureOut">
               <a:rPr lang="en-IN" smtClean="0"/>
-              <a:t>02-05-2020</a:t>
+              <a:t>06-05-2020</a:t>
             </a:fld>
             <a:endParaRPr lang="en-IN"/>
           </a:p>
@@ -2482,7 +2481,7 @@
           <a:p>
             <a:fld id="{4086692B-153F-4DFE-BFBD-A2AE2C7443B6}" type="datetimeFigureOut">
               <a:rPr lang="en-IN" smtClean="0"/>
-              <a:t>02-05-2020</a:t>
+              <a:t>06-05-2020</a:t>
             </a:fld>
             <a:endParaRPr lang="en-IN"/>
           </a:p>
@@ -2795,7 +2794,7 @@
           <a:p>
             <a:fld id="{4086692B-153F-4DFE-BFBD-A2AE2C7443B6}" type="datetimeFigureOut">
               <a:rPr lang="en-IN" smtClean="0"/>
-              <a:t>02-05-2020</a:t>
+              <a:t>06-05-2020</a:t>
             </a:fld>
             <a:endParaRPr lang="en-IN"/>
           </a:p>
@@ -3084,7 +3083,7 @@
           <a:p>
             <a:fld id="{4086692B-153F-4DFE-BFBD-A2AE2C7443B6}" type="datetimeFigureOut">
               <a:rPr lang="en-IN" smtClean="0"/>
-              <a:t>02-05-2020</a:t>
+              <a:t>06-05-2020</a:t>
             </a:fld>
             <a:endParaRPr lang="en-IN"/>
           </a:p>
@@ -3327,7 +3326,7 @@
           <a:p>
             <a:fld id="{4086692B-153F-4DFE-BFBD-A2AE2C7443B6}" type="datetimeFigureOut">
               <a:rPr lang="en-IN" smtClean="0"/>
-              <a:t>02-05-2020</a:t>
+              <a:t>06-05-2020</a:t>
             </a:fld>
             <a:endParaRPr lang="en-IN"/>
           </a:p>
@@ -4346,50 +4345,6 @@
           </a:p>
         </p:txBody>
       </p:sp>
-      <p:sp>
-        <p:nvSpPr>
-          <p:cNvPr id="4" name="TextBox 3">
-            <a:extLst>
-              <a:ext uri="{FF2B5EF4-FFF2-40B4-BE49-F238E27FC236}">
-                <a16:creationId xmlns:a16="http://schemas.microsoft.com/office/drawing/2014/main" id="{A32609F5-383A-417E-B9B0-CE955463E2E4}"/>
-              </a:ext>
-            </a:extLst>
-          </p:cNvPr>
-          <p:cNvSpPr txBox="1"/>
-          <p:nvPr/>
-        </p:nvSpPr>
-        <p:spPr>
-          <a:xfrm>
-            <a:off x="838200" y="1779687"/>
-            <a:ext cx="10515600" cy="369332"/>
-          </a:xfrm>
-          <a:prstGeom prst="rect">
-            <a:avLst/>
-          </a:prstGeom>
-          <a:noFill/>
-        </p:spPr>
-        <p:txBody>
-          <a:bodyPr wrap="square" rtlCol="0">
-            <a:spAutoFit/>
-          </a:bodyPr>
-          <a:lstStyle/>
-          <a:p>
-            <a:r>
-              <a:rPr lang="en-US" b="1" dirty="0" err="1">
-                <a:solidFill>
-                  <a:schemeClr val="bg1"/>
-                </a:solidFill>
-              </a:rPr>
-              <a:t>asd</a:t>
-            </a:r>
-            <a:endParaRPr lang="en-US" dirty="0">
-              <a:solidFill>
-                <a:schemeClr val="bg1"/>
-              </a:solidFill>
-            </a:endParaRPr>
-          </a:p>
-        </p:txBody>
-      </p:sp>
       <p:pic>
         <p:nvPicPr>
           <p:cNvPr id="4098" name="Picture 2" descr="Figure 2. Client registration">
@@ -4419,8 +4374,8 @@
         </p:blipFill>
         <p:spPr bwMode="auto">
           <a:xfrm>
-            <a:off x="3905250" y="2419350"/>
-            <a:ext cx="4381500" cy="2019300"/>
+            <a:off x="3905250" y="1779687"/>
+            <a:ext cx="4381500" cy="3293056"/>
           </a:xfrm>
           <a:prstGeom prst="rect">
             <a:avLst/>
@@ -4530,7 +4485,7 @@
         <p:spPr>
           <a:xfrm>
             <a:off x="838200" y="1484222"/>
-            <a:ext cx="10515600" cy="3416320"/>
+            <a:ext cx="10515600" cy="3693319"/>
           </a:xfrm>
           <a:prstGeom prst="rect">
             <a:avLst/>
@@ -4609,17 +4564,27 @@
                   <a:schemeClr val="bg1"/>
                 </a:solidFill>
               </a:rPr>
-              <a:t>A single client </a:t>
-            </a:r>
-          </a:p>
-          <a:p>
-            <a:r>
-              <a:rPr lang="en-US" b="1" dirty="0">
-                <a:solidFill>
-                  <a:schemeClr val="bg1"/>
-                </a:solidFill>
-              </a:rPr>
-              <a:t>	can register multiple service instances/times. </a:t>
+              <a:t>Multiple instances of the same client </a:t>
+            </a:r>
+          </a:p>
+          <a:p>
+            <a:r>
+              <a:rPr lang="en-US" b="1" dirty="0">
+                <a:solidFill>
+                  <a:schemeClr val="bg1"/>
+                </a:solidFill>
+              </a:rPr>
+              <a:t>	spring.application.name will remain the same.</a:t>
+            </a:r>
+          </a:p>
+          <a:p>
+            <a:r>
+              <a:rPr lang="en-US" b="1" dirty="0">
+                <a:solidFill>
+                  <a:schemeClr val="bg1"/>
+                </a:solidFill>
+              </a:rPr>
+              <a:t>	Can register itself with Eureka server</a:t>
             </a:r>
           </a:p>
           <a:p>
@@ -4737,7 +4702,7 @@
                   <a:schemeClr val="bg1"/>
                 </a:solidFill>
               </a:rPr>
-              <a:t>Client Registration</a:t>
+              <a:t>Client Update and removal</a:t>
             </a:r>
           </a:p>
         </p:txBody>
@@ -4757,7 +4722,7 @@
         <p:spPr>
           <a:xfrm>
             <a:off x="838200" y="1779687"/>
-            <a:ext cx="10515600" cy="2585323"/>
+            <a:ext cx="10515600" cy="2862322"/>
           </a:xfrm>
           <a:prstGeom prst="rect">
             <a:avLst/>
@@ -4771,64 +4736,6 @@
           <a:lstStyle/>
           <a:p>
             <a:r>
-              <a:rPr lang="en-US" b="1">
-                <a:solidFill>
-                  <a:schemeClr val="bg1"/>
-                </a:solidFill>
-              </a:rPr>
-              <a:t>If </a:t>
-            </a:r>
-            <a:r>
-              <a:rPr lang="en-US" b="1" dirty="0">
-                <a:solidFill>
-                  <a:schemeClr val="bg1"/>
-                </a:solidFill>
-              </a:rPr>
-              <a:t>a connection is lost</a:t>
-            </a:r>
-          </a:p>
-          <a:p>
-            <a:r>
-              <a:rPr lang="en-US" b="1" dirty="0">
-                <a:solidFill>
-                  <a:schemeClr val="bg1"/>
-                </a:solidFill>
-              </a:rPr>
-              <a:t>	the registration entry in the write cluster registry is put into the eviction queue</a:t>
-            </a:r>
-          </a:p>
-          <a:p>
-            <a:r>
-              <a:rPr lang="en-US" b="1" dirty="0">
-                <a:solidFill>
-                  <a:schemeClr val="bg1"/>
-                </a:solidFill>
-              </a:rPr>
-              <a:t>	and ultimately remove from the registry. </a:t>
-            </a:r>
-          </a:p>
-          <a:p>
-            <a:r>
-              <a:rPr lang="en-US" b="1" dirty="0">
-                <a:solidFill>
-                  <a:schemeClr val="bg1"/>
-                </a:solidFill>
-              </a:rPr>
-              <a:t>	Well behaving clients should always send unregister request prior to disconnecting. </a:t>
-            </a:r>
-          </a:p>
-          <a:p>
-            <a:r>
-              <a:rPr lang="en-US" b="1" dirty="0">
-                <a:solidFill>
-                  <a:schemeClr val="bg1"/>
-                </a:solidFill>
-              </a:rPr>
-              <a:t>	This will result in immediate removal of the service from the registry. </a:t>
-            </a:r>
-          </a:p>
-          <a:p>
-            <a:r>
               <a:rPr lang="en-US" b="1" dirty="0">
                 <a:solidFill>
                   <a:schemeClr val="bg1"/>
@@ -4871,6 +4778,63 @@
                 <a:schemeClr val="bg1"/>
               </a:solidFill>
             </a:endParaRPr>
+          </a:p>
+          <a:p>
+            <a:endParaRPr lang="en-US" b="1" dirty="0">
+              <a:solidFill>
+                <a:schemeClr val="bg1"/>
+              </a:solidFill>
+            </a:endParaRPr>
+          </a:p>
+          <a:p>
+            <a:r>
+              <a:rPr lang="en-US" b="1" dirty="0">
+                <a:solidFill>
+                  <a:schemeClr val="bg1"/>
+                </a:solidFill>
+              </a:rPr>
+              <a:t>If a connection is lost</a:t>
+            </a:r>
+          </a:p>
+          <a:p>
+            <a:r>
+              <a:rPr lang="en-US" b="1" dirty="0">
+                <a:solidFill>
+                  <a:schemeClr val="bg1"/>
+                </a:solidFill>
+              </a:rPr>
+              <a:t>	the registration entry in the write cluster registry is put into the eviction queue</a:t>
+            </a:r>
+          </a:p>
+          <a:p>
+            <a:r>
+              <a:rPr lang="en-US" b="1" dirty="0">
+                <a:solidFill>
+                  <a:schemeClr val="bg1"/>
+                </a:solidFill>
+              </a:rPr>
+              <a:t>	and ultimately remove from the registry. </a:t>
+            </a:r>
+          </a:p>
+          <a:p>
+            <a:r>
+              <a:rPr lang="en-US" b="1" dirty="0">
+                <a:solidFill>
+                  <a:schemeClr val="bg1"/>
+                </a:solidFill>
+              </a:rPr>
+              <a:t>	Well behaving clients should always send unregister request prior to disconnecting. </a:t>
+            </a:r>
+          </a:p>
+          <a:p>
+            <a:r>
+              <a:rPr lang="en-US" b="1" dirty="0">
+                <a:solidFill>
+                  <a:schemeClr val="bg1"/>
+                </a:solidFill>
+              </a:rPr>
+              <a:t>	This will result in immediate removal of the service from the registry. </a:t>
+            </a:r>
           </a:p>
         </p:txBody>
       </p:sp>
@@ -6473,7 +6437,7 @@
                   <a:schemeClr val="bg1"/>
                 </a:solidFill>
               </a:rPr>
-              <a:t>Testing Strategy</a:t>
+              <a:t>Junit 5</a:t>
             </a:r>
           </a:p>
         </p:txBody>
@@ -6493,7 +6457,7 @@
         <p:spPr>
           <a:xfrm>
             <a:off x="838200" y="1779687"/>
-            <a:ext cx="10515600" cy="2308324"/>
+            <a:ext cx="10515600" cy="3416320"/>
           </a:xfrm>
           <a:prstGeom prst="rect">
             <a:avLst/>
@@ -6512,82 +6476,125 @@
                   <a:schemeClr val="bg1"/>
                 </a:solidFill>
               </a:rPr>
-              <a:t>Isolate parts and ensure the contracts are not broken.</a:t>
-            </a:r>
-          </a:p>
-          <a:p>
-            <a:r>
-              <a:rPr lang="en-US" b="1" dirty="0">
-                <a:solidFill>
-                  <a:schemeClr val="bg1"/>
-                </a:solidFill>
-              </a:rPr>
-              <a:t>	Lot of automated testing should ensure the contracts are good.</a:t>
-            </a:r>
-          </a:p>
-          <a:p>
-            <a:r>
-              <a:rPr lang="en-US" b="1" dirty="0">
-                <a:solidFill>
-                  <a:schemeClr val="bg1"/>
-                </a:solidFill>
-              </a:rPr>
-              <a:t>No isolations</a:t>
-            </a:r>
-          </a:p>
-          <a:p>
-            <a:r>
-              <a:rPr lang="en-US" b="1" dirty="0">
-                <a:solidFill>
-                  <a:schemeClr val="bg1"/>
-                </a:solidFill>
-              </a:rPr>
-              <a:t>	Customer sees no isolations.</a:t>
-            </a:r>
-          </a:p>
-          <a:p>
-            <a:r>
-              <a:rPr lang="en-US" b="1" dirty="0">
-                <a:solidFill>
-                  <a:schemeClr val="bg1"/>
-                </a:solidFill>
-              </a:rPr>
-              <a:t>	Ensure what customer want works the way they want.</a:t>
-            </a:r>
-          </a:p>
-          <a:p>
-            <a:r>
-              <a:rPr lang="en-US" b="1" dirty="0">
-                <a:solidFill>
-                  <a:schemeClr val="bg1"/>
-                </a:solidFill>
-              </a:rPr>
-              <a:t>Unowned components.</a:t>
-            </a:r>
-          </a:p>
-          <a:p>
-            <a:r>
-              <a:rPr lang="en-US" b="1" dirty="0">
-                <a:solidFill>
-                  <a:schemeClr val="bg1"/>
-                </a:solidFill>
-              </a:rPr>
-              <a:t>	Isolate I own Vs. I don't own Vs Nobody owns.</a:t>
-            </a:r>
-          </a:p>
-          <a:p>
-            <a:endParaRPr lang="en-US" b="1" dirty="0">
-              <a:solidFill>
-                <a:schemeClr val="bg1"/>
-              </a:solidFill>
-            </a:endParaRPr>
+              <a:t>Junit 5</a:t>
+            </a:r>
+          </a:p>
+          <a:p>
+            <a:r>
+              <a:rPr lang="en-US" b="1" dirty="0">
+                <a:solidFill>
+                  <a:schemeClr val="bg1"/>
+                </a:solidFill>
+              </a:rPr>
+              <a:t>	Junit 4 was there for a long time.</a:t>
+            </a:r>
+          </a:p>
+          <a:p>
+            <a:r>
+              <a:rPr lang="en-US" b="1" dirty="0">
+                <a:solidFill>
+                  <a:schemeClr val="bg1"/>
+                </a:solidFill>
+              </a:rPr>
+              <a:t>	Not up-to date with the latest in testing.</a:t>
+            </a:r>
+          </a:p>
+          <a:p>
+            <a:r>
+              <a:rPr lang="en-US" b="1" dirty="0">
+                <a:solidFill>
+                  <a:schemeClr val="bg1"/>
+                </a:solidFill>
+              </a:rPr>
+              <a:t>	Mindset how people approach has not evolved</a:t>
+            </a:r>
+          </a:p>
+          <a:p>
+            <a:r>
+              <a:rPr lang="en-US" b="1" dirty="0">
+                <a:solidFill>
+                  <a:schemeClr val="bg1"/>
+                </a:solidFill>
+              </a:rPr>
+              <a:t>	Java has evolved</a:t>
+            </a:r>
+          </a:p>
+          <a:p>
+            <a:r>
+              <a:rPr lang="en-US" b="1" dirty="0">
+                <a:solidFill>
+                  <a:schemeClr val="bg1"/>
+                </a:solidFill>
+              </a:rPr>
+              <a:t>	Monolithic architecture</a:t>
+            </a:r>
+          </a:p>
+          <a:p>
+            <a:r>
+              <a:rPr lang="en-US" b="1" dirty="0">
+                <a:solidFill>
+                  <a:schemeClr val="bg1"/>
+                </a:solidFill>
+              </a:rPr>
+              <a:t>	Bugs and features requests piled up.</a:t>
+            </a:r>
+          </a:p>
+          <a:p>
+            <a:r>
+              <a:rPr lang="en-US" b="1" dirty="0">
+                <a:solidFill>
+                  <a:schemeClr val="bg1"/>
+                </a:solidFill>
+              </a:rPr>
+              <a:t>	Open source</a:t>
+            </a:r>
+          </a:p>
+          <a:p>
+            <a:r>
+              <a:rPr lang="en-US" b="1" dirty="0">
+                <a:solidFill>
+                  <a:schemeClr val="bg1"/>
+                </a:solidFill>
+              </a:rPr>
+              <a:t>	Crowd funding.</a:t>
+            </a:r>
+          </a:p>
+          <a:p>
+            <a:r>
+              <a:rPr lang="en-US" b="1" dirty="0">
+                <a:solidFill>
+                  <a:schemeClr val="bg1"/>
+                </a:solidFill>
+              </a:rPr>
+              <a:t>Junit 5 came up.</a:t>
+            </a:r>
+          </a:p>
+          <a:p>
+            <a:r>
+              <a:rPr lang="en-US" b="1" dirty="0">
+                <a:solidFill>
+                  <a:schemeClr val="bg1"/>
+                </a:solidFill>
+              </a:rPr>
+              <a:t>	Not an update to Junit 4</a:t>
+            </a:r>
+          </a:p>
+          <a:p>
+            <a:r>
+              <a:rPr lang="en-US" b="1" dirty="0">
+                <a:solidFill>
+                  <a:schemeClr val="bg1"/>
+                </a:solidFill>
+              </a:rPr>
+              <a:t>	Cannot easily upgrade from Junit 4 to Junit 5</a:t>
+            </a:r>
           </a:p>
         </p:txBody>
       </p:sp>
     </p:spTree>
     <p:extLst>
       <p:ext uri="{BB962C8B-B14F-4D97-AF65-F5344CB8AC3E}">
-        <p14:creationId xmlns:p14="http://schemas.microsoft.com/office/powerpoint/2010/main" val="1762955286"/>
+        <p14:creationId xmlns:p14="http://schemas.microsoft.com/office/powerpoint/2010/main" val="3357363931"/>
       </p:ext>
     </p:extLst>
   </p:cSld>
@@ -6677,7 +6684,7 @@
         <p:spPr>
           <a:xfrm>
             <a:off x="838200" y="1779687"/>
-            <a:ext cx="10515600" cy="3416320"/>
+            <a:ext cx="10515600" cy="5078313"/>
           </a:xfrm>
           <a:prstGeom prst="rect">
             <a:avLst/>
@@ -6696,117 +6703,251 @@
                   <a:schemeClr val="bg1"/>
                 </a:solidFill>
               </a:rPr>
-              <a:t>Junit 5</a:t>
-            </a:r>
-          </a:p>
-          <a:p>
-            <a:r>
-              <a:rPr lang="en-US" b="1" dirty="0">
-                <a:solidFill>
-                  <a:schemeClr val="bg1"/>
-                </a:solidFill>
-              </a:rPr>
-              <a:t>	Junit 4 was there for a long time.</a:t>
-            </a:r>
-          </a:p>
-          <a:p>
-            <a:r>
-              <a:rPr lang="en-US" b="1" dirty="0">
-                <a:solidFill>
-                  <a:schemeClr val="bg1"/>
-                </a:solidFill>
-              </a:rPr>
-              <a:t>	Not up-to date with the latest in testing.</a:t>
-            </a:r>
-          </a:p>
-          <a:p>
-            <a:r>
-              <a:rPr lang="en-US" b="1" dirty="0">
-                <a:solidFill>
-                  <a:schemeClr val="bg1"/>
-                </a:solidFill>
-              </a:rPr>
-              <a:t>	Mindset how people approach has not evolved</a:t>
-            </a:r>
-          </a:p>
-          <a:p>
-            <a:r>
-              <a:rPr lang="en-US" b="1" dirty="0">
-                <a:solidFill>
-                  <a:schemeClr val="bg1"/>
-                </a:solidFill>
-              </a:rPr>
-              <a:t>	Java has evolved</a:t>
-            </a:r>
-          </a:p>
-          <a:p>
-            <a:r>
-              <a:rPr lang="en-US" b="1" dirty="0">
-                <a:solidFill>
-                  <a:schemeClr val="bg1"/>
-                </a:solidFill>
-              </a:rPr>
-              <a:t>	Monolithic architecture</a:t>
-            </a:r>
-          </a:p>
-          <a:p>
-            <a:r>
-              <a:rPr lang="en-US" b="1" dirty="0">
-                <a:solidFill>
-                  <a:schemeClr val="bg1"/>
-                </a:solidFill>
-              </a:rPr>
-              <a:t>	Bugs and features requests piled up.</a:t>
-            </a:r>
-          </a:p>
-          <a:p>
-            <a:r>
-              <a:rPr lang="en-US" b="1" dirty="0">
-                <a:solidFill>
-                  <a:schemeClr val="bg1"/>
-                </a:solidFill>
-              </a:rPr>
-              <a:t>	Open source</a:t>
-            </a:r>
-          </a:p>
-          <a:p>
-            <a:r>
-              <a:rPr lang="en-US" b="1" dirty="0">
-                <a:solidFill>
-                  <a:schemeClr val="bg1"/>
-                </a:solidFill>
-              </a:rPr>
-              <a:t>	Crowd funding.</a:t>
-            </a:r>
-          </a:p>
-          <a:p>
-            <a:r>
-              <a:rPr lang="en-US" b="1" dirty="0">
-                <a:solidFill>
-                  <a:schemeClr val="bg1"/>
-                </a:solidFill>
-              </a:rPr>
-              <a:t>Junit 5 came up.</a:t>
-            </a:r>
-          </a:p>
-          <a:p>
-            <a:r>
-              <a:rPr lang="en-US" b="1" dirty="0">
-                <a:solidFill>
-                  <a:schemeClr val="bg1"/>
-                </a:solidFill>
-              </a:rPr>
-              <a:t>	Not an update to Junit 4</a:t>
-            </a:r>
-          </a:p>
-          <a:p>
-            <a:r>
-              <a:rPr lang="en-US" b="1" dirty="0">
-                <a:solidFill>
-                  <a:schemeClr val="bg1"/>
-                </a:solidFill>
-              </a:rPr>
-              <a:t>	Cannot easily upgrade from Junit 4 to Junit 5</a:t>
+              <a:t>Broken down </a:t>
+            </a:r>
+          </a:p>
+          <a:p>
+            <a:r>
+              <a:rPr lang="en-US" b="1" dirty="0">
+                <a:solidFill>
+                  <a:schemeClr val="bg1"/>
+                </a:solidFill>
+              </a:rPr>
+              <a:t>	Platform</a:t>
+            </a:r>
+          </a:p>
+          <a:p>
+            <a:r>
+              <a:rPr lang="en-US" b="1" dirty="0">
+                <a:solidFill>
+                  <a:schemeClr val="bg1"/>
+                </a:solidFill>
+              </a:rPr>
+              <a:t>		library of Junit</a:t>
+            </a:r>
+          </a:p>
+          <a:p>
+            <a:r>
+              <a:rPr lang="en-US" b="1" dirty="0">
+                <a:solidFill>
+                  <a:schemeClr val="bg1"/>
+                </a:solidFill>
+              </a:rPr>
+              <a:t>		Running tests</a:t>
+            </a:r>
+          </a:p>
+          <a:p>
+            <a:r>
+              <a:rPr lang="en-US" b="1" dirty="0">
+                <a:solidFill>
+                  <a:schemeClr val="bg1"/>
+                </a:solidFill>
+              </a:rPr>
+              <a:t>		Providing a way to run </a:t>
+            </a:r>
+            <a:r>
+              <a:rPr lang="en-US" b="1" dirty="0" err="1">
+                <a:solidFill>
+                  <a:schemeClr val="bg1"/>
+                </a:solidFill>
+              </a:rPr>
+              <a:t>TestRunner</a:t>
+            </a:r>
+            <a:endParaRPr lang="en-US" b="1" dirty="0">
+              <a:solidFill>
+                <a:schemeClr val="bg1"/>
+              </a:solidFill>
+            </a:endParaRPr>
+          </a:p>
+          <a:p>
+            <a:r>
+              <a:rPr lang="en-US" b="1" dirty="0">
+                <a:solidFill>
+                  <a:schemeClr val="bg1"/>
+                </a:solidFill>
+              </a:rPr>
+              <a:t>		Dev./We don't directly interact with.</a:t>
+            </a:r>
+          </a:p>
+          <a:p>
+            <a:r>
+              <a:rPr lang="en-US" b="1" dirty="0">
+                <a:solidFill>
+                  <a:schemeClr val="bg1"/>
+                </a:solidFill>
+              </a:rPr>
+              <a:t>	Junit API - Jupiter</a:t>
+            </a:r>
+          </a:p>
+          <a:p>
+            <a:r>
+              <a:rPr lang="en-US" b="1" dirty="0">
+                <a:solidFill>
+                  <a:schemeClr val="bg1"/>
+                </a:solidFill>
+              </a:rPr>
+              <a:t>		@Test, Assert </a:t>
+            </a:r>
+            <a:r>
+              <a:rPr lang="en-US" b="1" dirty="0" err="1">
+                <a:solidFill>
+                  <a:schemeClr val="bg1"/>
+                </a:solidFill>
+              </a:rPr>
+              <a:t>ect</a:t>
+            </a:r>
+            <a:r>
+              <a:rPr lang="en-US" b="1" dirty="0">
+                <a:solidFill>
+                  <a:schemeClr val="bg1"/>
+                </a:solidFill>
+              </a:rPr>
+              <a:t> are all part of Jupiter</a:t>
+            </a:r>
+          </a:p>
+          <a:p>
+            <a:r>
+              <a:rPr lang="en-US" b="1" dirty="0">
+                <a:solidFill>
+                  <a:schemeClr val="bg1"/>
+                </a:solidFill>
+              </a:rPr>
+              <a:t>		We interact with Jupiter</a:t>
+            </a:r>
+          </a:p>
+          <a:p>
+            <a:r>
+              <a:rPr lang="en-US" b="1" dirty="0">
+                <a:solidFill>
+                  <a:schemeClr val="bg1"/>
+                </a:solidFill>
+              </a:rPr>
+              <a:t>	</a:t>
+            </a:r>
+            <a:r>
+              <a:rPr lang="en-US" b="1" dirty="0" err="1">
+                <a:solidFill>
+                  <a:schemeClr val="bg1"/>
+                </a:solidFill>
+              </a:rPr>
+              <a:t>Wintage</a:t>
+            </a:r>
+            <a:endParaRPr lang="en-US" b="1" dirty="0">
+              <a:solidFill>
+                <a:schemeClr val="bg1"/>
+              </a:solidFill>
+            </a:endParaRPr>
+          </a:p>
+          <a:p>
+            <a:r>
+              <a:rPr lang="en-US" b="1" dirty="0">
+                <a:solidFill>
+                  <a:schemeClr val="bg1"/>
+                </a:solidFill>
+              </a:rPr>
+              <a:t>		using when you run older Junit code.</a:t>
+            </a:r>
+          </a:p>
+          <a:p>
+            <a:r>
+              <a:rPr lang="en-US" b="1" dirty="0">
+                <a:solidFill>
+                  <a:schemeClr val="bg1"/>
+                </a:solidFill>
+              </a:rPr>
+              <a:t>		Way to make it </a:t>
+            </a:r>
+            <a:r>
+              <a:rPr lang="en-US" b="1" dirty="0" err="1">
+                <a:solidFill>
+                  <a:schemeClr val="bg1"/>
+                </a:solidFill>
+              </a:rPr>
+              <a:t>backword</a:t>
+            </a:r>
+            <a:r>
+              <a:rPr lang="en-US" b="1" dirty="0">
+                <a:solidFill>
+                  <a:schemeClr val="bg1"/>
+                </a:solidFill>
+              </a:rPr>
+              <a:t> compatible with Junit4</a:t>
+            </a:r>
+          </a:p>
+          <a:p>
+            <a:r>
+              <a:rPr lang="en-US" b="1" dirty="0">
+                <a:solidFill>
+                  <a:schemeClr val="bg1"/>
+                </a:solidFill>
+              </a:rPr>
+              <a:t>		Old tests should use this.</a:t>
+            </a:r>
+          </a:p>
+          <a:p>
+            <a:r>
+              <a:rPr lang="en-US" b="1" dirty="0">
+                <a:solidFill>
+                  <a:schemeClr val="bg1"/>
+                </a:solidFill>
+              </a:rPr>
+              <a:t>		Extension</a:t>
+            </a:r>
+          </a:p>
+          <a:p>
+            <a:r>
+              <a:rPr lang="en-US" b="1" dirty="0">
+                <a:solidFill>
+                  <a:schemeClr val="bg1"/>
+                </a:solidFill>
+              </a:rPr>
+              <a:t>		Third party library plugin should be done through Extension.</a:t>
+            </a:r>
+          </a:p>
+          <a:p>
+            <a:r>
+              <a:rPr lang="en-US" b="1" dirty="0">
+                <a:solidFill>
+                  <a:schemeClr val="bg1"/>
+                </a:solidFill>
+              </a:rPr>
+              <a:t>	A test case that we write can </a:t>
+            </a:r>
+          </a:p>
+          <a:p>
+            <a:r>
+              <a:rPr lang="en-US" b="1" dirty="0">
+                <a:solidFill>
+                  <a:schemeClr val="bg1"/>
+                </a:solidFill>
+              </a:rPr>
+              <a:t>		work with Jupiter or </a:t>
+            </a:r>
+            <a:r>
+              <a:rPr lang="en-US" b="1" dirty="0" err="1">
+                <a:solidFill>
+                  <a:schemeClr val="bg1"/>
+                </a:solidFill>
+              </a:rPr>
+              <a:t>Wintage</a:t>
+            </a:r>
+            <a:r>
+              <a:rPr lang="en-US" b="1" dirty="0">
+                <a:solidFill>
+                  <a:schemeClr val="bg1"/>
+                </a:solidFill>
+              </a:rPr>
+              <a:t> or Extension.</a:t>
+            </a:r>
+          </a:p>
+          <a:p>
+            <a:r>
+              <a:rPr lang="en-US" dirty="0">
+                <a:solidFill>
+                  <a:schemeClr val="bg1"/>
+                </a:solidFill>
+              </a:rPr>
+              <a:t>		</a:t>
             </a:r>
           </a:p>
         </p:txBody>
@@ -6814,7 +6955,7 @@
     </p:spTree>
     <p:extLst>
       <p:ext uri="{BB962C8B-B14F-4D97-AF65-F5344CB8AC3E}">
-        <p14:creationId xmlns:p14="http://schemas.microsoft.com/office/powerpoint/2010/main" val="3357363931"/>
+        <p14:creationId xmlns:p14="http://schemas.microsoft.com/office/powerpoint/2010/main" val="2282002914"/>
       </p:ext>
     </p:extLst>
   </p:cSld>
@@ -6884,7 +7025,7 @@
                   <a:schemeClr val="bg1"/>
                 </a:solidFill>
               </a:rPr>
-              <a:t>Junit 5</a:t>
+              <a:t>Maven Setup</a:t>
             </a:r>
           </a:p>
         </p:txBody>
@@ -6904,7 +7045,7 @@
         <p:spPr>
           <a:xfrm>
             <a:off x="838200" y="1779687"/>
-            <a:ext cx="10515600" cy="5078313"/>
+            <a:ext cx="10515600" cy="4801314"/>
           </a:xfrm>
           <a:prstGeom prst="rect">
             <a:avLst/>
@@ -6923,47 +7064,17 @@
                   <a:schemeClr val="bg1"/>
                 </a:solidFill>
               </a:rPr>
-              <a:t>Broken down </a:t>
-            </a:r>
-          </a:p>
-          <a:p>
-            <a:r>
-              <a:rPr lang="en-US" b="1" dirty="0">
-                <a:solidFill>
-                  <a:schemeClr val="bg1"/>
-                </a:solidFill>
-              </a:rPr>
-              <a:t>	Platform</a:t>
-            </a:r>
-          </a:p>
-          <a:p>
-            <a:r>
-              <a:rPr lang="en-US" b="1" dirty="0">
-                <a:solidFill>
-                  <a:schemeClr val="bg1"/>
-                </a:solidFill>
-              </a:rPr>
-              <a:t>		library of Junit</a:t>
-            </a:r>
-          </a:p>
-          <a:p>
-            <a:r>
-              <a:rPr lang="en-US" b="1" dirty="0">
-                <a:solidFill>
-                  <a:schemeClr val="bg1"/>
-                </a:solidFill>
-              </a:rPr>
-              <a:t>		Running tests</a:t>
-            </a:r>
-          </a:p>
-          <a:p>
-            <a:r>
-              <a:rPr lang="en-US" b="1" dirty="0">
-                <a:solidFill>
-                  <a:schemeClr val="bg1"/>
-                </a:solidFill>
-              </a:rPr>
-              <a:t>		Providing a way to run </a:t>
+              <a:t>maven</a:t>
+            </a:r>
+          </a:p>
+          <a:p>
+            <a:r>
+              <a:rPr lang="en-US" b="1" dirty="0">
+                <a:solidFill>
+                  <a:schemeClr val="bg1"/>
+                </a:solidFill>
+              </a:rPr>
+              <a:t>	two dependencies </a:t>
             </a:r>
             <a:r>
               <a:rPr lang="en-US" b="1" dirty="0" err="1">
@@ -6971,7 +7082,7 @@
                   <a:schemeClr val="bg1"/>
                 </a:solidFill>
               </a:rPr>
-              <a:t>TestRunner</a:t>
+              <a:t>atleast</a:t>
             </a:r>
             <a:endParaRPr lang="en-US" b="1" dirty="0">
               <a:solidFill>
@@ -6986,63 +7097,37 @@
                   <a:schemeClr val="bg1"/>
                 </a:solidFill>
               </a:rPr>
-              <a:t>		Dev./We don't directly interact with.</a:t>
-            </a:r>
-          </a:p>
-          <a:p>
-            <a:r>
-              <a:rPr lang="en-US" b="1" dirty="0">
-                <a:solidFill>
-                  <a:schemeClr val="bg1"/>
-                </a:solidFill>
-              </a:rPr>
-              <a:t>	Junit API - Jupiter</a:t>
-            </a:r>
-          </a:p>
-          <a:p>
-            <a:r>
-              <a:rPr lang="en-US" b="1" dirty="0">
-                <a:solidFill>
-                  <a:schemeClr val="bg1"/>
-                </a:solidFill>
-              </a:rPr>
-              <a:t>		@Test, Assert </a:t>
-            </a:r>
-            <a:r>
-              <a:rPr lang="en-US" b="1" dirty="0" err="1">
-                <a:solidFill>
-                  <a:schemeClr val="bg1"/>
-                </a:solidFill>
-              </a:rPr>
-              <a:t>ect</a:t>
-            </a:r>
-            <a:r>
-              <a:rPr lang="en-US" b="1" dirty="0">
-                <a:solidFill>
-                  <a:schemeClr val="bg1"/>
-                </a:solidFill>
-              </a:rPr>
-              <a:t> are all part of Jupiter</a:t>
-            </a:r>
-          </a:p>
-          <a:p>
-            <a:r>
-              <a:rPr lang="en-US" b="1" dirty="0">
-                <a:solidFill>
-                  <a:schemeClr val="bg1"/>
-                </a:solidFill>
-              </a:rPr>
-              <a:t>		We interact with Jupiter</a:t>
-            </a:r>
-          </a:p>
-          <a:p>
-            <a:r>
-              <a:rPr lang="en-US" b="1" dirty="0">
-                <a:solidFill>
-                  <a:schemeClr val="bg1"/>
-                </a:solidFill>
-              </a:rPr>
-              <a:t>	</a:t>
+              <a:t>	Platform + what you want.</a:t>
+            </a:r>
+          </a:p>
+          <a:p>
+            <a:r>
+              <a:rPr lang="en-US" b="1" dirty="0">
+                <a:solidFill>
+                  <a:schemeClr val="bg1"/>
+                </a:solidFill>
+              </a:rPr>
+              <a:t>	e.g. Platform 	+ Jupiter</a:t>
+            </a:r>
+          </a:p>
+          <a:p>
+            <a:r>
+              <a:rPr lang="en-US" b="1" dirty="0">
+                <a:solidFill>
+                  <a:schemeClr val="bg1"/>
+                </a:solidFill>
+              </a:rPr>
+              <a:t>	or </a:t>
+            </a:r>
+          </a:p>
+          <a:p>
+            <a:r>
+              <a:rPr lang="en-US" b="1" dirty="0">
+                <a:solidFill>
+                  <a:schemeClr val="bg1"/>
+                </a:solidFill>
+              </a:rPr>
+              <a:t>			+ </a:t>
             </a:r>
             <a:r>
               <a:rPr lang="en-US" b="1" dirty="0" err="1">
@@ -7065,17 +7150,54 @@
                   <a:schemeClr val="bg1"/>
                 </a:solidFill>
               </a:rPr>
-              <a:t>		using when you run older Junit code.</a:t>
-            </a:r>
-          </a:p>
-          <a:p>
-            <a:r>
-              <a:rPr lang="en-US" b="1" dirty="0">
-                <a:solidFill>
-                  <a:schemeClr val="bg1"/>
-                </a:solidFill>
-              </a:rPr>
-              <a:t>		Way to make it </a:t>
+              <a:t>	or</a:t>
+            </a:r>
+          </a:p>
+          <a:p>
+            <a:r>
+              <a:rPr lang="en-US" b="1" dirty="0">
+                <a:solidFill>
+                  <a:schemeClr val="bg1"/>
+                </a:solidFill>
+              </a:rPr>
+              <a:t>			+ Extension </a:t>
+            </a:r>
+          </a:p>
+          <a:p>
+            <a:endParaRPr lang="en-US" b="1" dirty="0">
+              <a:solidFill>
+                <a:schemeClr val="bg1"/>
+              </a:solidFill>
+            </a:endParaRPr>
+          </a:p>
+          <a:p>
+            <a:r>
+              <a:rPr lang="en-US" b="1" dirty="0">
+                <a:solidFill>
+                  <a:schemeClr val="bg1"/>
+                </a:solidFill>
+              </a:rPr>
+              <a:t>IDE based</a:t>
+            </a:r>
+          </a:p>
+          <a:p>
+            <a:r>
+              <a:rPr lang="en-US" b="1" dirty="0">
+                <a:solidFill>
+                  <a:schemeClr val="bg1"/>
+                </a:solidFill>
+              </a:rPr>
+              <a:t>	add dependency</a:t>
+            </a:r>
+          </a:p>
+          <a:p>
+            <a:r>
+              <a:rPr lang="en-US" b="1" dirty="0">
+                <a:solidFill>
+                  <a:schemeClr val="bg1"/>
+                </a:solidFill>
+              </a:rPr>
+              <a:t>	</a:t>
             </a:r>
             <a:r>
               <a:rPr lang="en-US" b="1" dirty="0" err="1">
@@ -7083,65 +7205,15 @@
                   <a:schemeClr val="bg1"/>
                 </a:solidFill>
               </a:rPr>
-              <a:t>backword</a:t>
-            </a:r>
-            <a:r>
-              <a:rPr lang="en-US" b="1" dirty="0">
-                <a:solidFill>
-                  <a:schemeClr val="bg1"/>
-                </a:solidFill>
-              </a:rPr>
-              <a:t> compatible with Junit4</a:t>
-            </a:r>
-          </a:p>
-          <a:p>
-            <a:r>
-              <a:rPr lang="en-US" b="1" dirty="0">
-                <a:solidFill>
-                  <a:schemeClr val="bg1"/>
-                </a:solidFill>
-              </a:rPr>
-              <a:t>		Old tests should use this.</a:t>
-            </a:r>
-          </a:p>
-          <a:p>
-            <a:r>
-              <a:rPr lang="en-US" b="1" dirty="0">
-                <a:solidFill>
-                  <a:schemeClr val="bg1"/>
-                </a:solidFill>
-              </a:rPr>
-              <a:t>		Extension</a:t>
-            </a:r>
-          </a:p>
-          <a:p>
-            <a:r>
-              <a:rPr lang="en-US" b="1" dirty="0">
-                <a:solidFill>
-                  <a:schemeClr val="bg1"/>
-                </a:solidFill>
-              </a:rPr>
-              <a:t>		Third party library plugin should be done through Extension.</a:t>
-            </a:r>
-          </a:p>
-          <a:p>
-            <a:r>
-              <a:rPr lang="en-US" b="1" dirty="0">
-                <a:solidFill>
-                  <a:schemeClr val="bg1"/>
-                </a:solidFill>
-              </a:rPr>
-              <a:t>	A test case that we write can </a:t>
-            </a:r>
-          </a:p>
-          <a:p>
-            <a:r>
-              <a:rPr lang="en-US" b="1" dirty="0">
-                <a:solidFill>
-                  <a:schemeClr val="bg1"/>
-                </a:solidFill>
-              </a:rPr>
-              <a:t>		work with Jupiter or </a:t>
+              <a:t>junit</a:t>
+            </a:r>
+            <a:r>
+              <a:rPr lang="en-US" b="1" dirty="0">
+                <a:solidFill>
+                  <a:schemeClr val="bg1"/>
+                </a:solidFill>
+              </a:rPr>
+              <a:t>-</a:t>
             </a:r>
             <a:r>
               <a:rPr lang="en-US" b="1" dirty="0" err="1">
@@ -7149,33 +7221,109 @@
                   <a:schemeClr val="bg1"/>
                 </a:solidFill>
               </a:rPr>
-              <a:t>Wintage</a:t>
-            </a:r>
-            <a:r>
-              <a:rPr lang="en-US" b="1" dirty="0">
-                <a:solidFill>
-                  <a:schemeClr val="bg1"/>
-                </a:solidFill>
-              </a:rPr>
-              <a:t> or Extension.</a:t>
-            </a:r>
-          </a:p>
-          <a:p>
-            <a:r>
-              <a:rPr lang="en-US" dirty="0">
-                <a:solidFill>
-                  <a:schemeClr val="bg1"/>
-                </a:solidFill>
-              </a:rPr>
-              <a:t>		</a:t>
-            </a:r>
+              <a:t>jupiter</a:t>
+            </a:r>
+            <a:r>
+              <a:rPr lang="en-US" b="1" dirty="0">
+                <a:solidFill>
+                  <a:schemeClr val="bg1"/>
+                </a:solidFill>
+              </a:rPr>
+              <a:t>-engine</a:t>
+            </a:r>
+          </a:p>
+          <a:p>
+            <a:r>
+              <a:rPr lang="en-US" b="1" dirty="0">
+                <a:solidFill>
+                  <a:schemeClr val="bg1"/>
+                </a:solidFill>
+              </a:rPr>
+              <a:t>	</a:t>
+            </a:r>
+            <a:r>
+              <a:rPr lang="en-US" b="1" dirty="0" err="1">
+                <a:solidFill>
+                  <a:schemeClr val="bg1"/>
+                </a:solidFill>
+              </a:rPr>
+              <a:t>junit-jupiter-api</a:t>
+            </a:r>
+            <a:endParaRPr lang="en-US" b="1" dirty="0">
+              <a:solidFill>
+                <a:schemeClr val="bg1"/>
+              </a:solidFill>
+            </a:endParaRPr>
+          </a:p>
+          <a:p>
+            <a:r>
+              <a:rPr lang="en-US" b="1" dirty="0">
+                <a:solidFill>
+                  <a:schemeClr val="bg1"/>
+                </a:solidFill>
+              </a:rPr>
+              <a:t>	</a:t>
+            </a:r>
+            <a:r>
+              <a:rPr lang="en-US" b="1" dirty="0" err="1">
+                <a:solidFill>
+                  <a:schemeClr val="bg1"/>
+                </a:solidFill>
+              </a:rPr>
+              <a:t>junit</a:t>
+            </a:r>
+            <a:r>
+              <a:rPr lang="en-US" b="1" dirty="0">
+                <a:solidFill>
+                  <a:schemeClr val="bg1"/>
+                </a:solidFill>
+              </a:rPr>
+              <a:t>-vintage-</a:t>
+            </a:r>
+            <a:r>
+              <a:rPr lang="en-US" b="1" dirty="0" err="1">
+                <a:solidFill>
+                  <a:schemeClr val="bg1"/>
+                </a:solidFill>
+              </a:rPr>
+              <a:t>engin</a:t>
+            </a:r>
+            <a:r>
+              <a:rPr lang="en-US" b="1" dirty="0">
+                <a:solidFill>
+                  <a:schemeClr val="bg1"/>
+                </a:solidFill>
+              </a:rPr>
+              <a:t> # if you have old version test cases...</a:t>
+            </a:r>
+          </a:p>
+          <a:p>
+            <a:endParaRPr lang="en-US" b="1" dirty="0">
+              <a:solidFill>
+                <a:schemeClr val="bg1"/>
+              </a:solidFill>
+            </a:endParaRPr>
+          </a:p>
+          <a:p>
+            <a:endParaRPr lang="en-US" b="1" dirty="0">
+              <a:solidFill>
+                <a:schemeClr val="bg1"/>
+              </a:solidFill>
+            </a:endParaRPr>
+          </a:p>
+          <a:p>
+            <a:endParaRPr lang="en-US" dirty="0">
+              <a:solidFill>
+                <a:schemeClr val="bg1"/>
+              </a:solidFill>
+            </a:endParaRPr>
           </a:p>
         </p:txBody>
       </p:sp>
     </p:spTree>
     <p:extLst>
       <p:ext uri="{BB962C8B-B14F-4D97-AF65-F5344CB8AC3E}">
-        <p14:creationId xmlns:p14="http://schemas.microsoft.com/office/powerpoint/2010/main" val="2282002914"/>
+        <p14:creationId xmlns:p14="http://schemas.microsoft.com/office/powerpoint/2010/main" val="2539159580"/>
       </p:ext>
     </p:extLst>
   </p:cSld>
@@ -7245,7 +7393,7 @@
                   <a:schemeClr val="bg1"/>
                 </a:solidFill>
               </a:rPr>
-              <a:t>Maven Setup</a:t>
+              <a:t>Junit 5 methods</a:t>
             </a:r>
           </a:p>
         </p:txBody>
@@ -7265,7 +7413,7 @@
         <p:spPr>
           <a:xfrm>
             <a:off x="838200" y="1779687"/>
-            <a:ext cx="10515600" cy="4801314"/>
+            <a:ext cx="10515600" cy="2862322"/>
           </a:xfrm>
           <a:prstGeom prst="rect">
             <a:avLst/>
@@ -7284,17 +7432,7 @@
                   <a:schemeClr val="bg1"/>
                 </a:solidFill>
               </a:rPr>
-              <a:t>maven</a:t>
-            </a:r>
-          </a:p>
-          <a:p>
-            <a:r>
-              <a:rPr lang="en-US" b="1" dirty="0">
-                <a:solidFill>
-                  <a:schemeClr val="bg1"/>
-                </a:solidFill>
-              </a:rPr>
-              <a:t>	two dependencies </a:t>
+              <a:t> @</a:t>
             </a:r>
             <a:r>
               <a:rPr lang="en-US" b="1" dirty="0" err="1">
@@ -7302,7 +7440,7 @@
                   <a:schemeClr val="bg1"/>
                 </a:solidFill>
               </a:rPr>
-              <a:t>atleast</a:t>
+              <a:t>BeforeEach</a:t>
             </a:r>
             <a:endParaRPr lang="en-US" b="1" dirty="0">
               <a:solidFill>
@@ -7317,37 +7455,7 @@
                   <a:schemeClr val="bg1"/>
                 </a:solidFill>
               </a:rPr>
-              <a:t>	Platform + what you want.</a:t>
-            </a:r>
-          </a:p>
-          <a:p>
-            <a:r>
-              <a:rPr lang="en-US" b="1" dirty="0">
-                <a:solidFill>
-                  <a:schemeClr val="bg1"/>
-                </a:solidFill>
-              </a:rPr>
-              <a:t>	e.g. Platform 	+ Jupiter</a:t>
-            </a:r>
-          </a:p>
-          <a:p>
-            <a:r>
-              <a:rPr lang="en-US" b="1" dirty="0">
-                <a:solidFill>
-                  <a:schemeClr val="bg1"/>
-                </a:solidFill>
-              </a:rPr>
-              <a:t>	or </a:t>
-            </a:r>
-          </a:p>
-          <a:p>
-            <a:r>
-              <a:rPr lang="en-US" b="1" dirty="0">
-                <a:solidFill>
-                  <a:schemeClr val="bg1"/>
-                </a:solidFill>
-              </a:rPr>
-              <a:t>			+ </a:t>
+              <a:t>	run before each @Test, @</a:t>
             </a:r>
             <a:r>
               <a:rPr lang="en-US" b="1" dirty="0" err="1">
@@ -7355,7 +7463,39 @@
                   <a:schemeClr val="bg1"/>
                 </a:solidFill>
               </a:rPr>
-              <a:t>Wintage</a:t>
+              <a:t>RepeatedTest</a:t>
+            </a:r>
+            <a:r>
+              <a:rPr lang="en-US" b="1" dirty="0">
+                <a:solidFill>
+                  <a:schemeClr val="bg1"/>
+                </a:solidFill>
+              </a:rPr>
+              <a:t>, @</a:t>
+            </a:r>
+            <a:r>
+              <a:rPr lang="en-US" b="1" dirty="0" err="1">
+                <a:solidFill>
+                  <a:schemeClr val="bg1"/>
+                </a:solidFill>
+              </a:rPr>
+              <a:t>ParameterizedTest</a:t>
+            </a:r>
+            <a:r>
+              <a:rPr lang="en-US" b="1" dirty="0">
+                <a:solidFill>
+                  <a:schemeClr val="bg1"/>
+                </a:solidFill>
+              </a:rPr>
+              <a:t>, or @</a:t>
+            </a:r>
+            <a:r>
+              <a:rPr lang="en-US" b="1" dirty="0" err="1">
+                <a:solidFill>
+                  <a:schemeClr val="bg1"/>
+                </a:solidFill>
+              </a:rPr>
+              <a:t>TestFactory</a:t>
             </a:r>
             <a:endParaRPr lang="en-US" b="1" dirty="0">
               <a:solidFill>
@@ -7370,20 +7510,26 @@
                   <a:schemeClr val="bg1"/>
                 </a:solidFill>
               </a:rPr>
-              <a:t>	or</a:t>
-            </a:r>
-          </a:p>
-          <a:p>
-            <a:r>
-              <a:rPr lang="en-US" b="1" dirty="0">
-                <a:solidFill>
-                  <a:schemeClr val="bg1"/>
-                </a:solidFill>
-              </a:rPr>
-              <a:t>			+ Extension </a:t>
-            </a:r>
-          </a:p>
-          <a:p>
+              <a:t>	Similar to @Before in junit4</a:t>
+            </a:r>
+          </a:p>
+          <a:p>
+            <a:r>
+              <a:rPr lang="en-US" b="1" dirty="0">
+                <a:solidFill>
+                  <a:schemeClr val="bg1"/>
+                </a:solidFill>
+              </a:rPr>
+              <a:t>@</a:t>
+            </a:r>
+            <a:r>
+              <a:rPr lang="en-US" b="1" dirty="0" err="1">
+                <a:solidFill>
+                  <a:schemeClr val="bg1"/>
+                </a:solidFill>
+              </a:rPr>
+              <a:t>AfterEach</a:t>
+            </a:r>
             <a:endParaRPr lang="en-US" b="1" dirty="0">
               <a:solidFill>
                 <a:schemeClr val="bg1"/>
@@ -7397,27 +7543,7 @@
                   <a:schemeClr val="bg1"/>
                 </a:solidFill>
               </a:rPr>
-              <a:t>IDE based</a:t>
-            </a:r>
-          </a:p>
-          <a:p>
-            <a:r>
-              <a:rPr lang="en-US" b="1" dirty="0">
-                <a:solidFill>
-                  <a:schemeClr val="bg1"/>
-                </a:solidFill>
-              </a:rPr>
-              <a:t>	add dependency</a:t>
-            </a:r>
-          </a:p>
-          <a:p>
-            <a:r>
-              <a:rPr lang="en-US" b="1" dirty="0">
-                <a:solidFill>
-                  <a:schemeClr val="bg1"/>
-                </a:solidFill>
-              </a:rPr>
-              <a:t>	</a:t>
+              <a:t>	run after each @Test, @</a:t>
             </a:r>
             <a:r>
               <a:rPr lang="en-US" b="1" dirty="0" err="1">
@@ -7425,15 +7551,15 @@
                   <a:schemeClr val="bg1"/>
                 </a:solidFill>
               </a:rPr>
-              <a:t>junit</a:t>
-            </a:r>
-            <a:r>
-              <a:rPr lang="en-US" b="1" dirty="0">
-                <a:solidFill>
-                  <a:schemeClr val="bg1"/>
-                </a:solidFill>
-              </a:rPr>
-              <a:t>-</a:t>
+              <a:t>RepeatedTest</a:t>
+            </a:r>
+            <a:r>
+              <a:rPr lang="en-US" b="1" dirty="0">
+                <a:solidFill>
+                  <a:schemeClr val="bg1"/>
+                </a:solidFill>
+              </a:rPr>
+              <a:t>, @</a:t>
             </a:r>
             <a:r>
               <a:rPr lang="en-US" b="1" dirty="0" err="1">
@@ -7441,25 +7567,15 @@
                   <a:schemeClr val="bg1"/>
                 </a:solidFill>
               </a:rPr>
-              <a:t>jupiter</a:t>
-            </a:r>
-            <a:r>
-              <a:rPr lang="en-US" b="1" dirty="0">
-                <a:solidFill>
-                  <a:schemeClr val="bg1"/>
-                </a:solidFill>
-              </a:rPr>
-              <a:t>-engine</a:t>
-            </a:r>
-          </a:p>
-          <a:p>
-            <a:r>
-              <a:rPr lang="en-US" b="1" dirty="0">
-                <a:solidFill>
-                  <a:schemeClr val="bg1"/>
-                </a:solidFill>
-              </a:rPr>
-              <a:t>	</a:t>
+              <a:t>ParameterizedTest</a:t>
+            </a:r>
+            <a:r>
+              <a:rPr lang="en-US" b="1" dirty="0">
+                <a:solidFill>
+                  <a:schemeClr val="bg1"/>
+                </a:solidFill>
+              </a:rPr>
+              <a:t>, or @</a:t>
             </a:r>
             <a:r>
               <a:rPr lang="en-US" b="1" dirty="0" err="1">
@@ -7467,7 +7583,7 @@
                   <a:schemeClr val="bg1"/>
                 </a:solidFill>
               </a:rPr>
-              <a:t>junit-jupiter-api</a:t>
+              <a:t>TestFactory</a:t>
             </a:r>
             <a:endParaRPr lang="en-US" b="1" dirty="0">
               <a:solidFill>
@@ -7482,7 +7598,37 @@
                   <a:schemeClr val="bg1"/>
                 </a:solidFill>
               </a:rPr>
-              <a:t>	</a:t>
+              <a:t>	Similar to @After in junit4</a:t>
+            </a:r>
+          </a:p>
+          <a:p>
+            <a:r>
+              <a:rPr lang="en-US" b="1" dirty="0">
+                <a:solidFill>
+                  <a:schemeClr val="bg1"/>
+                </a:solidFill>
+              </a:rPr>
+              <a:t>@Test</a:t>
+            </a:r>
+          </a:p>
+          <a:p>
+            <a:r>
+              <a:rPr lang="en-US" b="1" dirty="0">
+                <a:solidFill>
+                  <a:schemeClr val="bg1"/>
+                </a:solidFill>
+              </a:rPr>
+              <a:t>	This is a test method</a:t>
+            </a:r>
+          </a:p>
+          <a:p>
+            <a:r>
+              <a:rPr lang="en-US" b="1" dirty="0">
+                <a:solidFill>
+                  <a:schemeClr val="bg1"/>
+                </a:solidFill>
+              </a:rPr>
+              <a:t>@</a:t>
             </a:r>
             <a:r>
               <a:rPr lang="en-US" b="1" dirty="0" err="1">
@@ -7490,34 +7636,8 @@
                   <a:schemeClr val="bg1"/>
                 </a:solidFill>
               </a:rPr>
-              <a:t>junit</a:t>
-            </a:r>
-            <a:r>
-              <a:rPr lang="en-US" b="1" dirty="0">
-                <a:solidFill>
-                  <a:schemeClr val="bg1"/>
-                </a:solidFill>
-              </a:rPr>
-              <a:t>-vintage-</a:t>
-            </a:r>
-            <a:r>
-              <a:rPr lang="en-US" b="1" dirty="0" err="1">
-                <a:solidFill>
-                  <a:schemeClr val="bg1"/>
-                </a:solidFill>
-              </a:rPr>
-              <a:t>engin</a:t>
-            </a:r>
-            <a:r>
-              <a:rPr lang="en-US" b="1" dirty="0">
-                <a:solidFill>
-                  <a:schemeClr val="bg1"/>
-                </a:solidFill>
-              </a:rPr>
-              <a:t> # if you have old version test cases...</a:t>
-            </a:r>
-          </a:p>
-          <a:p>
+              <a:t>TestMethodOrder</a:t>
+            </a:r>
             <a:endParaRPr lang="en-US" b="1" dirty="0">
               <a:solidFill>
                 <a:schemeClr val="bg1"/>
@@ -7525,25 +7645,21 @@
             </a:endParaRPr>
           </a:p>
           <a:p>
-            <a:endParaRPr lang="en-US" b="1" dirty="0">
-              <a:solidFill>
-                <a:schemeClr val="bg1"/>
-              </a:solidFill>
-            </a:endParaRPr>
-          </a:p>
-          <a:p>
-            <a:endParaRPr lang="en-US" dirty="0">
-              <a:solidFill>
-                <a:schemeClr val="bg1"/>
-              </a:solidFill>
-            </a:endParaRPr>
+            <a:r>
+              <a:rPr lang="en-US" b="1" dirty="0">
+                <a:solidFill>
+                  <a:schemeClr val="bg1"/>
+                </a:solidFill>
+              </a:rPr>
+              <a:t>	Define test method order</a:t>
+            </a:r>
           </a:p>
         </p:txBody>
       </p:sp>
     </p:spTree>
     <p:extLst>
       <p:ext uri="{BB962C8B-B14F-4D97-AF65-F5344CB8AC3E}">
-        <p14:creationId xmlns:p14="http://schemas.microsoft.com/office/powerpoint/2010/main" val="2539159580"/>
+        <p14:creationId xmlns:p14="http://schemas.microsoft.com/office/powerpoint/2010/main" val="347202915"/>
       </p:ext>
     </p:extLst>
   </p:cSld>
@@ -7613,7 +7729,23 @@
                   <a:schemeClr val="bg1"/>
                 </a:solidFill>
               </a:rPr>
-              <a:t>Junit 5 methods</a:t>
+              <a:t>Junit 5 methods </a:t>
+            </a:r>
+            <a:r>
+              <a:rPr lang="en-US" b="1" dirty="0" err="1">
+                <a:solidFill>
+                  <a:schemeClr val="bg1"/>
+                </a:solidFill>
+              </a:rPr>
+              <a:t>cntd</a:t>
+            </a:r>
+            <a:r>
+              <a:rPr lang="en-US" b="1" dirty="0">
+                <a:solidFill>
+                  <a:schemeClr val="bg1"/>
+                </a:solidFill>
+              </a:rPr>
+              <a:t>.</a:t>
             </a:r>
           </a:p>
         </p:txBody>
@@ -7633,7 +7765,7 @@
         <p:spPr>
           <a:xfrm>
             <a:off x="838200" y="1779687"/>
-            <a:ext cx="10515600" cy="2862322"/>
+            <a:ext cx="10515600" cy="3693319"/>
           </a:xfrm>
           <a:prstGeom prst="rect">
             <a:avLst/>
@@ -7660,7 +7792,7 @@
                   <a:schemeClr val="bg1"/>
                 </a:solidFill>
               </a:rPr>
-              <a:t>BeforeEach</a:t>
+              <a:t>BeforeAll</a:t>
             </a:r>
             <a:endParaRPr lang="en-US" b="1" dirty="0">
               <a:solidFill>
@@ -7675,7 +7807,7 @@
                   <a:schemeClr val="bg1"/>
                 </a:solidFill>
               </a:rPr>
-              <a:t>	run before each @Test, @</a:t>
+              <a:t>	method should be executed before all @Test, @</a:t>
             </a:r>
             <a:r>
               <a:rPr lang="en-US" b="1" dirty="0" err="1">
@@ -7707,7 +7839,7 @@
                   <a:schemeClr val="bg1"/>
                 </a:solidFill>
               </a:rPr>
-              <a:t>, or @</a:t>
+              <a:t>, and 	@</a:t>
             </a:r>
             <a:r>
               <a:rPr lang="en-US" b="1" dirty="0" err="1">
@@ -7716,6 +7848,58 @@
                 </a:solidFill>
               </a:rPr>
               <a:t>TestFactory</a:t>
+            </a:r>
+            <a:r>
+              <a:rPr lang="en-US" b="1" dirty="0">
+                <a:solidFill>
+                  <a:schemeClr val="bg1"/>
+                </a:solidFill>
+              </a:rPr>
+              <a:t> methods</a:t>
+            </a:r>
+          </a:p>
+          <a:p>
+            <a:r>
+              <a:rPr lang="en-US" b="1" dirty="0">
+                <a:solidFill>
+                  <a:schemeClr val="bg1"/>
+                </a:solidFill>
+              </a:rPr>
+              <a:t>	Similar to @</a:t>
+            </a:r>
+            <a:r>
+              <a:rPr lang="en-US" b="1" dirty="0" err="1">
+                <a:solidFill>
+                  <a:schemeClr val="bg1"/>
+                </a:solidFill>
+              </a:rPr>
+              <a:t>BeforeClass</a:t>
+            </a:r>
+            <a:r>
+              <a:rPr lang="en-US" b="1" dirty="0">
+                <a:solidFill>
+                  <a:schemeClr val="bg1"/>
+                </a:solidFill>
+              </a:rPr>
+              <a:t> in junit4</a:t>
+            </a:r>
+          </a:p>
+          <a:p>
+            <a:r>
+              <a:rPr lang="en-US" b="1" dirty="0">
+                <a:solidFill>
+                  <a:schemeClr val="bg1"/>
+                </a:solidFill>
+              </a:rPr>
+              <a:t>@</a:t>
+            </a:r>
+            <a:r>
+              <a:rPr lang="en-US" b="1" dirty="0" err="1">
+                <a:solidFill>
+                  <a:schemeClr val="bg1"/>
+                </a:solidFill>
+              </a:rPr>
+              <a:t>AfterAll</a:t>
             </a:r>
             <a:endParaRPr lang="en-US" b="1" dirty="0">
               <a:solidFill>
@@ -7730,17 +7914,7 @@
                   <a:schemeClr val="bg1"/>
                 </a:solidFill>
               </a:rPr>
-              <a:t>	Similar to @Before in junit4</a:t>
-            </a:r>
-          </a:p>
-          <a:p>
-            <a:r>
-              <a:rPr lang="en-US" b="1" dirty="0">
-                <a:solidFill>
-                  <a:schemeClr val="bg1"/>
-                </a:solidFill>
-              </a:rPr>
-              <a:t>@</a:t>
+              <a:t>	method should be executed after all @Test, @</a:t>
             </a:r>
             <a:r>
               <a:rPr lang="en-US" b="1" dirty="0" err="1">
@@ -7748,7 +7922,131 @@
                   <a:schemeClr val="bg1"/>
                 </a:solidFill>
               </a:rPr>
-              <a:t>AfterEach</a:t>
+              <a:t>RepeatedTest</a:t>
+            </a:r>
+            <a:r>
+              <a:rPr lang="en-US" b="1" dirty="0">
+                <a:solidFill>
+                  <a:schemeClr val="bg1"/>
+                </a:solidFill>
+              </a:rPr>
+              <a:t>, @</a:t>
+            </a:r>
+            <a:r>
+              <a:rPr lang="en-US" b="1" dirty="0" err="1">
+                <a:solidFill>
+                  <a:schemeClr val="bg1"/>
+                </a:solidFill>
+              </a:rPr>
+              <a:t>ParameterizedTest</a:t>
+            </a:r>
+            <a:r>
+              <a:rPr lang="en-US" b="1" dirty="0">
+                <a:solidFill>
+                  <a:schemeClr val="bg1"/>
+                </a:solidFill>
+              </a:rPr>
+              <a:t>, and 	@</a:t>
+            </a:r>
+            <a:r>
+              <a:rPr lang="en-US" b="1" dirty="0" err="1">
+                <a:solidFill>
+                  <a:schemeClr val="bg1"/>
+                </a:solidFill>
+              </a:rPr>
+              <a:t>TestFactory</a:t>
+            </a:r>
+            <a:r>
+              <a:rPr lang="en-US" b="1" dirty="0">
+                <a:solidFill>
+                  <a:schemeClr val="bg1"/>
+                </a:solidFill>
+              </a:rPr>
+              <a:t> methods</a:t>
+            </a:r>
+          </a:p>
+          <a:p>
+            <a:r>
+              <a:rPr lang="en-US" b="1" dirty="0">
+                <a:solidFill>
+                  <a:schemeClr val="bg1"/>
+                </a:solidFill>
+              </a:rPr>
+              <a:t>	Similar to @</a:t>
+            </a:r>
+            <a:r>
+              <a:rPr lang="en-US" b="1" dirty="0" err="1">
+                <a:solidFill>
+                  <a:schemeClr val="bg1"/>
+                </a:solidFill>
+              </a:rPr>
+              <a:t>AfterClass</a:t>
+            </a:r>
+            <a:r>
+              <a:rPr lang="en-US" b="1" dirty="0">
+                <a:solidFill>
+                  <a:schemeClr val="bg1"/>
+                </a:solidFill>
+              </a:rPr>
+              <a:t> in junit4</a:t>
+            </a:r>
+          </a:p>
+          <a:p>
+            <a:r>
+              <a:rPr lang="en-US" b="1" dirty="0">
+                <a:solidFill>
+                  <a:schemeClr val="bg1"/>
+                </a:solidFill>
+              </a:rPr>
+              <a:t>@Tag</a:t>
+            </a:r>
+          </a:p>
+          <a:p>
+            <a:r>
+              <a:rPr lang="en-US" b="1" dirty="0">
+                <a:solidFill>
+                  <a:schemeClr val="bg1"/>
+                </a:solidFill>
+              </a:rPr>
+              <a:t>		Define key value pair tags.</a:t>
+            </a:r>
+          </a:p>
+          <a:p>
+            <a:r>
+              <a:rPr lang="en-US" b="1" dirty="0">
+                <a:solidFill>
+                  <a:schemeClr val="bg1"/>
+                </a:solidFill>
+              </a:rPr>
+              <a:t>		Can be used to filter and run specific set of test cases.</a:t>
+            </a:r>
+            <a:endParaRPr lang="en-US" dirty="0">
+              <a:solidFill>
+                <a:schemeClr val="bg1"/>
+              </a:solidFill>
+            </a:endParaRPr>
+          </a:p>
+          <a:p>
+            <a:endParaRPr lang="en-US" dirty="0">
+              <a:solidFill>
+                <a:schemeClr val="bg1"/>
+              </a:solidFill>
+            </a:endParaRPr>
+          </a:p>
+          <a:p>
+            <a:r>
+              <a:rPr lang="en-US" b="1" dirty="0">
+                <a:solidFill>
+                  <a:schemeClr val="bg1"/>
+                </a:solidFill>
+              </a:rPr>
+              <a:t>Documentation: </a:t>
+            </a:r>
+            <a:r>
+              <a:rPr lang="en-IN" b="1" dirty="0">
+                <a:hlinkClick r:id="rId2"/>
+              </a:rPr>
+              <a:t>https://junit.org/junit5/docs/current/user-guide/</a:t>
             </a:r>
             <a:endParaRPr lang="en-US" b="1" dirty="0">
               <a:solidFill>
@@ -7756,130 +8054,12 @@
               </a:solidFill>
             </a:endParaRPr>
           </a:p>
-          <a:p>
-            <a:r>
-              <a:rPr lang="en-US" b="1" dirty="0">
-                <a:solidFill>
-                  <a:schemeClr val="bg1"/>
-                </a:solidFill>
-              </a:rPr>
-              <a:t>	run after each @Test, @</a:t>
-            </a:r>
-            <a:r>
-              <a:rPr lang="en-US" b="1" dirty="0" err="1">
-                <a:solidFill>
-                  <a:schemeClr val="bg1"/>
-                </a:solidFill>
-              </a:rPr>
-              <a:t>RepeatedTest</a:t>
-            </a:r>
-            <a:r>
-              <a:rPr lang="en-US" b="1" dirty="0">
-                <a:solidFill>
-                  <a:schemeClr val="bg1"/>
-                </a:solidFill>
-              </a:rPr>
-              <a:t>, @</a:t>
-            </a:r>
-            <a:r>
-              <a:rPr lang="en-US" b="1" dirty="0" err="1">
-                <a:solidFill>
-                  <a:schemeClr val="bg1"/>
-                </a:solidFill>
-              </a:rPr>
-              <a:t>ParameterizedTest</a:t>
-            </a:r>
-            <a:r>
-              <a:rPr lang="en-US" b="1" dirty="0">
-                <a:solidFill>
-                  <a:schemeClr val="bg1"/>
-                </a:solidFill>
-              </a:rPr>
-              <a:t>, or @</a:t>
-            </a:r>
-            <a:r>
-              <a:rPr lang="en-US" b="1" dirty="0" err="1">
-                <a:solidFill>
-                  <a:schemeClr val="bg1"/>
-                </a:solidFill>
-              </a:rPr>
-              <a:t>TestFactory</a:t>
-            </a:r>
-            <a:endParaRPr lang="en-US" b="1" dirty="0">
-              <a:solidFill>
-                <a:schemeClr val="bg1"/>
-              </a:solidFill>
-            </a:endParaRPr>
-          </a:p>
-          <a:p>
-            <a:r>
-              <a:rPr lang="en-US" b="1" dirty="0">
-                <a:solidFill>
-                  <a:schemeClr val="bg1"/>
-                </a:solidFill>
-              </a:rPr>
-              <a:t>	Similar to @After in junit4</a:t>
-            </a:r>
-          </a:p>
-          <a:p>
-            <a:r>
-              <a:rPr lang="en-US" b="1" dirty="0">
-                <a:solidFill>
-                  <a:schemeClr val="bg1"/>
-                </a:solidFill>
-              </a:rPr>
-              <a:t>@Test</a:t>
-            </a:r>
-          </a:p>
-          <a:p>
-            <a:r>
-              <a:rPr lang="en-US" b="1" dirty="0">
-                <a:solidFill>
-                  <a:schemeClr val="bg1"/>
-                </a:solidFill>
-              </a:rPr>
-              <a:t>	This is a test method</a:t>
-            </a:r>
-          </a:p>
-          <a:p>
-            <a:r>
-              <a:rPr lang="en-US" b="1" dirty="0">
-                <a:solidFill>
-                  <a:schemeClr val="bg1"/>
-                </a:solidFill>
-              </a:rPr>
-              <a:t>@</a:t>
-            </a:r>
-            <a:r>
-              <a:rPr lang="en-US" b="1" dirty="0" err="1">
-                <a:solidFill>
-                  <a:schemeClr val="bg1"/>
-                </a:solidFill>
-              </a:rPr>
-              <a:t>TestMethodOrder</a:t>
-            </a:r>
-            <a:endParaRPr lang="en-US" b="1" dirty="0">
-              <a:solidFill>
-                <a:schemeClr val="bg1"/>
-              </a:solidFill>
-            </a:endParaRPr>
-          </a:p>
-          <a:p>
-            <a:r>
-              <a:rPr lang="en-US" b="1" dirty="0">
-                <a:solidFill>
-                  <a:schemeClr val="bg1"/>
-                </a:solidFill>
-              </a:rPr>
-              <a:t>	Define test method order</a:t>
-            </a:r>
-          </a:p>
         </p:txBody>
       </p:sp>
     </p:spTree>
     <p:extLst>
       <p:ext uri="{BB962C8B-B14F-4D97-AF65-F5344CB8AC3E}">
-        <p14:creationId xmlns:p14="http://schemas.microsoft.com/office/powerpoint/2010/main" val="347202915"/>
+        <p14:creationId xmlns:p14="http://schemas.microsoft.com/office/powerpoint/2010/main" val="1047659052"/>
       </p:ext>
     </p:extLst>
   </p:cSld>
@@ -7949,23 +8129,7 @@
                   <a:schemeClr val="bg1"/>
                 </a:solidFill>
               </a:rPr>
-              <a:t>Junit 5 methods </a:t>
-            </a:r>
-            <a:r>
-              <a:rPr lang="en-US" b="1" dirty="0" err="1">
-                <a:solidFill>
-                  <a:schemeClr val="bg1"/>
-                </a:solidFill>
-              </a:rPr>
-              <a:t>cntd</a:t>
-            </a:r>
-            <a:r>
-              <a:rPr lang="en-US" b="1" dirty="0">
-                <a:solidFill>
-                  <a:schemeClr val="bg1"/>
-                </a:solidFill>
-              </a:rPr>
-              <a:t>.</a:t>
+              <a:t>Implement an Integration Test</a:t>
             </a:r>
           </a:p>
         </p:txBody>
@@ -7985,7 +8149,7 @@
         <p:spPr>
           <a:xfrm>
             <a:off x="838200" y="1779687"/>
-            <a:ext cx="10515600" cy="3693319"/>
+            <a:ext cx="10515600" cy="646331"/>
           </a:xfrm>
           <a:prstGeom prst="rect">
             <a:avLst/>
@@ -8004,282 +8168,22 @@
                   <a:schemeClr val="bg1"/>
                 </a:solidFill>
               </a:rPr>
-              <a:t> @</a:t>
-            </a:r>
-            <a:r>
-              <a:rPr lang="en-US" b="1" dirty="0" err="1">
-                <a:solidFill>
-                  <a:schemeClr val="bg1"/>
-                </a:solidFill>
-              </a:rPr>
-              <a:t>BeforeAll</a:t>
-            </a:r>
-            <a:endParaRPr lang="en-US" b="1" dirty="0">
-              <a:solidFill>
-                <a:schemeClr val="bg1"/>
-              </a:solidFill>
-            </a:endParaRPr>
-          </a:p>
-          <a:p>
-            <a:r>
-              <a:rPr lang="en-US" b="1" dirty="0">
-                <a:solidFill>
-                  <a:schemeClr val="bg1"/>
-                </a:solidFill>
-              </a:rPr>
-              <a:t>	method should be executed before all @Test, @</a:t>
-            </a:r>
-            <a:r>
-              <a:rPr lang="en-US" b="1" dirty="0" err="1">
-                <a:solidFill>
-                  <a:schemeClr val="bg1"/>
-                </a:solidFill>
-              </a:rPr>
-              <a:t>RepeatedTest</a:t>
-            </a:r>
-            <a:r>
-              <a:rPr lang="en-US" b="1" dirty="0">
-                <a:solidFill>
-                  <a:schemeClr val="bg1"/>
-                </a:solidFill>
-              </a:rPr>
-              <a:t>, @</a:t>
-            </a:r>
-            <a:r>
-              <a:rPr lang="en-US" b="1" dirty="0" err="1">
-                <a:solidFill>
-                  <a:schemeClr val="bg1"/>
-                </a:solidFill>
-              </a:rPr>
-              <a:t>ParameterizedTest</a:t>
-            </a:r>
-            <a:r>
-              <a:rPr lang="en-US" b="1" dirty="0">
-                <a:solidFill>
-                  <a:schemeClr val="bg1"/>
-                </a:solidFill>
-              </a:rPr>
-              <a:t>, and 	@</a:t>
-            </a:r>
-            <a:r>
-              <a:rPr lang="en-US" b="1" dirty="0" err="1">
-                <a:solidFill>
-                  <a:schemeClr val="bg1"/>
-                </a:solidFill>
-              </a:rPr>
-              <a:t>TestFactory</a:t>
-            </a:r>
-            <a:r>
-              <a:rPr lang="en-US" b="1" dirty="0">
-                <a:solidFill>
-                  <a:schemeClr val="bg1"/>
-                </a:solidFill>
-              </a:rPr>
-              <a:t> methods</a:t>
-            </a:r>
-          </a:p>
-          <a:p>
-            <a:r>
-              <a:rPr lang="en-US" b="1" dirty="0">
-                <a:solidFill>
-                  <a:schemeClr val="bg1"/>
-                </a:solidFill>
-              </a:rPr>
-              <a:t>	Similar to @</a:t>
-            </a:r>
-            <a:r>
-              <a:rPr lang="en-US" b="1" dirty="0" err="1">
-                <a:solidFill>
-                  <a:schemeClr val="bg1"/>
-                </a:solidFill>
-              </a:rPr>
-              <a:t>BeforeClass</a:t>
-            </a:r>
-            <a:r>
-              <a:rPr lang="en-US" b="1" dirty="0">
-                <a:solidFill>
-                  <a:schemeClr val="bg1"/>
-                </a:solidFill>
-              </a:rPr>
-              <a:t> in junit4</a:t>
-            </a:r>
-          </a:p>
-          <a:p>
-            <a:r>
-              <a:rPr lang="en-US" b="1" dirty="0">
-                <a:solidFill>
-                  <a:schemeClr val="bg1"/>
-                </a:solidFill>
-              </a:rPr>
-              <a:t>@</a:t>
-            </a:r>
-            <a:r>
-              <a:rPr lang="en-US" b="1" dirty="0" err="1">
-                <a:solidFill>
-                  <a:schemeClr val="bg1"/>
-                </a:solidFill>
-              </a:rPr>
-              <a:t>AfterAll</a:t>
-            </a:r>
-            <a:endParaRPr lang="en-US" b="1" dirty="0">
-              <a:solidFill>
-                <a:schemeClr val="bg1"/>
-              </a:solidFill>
-            </a:endParaRPr>
-          </a:p>
-          <a:p>
-            <a:r>
-              <a:rPr lang="en-US" b="1" dirty="0">
-                <a:solidFill>
-                  <a:schemeClr val="bg1"/>
-                </a:solidFill>
-              </a:rPr>
-              <a:t>	method should be executed after all @Test, @</a:t>
-            </a:r>
-            <a:r>
-              <a:rPr lang="en-US" b="1" dirty="0" err="1">
-                <a:solidFill>
-                  <a:schemeClr val="bg1"/>
-                </a:solidFill>
-              </a:rPr>
-              <a:t>RepeatedTest</a:t>
-            </a:r>
-            <a:r>
-              <a:rPr lang="en-US" b="1" dirty="0">
-                <a:solidFill>
-                  <a:schemeClr val="bg1"/>
-                </a:solidFill>
-              </a:rPr>
-              <a:t>, @</a:t>
-            </a:r>
-            <a:r>
-              <a:rPr lang="en-US" b="1" dirty="0" err="1">
-                <a:solidFill>
-                  <a:schemeClr val="bg1"/>
-                </a:solidFill>
-              </a:rPr>
-              <a:t>ParameterizedTest</a:t>
-            </a:r>
-            <a:r>
-              <a:rPr lang="en-US" b="1" dirty="0">
-                <a:solidFill>
-                  <a:schemeClr val="bg1"/>
-                </a:solidFill>
-              </a:rPr>
-              <a:t>, and 	@</a:t>
-            </a:r>
-            <a:r>
-              <a:rPr lang="en-US" b="1" dirty="0" err="1">
-                <a:solidFill>
-                  <a:schemeClr val="bg1"/>
-                </a:solidFill>
-              </a:rPr>
-              <a:t>TestFactory</a:t>
-            </a:r>
-            <a:r>
-              <a:rPr lang="en-US" b="1" dirty="0">
-                <a:solidFill>
-                  <a:schemeClr val="bg1"/>
-                </a:solidFill>
-              </a:rPr>
-              <a:t> methods</a:t>
-            </a:r>
-          </a:p>
-          <a:p>
-            <a:r>
-              <a:rPr lang="en-US" b="1" dirty="0">
-                <a:solidFill>
-                  <a:schemeClr val="bg1"/>
-                </a:solidFill>
-              </a:rPr>
-              <a:t>	Similar to @</a:t>
-            </a:r>
-            <a:r>
-              <a:rPr lang="en-US" b="1" dirty="0" err="1">
-                <a:solidFill>
-                  <a:schemeClr val="bg1"/>
-                </a:solidFill>
-              </a:rPr>
-              <a:t>AfterClass</a:t>
-            </a:r>
-            <a:r>
-              <a:rPr lang="en-US" b="1" dirty="0">
-                <a:solidFill>
-                  <a:schemeClr val="bg1"/>
-                </a:solidFill>
-              </a:rPr>
-              <a:t> in junit4</a:t>
-            </a:r>
-          </a:p>
-          <a:p>
-            <a:r>
-              <a:rPr lang="en-US" b="1" dirty="0">
-                <a:solidFill>
-                  <a:schemeClr val="bg1"/>
-                </a:solidFill>
-              </a:rPr>
-              <a:t>@Tag</a:t>
-            </a:r>
-          </a:p>
-          <a:p>
-            <a:r>
-              <a:rPr lang="en-US" b="1" dirty="0">
-                <a:solidFill>
-                  <a:schemeClr val="bg1"/>
-                </a:solidFill>
-              </a:rPr>
-              <a:t>		Define key value pair tags.</a:t>
-            </a:r>
-          </a:p>
-          <a:p>
-            <a:r>
-              <a:rPr lang="en-US" b="1" dirty="0">
-                <a:solidFill>
-                  <a:schemeClr val="bg1"/>
-                </a:solidFill>
-              </a:rPr>
-              <a:t>		Can be used to filter and run specific set of test cases.</a:t>
-            </a:r>
+              <a:t>training\day3\Testing\InstrcutionsForTesting.txt</a:t>
+            </a:r>
+          </a:p>
+          <a:p>
             <a:endParaRPr lang="en-US" dirty="0">
               <a:solidFill>
                 <a:schemeClr val="bg1"/>
               </a:solidFill>
             </a:endParaRPr>
           </a:p>
-          <a:p>
-            <a:endParaRPr lang="en-US" dirty="0">
-              <a:solidFill>
-                <a:schemeClr val="bg1"/>
-              </a:solidFill>
-            </a:endParaRPr>
-          </a:p>
-          <a:p>
-            <a:r>
-              <a:rPr lang="en-US" b="1" dirty="0">
-                <a:solidFill>
-                  <a:schemeClr val="bg1"/>
-                </a:solidFill>
-              </a:rPr>
-              <a:t>Documentation: </a:t>
-            </a:r>
-            <a:r>
-              <a:rPr lang="en-IN" b="1" dirty="0">
-                <a:hlinkClick r:id="rId2"/>
-              </a:rPr>
-              <a:t>https://junit.org/junit5/docs/current/user-guide/</a:t>
-            </a:r>
-            <a:endParaRPr lang="en-US" b="1" dirty="0">
-              <a:solidFill>
-                <a:schemeClr val="bg1"/>
-              </a:solidFill>
-            </a:endParaRPr>
-          </a:p>
         </p:txBody>
       </p:sp>
     </p:spTree>
     <p:extLst>
       <p:ext uri="{BB962C8B-B14F-4D97-AF65-F5344CB8AC3E}">
-        <p14:creationId xmlns:p14="http://schemas.microsoft.com/office/powerpoint/2010/main" val="1047659052"/>
+        <p14:creationId xmlns:p14="http://schemas.microsoft.com/office/powerpoint/2010/main" val="2145521508"/>
       </p:ext>
     </p:extLst>
   </p:cSld>
@@ -8349,8 +8253,21 @@
                   <a:schemeClr val="bg1"/>
                 </a:solidFill>
               </a:rPr>
-              <a:t>Implement an Integration Test</a:t>
-            </a:r>
+              <a:t>API Gateway - </a:t>
+            </a:r>
+            <a:r>
+              <a:rPr lang="en-US" b="1" dirty="0" err="1">
+                <a:solidFill>
+                  <a:schemeClr val="bg1"/>
+                </a:solidFill>
+              </a:rPr>
+              <a:t>Zuul</a:t>
+            </a:r>
+            <a:endParaRPr lang="en-US" b="1" dirty="0">
+              <a:solidFill>
+                <a:schemeClr val="bg1"/>
+              </a:solidFill>
+            </a:endParaRPr>
           </a:p>
         </p:txBody>
       </p:sp>
@@ -8369,7 +8286,7 @@
         <p:spPr>
           <a:xfrm>
             <a:off x="838200" y="1779687"/>
-            <a:ext cx="10515600" cy="646331"/>
+            <a:ext cx="10515600" cy="3693319"/>
           </a:xfrm>
           <a:prstGeom prst="rect">
             <a:avLst/>
@@ -8388,7 +8305,197 @@
                   <a:schemeClr val="bg1"/>
                 </a:solidFill>
               </a:rPr>
-              <a:t>training\day3\Testing\InstrcutionsForTesting.txt</a:t>
+              <a:t> With Microservices we can soon end up with having </a:t>
+            </a:r>
+            <a:r>
+              <a:rPr lang="en-US" b="1" dirty="0" err="1">
+                <a:solidFill>
+                  <a:schemeClr val="bg1"/>
+                </a:solidFill>
+              </a:rPr>
+              <a:t>somany</a:t>
+            </a:r>
+            <a:r>
+              <a:rPr lang="en-US" b="1" dirty="0">
+                <a:solidFill>
+                  <a:schemeClr val="bg1"/>
+                </a:solidFill>
+              </a:rPr>
+              <a:t> different </a:t>
+            </a:r>
+            <a:r>
+              <a:rPr lang="en-US" b="1" dirty="0" err="1">
+                <a:solidFill>
+                  <a:schemeClr val="bg1"/>
+                </a:solidFill>
+              </a:rPr>
+              <a:t>url's</a:t>
+            </a:r>
+            <a:r>
+              <a:rPr lang="en-US" b="1" dirty="0">
+                <a:solidFill>
+                  <a:schemeClr val="bg1"/>
+                </a:solidFill>
+              </a:rPr>
+              <a:t> all pointing to different IP.</a:t>
+            </a:r>
+          </a:p>
+          <a:p>
+            <a:r>
+              <a:rPr lang="en-US" b="1" dirty="0">
+                <a:solidFill>
+                  <a:schemeClr val="bg1"/>
+                </a:solidFill>
+              </a:rPr>
+              <a:t>User's need not be aware of the internal architecture and microservices design </a:t>
+            </a:r>
+            <a:r>
+              <a:rPr lang="en-US" b="1" dirty="0" err="1">
+                <a:solidFill>
+                  <a:schemeClr val="bg1"/>
+                </a:solidFill>
+              </a:rPr>
+              <a:t>ect</a:t>
+            </a:r>
+            <a:r>
+              <a:rPr lang="en-US" b="1" dirty="0">
+                <a:solidFill>
+                  <a:schemeClr val="bg1"/>
+                </a:solidFill>
+              </a:rPr>
+              <a:t>.</a:t>
+            </a:r>
+          </a:p>
+          <a:p>
+            <a:r>
+              <a:rPr lang="en-US" b="1" dirty="0">
+                <a:solidFill>
+                  <a:schemeClr val="bg1"/>
+                </a:solidFill>
+              </a:rPr>
+              <a:t>Need to provide a unique gateway to the client applications of your system. </a:t>
+            </a:r>
+          </a:p>
+          <a:p>
+            <a:r>
+              <a:rPr lang="en-US" b="1" dirty="0">
+                <a:solidFill>
+                  <a:schemeClr val="bg1"/>
+                </a:solidFill>
+              </a:rPr>
+              <a:t>	</a:t>
+            </a:r>
+          </a:p>
+          <a:p>
+            <a:r>
+              <a:rPr lang="en-US" b="1" dirty="0">
+                <a:solidFill>
+                  <a:schemeClr val="bg1"/>
+                </a:solidFill>
+              </a:rPr>
+              <a:t>Open-sourced </a:t>
+            </a:r>
+            <a:r>
+              <a:rPr lang="en-US" b="1" dirty="0" err="1">
+                <a:solidFill>
+                  <a:schemeClr val="bg1"/>
+                </a:solidFill>
+              </a:rPr>
+              <a:t>Zuul</a:t>
+            </a:r>
+            <a:r>
+              <a:rPr lang="en-US" b="1" dirty="0">
+                <a:solidFill>
+                  <a:schemeClr val="bg1"/>
+                </a:solidFill>
+              </a:rPr>
+              <a:t> solves this.</a:t>
+            </a:r>
+          </a:p>
+          <a:p>
+            <a:r>
+              <a:rPr lang="en-US" b="1" dirty="0">
+                <a:solidFill>
+                  <a:schemeClr val="bg1"/>
+                </a:solidFill>
+              </a:rPr>
+              <a:t>	Edge service that proxies requests to multiple backing services. </a:t>
+            </a:r>
+          </a:p>
+          <a:p>
+            <a:r>
+              <a:rPr lang="en-US" b="1" dirty="0">
+                <a:solidFill>
+                  <a:schemeClr val="bg1"/>
+                </a:solidFill>
+              </a:rPr>
+              <a:t>	Provides a unified “front door” to your ecosystem hosted on different computers. </a:t>
+            </a:r>
+          </a:p>
+          <a:p>
+            <a:r>
+              <a:rPr lang="en-US" b="1" dirty="0">
+                <a:solidFill>
+                  <a:schemeClr val="bg1"/>
+                </a:solidFill>
+              </a:rPr>
+              <a:t>	Can execute various functions during the </a:t>
+            </a:r>
+            <a:r>
+              <a:rPr lang="en-US" b="1" dirty="0" err="1">
+                <a:solidFill>
+                  <a:schemeClr val="bg1"/>
+                </a:solidFill>
+              </a:rPr>
+              <a:t>followign</a:t>
+            </a:r>
+            <a:r>
+              <a:rPr lang="en-US" b="1" dirty="0">
+                <a:solidFill>
+                  <a:schemeClr val="bg1"/>
+                </a:solidFill>
+              </a:rPr>
+              <a:t> lifecycle</a:t>
+            </a:r>
+          </a:p>
+          <a:p>
+            <a:r>
+              <a:rPr lang="en-US" b="1" dirty="0">
+                <a:solidFill>
+                  <a:schemeClr val="bg1"/>
+                </a:solidFill>
+              </a:rPr>
+              <a:t>		- Before forwarding</a:t>
+            </a:r>
+          </a:p>
+          <a:p>
+            <a:r>
+              <a:rPr lang="en-US" b="1" dirty="0">
+                <a:solidFill>
+                  <a:schemeClr val="bg1"/>
+                </a:solidFill>
+              </a:rPr>
+              <a:t>		- While forwarding</a:t>
+            </a:r>
+          </a:p>
+          <a:p>
+            <a:r>
+              <a:rPr lang="en-US" b="1" dirty="0">
+                <a:solidFill>
+                  <a:schemeClr val="bg1"/>
+                </a:solidFill>
+              </a:rPr>
+              <a:t>		- After forwarding</a:t>
+            </a:r>
+          </a:p>
+          <a:p>
+            <a:r>
+              <a:rPr lang="en-US" b="1" dirty="0">
+                <a:solidFill>
+                  <a:schemeClr val="bg1"/>
+                </a:solidFill>
+              </a:rPr>
+              <a:t>		- In case of an error</a:t>
             </a:r>
           </a:p>
           <a:p>
@@ -8403,7 +8510,7 @@
     </p:spTree>
     <p:extLst>
       <p:ext uri="{BB962C8B-B14F-4D97-AF65-F5344CB8AC3E}">
-        <p14:creationId xmlns:p14="http://schemas.microsoft.com/office/powerpoint/2010/main" val="2145521508"/>
+        <p14:creationId xmlns:p14="http://schemas.microsoft.com/office/powerpoint/2010/main" val="389176938"/>
       </p:ext>
     </p:extLst>
   </p:cSld>
@@ -8473,21 +8580,8 @@
                   <a:schemeClr val="bg1"/>
                 </a:solidFill>
               </a:rPr>
-              <a:t>API Gateway - </a:t>
-            </a:r>
-            <a:r>
-              <a:rPr lang="en-US" b="1" dirty="0" err="1">
-                <a:solidFill>
-                  <a:schemeClr val="bg1"/>
-                </a:solidFill>
-              </a:rPr>
-              <a:t>Zuul</a:t>
-            </a:r>
-            <a:endParaRPr lang="en-US" b="1" dirty="0">
-              <a:solidFill>
-                <a:schemeClr val="bg1"/>
-              </a:solidFill>
-            </a:endParaRPr>
+              <a:t>API Gateway</a:t>
+            </a:r>
           </a:p>
         </p:txBody>
       </p:sp>
@@ -8505,8 +8599,8 @@
         </p:nvSpPr>
         <p:spPr>
           <a:xfrm>
-            <a:off x="838200" y="1779687"/>
-            <a:ext cx="10515600" cy="3693319"/>
+            <a:off x="838199" y="1779687"/>
+            <a:ext cx="11954993" cy="369332"/>
           </a:xfrm>
           <a:prstGeom prst="rect">
             <a:avLst/>
@@ -8525,200 +8619,8 @@
                   <a:schemeClr val="bg1"/>
                 </a:solidFill>
               </a:rPr>
-              <a:t> With Microservices we can soon end up with having </a:t>
-            </a:r>
-            <a:r>
-              <a:rPr lang="en-US" b="1" dirty="0" err="1">
-                <a:solidFill>
-                  <a:schemeClr val="bg1"/>
-                </a:solidFill>
-              </a:rPr>
-              <a:t>somany</a:t>
-            </a:r>
-            <a:r>
-              <a:rPr lang="en-US" b="1" dirty="0">
-                <a:solidFill>
-                  <a:schemeClr val="bg1"/>
-                </a:solidFill>
-              </a:rPr>
-              <a:t> different </a:t>
-            </a:r>
-            <a:r>
-              <a:rPr lang="en-US" b="1" dirty="0" err="1">
-                <a:solidFill>
-                  <a:schemeClr val="bg1"/>
-                </a:solidFill>
-              </a:rPr>
-              <a:t>url's</a:t>
-            </a:r>
-            <a:r>
-              <a:rPr lang="en-US" b="1" dirty="0">
-                <a:solidFill>
-                  <a:schemeClr val="bg1"/>
-                </a:solidFill>
-              </a:rPr>
-              <a:t> all pointing to different IP.</a:t>
-            </a:r>
-          </a:p>
-          <a:p>
-            <a:r>
-              <a:rPr lang="en-US" b="1" dirty="0">
-                <a:solidFill>
-                  <a:schemeClr val="bg1"/>
-                </a:solidFill>
-              </a:rPr>
-              <a:t>User's need not be aware of the internal architecture and microservices design </a:t>
-            </a:r>
-            <a:r>
-              <a:rPr lang="en-US" b="1" dirty="0" err="1">
-                <a:solidFill>
-                  <a:schemeClr val="bg1"/>
-                </a:solidFill>
-              </a:rPr>
-              <a:t>ect</a:t>
-            </a:r>
-            <a:r>
-              <a:rPr lang="en-US" b="1" dirty="0">
-                <a:solidFill>
-                  <a:schemeClr val="bg1"/>
-                </a:solidFill>
-              </a:rPr>
-              <a:t>.</a:t>
-            </a:r>
-          </a:p>
-          <a:p>
-            <a:r>
-              <a:rPr lang="en-US" b="1" dirty="0">
-                <a:solidFill>
-                  <a:schemeClr val="bg1"/>
-                </a:solidFill>
-              </a:rPr>
-              <a:t>Need to provide a unique gateway to the client applications of your system. </a:t>
-            </a:r>
-          </a:p>
-          <a:p>
-            <a:r>
-              <a:rPr lang="en-US" b="1" dirty="0">
-                <a:solidFill>
-                  <a:schemeClr val="bg1"/>
-                </a:solidFill>
-              </a:rPr>
-              <a:t>	</a:t>
-            </a:r>
-          </a:p>
-          <a:p>
-            <a:r>
-              <a:rPr lang="en-US" b="1" dirty="0">
-                <a:solidFill>
-                  <a:schemeClr val="bg1"/>
-                </a:solidFill>
-              </a:rPr>
-              <a:t>Open-sourced </a:t>
-            </a:r>
-            <a:r>
-              <a:rPr lang="en-US" b="1" dirty="0" err="1">
-                <a:solidFill>
-                  <a:schemeClr val="bg1"/>
-                </a:solidFill>
-              </a:rPr>
-              <a:t>Zuul</a:t>
-            </a:r>
-            <a:r>
-              <a:rPr lang="en-US" b="1" dirty="0">
-                <a:solidFill>
-                  <a:schemeClr val="bg1"/>
-                </a:solidFill>
-              </a:rPr>
-              <a:t> solves this.</a:t>
-            </a:r>
-          </a:p>
-          <a:p>
-            <a:r>
-              <a:rPr lang="en-US" b="1" dirty="0">
-                <a:solidFill>
-                  <a:schemeClr val="bg1"/>
-                </a:solidFill>
-              </a:rPr>
-              <a:t>	Edge service that proxies requests to multiple backing services. </a:t>
-            </a:r>
-          </a:p>
-          <a:p>
-            <a:r>
-              <a:rPr lang="en-US" b="1" dirty="0">
-                <a:solidFill>
-                  <a:schemeClr val="bg1"/>
-                </a:solidFill>
-              </a:rPr>
-              <a:t>	Provides a unified “front door” to your ecosystem hosted on different computers. </a:t>
-            </a:r>
-          </a:p>
-          <a:p>
-            <a:r>
-              <a:rPr lang="en-US" b="1" dirty="0">
-                <a:solidFill>
-                  <a:schemeClr val="bg1"/>
-                </a:solidFill>
-              </a:rPr>
-              <a:t>	Can execute various functions during the </a:t>
-            </a:r>
-            <a:r>
-              <a:rPr lang="en-US" b="1" dirty="0" err="1">
-                <a:solidFill>
-                  <a:schemeClr val="bg1"/>
-                </a:solidFill>
-              </a:rPr>
-              <a:t>followign</a:t>
-            </a:r>
-            <a:r>
-              <a:rPr lang="en-US" b="1" dirty="0">
-                <a:solidFill>
-                  <a:schemeClr val="bg1"/>
-                </a:solidFill>
-              </a:rPr>
-              <a:t> lifecycle</a:t>
-            </a:r>
-          </a:p>
-          <a:p>
-            <a:r>
-              <a:rPr lang="en-US" b="1" dirty="0">
-                <a:solidFill>
-                  <a:schemeClr val="bg1"/>
-                </a:solidFill>
-              </a:rPr>
-              <a:t>		- Before forwarding</a:t>
-            </a:r>
-          </a:p>
-          <a:p>
-            <a:r>
-              <a:rPr lang="en-US" b="1" dirty="0">
-                <a:solidFill>
-                  <a:schemeClr val="bg1"/>
-                </a:solidFill>
-              </a:rPr>
-              <a:t>		- While forwarding</a:t>
-            </a:r>
-          </a:p>
-          <a:p>
-            <a:r>
-              <a:rPr lang="en-US" b="1" dirty="0">
-                <a:solidFill>
-                  <a:schemeClr val="bg1"/>
-                </a:solidFill>
-              </a:rPr>
-              <a:t>		- After forwarding</a:t>
-            </a:r>
-          </a:p>
-          <a:p>
-            <a:r>
-              <a:rPr lang="en-US" b="1" dirty="0">
-                <a:solidFill>
-                  <a:schemeClr val="bg1"/>
-                </a:solidFill>
-              </a:rPr>
-              <a:t>		- In case of an error</a:t>
-            </a:r>
-          </a:p>
-          <a:p>
+              <a:t> </a:t>
+            </a:r>
             <a:endParaRPr lang="en-US" dirty="0">
               <a:solidFill>
                 <a:schemeClr val="bg1"/>
@@ -8727,10 +8629,57 @@
           </a:p>
         </p:txBody>
       </p:sp>
+      <p:pic>
+        <p:nvPicPr>
+          <p:cNvPr id="1026" name="Picture 2">
+            <a:extLst>
+              <a:ext uri="{FF2B5EF4-FFF2-40B4-BE49-F238E27FC236}">
+                <a16:creationId xmlns:a16="http://schemas.microsoft.com/office/drawing/2014/main" id="{38C130D5-96AB-40A1-8378-62EB6498BFA8}"/>
+              </a:ext>
+            </a:extLst>
+          </p:cNvPr>
+          <p:cNvPicPr>
+            <a:picLocks noChangeAspect="1" noChangeArrowheads="1"/>
+          </p:cNvPicPr>
+          <p:nvPr/>
+        </p:nvPicPr>
+        <p:blipFill>
+          <a:blip r:embed="rId2">
+            <a:extLst>
+              <a:ext uri="{28A0092B-C50C-407E-A947-70E740481C1C}">
+                <a14:useLocalDpi xmlns:a14="http://schemas.microsoft.com/office/drawing/2010/main" val="0"/>
+              </a:ext>
+            </a:extLst>
+          </a:blip>
+          <a:srcRect/>
+          <a:stretch>
+            <a:fillRect/>
+          </a:stretch>
+        </p:blipFill>
+        <p:spPr bwMode="auto">
+          <a:xfrm>
+            <a:off x="838199" y="1690688"/>
+            <a:ext cx="10646230" cy="4514169"/>
+          </a:xfrm>
+          <a:prstGeom prst="rect">
+            <a:avLst/>
+          </a:prstGeom>
+          <a:noFill/>
+          <a:extLst>
+            <a:ext uri="{909E8E84-426E-40DD-AFC4-6F175D3DCCD1}">
+              <a14:hiddenFill xmlns:a14="http://schemas.microsoft.com/office/drawing/2010/main">
+                <a:solidFill>
+                  <a:srgbClr val="FFFFFF"/>
+                </a:solidFill>
+              </a14:hiddenFill>
+            </a:ext>
+          </a:extLst>
+        </p:spPr>
+      </p:pic>
     </p:spTree>
     <p:extLst>
       <p:ext uri="{BB962C8B-B14F-4D97-AF65-F5344CB8AC3E}">
-        <p14:creationId xmlns:p14="http://schemas.microsoft.com/office/powerpoint/2010/main" val="389176938"/>
+        <p14:creationId xmlns:p14="http://schemas.microsoft.com/office/powerpoint/2010/main" val="351667473"/>
       </p:ext>
     </p:extLst>
   </p:cSld>
@@ -8800,8 +8749,21 @@
                   <a:schemeClr val="bg1"/>
                 </a:solidFill>
               </a:rPr>
-              <a:t>API Gateway</a:t>
-            </a:r>
+              <a:t>Advantages of </a:t>
+            </a:r>
+            <a:r>
+              <a:rPr lang="en-US" b="1" dirty="0" err="1">
+                <a:solidFill>
+                  <a:schemeClr val="bg1"/>
+                </a:solidFill>
+              </a:rPr>
+              <a:t>Zuul</a:t>
+            </a:r>
+            <a:endParaRPr lang="en-US" b="1" dirty="0">
+              <a:solidFill>
+                <a:schemeClr val="bg1"/>
+              </a:solidFill>
+            </a:endParaRPr>
           </a:p>
         </p:txBody>
       </p:sp>
@@ -8819,8 +8781,8 @@
         </p:nvSpPr>
         <p:spPr>
           <a:xfrm>
-            <a:off x="838199" y="1779687"/>
-            <a:ext cx="11954993" cy="369332"/>
+            <a:off x="838200" y="1779687"/>
+            <a:ext cx="10515600" cy="3139321"/>
           </a:xfrm>
           <a:prstGeom prst="rect">
             <a:avLst/>
@@ -8839,7 +8801,123 @@
                   <a:schemeClr val="bg1"/>
                 </a:solidFill>
               </a:rPr>
-              <a:t> </a:t>
+              <a:t>Netflix Uses </a:t>
+            </a:r>
+            <a:r>
+              <a:rPr lang="en-US" b="1" dirty="0" err="1">
+                <a:solidFill>
+                  <a:schemeClr val="bg1"/>
+                </a:solidFill>
+              </a:rPr>
+              <a:t>Zuul</a:t>
+            </a:r>
+            <a:r>
+              <a:rPr lang="en-US" b="1" dirty="0">
+                <a:solidFill>
+                  <a:schemeClr val="bg1"/>
+                </a:solidFill>
+              </a:rPr>
+              <a:t> for the following</a:t>
+            </a:r>
+          </a:p>
+          <a:p>
+            <a:r>
+              <a:rPr lang="en-US" b="1" dirty="0">
+                <a:solidFill>
+                  <a:schemeClr val="bg1"/>
+                </a:solidFill>
+              </a:rPr>
+              <a:t>	Provide a unified entry point</a:t>
+            </a:r>
+          </a:p>
+          <a:p>
+            <a:r>
+              <a:rPr lang="en-US" b="1" dirty="0">
+                <a:solidFill>
+                  <a:schemeClr val="bg1"/>
+                </a:solidFill>
+              </a:rPr>
+              <a:t>	Apply microservice authentication and security </a:t>
+            </a:r>
+          </a:p>
+          <a:p>
+            <a:r>
+              <a:rPr lang="en-US" b="1" dirty="0">
+                <a:solidFill>
+                  <a:schemeClr val="bg1"/>
+                </a:solidFill>
+              </a:rPr>
+              <a:t>	Can implement a single unified monitoring.</a:t>
+            </a:r>
+          </a:p>
+          <a:p>
+            <a:r>
+              <a:rPr lang="en-US" b="1" dirty="0">
+                <a:solidFill>
+                  <a:schemeClr val="bg1"/>
+                </a:solidFill>
+              </a:rPr>
+              <a:t>	Implement Dynamic Routing can route requests to different backend clusters as needed.</a:t>
+            </a:r>
+          </a:p>
+          <a:p>
+            <a:r>
+              <a:rPr lang="en-US" b="1" dirty="0">
+                <a:solidFill>
+                  <a:schemeClr val="bg1"/>
+                </a:solidFill>
+              </a:rPr>
+              <a:t>	Do runtime stress testing by gradually increasing the traffic </a:t>
+            </a:r>
+          </a:p>
+          <a:p>
+            <a:r>
+              <a:rPr lang="en-US" b="1" dirty="0">
+                <a:solidFill>
+                  <a:schemeClr val="bg1"/>
+                </a:solidFill>
+              </a:rPr>
+              <a:t>	We can do dynamic load shedding </a:t>
+            </a:r>
+          </a:p>
+          <a:p>
+            <a:r>
+              <a:rPr lang="en-US" b="1" dirty="0">
+                <a:solidFill>
+                  <a:schemeClr val="bg1"/>
+                </a:solidFill>
+              </a:rPr>
+              <a:t>		e.g. dropping requests that go over the limit.</a:t>
+            </a:r>
+          </a:p>
+          <a:p>
+            <a:r>
+              <a:rPr lang="en-US" b="1" dirty="0">
+                <a:solidFill>
+                  <a:schemeClr val="bg1"/>
+                </a:solidFill>
+              </a:rPr>
+              <a:t>	Apply static response handling </a:t>
+            </a:r>
+          </a:p>
+          <a:p>
+            <a:r>
+              <a:rPr lang="en-US" b="1" dirty="0">
+                <a:solidFill>
+                  <a:schemeClr val="bg1"/>
+                </a:solidFill>
+              </a:rPr>
+              <a:t>		e.g. while upgrading the system.</a:t>
+            </a:r>
+          </a:p>
+          <a:p>
+            <a:r>
+              <a:rPr lang="en-US" b="1" dirty="0">
+                <a:solidFill>
+                  <a:schemeClr val="bg1"/>
+                </a:solidFill>
+              </a:rPr>
+              <a:t>	Can enable dynamic routing, monitoring, resiliency, and security. </a:t>
             </a:r>
             <a:endParaRPr lang="en-US" dirty="0">
               <a:solidFill>
@@ -8849,57 +8927,10 @@
           </a:p>
         </p:txBody>
       </p:sp>
-      <p:pic>
-        <p:nvPicPr>
-          <p:cNvPr id="1026" name="Picture 2">
-            <a:extLst>
-              <a:ext uri="{FF2B5EF4-FFF2-40B4-BE49-F238E27FC236}">
-                <a16:creationId xmlns:a16="http://schemas.microsoft.com/office/drawing/2014/main" id="{38C130D5-96AB-40A1-8378-62EB6498BFA8}"/>
-              </a:ext>
-            </a:extLst>
-          </p:cNvPr>
-          <p:cNvPicPr>
-            <a:picLocks noChangeAspect="1" noChangeArrowheads="1"/>
-          </p:cNvPicPr>
-          <p:nvPr/>
-        </p:nvPicPr>
-        <p:blipFill>
-          <a:blip r:embed="rId2">
-            <a:extLst>
-              <a:ext uri="{28A0092B-C50C-407E-A947-70E740481C1C}">
-                <a14:useLocalDpi xmlns:a14="http://schemas.microsoft.com/office/drawing/2010/main" val="0"/>
-              </a:ext>
-            </a:extLst>
-          </a:blip>
-          <a:srcRect/>
-          <a:stretch>
-            <a:fillRect/>
-          </a:stretch>
-        </p:blipFill>
-        <p:spPr bwMode="auto">
-          <a:xfrm>
-            <a:off x="838199" y="1690688"/>
-            <a:ext cx="10646230" cy="4514169"/>
-          </a:xfrm>
-          <a:prstGeom prst="rect">
-            <a:avLst/>
-          </a:prstGeom>
-          <a:noFill/>
-          <a:extLst>
-            <a:ext uri="{909E8E84-426E-40DD-AFC4-6F175D3DCCD1}">
-              <a14:hiddenFill xmlns:a14="http://schemas.microsoft.com/office/drawing/2010/main">
-                <a:solidFill>
-                  <a:srgbClr val="FFFFFF"/>
-                </a:solidFill>
-              </a14:hiddenFill>
-            </a:ext>
-          </a:extLst>
-        </p:spPr>
-      </p:pic>
     </p:spTree>
     <p:extLst>
       <p:ext uri="{BB962C8B-B14F-4D97-AF65-F5344CB8AC3E}">
-        <p14:creationId xmlns:p14="http://schemas.microsoft.com/office/powerpoint/2010/main" val="351667473"/>
+        <p14:creationId xmlns:p14="http://schemas.microsoft.com/office/powerpoint/2010/main" val="2186921650"/>
       </p:ext>
     </p:extLst>
   </p:cSld>
@@ -9111,14 +9142,6 @@
           <a:lstStyle/>
           <a:p>
             <a:r>
-              <a:rPr lang="en-US" b="1" dirty="0">
-                <a:solidFill>
-                  <a:schemeClr val="bg1"/>
-                </a:solidFill>
-              </a:rPr>
-              <a:t>Advantages of </a:t>
-            </a:r>
-            <a:r>
               <a:rPr lang="en-US" b="1" dirty="0" err="1">
                 <a:solidFill>
                   <a:schemeClr val="bg1"/>
@@ -9126,11 +9149,14 @@
               </a:rPr>
               <a:t>Zuul</a:t>
             </a:r>
-            <a:endParaRPr lang="en-US" b="1" dirty="0">
-              <a:solidFill>
-                <a:schemeClr val="bg1"/>
-              </a:solidFill>
-            </a:endParaRPr>
+            <a:r>
+              <a:rPr lang="en-US" b="1" dirty="0">
+                <a:solidFill>
+                  <a:schemeClr val="bg1"/>
+                </a:solidFill>
+              </a:rPr>
+              <a:t> - lab</a:t>
+            </a:r>
           </a:p>
         </p:txBody>
       </p:sp>
@@ -9149,7 +9175,7 @@
         <p:spPr>
           <a:xfrm>
             <a:off x="838200" y="1779687"/>
-            <a:ext cx="10515600" cy="3139321"/>
+            <a:ext cx="10515600" cy="369332"/>
           </a:xfrm>
           <a:prstGeom prst="rect">
             <a:avLst/>
@@ -9168,7 +9194,7 @@
                   <a:schemeClr val="bg1"/>
                 </a:solidFill>
               </a:rPr>
-              <a:t>Netflix Uses </a:t>
+              <a:t> training\day3\</a:t>
             </a:r>
             <a:r>
               <a:rPr lang="en-US" b="1" dirty="0" err="1">
@@ -9176,115 +9202,15 @@
                   <a:schemeClr val="bg1"/>
                 </a:solidFill>
               </a:rPr>
-              <a:t>Zuul</a:t>
-            </a:r>
-            <a:r>
-              <a:rPr lang="en-US" b="1" dirty="0">
-                <a:solidFill>
-                  <a:schemeClr val="bg1"/>
-                </a:solidFill>
-              </a:rPr>
-              <a:t> for the following</a:t>
-            </a:r>
-          </a:p>
-          <a:p>
-            <a:r>
-              <a:rPr lang="en-US" b="1" dirty="0">
-                <a:solidFill>
-                  <a:schemeClr val="bg1"/>
-                </a:solidFill>
-              </a:rPr>
-              <a:t>	Provide a unified entry point</a:t>
-            </a:r>
-          </a:p>
-          <a:p>
-            <a:r>
-              <a:rPr lang="en-US" b="1" dirty="0">
-                <a:solidFill>
-                  <a:schemeClr val="bg1"/>
-                </a:solidFill>
-              </a:rPr>
-              <a:t>	Apply microservice authentication and security </a:t>
-            </a:r>
-          </a:p>
-          <a:p>
-            <a:r>
-              <a:rPr lang="en-US" b="1" dirty="0">
-                <a:solidFill>
-                  <a:schemeClr val="bg1"/>
-                </a:solidFill>
-              </a:rPr>
-              <a:t>	Can implement a single unified monitoring.</a:t>
-            </a:r>
-          </a:p>
-          <a:p>
-            <a:r>
-              <a:rPr lang="en-US" b="1" dirty="0">
-                <a:solidFill>
-                  <a:schemeClr val="bg1"/>
-                </a:solidFill>
-              </a:rPr>
-              <a:t>	Implement Dynamic Routing can route requests to different backend clusters as needed.</a:t>
-            </a:r>
-          </a:p>
-          <a:p>
-            <a:r>
-              <a:rPr lang="en-US" b="1" dirty="0">
-                <a:solidFill>
-                  <a:schemeClr val="bg1"/>
-                </a:solidFill>
-              </a:rPr>
-              <a:t>	Do runtime stress testing by gradually increasing the traffic </a:t>
-            </a:r>
-          </a:p>
-          <a:p>
-            <a:r>
-              <a:rPr lang="en-US" b="1" dirty="0">
-                <a:solidFill>
-                  <a:schemeClr val="bg1"/>
-                </a:solidFill>
-              </a:rPr>
-              <a:t>	We can do dynamic load shedding </a:t>
-            </a:r>
-          </a:p>
-          <a:p>
-            <a:r>
-              <a:rPr lang="en-US" b="1" dirty="0">
-                <a:solidFill>
-                  <a:schemeClr val="bg1"/>
-                </a:solidFill>
-              </a:rPr>
-              <a:t>		e.g. dropping requests that go over the limit.</a:t>
-            </a:r>
-          </a:p>
-          <a:p>
-            <a:r>
-              <a:rPr lang="en-US" b="1" dirty="0">
-                <a:solidFill>
-                  <a:schemeClr val="bg1"/>
-                </a:solidFill>
-              </a:rPr>
-              <a:t>	Apply static response handling </a:t>
-            </a:r>
-          </a:p>
-          <a:p>
-            <a:r>
-              <a:rPr lang="en-US" b="1" dirty="0">
-                <a:solidFill>
-                  <a:schemeClr val="bg1"/>
-                </a:solidFill>
-              </a:rPr>
-              <a:t>		e.g. while upgrading the system.</a:t>
-            </a:r>
-          </a:p>
-          <a:p>
-            <a:r>
-              <a:rPr lang="en-US" b="1" dirty="0">
-                <a:solidFill>
-                  <a:schemeClr val="bg1"/>
-                </a:solidFill>
-              </a:rPr>
-              <a:t>	Can enable dynamic routing, monitoring, resiliency, and security. </a:t>
+              <a:t>APIGateway</a:t>
+            </a:r>
+            <a:r>
+              <a:rPr lang="en-US" b="1" dirty="0">
+                <a:solidFill>
+                  <a:schemeClr val="bg1"/>
+                </a:solidFill>
+              </a:rPr>
+              <a:t>\InstructionsForAPIGateway.txt</a:t>
             </a:r>
             <a:endParaRPr lang="en-US" dirty="0">
               <a:solidFill>
@@ -9297,7 +9223,7 @@
     </p:spTree>
     <p:extLst>
       <p:ext uri="{BB962C8B-B14F-4D97-AF65-F5344CB8AC3E}">
-        <p14:creationId xmlns:p14="http://schemas.microsoft.com/office/powerpoint/2010/main" val="2186921650"/>
+        <p14:creationId xmlns:p14="http://schemas.microsoft.com/office/powerpoint/2010/main" val="91501442"/>
       </p:ext>
     </p:extLst>
   </p:cSld>
@@ -9362,20 +9288,12 @@
           <a:lstStyle/>
           <a:p>
             <a:r>
-              <a:rPr lang="en-US" b="1" dirty="0" err="1">
-                <a:solidFill>
-                  <a:schemeClr val="bg1"/>
-                </a:solidFill>
-              </a:rPr>
-              <a:t>Zuul</a:t>
-            </a:r>
-            <a:r>
-              <a:rPr lang="en-US" b="1" dirty="0">
-                <a:solidFill>
-                  <a:schemeClr val="bg1"/>
-                </a:solidFill>
-              </a:rPr>
-              <a:t> - lab</a:t>
+              <a:rPr lang="en-US" b="1" dirty="0">
+                <a:solidFill>
+                  <a:schemeClr val="bg1"/>
+                </a:solidFill>
+              </a:rPr>
+              <a:t>Security</a:t>
             </a:r>
           </a:p>
         </p:txBody>
@@ -9395,7 +9313,7 @@
         <p:spPr>
           <a:xfrm>
             <a:off x="838200" y="1779687"/>
-            <a:ext cx="10515600" cy="369332"/>
+            <a:ext cx="10515600" cy="3416320"/>
           </a:xfrm>
           <a:prstGeom prst="rect">
             <a:avLst/>
@@ -9414,36 +9332,125 @@
                   <a:schemeClr val="bg1"/>
                 </a:solidFill>
               </a:rPr>
-              <a:t> training\day3\</a:t>
-            </a:r>
-            <a:r>
-              <a:rPr lang="en-US" b="1" dirty="0" err="1">
-                <a:solidFill>
-                  <a:schemeClr val="bg1"/>
-                </a:solidFill>
-              </a:rPr>
-              <a:t>APIGateway</a:t>
-            </a:r>
-            <a:r>
-              <a:rPr lang="en-US" b="1" dirty="0">
-                <a:solidFill>
-                  <a:schemeClr val="bg1"/>
-                </a:solidFill>
-              </a:rPr>
-              <a:t>\InstructionsForAPIGateway.txt</a:t>
-            </a:r>
-            <a:endParaRPr lang="en-US" dirty="0">
-              <a:solidFill>
-                <a:schemeClr val="bg1"/>
-              </a:solidFill>
-            </a:endParaRPr>
+              <a:t>11 Patterns for Security</a:t>
+            </a:r>
+          </a:p>
+          <a:p>
+            <a:r>
+              <a:rPr lang="en-US" b="1" dirty="0">
+                <a:solidFill>
+                  <a:schemeClr val="bg1"/>
+                </a:solidFill>
+              </a:rPr>
+              <a:t>	Be Secure by Design</a:t>
+            </a:r>
+          </a:p>
+          <a:p>
+            <a:r>
+              <a:rPr lang="en-US" b="1" dirty="0">
+                <a:solidFill>
+                  <a:schemeClr val="bg1"/>
+                </a:solidFill>
+              </a:rPr>
+              <a:t>	Scan Dependencies</a:t>
+            </a:r>
+          </a:p>
+          <a:p>
+            <a:r>
+              <a:rPr lang="en-US" b="1" dirty="0">
+                <a:solidFill>
+                  <a:schemeClr val="bg1"/>
+                </a:solidFill>
+              </a:rPr>
+              <a:t>	Use HTTPS Everywhere</a:t>
+            </a:r>
+          </a:p>
+          <a:p>
+            <a:r>
+              <a:rPr lang="en-US" b="1" dirty="0">
+                <a:solidFill>
+                  <a:schemeClr val="bg1"/>
+                </a:solidFill>
+              </a:rPr>
+              <a:t>	Use Access and Identity Tokens</a:t>
+            </a:r>
+          </a:p>
+          <a:p>
+            <a:r>
+              <a:rPr lang="en-US" b="1" dirty="0">
+                <a:solidFill>
+                  <a:schemeClr val="bg1"/>
+                </a:solidFill>
+              </a:rPr>
+              <a:t>	Encrypt and Protect Secrets</a:t>
+            </a:r>
+          </a:p>
+          <a:p>
+            <a:r>
+              <a:rPr lang="en-US" b="1" dirty="0">
+                <a:solidFill>
+                  <a:schemeClr val="bg1"/>
+                </a:solidFill>
+              </a:rPr>
+              <a:t>	Verify Security with Delivery Pipelines</a:t>
+            </a:r>
+          </a:p>
+          <a:p>
+            <a:r>
+              <a:rPr lang="en-US" b="1" dirty="0">
+                <a:solidFill>
+                  <a:schemeClr val="bg1"/>
+                </a:solidFill>
+              </a:rPr>
+              <a:t>	Slow Down Attackers</a:t>
+            </a:r>
+          </a:p>
+          <a:p>
+            <a:r>
+              <a:rPr lang="en-US" b="1" dirty="0">
+                <a:solidFill>
+                  <a:schemeClr val="bg1"/>
+                </a:solidFill>
+              </a:rPr>
+              <a:t>	Use Docker Rootless Mode</a:t>
+            </a:r>
+          </a:p>
+          <a:p>
+            <a:r>
+              <a:rPr lang="en-US" b="1" dirty="0">
+                <a:solidFill>
+                  <a:schemeClr val="bg1"/>
+                </a:solidFill>
+              </a:rPr>
+              <a:t>	Use Time-Based Security</a:t>
+            </a:r>
+          </a:p>
+          <a:p>
+            <a:r>
+              <a:rPr lang="en-US" b="1" dirty="0">
+                <a:solidFill>
+                  <a:schemeClr val="bg1"/>
+                </a:solidFill>
+              </a:rPr>
+              <a:t>	Scan Docker and Kubernetes Configuration for Vulnerabilities</a:t>
+            </a:r>
+          </a:p>
+          <a:p>
+            <a:r>
+              <a:rPr lang="en-US" b="1" dirty="0">
+                <a:solidFill>
+                  <a:schemeClr val="bg1"/>
+                </a:solidFill>
+              </a:rPr>
+              <a:t>	Know Your Cloud and Cluster Security</a:t>
+            </a:r>
           </a:p>
         </p:txBody>
       </p:sp>
     </p:spTree>
     <p:extLst>
       <p:ext uri="{BB962C8B-B14F-4D97-AF65-F5344CB8AC3E}">
-        <p14:creationId xmlns:p14="http://schemas.microsoft.com/office/powerpoint/2010/main" val="91501442"/>
+        <p14:creationId xmlns:p14="http://schemas.microsoft.com/office/powerpoint/2010/main" val="265359252"/>
       </p:ext>
     </p:extLst>
   </p:cSld>
@@ -9513,7 +9520,7 @@
                   <a:schemeClr val="bg1"/>
                 </a:solidFill>
               </a:rPr>
-              <a:t>Security</a:t>
+              <a:t>Be secure by Design</a:t>
             </a:r>
           </a:p>
         </p:txBody>
@@ -9532,7 +9539,7 @@
         </p:nvSpPr>
         <p:spPr>
           <a:xfrm>
-            <a:off x="838200" y="1779687"/>
+            <a:off x="838200" y="1801459"/>
             <a:ext cx="10515600" cy="3416320"/>
           </a:xfrm>
           <a:prstGeom prst="rect">
@@ -9552,117 +9559,133 @@
                   <a:schemeClr val="bg1"/>
                 </a:solidFill>
               </a:rPr>
-              <a:t>11 Patterns for Security</a:t>
-            </a:r>
-          </a:p>
-          <a:p>
-            <a:r>
-              <a:rPr lang="en-US" b="1" dirty="0">
-                <a:solidFill>
-                  <a:schemeClr val="bg1"/>
-                </a:solidFill>
-              </a:rPr>
-              <a:t>	Be Secure by Design</a:t>
-            </a:r>
-          </a:p>
-          <a:p>
-            <a:r>
-              <a:rPr lang="en-US" b="1" dirty="0">
-                <a:solidFill>
-                  <a:schemeClr val="bg1"/>
-                </a:solidFill>
-              </a:rPr>
-              <a:t>	Scan Dependencies</a:t>
-            </a:r>
-          </a:p>
-          <a:p>
-            <a:r>
-              <a:rPr lang="en-US" b="1" dirty="0">
-                <a:solidFill>
-                  <a:schemeClr val="bg1"/>
-                </a:solidFill>
-              </a:rPr>
-              <a:t>	Use HTTPS Everywhere</a:t>
-            </a:r>
-          </a:p>
-          <a:p>
-            <a:r>
-              <a:rPr lang="en-US" b="1" dirty="0">
-                <a:solidFill>
-                  <a:schemeClr val="bg1"/>
-                </a:solidFill>
-              </a:rPr>
-              <a:t>	Use Access and Identity Tokens</a:t>
-            </a:r>
-          </a:p>
-          <a:p>
-            <a:r>
-              <a:rPr lang="en-US" b="1" dirty="0">
-                <a:solidFill>
-                  <a:schemeClr val="bg1"/>
-                </a:solidFill>
-              </a:rPr>
-              <a:t>	Encrypt and Protect Secrets</a:t>
-            </a:r>
-          </a:p>
-          <a:p>
-            <a:r>
-              <a:rPr lang="en-US" b="1" dirty="0">
-                <a:solidFill>
-                  <a:schemeClr val="bg1"/>
-                </a:solidFill>
-              </a:rPr>
-              <a:t>	Verify Security with Delivery Pipelines</a:t>
-            </a:r>
-          </a:p>
-          <a:p>
-            <a:r>
-              <a:rPr lang="en-US" b="1" dirty="0">
-                <a:solidFill>
-                  <a:schemeClr val="bg1"/>
-                </a:solidFill>
-              </a:rPr>
-              <a:t>	Slow Down Attackers</a:t>
-            </a:r>
-          </a:p>
-          <a:p>
-            <a:r>
-              <a:rPr lang="en-US" b="1" dirty="0">
-                <a:solidFill>
-                  <a:schemeClr val="bg1"/>
-                </a:solidFill>
-              </a:rPr>
-              <a:t>	Use Docker Rootless Mode</a:t>
-            </a:r>
-          </a:p>
-          <a:p>
-            <a:r>
-              <a:rPr lang="en-US" b="1" dirty="0">
-                <a:solidFill>
-                  <a:schemeClr val="bg1"/>
-                </a:solidFill>
-              </a:rPr>
-              <a:t>	Use Time-Based Security</a:t>
-            </a:r>
-          </a:p>
-          <a:p>
-            <a:r>
-              <a:rPr lang="en-US" b="1" dirty="0">
-                <a:solidFill>
-                  <a:schemeClr val="bg1"/>
-                </a:solidFill>
-              </a:rPr>
-              <a:t>	Scan Docker and Kubernetes Configuration for Vulnerabilities</a:t>
-            </a:r>
-          </a:p>
-          <a:p>
-            <a:r>
-              <a:rPr lang="en-US" b="1" dirty="0">
-                <a:solidFill>
-                  <a:schemeClr val="bg1"/>
-                </a:solidFill>
-              </a:rPr>
-              <a:t>	Know Your Cloud and Cluster Security</a:t>
+              <a:t>Design code for security. </a:t>
+            </a:r>
+          </a:p>
+          <a:p>
+            <a:r>
+              <a:rPr lang="en-US" b="1" dirty="0">
+                <a:solidFill>
+                  <a:schemeClr val="bg1"/>
+                </a:solidFill>
+              </a:rPr>
+              <a:t>Removing malicious characters is tricky </a:t>
+            </a:r>
+          </a:p>
+          <a:p>
+            <a:r>
+              <a:rPr lang="en-US" b="1" dirty="0">
+                <a:solidFill>
+                  <a:schemeClr val="bg1"/>
+                </a:solidFill>
+              </a:rPr>
+              <a:t>Malicious character depends on the context </a:t>
+            </a:r>
+          </a:p>
+          <a:p>
+            <a:r>
+              <a:rPr lang="en-US" b="1" dirty="0">
+                <a:solidFill>
+                  <a:schemeClr val="bg1"/>
+                </a:solidFill>
+              </a:rPr>
+              <a:t>For e.g. Ensure no malicious characters in an HTML context </a:t>
+            </a:r>
+          </a:p>
+          <a:p>
+            <a:r>
+              <a:rPr lang="en-US" b="1" dirty="0">
+                <a:solidFill>
+                  <a:schemeClr val="bg1"/>
+                </a:solidFill>
+              </a:rPr>
+              <a:t>There could be other injection attacks (i.e. JavaScript, SQL, </a:t>
+            </a:r>
+            <a:r>
+              <a:rPr lang="en-US" b="1" dirty="0" err="1">
+                <a:solidFill>
+                  <a:schemeClr val="bg1"/>
+                </a:solidFill>
+              </a:rPr>
+              <a:t>etc</a:t>
+            </a:r>
+            <a:r>
+              <a:rPr lang="en-US" b="1" dirty="0">
+                <a:solidFill>
+                  <a:schemeClr val="bg1"/>
+                </a:solidFill>
+              </a:rPr>
+              <a:t>). </a:t>
+            </a:r>
+          </a:p>
+          <a:p>
+            <a:r>
+              <a:rPr lang="en-US" b="1" dirty="0">
+                <a:solidFill>
+                  <a:schemeClr val="bg1"/>
+                </a:solidFill>
+              </a:rPr>
+              <a:t>Many time ' is a malicious character, </a:t>
+            </a:r>
+          </a:p>
+          <a:p>
+            <a:r>
+              <a:rPr lang="en-US" b="1" dirty="0">
+                <a:solidFill>
+                  <a:schemeClr val="bg1"/>
+                </a:solidFill>
+              </a:rPr>
+              <a:t>	but Business requires it. </a:t>
+            </a:r>
+          </a:p>
+          <a:p>
+            <a:r>
+              <a:rPr lang="en-US" b="1" dirty="0">
+                <a:solidFill>
+                  <a:schemeClr val="bg1"/>
+                </a:solidFill>
+              </a:rPr>
+              <a:t>	What should be done then?</a:t>
+            </a:r>
+          </a:p>
+          <a:p>
+            <a:r>
+              <a:rPr lang="en-US" b="1" dirty="0">
+                <a:solidFill>
+                  <a:schemeClr val="bg1"/>
+                </a:solidFill>
+              </a:rPr>
+              <a:t>Generally engineers concentrate on good design but not on security</a:t>
+            </a:r>
+          </a:p>
+          <a:p>
+            <a:r>
+              <a:rPr lang="en-US" b="1" dirty="0">
+                <a:solidFill>
+                  <a:schemeClr val="bg1"/>
+                </a:solidFill>
+              </a:rPr>
+              <a:t>Fight back when security issues are raised.</a:t>
+            </a:r>
+          </a:p>
+          <a:p>
+            <a:r>
+              <a:rPr lang="en-US" b="1" dirty="0">
+                <a:solidFill>
+                  <a:schemeClr val="bg1"/>
+                </a:solidFill>
+              </a:rPr>
+              <a:t>	</a:t>
+            </a:r>
+          </a:p>
+          <a:p>
+            <a:r>
+              <a:rPr lang="en-US" b="1" dirty="0">
+                <a:solidFill>
+                  <a:schemeClr val="bg1"/>
+                </a:solidFill>
+              </a:rPr>
+              <a:t>OWASP top 10 hasn't changed much.</a:t>
             </a:r>
           </a:p>
         </p:txBody>
@@ -9670,7 +9693,7 @@
     </p:spTree>
     <p:extLst>
       <p:ext uri="{BB962C8B-B14F-4D97-AF65-F5344CB8AC3E}">
-        <p14:creationId xmlns:p14="http://schemas.microsoft.com/office/powerpoint/2010/main" val="265359252"/>
+        <p14:creationId xmlns:p14="http://schemas.microsoft.com/office/powerpoint/2010/main" val="1928521402"/>
       </p:ext>
     </p:extLst>
   </p:cSld>
@@ -9760,7 +9783,7 @@
         <p:spPr>
           <a:xfrm>
             <a:off x="838200" y="1801459"/>
-            <a:ext cx="10515600" cy="3416320"/>
+            <a:ext cx="10515600" cy="1200329"/>
           </a:xfrm>
           <a:prstGeom prst="rect">
             <a:avLst/>
@@ -9779,47 +9802,27 @@
                   <a:schemeClr val="bg1"/>
                 </a:solidFill>
               </a:rPr>
-              <a:t>Design code for security. </a:t>
-            </a:r>
-          </a:p>
-          <a:p>
-            <a:r>
-              <a:rPr lang="en-US" b="1" dirty="0">
-                <a:solidFill>
-                  <a:schemeClr val="bg1"/>
-                </a:solidFill>
-              </a:rPr>
-              <a:t>Removing malicious characters is tricky </a:t>
-            </a:r>
-          </a:p>
-          <a:p>
-            <a:r>
-              <a:rPr lang="en-US" b="1" dirty="0">
-                <a:solidFill>
-                  <a:schemeClr val="bg1"/>
-                </a:solidFill>
-              </a:rPr>
-              <a:t>Malicious character depends on the context </a:t>
-            </a:r>
-          </a:p>
-          <a:p>
-            <a:r>
-              <a:rPr lang="en-US" b="1" dirty="0">
-                <a:solidFill>
-                  <a:schemeClr val="bg1"/>
-                </a:solidFill>
-              </a:rPr>
-              <a:t>For e.g. Ensure no malicious characters in an HTML context </a:t>
-            </a:r>
-          </a:p>
-          <a:p>
-            <a:r>
-              <a:rPr lang="en-US" b="1" dirty="0">
-                <a:solidFill>
-                  <a:schemeClr val="bg1"/>
-                </a:solidFill>
-              </a:rPr>
-              <a:t>There could be other injection attacks (i.e. JavaScript, SQL, </a:t>
+              <a:t>Developers need to </a:t>
+            </a:r>
+          </a:p>
+          <a:p>
+            <a:r>
+              <a:rPr lang="en-US" b="1" dirty="0">
+                <a:solidFill>
+                  <a:schemeClr val="bg1"/>
+                </a:solidFill>
+              </a:rPr>
+              <a:t>	Thinking about security vulnerabilities</a:t>
+            </a:r>
+          </a:p>
+          <a:p>
+            <a:r>
+              <a:rPr lang="en-US" b="1" dirty="0">
+                <a:solidFill>
+                  <a:schemeClr val="bg1"/>
+                </a:solidFill>
+              </a:rPr>
+              <a:t>	Have to be security experts and know to use </a:t>
             </a:r>
             <a:r>
               <a:rPr lang="en-US" b="1" dirty="0" err="1">
@@ -9827,85 +9830,25 @@
                   <a:schemeClr val="bg1"/>
                 </a:solidFill>
               </a:rPr>
-              <a:t>etc</a:t>
-            </a:r>
-            <a:r>
-              <a:rPr lang="en-US" b="1" dirty="0">
-                <a:solidFill>
-                  <a:schemeClr val="bg1"/>
-                </a:solidFill>
-              </a:rPr>
-              <a:t>). </a:t>
-            </a:r>
-          </a:p>
-          <a:p>
-            <a:r>
-              <a:rPr lang="en-US" b="1" dirty="0">
-                <a:solidFill>
-                  <a:schemeClr val="bg1"/>
-                </a:solidFill>
-              </a:rPr>
-              <a:t>Many time ' is a malicious character, </a:t>
-            </a:r>
-          </a:p>
-          <a:p>
-            <a:r>
-              <a:rPr lang="en-US" b="1" dirty="0">
-                <a:solidFill>
-                  <a:schemeClr val="bg1"/>
-                </a:solidFill>
-              </a:rPr>
-              <a:t>	but Business requires it. </a:t>
-            </a:r>
-          </a:p>
-          <a:p>
-            <a:r>
-              <a:rPr lang="en-US" b="1" dirty="0">
-                <a:solidFill>
-                  <a:schemeClr val="bg1"/>
-                </a:solidFill>
-              </a:rPr>
-              <a:t>	What should be done then?</a:t>
-            </a:r>
-          </a:p>
-          <a:p>
-            <a:r>
-              <a:rPr lang="en-US" b="1" dirty="0">
-                <a:solidFill>
-                  <a:schemeClr val="bg1"/>
-                </a:solidFill>
-              </a:rPr>
-              <a:t>Generally engineers concentrate on good design but not on security</a:t>
-            </a:r>
-          </a:p>
-          <a:p>
-            <a:r>
-              <a:rPr lang="en-US" b="1" dirty="0">
-                <a:solidFill>
-                  <a:schemeClr val="bg1"/>
-                </a:solidFill>
-              </a:rPr>
-              <a:t>Fight back when security issues are raised.</a:t>
-            </a:r>
-          </a:p>
-          <a:p>
-            <a:r>
-              <a:rPr lang="en-US" b="1" dirty="0">
-                <a:solidFill>
-                  <a:schemeClr val="bg1"/>
-                </a:solidFill>
-              </a:rPr>
-              <a:t>	</a:t>
-            </a:r>
-          </a:p>
-          <a:p>
-            <a:r>
-              <a:rPr lang="en-US" b="1" dirty="0">
-                <a:solidFill>
-                  <a:schemeClr val="bg1"/>
-                </a:solidFill>
-              </a:rPr>
-              <a:t>OWASP top 10 hasn't changed much.</a:t>
+              <a:t>validateForXSS</a:t>
+            </a:r>
+            <a:r>
+              <a:rPr lang="en-US" b="1" dirty="0">
+                <a:solidFill>
+                  <a:schemeClr val="bg1"/>
+                </a:solidFill>
+              </a:rPr>
+              <a:t>()</a:t>
+            </a:r>
+          </a:p>
+          <a:p>
+            <a:r>
+              <a:rPr lang="en-US" b="1" dirty="0">
+                <a:solidFill>
+                  <a:schemeClr val="bg1"/>
+                </a:solidFill>
+              </a:rPr>
+              <a:t>	Person writing the code can identify potential weakness that might occur now or in the future</a:t>
             </a:r>
           </a:p>
         </p:txBody>
@@ -9913,7 +9856,7 @@
     </p:spTree>
     <p:extLst>
       <p:ext uri="{BB962C8B-B14F-4D97-AF65-F5344CB8AC3E}">
-        <p14:creationId xmlns:p14="http://schemas.microsoft.com/office/powerpoint/2010/main" val="1928521402"/>
+        <p14:creationId xmlns:p14="http://schemas.microsoft.com/office/powerpoint/2010/main" val="3361787758"/>
       </p:ext>
     </p:extLst>
   </p:cSld>
@@ -9983,7 +9926,7 @@
                   <a:schemeClr val="bg1"/>
                 </a:solidFill>
               </a:rPr>
-              <a:t>Be secure by Design</a:t>
+              <a:t>Scan Dependencies</a:t>
             </a:r>
           </a:p>
         </p:txBody>
@@ -10002,8 +9945,8 @@
         </p:nvSpPr>
         <p:spPr>
           <a:xfrm>
-            <a:off x="838200" y="1801459"/>
-            <a:ext cx="10515600" cy="1200329"/>
+            <a:off x="870858" y="1779687"/>
+            <a:ext cx="10515600" cy="3416320"/>
           </a:xfrm>
           <a:prstGeom prst="rect">
             <a:avLst/>
@@ -10022,27 +9965,94 @@
                   <a:schemeClr val="bg1"/>
                 </a:solidFill>
               </a:rPr>
-              <a:t>Developers need to </a:t>
-            </a:r>
-          </a:p>
-          <a:p>
-            <a:r>
-              <a:rPr lang="en-US" b="1" dirty="0">
-                <a:solidFill>
-                  <a:schemeClr val="bg1"/>
-                </a:solidFill>
-              </a:rPr>
-              <a:t>	Thinking about security vulnerabilities</a:t>
-            </a:r>
-          </a:p>
-          <a:p>
-            <a:r>
-              <a:rPr lang="en-US" b="1" dirty="0">
-                <a:solidFill>
-                  <a:schemeClr val="bg1"/>
-                </a:solidFill>
-              </a:rPr>
-              <a:t>	Have to be security experts and know to use </a:t>
+              <a:t>Transitive dependencies </a:t>
+            </a:r>
+          </a:p>
+          <a:p>
+            <a:r>
+              <a:rPr lang="en-US" b="1" dirty="0">
+                <a:solidFill>
+                  <a:schemeClr val="bg1"/>
+                </a:solidFill>
+              </a:rPr>
+              <a:t>	You use 3rd party s/w</a:t>
+            </a:r>
+          </a:p>
+          <a:p>
+            <a:r>
+              <a:rPr lang="en-US" b="1" dirty="0">
+                <a:solidFill>
+                  <a:schemeClr val="bg1"/>
+                </a:solidFill>
+              </a:rPr>
+              <a:t>		They use other 3rd party s/w</a:t>
+            </a:r>
+          </a:p>
+          <a:p>
+            <a:r>
+              <a:rPr lang="en-US" b="1" dirty="0">
+                <a:solidFill>
+                  <a:schemeClr val="bg1"/>
+                </a:solidFill>
+              </a:rPr>
+              <a:t>		You may not be even aware of this dependency.</a:t>
+            </a:r>
+          </a:p>
+          <a:p>
+            <a:r>
+              <a:rPr lang="en-US" b="1" dirty="0">
+                <a:solidFill>
+                  <a:schemeClr val="bg1"/>
+                </a:solidFill>
+              </a:rPr>
+              <a:t>	Their could be vulnerabilities anywhere </a:t>
+            </a:r>
+          </a:p>
+          <a:p>
+            <a:endParaRPr lang="en-US" b="1" dirty="0">
+              <a:solidFill>
+                <a:schemeClr val="bg1"/>
+              </a:solidFill>
+            </a:endParaRPr>
+          </a:p>
+          <a:p>
+            <a:r>
+              <a:rPr lang="en-US" b="1" dirty="0">
+                <a:solidFill>
+                  <a:schemeClr val="bg1"/>
+                </a:solidFill>
+              </a:rPr>
+              <a:t>Be aware of all dependencies.</a:t>
+            </a:r>
+          </a:p>
+          <a:p>
+            <a:r>
+              <a:rPr lang="en-US" b="1" dirty="0">
+                <a:solidFill>
+                  <a:schemeClr val="bg1"/>
+                </a:solidFill>
+              </a:rPr>
+              <a:t>Reduce dependencies to the extend possible.</a:t>
+            </a:r>
+          </a:p>
+          <a:p>
+            <a:r>
+              <a:rPr lang="en-US" b="1" dirty="0">
+                <a:solidFill>
+                  <a:schemeClr val="bg1"/>
+                </a:solidFill>
+              </a:rPr>
+              <a:t>	Use exclude where ever required.</a:t>
+            </a:r>
+          </a:p>
+          <a:p>
+            <a:r>
+              <a:rPr lang="en-US" b="1" dirty="0">
+                <a:solidFill>
+                  <a:schemeClr val="bg1"/>
+                </a:solidFill>
+              </a:rPr>
+              <a:t>	e.g. </a:t>
             </a:r>
             <a:r>
               <a:rPr lang="en-US" b="1" dirty="0" err="1">
@@ -10050,33 +10060,37 @@
                   <a:schemeClr val="bg1"/>
                 </a:solidFill>
               </a:rPr>
-              <a:t>validateForXSS</a:t>
-            </a:r>
-            <a:r>
-              <a:rPr lang="en-US" b="1" dirty="0">
-                <a:solidFill>
-                  <a:schemeClr val="bg1"/>
-                </a:solidFill>
-              </a:rPr>
-              <a:t>()</a:t>
-            </a:r>
-          </a:p>
-          <a:p>
-            <a:r>
-              <a:rPr lang="en-US" b="1" dirty="0">
-                <a:solidFill>
-                  <a:schemeClr val="bg1"/>
-                </a:solidFill>
-              </a:rPr>
-              <a:t>	Person writing the code can identify potential weakness that might occur now or in the future</a:t>
-            </a:r>
+              <a:t>wintage</a:t>
+            </a:r>
+            <a:endParaRPr lang="en-US" b="1" dirty="0">
+              <a:solidFill>
+                <a:schemeClr val="bg1"/>
+              </a:solidFill>
+            </a:endParaRPr>
+          </a:p>
+          <a:p>
+            <a:r>
+              <a:rPr lang="en-US" b="1" dirty="0">
+                <a:solidFill>
+                  <a:schemeClr val="bg1"/>
+                </a:solidFill>
+              </a:rPr>
+              <a:t>Keep dependencies updated.</a:t>
+            </a:r>
+          </a:p>
+          <a:p>
+            <a:endParaRPr lang="en-US" dirty="0">
+              <a:solidFill>
+                <a:schemeClr val="bg1"/>
+              </a:solidFill>
+            </a:endParaRPr>
           </a:p>
         </p:txBody>
       </p:sp>
     </p:spTree>
     <p:extLst>
       <p:ext uri="{BB962C8B-B14F-4D97-AF65-F5344CB8AC3E}">
-        <p14:creationId xmlns:p14="http://schemas.microsoft.com/office/powerpoint/2010/main" val="3361787758"/>
+        <p14:creationId xmlns:p14="http://schemas.microsoft.com/office/powerpoint/2010/main" val="4077167694"/>
       </p:ext>
     </p:extLst>
   </p:cSld>
@@ -10146,7 +10160,7 @@
                   <a:schemeClr val="bg1"/>
                 </a:solidFill>
               </a:rPr>
-              <a:t>Scan Dependencies</a:t>
+              <a:t>Use HTTPS Everywhere</a:t>
             </a:r>
           </a:p>
         </p:txBody>
@@ -10165,8 +10179,8 @@
         </p:nvSpPr>
         <p:spPr>
           <a:xfrm>
-            <a:off x="870858" y="1779687"/>
-            <a:ext cx="10515600" cy="3416320"/>
+            <a:off x="838200" y="1779687"/>
+            <a:ext cx="10515600" cy="5078313"/>
           </a:xfrm>
           <a:prstGeom prst="rect">
             <a:avLst/>
@@ -10185,47 +10199,231 @@
                   <a:schemeClr val="bg1"/>
                 </a:solidFill>
               </a:rPr>
-              <a:t>Transitive dependencies </a:t>
-            </a:r>
-          </a:p>
-          <a:p>
-            <a:r>
-              <a:rPr lang="en-US" b="1" dirty="0">
-                <a:solidFill>
-                  <a:schemeClr val="bg1"/>
-                </a:solidFill>
-              </a:rPr>
-              <a:t>	You use 3rd party s/w</a:t>
-            </a:r>
-          </a:p>
-          <a:p>
-            <a:r>
-              <a:rPr lang="en-US" b="1" dirty="0">
-                <a:solidFill>
-                  <a:schemeClr val="bg1"/>
-                </a:solidFill>
-              </a:rPr>
-              <a:t>		They use other 3rd party s/w</a:t>
-            </a:r>
-          </a:p>
-          <a:p>
-            <a:r>
-              <a:rPr lang="en-US" b="1" dirty="0">
-                <a:solidFill>
-                  <a:schemeClr val="bg1"/>
-                </a:solidFill>
-              </a:rPr>
-              <a:t>		You may not be even aware of this dependency.</a:t>
-            </a:r>
-          </a:p>
-          <a:p>
-            <a:r>
-              <a:rPr lang="en-US" b="1" dirty="0">
-                <a:solidFill>
-                  <a:schemeClr val="bg1"/>
-                </a:solidFill>
-              </a:rPr>
-              <a:t>	Their could be vulnerabilities anywhere </a:t>
+              <a:t>HTTPS requires certificates for 2 way authentication.	</a:t>
+            </a:r>
+          </a:p>
+          <a:p>
+            <a:r>
+              <a:rPr lang="en-US" b="1" dirty="0">
+                <a:solidFill>
+                  <a:schemeClr val="bg1"/>
+                </a:solidFill>
+              </a:rPr>
+              <a:t>Let’s Encrypt offers free certificates, and you can use its API to automate renewing them. </a:t>
+            </a:r>
+          </a:p>
+          <a:p>
+            <a:r>
+              <a:rPr lang="en-US" b="1" dirty="0">
+                <a:solidFill>
+                  <a:schemeClr val="bg1"/>
+                </a:solidFill>
+              </a:rPr>
+              <a:t>Let’s Encrypt </a:t>
+            </a:r>
+          </a:p>
+          <a:p>
+            <a:r>
+              <a:rPr lang="en-US" b="1" dirty="0">
+                <a:solidFill>
+                  <a:schemeClr val="bg1"/>
+                </a:solidFill>
+              </a:rPr>
+              <a:t>	Recommends you use </a:t>
+            </a:r>
+            <a:r>
+              <a:rPr lang="en-US" b="1" dirty="0" err="1">
+                <a:solidFill>
+                  <a:schemeClr val="bg1"/>
+                </a:solidFill>
+              </a:rPr>
+              <a:t>Certbot</a:t>
+            </a:r>
+            <a:r>
+              <a:rPr lang="en-US" b="1" dirty="0">
+                <a:solidFill>
+                  <a:schemeClr val="bg1"/>
+                </a:solidFill>
+              </a:rPr>
+              <a:t> to obtain and renew your certificates. </a:t>
+            </a:r>
+          </a:p>
+          <a:p>
+            <a:r>
+              <a:rPr lang="en-US" b="1" dirty="0">
+                <a:solidFill>
+                  <a:schemeClr val="bg1"/>
+                </a:solidFill>
+              </a:rPr>
+              <a:t>	is a free, </a:t>
+            </a:r>
+          </a:p>
+          <a:p>
+            <a:r>
+              <a:rPr lang="en-US" b="1" dirty="0">
+                <a:solidFill>
+                  <a:schemeClr val="bg1"/>
+                </a:solidFill>
+              </a:rPr>
+              <a:t>	open-source software tool </a:t>
+            </a:r>
+          </a:p>
+          <a:p>
+            <a:r>
+              <a:rPr lang="en-US" b="1" dirty="0">
+                <a:solidFill>
+                  <a:schemeClr val="bg1"/>
+                </a:solidFill>
+              </a:rPr>
+              <a:t>	Generate automatically using Let’s Encrypt certificates on manually-administrated websites . </a:t>
+            </a:r>
+          </a:p>
+          <a:p>
+            <a:r>
+              <a:rPr lang="en-US" b="1" dirty="0">
+                <a:solidFill>
+                  <a:schemeClr val="bg1"/>
+                </a:solidFill>
+              </a:rPr>
+              <a:t>	The Electronic Frontier Foundation (EFF) created and maintains </a:t>
+            </a:r>
+            <a:r>
+              <a:rPr lang="en-US" b="1" dirty="0" err="1">
+                <a:solidFill>
+                  <a:schemeClr val="bg1"/>
+                </a:solidFill>
+              </a:rPr>
+              <a:t>Certbot</a:t>
+            </a:r>
+            <a:r>
+              <a:rPr lang="en-US" b="1" dirty="0">
+                <a:solidFill>
+                  <a:schemeClr val="bg1"/>
+                </a:solidFill>
+              </a:rPr>
+              <a:t>.</a:t>
+            </a:r>
+          </a:p>
+          <a:p>
+            <a:r>
+              <a:rPr lang="en-US" b="1" dirty="0">
+                <a:solidFill>
+                  <a:schemeClr val="bg1"/>
+                </a:solidFill>
+              </a:rPr>
+              <a:t>		</a:t>
+            </a:r>
+            <a:r>
+              <a:rPr lang="en-US" b="1" dirty="0" err="1">
+                <a:solidFill>
+                  <a:schemeClr val="bg1"/>
+                </a:solidFill>
+              </a:rPr>
+              <a:t>CertbotsThe</a:t>
+            </a:r>
+            <a:r>
+              <a:rPr lang="en-US" b="1" dirty="0">
+                <a:solidFill>
+                  <a:schemeClr val="bg1"/>
+                </a:solidFill>
+              </a:rPr>
+              <a:t> </a:t>
+            </a:r>
+            <a:r>
+              <a:rPr lang="en-US" b="1" dirty="0" err="1">
+                <a:solidFill>
+                  <a:schemeClr val="bg1"/>
+                </a:solidFill>
+              </a:rPr>
+              <a:t>Certbot</a:t>
+            </a:r>
+            <a:r>
+              <a:rPr lang="en-US" b="1" dirty="0">
+                <a:solidFill>
+                  <a:schemeClr val="bg1"/>
+                </a:solidFill>
+              </a:rPr>
+              <a:t> website lets you choose your web server and system, </a:t>
+            </a:r>
+          </a:p>
+          <a:p>
+            <a:r>
+              <a:rPr lang="en-US" b="1" dirty="0">
+                <a:solidFill>
+                  <a:schemeClr val="bg1"/>
+                </a:solidFill>
+              </a:rPr>
+              <a:t>		then provides the instructions for automating certificate generation and renewal.</a:t>
+            </a:r>
+          </a:p>
+          <a:p>
+            <a:r>
+              <a:rPr lang="en-US" b="1" dirty="0">
+                <a:solidFill>
+                  <a:schemeClr val="bg1"/>
+                </a:solidFill>
+              </a:rPr>
+              <a:t>Force HTTPS. </a:t>
+            </a:r>
+          </a:p>
+          <a:p>
+            <a:r>
+              <a:rPr lang="en-US" b="1" dirty="0">
+                <a:solidFill>
+                  <a:schemeClr val="bg1"/>
+                </a:solidFill>
+              </a:rPr>
+              <a:t>	Often, forcing HTTPS </a:t>
+            </a:r>
+          </a:p>
+          <a:p>
+            <a:r>
+              <a:rPr lang="en-US" b="1" dirty="0">
+                <a:solidFill>
+                  <a:schemeClr val="bg1"/>
+                </a:solidFill>
+              </a:rPr>
+              <a:t>		Uses an HTTP Strict-Transport-Security response header </a:t>
+            </a:r>
+          </a:p>
+          <a:p>
+            <a:r>
+              <a:rPr lang="en-US" b="1" dirty="0">
+                <a:solidFill>
+                  <a:schemeClr val="bg1"/>
+                </a:solidFill>
+              </a:rPr>
+              <a:t>		Tell browsers they should only access a website using HTTPS.</a:t>
+            </a:r>
+          </a:p>
+          <a:p>
+            <a:r>
+              <a:rPr lang="en-US" b="1" dirty="0">
+                <a:solidFill>
+                  <a:schemeClr val="bg1"/>
+                </a:solidFill>
+              </a:rPr>
+              <a:t>			</a:t>
+            </a:r>
+          </a:p>
+          <a:p>
+            <a:r>
+              <a:rPr lang="en-US" b="1" dirty="0">
+                <a:solidFill>
+                  <a:schemeClr val="bg1"/>
+                </a:solidFill>
+              </a:rPr>
+              <a:t>Why HTTS inside our network</a:t>
+            </a:r>
+          </a:p>
+          <a:p>
+            <a:r>
+              <a:rPr lang="en-US" b="1" dirty="0">
+                <a:solidFill>
+                  <a:schemeClr val="bg1"/>
+                </a:solidFill>
+              </a:rPr>
+              <a:t>	Phishing and guessing people’s credentials are incredibly effective techniques to hack. </a:t>
             </a:r>
           </a:p>
           <a:p>
@@ -10235,82 +10433,12 @@
               </a:solidFill>
             </a:endParaRPr>
           </a:p>
-          <a:p>
-            <a:r>
-              <a:rPr lang="en-US" b="1" dirty="0">
-                <a:solidFill>
-                  <a:schemeClr val="bg1"/>
-                </a:solidFill>
-              </a:rPr>
-              <a:t>Be aware of all dependencies.</a:t>
-            </a:r>
-          </a:p>
-          <a:p>
-            <a:r>
-              <a:rPr lang="en-US" b="1" dirty="0">
-                <a:solidFill>
-                  <a:schemeClr val="bg1"/>
-                </a:solidFill>
-              </a:rPr>
-              <a:t>Reduce dependencies to the extend possible.</a:t>
-            </a:r>
-          </a:p>
-          <a:p>
-            <a:r>
-              <a:rPr lang="en-US" b="1" dirty="0">
-                <a:solidFill>
-                  <a:schemeClr val="bg1"/>
-                </a:solidFill>
-              </a:rPr>
-              <a:t>	Use exclude where ever required.</a:t>
-            </a:r>
-          </a:p>
-          <a:p>
-            <a:r>
-              <a:rPr lang="en-US" b="1" dirty="0">
-                <a:solidFill>
-                  <a:schemeClr val="bg1"/>
-                </a:solidFill>
-              </a:rPr>
-              <a:t>	e.g. </a:t>
-            </a:r>
-            <a:r>
-              <a:rPr lang="en-US" b="1" dirty="0" err="1">
-                <a:solidFill>
-                  <a:schemeClr val="bg1"/>
-                </a:solidFill>
-              </a:rPr>
-              <a:t>wintage</a:t>
-            </a:r>
-            <a:endParaRPr lang="en-US" b="1" dirty="0">
-              <a:solidFill>
-                <a:schemeClr val="bg1"/>
-              </a:solidFill>
-            </a:endParaRPr>
-          </a:p>
-          <a:p>
-            <a:r>
-              <a:rPr lang="en-US" b="1" dirty="0">
-                <a:solidFill>
-                  <a:schemeClr val="bg1"/>
-                </a:solidFill>
-              </a:rPr>
-              <a:t>Keep dependencies updated.</a:t>
-            </a:r>
-          </a:p>
-          <a:p>
-            <a:endParaRPr lang="en-US" dirty="0">
-              <a:solidFill>
-                <a:schemeClr val="bg1"/>
-              </a:solidFill>
-            </a:endParaRPr>
-          </a:p>
         </p:txBody>
       </p:sp>
     </p:spTree>
     <p:extLst>
       <p:ext uri="{BB962C8B-B14F-4D97-AF65-F5344CB8AC3E}">
-        <p14:creationId xmlns:p14="http://schemas.microsoft.com/office/powerpoint/2010/main" val="4077167694"/>
+        <p14:creationId xmlns:p14="http://schemas.microsoft.com/office/powerpoint/2010/main" val="4182056134"/>
       </p:ext>
     </p:extLst>
   </p:cSld>
@@ -10380,7 +10508,7 @@
                   <a:schemeClr val="bg1"/>
                 </a:solidFill>
               </a:rPr>
-              <a:t>Use HTTPS Everywhere</a:t>
+              <a:t>Use Access and Identity Tokens</a:t>
             </a:r>
           </a:p>
         </p:txBody>
@@ -10399,8 +10527,8 @@
         </p:nvSpPr>
         <p:spPr>
           <a:xfrm>
-            <a:off x="838200" y="1779687"/>
-            <a:ext cx="10515600" cy="5078313"/>
+            <a:off x="838200" y="1516976"/>
+            <a:ext cx="10515600" cy="5355312"/>
           </a:xfrm>
           <a:prstGeom prst="rect">
             <a:avLst/>
@@ -10414,236 +10542,20 @@
           <a:lstStyle/>
           <a:p>
             <a:r>
-              <a:rPr lang="en-US" b="1" dirty="0">
-                <a:solidFill>
-                  <a:schemeClr val="bg1"/>
-                </a:solidFill>
-              </a:rPr>
-              <a:t>HTTPS requires certificates for 2 way authentication.	</a:t>
-            </a:r>
-          </a:p>
-          <a:p>
-            <a:r>
-              <a:rPr lang="en-US" b="1" dirty="0">
-                <a:solidFill>
-                  <a:schemeClr val="bg1"/>
-                </a:solidFill>
-              </a:rPr>
-              <a:t>Let’s Encrypt offers free certificates, and you can use its API to automate renewing them. </a:t>
-            </a:r>
-          </a:p>
-          <a:p>
-            <a:r>
-              <a:rPr lang="en-US" b="1" dirty="0">
-                <a:solidFill>
-                  <a:schemeClr val="bg1"/>
-                </a:solidFill>
-              </a:rPr>
-              <a:t>Let’s Encrypt </a:t>
-            </a:r>
-          </a:p>
-          <a:p>
-            <a:r>
-              <a:rPr lang="en-US" b="1" dirty="0">
-                <a:solidFill>
-                  <a:schemeClr val="bg1"/>
-                </a:solidFill>
-              </a:rPr>
-              <a:t>	Recommends you use </a:t>
-            </a:r>
-            <a:r>
               <a:rPr lang="en-US" b="1" dirty="0" err="1">
                 <a:solidFill>
                   <a:schemeClr val="bg1"/>
                 </a:solidFill>
               </a:rPr>
-              <a:t>Certbot</a:t>
-            </a:r>
-            <a:r>
-              <a:rPr lang="en-US" b="1" dirty="0">
-                <a:solidFill>
-                  <a:schemeClr val="bg1"/>
-                </a:solidFill>
-              </a:rPr>
-              <a:t> to obtain and renew your certificates. </a:t>
-            </a:r>
-          </a:p>
-          <a:p>
-            <a:r>
-              <a:rPr lang="en-US" b="1" dirty="0">
-                <a:solidFill>
-                  <a:schemeClr val="bg1"/>
-                </a:solidFill>
-              </a:rPr>
-              <a:t>	is a free, </a:t>
-            </a:r>
-          </a:p>
-          <a:p>
-            <a:r>
-              <a:rPr lang="en-US" b="1" dirty="0">
-                <a:solidFill>
-                  <a:schemeClr val="bg1"/>
-                </a:solidFill>
-              </a:rPr>
-              <a:t>	open-source software tool </a:t>
-            </a:r>
-          </a:p>
-          <a:p>
-            <a:r>
-              <a:rPr lang="en-US" b="1" dirty="0">
-                <a:solidFill>
-                  <a:schemeClr val="bg1"/>
-                </a:solidFill>
-              </a:rPr>
-              <a:t>	Generate automatically using Let’s Encrypt certificates on manually-administrated websites . </a:t>
-            </a:r>
-          </a:p>
-          <a:p>
-            <a:r>
-              <a:rPr lang="en-US" b="1" dirty="0">
-                <a:solidFill>
-                  <a:schemeClr val="bg1"/>
-                </a:solidFill>
-              </a:rPr>
-              <a:t>	The Electronic Frontier Foundation (EFF) created and maintains </a:t>
-            </a:r>
-            <a:r>
-              <a:rPr lang="en-US" b="1" dirty="0" err="1">
-                <a:solidFill>
-                  <a:schemeClr val="bg1"/>
-                </a:solidFill>
-              </a:rPr>
-              <a:t>Certbot</a:t>
-            </a:r>
-            <a:r>
-              <a:rPr lang="en-US" b="1" dirty="0">
-                <a:solidFill>
-                  <a:schemeClr val="bg1"/>
-                </a:solidFill>
-              </a:rPr>
-              <a:t>.</a:t>
-            </a:r>
-          </a:p>
-          <a:p>
-            <a:r>
-              <a:rPr lang="en-US" b="1" dirty="0">
-                <a:solidFill>
-                  <a:schemeClr val="bg1"/>
-                </a:solidFill>
-              </a:rPr>
-              <a:t>		</a:t>
-            </a:r>
-            <a:r>
-              <a:rPr lang="en-US" b="1" dirty="0" err="1">
-                <a:solidFill>
-                  <a:schemeClr val="bg1"/>
-                </a:solidFill>
-              </a:rPr>
-              <a:t>CertbotsThe</a:t>
-            </a:r>
-            <a:r>
-              <a:rPr lang="en-US" b="1" dirty="0">
-                <a:solidFill>
-                  <a:schemeClr val="bg1"/>
-                </a:solidFill>
-              </a:rPr>
-              <a:t> </a:t>
-            </a:r>
-            <a:r>
-              <a:rPr lang="en-US" b="1" dirty="0" err="1">
-                <a:solidFill>
-                  <a:schemeClr val="bg1"/>
-                </a:solidFill>
-              </a:rPr>
-              <a:t>Certbot</a:t>
-            </a:r>
-            <a:r>
-              <a:rPr lang="en-US" b="1" dirty="0">
-                <a:solidFill>
-                  <a:schemeClr val="bg1"/>
-                </a:solidFill>
-              </a:rPr>
-              <a:t> website lets you choose your web server and system, </a:t>
-            </a:r>
-          </a:p>
-          <a:p>
-            <a:r>
-              <a:rPr lang="en-US" b="1" dirty="0">
-                <a:solidFill>
-                  <a:schemeClr val="bg1"/>
-                </a:solidFill>
-              </a:rPr>
-              <a:t>		then provides the instructions for automating certificate generation and renewal.</a:t>
-            </a:r>
-          </a:p>
-          <a:p>
-            <a:r>
-              <a:rPr lang="en-US" b="1" dirty="0">
-                <a:solidFill>
-                  <a:schemeClr val="bg1"/>
-                </a:solidFill>
-              </a:rPr>
-              <a:t>Force HTTPS. </a:t>
-            </a:r>
-          </a:p>
-          <a:p>
-            <a:r>
-              <a:rPr lang="en-US" b="1" dirty="0">
-                <a:solidFill>
-                  <a:schemeClr val="bg1"/>
-                </a:solidFill>
-              </a:rPr>
-              <a:t>	Often, forcing HTTPS </a:t>
-            </a:r>
-          </a:p>
-          <a:p>
-            <a:r>
-              <a:rPr lang="en-US" b="1" dirty="0">
-                <a:solidFill>
-                  <a:schemeClr val="bg1"/>
-                </a:solidFill>
-              </a:rPr>
-              <a:t>		Uses an HTTP Strict-Transport-Security response header </a:t>
-            </a:r>
-          </a:p>
-          <a:p>
-            <a:r>
-              <a:rPr lang="en-US" b="1" dirty="0">
-                <a:solidFill>
-                  <a:schemeClr val="bg1"/>
-                </a:solidFill>
-              </a:rPr>
-              <a:t>		Tell browsers they should only access a website using HTTPS.</a:t>
-            </a:r>
-          </a:p>
-          <a:p>
-            <a:r>
-              <a:rPr lang="en-US" b="1" dirty="0">
-                <a:solidFill>
-                  <a:schemeClr val="bg1"/>
-                </a:solidFill>
-              </a:rPr>
-              <a:t>			</a:t>
-            </a:r>
-          </a:p>
-          <a:p>
-            <a:r>
-              <a:rPr lang="en-US" b="1" dirty="0">
-                <a:solidFill>
-                  <a:schemeClr val="bg1"/>
-                </a:solidFill>
-              </a:rPr>
-              <a:t>Why HTTS inside our network</a:t>
-            </a:r>
-          </a:p>
-          <a:p>
-            <a:r>
-              <a:rPr lang="en-US" b="1" dirty="0">
-                <a:solidFill>
-                  <a:schemeClr val="bg1"/>
-                </a:solidFill>
-              </a:rPr>
-              <a:t>	Phishing and guessing people’s credentials are incredibly effective techniques to hack. </a:t>
+              <a:t>Oauth</a:t>
+            </a:r>
+            <a:r>
+              <a:rPr lang="en-US" b="1" dirty="0">
+                <a:solidFill>
+                  <a:schemeClr val="bg1"/>
+                </a:solidFill>
+              </a:rPr>
+              <a:t> and JWT are really famous token systems. Use them.</a:t>
             </a:r>
           </a:p>
           <a:p>
@@ -10653,12 +10565,344 @@
               </a:solidFill>
             </a:endParaRPr>
           </a:p>
+          <a:p>
+            <a:r>
+              <a:rPr lang="en-US" b="1" dirty="0" err="1">
+                <a:solidFill>
+                  <a:schemeClr val="bg1"/>
+                </a:solidFill>
+              </a:rPr>
+              <a:t>oAuth</a:t>
+            </a:r>
+            <a:endParaRPr lang="en-US" b="1" dirty="0">
+              <a:solidFill>
+                <a:schemeClr val="bg1"/>
+              </a:solidFill>
+            </a:endParaRPr>
+          </a:p>
+          <a:p>
+            <a:r>
+              <a:rPr lang="en-US" b="1" dirty="0">
+                <a:solidFill>
+                  <a:schemeClr val="bg1"/>
+                </a:solidFill>
+              </a:rPr>
+              <a:t>	</a:t>
+            </a:r>
+            <a:r>
+              <a:rPr lang="en-US" b="1" dirty="0" err="1">
+                <a:solidFill>
+                  <a:schemeClr val="bg1"/>
+                </a:solidFill>
+              </a:rPr>
+              <a:t>Tocken</a:t>
+            </a:r>
+            <a:r>
+              <a:rPr lang="en-US" b="1" dirty="0">
+                <a:solidFill>
+                  <a:schemeClr val="bg1"/>
+                </a:solidFill>
+              </a:rPr>
+              <a:t> based authorization </a:t>
+            </a:r>
+          </a:p>
+          <a:p>
+            <a:r>
+              <a:rPr lang="en-US" b="1" dirty="0">
+                <a:solidFill>
+                  <a:schemeClr val="bg1"/>
+                </a:solidFill>
+              </a:rPr>
+              <a:t>	Delegate access without user/</a:t>
+            </a:r>
+            <a:r>
+              <a:rPr lang="en-US" b="1" dirty="0" err="1">
+                <a:solidFill>
+                  <a:schemeClr val="bg1"/>
+                </a:solidFill>
+              </a:rPr>
+              <a:t>pwd</a:t>
+            </a:r>
+            <a:endParaRPr lang="en-US" b="1" dirty="0">
+              <a:solidFill>
+                <a:schemeClr val="bg1"/>
+              </a:solidFill>
+            </a:endParaRPr>
+          </a:p>
+          <a:p>
+            <a:r>
+              <a:rPr lang="en-US" b="1" dirty="0">
+                <a:solidFill>
+                  <a:schemeClr val="bg1"/>
+                </a:solidFill>
+              </a:rPr>
+              <a:t>	Grant access to a client to perform certain operation on behalf of user.</a:t>
+            </a:r>
+          </a:p>
+          <a:p>
+            <a:r>
+              <a:rPr lang="en-US" b="1" dirty="0">
+                <a:solidFill>
+                  <a:schemeClr val="bg1"/>
+                </a:solidFill>
+              </a:rPr>
+              <a:t>	Not authentication of user.</a:t>
+            </a:r>
+          </a:p>
+          <a:p>
+            <a:r>
+              <a:rPr lang="en-US" b="1" dirty="0">
+                <a:solidFill>
+                  <a:schemeClr val="bg1"/>
+                </a:solidFill>
+              </a:rPr>
+              <a:t>	Only authorization</a:t>
+            </a:r>
+          </a:p>
+          <a:p>
+            <a:r>
+              <a:rPr lang="en-US" b="1" dirty="0">
+                <a:solidFill>
+                  <a:schemeClr val="bg1"/>
+                </a:solidFill>
+              </a:rPr>
+              <a:t>	3rd party </a:t>
+            </a:r>
+            <a:r>
+              <a:rPr lang="en-US" b="1" dirty="0" err="1">
+                <a:solidFill>
+                  <a:schemeClr val="bg1"/>
+                </a:solidFill>
+              </a:rPr>
+              <a:t>oAuth</a:t>
+            </a:r>
+            <a:r>
+              <a:rPr lang="en-US" b="1" dirty="0">
+                <a:solidFill>
+                  <a:schemeClr val="bg1"/>
+                </a:solidFill>
+              </a:rPr>
+              <a:t> providers such as Google, fb, </a:t>
+            </a:r>
+            <a:r>
+              <a:rPr lang="en-US" b="1" dirty="0" err="1">
+                <a:solidFill>
+                  <a:schemeClr val="bg1"/>
+                </a:solidFill>
+              </a:rPr>
+              <a:t>github</a:t>
+            </a:r>
+            <a:r>
+              <a:rPr lang="en-US" b="1" dirty="0">
+                <a:solidFill>
+                  <a:schemeClr val="bg1"/>
+                </a:solidFill>
+              </a:rPr>
+              <a:t> </a:t>
+            </a:r>
+            <a:r>
+              <a:rPr lang="en-US" b="1" dirty="0" err="1">
+                <a:solidFill>
+                  <a:schemeClr val="bg1"/>
+                </a:solidFill>
+              </a:rPr>
+              <a:t>ect</a:t>
+            </a:r>
+            <a:r>
+              <a:rPr lang="en-US" b="1" dirty="0">
+                <a:solidFill>
+                  <a:schemeClr val="bg1"/>
+                </a:solidFill>
+              </a:rPr>
+              <a:t>..</a:t>
+            </a:r>
+          </a:p>
+          <a:p>
+            <a:r>
+              <a:rPr lang="en-US" b="1" dirty="0">
+                <a:solidFill>
+                  <a:schemeClr val="bg1"/>
+                </a:solidFill>
+              </a:rPr>
+              <a:t>JWTs are JSON data, encoded as a string, and cryptographically signed.</a:t>
+            </a:r>
+          </a:p>
+          <a:p>
+            <a:r>
+              <a:rPr lang="en-US" b="1" dirty="0">
+                <a:solidFill>
+                  <a:schemeClr val="bg1"/>
+                </a:solidFill>
+              </a:rPr>
+              <a:t>	</a:t>
+            </a:r>
+            <a:r>
+              <a:rPr lang="en-US" b="1" dirty="0" err="1">
+                <a:solidFill>
+                  <a:schemeClr val="bg1"/>
+                </a:solidFill>
+              </a:rPr>
+              <a:t>Unquely</a:t>
+            </a:r>
+            <a:r>
+              <a:rPr lang="en-US" b="1" dirty="0">
+                <a:solidFill>
+                  <a:schemeClr val="bg1"/>
+                </a:solidFill>
+              </a:rPr>
+              <a:t> identify a resource using JWT</a:t>
+            </a:r>
+          </a:p>
+          <a:p>
+            <a:r>
+              <a:rPr lang="en-US" b="1" dirty="0">
+                <a:solidFill>
+                  <a:schemeClr val="bg1"/>
+                </a:solidFill>
+              </a:rPr>
+              <a:t>Assume I’m blind and hard of hearing. </a:t>
+            </a:r>
+          </a:p>
+          <a:p>
+            <a:r>
+              <a:rPr lang="en-US" b="1" dirty="0">
+                <a:solidFill>
+                  <a:schemeClr val="bg1"/>
+                </a:solidFill>
+              </a:rPr>
+              <a:t>	Last week you bought me lunch, </a:t>
+            </a:r>
+          </a:p>
+          <a:p>
+            <a:r>
+              <a:rPr lang="en-US" b="1" dirty="0">
+                <a:solidFill>
+                  <a:schemeClr val="bg1"/>
+                </a:solidFill>
+              </a:rPr>
+              <a:t>	Now I need your </a:t>
+            </a:r>
+            <a:r>
+              <a:rPr lang="en-US" b="1" dirty="0" err="1">
+                <a:solidFill>
+                  <a:schemeClr val="bg1"/>
+                </a:solidFill>
+              </a:rPr>
+              <a:t>paytm</a:t>
+            </a:r>
+            <a:r>
+              <a:rPr lang="en-US" b="1" dirty="0">
+                <a:solidFill>
+                  <a:schemeClr val="bg1"/>
+                </a:solidFill>
+              </a:rPr>
+              <a:t> address to pay you back. </a:t>
+            </a:r>
+          </a:p>
+          <a:p>
+            <a:r>
+              <a:rPr lang="en-US" b="1" dirty="0">
+                <a:solidFill>
+                  <a:schemeClr val="bg1"/>
+                </a:solidFill>
+              </a:rPr>
+              <a:t>	If I ask you for your </a:t>
+            </a:r>
+            <a:r>
+              <a:rPr lang="en-US" b="1" dirty="0" err="1">
+                <a:solidFill>
+                  <a:schemeClr val="bg1"/>
+                </a:solidFill>
+              </a:rPr>
+              <a:t>paytm</a:t>
+            </a:r>
+            <a:r>
+              <a:rPr lang="en-US" b="1" dirty="0">
+                <a:solidFill>
+                  <a:schemeClr val="bg1"/>
+                </a:solidFill>
+              </a:rPr>
+              <a:t> address in person, </a:t>
+            </a:r>
+          </a:p>
+          <a:p>
+            <a:r>
+              <a:rPr lang="en-US" b="1" dirty="0">
+                <a:solidFill>
+                  <a:schemeClr val="bg1"/>
+                </a:solidFill>
+              </a:rPr>
+              <a:t>		someone else calls me and share their </a:t>
+            </a:r>
+            <a:r>
+              <a:rPr lang="en-US" b="1" dirty="0" err="1">
+                <a:solidFill>
+                  <a:schemeClr val="bg1"/>
+                </a:solidFill>
+              </a:rPr>
+              <a:t>paytm</a:t>
+            </a:r>
+            <a:r>
+              <a:rPr lang="en-US" b="1" dirty="0">
+                <a:solidFill>
+                  <a:schemeClr val="bg1"/>
+                </a:solidFill>
+              </a:rPr>
+              <a:t> address, </a:t>
+            </a:r>
+          </a:p>
+          <a:p>
+            <a:r>
+              <a:rPr lang="en-US" b="1" dirty="0">
+                <a:solidFill>
+                  <a:schemeClr val="bg1"/>
+                </a:solidFill>
+              </a:rPr>
+              <a:t>		I might accidentally send them the money I owe you.</a:t>
+            </a:r>
+          </a:p>
+          <a:p>
+            <a:r>
+              <a:rPr lang="en-US" b="1" dirty="0">
+                <a:solidFill>
+                  <a:schemeClr val="bg1"/>
+                </a:solidFill>
+              </a:rPr>
+              <a:t>	Instead if I gave you a unique number when </a:t>
+            </a:r>
+            <a:r>
+              <a:rPr lang="en-US" b="1" dirty="0" err="1">
+                <a:solidFill>
+                  <a:schemeClr val="bg1"/>
+                </a:solidFill>
+              </a:rPr>
+              <a:t>i</a:t>
+            </a:r>
+            <a:r>
+              <a:rPr lang="en-US" b="1" dirty="0">
+                <a:solidFill>
+                  <a:schemeClr val="bg1"/>
+                </a:solidFill>
+              </a:rPr>
+              <a:t> bought you lunch.</a:t>
+            </a:r>
+          </a:p>
+          <a:p>
+            <a:r>
+              <a:rPr lang="en-US" b="1" dirty="0">
+                <a:solidFill>
+                  <a:schemeClr val="bg1"/>
+                </a:solidFill>
+              </a:rPr>
+              <a:t>		Now you need to share the unique number along.</a:t>
+            </a:r>
+          </a:p>
         </p:txBody>
       </p:sp>
     </p:spTree>
     <p:extLst>
       <p:ext uri="{BB962C8B-B14F-4D97-AF65-F5344CB8AC3E}">
-        <p14:creationId xmlns:p14="http://schemas.microsoft.com/office/powerpoint/2010/main" val="4182056134"/>
+        <p14:creationId xmlns:p14="http://schemas.microsoft.com/office/powerpoint/2010/main" val="1131344006"/>
       </p:ext>
     </p:extLst>
   </p:cSld>
@@ -10728,7 +10972,7 @@
                   <a:schemeClr val="bg1"/>
                 </a:solidFill>
               </a:rPr>
-              <a:t>Use Access and Identity Tokens</a:t>
+              <a:t>Encrypt and Protect Secrets</a:t>
             </a:r>
           </a:p>
         </p:txBody>
@@ -10748,7 +10992,7 @@
         <p:spPr>
           <a:xfrm>
             <a:off x="838200" y="1516976"/>
-            <a:ext cx="10515600" cy="5355312"/>
+            <a:ext cx="10515600" cy="4524315"/>
           </a:xfrm>
           <a:prstGeom prst="rect">
             <a:avLst/>
@@ -10762,359 +11006,178 @@
           <a:lstStyle/>
           <a:p>
             <a:r>
+              <a:rPr lang="en-US" b="1" dirty="0">
+                <a:solidFill>
+                  <a:schemeClr val="bg1"/>
+                </a:solidFill>
+              </a:rPr>
+              <a:t>Generally microservices authenticates using an API key / tokens (JWT, PASTEO)</a:t>
+            </a:r>
+          </a:p>
+          <a:p>
+            <a:r>
+              <a:rPr lang="en-US" b="1" dirty="0">
+                <a:solidFill>
+                  <a:schemeClr val="bg1"/>
+                </a:solidFill>
+              </a:rPr>
+              <a:t>Rule 1</a:t>
+            </a:r>
+          </a:p>
+          <a:p>
+            <a:r>
+              <a:rPr lang="en-US" b="1" dirty="0">
+                <a:solidFill>
+                  <a:schemeClr val="bg1"/>
+                </a:solidFill>
+              </a:rPr>
+              <a:t>	Don’t check key into even private source control. </a:t>
+            </a:r>
+          </a:p>
+          <a:p>
+            <a:r>
+              <a:rPr lang="en-US" b="1" dirty="0">
+                <a:solidFill>
+                  <a:schemeClr val="bg1"/>
+                </a:solidFill>
+              </a:rPr>
+              <a:t>	Encrypt secrets </a:t>
+            </a:r>
+          </a:p>
+          <a:p>
+            <a:r>
+              <a:rPr lang="en-US" b="1" dirty="0">
+                <a:solidFill>
+                  <a:schemeClr val="bg1"/>
+                </a:solidFill>
+              </a:rPr>
+              <a:t>	Store in </a:t>
+            </a:r>
+            <a:r>
               <a:rPr lang="en-US" b="1" dirty="0" err="1">
                 <a:solidFill>
                   <a:schemeClr val="bg1"/>
                 </a:solidFill>
               </a:rPr>
-              <a:t>Oauth</a:t>
-            </a:r>
-            <a:r>
-              <a:rPr lang="en-US" b="1" dirty="0">
-                <a:solidFill>
-                  <a:schemeClr val="bg1"/>
-                </a:solidFill>
-              </a:rPr>
-              <a:t> and JWT are really famous token systems. Use them.</a:t>
-            </a:r>
-          </a:p>
-          <a:p>
-            <a:endParaRPr lang="en-US" b="1" dirty="0">
-              <a:solidFill>
-                <a:schemeClr val="bg1"/>
-              </a:solidFill>
-            </a:endParaRPr>
-          </a:p>
-          <a:p>
-            <a:r>
-              <a:rPr lang="en-US" b="1" dirty="0" err="1">
-                <a:solidFill>
-                  <a:schemeClr val="bg1"/>
-                </a:solidFill>
-              </a:rPr>
-              <a:t>oAuth</a:t>
-            </a:r>
-            <a:endParaRPr lang="en-US" b="1" dirty="0">
-              <a:solidFill>
-                <a:schemeClr val="bg1"/>
-              </a:solidFill>
-            </a:endParaRPr>
-          </a:p>
-          <a:p>
-            <a:r>
-              <a:rPr lang="en-US" b="1" dirty="0">
-                <a:solidFill>
-                  <a:schemeClr val="bg1"/>
-                </a:solidFill>
-              </a:rPr>
-              <a:t>	</a:t>
-            </a:r>
-            <a:r>
-              <a:rPr lang="en-US" b="1" dirty="0" err="1">
-                <a:solidFill>
-                  <a:schemeClr val="bg1"/>
-                </a:solidFill>
-              </a:rPr>
-              <a:t>Tocken</a:t>
-            </a:r>
-            <a:r>
-              <a:rPr lang="en-US" b="1" dirty="0">
-                <a:solidFill>
-                  <a:schemeClr val="bg1"/>
-                </a:solidFill>
-              </a:rPr>
-              <a:t> based authorization </a:t>
-            </a:r>
-          </a:p>
-          <a:p>
-            <a:r>
-              <a:rPr lang="en-US" b="1" dirty="0">
-                <a:solidFill>
-                  <a:schemeClr val="bg1"/>
-                </a:solidFill>
-              </a:rPr>
-              <a:t>	Delegate access without user/</a:t>
-            </a:r>
-            <a:r>
-              <a:rPr lang="en-US" b="1" dirty="0" err="1">
-                <a:solidFill>
-                  <a:schemeClr val="bg1"/>
-                </a:solidFill>
-              </a:rPr>
-              <a:t>pwd</a:t>
-            </a:r>
-            <a:endParaRPr lang="en-US" b="1" dirty="0">
-              <a:solidFill>
-                <a:schemeClr val="bg1"/>
-              </a:solidFill>
-            </a:endParaRPr>
-          </a:p>
-          <a:p>
-            <a:r>
-              <a:rPr lang="en-US" b="1" dirty="0">
-                <a:solidFill>
-                  <a:schemeClr val="bg1"/>
-                </a:solidFill>
-              </a:rPr>
-              <a:t>	Grant access to a client to perform certain operation on behalf of user.</a:t>
-            </a:r>
-          </a:p>
-          <a:p>
-            <a:r>
-              <a:rPr lang="en-US" b="1" dirty="0">
-                <a:solidFill>
-                  <a:schemeClr val="bg1"/>
-                </a:solidFill>
-              </a:rPr>
-              <a:t>	Not authentication of user.</a:t>
-            </a:r>
-          </a:p>
-          <a:p>
-            <a:r>
-              <a:rPr lang="en-US" b="1" dirty="0">
-                <a:solidFill>
-                  <a:schemeClr val="bg1"/>
-                </a:solidFill>
-              </a:rPr>
-              <a:t>	Only authorization</a:t>
-            </a:r>
-          </a:p>
-          <a:p>
-            <a:r>
-              <a:rPr lang="en-US" b="1" dirty="0">
-                <a:solidFill>
-                  <a:schemeClr val="bg1"/>
-                </a:solidFill>
-              </a:rPr>
-              <a:t>	3rd party </a:t>
-            </a:r>
-            <a:r>
-              <a:rPr lang="en-US" b="1" dirty="0" err="1">
-                <a:solidFill>
-                  <a:schemeClr val="bg1"/>
-                </a:solidFill>
-              </a:rPr>
-              <a:t>oAuth</a:t>
-            </a:r>
-            <a:r>
-              <a:rPr lang="en-US" b="1" dirty="0">
-                <a:solidFill>
-                  <a:schemeClr val="bg1"/>
-                </a:solidFill>
-              </a:rPr>
-              <a:t> providers such as Google, fb, </a:t>
-            </a:r>
-            <a:r>
-              <a:rPr lang="en-US" b="1" dirty="0" err="1">
-                <a:solidFill>
-                  <a:schemeClr val="bg1"/>
-                </a:solidFill>
-              </a:rPr>
-              <a:t>github</a:t>
-            </a:r>
-            <a:r>
-              <a:rPr lang="en-US" b="1" dirty="0">
-                <a:solidFill>
-                  <a:schemeClr val="bg1"/>
-                </a:solidFill>
-              </a:rPr>
-              <a:t> </a:t>
-            </a:r>
-            <a:r>
-              <a:rPr lang="en-US" b="1" dirty="0" err="1">
-                <a:solidFill>
-                  <a:schemeClr val="bg1"/>
-                </a:solidFill>
-              </a:rPr>
-              <a:t>ect</a:t>
-            </a:r>
-            <a:r>
-              <a:rPr lang="en-US" b="1" dirty="0">
-                <a:solidFill>
-                  <a:schemeClr val="bg1"/>
-                </a:solidFill>
-              </a:rPr>
-              <a:t>..</a:t>
-            </a:r>
-          </a:p>
-          <a:p>
-            <a:r>
-              <a:rPr lang="en-US" b="1" dirty="0">
-                <a:solidFill>
-                  <a:schemeClr val="bg1"/>
-                </a:solidFill>
-              </a:rPr>
-              <a:t>JWTs are JSON data, encoded as a string, and cryptographically signed.</a:t>
-            </a:r>
-          </a:p>
-          <a:p>
-            <a:r>
-              <a:rPr lang="en-US" b="1" dirty="0">
-                <a:solidFill>
-                  <a:schemeClr val="bg1"/>
-                </a:solidFill>
-              </a:rPr>
-              <a:t>	</a:t>
-            </a:r>
-            <a:r>
-              <a:rPr lang="en-US" b="1" dirty="0" err="1">
-                <a:solidFill>
-                  <a:schemeClr val="bg1"/>
-                </a:solidFill>
-              </a:rPr>
-              <a:t>Unquely</a:t>
-            </a:r>
-            <a:r>
-              <a:rPr lang="en-US" b="1" dirty="0">
-                <a:solidFill>
-                  <a:schemeClr val="bg1"/>
-                </a:solidFill>
-              </a:rPr>
-              <a:t> identify a resource using JWT</a:t>
-            </a:r>
-          </a:p>
-          <a:p>
-            <a:r>
-              <a:rPr lang="en-US" b="1" dirty="0">
-                <a:solidFill>
-                  <a:schemeClr val="bg1"/>
-                </a:solidFill>
-              </a:rPr>
-              <a:t>Assume I’m blind and hard of hearing. </a:t>
-            </a:r>
-          </a:p>
-          <a:p>
-            <a:r>
-              <a:rPr lang="en-US" b="1" dirty="0">
-                <a:solidFill>
-                  <a:schemeClr val="bg1"/>
-                </a:solidFill>
-              </a:rPr>
-              <a:t>	Last week you bought me lunch, </a:t>
-            </a:r>
-          </a:p>
-          <a:p>
-            <a:r>
-              <a:rPr lang="en-US" b="1" dirty="0">
-                <a:solidFill>
-                  <a:schemeClr val="bg1"/>
-                </a:solidFill>
-              </a:rPr>
-              <a:t>	Now I need your </a:t>
-            </a:r>
-            <a:r>
-              <a:rPr lang="en-US" b="1" dirty="0" err="1">
-                <a:solidFill>
-                  <a:schemeClr val="bg1"/>
-                </a:solidFill>
-              </a:rPr>
-              <a:t>paytm</a:t>
-            </a:r>
-            <a:r>
-              <a:rPr lang="en-US" b="1" dirty="0">
-                <a:solidFill>
-                  <a:schemeClr val="bg1"/>
-                </a:solidFill>
-              </a:rPr>
-              <a:t> address to pay you back. </a:t>
-            </a:r>
-          </a:p>
-          <a:p>
-            <a:r>
-              <a:rPr lang="en-US" b="1" dirty="0">
-                <a:solidFill>
-                  <a:schemeClr val="bg1"/>
-                </a:solidFill>
-              </a:rPr>
-              <a:t>	If I ask you for your </a:t>
-            </a:r>
-            <a:r>
-              <a:rPr lang="en-US" b="1" dirty="0" err="1">
-                <a:solidFill>
-                  <a:schemeClr val="bg1"/>
-                </a:solidFill>
-              </a:rPr>
-              <a:t>paytm</a:t>
-            </a:r>
-            <a:r>
-              <a:rPr lang="en-US" b="1" dirty="0">
-                <a:solidFill>
-                  <a:schemeClr val="bg1"/>
-                </a:solidFill>
-              </a:rPr>
-              <a:t> address in person, </a:t>
-            </a:r>
-          </a:p>
-          <a:p>
-            <a:r>
-              <a:rPr lang="en-US" b="1" dirty="0">
-                <a:solidFill>
-                  <a:schemeClr val="bg1"/>
-                </a:solidFill>
-              </a:rPr>
-              <a:t>		someone else calls me and share their </a:t>
-            </a:r>
-            <a:r>
-              <a:rPr lang="en-US" b="1" dirty="0" err="1">
-                <a:solidFill>
-                  <a:schemeClr val="bg1"/>
-                </a:solidFill>
-              </a:rPr>
-              <a:t>paytm</a:t>
-            </a:r>
-            <a:r>
-              <a:rPr lang="en-US" b="1" dirty="0">
-                <a:solidFill>
-                  <a:schemeClr val="bg1"/>
-                </a:solidFill>
-              </a:rPr>
-              <a:t> address, </a:t>
-            </a:r>
-          </a:p>
-          <a:p>
-            <a:r>
-              <a:rPr lang="en-US" b="1" dirty="0">
-                <a:solidFill>
-                  <a:schemeClr val="bg1"/>
-                </a:solidFill>
-              </a:rPr>
-              <a:t>		I might accidentally send them the money I owe you.</a:t>
-            </a:r>
-          </a:p>
-          <a:p>
-            <a:r>
-              <a:rPr lang="en-US" b="1" dirty="0">
-                <a:solidFill>
-                  <a:schemeClr val="bg1"/>
-                </a:solidFill>
-              </a:rPr>
-              <a:t>	Instead if I gave you a unique number when </a:t>
-            </a:r>
-            <a:r>
-              <a:rPr lang="en-US" b="1" dirty="0" err="1">
-                <a:solidFill>
-                  <a:schemeClr val="bg1"/>
-                </a:solidFill>
-              </a:rPr>
-              <a:t>i</a:t>
-            </a:r>
-            <a:r>
-              <a:rPr lang="en-US" b="1" dirty="0">
-                <a:solidFill>
-                  <a:schemeClr val="bg1"/>
-                </a:solidFill>
-              </a:rPr>
-              <a:t> bought you lunch.</a:t>
-            </a:r>
-          </a:p>
-          <a:p>
-            <a:r>
-              <a:rPr lang="en-US" b="1" dirty="0">
-                <a:solidFill>
-                  <a:schemeClr val="bg1"/>
-                </a:solidFill>
-              </a:rPr>
-              <a:t>		Now you need to share the unique number along.</a:t>
+              <a:t>Hashicorp</a:t>
+            </a:r>
+            <a:r>
+              <a:rPr lang="en-US" b="1" dirty="0">
+                <a:solidFill>
+                  <a:schemeClr val="bg1"/>
+                </a:solidFill>
+              </a:rPr>
+              <a:t> Vault or Spring Vault or Amazon KMS</a:t>
+            </a:r>
+          </a:p>
+          <a:p>
+            <a:r>
+              <a:rPr lang="en-US" b="1" dirty="0">
+                <a:solidFill>
+                  <a:schemeClr val="bg1"/>
+                </a:solidFill>
+              </a:rPr>
+              <a:t>Amazon KMS</a:t>
+            </a:r>
+          </a:p>
+          <a:p>
+            <a:r>
+              <a:rPr lang="en-US" b="1" dirty="0">
+                <a:solidFill>
+                  <a:schemeClr val="bg1"/>
+                </a:solidFill>
+              </a:rPr>
+              <a:t>	You generate a master key using KMS</a:t>
+            </a:r>
+          </a:p>
+          <a:p>
+            <a:r>
+              <a:rPr lang="en-US" b="1" dirty="0">
+                <a:solidFill>
+                  <a:schemeClr val="bg1"/>
+                </a:solidFill>
+              </a:rPr>
+              <a:t>	You want to encrypt data, </a:t>
+            </a:r>
+          </a:p>
+          <a:p>
+            <a:r>
+              <a:rPr lang="en-US" b="1" dirty="0">
+                <a:solidFill>
+                  <a:schemeClr val="bg1"/>
+                </a:solidFill>
+              </a:rPr>
+              <a:t>	You ask AWS to generate a new data key for you. </a:t>
+            </a:r>
+          </a:p>
+          <a:p>
+            <a:r>
+              <a:rPr lang="en-US" b="1" dirty="0">
+                <a:solidFill>
+                  <a:schemeClr val="bg1"/>
+                </a:solidFill>
+              </a:rPr>
+              <a:t>	A data key is a unique encryption key AWS generates for each piece of data you need to encrypt.</a:t>
+            </a:r>
+          </a:p>
+          <a:p>
+            <a:r>
+              <a:rPr lang="en-US" b="1" dirty="0">
+                <a:solidFill>
+                  <a:schemeClr val="bg1"/>
+                </a:solidFill>
+              </a:rPr>
+              <a:t>	You then encrypt your data using the data key</a:t>
+            </a:r>
+          </a:p>
+          <a:p>
+            <a:r>
+              <a:rPr lang="en-US" b="1" dirty="0">
+                <a:solidFill>
+                  <a:schemeClr val="bg1"/>
+                </a:solidFill>
+              </a:rPr>
+              <a:t>	Amazon will then encrypt your data key using the master key</a:t>
+            </a:r>
+          </a:p>
+          <a:p>
+            <a:r>
+              <a:rPr lang="en-US" b="1" dirty="0">
+                <a:solidFill>
+                  <a:schemeClr val="bg1"/>
+                </a:solidFill>
+              </a:rPr>
+              <a:t>	You merge the encrypted data key with the encrypted data to create an encrypted message. </a:t>
+            </a:r>
+          </a:p>
+          <a:p>
+            <a:r>
+              <a:rPr lang="en-US" b="1" dirty="0">
+                <a:solidFill>
+                  <a:schemeClr val="bg1"/>
+                </a:solidFill>
+              </a:rPr>
+              <a:t>	The encrypted message is your final output, </a:t>
+            </a:r>
+          </a:p>
+          <a:p>
+            <a:r>
+              <a:rPr lang="en-US" b="1" dirty="0">
+                <a:solidFill>
+                  <a:schemeClr val="bg1"/>
+                </a:solidFill>
+              </a:rPr>
+              <a:t>	which is what you would store as a file or in a database.</a:t>
+            </a:r>
+          </a:p>
+          <a:p>
+            <a:r>
+              <a:rPr lang="en-US" b="1" dirty="0">
+                <a:solidFill>
+                  <a:schemeClr val="bg1"/>
+                </a:solidFill>
+              </a:rPr>
+              <a:t>Alternatively you can use Azure Key Vaults</a:t>
             </a:r>
           </a:p>
         </p:txBody>
@@ -11122,7 +11185,7 @@
     </p:spTree>
     <p:extLst>
       <p:ext uri="{BB962C8B-B14F-4D97-AF65-F5344CB8AC3E}">
-        <p14:creationId xmlns:p14="http://schemas.microsoft.com/office/powerpoint/2010/main" val="1131344006"/>
+        <p14:creationId xmlns:p14="http://schemas.microsoft.com/office/powerpoint/2010/main" val="118816738"/>
       </p:ext>
     </p:extLst>
   </p:cSld>
@@ -11192,7 +11255,7 @@
                   <a:schemeClr val="bg1"/>
                 </a:solidFill>
               </a:rPr>
-              <a:t>Encrypt and Protect Secrets</a:t>
+              <a:t>Verify Security with Delivery Pipelines</a:t>
             </a:r>
           </a:p>
         </p:txBody>
@@ -11212,7 +11275,7 @@
         <p:spPr>
           <a:xfrm>
             <a:off x="838200" y="1516976"/>
-            <a:ext cx="10515600" cy="4524315"/>
+            <a:ext cx="10515600" cy="1754326"/>
           </a:xfrm>
           <a:prstGeom prst="rect">
             <a:avLst/>
@@ -11231,181 +11294,62 @@
                   <a:schemeClr val="bg1"/>
                 </a:solidFill>
               </a:rPr>
-              <a:t>Generally microservices authenticates using an API key / tokens (JWT, PASTEO)</a:t>
-            </a:r>
-          </a:p>
-          <a:p>
-            <a:r>
-              <a:rPr lang="en-US" b="1" dirty="0">
-                <a:solidFill>
-                  <a:schemeClr val="bg1"/>
-                </a:solidFill>
-              </a:rPr>
-              <a:t>Rule 1</a:t>
-            </a:r>
-          </a:p>
-          <a:p>
-            <a:r>
-              <a:rPr lang="en-US" b="1" dirty="0">
-                <a:solidFill>
-                  <a:schemeClr val="bg1"/>
-                </a:solidFill>
-              </a:rPr>
-              <a:t>	Don’t check key into even private source control. </a:t>
-            </a:r>
-          </a:p>
-          <a:p>
-            <a:r>
-              <a:rPr lang="en-US" b="1" dirty="0">
-                <a:solidFill>
-                  <a:schemeClr val="bg1"/>
-                </a:solidFill>
-              </a:rPr>
-              <a:t>	Encrypt secrets </a:t>
-            </a:r>
-          </a:p>
-          <a:p>
-            <a:r>
-              <a:rPr lang="en-US" b="1" dirty="0">
-                <a:solidFill>
-                  <a:schemeClr val="bg1"/>
-                </a:solidFill>
-              </a:rPr>
-              <a:t>	Store in </a:t>
-            </a:r>
-            <a:r>
-              <a:rPr lang="en-US" b="1" dirty="0" err="1">
-                <a:solidFill>
-                  <a:schemeClr val="bg1"/>
-                </a:solidFill>
-              </a:rPr>
-              <a:t>Hashicorp</a:t>
-            </a:r>
-            <a:r>
-              <a:rPr lang="en-US" b="1" dirty="0">
-                <a:solidFill>
-                  <a:schemeClr val="bg1"/>
-                </a:solidFill>
-              </a:rPr>
-              <a:t> Vault or Spring Vault or Amazon KMS</a:t>
-            </a:r>
-          </a:p>
-          <a:p>
-            <a:r>
-              <a:rPr lang="en-US" b="1" dirty="0">
-                <a:solidFill>
-                  <a:schemeClr val="bg1"/>
-                </a:solidFill>
-              </a:rPr>
-              <a:t>Amazon KMS</a:t>
-            </a:r>
-          </a:p>
-          <a:p>
-            <a:r>
-              <a:rPr lang="en-US" b="1" dirty="0">
-                <a:solidFill>
-                  <a:schemeClr val="bg1"/>
-                </a:solidFill>
-              </a:rPr>
-              <a:t>	You generate a master key using KMS</a:t>
-            </a:r>
-          </a:p>
-          <a:p>
-            <a:r>
-              <a:rPr lang="en-US" b="1" dirty="0">
-                <a:solidFill>
-                  <a:schemeClr val="bg1"/>
-                </a:solidFill>
-              </a:rPr>
-              <a:t>	You want to encrypt data, </a:t>
-            </a:r>
-          </a:p>
-          <a:p>
-            <a:r>
-              <a:rPr lang="en-US" b="1" dirty="0">
-                <a:solidFill>
-                  <a:schemeClr val="bg1"/>
-                </a:solidFill>
-              </a:rPr>
-              <a:t>	You ask AWS to generate a new data key for you. </a:t>
-            </a:r>
-          </a:p>
-          <a:p>
-            <a:r>
-              <a:rPr lang="en-US" b="1" dirty="0">
-                <a:solidFill>
-                  <a:schemeClr val="bg1"/>
-                </a:solidFill>
-              </a:rPr>
-              <a:t>	A data key is a unique encryption key AWS generates for each piece of data you need to encrypt.</a:t>
-            </a:r>
-          </a:p>
-          <a:p>
-            <a:r>
-              <a:rPr lang="en-US" b="1" dirty="0">
-                <a:solidFill>
-                  <a:schemeClr val="bg1"/>
-                </a:solidFill>
-              </a:rPr>
-              <a:t>	You then encrypt your data using the data key</a:t>
-            </a:r>
-          </a:p>
-          <a:p>
-            <a:r>
-              <a:rPr lang="en-US" b="1" dirty="0">
-                <a:solidFill>
-                  <a:schemeClr val="bg1"/>
-                </a:solidFill>
-              </a:rPr>
-              <a:t>	Amazon will then encrypt your data key using the master key</a:t>
-            </a:r>
-          </a:p>
-          <a:p>
-            <a:r>
-              <a:rPr lang="en-US" b="1" dirty="0">
-                <a:solidFill>
-                  <a:schemeClr val="bg1"/>
-                </a:solidFill>
-              </a:rPr>
-              <a:t>	You merge the encrypted data key with the encrypted data to create an encrypted message. </a:t>
-            </a:r>
-          </a:p>
-          <a:p>
-            <a:r>
-              <a:rPr lang="en-US" b="1" dirty="0">
-                <a:solidFill>
-                  <a:schemeClr val="bg1"/>
-                </a:solidFill>
-              </a:rPr>
-              <a:t>	The encrypted message is your final output, </a:t>
-            </a:r>
-          </a:p>
-          <a:p>
-            <a:r>
-              <a:rPr lang="en-US" b="1" dirty="0">
-                <a:solidFill>
-                  <a:schemeClr val="bg1"/>
-                </a:solidFill>
-              </a:rPr>
-              <a:t>	which is what you would store as a file or in a database.</a:t>
-            </a:r>
-          </a:p>
-          <a:p>
-            <a:r>
-              <a:rPr lang="en-US" b="1" dirty="0">
-                <a:solidFill>
-                  <a:schemeClr val="bg1"/>
-                </a:solidFill>
-              </a:rPr>
-              <a:t>Alternatively you can use Azure Key Vaults</a:t>
-            </a:r>
+              <a:t>Dependency and container scanning should be part of your source control monitoring system</a:t>
+            </a:r>
+          </a:p>
+          <a:p>
+            <a:r>
+              <a:rPr lang="en-US" b="1" dirty="0">
+                <a:solidFill>
+                  <a:schemeClr val="bg1"/>
+                </a:solidFill>
+              </a:rPr>
+              <a:t>Execute security tests when executing CI/CD.</a:t>
+            </a:r>
+          </a:p>
+          <a:p>
+            <a:r>
+              <a:rPr lang="en-US" b="1" dirty="0">
+                <a:solidFill>
+                  <a:schemeClr val="bg1"/>
+                </a:solidFill>
+              </a:rPr>
+              <a:t>	 security unit tests, </a:t>
+            </a:r>
+          </a:p>
+          <a:p>
+            <a:r>
+              <a:rPr lang="en-US" b="1" dirty="0">
+                <a:solidFill>
+                  <a:schemeClr val="bg1"/>
+                </a:solidFill>
+              </a:rPr>
+              <a:t>	 static analysis security testing (SAST), </a:t>
+            </a:r>
+          </a:p>
+          <a:p>
+            <a:r>
+              <a:rPr lang="en-US" b="1" dirty="0">
+                <a:solidFill>
+                  <a:schemeClr val="bg1"/>
+                </a:solidFill>
+              </a:rPr>
+              <a:t>	 dynamic analysis security testing (DAST).</a:t>
+            </a:r>
+          </a:p>
+          <a:p>
+            <a:endParaRPr lang="en-US" b="1" dirty="0">
+              <a:solidFill>
+                <a:schemeClr val="bg1"/>
+              </a:solidFill>
+            </a:endParaRPr>
           </a:p>
         </p:txBody>
       </p:sp>
     </p:spTree>
     <p:extLst>
       <p:ext uri="{BB962C8B-B14F-4D97-AF65-F5344CB8AC3E}">
-        <p14:creationId xmlns:p14="http://schemas.microsoft.com/office/powerpoint/2010/main" val="118816738"/>
+        <p14:creationId xmlns:p14="http://schemas.microsoft.com/office/powerpoint/2010/main" val="4119130609"/>
       </p:ext>
     </p:extLst>
   </p:cSld>
@@ -11475,7 +11419,7 @@
                   <a:schemeClr val="bg1"/>
                 </a:solidFill>
               </a:rPr>
-              <a:t>Verify Security with Delivery Pipelines</a:t>
+              <a:t>Slow Down Attackers</a:t>
             </a:r>
           </a:p>
         </p:txBody>
@@ -11495,7 +11439,7 @@
         <p:spPr>
           <a:xfrm>
             <a:off x="838200" y="1516976"/>
-            <a:ext cx="10515600" cy="1754326"/>
+            <a:ext cx="10515600" cy="3139321"/>
           </a:xfrm>
           <a:prstGeom prst="rect">
             <a:avLst/>
@@ -11514,47 +11458,103 @@
                   <a:schemeClr val="bg1"/>
                 </a:solidFill>
               </a:rPr>
-              <a:t>Dependency and container scanning should be part of your source control monitoring system</a:t>
-            </a:r>
-          </a:p>
-          <a:p>
-            <a:r>
-              <a:rPr lang="en-US" b="1" dirty="0">
-                <a:solidFill>
-                  <a:schemeClr val="bg1"/>
-                </a:solidFill>
-              </a:rPr>
-              <a:t>Execute security tests when executing CI/CD.</a:t>
-            </a:r>
-          </a:p>
-          <a:p>
-            <a:r>
-              <a:rPr lang="en-US" b="1" dirty="0">
-                <a:solidFill>
-                  <a:schemeClr val="bg1"/>
-                </a:solidFill>
-              </a:rPr>
-              <a:t>	 security unit tests, </a:t>
-            </a:r>
-          </a:p>
-          <a:p>
-            <a:r>
-              <a:rPr lang="en-US" b="1" dirty="0">
-                <a:solidFill>
-                  <a:schemeClr val="bg1"/>
-                </a:solidFill>
-              </a:rPr>
-              <a:t>	 static analysis security testing (SAST), </a:t>
-            </a:r>
-          </a:p>
-          <a:p>
-            <a:r>
-              <a:rPr lang="en-US" b="1" dirty="0">
-                <a:solidFill>
-                  <a:schemeClr val="bg1"/>
-                </a:solidFill>
-              </a:rPr>
-              <a:t>	 dynamic analysis security testing (DAST).</a:t>
+              <a:t>If someone tries to attack your APIs with hundreds of gigs of username/password combinations, </a:t>
+            </a:r>
+          </a:p>
+          <a:p>
+            <a:r>
+              <a:rPr lang="en-US" b="1" dirty="0">
+                <a:solidFill>
+                  <a:schemeClr val="bg1"/>
+                </a:solidFill>
+              </a:rPr>
+              <a:t>It could take a while for them to authenticate successfully. </a:t>
+            </a:r>
+          </a:p>
+          <a:p>
+            <a:r>
+              <a:rPr lang="en-US" b="1" dirty="0">
+                <a:solidFill>
+                  <a:schemeClr val="bg1"/>
+                </a:solidFill>
+              </a:rPr>
+              <a:t>	</a:t>
+            </a:r>
+          </a:p>
+          <a:p>
+            <a:r>
+              <a:rPr lang="en-US" b="1" dirty="0">
+                <a:solidFill>
+                  <a:schemeClr val="bg1"/>
+                </a:solidFill>
+              </a:rPr>
+              <a:t>Detect this attack and slow down your service, </a:t>
+            </a:r>
+          </a:p>
+          <a:p>
+            <a:r>
+              <a:rPr lang="en-US" b="1" dirty="0">
+                <a:solidFill>
+                  <a:schemeClr val="bg1"/>
+                </a:solidFill>
+              </a:rPr>
+              <a:t>	Most likely the attacker will go away. </a:t>
+            </a:r>
+          </a:p>
+          <a:p>
+            <a:r>
+              <a:rPr lang="en-US" b="1" dirty="0">
+                <a:solidFill>
+                  <a:schemeClr val="bg1"/>
+                </a:solidFill>
+              </a:rPr>
+              <a:t>	Simply not worth their time.</a:t>
+            </a:r>
+          </a:p>
+          <a:p>
+            <a:r>
+              <a:rPr lang="en-US" b="1" dirty="0">
+                <a:solidFill>
+                  <a:schemeClr val="bg1"/>
+                </a:solidFill>
+              </a:rPr>
+              <a:t>	You can implement rate-limiting (API rate limiting, email rate limiting </a:t>
+            </a:r>
+            <a:r>
+              <a:rPr lang="en-US" b="1" dirty="0" err="1">
+                <a:solidFill>
+                  <a:schemeClr val="bg1"/>
+                </a:solidFill>
+              </a:rPr>
+              <a:t>etc</a:t>
+            </a:r>
+            <a:r>
+              <a:rPr lang="en-US" b="1" dirty="0">
+                <a:solidFill>
+                  <a:schemeClr val="bg1"/>
+                </a:solidFill>
+              </a:rPr>
+              <a:t>)in your code </a:t>
+            </a:r>
+          </a:p>
+          <a:p>
+            <a:r>
+              <a:rPr lang="en-US" b="1" dirty="0">
+                <a:solidFill>
+                  <a:schemeClr val="bg1"/>
+                </a:solidFill>
+              </a:rPr>
+              <a:t>		(often with an open-source library) or </a:t>
+            </a:r>
+          </a:p>
+          <a:p>
+            <a:r>
+              <a:rPr lang="en-US" b="1" dirty="0">
+                <a:solidFill>
+                  <a:schemeClr val="bg1"/>
+                </a:solidFill>
+              </a:rPr>
+              <a:t>		your API Gateway or third party software. </a:t>
             </a:r>
           </a:p>
           <a:p>
@@ -11564,12 +11564,19 @@
               </a:solidFill>
             </a:endParaRPr>
           </a:p>
+          <a:p>
+            <a:endParaRPr lang="en-US" b="1" dirty="0">
+              <a:solidFill>
+                <a:schemeClr val="bg1"/>
+              </a:solidFill>
+            </a:endParaRPr>
+          </a:p>
         </p:txBody>
       </p:sp>
     </p:spTree>
     <p:extLst>
       <p:ext uri="{BB962C8B-B14F-4D97-AF65-F5344CB8AC3E}">
-        <p14:creationId xmlns:p14="http://schemas.microsoft.com/office/powerpoint/2010/main" val="4119130609"/>
+        <p14:creationId xmlns:p14="http://schemas.microsoft.com/office/powerpoint/2010/main" val="3884806925"/>
       </p:ext>
     </p:extLst>
   </p:cSld>
@@ -11829,7 +11836,7 @@
                   <a:schemeClr val="bg1"/>
                 </a:solidFill>
               </a:rPr>
-              <a:t>Slow Down Attackers</a:t>
+              <a:t>Use Docker Rootless Mode</a:t>
             </a:r>
           </a:p>
         </p:txBody>
@@ -11849,7 +11856,7 @@
         <p:spPr>
           <a:xfrm>
             <a:off x="838200" y="1516976"/>
-            <a:ext cx="10515600" cy="3139321"/>
+            <a:ext cx="10515600" cy="369332"/>
           </a:xfrm>
           <a:prstGeom prst="rect">
             <a:avLst/>
@@ -11868,125 +11875,15 @@
                   <a:schemeClr val="bg1"/>
                 </a:solidFill>
               </a:rPr>
-              <a:t>If someone tries to attack your APIs with hundreds of gigs of username/password combinations, </a:t>
-            </a:r>
-          </a:p>
-          <a:p>
-            <a:r>
-              <a:rPr lang="en-US" b="1" dirty="0">
-                <a:solidFill>
-                  <a:schemeClr val="bg1"/>
-                </a:solidFill>
-              </a:rPr>
-              <a:t>It could take a while for them to authenticate successfully. </a:t>
-            </a:r>
-          </a:p>
-          <a:p>
-            <a:r>
-              <a:rPr lang="en-US" b="1" dirty="0">
-                <a:solidFill>
-                  <a:schemeClr val="bg1"/>
-                </a:solidFill>
-              </a:rPr>
-              <a:t>	</a:t>
-            </a:r>
-          </a:p>
-          <a:p>
-            <a:r>
-              <a:rPr lang="en-US" b="1" dirty="0">
-                <a:solidFill>
-                  <a:schemeClr val="bg1"/>
-                </a:solidFill>
-              </a:rPr>
-              <a:t>Detect this attack and slow down your service, </a:t>
-            </a:r>
-          </a:p>
-          <a:p>
-            <a:r>
-              <a:rPr lang="en-US" b="1" dirty="0">
-                <a:solidFill>
-                  <a:schemeClr val="bg1"/>
-                </a:solidFill>
-              </a:rPr>
-              <a:t>	Most likely the attacker will go away. </a:t>
-            </a:r>
-          </a:p>
-          <a:p>
-            <a:r>
-              <a:rPr lang="en-US" b="1" dirty="0">
-                <a:solidFill>
-                  <a:schemeClr val="bg1"/>
-                </a:solidFill>
-              </a:rPr>
-              <a:t>	Simply not worth their time.</a:t>
-            </a:r>
-          </a:p>
-          <a:p>
-            <a:r>
-              <a:rPr lang="en-US" b="1" dirty="0">
-                <a:solidFill>
-                  <a:schemeClr val="bg1"/>
-                </a:solidFill>
-              </a:rPr>
-              <a:t>	You can implement rate-limiting (API rate limiting, email rate limiting </a:t>
-            </a:r>
-            <a:r>
-              <a:rPr lang="en-US" b="1" dirty="0" err="1">
-                <a:solidFill>
-                  <a:schemeClr val="bg1"/>
-                </a:solidFill>
-              </a:rPr>
-              <a:t>etc</a:t>
-            </a:r>
-            <a:r>
-              <a:rPr lang="en-US" b="1" dirty="0">
-                <a:solidFill>
-                  <a:schemeClr val="bg1"/>
-                </a:solidFill>
-              </a:rPr>
-              <a:t>)in your code </a:t>
-            </a:r>
-          </a:p>
-          <a:p>
-            <a:r>
-              <a:rPr lang="en-US" b="1" dirty="0">
-                <a:solidFill>
-                  <a:schemeClr val="bg1"/>
-                </a:solidFill>
-              </a:rPr>
-              <a:t>		(often with an open-source library) or </a:t>
-            </a:r>
-          </a:p>
-          <a:p>
-            <a:r>
-              <a:rPr lang="en-US" b="1" dirty="0">
-                <a:solidFill>
-                  <a:schemeClr val="bg1"/>
-                </a:solidFill>
-              </a:rPr>
-              <a:t>		your API Gateway or third party software. </a:t>
-            </a:r>
-          </a:p>
-          <a:p>
-            <a:endParaRPr lang="en-US" b="1" dirty="0">
-              <a:solidFill>
-                <a:schemeClr val="bg1"/>
-              </a:solidFill>
-            </a:endParaRPr>
-          </a:p>
-          <a:p>
-            <a:endParaRPr lang="en-US" b="1" dirty="0">
-              <a:solidFill>
-                <a:schemeClr val="bg1"/>
-              </a:solidFill>
-            </a:endParaRPr>
+              <a:t>?</a:t>
+            </a:r>
           </a:p>
         </p:txBody>
       </p:sp>
     </p:spTree>
     <p:extLst>
       <p:ext uri="{BB962C8B-B14F-4D97-AF65-F5344CB8AC3E}">
-        <p14:creationId xmlns:p14="http://schemas.microsoft.com/office/powerpoint/2010/main" val="3884806925"/>
+        <p14:creationId xmlns:p14="http://schemas.microsoft.com/office/powerpoint/2010/main" val="3331135260"/>
       </p:ext>
     </p:extLst>
   </p:cSld>
@@ -12056,7 +11953,7 @@
                   <a:schemeClr val="bg1"/>
                 </a:solidFill>
               </a:rPr>
-              <a:t>Use Docker Rootless Mode</a:t>
+              <a:t>Use Time-Based Security</a:t>
             </a:r>
           </a:p>
         </p:txBody>
@@ -12076,7 +11973,7 @@
         <p:spPr>
           <a:xfrm>
             <a:off x="838200" y="1516976"/>
-            <a:ext cx="10515600" cy="369332"/>
+            <a:ext cx="10515600" cy="3139321"/>
           </a:xfrm>
           <a:prstGeom prst="rect">
             <a:avLst/>
@@ -12095,7 +11992,123 @@
                   <a:schemeClr val="bg1"/>
                 </a:solidFill>
               </a:rPr>
-              <a:t>?</a:t>
+              <a:t>System is never fully secure—</a:t>
+            </a:r>
+          </a:p>
+          <a:p>
+            <a:r>
+              <a:rPr lang="en-US" b="1" dirty="0">
+                <a:solidFill>
+                  <a:schemeClr val="bg1"/>
+                </a:solidFill>
+              </a:rPr>
+              <a:t>Someone will break in. </a:t>
+            </a:r>
+          </a:p>
+          <a:p>
+            <a:r>
+              <a:rPr lang="en-US" b="1" dirty="0">
+                <a:solidFill>
+                  <a:schemeClr val="bg1"/>
+                </a:solidFill>
+              </a:rPr>
+              <a:t>Preventing intruders is only one part of securing a system; </a:t>
+            </a:r>
+          </a:p>
+          <a:p>
+            <a:r>
+              <a:rPr lang="en-US" b="1" dirty="0">
+                <a:solidFill>
+                  <a:schemeClr val="bg1"/>
+                </a:solidFill>
+              </a:rPr>
+              <a:t>Detection and reaction are essential, too.</a:t>
+            </a:r>
+          </a:p>
+          <a:p>
+            <a:r>
+              <a:rPr lang="en-US" b="1" dirty="0">
+                <a:solidFill>
+                  <a:schemeClr val="bg1"/>
+                </a:solidFill>
+              </a:rPr>
+              <a:t>	</a:t>
+            </a:r>
+          </a:p>
+          <a:p>
+            <a:r>
+              <a:rPr lang="en-US" b="1" dirty="0">
+                <a:solidFill>
+                  <a:schemeClr val="bg1"/>
+                </a:solidFill>
+              </a:rPr>
+              <a:t>Use multi-factor authentication to slow down intruders, </a:t>
+            </a:r>
+          </a:p>
+          <a:p>
+            <a:r>
+              <a:rPr lang="en-US" b="1" dirty="0">
+                <a:solidFill>
+                  <a:schemeClr val="bg1"/>
+                </a:solidFill>
+              </a:rPr>
+              <a:t>	</a:t>
+            </a:r>
+          </a:p>
+          <a:p>
+            <a:r>
+              <a:rPr lang="en-US" b="1" dirty="0">
+                <a:solidFill>
+                  <a:schemeClr val="bg1"/>
+                </a:solidFill>
+              </a:rPr>
+              <a:t>But also to help detect when someone with elevated privilege authenticates into a critical server </a:t>
+            </a:r>
+          </a:p>
+          <a:p>
+            <a:r>
+              <a:rPr lang="en-US" b="1" dirty="0">
+                <a:solidFill>
+                  <a:schemeClr val="bg1"/>
+                </a:solidFill>
+              </a:rPr>
+              <a:t>	Send an alert to your network administrator team whenever there’s a successful login.</a:t>
+            </a:r>
+          </a:p>
+          <a:p>
+            <a:r>
+              <a:rPr lang="en-US" b="1" dirty="0">
+                <a:solidFill>
+                  <a:schemeClr val="bg1"/>
+                </a:solidFill>
+              </a:rPr>
+              <a:t>Implement solutions like the above.</a:t>
+            </a:r>
+          </a:p>
+          <a:p>
+            <a:r>
+              <a:rPr lang="en-US" b="1" dirty="0">
+                <a:solidFill>
+                  <a:schemeClr val="bg1"/>
+                </a:solidFill>
+              </a:rPr>
+              <a:t>	Another e.g. </a:t>
+            </a:r>
+            <a:r>
+              <a:rPr lang="en-US" b="1" dirty="0" err="1">
+                <a:solidFill>
+                  <a:schemeClr val="bg1"/>
+                </a:solidFill>
+              </a:rPr>
+              <a:t>extemely</a:t>
+            </a:r>
+            <a:r>
+              <a:rPr lang="en-US" b="1" dirty="0">
+                <a:solidFill>
+                  <a:schemeClr val="bg1"/>
+                </a:solidFill>
+              </a:rPr>
+              <a:t> critical login can happen only from a single machine.</a:t>
             </a:r>
           </a:p>
         </p:txBody>
@@ -12103,7 +12116,7 @@
     </p:spTree>
     <p:extLst>
       <p:ext uri="{BB962C8B-B14F-4D97-AF65-F5344CB8AC3E}">
-        <p14:creationId xmlns:p14="http://schemas.microsoft.com/office/powerpoint/2010/main" val="3331135260"/>
+        <p14:creationId xmlns:p14="http://schemas.microsoft.com/office/powerpoint/2010/main" val="4228632976"/>
       </p:ext>
     </p:extLst>
   </p:cSld>
@@ -12173,7 +12186,7 @@
                   <a:schemeClr val="bg1"/>
                 </a:solidFill>
               </a:rPr>
-              <a:t>Use Time-Based Security</a:t>
+              <a:t>Scan Docker and Kubernetes Configuration for Vulnerabilities</a:t>
             </a:r>
           </a:p>
         </p:txBody>
@@ -12192,7 +12205,7 @@
         </p:nvSpPr>
         <p:spPr>
           <a:xfrm>
-            <a:off x="838200" y="1516976"/>
+            <a:off x="838200" y="1859339"/>
             <a:ext cx="10515600" cy="3139321"/>
           </a:xfrm>
           <a:prstGeom prst="rect">
@@ -12212,107 +12225,37 @@
                   <a:schemeClr val="bg1"/>
                 </a:solidFill>
               </a:rPr>
-              <a:t>System is never fully secure—</a:t>
-            </a:r>
-          </a:p>
-          <a:p>
-            <a:r>
-              <a:rPr lang="en-US" b="1" dirty="0">
-                <a:solidFill>
-                  <a:schemeClr val="bg1"/>
-                </a:solidFill>
-              </a:rPr>
-              <a:t>Someone will break in. </a:t>
-            </a:r>
-          </a:p>
-          <a:p>
-            <a:r>
-              <a:rPr lang="en-US" b="1" dirty="0">
-                <a:solidFill>
-                  <a:schemeClr val="bg1"/>
-                </a:solidFill>
-              </a:rPr>
-              <a:t>Preventing intruders is only one part of securing a system; </a:t>
-            </a:r>
-          </a:p>
-          <a:p>
-            <a:r>
-              <a:rPr lang="en-US" b="1" dirty="0">
-                <a:solidFill>
-                  <a:schemeClr val="bg1"/>
-                </a:solidFill>
-              </a:rPr>
-              <a:t>Detection and reaction are essential, too.</a:t>
-            </a:r>
-          </a:p>
-          <a:p>
-            <a:r>
-              <a:rPr lang="en-US" b="1" dirty="0">
-                <a:solidFill>
-                  <a:schemeClr val="bg1"/>
-                </a:solidFill>
-              </a:rPr>
-              <a:t>	</a:t>
-            </a:r>
-          </a:p>
-          <a:p>
-            <a:r>
-              <a:rPr lang="en-US" b="1" dirty="0">
-                <a:solidFill>
-                  <a:schemeClr val="bg1"/>
-                </a:solidFill>
-              </a:rPr>
-              <a:t>Use multi-factor authentication to slow down intruders, </a:t>
-            </a:r>
-          </a:p>
-          <a:p>
-            <a:r>
-              <a:rPr lang="en-US" b="1" dirty="0">
-                <a:solidFill>
-                  <a:schemeClr val="bg1"/>
-                </a:solidFill>
-              </a:rPr>
-              <a:t>	</a:t>
-            </a:r>
-          </a:p>
-          <a:p>
-            <a:r>
-              <a:rPr lang="en-US" b="1" dirty="0">
-                <a:solidFill>
-                  <a:schemeClr val="bg1"/>
-                </a:solidFill>
-              </a:rPr>
-              <a:t>But also to help detect when someone with elevated privilege authenticates into a critical server </a:t>
-            </a:r>
-          </a:p>
-          <a:p>
-            <a:r>
-              <a:rPr lang="en-US" b="1" dirty="0">
-                <a:solidFill>
-                  <a:schemeClr val="bg1"/>
-                </a:solidFill>
-              </a:rPr>
-              <a:t>	Send an alert to your network administrator team whenever there’s a successful login.</a:t>
-            </a:r>
-          </a:p>
-          <a:p>
-            <a:r>
-              <a:rPr lang="en-US" b="1" dirty="0">
-                <a:solidFill>
-                  <a:schemeClr val="bg1"/>
-                </a:solidFill>
-              </a:rPr>
-              <a:t>Implement solutions like the above.</a:t>
-            </a:r>
-          </a:p>
-          <a:p>
-            <a:r>
-              <a:rPr lang="en-US" b="1" dirty="0">
-                <a:solidFill>
-                  <a:schemeClr val="bg1"/>
-                </a:solidFill>
-              </a:rPr>
-              <a:t>	Another e.g. </a:t>
+              <a:t> Prefer minimal base images</a:t>
+            </a:r>
+          </a:p>
+          <a:p>
+            <a:r>
+              <a:rPr lang="en-US" b="1" dirty="0">
+                <a:solidFill>
+                  <a:schemeClr val="bg1"/>
+                </a:solidFill>
+              </a:rPr>
+              <a:t>Use the USER directive to make sure the least privileged is used</a:t>
+            </a:r>
+          </a:p>
+          <a:p>
+            <a:r>
+              <a:rPr lang="en-US" b="1" dirty="0">
+                <a:solidFill>
+                  <a:schemeClr val="bg1"/>
+                </a:solidFill>
+              </a:rPr>
+              <a:t>Sign and verify images to mitigate attacks</a:t>
+            </a:r>
+          </a:p>
+          <a:p>
+            <a:r>
+              <a:rPr lang="en-US" b="1" dirty="0">
+                <a:solidFill>
+                  <a:schemeClr val="bg1"/>
+                </a:solidFill>
+              </a:rPr>
+              <a:t>Find, fix, and monitor for open-source vulnerabilities (</a:t>
             </a:r>
             <a:r>
               <a:rPr lang="en-US" b="1" dirty="0" err="1">
@@ -12320,23 +12263,109 @@
                   <a:schemeClr val="bg1"/>
                 </a:solidFill>
               </a:rPr>
-              <a:t>extemely</a:t>
-            </a:r>
-            <a:r>
-              <a:rPr lang="en-US" b="1" dirty="0">
-                <a:solidFill>
-                  <a:schemeClr val="bg1"/>
-                </a:solidFill>
-              </a:rPr>
-              <a:t> critical login can happen only from a single machine.</a:t>
-            </a:r>
+              <a:t>Snyk</a:t>
+            </a:r>
+            <a:r>
+              <a:rPr lang="en-US" b="1" dirty="0">
+                <a:solidFill>
+                  <a:schemeClr val="bg1"/>
+                </a:solidFill>
+              </a:rPr>
+              <a:t> offers a way to scan and monitor your Docker images too)</a:t>
+            </a:r>
+          </a:p>
+          <a:p>
+            <a:r>
+              <a:rPr lang="en-US" b="1" dirty="0">
+                <a:solidFill>
+                  <a:schemeClr val="bg1"/>
+                </a:solidFill>
+              </a:rPr>
+              <a:t>Don’t leak sensitive information to Docker images</a:t>
+            </a:r>
+          </a:p>
+          <a:p>
+            <a:r>
+              <a:rPr lang="en-US" b="1" dirty="0">
+                <a:solidFill>
+                  <a:schemeClr val="bg1"/>
+                </a:solidFill>
+              </a:rPr>
+              <a:t>Use fixed tags for immutability</a:t>
+            </a:r>
+          </a:p>
+          <a:p>
+            <a:r>
+              <a:rPr lang="en-US" b="1" dirty="0">
+                <a:solidFill>
+                  <a:schemeClr val="bg1"/>
+                </a:solidFill>
+              </a:rPr>
+              <a:t>Use COPY instead of ADD</a:t>
+            </a:r>
+          </a:p>
+          <a:p>
+            <a:r>
+              <a:rPr lang="en-US" b="1" dirty="0">
+                <a:solidFill>
+                  <a:schemeClr val="bg1"/>
+                </a:solidFill>
+              </a:rPr>
+              <a:t>Use metadata labels like maintainer and </a:t>
+            </a:r>
+            <a:r>
+              <a:rPr lang="en-US" b="1" dirty="0" err="1">
+                <a:solidFill>
+                  <a:schemeClr val="bg1"/>
+                </a:solidFill>
+              </a:rPr>
+              <a:t>securitytxt</a:t>
+            </a:r>
+            <a:endParaRPr lang="en-US" b="1" dirty="0">
+              <a:solidFill>
+                <a:schemeClr val="bg1"/>
+              </a:solidFill>
+            </a:endParaRPr>
+          </a:p>
+          <a:p>
+            <a:r>
+              <a:rPr lang="en-US" b="1" dirty="0">
+                <a:solidFill>
+                  <a:schemeClr val="bg1"/>
+                </a:solidFill>
+              </a:rPr>
+              <a:t>Use multi-stage builds for small and secure images</a:t>
+            </a:r>
+          </a:p>
+          <a:p>
+            <a:r>
+              <a:rPr lang="en-US" b="1" dirty="0">
+                <a:solidFill>
+                  <a:schemeClr val="bg1"/>
+                </a:solidFill>
+              </a:rPr>
+              <a:t>Use a linter like </a:t>
+            </a:r>
+            <a:r>
+              <a:rPr lang="en-US" b="1" dirty="0" err="1">
+                <a:solidFill>
+                  <a:schemeClr val="bg1"/>
+                </a:solidFill>
+              </a:rPr>
+              <a:t>hadolint</a:t>
+            </a:r>
+            <a:endParaRPr lang="en-US" b="1" dirty="0">
+              <a:solidFill>
+                <a:schemeClr val="bg1"/>
+              </a:solidFill>
+            </a:endParaRPr>
           </a:p>
         </p:txBody>
       </p:sp>
     </p:spTree>
     <p:extLst>
       <p:ext uri="{BB962C8B-B14F-4D97-AF65-F5344CB8AC3E}">
-        <p14:creationId xmlns:p14="http://schemas.microsoft.com/office/powerpoint/2010/main" val="4228632976"/>
+        <p14:creationId xmlns:p14="http://schemas.microsoft.com/office/powerpoint/2010/main" val="1904339396"/>
       </p:ext>
     </p:extLst>
   </p:cSld>
@@ -12406,255 +12435,6 @@
                   <a:schemeClr val="bg1"/>
                 </a:solidFill>
               </a:rPr>
-              <a:t>Scan Docker and Kubernetes Configuration for Vulnerabilities</a:t>
-            </a:r>
-          </a:p>
-        </p:txBody>
-      </p:sp>
-      <p:sp>
-        <p:nvSpPr>
-          <p:cNvPr id="4" name="TextBox 3">
-            <a:extLst>
-              <a:ext uri="{FF2B5EF4-FFF2-40B4-BE49-F238E27FC236}">
-                <a16:creationId xmlns:a16="http://schemas.microsoft.com/office/drawing/2014/main" id="{A32609F5-383A-417E-B9B0-CE955463E2E4}"/>
-              </a:ext>
-            </a:extLst>
-          </p:cNvPr>
-          <p:cNvSpPr txBox="1"/>
-          <p:nvPr/>
-        </p:nvSpPr>
-        <p:spPr>
-          <a:xfrm>
-            <a:off x="838200" y="1859339"/>
-            <a:ext cx="10515600" cy="3139321"/>
-          </a:xfrm>
-          <a:prstGeom prst="rect">
-            <a:avLst/>
-          </a:prstGeom>
-          <a:noFill/>
-        </p:spPr>
-        <p:txBody>
-          <a:bodyPr wrap="square" rtlCol="0">
-            <a:spAutoFit/>
-          </a:bodyPr>
-          <a:lstStyle/>
-          <a:p>
-            <a:r>
-              <a:rPr lang="en-US" b="1" dirty="0">
-                <a:solidFill>
-                  <a:schemeClr val="bg1"/>
-                </a:solidFill>
-              </a:rPr>
-              <a:t> Prefer minimal base images</a:t>
-            </a:r>
-          </a:p>
-          <a:p>
-            <a:r>
-              <a:rPr lang="en-US" b="1" dirty="0">
-                <a:solidFill>
-                  <a:schemeClr val="bg1"/>
-                </a:solidFill>
-              </a:rPr>
-              <a:t>Use the USER directive to make sure the least privileged is used</a:t>
-            </a:r>
-          </a:p>
-          <a:p>
-            <a:r>
-              <a:rPr lang="en-US" b="1" dirty="0">
-                <a:solidFill>
-                  <a:schemeClr val="bg1"/>
-                </a:solidFill>
-              </a:rPr>
-              <a:t>Sign and verify images to mitigate attacks</a:t>
-            </a:r>
-          </a:p>
-          <a:p>
-            <a:r>
-              <a:rPr lang="en-US" b="1" dirty="0">
-                <a:solidFill>
-                  <a:schemeClr val="bg1"/>
-                </a:solidFill>
-              </a:rPr>
-              <a:t>Find, fix, and monitor for open-source vulnerabilities (</a:t>
-            </a:r>
-            <a:r>
-              <a:rPr lang="en-US" b="1" dirty="0" err="1">
-                <a:solidFill>
-                  <a:schemeClr val="bg1"/>
-                </a:solidFill>
-              </a:rPr>
-              <a:t>Snyk</a:t>
-            </a:r>
-            <a:r>
-              <a:rPr lang="en-US" b="1" dirty="0">
-                <a:solidFill>
-                  <a:schemeClr val="bg1"/>
-                </a:solidFill>
-              </a:rPr>
-              <a:t> offers a way to scan and monitor your Docker images too)</a:t>
-            </a:r>
-          </a:p>
-          <a:p>
-            <a:r>
-              <a:rPr lang="en-US" b="1" dirty="0">
-                <a:solidFill>
-                  <a:schemeClr val="bg1"/>
-                </a:solidFill>
-              </a:rPr>
-              <a:t>Don’t leak sensitive information to Docker images</a:t>
-            </a:r>
-          </a:p>
-          <a:p>
-            <a:r>
-              <a:rPr lang="en-US" b="1" dirty="0">
-                <a:solidFill>
-                  <a:schemeClr val="bg1"/>
-                </a:solidFill>
-              </a:rPr>
-              <a:t>Use fixed tags for immutability</a:t>
-            </a:r>
-          </a:p>
-          <a:p>
-            <a:r>
-              <a:rPr lang="en-US" b="1" dirty="0">
-                <a:solidFill>
-                  <a:schemeClr val="bg1"/>
-                </a:solidFill>
-              </a:rPr>
-              <a:t>Use COPY instead of ADD</a:t>
-            </a:r>
-          </a:p>
-          <a:p>
-            <a:r>
-              <a:rPr lang="en-US" b="1" dirty="0">
-                <a:solidFill>
-                  <a:schemeClr val="bg1"/>
-                </a:solidFill>
-              </a:rPr>
-              <a:t>Use metadata labels like maintainer and </a:t>
-            </a:r>
-            <a:r>
-              <a:rPr lang="en-US" b="1" dirty="0" err="1">
-                <a:solidFill>
-                  <a:schemeClr val="bg1"/>
-                </a:solidFill>
-              </a:rPr>
-              <a:t>securitytxt</a:t>
-            </a:r>
-            <a:endParaRPr lang="en-US" b="1" dirty="0">
-              <a:solidFill>
-                <a:schemeClr val="bg1"/>
-              </a:solidFill>
-            </a:endParaRPr>
-          </a:p>
-          <a:p>
-            <a:r>
-              <a:rPr lang="en-US" b="1" dirty="0">
-                <a:solidFill>
-                  <a:schemeClr val="bg1"/>
-                </a:solidFill>
-              </a:rPr>
-              <a:t>Use multi-stage builds for small and secure images</a:t>
-            </a:r>
-          </a:p>
-          <a:p>
-            <a:r>
-              <a:rPr lang="en-US" b="1" dirty="0">
-                <a:solidFill>
-                  <a:schemeClr val="bg1"/>
-                </a:solidFill>
-              </a:rPr>
-              <a:t>Use a linter like </a:t>
-            </a:r>
-            <a:r>
-              <a:rPr lang="en-US" b="1" dirty="0" err="1">
-                <a:solidFill>
-                  <a:schemeClr val="bg1"/>
-                </a:solidFill>
-              </a:rPr>
-              <a:t>hadolint</a:t>
-            </a:r>
-            <a:endParaRPr lang="en-US" b="1" dirty="0">
-              <a:solidFill>
-                <a:schemeClr val="bg1"/>
-              </a:solidFill>
-            </a:endParaRPr>
-          </a:p>
-        </p:txBody>
-      </p:sp>
-    </p:spTree>
-    <p:extLst>
-      <p:ext uri="{BB962C8B-B14F-4D97-AF65-F5344CB8AC3E}">
-        <p14:creationId xmlns:p14="http://schemas.microsoft.com/office/powerpoint/2010/main" val="1904339396"/>
-      </p:ext>
-    </p:extLst>
-  </p:cSld>
-  <p:clrMapOvr>
-    <a:masterClrMapping/>
-  </p:clrMapOvr>
-</p:sld>
-</file>
-
-<file path=ppt/slides/slide44.xml><?xml version="1.0" encoding="utf-8"?>
-<p:sld xmlns:a="http://schemas.openxmlformats.org/drawingml/2006/main" xmlns:r="http://schemas.openxmlformats.org/officeDocument/2006/relationships" xmlns:p="http://schemas.openxmlformats.org/presentationml/2006/main">
-  <p:cSld>
-    <p:bg>
-      <p:bgPr>
-        <a:solidFill>
-          <a:schemeClr val="tx2">
-            <a:lumMod val="60000"/>
-            <a:lumOff val="40000"/>
-          </a:schemeClr>
-        </a:solidFill>
-        <a:effectLst/>
-      </p:bgPr>
-    </p:bg>
-    <p:spTree>
-      <p:nvGrpSpPr>
-        <p:cNvPr id="1" name=""/>
-        <p:cNvGrpSpPr/>
-        <p:nvPr/>
-      </p:nvGrpSpPr>
-      <p:grpSpPr>
-        <a:xfrm>
-          <a:off x="0" y="0"/>
-          <a:ext cx="0" cy="0"/>
-          <a:chOff x="0" y="0"/>
-          <a:chExt cx="0" cy="0"/>
-        </a:xfrm>
-      </p:grpSpPr>
-      <p:sp>
-        <p:nvSpPr>
-          <p:cNvPr id="2" name="Title 1">
-            <a:extLst>
-              <a:ext uri="{FF2B5EF4-FFF2-40B4-BE49-F238E27FC236}">
-                <a16:creationId xmlns:a16="http://schemas.microsoft.com/office/drawing/2014/main" id="{51F2C05B-3556-493B-855C-1F19ADDBAF69}"/>
-              </a:ext>
-            </a:extLst>
-          </p:cNvPr>
-          <p:cNvSpPr>
-            <a:spLocks noGrp="1"/>
-          </p:cNvSpPr>
-          <p:nvPr>
-            <p:ph type="title"/>
-          </p:nvPr>
-        </p:nvSpPr>
-        <p:spPr>
-          <a:xfrm>
-            <a:off x="838200" y="365125"/>
-            <a:ext cx="11099104" cy="1325563"/>
-          </a:xfrm>
-        </p:spPr>
-        <p:txBody>
-          <a:bodyPr/>
-          <a:lstStyle/>
-          <a:p>
-            <a:r>
-              <a:rPr lang="en-US" b="1" dirty="0">
-                <a:solidFill>
-                  <a:schemeClr val="bg1"/>
-                </a:solidFill>
-              </a:rPr>
               <a:t>Know Your Cloud and Cluster Security</a:t>
             </a:r>
           </a:p>
@@ -12857,7 +12637,7 @@
 </p:sld>
 </file>
 
-<file path=ppt/slides/slide45.xml><?xml version="1.0" encoding="utf-8"?>
+<file path=ppt/slides/slide44.xml><?xml version="1.0" encoding="utf-8"?>
 <p:sld xmlns:a="http://schemas.openxmlformats.org/drawingml/2006/main" xmlns:r="http://schemas.openxmlformats.org/officeDocument/2006/relationships" xmlns:p="http://schemas.openxmlformats.org/presentationml/2006/main">
   <p:cSld>
     <p:bg>

--- a/training/day3/Day3.pptx
+++ b/training/day3/Day3.pptx
@@ -5,7 +5,7 @@
     <p:sldMasterId id="2147483648" r:id="rId1"/>
   </p:sldMasterIdLst>
   <p:notesMasterIdLst>
-    <p:notesMasterId r:id="rId46"/>
+    <p:notesMasterId r:id="rId44"/>
   </p:notesMasterIdLst>
   <p:sldIdLst>
     <p:sldId id="414" r:id="rId2"/>
@@ -15,43 +15,41 @@
     <p:sldId id="433" r:id="rId6"/>
     <p:sldId id="434" r:id="rId7"/>
     <p:sldId id="436" r:id="rId8"/>
-    <p:sldId id="435" r:id="rId9"/>
-    <p:sldId id="437" r:id="rId10"/>
-    <p:sldId id="440" r:id="rId11"/>
-    <p:sldId id="439" r:id="rId12"/>
-    <p:sldId id="438" r:id="rId13"/>
-    <p:sldId id="445" r:id="rId14"/>
-    <p:sldId id="441" r:id="rId15"/>
-    <p:sldId id="442" r:id="rId16"/>
-    <p:sldId id="450" r:id="rId17"/>
-    <p:sldId id="449" r:id="rId18"/>
-    <p:sldId id="451" r:id="rId19"/>
-    <p:sldId id="452" r:id="rId20"/>
-    <p:sldId id="453" r:id="rId21"/>
-    <p:sldId id="446" r:id="rId22"/>
-    <p:sldId id="447" r:id="rId23"/>
-    <p:sldId id="448" r:id="rId24"/>
-    <p:sldId id="455" r:id="rId25"/>
-    <p:sldId id="456" r:id="rId26"/>
-    <p:sldId id="457" r:id="rId27"/>
-    <p:sldId id="458" r:id="rId28"/>
-    <p:sldId id="459" r:id="rId29"/>
-    <p:sldId id="460" r:id="rId30"/>
-    <p:sldId id="461" r:id="rId31"/>
-    <p:sldId id="462" r:id="rId32"/>
-    <p:sldId id="463" r:id="rId33"/>
-    <p:sldId id="467" r:id="rId34"/>
-    <p:sldId id="464" r:id="rId35"/>
-    <p:sldId id="465" r:id="rId36"/>
-    <p:sldId id="466" r:id="rId37"/>
-    <p:sldId id="468" r:id="rId38"/>
-    <p:sldId id="470" r:id="rId39"/>
-    <p:sldId id="471" r:id="rId40"/>
-    <p:sldId id="472" r:id="rId41"/>
-    <p:sldId id="473" r:id="rId42"/>
-    <p:sldId id="474" r:id="rId43"/>
-    <p:sldId id="475" r:id="rId44"/>
-    <p:sldId id="476" r:id="rId45"/>
+    <p:sldId id="437" r:id="rId9"/>
+    <p:sldId id="440" r:id="rId10"/>
+    <p:sldId id="439" r:id="rId11"/>
+    <p:sldId id="438" r:id="rId12"/>
+    <p:sldId id="445" r:id="rId13"/>
+    <p:sldId id="441" r:id="rId14"/>
+    <p:sldId id="442" r:id="rId15"/>
+    <p:sldId id="450" r:id="rId16"/>
+    <p:sldId id="449" r:id="rId17"/>
+    <p:sldId id="451" r:id="rId18"/>
+    <p:sldId id="452" r:id="rId19"/>
+    <p:sldId id="446" r:id="rId20"/>
+    <p:sldId id="447" r:id="rId21"/>
+    <p:sldId id="448" r:id="rId22"/>
+    <p:sldId id="455" r:id="rId23"/>
+    <p:sldId id="456" r:id="rId24"/>
+    <p:sldId id="457" r:id="rId25"/>
+    <p:sldId id="458" r:id="rId26"/>
+    <p:sldId id="459" r:id="rId27"/>
+    <p:sldId id="460" r:id="rId28"/>
+    <p:sldId id="461" r:id="rId29"/>
+    <p:sldId id="462" r:id="rId30"/>
+    <p:sldId id="463" r:id="rId31"/>
+    <p:sldId id="467" r:id="rId32"/>
+    <p:sldId id="464" r:id="rId33"/>
+    <p:sldId id="465" r:id="rId34"/>
+    <p:sldId id="466" r:id="rId35"/>
+    <p:sldId id="468" r:id="rId36"/>
+    <p:sldId id="470" r:id="rId37"/>
+    <p:sldId id="471" r:id="rId38"/>
+    <p:sldId id="472" r:id="rId39"/>
+    <p:sldId id="473" r:id="rId40"/>
+    <p:sldId id="474" r:id="rId41"/>
+    <p:sldId id="475" r:id="rId42"/>
+    <p:sldId id="476" r:id="rId43"/>
   </p:sldIdLst>
   <p:sldSz cx="12192000" cy="6858000"/>
   <p:notesSz cx="6858000" cy="9144000"/>
@@ -240,7 +238,7 @@
           <a:p>
             <a:fld id="{F15A6252-5F50-4106-9C23-9E03A675631E}" type="datetimeFigureOut">
               <a:rPr lang="en-IN" smtClean="0"/>
-              <a:t>06-05-2020</a:t>
+              <a:t>07-05-2020</a:t>
             </a:fld>
             <a:endParaRPr lang="en-IN"/>
           </a:p>
@@ -508,6 +506,90 @@
 </p:notesMaster>
 </file>
 
+<file path=ppt/notesSlides/notesSlide1.xml><?xml version="1.0" encoding="utf-8"?>
+<p:notes xmlns:a="http://schemas.openxmlformats.org/drawingml/2006/main" xmlns:r="http://schemas.openxmlformats.org/officeDocument/2006/relationships" xmlns:p="http://schemas.openxmlformats.org/presentationml/2006/main">
+  <p:cSld>
+    <p:spTree>
+      <p:nvGrpSpPr>
+        <p:cNvPr id="1" name=""/>
+        <p:cNvGrpSpPr/>
+        <p:nvPr/>
+      </p:nvGrpSpPr>
+      <p:grpSpPr>
+        <a:xfrm>
+          <a:off x="0" y="0"/>
+          <a:ext cx="0" cy="0"/>
+          <a:chOff x="0" y="0"/>
+          <a:chExt cx="0" cy="0"/>
+        </a:xfrm>
+      </p:grpSpPr>
+      <p:sp>
+        <p:nvSpPr>
+          <p:cNvPr id="2" name="Slide Image Placeholder 1"/>
+          <p:cNvSpPr>
+            <a:spLocks noGrp="1" noRot="1" noChangeAspect="1"/>
+          </p:cNvSpPr>
+          <p:nvPr>
+            <p:ph type="sldImg"/>
+          </p:nvPr>
+        </p:nvSpPr>
+        <p:spPr/>
+      </p:sp>
+      <p:sp>
+        <p:nvSpPr>
+          <p:cNvPr id="3" name="Notes Placeholder 2"/>
+          <p:cNvSpPr>
+            <a:spLocks noGrp="1"/>
+          </p:cNvSpPr>
+          <p:nvPr>
+            <p:ph type="body" idx="1"/>
+          </p:nvPr>
+        </p:nvSpPr>
+        <p:spPr/>
+        <p:txBody>
+          <a:bodyPr/>
+          <a:lstStyle/>
+          <a:p>
+            <a:endParaRPr lang="en-IN" dirty="0"/>
+          </a:p>
+        </p:txBody>
+      </p:sp>
+      <p:sp>
+        <p:nvSpPr>
+          <p:cNvPr id="4" name="Slide Number Placeholder 3"/>
+          <p:cNvSpPr>
+            <a:spLocks noGrp="1"/>
+          </p:cNvSpPr>
+          <p:nvPr>
+            <p:ph type="sldNum" sz="quarter" idx="5"/>
+          </p:nvPr>
+        </p:nvSpPr>
+        <p:spPr/>
+        <p:txBody>
+          <a:bodyPr/>
+          <a:lstStyle/>
+          <a:p>
+            <a:fld id="{9B3CEC36-385F-48D4-8D43-C67229F8A2A2}" type="slidenum">
+              <a:rPr lang="en-IN" smtClean="0"/>
+              <a:t>9</a:t>
+            </a:fld>
+            <a:endParaRPr lang="en-IN"/>
+          </a:p>
+        </p:txBody>
+      </p:sp>
+    </p:spTree>
+    <p:extLst>
+      <p:ext uri="{BB962C8B-B14F-4D97-AF65-F5344CB8AC3E}">
+        <p14:creationId xmlns:p14="http://schemas.microsoft.com/office/powerpoint/2010/main" val="3294950017"/>
+      </p:ext>
+    </p:extLst>
+  </p:cSld>
+  <p:clrMapOvr>
+    <a:masterClrMapping/>
+  </p:clrMapOvr>
+</p:notes>
+</file>
+
 <file path=ppt/slideLayouts/slideLayout1.xml><?xml version="1.0" encoding="utf-8"?>
 <p:sldLayout xmlns:a="http://schemas.openxmlformats.org/drawingml/2006/main" xmlns:r="http://schemas.openxmlformats.org/officeDocument/2006/relationships" xmlns:p="http://schemas.openxmlformats.org/presentationml/2006/main" type="title" preserve="1">
   <p:cSld name="Title Slide">
@@ -657,7 +739,7 @@
           <a:p>
             <a:fld id="{4086692B-153F-4DFE-BFBD-A2AE2C7443B6}" type="datetimeFigureOut">
               <a:rPr lang="en-IN" smtClean="0"/>
-              <a:t>06-05-2020</a:t>
+              <a:t>07-05-2020</a:t>
             </a:fld>
             <a:endParaRPr lang="en-IN"/>
           </a:p>
@@ -857,7 +939,7 @@
           <a:p>
             <a:fld id="{4086692B-153F-4DFE-BFBD-A2AE2C7443B6}" type="datetimeFigureOut">
               <a:rPr lang="en-IN" smtClean="0"/>
-              <a:t>06-05-2020</a:t>
+              <a:t>07-05-2020</a:t>
             </a:fld>
             <a:endParaRPr lang="en-IN"/>
           </a:p>
@@ -1067,7 +1149,7 @@
           <a:p>
             <a:fld id="{4086692B-153F-4DFE-BFBD-A2AE2C7443B6}" type="datetimeFigureOut">
               <a:rPr lang="en-IN" smtClean="0"/>
-              <a:t>06-05-2020</a:t>
+              <a:t>07-05-2020</a:t>
             </a:fld>
             <a:endParaRPr lang="en-IN"/>
           </a:p>
@@ -1267,7 +1349,7 @@
           <a:p>
             <a:fld id="{4086692B-153F-4DFE-BFBD-A2AE2C7443B6}" type="datetimeFigureOut">
               <a:rPr lang="en-IN" smtClean="0"/>
-              <a:t>06-05-2020</a:t>
+              <a:t>07-05-2020</a:t>
             </a:fld>
             <a:endParaRPr lang="en-IN"/>
           </a:p>
@@ -1543,7 +1625,7 @@
           <a:p>
             <a:fld id="{4086692B-153F-4DFE-BFBD-A2AE2C7443B6}" type="datetimeFigureOut">
               <a:rPr lang="en-IN" smtClean="0"/>
-              <a:t>06-05-2020</a:t>
+              <a:t>07-05-2020</a:t>
             </a:fld>
             <a:endParaRPr lang="en-IN"/>
           </a:p>
@@ -1811,7 +1893,7 @@
           <a:p>
             <a:fld id="{4086692B-153F-4DFE-BFBD-A2AE2C7443B6}" type="datetimeFigureOut">
               <a:rPr lang="en-IN" smtClean="0"/>
-              <a:t>06-05-2020</a:t>
+              <a:t>07-05-2020</a:t>
             </a:fld>
             <a:endParaRPr lang="en-IN"/>
           </a:p>
@@ -2226,7 +2308,7 @@
           <a:p>
             <a:fld id="{4086692B-153F-4DFE-BFBD-A2AE2C7443B6}" type="datetimeFigureOut">
               <a:rPr lang="en-IN" smtClean="0"/>
-              <a:t>06-05-2020</a:t>
+              <a:t>07-05-2020</a:t>
             </a:fld>
             <a:endParaRPr lang="en-IN"/>
           </a:p>
@@ -2368,7 +2450,7 @@
           <a:p>
             <a:fld id="{4086692B-153F-4DFE-BFBD-A2AE2C7443B6}" type="datetimeFigureOut">
               <a:rPr lang="en-IN" smtClean="0"/>
-              <a:t>06-05-2020</a:t>
+              <a:t>07-05-2020</a:t>
             </a:fld>
             <a:endParaRPr lang="en-IN"/>
           </a:p>
@@ -2481,7 +2563,7 @@
           <a:p>
             <a:fld id="{4086692B-153F-4DFE-BFBD-A2AE2C7443B6}" type="datetimeFigureOut">
               <a:rPr lang="en-IN" smtClean="0"/>
-              <a:t>06-05-2020</a:t>
+              <a:t>07-05-2020</a:t>
             </a:fld>
             <a:endParaRPr lang="en-IN"/>
           </a:p>
@@ -2794,7 +2876,7 @@
           <a:p>
             <a:fld id="{4086692B-153F-4DFE-BFBD-A2AE2C7443B6}" type="datetimeFigureOut">
               <a:rPr lang="en-IN" smtClean="0"/>
-              <a:t>06-05-2020</a:t>
+              <a:t>07-05-2020</a:t>
             </a:fld>
             <a:endParaRPr lang="en-IN"/>
           </a:p>
@@ -3083,7 +3165,7 @@
           <a:p>
             <a:fld id="{4086692B-153F-4DFE-BFBD-A2AE2C7443B6}" type="datetimeFigureOut">
               <a:rPr lang="en-IN" smtClean="0"/>
-              <a:t>06-05-2020</a:t>
+              <a:t>07-05-2020</a:t>
             </a:fld>
             <a:endParaRPr lang="en-IN"/>
           </a:p>
@@ -3326,7 +3408,7 @@
           <a:p>
             <a:fld id="{4086692B-153F-4DFE-BFBD-A2AE2C7443B6}" type="datetimeFigureOut">
               <a:rPr lang="en-IN" smtClean="0"/>
-              <a:t>06-05-2020</a:t>
+              <a:t>07-05-2020</a:t>
             </a:fld>
             <a:endParaRPr lang="en-IN"/>
           </a:p>
@@ -4063,214 +4145,62 @@
                   <a:schemeClr val="bg1"/>
                 </a:solidFill>
               </a:rPr>
-              <a:t>Architecture</a:t>
-            </a:r>
-          </a:p>
-        </p:txBody>
-      </p:sp>
-      <p:sp>
-        <p:nvSpPr>
-          <p:cNvPr id="4" name="TextBox 3">
-            <a:extLst>
-              <a:ext uri="{FF2B5EF4-FFF2-40B4-BE49-F238E27FC236}">
-                <a16:creationId xmlns:a16="http://schemas.microsoft.com/office/drawing/2014/main" id="{A32609F5-383A-417E-B9B0-CE955463E2E4}"/>
-              </a:ext>
-            </a:extLst>
-          </p:cNvPr>
-          <p:cNvSpPr txBox="1"/>
+              <a:t>Client Registration</a:t>
+            </a:r>
+          </a:p>
+        </p:txBody>
+      </p:sp>
+      <p:pic>
+        <p:nvPicPr>
+          <p:cNvPr id="4098" name="Picture 2" descr="Figure 2. Client registration">
+            <a:extLst>
+              <a:ext uri="{FF2B5EF4-FFF2-40B4-BE49-F238E27FC236}">
+                <a16:creationId xmlns:a16="http://schemas.microsoft.com/office/drawing/2014/main" id="{CEC19323-DBFF-480F-B823-285B67FED708}"/>
+              </a:ext>
+            </a:extLst>
+          </p:cNvPr>
+          <p:cNvPicPr>
+            <a:picLocks noChangeAspect="1" noChangeArrowheads="1"/>
+          </p:cNvPicPr>
           <p:nvPr/>
-        </p:nvSpPr>
-        <p:spPr>
+        </p:nvPicPr>
+        <p:blipFill>
+          <a:blip r:embed="rId2">
+            <a:extLst>
+              <a:ext uri="{28A0092B-C50C-407E-A947-70E740481C1C}">
+                <a14:useLocalDpi xmlns:a14="http://schemas.microsoft.com/office/drawing/2010/main" val="0"/>
+              </a:ext>
+            </a:extLst>
+          </a:blip>
+          <a:srcRect/>
+          <a:stretch>
+            <a:fillRect/>
+          </a:stretch>
+        </p:blipFill>
+        <p:spPr bwMode="auto">
           <a:xfrm>
-            <a:off x="838200" y="1639662"/>
-            <a:ext cx="10515600" cy="4801314"/>
+            <a:off x="3905250" y="1779687"/>
+            <a:ext cx="4381500" cy="3293056"/>
           </a:xfrm>
           <a:prstGeom prst="rect">
             <a:avLst/>
           </a:prstGeom>
           <a:noFill/>
+          <a:extLst>
+            <a:ext uri="{909E8E84-426E-40DD-AFC4-6F175D3DCCD1}">
+              <a14:hiddenFill xmlns:a14="http://schemas.microsoft.com/office/drawing/2010/main">
+                <a:solidFill>
+                  <a:srgbClr val="FFFFFF"/>
+                </a:solidFill>
+              </a14:hiddenFill>
+            </a:ext>
+          </a:extLst>
         </p:spPr>
-        <p:txBody>
-          <a:bodyPr wrap="square" rtlCol="0">
-            <a:spAutoFit/>
-          </a:bodyPr>
-          <a:lstStyle/>
-          <a:p>
-            <a:r>
-              <a:rPr lang="en-US" b="1" dirty="0">
-                <a:solidFill>
-                  <a:schemeClr val="bg1"/>
-                </a:solidFill>
-              </a:rPr>
-              <a:t>Eureka system </a:t>
-            </a:r>
-          </a:p>
-          <a:p>
-            <a:r>
-              <a:rPr lang="en-US" b="1" dirty="0">
-                <a:solidFill>
-                  <a:schemeClr val="bg1"/>
-                </a:solidFill>
-              </a:rPr>
-              <a:t>	consists of a write and read cluster. </a:t>
-            </a:r>
-          </a:p>
-          <a:p>
-            <a:r>
-              <a:rPr lang="en-US" b="1" dirty="0">
-                <a:solidFill>
-                  <a:schemeClr val="bg1"/>
-                </a:solidFill>
-              </a:rPr>
-              <a:t>The write cluster </a:t>
-            </a:r>
-          </a:p>
-          <a:p>
-            <a:r>
-              <a:rPr lang="en-US" b="1" dirty="0">
-                <a:solidFill>
-                  <a:schemeClr val="bg1"/>
-                </a:solidFill>
-              </a:rPr>
-              <a:t>	stateful subsystem, </a:t>
-            </a:r>
-          </a:p>
-          <a:p>
-            <a:r>
-              <a:rPr lang="en-US" b="1" dirty="0">
-                <a:solidFill>
-                  <a:schemeClr val="bg1"/>
-                </a:solidFill>
-              </a:rPr>
-              <a:t>	which handles client registrations </a:t>
-            </a:r>
-          </a:p>
-          <a:p>
-            <a:r>
-              <a:rPr lang="en-US" b="1" dirty="0">
-                <a:solidFill>
-                  <a:schemeClr val="bg1"/>
-                </a:solidFill>
-              </a:rPr>
-              <a:t>	maintains internal service registry. </a:t>
-            </a:r>
-          </a:p>
-          <a:p>
-            <a:r>
-              <a:rPr lang="en-US" b="1" dirty="0">
-                <a:solidFill>
-                  <a:schemeClr val="bg1"/>
-                </a:solidFill>
-              </a:rPr>
-              <a:t>The registry content </a:t>
-            </a:r>
-          </a:p>
-          <a:p>
-            <a:r>
-              <a:rPr lang="en-US" b="1" dirty="0">
-                <a:solidFill>
-                  <a:schemeClr val="bg1"/>
-                </a:solidFill>
-              </a:rPr>
-              <a:t>	replicated between the all write server nodes in an eventually consistent manner. </a:t>
-            </a:r>
-          </a:p>
-          <a:p>
-            <a:r>
-              <a:rPr lang="en-US" b="1" dirty="0">
-                <a:solidFill>
-                  <a:schemeClr val="bg1"/>
-                </a:solidFill>
-              </a:rPr>
-              <a:t>The write cluster's registry content is read by the read cluster</a:t>
-            </a:r>
-          </a:p>
-          <a:p>
-            <a:r>
-              <a:rPr lang="en-US" b="1" dirty="0">
-                <a:solidFill>
-                  <a:schemeClr val="bg1"/>
-                </a:solidFill>
-              </a:rPr>
-              <a:t>	ultimately is used by the Eureka clients. </a:t>
-            </a:r>
-          </a:p>
-          <a:p>
-            <a:r>
-              <a:rPr lang="en-US" b="1" dirty="0">
-                <a:solidFill>
-                  <a:schemeClr val="bg1"/>
-                </a:solidFill>
-              </a:rPr>
-              <a:t>Read cluster </a:t>
-            </a:r>
-          </a:p>
-          <a:p>
-            <a:r>
-              <a:rPr lang="en-US" b="1" dirty="0">
-                <a:solidFill>
-                  <a:schemeClr val="bg1"/>
-                </a:solidFill>
-              </a:rPr>
-              <a:t>	is a cache layer, </a:t>
-            </a:r>
-          </a:p>
-          <a:p>
-            <a:r>
-              <a:rPr lang="en-US" b="1" dirty="0">
-                <a:solidFill>
-                  <a:schemeClr val="bg1"/>
-                </a:solidFill>
-              </a:rPr>
-              <a:t>	can be easily, and rapidly scaled out/in </a:t>
-            </a:r>
-          </a:p>
-          <a:p>
-            <a:r>
-              <a:rPr lang="en-US" b="1" dirty="0">
-                <a:solidFill>
-                  <a:schemeClr val="bg1"/>
-                </a:solidFill>
-              </a:rPr>
-              <a:t>The write cluster </a:t>
-            </a:r>
-          </a:p>
-          <a:p>
-            <a:r>
-              <a:rPr lang="en-US" b="1" dirty="0">
-                <a:solidFill>
-                  <a:schemeClr val="bg1"/>
-                </a:solidFill>
-              </a:rPr>
-              <a:t>	should be pre-scaled with a capacity enough to handle the peek/busy hour traffic. </a:t>
-            </a:r>
-          </a:p>
-          <a:p>
-            <a:r>
-              <a:rPr lang="en-US" b="1" dirty="0">
-                <a:solidFill>
-                  <a:schemeClr val="bg1"/>
-                </a:solidFill>
-              </a:rPr>
-              <a:t>	Scale out requires re-balancing (eventually balanced)</a:t>
-            </a:r>
-          </a:p>
-          <a:p>
-            <a:r>
-              <a:rPr lang="en-US" b="1" dirty="0">
-                <a:solidFill>
-                  <a:schemeClr val="bg1"/>
-                </a:solidFill>
-              </a:rPr>
-              <a:t>	Scale down will force terminated clients to re-register</a:t>
-            </a:r>
-          </a:p>
-        </p:txBody>
-      </p:sp>
+      </p:pic>
     </p:spTree>
     <p:extLst>
       <p:ext uri="{BB962C8B-B14F-4D97-AF65-F5344CB8AC3E}">
-        <p14:creationId xmlns:p14="http://schemas.microsoft.com/office/powerpoint/2010/main" val="3187117589"/>
+        <p14:creationId xmlns:p14="http://schemas.microsoft.com/office/powerpoint/2010/main" val="2453228912"/>
       </p:ext>
     </p:extLst>
   </p:cSld>
@@ -4345,57 +4275,169 @@
           </a:p>
         </p:txBody>
       </p:sp>
-      <p:pic>
-        <p:nvPicPr>
-          <p:cNvPr id="4098" name="Picture 2" descr="Figure 2. Client registration">
-            <a:extLst>
-              <a:ext uri="{FF2B5EF4-FFF2-40B4-BE49-F238E27FC236}">
-                <a16:creationId xmlns:a16="http://schemas.microsoft.com/office/drawing/2014/main" id="{CEC19323-DBFF-480F-B823-285B67FED708}"/>
-              </a:ext>
-            </a:extLst>
-          </p:cNvPr>
-          <p:cNvPicPr>
-            <a:picLocks noChangeAspect="1" noChangeArrowheads="1"/>
-          </p:cNvPicPr>
+      <p:sp>
+        <p:nvSpPr>
+          <p:cNvPr id="4" name="TextBox 3">
+            <a:extLst>
+              <a:ext uri="{FF2B5EF4-FFF2-40B4-BE49-F238E27FC236}">
+                <a16:creationId xmlns:a16="http://schemas.microsoft.com/office/drawing/2014/main" id="{A32609F5-383A-417E-B9B0-CE955463E2E4}"/>
+              </a:ext>
+            </a:extLst>
+          </p:cNvPr>
+          <p:cNvSpPr txBox="1"/>
           <p:nvPr/>
-        </p:nvPicPr>
-        <p:blipFill>
-          <a:blip r:embed="rId2">
-            <a:extLst>
-              <a:ext uri="{28A0092B-C50C-407E-A947-70E740481C1C}">
-                <a14:useLocalDpi xmlns:a14="http://schemas.microsoft.com/office/drawing/2010/main" val="0"/>
-              </a:ext>
-            </a:extLst>
-          </a:blip>
-          <a:srcRect/>
-          <a:stretch>
-            <a:fillRect/>
-          </a:stretch>
-        </p:blipFill>
-        <p:spPr bwMode="auto">
+        </p:nvSpPr>
+        <p:spPr>
           <a:xfrm>
-            <a:off x="3905250" y="1779687"/>
-            <a:ext cx="4381500" cy="3293056"/>
+            <a:off x="838200" y="1484222"/>
+            <a:ext cx="10515600" cy="3693319"/>
           </a:xfrm>
           <a:prstGeom prst="rect">
             <a:avLst/>
           </a:prstGeom>
           <a:noFill/>
-          <a:extLst>
-            <a:ext uri="{909E8E84-426E-40DD-AFC4-6F175D3DCCD1}">
-              <a14:hiddenFill xmlns:a14="http://schemas.microsoft.com/office/drawing/2010/main">
-                <a:solidFill>
-                  <a:srgbClr val="FFFFFF"/>
-                </a:solidFill>
-              </a14:hiddenFill>
-            </a:ext>
-          </a:extLst>
         </p:spPr>
-      </p:pic>
+        <p:txBody>
+          <a:bodyPr wrap="square" rtlCol="0">
+            <a:spAutoFit/>
+          </a:bodyPr>
+          <a:lstStyle/>
+          <a:p>
+            <a:r>
+              <a:rPr lang="en-US" b="1" dirty="0">
+                <a:solidFill>
+                  <a:schemeClr val="bg1"/>
+                </a:solidFill>
+              </a:rPr>
+              <a:t>Eureka clients </a:t>
+            </a:r>
+          </a:p>
+          <a:p>
+            <a:r>
+              <a:rPr lang="en-US" b="1" dirty="0">
+                <a:solidFill>
+                  <a:schemeClr val="bg1"/>
+                </a:solidFill>
+              </a:rPr>
+              <a:t>	register themselves to be discoverable. </a:t>
+            </a:r>
+          </a:p>
+          <a:p>
+            <a:r>
+              <a:rPr lang="en-US" b="1" dirty="0">
+                <a:solidFill>
+                  <a:schemeClr val="bg1"/>
+                </a:solidFill>
+              </a:rPr>
+              <a:t>Registrations include </a:t>
+            </a:r>
+          </a:p>
+          <a:p>
+            <a:r>
+              <a:rPr lang="en-US" b="1" dirty="0">
+                <a:solidFill>
+                  <a:schemeClr val="bg1"/>
+                </a:solidFill>
+              </a:rPr>
+              <a:t>	discoverable identifiers </a:t>
+            </a:r>
+          </a:p>
+          <a:p>
+            <a:r>
+              <a:rPr lang="en-US" b="1" dirty="0">
+                <a:solidFill>
+                  <a:schemeClr val="bg1"/>
+                </a:solidFill>
+              </a:rPr>
+              <a:t>	service status, </a:t>
+            </a:r>
+          </a:p>
+          <a:p>
+            <a:r>
+              <a:rPr lang="en-US" b="1" dirty="0">
+                <a:solidFill>
+                  <a:schemeClr val="bg1"/>
+                </a:solidFill>
+              </a:rPr>
+              <a:t>	optional freeform metadata. </a:t>
+            </a:r>
+          </a:p>
+          <a:p>
+            <a:r>
+              <a:rPr lang="en-US" b="1" dirty="0">
+                <a:solidFill>
+                  <a:schemeClr val="bg1"/>
+                </a:solidFill>
+              </a:rPr>
+              <a:t>Multiple instances of the same client </a:t>
+            </a:r>
+          </a:p>
+          <a:p>
+            <a:r>
+              <a:rPr lang="en-US" b="1" dirty="0">
+                <a:solidFill>
+                  <a:schemeClr val="bg1"/>
+                </a:solidFill>
+              </a:rPr>
+              <a:t>	spring.application.name will remain the same.</a:t>
+            </a:r>
+          </a:p>
+          <a:p>
+            <a:r>
+              <a:rPr lang="en-US" b="1" dirty="0">
+                <a:solidFill>
+                  <a:schemeClr val="bg1"/>
+                </a:solidFill>
+              </a:rPr>
+              <a:t>	Can register itself with Eureka server</a:t>
+            </a:r>
+          </a:p>
+          <a:p>
+            <a:r>
+              <a:rPr lang="en-US" b="1" dirty="0">
+                <a:solidFill>
+                  <a:schemeClr val="bg1"/>
+                </a:solidFill>
+              </a:rPr>
+              <a:t>	Each registration is handled over a separate connection to the write server</a:t>
+            </a:r>
+          </a:p>
+          <a:p>
+            <a:r>
+              <a:rPr lang="en-US" b="1" dirty="0">
+                <a:solidFill>
+                  <a:schemeClr val="bg1"/>
+                </a:solidFill>
+              </a:rPr>
+              <a:t>	As the connection status itself denotes the service liveness. </a:t>
+            </a:r>
+          </a:p>
+          <a:p>
+            <a:r>
+              <a:rPr lang="en-US" b="1" dirty="0">
+                <a:solidFill>
+                  <a:schemeClr val="bg1"/>
+                </a:solidFill>
+              </a:rPr>
+              <a:t>	Software heartbeats at the Eureka level is used to determine connection liveness </a:t>
+            </a:r>
+          </a:p>
+          <a:p>
+            <a:r>
+              <a:rPr lang="en-US" b="1" dirty="0">
+                <a:solidFill>
+                  <a:schemeClr val="bg1"/>
+                </a:solidFill>
+              </a:rPr>
+              <a:t>	as network stacks in virtualized environments are not 100% trustworthy. </a:t>
+            </a:r>
+          </a:p>
+        </p:txBody>
+      </p:sp>
     </p:spTree>
     <p:extLst>
       <p:ext uri="{BB962C8B-B14F-4D97-AF65-F5344CB8AC3E}">
-        <p14:creationId xmlns:p14="http://schemas.microsoft.com/office/powerpoint/2010/main" val="2453228912"/>
+        <p14:creationId xmlns:p14="http://schemas.microsoft.com/office/powerpoint/2010/main" val="4139057196"/>
       </p:ext>
     </p:extLst>
   </p:cSld>
@@ -4465,7 +4507,7 @@
                   <a:schemeClr val="bg1"/>
                 </a:solidFill>
               </a:rPr>
-              <a:t>Client Registration</a:t>
+              <a:t>Client Update and removal</a:t>
             </a:r>
           </a:p>
         </p:txBody>
@@ -4484,8 +4526,8 @@
         </p:nvSpPr>
         <p:spPr>
           <a:xfrm>
-            <a:off x="838200" y="1484222"/>
-            <a:ext cx="10515600" cy="3693319"/>
+            <a:off x="838200" y="1779687"/>
+            <a:ext cx="10515600" cy="2862322"/>
           </a:xfrm>
           <a:prstGeom prst="rect">
             <a:avLst/>
@@ -4504,127 +4546,99 @@
                   <a:schemeClr val="bg1"/>
                 </a:solidFill>
               </a:rPr>
-              <a:t>Eureka clients </a:t>
-            </a:r>
-          </a:p>
-          <a:p>
-            <a:r>
-              <a:rPr lang="en-US" b="1" dirty="0">
-                <a:solidFill>
-                  <a:schemeClr val="bg1"/>
-                </a:solidFill>
-              </a:rPr>
-              <a:t>	register themselves to be discoverable. </a:t>
-            </a:r>
-          </a:p>
-          <a:p>
-            <a:r>
-              <a:rPr lang="en-US" b="1" dirty="0">
-                <a:solidFill>
-                  <a:schemeClr val="bg1"/>
-                </a:solidFill>
-              </a:rPr>
-              <a:t>Registrations include </a:t>
-            </a:r>
-          </a:p>
-          <a:p>
-            <a:r>
-              <a:rPr lang="en-US" b="1" dirty="0">
-                <a:solidFill>
-                  <a:schemeClr val="bg1"/>
-                </a:solidFill>
-              </a:rPr>
-              <a:t>	discoverable identifiers </a:t>
-            </a:r>
-          </a:p>
-          <a:p>
-            <a:r>
-              <a:rPr lang="en-US" b="1" dirty="0">
-                <a:solidFill>
-                  <a:schemeClr val="bg1"/>
-                </a:solidFill>
-              </a:rPr>
-              <a:t>	service status, </a:t>
-            </a:r>
-          </a:p>
-          <a:p>
-            <a:r>
-              <a:rPr lang="en-US" b="1" dirty="0">
-                <a:solidFill>
-                  <a:schemeClr val="bg1"/>
-                </a:solidFill>
-              </a:rPr>
-              <a:t>	optional freeform metadata. </a:t>
-            </a:r>
-          </a:p>
-          <a:p>
-            <a:r>
-              <a:rPr lang="en-US" b="1" dirty="0">
-                <a:solidFill>
-                  <a:schemeClr val="bg1"/>
-                </a:solidFill>
-              </a:rPr>
-              <a:t>Multiple instances of the same client </a:t>
-            </a:r>
-          </a:p>
-          <a:p>
-            <a:r>
-              <a:rPr lang="en-US" b="1" dirty="0">
-                <a:solidFill>
-                  <a:schemeClr val="bg1"/>
-                </a:solidFill>
-              </a:rPr>
-              <a:t>	spring.application.name will remain the same.</a:t>
-            </a:r>
-          </a:p>
-          <a:p>
-            <a:r>
-              <a:rPr lang="en-US" b="1" dirty="0">
-                <a:solidFill>
-                  <a:schemeClr val="bg1"/>
-                </a:solidFill>
-              </a:rPr>
-              <a:t>	Can register itself with Eureka server</a:t>
-            </a:r>
-          </a:p>
-          <a:p>
-            <a:r>
-              <a:rPr lang="en-US" b="1" dirty="0">
-                <a:solidFill>
-                  <a:schemeClr val="bg1"/>
-                </a:solidFill>
-              </a:rPr>
-              <a:t>	Each registration is handled over a separate connection to the write server</a:t>
-            </a:r>
-          </a:p>
-          <a:p>
-            <a:r>
-              <a:rPr lang="en-US" b="1" dirty="0">
-                <a:solidFill>
-                  <a:schemeClr val="bg1"/>
-                </a:solidFill>
-              </a:rPr>
-              <a:t>	As the connection status itself denotes the service liveness. </a:t>
-            </a:r>
-          </a:p>
-          <a:p>
-            <a:r>
-              <a:rPr lang="en-US" b="1" dirty="0">
-                <a:solidFill>
-                  <a:schemeClr val="bg1"/>
-                </a:solidFill>
-              </a:rPr>
-              <a:t>	Software heartbeats at the Eureka level is used to determine connection liveness </a:t>
-            </a:r>
-          </a:p>
-          <a:p>
-            <a:r>
-              <a:rPr lang="en-US" b="1" dirty="0">
-                <a:solidFill>
-                  <a:schemeClr val="bg1"/>
-                </a:solidFill>
-              </a:rPr>
-              <a:t>	as network stacks in virtualized environments are not 100% trustworthy. </a:t>
+              <a:t>After the registration, </a:t>
+            </a:r>
+          </a:p>
+          <a:p>
+            <a:r>
+              <a:rPr lang="en-US" b="1" dirty="0">
+                <a:solidFill>
+                  <a:schemeClr val="bg1"/>
+                </a:solidFill>
+              </a:rPr>
+              <a:t>	the client can send any number of update requests</a:t>
+            </a:r>
+          </a:p>
+          <a:p>
+            <a:r>
+              <a:rPr lang="en-US" b="1" dirty="0">
+                <a:solidFill>
+                  <a:schemeClr val="bg1"/>
+                </a:solidFill>
+              </a:rPr>
+              <a:t>	changing its instance data. </a:t>
+            </a:r>
+          </a:p>
+          <a:p>
+            <a:r>
+              <a:rPr lang="en-US" b="1" dirty="0">
+                <a:solidFill>
+                  <a:schemeClr val="bg1"/>
+                </a:solidFill>
+              </a:rPr>
+              <a:t>	For e.g. scale out/in update requests.</a:t>
+            </a:r>
+            <a:endParaRPr lang="en-US" dirty="0">
+              <a:solidFill>
+                <a:schemeClr val="bg1"/>
+              </a:solidFill>
+            </a:endParaRPr>
+          </a:p>
+          <a:p>
+            <a:endParaRPr lang="en-US" b="1" dirty="0">
+              <a:solidFill>
+                <a:schemeClr val="bg1"/>
+              </a:solidFill>
+            </a:endParaRPr>
+          </a:p>
+          <a:p>
+            <a:r>
+              <a:rPr lang="en-US" b="1" dirty="0">
+                <a:solidFill>
+                  <a:schemeClr val="bg1"/>
+                </a:solidFill>
+              </a:rPr>
+              <a:t>If a connection is lost</a:t>
+            </a:r>
+          </a:p>
+          <a:p>
+            <a:r>
+              <a:rPr lang="en-US" b="1" dirty="0">
+                <a:solidFill>
+                  <a:schemeClr val="bg1"/>
+                </a:solidFill>
+              </a:rPr>
+              <a:t>	the registration entry in the write cluster registry is put into the eviction queue</a:t>
+            </a:r>
+          </a:p>
+          <a:p>
+            <a:r>
+              <a:rPr lang="en-US" b="1" dirty="0">
+                <a:solidFill>
+                  <a:schemeClr val="bg1"/>
+                </a:solidFill>
+              </a:rPr>
+              <a:t>	and ultimately remove from the registry. </a:t>
+            </a:r>
+          </a:p>
+          <a:p>
+            <a:r>
+              <a:rPr lang="en-US" b="1" dirty="0">
+                <a:solidFill>
+                  <a:schemeClr val="bg1"/>
+                </a:solidFill>
+              </a:rPr>
+              <a:t>	Well behaving clients should always send unregister request prior to disconnecting. </a:t>
+            </a:r>
+          </a:p>
+          <a:p>
+            <a:r>
+              <a:rPr lang="en-US" b="1" dirty="0">
+                <a:solidFill>
+                  <a:schemeClr val="bg1"/>
+                </a:solidFill>
+              </a:rPr>
+              <a:t>	This will result in immediate removal of the service from the registry. </a:t>
             </a:r>
           </a:p>
         </p:txBody>
@@ -4632,7 +4646,7 @@
     </p:spTree>
     <p:extLst>
       <p:ext uri="{BB962C8B-B14F-4D97-AF65-F5344CB8AC3E}">
-        <p14:creationId xmlns:p14="http://schemas.microsoft.com/office/powerpoint/2010/main" val="4139057196"/>
+        <p14:creationId xmlns:p14="http://schemas.microsoft.com/office/powerpoint/2010/main" val="4027824652"/>
       </p:ext>
     </p:extLst>
   </p:cSld>
@@ -4702,7 +4716,7 @@
                   <a:schemeClr val="bg1"/>
                 </a:solidFill>
               </a:rPr>
-              <a:t>Client Update and removal</a:t>
+              <a:t>Service Discovery</a:t>
             </a:r>
           </a:p>
         </p:txBody>
@@ -4722,7 +4736,7 @@
         <p:spPr>
           <a:xfrm>
             <a:off x="838200" y="1779687"/>
-            <a:ext cx="10515600" cy="2862322"/>
+            <a:ext cx="10515600" cy="369332"/>
           </a:xfrm>
           <a:prstGeom prst="rect">
             <a:avLst/>
@@ -4735,113 +4749,65 @@
           </a:bodyPr>
           <a:lstStyle/>
           <a:p>
-            <a:r>
-              <a:rPr lang="en-US" b="1" dirty="0">
-                <a:solidFill>
-                  <a:schemeClr val="bg1"/>
-                </a:solidFill>
-              </a:rPr>
-              <a:t>After the registration, </a:t>
-            </a:r>
-          </a:p>
-          <a:p>
-            <a:r>
-              <a:rPr lang="en-US" b="1" dirty="0">
-                <a:solidFill>
-                  <a:schemeClr val="bg1"/>
-                </a:solidFill>
-              </a:rPr>
-              <a:t>	the client can send any number of update requests, </a:t>
-            </a:r>
-          </a:p>
-          <a:p>
-            <a:r>
-              <a:rPr lang="en-US" b="1" dirty="0">
-                <a:solidFill>
-                  <a:schemeClr val="bg1"/>
-                </a:solidFill>
-              </a:rPr>
-              <a:t>	changing its instance data. </a:t>
-            </a:r>
-          </a:p>
-          <a:p>
-            <a:r>
-              <a:rPr lang="en-US" b="1" dirty="0">
-                <a:solidFill>
-                  <a:schemeClr val="bg1"/>
-                </a:solidFill>
-              </a:rPr>
-              <a:t>	For e.g. scale out/in update requests.</a:t>
-            </a:r>
             <a:endParaRPr lang="en-US" dirty="0">
               <a:solidFill>
                 <a:schemeClr val="bg1"/>
               </a:solidFill>
             </a:endParaRPr>
           </a:p>
-          <a:p>
-            <a:endParaRPr lang="en-US" b="1" dirty="0">
-              <a:solidFill>
-                <a:schemeClr val="bg1"/>
-              </a:solidFill>
-            </a:endParaRPr>
-          </a:p>
-          <a:p>
-            <a:r>
-              <a:rPr lang="en-US" b="1" dirty="0">
-                <a:solidFill>
-                  <a:schemeClr val="bg1"/>
-                </a:solidFill>
-              </a:rPr>
-              <a:t>If a connection is lost</a:t>
-            </a:r>
-          </a:p>
-          <a:p>
-            <a:r>
-              <a:rPr lang="en-US" b="1" dirty="0">
-                <a:solidFill>
-                  <a:schemeClr val="bg1"/>
-                </a:solidFill>
-              </a:rPr>
-              <a:t>	the registration entry in the write cluster registry is put into the eviction queue</a:t>
-            </a:r>
-          </a:p>
-          <a:p>
-            <a:r>
-              <a:rPr lang="en-US" b="1" dirty="0">
-                <a:solidFill>
-                  <a:schemeClr val="bg1"/>
-                </a:solidFill>
-              </a:rPr>
-              <a:t>	and ultimately remove from the registry. </a:t>
-            </a:r>
-          </a:p>
-          <a:p>
-            <a:r>
-              <a:rPr lang="en-US" b="1" dirty="0">
-                <a:solidFill>
-                  <a:schemeClr val="bg1"/>
-                </a:solidFill>
-              </a:rPr>
-              <a:t>	Well behaving clients should always send unregister request prior to disconnecting. </a:t>
-            </a:r>
-          </a:p>
-          <a:p>
-            <a:r>
-              <a:rPr lang="en-US" b="1" dirty="0">
-                <a:solidFill>
-                  <a:schemeClr val="bg1"/>
-                </a:solidFill>
-              </a:rPr>
-              <a:t>	This will result in immediate removal of the service from the registry. </a:t>
-            </a:r>
-          </a:p>
-        </p:txBody>
-      </p:sp>
+        </p:txBody>
+      </p:sp>
+      <p:pic>
+        <p:nvPicPr>
+          <p:cNvPr id="5122" name="Picture 2" descr="Figure 3. Client subscription">
+            <a:extLst>
+              <a:ext uri="{FF2B5EF4-FFF2-40B4-BE49-F238E27FC236}">
+                <a16:creationId xmlns:a16="http://schemas.microsoft.com/office/drawing/2014/main" id="{2CDA8EFE-8DD3-4E78-BFBB-3243335DF505}"/>
+              </a:ext>
+            </a:extLst>
+          </p:cNvPr>
+          <p:cNvPicPr>
+            <a:picLocks noChangeAspect="1" noChangeArrowheads="1"/>
+          </p:cNvPicPr>
+          <p:nvPr/>
+        </p:nvPicPr>
+        <p:blipFill>
+          <a:blip r:embed="rId2">
+            <a:extLst>
+              <a:ext uri="{28A0092B-C50C-407E-A947-70E740481C1C}">
+                <a14:useLocalDpi xmlns:a14="http://schemas.microsoft.com/office/drawing/2010/main" val="0"/>
+              </a:ext>
+            </a:extLst>
+          </a:blip>
+          <a:srcRect/>
+          <a:stretch>
+            <a:fillRect/>
+          </a:stretch>
+        </p:blipFill>
+        <p:spPr bwMode="auto">
+          <a:xfrm>
+            <a:off x="2805113" y="1585913"/>
+            <a:ext cx="6581775" cy="3686175"/>
+          </a:xfrm>
+          <a:prstGeom prst="rect">
+            <a:avLst/>
+          </a:prstGeom>
+          <a:noFill/>
+          <a:extLst>
+            <a:ext uri="{909E8E84-426E-40DD-AFC4-6F175D3DCCD1}">
+              <a14:hiddenFill xmlns:a14="http://schemas.microsoft.com/office/drawing/2010/main">
+                <a:solidFill>
+                  <a:srgbClr val="FFFFFF"/>
+                </a:solidFill>
+              </a14:hiddenFill>
+            </a:ext>
+          </a:extLst>
+        </p:spPr>
+      </p:pic>
     </p:spTree>
     <p:extLst>
       <p:ext uri="{BB962C8B-B14F-4D97-AF65-F5344CB8AC3E}">
-        <p14:creationId xmlns:p14="http://schemas.microsoft.com/office/powerpoint/2010/main" val="4027824652"/>
+        <p14:creationId xmlns:p14="http://schemas.microsoft.com/office/powerpoint/2010/main" val="2991810940"/>
       </p:ext>
     </p:extLst>
   </p:cSld>
@@ -4911,7 +4877,7 @@
                   <a:schemeClr val="bg1"/>
                 </a:solidFill>
               </a:rPr>
-              <a:t>Service Discovery</a:t>
+              <a:t>Testing Microservices</a:t>
             </a:r>
           </a:p>
         </p:txBody>
@@ -4931,7 +4897,7 @@
         <p:spPr>
           <a:xfrm>
             <a:off x="838200" y="1779687"/>
-            <a:ext cx="10515600" cy="369332"/>
+            <a:ext cx="10515600" cy="3139321"/>
           </a:xfrm>
           <a:prstGeom prst="rect">
             <a:avLst/>
@@ -4944,65 +4910,115 @@
           </a:bodyPr>
           <a:lstStyle/>
           <a:p>
-            <a:endParaRPr lang="en-US" dirty="0">
+            <a:r>
+              <a:rPr lang="en-US" b="1" dirty="0">
+                <a:solidFill>
+                  <a:schemeClr val="bg1"/>
+                </a:solidFill>
+              </a:rPr>
+              <a:t>Many applications are designed for eventual consistency.</a:t>
+            </a:r>
+          </a:p>
+          <a:p>
+            <a:r>
+              <a:rPr lang="en-US" b="1" dirty="0">
+                <a:solidFill>
+                  <a:schemeClr val="bg1"/>
+                </a:solidFill>
+              </a:rPr>
+              <a:t>QE Vs QA</a:t>
+            </a:r>
+          </a:p>
+          <a:p>
+            <a:r>
+              <a:rPr lang="en-US" b="1" dirty="0">
+                <a:solidFill>
+                  <a:schemeClr val="bg1"/>
+                </a:solidFill>
+              </a:rPr>
+              <a:t>	Build Simulators.</a:t>
+            </a:r>
+          </a:p>
+          <a:p>
+            <a:r>
+              <a:rPr lang="en-US" b="1" dirty="0">
+                <a:solidFill>
+                  <a:schemeClr val="bg1"/>
+                </a:solidFill>
+              </a:rPr>
+              <a:t>	</a:t>
+            </a:r>
+          </a:p>
+          <a:p>
+            <a:endParaRPr lang="en-US" b="1" dirty="0">
               <a:solidFill>
                 <a:schemeClr val="bg1"/>
               </a:solidFill>
             </a:endParaRPr>
           </a:p>
-        </p:txBody>
-      </p:sp>
-      <p:pic>
-        <p:nvPicPr>
-          <p:cNvPr id="5122" name="Picture 2" descr="Figure 3. Client subscription">
-            <a:extLst>
-              <a:ext uri="{FF2B5EF4-FFF2-40B4-BE49-F238E27FC236}">
-                <a16:creationId xmlns:a16="http://schemas.microsoft.com/office/drawing/2014/main" id="{2CDA8EFE-8DD3-4E78-BFBB-3243335DF505}"/>
-              </a:ext>
-            </a:extLst>
-          </p:cNvPr>
-          <p:cNvPicPr>
-            <a:picLocks noChangeAspect="1" noChangeArrowheads="1"/>
-          </p:cNvPicPr>
-          <p:nvPr/>
-        </p:nvPicPr>
-        <p:blipFill>
-          <a:blip r:embed="rId2">
-            <a:extLst>
-              <a:ext uri="{28A0092B-C50C-407E-A947-70E740481C1C}">
-                <a14:useLocalDpi xmlns:a14="http://schemas.microsoft.com/office/drawing/2010/main" val="0"/>
-              </a:ext>
-            </a:extLst>
-          </a:blip>
-          <a:srcRect/>
-          <a:stretch>
-            <a:fillRect/>
-          </a:stretch>
-        </p:blipFill>
-        <p:spPr bwMode="auto">
-          <a:xfrm>
-            <a:off x="2805113" y="1585913"/>
-            <a:ext cx="6581775" cy="3686175"/>
-          </a:xfrm>
-          <a:prstGeom prst="rect">
-            <a:avLst/>
-          </a:prstGeom>
-          <a:noFill/>
-          <a:extLst>
-            <a:ext uri="{909E8E84-426E-40DD-AFC4-6F175D3DCCD1}">
-              <a14:hiddenFill xmlns:a14="http://schemas.microsoft.com/office/drawing/2010/main">
-                <a:solidFill>
-                  <a:srgbClr val="FFFFFF"/>
-                </a:solidFill>
-              </a14:hiddenFill>
-            </a:ext>
-          </a:extLst>
-        </p:spPr>
-      </p:pic>
+          <a:p>
+            <a:r>
+              <a:rPr lang="en-US" b="1" dirty="0">
+                <a:solidFill>
+                  <a:schemeClr val="bg1"/>
+                </a:solidFill>
+              </a:rPr>
+              <a:t>Testing microservices is even more challenging.</a:t>
+            </a:r>
+          </a:p>
+          <a:p>
+            <a:r>
+              <a:rPr lang="en-US" b="1" dirty="0">
+                <a:solidFill>
+                  <a:schemeClr val="bg1"/>
+                </a:solidFill>
+              </a:rPr>
+              <a:t>Pay special attention to loosely coupled tests.</a:t>
+            </a:r>
+          </a:p>
+          <a:p>
+            <a:r>
+              <a:rPr lang="en-US" b="1" dirty="0">
+                <a:solidFill>
+                  <a:schemeClr val="bg1"/>
+                </a:solidFill>
+              </a:rPr>
+              <a:t>Isolate services for loosely coupled tests</a:t>
+            </a:r>
+          </a:p>
+          <a:p>
+            <a:r>
+              <a:rPr lang="en-US" b="1" dirty="0">
+                <a:solidFill>
+                  <a:schemeClr val="bg1"/>
+                </a:solidFill>
+              </a:rPr>
+              <a:t>Include tests that resemble production</a:t>
+            </a:r>
+          </a:p>
+          <a:p>
+            <a:r>
+              <a:rPr lang="en-US" b="1" dirty="0">
+                <a:solidFill>
+                  <a:schemeClr val="bg1"/>
+                </a:solidFill>
+              </a:rPr>
+              <a:t>Make security testing a first-class citizen</a:t>
+            </a:r>
+          </a:p>
+          <a:p>
+            <a:endParaRPr lang="en-US" b="1" dirty="0">
+              <a:solidFill>
+                <a:schemeClr val="bg1"/>
+              </a:solidFill>
+            </a:endParaRPr>
+          </a:p>
+        </p:txBody>
+      </p:sp>
     </p:spTree>
     <p:extLst>
       <p:ext uri="{BB962C8B-B14F-4D97-AF65-F5344CB8AC3E}">
-        <p14:creationId xmlns:p14="http://schemas.microsoft.com/office/powerpoint/2010/main" val="2991810940"/>
+        <p14:creationId xmlns:p14="http://schemas.microsoft.com/office/powerpoint/2010/main" val="936731269"/>
       </p:ext>
     </p:extLst>
   </p:cSld>
@@ -5072,7 +5088,7 @@
                   <a:schemeClr val="bg1"/>
                 </a:solidFill>
               </a:rPr>
-              <a:t>Testing Microservices</a:t>
+              <a:t>Testing Challenges</a:t>
             </a:r>
           </a:p>
         </p:txBody>
@@ -5092,7 +5108,7 @@
         <p:spPr>
           <a:xfrm>
             <a:off x="838200" y="1779687"/>
-            <a:ext cx="10515600" cy="3139321"/>
+            <a:ext cx="10515600" cy="2585323"/>
           </a:xfrm>
           <a:prstGeom prst="rect">
             <a:avLst/>
@@ -5111,37 +5127,79 @@
                   <a:schemeClr val="bg1"/>
                 </a:solidFill>
               </a:rPr>
-              <a:t>Many applications are designed for eventual consistency.</a:t>
-            </a:r>
-          </a:p>
-          <a:p>
-            <a:r>
-              <a:rPr lang="en-US" b="1" dirty="0">
-                <a:solidFill>
-                  <a:schemeClr val="bg1"/>
-                </a:solidFill>
-              </a:rPr>
-              <a:t>QE Vs QA</a:t>
-            </a:r>
-          </a:p>
-          <a:p>
-            <a:r>
-              <a:rPr lang="en-US" b="1" dirty="0">
-                <a:solidFill>
-                  <a:schemeClr val="bg1"/>
-                </a:solidFill>
-              </a:rPr>
-              <a:t>	Build Simulators.</a:t>
-            </a:r>
-          </a:p>
-          <a:p>
-            <a:r>
-              <a:rPr lang="en-US" b="1" dirty="0">
-                <a:solidFill>
-                  <a:schemeClr val="bg1"/>
-                </a:solidFill>
-              </a:rPr>
-              <a:t>	</a:t>
+              <a:t>Cannot share a single environment</a:t>
+            </a:r>
+          </a:p>
+          <a:p>
+            <a:r>
+              <a:rPr lang="en-US" b="1" dirty="0">
+                <a:solidFill>
+                  <a:schemeClr val="bg1"/>
+                </a:solidFill>
+              </a:rPr>
+              <a:t>Environment is going to very dynamic.</a:t>
+            </a:r>
+          </a:p>
+          <a:p>
+            <a:r>
+              <a:rPr lang="en-US" b="1" dirty="0">
+                <a:solidFill>
+                  <a:schemeClr val="bg1"/>
+                </a:solidFill>
+              </a:rPr>
+              <a:t>Some testing in Java, Scala, Python, </a:t>
+            </a:r>
+            <a:r>
+              <a:rPr lang="en-US" b="1" dirty="0" err="1">
+                <a:solidFill>
+                  <a:schemeClr val="bg1"/>
+                </a:solidFill>
+              </a:rPr>
+              <a:t>.Net</a:t>
+            </a:r>
+            <a:r>
+              <a:rPr lang="en-US" b="1" dirty="0">
+                <a:solidFill>
+                  <a:schemeClr val="bg1"/>
+                </a:solidFill>
+              </a:rPr>
+              <a:t> </a:t>
+            </a:r>
+            <a:r>
+              <a:rPr lang="en-US" b="1" dirty="0" err="1">
+                <a:solidFill>
+                  <a:schemeClr val="bg1"/>
+                </a:solidFill>
+              </a:rPr>
+              <a:t>ect</a:t>
+            </a:r>
+            <a:r>
+              <a:rPr lang="en-US" b="1" dirty="0">
+                <a:solidFill>
+                  <a:schemeClr val="bg1"/>
+                </a:solidFill>
+              </a:rPr>
+              <a:t>.</a:t>
+            </a:r>
+          </a:p>
+          <a:p>
+            <a:r>
+              <a:rPr lang="en-US" b="1" dirty="0">
+                <a:solidFill>
+                  <a:schemeClr val="bg1"/>
+                </a:solidFill>
+              </a:rPr>
+              <a:t>Full ecosystem unsuitable for local testing</a:t>
+            </a:r>
+          </a:p>
+          <a:p>
+            <a:r>
+              <a:rPr lang="en-US" b="1" dirty="0">
+                <a:solidFill>
+                  <a:schemeClr val="bg1"/>
+                </a:solidFill>
+              </a:rPr>
+              <a:t>Lack of control over third party dependencies.</a:t>
             </a:r>
           </a:p>
           <a:p>
@@ -5158,62 +5216,35 @@
                   <a:schemeClr val="bg1"/>
                 </a:solidFill>
               </a:rPr>
-              <a:t>Testing microservices is even more challenging.</a:t>
-            </a:r>
-          </a:p>
-          <a:p>
-            <a:r>
-              <a:rPr lang="en-US" b="1" dirty="0">
-                <a:solidFill>
-                  <a:schemeClr val="bg1"/>
-                </a:solidFill>
-              </a:rPr>
-              <a:t>Pay special attention to loosely coupled tests.</a:t>
-            </a:r>
-          </a:p>
-          <a:p>
-            <a:r>
-              <a:rPr lang="en-US" b="1" dirty="0">
-                <a:solidFill>
-                  <a:schemeClr val="bg1"/>
-                </a:solidFill>
-              </a:rPr>
-              <a:t>Isolate services for loosely coupled tests</a:t>
-            </a:r>
-          </a:p>
-          <a:p>
-            <a:r>
-              <a:rPr lang="en-US" b="1" dirty="0">
-                <a:solidFill>
-                  <a:schemeClr val="bg1"/>
-                </a:solidFill>
-              </a:rPr>
-              <a:t>Include tests that resemble production</a:t>
-            </a:r>
-          </a:p>
-          <a:p>
-            <a:r>
-              <a:rPr lang="en-US" b="1" dirty="0">
-                <a:solidFill>
-                  <a:schemeClr val="bg1"/>
-                </a:solidFill>
-              </a:rPr>
-              <a:t>Make security testing a first-class citizen</a:t>
-            </a:r>
-          </a:p>
-          <a:p>
-            <a:endParaRPr lang="en-US" b="1" dirty="0">
-              <a:solidFill>
-                <a:schemeClr val="bg1"/>
-              </a:solidFill>
-            </a:endParaRPr>
+              <a:t>Functional change impact needs to be analyzed in detail.</a:t>
+            </a:r>
+          </a:p>
+          <a:p>
+            <a:r>
+              <a:rPr lang="en-US" b="1" dirty="0">
+                <a:solidFill>
+                  <a:schemeClr val="bg1"/>
+                </a:solidFill>
+              </a:rPr>
+              <a:t>	Many calls could be asynchronous.</a:t>
+            </a:r>
+          </a:p>
+          <a:p>
+            <a:r>
+              <a:rPr lang="en-US" b="1" dirty="0">
+                <a:solidFill>
+                  <a:schemeClr val="bg1"/>
+                </a:solidFill>
+              </a:rPr>
+              <a:t>	Asynchronous exception handling.</a:t>
+            </a:r>
           </a:p>
         </p:txBody>
       </p:sp>
     </p:spTree>
     <p:extLst>
       <p:ext uri="{BB962C8B-B14F-4D97-AF65-F5344CB8AC3E}">
-        <p14:creationId xmlns:p14="http://schemas.microsoft.com/office/powerpoint/2010/main" val="936731269"/>
+        <p14:creationId xmlns:p14="http://schemas.microsoft.com/office/powerpoint/2010/main" val="2835953185"/>
       </p:ext>
     </p:extLst>
   </p:cSld>
@@ -5283,163 +5314,62 @@
                   <a:schemeClr val="bg1"/>
                 </a:solidFill>
               </a:rPr>
-              <a:t>Testing Challenges</a:t>
-            </a:r>
-          </a:p>
-        </p:txBody>
-      </p:sp>
-      <p:sp>
-        <p:nvSpPr>
-          <p:cNvPr id="4" name="TextBox 3">
-            <a:extLst>
-              <a:ext uri="{FF2B5EF4-FFF2-40B4-BE49-F238E27FC236}">
-                <a16:creationId xmlns:a16="http://schemas.microsoft.com/office/drawing/2014/main" id="{A32609F5-383A-417E-B9B0-CE955463E2E4}"/>
-              </a:ext>
-            </a:extLst>
-          </p:cNvPr>
-          <p:cNvSpPr txBox="1"/>
+              <a:t>Agile Testing Quadrants</a:t>
+            </a:r>
+          </a:p>
+        </p:txBody>
+      </p:sp>
+      <p:pic>
+        <p:nvPicPr>
+          <p:cNvPr id="1026" name="Picture 2" descr="Using the Agile Testing Quadrants - Agile Testing with Lisa Crispin">
+            <a:extLst>
+              <a:ext uri="{FF2B5EF4-FFF2-40B4-BE49-F238E27FC236}">
+                <a16:creationId xmlns:a16="http://schemas.microsoft.com/office/drawing/2014/main" id="{6F0DF3F7-5C59-4004-8F8E-EBA31AF1415B}"/>
+              </a:ext>
+            </a:extLst>
+          </p:cNvPr>
+          <p:cNvPicPr>
+            <a:picLocks noChangeAspect="1" noChangeArrowheads="1"/>
+          </p:cNvPicPr>
           <p:nvPr/>
-        </p:nvSpPr>
-        <p:spPr>
+        </p:nvPicPr>
+        <p:blipFill>
+          <a:blip r:embed="rId2">
+            <a:extLst>
+              <a:ext uri="{28A0092B-C50C-407E-A947-70E740481C1C}">
+                <a14:useLocalDpi xmlns:a14="http://schemas.microsoft.com/office/drawing/2010/main" val="0"/>
+              </a:ext>
+            </a:extLst>
+          </a:blip>
+          <a:srcRect/>
+          <a:stretch>
+            <a:fillRect/>
+          </a:stretch>
+        </p:blipFill>
+        <p:spPr bwMode="auto">
           <a:xfrm>
-            <a:off x="838200" y="1779687"/>
-            <a:ext cx="10515600" cy="2585323"/>
+            <a:off x="1556654" y="1605643"/>
+            <a:ext cx="9176657" cy="4648200"/>
           </a:xfrm>
           <a:prstGeom prst="rect">
             <a:avLst/>
           </a:prstGeom>
           <a:noFill/>
+          <a:extLst>
+            <a:ext uri="{909E8E84-426E-40DD-AFC4-6F175D3DCCD1}">
+              <a14:hiddenFill xmlns:a14="http://schemas.microsoft.com/office/drawing/2010/main">
+                <a:solidFill>
+                  <a:srgbClr val="FFFFFF"/>
+                </a:solidFill>
+              </a14:hiddenFill>
+            </a:ext>
+          </a:extLst>
         </p:spPr>
-        <p:txBody>
-          <a:bodyPr wrap="square" rtlCol="0">
-            <a:spAutoFit/>
-          </a:bodyPr>
-          <a:lstStyle/>
-          <a:p>
-            <a:r>
-              <a:rPr lang="en-US" b="1" dirty="0">
-                <a:solidFill>
-                  <a:schemeClr val="bg1"/>
-                </a:solidFill>
-              </a:rPr>
-              <a:t>Cannot share a single environment</a:t>
-            </a:r>
-          </a:p>
-          <a:p>
-            <a:r>
-              <a:rPr lang="en-US" b="1" dirty="0">
-                <a:solidFill>
-                  <a:schemeClr val="bg1"/>
-                </a:solidFill>
-              </a:rPr>
-              <a:t>Environment is going to very dynamic.</a:t>
-            </a:r>
-          </a:p>
-          <a:p>
-            <a:r>
-              <a:rPr lang="en-US" b="1" dirty="0">
-                <a:solidFill>
-                  <a:schemeClr val="bg1"/>
-                </a:solidFill>
-              </a:rPr>
-              <a:t>Some testing in Java, Scala, Python, </a:t>
-            </a:r>
-            <a:r>
-              <a:rPr lang="en-US" b="1" dirty="0" err="1">
-                <a:solidFill>
-                  <a:schemeClr val="bg1"/>
-                </a:solidFill>
-              </a:rPr>
-              <a:t>.Net</a:t>
-            </a:r>
-            <a:r>
-              <a:rPr lang="en-US" b="1" dirty="0">
-                <a:solidFill>
-                  <a:schemeClr val="bg1"/>
-                </a:solidFill>
-              </a:rPr>
-              <a:t> </a:t>
-            </a:r>
-            <a:r>
-              <a:rPr lang="en-US" b="1" dirty="0" err="1">
-                <a:solidFill>
-                  <a:schemeClr val="bg1"/>
-                </a:solidFill>
-              </a:rPr>
-              <a:t>ect</a:t>
-            </a:r>
-            <a:r>
-              <a:rPr lang="en-US" b="1" dirty="0">
-                <a:solidFill>
-                  <a:schemeClr val="bg1"/>
-                </a:solidFill>
-              </a:rPr>
-              <a:t>.</a:t>
-            </a:r>
-          </a:p>
-          <a:p>
-            <a:r>
-              <a:rPr lang="en-US" b="1" dirty="0">
-                <a:solidFill>
-                  <a:schemeClr val="bg1"/>
-                </a:solidFill>
-              </a:rPr>
-              <a:t>Full ecosystem unsuitable for local testing</a:t>
-            </a:r>
-          </a:p>
-          <a:p>
-            <a:r>
-              <a:rPr lang="en-US" b="1" dirty="0">
-                <a:solidFill>
-                  <a:schemeClr val="bg1"/>
-                </a:solidFill>
-              </a:rPr>
-              <a:t>Lack of control over third party dependencies.</a:t>
-            </a:r>
-          </a:p>
-          <a:p>
-            <a:endParaRPr lang="en-US" b="1" dirty="0">
-              <a:solidFill>
-                <a:schemeClr val="bg1"/>
-              </a:solidFill>
-            </a:endParaRPr>
-          </a:p>
-          <a:p>
-            <a:r>
-              <a:rPr lang="en-US" b="1" dirty="0">
-                <a:solidFill>
-                  <a:schemeClr val="bg1"/>
-                </a:solidFill>
-              </a:rPr>
-              <a:t>Functional change impact needs to be analyzed in detail.</a:t>
-            </a:r>
-          </a:p>
-          <a:p>
-            <a:r>
-              <a:rPr lang="en-US" b="1" dirty="0">
-                <a:solidFill>
-                  <a:schemeClr val="bg1"/>
-                </a:solidFill>
-              </a:rPr>
-              <a:t>	Many calls could be asynchronous.</a:t>
-            </a:r>
-          </a:p>
-          <a:p>
-            <a:r>
-              <a:rPr lang="en-US" b="1" dirty="0">
-                <a:solidFill>
-                  <a:schemeClr val="bg1"/>
-                </a:solidFill>
-              </a:rPr>
-              <a:t>	Asynchronous exception handling.</a:t>
-            </a:r>
-          </a:p>
-        </p:txBody>
-      </p:sp>
+      </p:pic>
     </p:spTree>
     <p:extLst>
       <p:ext uri="{BB962C8B-B14F-4D97-AF65-F5344CB8AC3E}">
-        <p14:creationId xmlns:p14="http://schemas.microsoft.com/office/powerpoint/2010/main" val="2835953185"/>
+        <p14:creationId xmlns:p14="http://schemas.microsoft.com/office/powerpoint/2010/main" val="3124008929"/>
       </p:ext>
     </p:extLst>
   </p:cSld>
@@ -5509,62 +5439,121 @@
                   <a:schemeClr val="bg1"/>
                 </a:solidFill>
               </a:rPr>
-              <a:t>Agile Testing Quadrants</a:t>
-            </a:r>
-          </a:p>
-        </p:txBody>
-      </p:sp>
-      <p:pic>
-        <p:nvPicPr>
-          <p:cNvPr id="1026" name="Picture 2" descr="Using the Agile Testing Quadrants - Agile Testing with Lisa Crispin">
-            <a:extLst>
-              <a:ext uri="{FF2B5EF4-FFF2-40B4-BE49-F238E27FC236}">
-                <a16:creationId xmlns:a16="http://schemas.microsoft.com/office/drawing/2014/main" id="{6F0DF3F7-5C59-4004-8F8E-EBA31AF1415B}"/>
-              </a:ext>
-            </a:extLst>
-          </p:cNvPr>
-          <p:cNvPicPr>
-            <a:picLocks noChangeAspect="1" noChangeArrowheads="1"/>
-          </p:cNvPicPr>
+              <a:t>Testing Strategy</a:t>
+            </a:r>
+          </a:p>
+        </p:txBody>
+      </p:sp>
+      <p:sp>
+        <p:nvSpPr>
+          <p:cNvPr id="4" name="TextBox 3">
+            <a:extLst>
+              <a:ext uri="{FF2B5EF4-FFF2-40B4-BE49-F238E27FC236}">
+                <a16:creationId xmlns:a16="http://schemas.microsoft.com/office/drawing/2014/main" id="{A32609F5-383A-417E-B9B0-CE955463E2E4}"/>
+              </a:ext>
+            </a:extLst>
+          </p:cNvPr>
+          <p:cNvSpPr txBox="1"/>
           <p:nvPr/>
-        </p:nvPicPr>
-        <p:blipFill>
-          <a:blip r:embed="rId2">
-            <a:extLst>
-              <a:ext uri="{28A0092B-C50C-407E-A947-70E740481C1C}">
-                <a14:useLocalDpi xmlns:a14="http://schemas.microsoft.com/office/drawing/2010/main" val="0"/>
-              </a:ext>
-            </a:extLst>
-          </a:blip>
-          <a:srcRect/>
-          <a:stretch>
-            <a:fillRect/>
-          </a:stretch>
-        </p:blipFill>
-        <p:spPr bwMode="auto">
+        </p:nvSpPr>
+        <p:spPr>
           <a:xfrm>
-            <a:off x="1556654" y="1605643"/>
-            <a:ext cx="9176657" cy="4648200"/>
+            <a:off x="838200" y="1779687"/>
+            <a:ext cx="10515600" cy="2308324"/>
           </a:xfrm>
           <a:prstGeom prst="rect">
             <a:avLst/>
           </a:prstGeom>
           <a:noFill/>
-          <a:extLst>
-            <a:ext uri="{909E8E84-426E-40DD-AFC4-6F175D3DCCD1}">
-              <a14:hiddenFill xmlns:a14="http://schemas.microsoft.com/office/drawing/2010/main">
-                <a:solidFill>
-                  <a:srgbClr val="FFFFFF"/>
-                </a:solidFill>
-              </a14:hiddenFill>
-            </a:ext>
-          </a:extLst>
         </p:spPr>
-      </p:pic>
+        <p:txBody>
+          <a:bodyPr wrap="square" rtlCol="0">
+            <a:spAutoFit/>
+          </a:bodyPr>
+          <a:lstStyle/>
+          <a:p>
+            <a:r>
+              <a:rPr lang="en-US" b="1" dirty="0">
+                <a:solidFill>
+                  <a:schemeClr val="bg1"/>
+                </a:solidFill>
+              </a:rPr>
+              <a:t>Isolate parts and ensure the contracts are not broken.</a:t>
+            </a:r>
+          </a:p>
+          <a:p>
+            <a:r>
+              <a:rPr lang="en-US" b="1" dirty="0">
+                <a:solidFill>
+                  <a:schemeClr val="bg1"/>
+                </a:solidFill>
+              </a:rPr>
+              <a:t>	Lot of automated testing should ensure the contracts are good.</a:t>
+            </a:r>
+          </a:p>
+          <a:p>
+            <a:r>
+              <a:rPr lang="en-US" b="1" dirty="0">
+                <a:solidFill>
+                  <a:schemeClr val="bg1"/>
+                </a:solidFill>
+              </a:rPr>
+              <a:t>No isolations</a:t>
+            </a:r>
+          </a:p>
+          <a:p>
+            <a:r>
+              <a:rPr lang="en-US" b="1" dirty="0">
+                <a:solidFill>
+                  <a:schemeClr val="bg1"/>
+                </a:solidFill>
+              </a:rPr>
+              <a:t>	Customer sees no isolations.</a:t>
+            </a:r>
+          </a:p>
+          <a:p>
+            <a:r>
+              <a:rPr lang="en-US" b="1" dirty="0">
+                <a:solidFill>
+                  <a:schemeClr val="bg1"/>
+                </a:solidFill>
+              </a:rPr>
+              <a:t>	Ensure what customer want works the way they want.</a:t>
+            </a:r>
+          </a:p>
+          <a:p>
+            <a:r>
+              <a:rPr lang="en-US" b="1" dirty="0">
+                <a:solidFill>
+                  <a:schemeClr val="bg1"/>
+                </a:solidFill>
+              </a:rPr>
+              <a:t>Unowned components.</a:t>
+            </a:r>
+          </a:p>
+          <a:p>
+            <a:r>
+              <a:rPr lang="en-US" b="1" dirty="0">
+                <a:solidFill>
+                  <a:schemeClr val="bg1"/>
+                </a:solidFill>
+              </a:rPr>
+              <a:t>	Isolate I own Vs. I don't own Vs Nobody owns.</a:t>
+            </a:r>
+          </a:p>
+          <a:p>
+            <a:endParaRPr lang="en-US" b="1" dirty="0">
+              <a:solidFill>
+                <a:schemeClr val="bg1"/>
+              </a:solidFill>
+            </a:endParaRPr>
+          </a:p>
+        </p:txBody>
+      </p:sp>
     </p:spTree>
     <p:extLst>
       <p:ext uri="{BB962C8B-B14F-4D97-AF65-F5344CB8AC3E}">
-        <p14:creationId xmlns:p14="http://schemas.microsoft.com/office/powerpoint/2010/main" val="3124008929"/>
+        <p14:creationId xmlns:p14="http://schemas.microsoft.com/office/powerpoint/2010/main" val="1223262558"/>
       </p:ext>
     </p:extLst>
   </p:cSld>
@@ -5634,7 +5623,7 @@
                   <a:schemeClr val="bg1"/>
                 </a:solidFill>
               </a:rPr>
-              <a:t>Testing Strategy</a:t>
+              <a:t>Test Doubles</a:t>
             </a:r>
           </a:p>
         </p:txBody>
@@ -5654,7 +5643,7 @@
         <p:spPr>
           <a:xfrm>
             <a:off x="838200" y="1779687"/>
-            <a:ext cx="10515600" cy="2308324"/>
+            <a:ext cx="10515600" cy="3139321"/>
           </a:xfrm>
           <a:prstGeom prst="rect">
             <a:avLst/>
@@ -5673,67 +5662,97 @@
                   <a:schemeClr val="bg1"/>
                 </a:solidFill>
               </a:rPr>
-              <a:t>Isolate parts and ensure the contracts are not broken.</a:t>
-            </a:r>
-          </a:p>
-          <a:p>
-            <a:r>
-              <a:rPr lang="en-US" b="1" dirty="0">
-                <a:solidFill>
-                  <a:schemeClr val="bg1"/>
-                </a:solidFill>
-              </a:rPr>
-              <a:t>	Lot of automated testing should ensure the contracts are good.</a:t>
-            </a:r>
-          </a:p>
-          <a:p>
-            <a:r>
-              <a:rPr lang="en-US" b="1" dirty="0">
-                <a:solidFill>
-                  <a:schemeClr val="bg1"/>
-                </a:solidFill>
-              </a:rPr>
-              <a:t>No isolations</a:t>
-            </a:r>
-          </a:p>
-          <a:p>
-            <a:r>
-              <a:rPr lang="en-US" b="1" dirty="0">
-                <a:solidFill>
-                  <a:schemeClr val="bg1"/>
-                </a:solidFill>
-              </a:rPr>
-              <a:t>	Customer sees no isolations.</a:t>
-            </a:r>
-          </a:p>
-          <a:p>
-            <a:r>
-              <a:rPr lang="en-US" b="1" dirty="0">
-                <a:solidFill>
-                  <a:schemeClr val="bg1"/>
-                </a:solidFill>
-              </a:rPr>
-              <a:t>	Ensure what customer want works the way they want.</a:t>
-            </a:r>
-          </a:p>
-          <a:p>
-            <a:r>
-              <a:rPr lang="en-US" b="1" dirty="0">
-                <a:solidFill>
-                  <a:schemeClr val="bg1"/>
-                </a:solidFill>
-              </a:rPr>
-              <a:t>Unowned components.</a:t>
-            </a:r>
-          </a:p>
-          <a:p>
-            <a:r>
-              <a:rPr lang="en-US" b="1" dirty="0">
-                <a:solidFill>
-                  <a:schemeClr val="bg1"/>
-                </a:solidFill>
-              </a:rPr>
-              <a:t>	Isolate I own Vs. I don't own Vs Nobody owns.</a:t>
+              <a:t>Dummy objects</a:t>
+            </a:r>
+          </a:p>
+          <a:p>
+            <a:r>
+              <a:rPr lang="en-US" b="1" dirty="0">
+                <a:solidFill>
+                  <a:schemeClr val="bg1"/>
+                </a:solidFill>
+              </a:rPr>
+              <a:t>	passed around but never actually used.</a:t>
+            </a:r>
+          </a:p>
+          <a:p>
+            <a:r>
+              <a:rPr lang="en-US" b="1" dirty="0">
+                <a:solidFill>
+                  <a:schemeClr val="bg1"/>
+                </a:solidFill>
+              </a:rPr>
+              <a:t>Fake objects</a:t>
+            </a:r>
+          </a:p>
+          <a:p>
+            <a:r>
+              <a:rPr lang="en-US" b="1" dirty="0">
+                <a:solidFill>
+                  <a:schemeClr val="bg1"/>
+                </a:solidFill>
+              </a:rPr>
+              <a:t>	working implementation not suitable for production</a:t>
+            </a:r>
+          </a:p>
+          <a:p>
+            <a:r>
+              <a:rPr lang="en-US" b="1" dirty="0">
+                <a:solidFill>
+                  <a:schemeClr val="bg1"/>
+                </a:solidFill>
+              </a:rPr>
+              <a:t>Stubs</a:t>
+            </a:r>
+          </a:p>
+          <a:p>
+            <a:r>
+              <a:rPr lang="en-US" b="1" dirty="0">
+                <a:solidFill>
+                  <a:schemeClr val="bg1"/>
+                </a:solidFill>
+              </a:rPr>
+              <a:t>	provide canned answers to calls made during tests</a:t>
+            </a:r>
+          </a:p>
+          <a:p>
+            <a:r>
+              <a:rPr lang="en-US" b="1" dirty="0">
+                <a:solidFill>
+                  <a:schemeClr val="bg1"/>
+                </a:solidFill>
+              </a:rPr>
+              <a:t>Spies</a:t>
+            </a:r>
+          </a:p>
+          <a:p>
+            <a:r>
+              <a:rPr lang="en-US" b="1" dirty="0">
+                <a:solidFill>
+                  <a:schemeClr val="bg1"/>
+                </a:solidFill>
+              </a:rPr>
+              <a:t>	Stubs that also record information based on how they were called.</a:t>
+            </a:r>
+          </a:p>
+          <a:p>
+            <a:r>
+              <a:rPr lang="en-US" b="1" dirty="0">
+                <a:solidFill>
+                  <a:schemeClr val="bg1"/>
+                </a:solidFill>
+              </a:rPr>
+              <a:t>Mocks</a:t>
+            </a:r>
+          </a:p>
+          <a:p>
+            <a:r>
+              <a:rPr lang="en-US" b="1" dirty="0">
+                <a:solidFill>
+                  <a:schemeClr val="bg1"/>
+                </a:solidFill>
+              </a:rPr>
+              <a:t>	Objects pre-programmed with exceptions</a:t>
             </a:r>
           </a:p>
           <a:p>
@@ -5748,7 +5767,7 @@
     </p:spTree>
     <p:extLst>
       <p:ext uri="{BB962C8B-B14F-4D97-AF65-F5344CB8AC3E}">
-        <p14:creationId xmlns:p14="http://schemas.microsoft.com/office/powerpoint/2010/main" val="1223262558"/>
+        <p14:creationId xmlns:p14="http://schemas.microsoft.com/office/powerpoint/2010/main" val="1175434357"/>
       </p:ext>
     </p:extLst>
   </p:cSld>
@@ -5818,7 +5837,7 @@
                   <a:schemeClr val="bg1"/>
                 </a:solidFill>
               </a:rPr>
-              <a:t>Test Doubles</a:t>
+              <a:t>Junit 5</a:t>
             </a:r>
           </a:p>
         </p:txBody>
@@ -5838,7 +5857,7 @@
         <p:spPr>
           <a:xfrm>
             <a:off x="838200" y="1779687"/>
-            <a:ext cx="10515600" cy="3139321"/>
+            <a:ext cx="10515600" cy="3416320"/>
           </a:xfrm>
           <a:prstGeom prst="rect">
             <a:avLst/>
@@ -5857,112 +5876,125 @@
                   <a:schemeClr val="bg1"/>
                 </a:solidFill>
               </a:rPr>
-              <a:t>Dummy objects</a:t>
-            </a:r>
-          </a:p>
-          <a:p>
-            <a:r>
-              <a:rPr lang="en-US" b="1" dirty="0">
-                <a:solidFill>
-                  <a:schemeClr val="bg1"/>
-                </a:solidFill>
-              </a:rPr>
-              <a:t>	passed around but never actually used.</a:t>
-            </a:r>
-          </a:p>
-          <a:p>
-            <a:r>
-              <a:rPr lang="en-US" b="1" dirty="0">
-                <a:solidFill>
-                  <a:schemeClr val="bg1"/>
-                </a:solidFill>
-              </a:rPr>
-              <a:t>Fake objects</a:t>
-            </a:r>
-          </a:p>
-          <a:p>
-            <a:r>
-              <a:rPr lang="en-US" b="1" dirty="0">
-                <a:solidFill>
-                  <a:schemeClr val="bg1"/>
-                </a:solidFill>
-              </a:rPr>
-              <a:t>	working implementation not suitable for production</a:t>
-            </a:r>
-          </a:p>
-          <a:p>
-            <a:r>
-              <a:rPr lang="en-US" b="1" dirty="0">
-                <a:solidFill>
-                  <a:schemeClr val="bg1"/>
-                </a:solidFill>
-              </a:rPr>
-              <a:t>Stubs</a:t>
-            </a:r>
-          </a:p>
-          <a:p>
-            <a:r>
-              <a:rPr lang="en-US" b="1" dirty="0">
-                <a:solidFill>
-                  <a:schemeClr val="bg1"/>
-                </a:solidFill>
-              </a:rPr>
-              <a:t>	provide canned answers to calls made during tests</a:t>
-            </a:r>
-          </a:p>
-          <a:p>
-            <a:r>
-              <a:rPr lang="en-US" b="1" dirty="0">
-                <a:solidFill>
-                  <a:schemeClr val="bg1"/>
-                </a:solidFill>
-              </a:rPr>
-              <a:t>Spies</a:t>
-            </a:r>
-          </a:p>
-          <a:p>
-            <a:r>
-              <a:rPr lang="en-US" b="1" dirty="0">
-                <a:solidFill>
-                  <a:schemeClr val="bg1"/>
-                </a:solidFill>
-              </a:rPr>
-              <a:t>	Stubs that also record information based on how they were called.</a:t>
-            </a:r>
-          </a:p>
-          <a:p>
-            <a:r>
-              <a:rPr lang="en-US" b="1" dirty="0">
-                <a:solidFill>
-                  <a:schemeClr val="bg1"/>
-                </a:solidFill>
-              </a:rPr>
-              <a:t>Mocks</a:t>
-            </a:r>
-          </a:p>
-          <a:p>
-            <a:r>
-              <a:rPr lang="en-US" b="1" dirty="0">
-                <a:solidFill>
-                  <a:schemeClr val="bg1"/>
-                </a:solidFill>
-              </a:rPr>
-              <a:t>	Objects pre-programmed with exceptions</a:t>
-            </a:r>
-          </a:p>
-          <a:p>
-            <a:endParaRPr lang="en-US" b="1" dirty="0">
-              <a:solidFill>
-                <a:schemeClr val="bg1"/>
-              </a:solidFill>
-            </a:endParaRPr>
+              <a:t>Junit 5</a:t>
+            </a:r>
+          </a:p>
+          <a:p>
+            <a:r>
+              <a:rPr lang="en-US" b="1" dirty="0">
+                <a:solidFill>
+                  <a:schemeClr val="bg1"/>
+                </a:solidFill>
+              </a:rPr>
+              <a:t>	Junit 4 was there for a long time.</a:t>
+            </a:r>
+          </a:p>
+          <a:p>
+            <a:r>
+              <a:rPr lang="en-US" b="1" dirty="0">
+                <a:solidFill>
+                  <a:schemeClr val="bg1"/>
+                </a:solidFill>
+              </a:rPr>
+              <a:t>	Not up-to date with the latest in testing.</a:t>
+            </a:r>
+          </a:p>
+          <a:p>
+            <a:r>
+              <a:rPr lang="en-US" b="1" dirty="0">
+                <a:solidFill>
+                  <a:schemeClr val="bg1"/>
+                </a:solidFill>
+              </a:rPr>
+              <a:t>	Mindset how people approach has not evolved</a:t>
+            </a:r>
+          </a:p>
+          <a:p>
+            <a:r>
+              <a:rPr lang="en-US" b="1" dirty="0">
+                <a:solidFill>
+                  <a:schemeClr val="bg1"/>
+                </a:solidFill>
+              </a:rPr>
+              <a:t>	Java has evolved</a:t>
+            </a:r>
+          </a:p>
+          <a:p>
+            <a:r>
+              <a:rPr lang="en-US" b="1" dirty="0">
+                <a:solidFill>
+                  <a:schemeClr val="bg1"/>
+                </a:solidFill>
+              </a:rPr>
+              <a:t>	Monolithic architecture</a:t>
+            </a:r>
+          </a:p>
+          <a:p>
+            <a:r>
+              <a:rPr lang="en-US" b="1" dirty="0">
+                <a:solidFill>
+                  <a:schemeClr val="bg1"/>
+                </a:solidFill>
+              </a:rPr>
+              <a:t>	Bugs and features requests piled up.</a:t>
+            </a:r>
+          </a:p>
+          <a:p>
+            <a:r>
+              <a:rPr lang="en-US" b="1" dirty="0">
+                <a:solidFill>
+                  <a:schemeClr val="bg1"/>
+                </a:solidFill>
+              </a:rPr>
+              <a:t>	Open source</a:t>
+            </a:r>
+          </a:p>
+          <a:p>
+            <a:r>
+              <a:rPr lang="en-US" b="1" dirty="0">
+                <a:solidFill>
+                  <a:schemeClr val="bg1"/>
+                </a:solidFill>
+              </a:rPr>
+              <a:t>	Crowd funding.</a:t>
+            </a:r>
+          </a:p>
+          <a:p>
+            <a:r>
+              <a:rPr lang="en-US" b="1" dirty="0">
+                <a:solidFill>
+                  <a:schemeClr val="bg1"/>
+                </a:solidFill>
+              </a:rPr>
+              <a:t>Junit 5 came up.</a:t>
+            </a:r>
+          </a:p>
+          <a:p>
+            <a:r>
+              <a:rPr lang="en-US" b="1" dirty="0">
+                <a:solidFill>
+                  <a:schemeClr val="bg1"/>
+                </a:solidFill>
+              </a:rPr>
+              <a:t>	Not an update to Junit 4</a:t>
+            </a:r>
+          </a:p>
+          <a:p>
+            <a:r>
+              <a:rPr lang="en-US" b="1" dirty="0">
+                <a:solidFill>
+                  <a:schemeClr val="bg1"/>
+                </a:solidFill>
+              </a:rPr>
+              <a:t>	Cannot easily upgrade from Junit 4 to Junit 5</a:t>
+            </a:r>
           </a:p>
         </p:txBody>
       </p:sp>
     </p:spTree>
     <p:extLst>
       <p:ext uri="{BB962C8B-B14F-4D97-AF65-F5344CB8AC3E}">
-        <p14:creationId xmlns:p14="http://schemas.microsoft.com/office/powerpoint/2010/main" val="1175434357"/>
+        <p14:creationId xmlns:p14="http://schemas.microsoft.com/office/powerpoint/2010/main" val="3357363931"/>
       </p:ext>
     </p:extLst>
   </p:cSld>
@@ -6253,7 +6285,7 @@
                   <a:schemeClr val="bg1"/>
                 </a:solidFill>
               </a:rPr>
-              <a:t>Testing Strategy</a:t>
+              <a:t>Junit 5</a:t>
             </a:r>
           </a:p>
         </p:txBody>
@@ -6273,7 +6305,7 @@
         <p:spPr>
           <a:xfrm>
             <a:off x="838200" y="1779687"/>
-            <a:ext cx="10515600" cy="2308324"/>
+            <a:ext cx="10515600" cy="5078313"/>
           </a:xfrm>
           <a:prstGeom prst="rect">
             <a:avLst/>
@@ -6292,82 +6324,259 @@
                   <a:schemeClr val="bg1"/>
                 </a:solidFill>
               </a:rPr>
-              <a:t>Isolate parts and ensure the contracts are not broken.</a:t>
-            </a:r>
-          </a:p>
-          <a:p>
-            <a:r>
-              <a:rPr lang="en-US" b="1" dirty="0">
-                <a:solidFill>
-                  <a:schemeClr val="bg1"/>
-                </a:solidFill>
-              </a:rPr>
-              <a:t>	Lot of automated testing should ensure the contracts are good.</a:t>
-            </a:r>
-          </a:p>
-          <a:p>
-            <a:r>
-              <a:rPr lang="en-US" b="1" dirty="0">
-                <a:solidFill>
-                  <a:schemeClr val="bg1"/>
-                </a:solidFill>
-              </a:rPr>
-              <a:t>No isolations</a:t>
-            </a:r>
-          </a:p>
-          <a:p>
-            <a:r>
-              <a:rPr lang="en-US" b="1" dirty="0">
-                <a:solidFill>
-                  <a:schemeClr val="bg1"/>
-                </a:solidFill>
-              </a:rPr>
-              <a:t>	Customer sees no isolations.</a:t>
-            </a:r>
-          </a:p>
-          <a:p>
-            <a:r>
-              <a:rPr lang="en-US" b="1" dirty="0">
-                <a:solidFill>
-                  <a:schemeClr val="bg1"/>
-                </a:solidFill>
-              </a:rPr>
-              <a:t>	Ensure what customer want works the way they want.</a:t>
-            </a:r>
-          </a:p>
-          <a:p>
-            <a:r>
-              <a:rPr lang="en-US" b="1" dirty="0">
-                <a:solidFill>
-                  <a:schemeClr val="bg1"/>
-                </a:solidFill>
-              </a:rPr>
-              <a:t>Unowned components.</a:t>
-            </a:r>
-          </a:p>
-          <a:p>
-            <a:r>
-              <a:rPr lang="en-US" b="1" dirty="0">
-                <a:solidFill>
-                  <a:schemeClr val="bg1"/>
-                </a:solidFill>
-              </a:rPr>
-              <a:t>	Isolate I own Vs. I don't own Vs Nobody owns.</a:t>
-            </a:r>
-          </a:p>
-          <a:p>
+              <a:t>Broken down </a:t>
+            </a:r>
+          </a:p>
+          <a:p>
+            <a:r>
+              <a:rPr lang="en-US" b="1" dirty="0">
+                <a:solidFill>
+                  <a:schemeClr val="bg1"/>
+                </a:solidFill>
+              </a:rPr>
+              <a:t>	Platform</a:t>
+            </a:r>
+          </a:p>
+          <a:p>
+            <a:r>
+              <a:rPr lang="en-US" b="1" dirty="0">
+                <a:solidFill>
+                  <a:schemeClr val="bg1"/>
+                </a:solidFill>
+              </a:rPr>
+              <a:t>		library of Junit</a:t>
+            </a:r>
+          </a:p>
+          <a:p>
+            <a:r>
+              <a:rPr lang="en-US" b="1" dirty="0">
+                <a:solidFill>
+                  <a:schemeClr val="bg1"/>
+                </a:solidFill>
+              </a:rPr>
+              <a:t>		Running tests</a:t>
+            </a:r>
+          </a:p>
+          <a:p>
+            <a:r>
+              <a:rPr lang="en-US" b="1" dirty="0">
+                <a:solidFill>
+                  <a:schemeClr val="bg1"/>
+                </a:solidFill>
+              </a:rPr>
+              <a:t>		Providing a way to run </a:t>
+            </a:r>
+            <a:r>
+              <a:rPr lang="en-US" b="1" dirty="0" err="1">
+                <a:solidFill>
+                  <a:schemeClr val="bg1"/>
+                </a:solidFill>
+              </a:rPr>
+              <a:t>TestRunner</a:t>
+            </a:r>
             <a:endParaRPr lang="en-US" b="1" dirty="0">
               <a:solidFill>
                 <a:schemeClr val="bg1"/>
               </a:solidFill>
             </a:endParaRPr>
           </a:p>
+          <a:p>
+            <a:r>
+              <a:rPr lang="en-US" b="1" dirty="0">
+                <a:solidFill>
+                  <a:schemeClr val="bg1"/>
+                </a:solidFill>
+              </a:rPr>
+              <a:t>		Dev./We don't directly interact with.</a:t>
+            </a:r>
+          </a:p>
+          <a:p>
+            <a:r>
+              <a:rPr lang="en-US" b="1" dirty="0">
+                <a:solidFill>
+                  <a:schemeClr val="bg1"/>
+                </a:solidFill>
+              </a:rPr>
+              <a:t>	Junit API - Jupiter</a:t>
+            </a:r>
+          </a:p>
+          <a:p>
+            <a:r>
+              <a:rPr lang="en-US" b="1" dirty="0">
+                <a:solidFill>
+                  <a:schemeClr val="bg1"/>
+                </a:solidFill>
+              </a:rPr>
+              <a:t>		@Test, Assert </a:t>
+            </a:r>
+            <a:r>
+              <a:rPr lang="en-US" b="1" dirty="0" err="1">
+                <a:solidFill>
+                  <a:schemeClr val="bg1"/>
+                </a:solidFill>
+              </a:rPr>
+              <a:t>ect</a:t>
+            </a:r>
+            <a:r>
+              <a:rPr lang="en-US" b="1" dirty="0">
+                <a:solidFill>
+                  <a:schemeClr val="bg1"/>
+                </a:solidFill>
+              </a:rPr>
+              <a:t> are all part of Jupiter</a:t>
+            </a:r>
+          </a:p>
+          <a:p>
+            <a:r>
+              <a:rPr lang="en-US" b="1" dirty="0">
+                <a:solidFill>
+                  <a:schemeClr val="bg1"/>
+                </a:solidFill>
+              </a:rPr>
+              <a:t>		We interact with Jupiter</a:t>
+            </a:r>
+          </a:p>
+          <a:p>
+            <a:r>
+              <a:rPr lang="en-US" b="1" dirty="0">
+                <a:solidFill>
+                  <a:schemeClr val="bg1"/>
+                </a:solidFill>
+              </a:rPr>
+              <a:t>	</a:t>
+            </a:r>
+            <a:r>
+              <a:rPr lang="en-US" b="1" dirty="0" err="1">
+                <a:solidFill>
+                  <a:schemeClr val="bg1"/>
+                </a:solidFill>
+              </a:rPr>
+              <a:t>Wintage</a:t>
+            </a:r>
+            <a:endParaRPr lang="en-US" b="1" dirty="0">
+              <a:solidFill>
+                <a:schemeClr val="bg1"/>
+              </a:solidFill>
+            </a:endParaRPr>
+          </a:p>
+          <a:p>
+            <a:r>
+              <a:rPr lang="en-US" b="1" dirty="0">
+                <a:solidFill>
+                  <a:schemeClr val="bg1"/>
+                </a:solidFill>
+              </a:rPr>
+              <a:t>		using when you run older Junit code.</a:t>
+            </a:r>
+          </a:p>
+          <a:p>
+            <a:r>
+              <a:rPr lang="en-US" b="1" dirty="0">
+                <a:solidFill>
+                  <a:schemeClr val="bg1"/>
+                </a:solidFill>
+              </a:rPr>
+              <a:t>		Way to make it </a:t>
+            </a:r>
+            <a:r>
+              <a:rPr lang="en-US" b="1" dirty="0" err="1">
+                <a:solidFill>
+                  <a:schemeClr val="bg1"/>
+                </a:solidFill>
+              </a:rPr>
+              <a:t>backword</a:t>
+            </a:r>
+            <a:r>
+              <a:rPr lang="en-US" b="1" dirty="0">
+                <a:solidFill>
+                  <a:schemeClr val="bg1"/>
+                </a:solidFill>
+              </a:rPr>
+              <a:t> compatible with Junit4</a:t>
+            </a:r>
+          </a:p>
+          <a:p>
+            <a:r>
+              <a:rPr lang="en-US" b="1" dirty="0">
+                <a:solidFill>
+                  <a:schemeClr val="bg1"/>
+                </a:solidFill>
+              </a:rPr>
+              <a:t>		Old tests should use this.</a:t>
+            </a:r>
+          </a:p>
+          <a:p>
+            <a:r>
+              <a:rPr lang="en-US" b="1" dirty="0">
+                <a:solidFill>
+                  <a:schemeClr val="bg1"/>
+                </a:solidFill>
+              </a:rPr>
+              <a:t>		Extension</a:t>
+            </a:r>
+          </a:p>
+          <a:p>
+            <a:r>
+              <a:rPr lang="en-US" b="1" dirty="0">
+                <a:solidFill>
+                  <a:schemeClr val="bg1"/>
+                </a:solidFill>
+              </a:rPr>
+              <a:t>		Third party library plugin should be done through Extension.</a:t>
+            </a:r>
+          </a:p>
+          <a:p>
+            <a:r>
+              <a:rPr lang="en-US" b="1" dirty="0">
+                <a:solidFill>
+                  <a:schemeClr val="bg1"/>
+                </a:solidFill>
+              </a:rPr>
+              <a:t>	A test case that we write can </a:t>
+            </a:r>
+          </a:p>
+          <a:p>
+            <a:r>
+              <a:rPr lang="en-US" b="1" dirty="0">
+                <a:solidFill>
+                  <a:schemeClr val="bg1"/>
+                </a:solidFill>
+              </a:rPr>
+              <a:t>		work with Jupiter or </a:t>
+            </a:r>
+            <a:r>
+              <a:rPr lang="en-US" b="1" dirty="0" err="1">
+                <a:solidFill>
+                  <a:schemeClr val="bg1"/>
+                </a:solidFill>
+              </a:rPr>
+              <a:t>Wintage</a:t>
+            </a:r>
+            <a:r>
+              <a:rPr lang="en-US" b="1" dirty="0">
+                <a:solidFill>
+                  <a:schemeClr val="bg1"/>
+                </a:solidFill>
+              </a:rPr>
+              <a:t> or Extension.</a:t>
+            </a:r>
+          </a:p>
+          <a:p>
+            <a:r>
+              <a:rPr lang="en-US" dirty="0">
+                <a:solidFill>
+                  <a:schemeClr val="bg1"/>
+                </a:solidFill>
+              </a:rPr>
+              <a:t>		</a:t>
+            </a:r>
+          </a:p>
         </p:txBody>
       </p:sp>
     </p:spTree>
     <p:extLst>
       <p:ext uri="{BB962C8B-B14F-4D97-AF65-F5344CB8AC3E}">
-        <p14:creationId xmlns:p14="http://schemas.microsoft.com/office/powerpoint/2010/main" val="32543096"/>
+        <p14:creationId xmlns:p14="http://schemas.microsoft.com/office/powerpoint/2010/main" val="2282002914"/>
       </p:ext>
     </p:extLst>
   </p:cSld>
@@ -6437,7 +6646,7 @@
                   <a:schemeClr val="bg1"/>
                 </a:solidFill>
               </a:rPr>
-              <a:t>Junit 5</a:t>
+              <a:t>Maven Setup</a:t>
             </a:r>
           </a:p>
         </p:txBody>
@@ -6457,7 +6666,7 @@
         <p:spPr>
           <a:xfrm>
             <a:off x="838200" y="1779687"/>
-            <a:ext cx="10515600" cy="3416320"/>
+            <a:ext cx="10515600" cy="5078313"/>
           </a:xfrm>
           <a:prstGeom prst="rect">
             <a:avLst/>
@@ -6476,125 +6685,305 @@
                   <a:schemeClr val="bg1"/>
                 </a:solidFill>
               </a:rPr>
-              <a:t>Junit 5</a:t>
-            </a:r>
-          </a:p>
-          <a:p>
-            <a:r>
-              <a:rPr lang="en-US" b="1" dirty="0">
-                <a:solidFill>
-                  <a:schemeClr val="bg1"/>
-                </a:solidFill>
-              </a:rPr>
-              <a:t>	Junit 4 was there for a long time.</a:t>
-            </a:r>
-          </a:p>
-          <a:p>
-            <a:r>
-              <a:rPr lang="en-US" b="1" dirty="0">
-                <a:solidFill>
-                  <a:schemeClr val="bg1"/>
-                </a:solidFill>
-              </a:rPr>
-              <a:t>	Not up-to date with the latest in testing.</a:t>
-            </a:r>
-          </a:p>
-          <a:p>
-            <a:r>
-              <a:rPr lang="en-US" b="1" dirty="0">
-                <a:solidFill>
-                  <a:schemeClr val="bg1"/>
-                </a:solidFill>
-              </a:rPr>
-              <a:t>	Mindset how people approach has not evolved</a:t>
-            </a:r>
-          </a:p>
-          <a:p>
-            <a:r>
-              <a:rPr lang="en-US" b="1" dirty="0">
-                <a:solidFill>
-                  <a:schemeClr val="bg1"/>
-                </a:solidFill>
-              </a:rPr>
-              <a:t>	Java has evolved</a:t>
-            </a:r>
-          </a:p>
-          <a:p>
-            <a:r>
-              <a:rPr lang="en-US" b="1" dirty="0">
-                <a:solidFill>
-                  <a:schemeClr val="bg1"/>
-                </a:solidFill>
-              </a:rPr>
-              <a:t>	Monolithic architecture</a:t>
-            </a:r>
-          </a:p>
-          <a:p>
-            <a:r>
-              <a:rPr lang="en-US" b="1" dirty="0">
-                <a:solidFill>
-                  <a:schemeClr val="bg1"/>
-                </a:solidFill>
-              </a:rPr>
-              <a:t>	Bugs and features requests piled up.</a:t>
-            </a:r>
-          </a:p>
-          <a:p>
-            <a:r>
-              <a:rPr lang="en-US" b="1" dirty="0">
-                <a:solidFill>
-                  <a:schemeClr val="bg1"/>
-                </a:solidFill>
-              </a:rPr>
-              <a:t>	Open source</a:t>
-            </a:r>
-          </a:p>
-          <a:p>
-            <a:r>
-              <a:rPr lang="en-US" b="1" dirty="0">
-                <a:solidFill>
-                  <a:schemeClr val="bg1"/>
-                </a:solidFill>
-              </a:rPr>
-              <a:t>	Crowd funding.</a:t>
-            </a:r>
-          </a:p>
-          <a:p>
-            <a:r>
-              <a:rPr lang="en-US" b="1" dirty="0">
-                <a:solidFill>
-                  <a:schemeClr val="bg1"/>
-                </a:solidFill>
-              </a:rPr>
-              <a:t>Junit 5 came up.</a:t>
-            </a:r>
-          </a:p>
-          <a:p>
-            <a:r>
-              <a:rPr lang="en-US" b="1" dirty="0">
-                <a:solidFill>
-                  <a:schemeClr val="bg1"/>
-                </a:solidFill>
-              </a:rPr>
-              <a:t>	Not an update to Junit 4</a:t>
-            </a:r>
-          </a:p>
-          <a:p>
-            <a:r>
-              <a:rPr lang="en-US" b="1" dirty="0">
-                <a:solidFill>
-                  <a:schemeClr val="bg1"/>
-                </a:solidFill>
-              </a:rPr>
-              <a:t>	Cannot easily upgrade from Junit 4 to Junit 5</a:t>
-            </a:r>
+              <a:t>maven</a:t>
+            </a:r>
+          </a:p>
+          <a:p>
+            <a:r>
+              <a:rPr lang="en-US" b="1" dirty="0">
+                <a:solidFill>
+                  <a:schemeClr val="bg1"/>
+                </a:solidFill>
+              </a:rPr>
+              <a:t>	two dependencies </a:t>
+            </a:r>
+            <a:r>
+              <a:rPr lang="en-US" b="1" dirty="0" err="1">
+                <a:solidFill>
+                  <a:schemeClr val="bg1"/>
+                </a:solidFill>
+              </a:rPr>
+              <a:t>atleast</a:t>
+            </a:r>
+            <a:endParaRPr lang="en-US" b="1" dirty="0">
+              <a:solidFill>
+                <a:schemeClr val="bg1"/>
+              </a:solidFill>
+            </a:endParaRPr>
+          </a:p>
+          <a:p>
+            <a:r>
+              <a:rPr lang="en-US" b="1" dirty="0">
+                <a:solidFill>
+                  <a:schemeClr val="bg1"/>
+                </a:solidFill>
+              </a:rPr>
+              <a:t>	Platform + what you want.</a:t>
+            </a:r>
+          </a:p>
+          <a:p>
+            <a:r>
+              <a:rPr lang="en-US" b="1" dirty="0">
+                <a:solidFill>
+                  <a:schemeClr val="bg1"/>
+                </a:solidFill>
+              </a:rPr>
+              <a:t>	e.g. Platform 	+ Jupiter</a:t>
+            </a:r>
+          </a:p>
+          <a:p>
+            <a:r>
+              <a:rPr lang="en-US" b="1" dirty="0">
+                <a:solidFill>
+                  <a:schemeClr val="bg1"/>
+                </a:solidFill>
+              </a:rPr>
+              <a:t>	or </a:t>
+            </a:r>
+          </a:p>
+          <a:p>
+            <a:r>
+              <a:rPr lang="en-US" b="1" dirty="0">
+                <a:solidFill>
+                  <a:schemeClr val="bg1"/>
+                </a:solidFill>
+              </a:rPr>
+              <a:t>			+ </a:t>
+            </a:r>
+            <a:r>
+              <a:rPr lang="en-US" b="1" dirty="0" err="1">
+                <a:solidFill>
+                  <a:schemeClr val="bg1"/>
+                </a:solidFill>
+              </a:rPr>
+              <a:t>Wintage</a:t>
+            </a:r>
+            <a:endParaRPr lang="en-US" b="1" dirty="0">
+              <a:solidFill>
+                <a:schemeClr val="bg1"/>
+              </a:solidFill>
+            </a:endParaRPr>
+          </a:p>
+          <a:p>
+            <a:r>
+              <a:rPr lang="en-US" b="1" dirty="0">
+                <a:solidFill>
+                  <a:schemeClr val="bg1"/>
+                </a:solidFill>
+              </a:rPr>
+              <a:t>	or</a:t>
+            </a:r>
+          </a:p>
+          <a:p>
+            <a:r>
+              <a:rPr lang="en-US" b="1" dirty="0">
+                <a:solidFill>
+                  <a:schemeClr val="bg1"/>
+                </a:solidFill>
+              </a:rPr>
+              <a:t>			+ Extension </a:t>
+            </a:r>
+          </a:p>
+          <a:p>
+            <a:endParaRPr lang="en-US" b="1" dirty="0">
+              <a:solidFill>
+                <a:schemeClr val="bg1"/>
+              </a:solidFill>
+            </a:endParaRPr>
+          </a:p>
+          <a:p>
+            <a:r>
+              <a:rPr lang="en-US" b="1" dirty="0">
+                <a:solidFill>
+                  <a:schemeClr val="bg1"/>
+                </a:solidFill>
+              </a:rPr>
+              <a:t>IDE based</a:t>
+            </a:r>
+          </a:p>
+          <a:p>
+            <a:r>
+              <a:rPr lang="en-US" b="1" dirty="0">
+                <a:solidFill>
+                  <a:schemeClr val="bg1"/>
+                </a:solidFill>
+              </a:rPr>
+              <a:t>	add dependency</a:t>
+            </a:r>
+          </a:p>
+          <a:p>
+            <a:r>
+              <a:rPr lang="en-US" b="1" dirty="0">
+                <a:solidFill>
+                  <a:schemeClr val="bg1"/>
+                </a:solidFill>
+              </a:rPr>
+              <a:t>	</a:t>
+            </a:r>
+            <a:r>
+              <a:rPr lang="en-US" b="1" dirty="0" err="1">
+                <a:solidFill>
+                  <a:schemeClr val="bg1"/>
+                </a:solidFill>
+              </a:rPr>
+              <a:t>junit</a:t>
+            </a:r>
+            <a:r>
+              <a:rPr lang="en-US" b="1" dirty="0">
+                <a:solidFill>
+                  <a:schemeClr val="bg1"/>
+                </a:solidFill>
+              </a:rPr>
+              <a:t>-</a:t>
+            </a:r>
+            <a:r>
+              <a:rPr lang="en-US" b="1" dirty="0" err="1">
+                <a:solidFill>
+                  <a:schemeClr val="bg1"/>
+                </a:solidFill>
+              </a:rPr>
+              <a:t>jupiter</a:t>
+            </a:r>
+            <a:r>
+              <a:rPr lang="en-US" b="1" dirty="0">
+                <a:solidFill>
+                  <a:schemeClr val="bg1"/>
+                </a:solidFill>
+              </a:rPr>
+              <a:t>-engine</a:t>
+            </a:r>
+          </a:p>
+          <a:p>
+            <a:r>
+              <a:rPr lang="en-US" b="1" dirty="0">
+                <a:solidFill>
+                  <a:schemeClr val="bg1"/>
+                </a:solidFill>
+              </a:rPr>
+              <a:t>	</a:t>
+            </a:r>
+            <a:r>
+              <a:rPr lang="en-US" b="1" dirty="0" err="1">
+                <a:solidFill>
+                  <a:schemeClr val="bg1"/>
+                </a:solidFill>
+              </a:rPr>
+              <a:t>junit-jupiter-api</a:t>
+            </a:r>
+            <a:endParaRPr lang="en-US" b="1" dirty="0">
+              <a:solidFill>
+                <a:schemeClr val="bg1"/>
+              </a:solidFill>
+            </a:endParaRPr>
+          </a:p>
+          <a:p>
+            <a:r>
+              <a:rPr lang="en-US" b="1" dirty="0">
+                <a:solidFill>
+                  <a:schemeClr val="bg1"/>
+                </a:solidFill>
+              </a:rPr>
+              <a:t>	</a:t>
+            </a:r>
+            <a:r>
+              <a:rPr lang="en-US" b="1" dirty="0" err="1">
+                <a:solidFill>
+                  <a:schemeClr val="bg1"/>
+                </a:solidFill>
+              </a:rPr>
+              <a:t>junit</a:t>
+            </a:r>
+            <a:r>
+              <a:rPr lang="en-US" b="1" dirty="0">
+                <a:solidFill>
+                  <a:schemeClr val="bg1"/>
+                </a:solidFill>
+              </a:rPr>
+              <a:t>-platform-</a:t>
+            </a:r>
+            <a:r>
+              <a:rPr lang="en-US" b="1" dirty="0" err="1">
+                <a:solidFill>
+                  <a:schemeClr val="bg1"/>
+                </a:solidFill>
+              </a:rPr>
+              <a:t>runne</a:t>
+            </a:r>
+            <a:endParaRPr lang="en-US" b="1" dirty="0">
+              <a:solidFill>
+                <a:schemeClr val="bg1"/>
+              </a:solidFill>
+            </a:endParaRPr>
+          </a:p>
+          <a:p>
+            <a:r>
+              <a:rPr lang="en-US" b="1" dirty="0">
+                <a:solidFill>
+                  <a:schemeClr val="bg1"/>
+                </a:solidFill>
+              </a:rPr>
+              <a:t>	</a:t>
+            </a:r>
+            <a:r>
+              <a:rPr lang="en-US" b="1" dirty="0" err="1">
+                <a:solidFill>
+                  <a:schemeClr val="bg1"/>
+                </a:solidFill>
+              </a:rPr>
+              <a:t>junit</a:t>
+            </a:r>
+            <a:r>
+              <a:rPr lang="en-US" b="1" dirty="0">
+                <a:solidFill>
+                  <a:schemeClr val="bg1"/>
+                </a:solidFill>
+              </a:rPr>
+              <a:t>-vintage-</a:t>
+            </a:r>
+            <a:r>
+              <a:rPr lang="en-US" b="1" dirty="0" err="1">
+                <a:solidFill>
+                  <a:schemeClr val="bg1"/>
+                </a:solidFill>
+              </a:rPr>
+              <a:t>engin</a:t>
+            </a:r>
+            <a:r>
+              <a:rPr lang="en-US" b="1" dirty="0">
+                <a:solidFill>
+                  <a:schemeClr val="bg1"/>
+                </a:solidFill>
+              </a:rPr>
+              <a:t> # if you have old version test cases...</a:t>
+            </a:r>
+          </a:p>
+          <a:p>
+            <a:endParaRPr lang="en-US" b="1" dirty="0">
+              <a:solidFill>
+                <a:schemeClr val="bg1"/>
+              </a:solidFill>
+            </a:endParaRPr>
+          </a:p>
+          <a:p>
+            <a:endParaRPr lang="en-US" b="1" dirty="0">
+              <a:solidFill>
+                <a:schemeClr val="bg1"/>
+              </a:solidFill>
+            </a:endParaRPr>
+          </a:p>
+          <a:p>
+            <a:endParaRPr lang="en-US" dirty="0">
+              <a:solidFill>
+                <a:schemeClr val="bg1"/>
+              </a:solidFill>
+            </a:endParaRPr>
           </a:p>
         </p:txBody>
       </p:sp>
     </p:spTree>
     <p:extLst>
       <p:ext uri="{BB962C8B-B14F-4D97-AF65-F5344CB8AC3E}">
-        <p14:creationId xmlns:p14="http://schemas.microsoft.com/office/powerpoint/2010/main" val="3357363931"/>
+        <p14:creationId xmlns:p14="http://schemas.microsoft.com/office/powerpoint/2010/main" val="2539159580"/>
       </p:ext>
     </p:extLst>
   </p:cSld>
@@ -6664,7 +7053,7 @@
                   <a:schemeClr val="bg1"/>
                 </a:solidFill>
               </a:rPr>
-              <a:t>Junit 5</a:t>
+              <a:t>Junit 5 methods</a:t>
             </a:r>
           </a:p>
         </p:txBody>
@@ -6684,7 +7073,7 @@
         <p:spPr>
           <a:xfrm>
             <a:off x="838200" y="1779687"/>
-            <a:ext cx="10515600" cy="5078313"/>
+            <a:ext cx="10515600" cy="2862322"/>
           </a:xfrm>
           <a:prstGeom prst="rect">
             <a:avLst/>
@@ -6703,47 +7092,7 @@
                   <a:schemeClr val="bg1"/>
                 </a:solidFill>
               </a:rPr>
-              <a:t>Broken down </a:t>
-            </a:r>
-          </a:p>
-          <a:p>
-            <a:r>
-              <a:rPr lang="en-US" b="1" dirty="0">
-                <a:solidFill>
-                  <a:schemeClr val="bg1"/>
-                </a:solidFill>
-              </a:rPr>
-              <a:t>	Platform</a:t>
-            </a:r>
-          </a:p>
-          <a:p>
-            <a:r>
-              <a:rPr lang="en-US" b="1" dirty="0">
-                <a:solidFill>
-                  <a:schemeClr val="bg1"/>
-                </a:solidFill>
-              </a:rPr>
-              <a:t>		library of Junit</a:t>
-            </a:r>
-          </a:p>
-          <a:p>
-            <a:r>
-              <a:rPr lang="en-US" b="1" dirty="0">
-                <a:solidFill>
-                  <a:schemeClr val="bg1"/>
-                </a:solidFill>
-              </a:rPr>
-              <a:t>		Running tests</a:t>
-            </a:r>
-          </a:p>
-          <a:p>
-            <a:r>
-              <a:rPr lang="en-US" b="1" dirty="0">
-                <a:solidFill>
-                  <a:schemeClr val="bg1"/>
-                </a:solidFill>
-              </a:rPr>
-              <a:t>		Providing a way to run </a:t>
+              <a:t> @</a:t>
             </a:r>
             <a:r>
               <a:rPr lang="en-US" b="1" dirty="0" err="1">
@@ -6751,7 +7100,7 @@
                   <a:schemeClr val="bg1"/>
                 </a:solidFill>
               </a:rPr>
-              <a:t>TestRunner</a:t>
+              <a:t>BeforeEach</a:t>
             </a:r>
             <a:endParaRPr lang="en-US" b="1" dirty="0">
               <a:solidFill>
@@ -6766,27 +7115,7 @@
                   <a:schemeClr val="bg1"/>
                 </a:solidFill>
               </a:rPr>
-              <a:t>		Dev./We don't directly interact with.</a:t>
-            </a:r>
-          </a:p>
-          <a:p>
-            <a:r>
-              <a:rPr lang="en-US" b="1" dirty="0">
-                <a:solidFill>
-                  <a:schemeClr val="bg1"/>
-                </a:solidFill>
-              </a:rPr>
-              <a:t>	Junit API - Jupiter</a:t>
-            </a:r>
-          </a:p>
-          <a:p>
-            <a:r>
-              <a:rPr lang="en-US" b="1" dirty="0">
-                <a:solidFill>
-                  <a:schemeClr val="bg1"/>
-                </a:solidFill>
-              </a:rPr>
-              <a:t>		@Test, Assert </a:t>
+              <a:t>	run before each @Test, @</a:t>
             </a:r>
             <a:r>
               <a:rPr lang="en-US" b="1" dirty="0" err="1">
@@ -6794,35 +7123,15 @@
                   <a:schemeClr val="bg1"/>
                 </a:solidFill>
               </a:rPr>
-              <a:t>ect</a:t>
-            </a:r>
-            <a:r>
-              <a:rPr lang="en-US" b="1" dirty="0">
-                <a:solidFill>
-                  <a:schemeClr val="bg1"/>
-                </a:solidFill>
-              </a:rPr>
-              <a:t> are all part of Jupiter</a:t>
-            </a:r>
-          </a:p>
-          <a:p>
-            <a:r>
-              <a:rPr lang="en-US" b="1" dirty="0">
-                <a:solidFill>
-                  <a:schemeClr val="bg1"/>
-                </a:solidFill>
-              </a:rPr>
-              <a:t>		We interact with Jupiter</a:t>
-            </a:r>
-          </a:p>
-          <a:p>
-            <a:r>
-              <a:rPr lang="en-US" b="1" dirty="0">
-                <a:solidFill>
-                  <a:schemeClr val="bg1"/>
-                </a:solidFill>
-              </a:rPr>
-              <a:t>	</a:t>
+              <a:t>RepeatedTest</a:t>
+            </a:r>
+            <a:r>
+              <a:rPr lang="en-US" b="1" dirty="0">
+                <a:solidFill>
+                  <a:schemeClr val="bg1"/>
+                </a:solidFill>
+              </a:rPr>
+              <a:t>, @</a:t>
             </a:r>
             <a:r>
               <a:rPr lang="en-US" b="1" dirty="0" err="1">
@@ -6830,7 +7139,23 @@
                   <a:schemeClr val="bg1"/>
                 </a:solidFill>
               </a:rPr>
-              <a:t>Wintage</a:t>
+              <a:t>ParameterizedTest</a:t>
+            </a:r>
+            <a:r>
+              <a:rPr lang="en-US" b="1" dirty="0">
+                <a:solidFill>
+                  <a:schemeClr val="bg1"/>
+                </a:solidFill>
+              </a:rPr>
+              <a:t>, or @</a:t>
+            </a:r>
+            <a:r>
+              <a:rPr lang="en-US" b="1" dirty="0" err="1">
+                <a:solidFill>
+                  <a:schemeClr val="bg1"/>
+                </a:solidFill>
+              </a:rPr>
+              <a:t>TestFactory</a:t>
             </a:r>
             <a:endParaRPr lang="en-US" b="1" dirty="0">
               <a:solidFill>
@@ -6845,17 +7170,17 @@
                   <a:schemeClr val="bg1"/>
                 </a:solidFill>
               </a:rPr>
-              <a:t>		using when you run older Junit code.</a:t>
-            </a:r>
-          </a:p>
-          <a:p>
-            <a:r>
-              <a:rPr lang="en-US" b="1" dirty="0">
-                <a:solidFill>
-                  <a:schemeClr val="bg1"/>
-                </a:solidFill>
-              </a:rPr>
-              <a:t>		Way to make it </a:t>
+              <a:t>	Similar to @Before in junit4</a:t>
+            </a:r>
+          </a:p>
+          <a:p>
+            <a:r>
+              <a:rPr lang="en-US" b="1" dirty="0">
+                <a:solidFill>
+                  <a:schemeClr val="bg1"/>
+                </a:solidFill>
+              </a:rPr>
+              <a:t>@</a:t>
             </a:r>
             <a:r>
               <a:rPr lang="en-US" b="1" dirty="0" err="1">
@@ -6863,65 +7188,22 @@
                   <a:schemeClr val="bg1"/>
                 </a:solidFill>
               </a:rPr>
-              <a:t>backword</a:t>
-            </a:r>
-            <a:r>
-              <a:rPr lang="en-US" b="1" dirty="0">
-                <a:solidFill>
-                  <a:schemeClr val="bg1"/>
-                </a:solidFill>
-              </a:rPr>
-              <a:t> compatible with Junit4</a:t>
-            </a:r>
-          </a:p>
-          <a:p>
-            <a:r>
-              <a:rPr lang="en-US" b="1" dirty="0">
-                <a:solidFill>
-                  <a:schemeClr val="bg1"/>
-                </a:solidFill>
-              </a:rPr>
-              <a:t>		Old tests should use this.</a:t>
-            </a:r>
-          </a:p>
-          <a:p>
-            <a:r>
-              <a:rPr lang="en-US" b="1" dirty="0">
-                <a:solidFill>
-                  <a:schemeClr val="bg1"/>
-                </a:solidFill>
-              </a:rPr>
-              <a:t>		Extension</a:t>
-            </a:r>
-          </a:p>
-          <a:p>
-            <a:r>
-              <a:rPr lang="en-US" b="1" dirty="0">
-                <a:solidFill>
-                  <a:schemeClr val="bg1"/>
-                </a:solidFill>
-              </a:rPr>
-              <a:t>		Third party library plugin should be done through Extension.</a:t>
-            </a:r>
-          </a:p>
-          <a:p>
-            <a:r>
-              <a:rPr lang="en-US" b="1" dirty="0">
-                <a:solidFill>
-                  <a:schemeClr val="bg1"/>
-                </a:solidFill>
-              </a:rPr>
-              <a:t>	A test case that we write can </a:t>
-            </a:r>
-          </a:p>
-          <a:p>
-            <a:r>
-              <a:rPr lang="en-US" b="1" dirty="0">
-                <a:solidFill>
-                  <a:schemeClr val="bg1"/>
-                </a:solidFill>
-              </a:rPr>
-              <a:t>		work with Jupiter or </a:t>
+              <a:t>AfterEach</a:t>
+            </a:r>
+            <a:endParaRPr lang="en-US" b="1" dirty="0">
+              <a:solidFill>
+                <a:schemeClr val="bg1"/>
+              </a:solidFill>
+            </a:endParaRPr>
+          </a:p>
+          <a:p>
+            <a:r>
+              <a:rPr lang="en-US" b="1" dirty="0">
+                <a:solidFill>
+                  <a:schemeClr val="bg1"/>
+                </a:solidFill>
+              </a:rPr>
+              <a:t>	run after each @Test, @</a:t>
             </a:r>
             <a:r>
               <a:rPr lang="en-US" b="1" dirty="0" err="1">
@@ -6929,25 +7211,107 @@
                   <a:schemeClr val="bg1"/>
                 </a:solidFill>
               </a:rPr>
-              <a:t>Wintage</a:t>
-            </a:r>
-            <a:r>
-              <a:rPr lang="en-US" b="1" dirty="0">
-                <a:solidFill>
-                  <a:schemeClr val="bg1"/>
-                </a:solidFill>
-              </a:rPr>
-              <a:t> or Extension.</a:t>
-            </a:r>
-          </a:p>
-          <a:p>
-            <a:r>
-              <a:rPr lang="en-US" dirty="0">
-                <a:solidFill>
-                  <a:schemeClr val="bg1"/>
-                </a:solidFill>
-              </a:rPr>
-              <a:t>		</a:t>
+              <a:t>RepeatedTest</a:t>
+            </a:r>
+            <a:r>
+              <a:rPr lang="en-US" b="1" dirty="0">
+                <a:solidFill>
+                  <a:schemeClr val="bg1"/>
+                </a:solidFill>
+              </a:rPr>
+              <a:t>, @</a:t>
+            </a:r>
+            <a:r>
+              <a:rPr lang="en-US" b="1" dirty="0" err="1">
+                <a:solidFill>
+                  <a:schemeClr val="bg1"/>
+                </a:solidFill>
+              </a:rPr>
+              <a:t>ParameterizedTest</a:t>
+            </a:r>
+            <a:r>
+              <a:rPr lang="en-US" b="1" dirty="0">
+                <a:solidFill>
+                  <a:schemeClr val="bg1"/>
+                </a:solidFill>
+              </a:rPr>
+              <a:t>, or @</a:t>
+            </a:r>
+            <a:r>
+              <a:rPr lang="en-US" b="1" dirty="0" err="1">
+                <a:solidFill>
+                  <a:schemeClr val="bg1"/>
+                </a:solidFill>
+              </a:rPr>
+              <a:t>TestFactory</a:t>
+            </a:r>
+            <a:endParaRPr lang="en-US" b="1" dirty="0">
+              <a:solidFill>
+                <a:schemeClr val="bg1"/>
+              </a:solidFill>
+            </a:endParaRPr>
+          </a:p>
+          <a:p>
+            <a:r>
+              <a:rPr lang="en-US" b="1" dirty="0">
+                <a:solidFill>
+                  <a:schemeClr val="bg1"/>
+                </a:solidFill>
+              </a:rPr>
+              <a:t>	Similar to @After in junit4</a:t>
+            </a:r>
+          </a:p>
+          <a:p>
+            <a:r>
+              <a:rPr lang="en-US" b="1" dirty="0">
+                <a:solidFill>
+                  <a:schemeClr val="bg1"/>
+                </a:solidFill>
+              </a:rPr>
+              <a:t>@Test</a:t>
+            </a:r>
+          </a:p>
+          <a:p>
+            <a:r>
+              <a:rPr lang="en-US" b="1" dirty="0">
+                <a:solidFill>
+                  <a:schemeClr val="bg1"/>
+                </a:solidFill>
+              </a:rPr>
+              <a:t>	This is a test method</a:t>
+            </a:r>
+          </a:p>
+          <a:p>
+            <a:r>
+              <a:rPr lang="en-US" b="1" dirty="0">
+                <a:solidFill>
+                  <a:schemeClr val="bg1"/>
+                </a:solidFill>
+              </a:rPr>
+              <a:t>@</a:t>
+            </a:r>
+            <a:r>
+              <a:rPr lang="en-US" b="1" dirty="0" err="1">
+                <a:solidFill>
+                  <a:schemeClr val="bg1"/>
+                </a:solidFill>
+              </a:rPr>
+              <a:t>TestMethodOrder</a:t>
+            </a:r>
+            <a:endParaRPr lang="en-US" b="1" dirty="0">
+              <a:solidFill>
+                <a:schemeClr val="bg1"/>
+              </a:solidFill>
+            </a:endParaRPr>
+          </a:p>
+          <a:p>
+            <a:r>
+              <a:rPr lang="en-US" b="1" dirty="0">
+                <a:solidFill>
+                  <a:schemeClr val="bg1"/>
+                </a:solidFill>
+              </a:rPr>
+              <a:t>	Define test method order</a:t>
             </a:r>
           </a:p>
         </p:txBody>
@@ -6955,7 +7319,7 @@
     </p:spTree>
     <p:extLst>
       <p:ext uri="{BB962C8B-B14F-4D97-AF65-F5344CB8AC3E}">
-        <p14:creationId xmlns:p14="http://schemas.microsoft.com/office/powerpoint/2010/main" val="2282002914"/>
+        <p14:creationId xmlns:p14="http://schemas.microsoft.com/office/powerpoint/2010/main" val="347202915"/>
       </p:ext>
     </p:extLst>
   </p:cSld>
@@ -7025,7 +7389,23 @@
                   <a:schemeClr val="bg1"/>
                 </a:solidFill>
               </a:rPr>
-              <a:t>Maven Setup</a:t>
+              <a:t>Junit 5 methods </a:t>
+            </a:r>
+            <a:r>
+              <a:rPr lang="en-US" b="1" dirty="0" err="1">
+                <a:solidFill>
+                  <a:schemeClr val="bg1"/>
+                </a:solidFill>
+              </a:rPr>
+              <a:t>cntd</a:t>
+            </a:r>
+            <a:r>
+              <a:rPr lang="en-US" b="1" dirty="0">
+                <a:solidFill>
+                  <a:schemeClr val="bg1"/>
+                </a:solidFill>
+              </a:rPr>
+              <a:t>.</a:t>
             </a:r>
           </a:p>
         </p:txBody>
@@ -7045,7 +7425,7 @@
         <p:spPr>
           <a:xfrm>
             <a:off x="838200" y="1779687"/>
-            <a:ext cx="10515600" cy="4801314"/>
+            <a:ext cx="10515600" cy="3693319"/>
           </a:xfrm>
           <a:prstGeom prst="rect">
             <a:avLst/>
@@ -7064,17 +7444,7 @@
                   <a:schemeClr val="bg1"/>
                 </a:solidFill>
               </a:rPr>
-              <a:t>maven</a:t>
-            </a:r>
-          </a:p>
-          <a:p>
-            <a:r>
-              <a:rPr lang="en-US" b="1" dirty="0">
-                <a:solidFill>
-                  <a:schemeClr val="bg1"/>
-                </a:solidFill>
-              </a:rPr>
-              <a:t>	two dependencies </a:t>
+              <a:t> @</a:t>
             </a:r>
             <a:r>
               <a:rPr lang="en-US" b="1" dirty="0" err="1">
@@ -7082,7 +7452,7 @@
                   <a:schemeClr val="bg1"/>
                 </a:solidFill>
               </a:rPr>
-              <a:t>atleast</a:t>
+              <a:t>BeforeAll</a:t>
             </a:r>
             <a:endParaRPr lang="en-US" b="1" dirty="0">
               <a:solidFill>
@@ -7097,37 +7467,7 @@
                   <a:schemeClr val="bg1"/>
                 </a:solidFill>
               </a:rPr>
-              <a:t>	Platform + what you want.</a:t>
-            </a:r>
-          </a:p>
-          <a:p>
-            <a:r>
-              <a:rPr lang="en-US" b="1" dirty="0">
-                <a:solidFill>
-                  <a:schemeClr val="bg1"/>
-                </a:solidFill>
-              </a:rPr>
-              <a:t>	e.g. Platform 	+ Jupiter</a:t>
-            </a:r>
-          </a:p>
-          <a:p>
-            <a:r>
-              <a:rPr lang="en-US" b="1" dirty="0">
-                <a:solidFill>
-                  <a:schemeClr val="bg1"/>
-                </a:solidFill>
-              </a:rPr>
-              <a:t>	or </a:t>
-            </a:r>
-          </a:p>
-          <a:p>
-            <a:r>
-              <a:rPr lang="en-US" b="1" dirty="0">
-                <a:solidFill>
-                  <a:schemeClr val="bg1"/>
-                </a:solidFill>
-              </a:rPr>
-              <a:t>			+ </a:t>
+              <a:t>	method should be executed before all @Test, @</a:t>
             </a:r>
             <a:r>
               <a:rPr lang="en-US" b="1" dirty="0" err="1">
@@ -7135,7 +7475,91 @@
                   <a:schemeClr val="bg1"/>
                 </a:solidFill>
               </a:rPr>
-              <a:t>Wintage</a:t>
+              <a:t>RepeatedTest</a:t>
+            </a:r>
+            <a:r>
+              <a:rPr lang="en-US" b="1" dirty="0">
+                <a:solidFill>
+                  <a:schemeClr val="bg1"/>
+                </a:solidFill>
+              </a:rPr>
+              <a:t>, @</a:t>
+            </a:r>
+            <a:r>
+              <a:rPr lang="en-US" b="1" dirty="0" err="1">
+                <a:solidFill>
+                  <a:schemeClr val="bg1"/>
+                </a:solidFill>
+              </a:rPr>
+              <a:t>ParameterizedTest</a:t>
+            </a:r>
+            <a:r>
+              <a:rPr lang="en-US" b="1" dirty="0">
+                <a:solidFill>
+                  <a:schemeClr val="bg1"/>
+                </a:solidFill>
+              </a:rPr>
+              <a:t>, and 	@</a:t>
+            </a:r>
+            <a:r>
+              <a:rPr lang="en-US" b="1" dirty="0" err="1">
+                <a:solidFill>
+                  <a:schemeClr val="bg1"/>
+                </a:solidFill>
+              </a:rPr>
+              <a:t>TestFactory</a:t>
+            </a:r>
+            <a:r>
+              <a:rPr lang="en-US" b="1" dirty="0">
+                <a:solidFill>
+                  <a:schemeClr val="bg1"/>
+                </a:solidFill>
+              </a:rPr>
+              <a:t> methods</a:t>
+            </a:r>
+          </a:p>
+          <a:p>
+            <a:r>
+              <a:rPr lang="en-US" b="1" dirty="0">
+                <a:solidFill>
+                  <a:schemeClr val="bg1"/>
+                </a:solidFill>
+              </a:rPr>
+              <a:t>	Similar to @</a:t>
+            </a:r>
+            <a:r>
+              <a:rPr lang="en-US" b="1" dirty="0" err="1">
+                <a:solidFill>
+                  <a:schemeClr val="bg1"/>
+                </a:solidFill>
+              </a:rPr>
+              <a:t>BeforeClass</a:t>
+            </a:r>
+            <a:r>
+              <a:rPr lang="en-US" b="1" dirty="0">
+                <a:solidFill>
+                  <a:schemeClr val="bg1"/>
+                </a:solidFill>
+              </a:rPr>
+              <a:t> in junit4</a:t>
+            </a:r>
+          </a:p>
+          <a:p>
+            <a:r>
+              <a:rPr lang="en-US" b="1" dirty="0">
+                <a:solidFill>
+                  <a:schemeClr val="bg1"/>
+                </a:solidFill>
+              </a:rPr>
+              <a:t>@</a:t>
+            </a:r>
+            <a:r>
+              <a:rPr lang="en-US" b="1" dirty="0" err="1">
+                <a:solidFill>
+                  <a:schemeClr val="bg1"/>
+                </a:solidFill>
+              </a:rPr>
+              <a:t>AfterAll</a:t>
             </a:r>
             <a:endParaRPr lang="en-US" b="1" dirty="0">
               <a:solidFill>
@@ -7150,180 +7574,160 @@
                   <a:schemeClr val="bg1"/>
                 </a:solidFill>
               </a:rPr>
-              <a:t>	or</a:t>
-            </a:r>
-          </a:p>
-          <a:p>
-            <a:r>
-              <a:rPr lang="en-US" b="1" dirty="0">
-                <a:solidFill>
-                  <a:schemeClr val="bg1"/>
-                </a:solidFill>
-              </a:rPr>
-              <a:t>			+ Extension </a:t>
-            </a:r>
-          </a:p>
-          <a:p>
+              <a:t>	method should be executed after all @Test, @</a:t>
+            </a:r>
+            <a:r>
+              <a:rPr lang="en-US" b="1" dirty="0" err="1">
+                <a:solidFill>
+                  <a:schemeClr val="bg1"/>
+                </a:solidFill>
+              </a:rPr>
+              <a:t>RepeatedTest</a:t>
+            </a:r>
+            <a:r>
+              <a:rPr lang="en-US" b="1" dirty="0">
+                <a:solidFill>
+                  <a:schemeClr val="bg1"/>
+                </a:solidFill>
+              </a:rPr>
+              <a:t>, @</a:t>
+            </a:r>
+            <a:r>
+              <a:rPr lang="en-US" b="1" dirty="0" err="1">
+                <a:solidFill>
+                  <a:schemeClr val="bg1"/>
+                </a:solidFill>
+              </a:rPr>
+              <a:t>ParameterizedTest</a:t>
+            </a:r>
+            <a:r>
+              <a:rPr lang="en-US" b="1" dirty="0">
+                <a:solidFill>
+                  <a:schemeClr val="bg1"/>
+                </a:solidFill>
+              </a:rPr>
+              <a:t>, and 	@</a:t>
+            </a:r>
+            <a:r>
+              <a:rPr lang="en-US" b="1" dirty="0" err="1">
+                <a:solidFill>
+                  <a:schemeClr val="bg1"/>
+                </a:solidFill>
+              </a:rPr>
+              <a:t>TestFactory</a:t>
+            </a:r>
+            <a:r>
+              <a:rPr lang="en-US" b="1" dirty="0">
+                <a:solidFill>
+                  <a:schemeClr val="bg1"/>
+                </a:solidFill>
+              </a:rPr>
+              <a:t> methods</a:t>
+            </a:r>
+          </a:p>
+          <a:p>
+            <a:r>
+              <a:rPr lang="en-US" b="1" dirty="0">
+                <a:solidFill>
+                  <a:schemeClr val="bg1"/>
+                </a:solidFill>
+              </a:rPr>
+              <a:t>	Similar to @</a:t>
+            </a:r>
+            <a:r>
+              <a:rPr lang="en-US" b="1" dirty="0" err="1">
+                <a:solidFill>
+                  <a:schemeClr val="bg1"/>
+                </a:solidFill>
+              </a:rPr>
+              <a:t>AfterClass</a:t>
+            </a:r>
+            <a:r>
+              <a:rPr lang="en-US" b="1" dirty="0">
+                <a:solidFill>
+                  <a:schemeClr val="bg1"/>
+                </a:solidFill>
+              </a:rPr>
+              <a:t> in junit4</a:t>
+            </a:r>
+          </a:p>
+          <a:p>
+            <a:r>
+              <a:rPr lang="en-US" b="1" dirty="0">
+                <a:solidFill>
+                  <a:schemeClr val="bg1"/>
+                </a:solidFill>
+              </a:rPr>
+              <a:t>@Tag</a:t>
+            </a:r>
+          </a:p>
+          <a:p>
+            <a:r>
+              <a:rPr lang="en-US" b="1" dirty="0">
+                <a:solidFill>
+                  <a:schemeClr val="bg1"/>
+                </a:solidFill>
+              </a:rPr>
+              <a:t>	Define key value pair tags.</a:t>
+            </a:r>
+          </a:p>
+          <a:p>
+            <a:r>
+              <a:rPr lang="en-US" b="1">
+                <a:solidFill>
+                  <a:schemeClr val="bg1"/>
+                </a:solidFill>
+              </a:rPr>
+              <a:t>	Can </a:t>
+            </a:r>
+            <a:r>
+              <a:rPr lang="en-US" b="1" dirty="0">
+                <a:solidFill>
+                  <a:schemeClr val="bg1"/>
+                </a:solidFill>
+              </a:rPr>
+              <a:t>be used to filter and run specific set of test cases.</a:t>
+            </a:r>
+            <a:endParaRPr lang="en-US" dirty="0">
+              <a:solidFill>
+                <a:schemeClr val="bg1"/>
+              </a:solidFill>
+            </a:endParaRPr>
+          </a:p>
+          <a:p>
+            <a:endParaRPr lang="en-US" dirty="0">
+              <a:solidFill>
+                <a:schemeClr val="bg1"/>
+              </a:solidFill>
+            </a:endParaRPr>
+          </a:p>
+          <a:p>
+            <a:r>
+              <a:rPr lang="en-US" b="1" dirty="0">
+                <a:solidFill>
+                  <a:schemeClr val="bg1"/>
+                </a:solidFill>
+              </a:rPr>
+              <a:t>Documentation: </a:t>
+            </a:r>
+            <a:r>
+              <a:rPr lang="en-IN" b="1" dirty="0">
+                <a:hlinkClick r:id="rId2"/>
+              </a:rPr>
+              <a:t>https://junit.org/junit5/docs/current/user-guide/</a:t>
+            </a:r>
             <a:endParaRPr lang="en-US" b="1" dirty="0">
               <a:solidFill>
                 <a:schemeClr val="bg1"/>
               </a:solidFill>
             </a:endParaRPr>
           </a:p>
-          <a:p>
-            <a:r>
-              <a:rPr lang="en-US" b="1" dirty="0">
-                <a:solidFill>
-                  <a:schemeClr val="bg1"/>
-                </a:solidFill>
-              </a:rPr>
-              <a:t>IDE based</a:t>
-            </a:r>
-          </a:p>
-          <a:p>
-            <a:r>
-              <a:rPr lang="en-US" b="1" dirty="0">
-                <a:solidFill>
-                  <a:schemeClr val="bg1"/>
-                </a:solidFill>
-              </a:rPr>
-              <a:t>	add dependency</a:t>
-            </a:r>
-          </a:p>
-          <a:p>
-            <a:r>
-              <a:rPr lang="en-US" b="1" dirty="0">
-                <a:solidFill>
-                  <a:schemeClr val="bg1"/>
-                </a:solidFill>
-              </a:rPr>
-              <a:t>	</a:t>
-            </a:r>
-            <a:r>
-              <a:rPr lang="en-US" b="1" dirty="0" err="1">
-                <a:solidFill>
-                  <a:schemeClr val="bg1"/>
-                </a:solidFill>
-              </a:rPr>
-              <a:t>junit</a:t>
-            </a:r>
-            <a:r>
-              <a:rPr lang="en-US" b="1" dirty="0">
-                <a:solidFill>
-                  <a:schemeClr val="bg1"/>
-                </a:solidFill>
-              </a:rPr>
-              <a:t>-</a:t>
-            </a:r>
-            <a:r>
-              <a:rPr lang="en-US" b="1" dirty="0" err="1">
-                <a:solidFill>
-                  <a:schemeClr val="bg1"/>
-                </a:solidFill>
-              </a:rPr>
-              <a:t>jupiter</a:t>
-            </a:r>
-            <a:r>
-              <a:rPr lang="en-US" b="1" dirty="0">
-                <a:solidFill>
-                  <a:schemeClr val="bg1"/>
-                </a:solidFill>
-              </a:rPr>
-              <a:t>-engine</a:t>
-            </a:r>
-          </a:p>
-          <a:p>
-            <a:r>
-              <a:rPr lang="en-US" b="1" dirty="0">
-                <a:solidFill>
-                  <a:schemeClr val="bg1"/>
-                </a:solidFill>
-              </a:rPr>
-              <a:t>	</a:t>
-            </a:r>
-            <a:r>
-              <a:rPr lang="en-US" b="1" dirty="0" err="1">
-                <a:solidFill>
-                  <a:schemeClr val="bg1"/>
-                </a:solidFill>
-              </a:rPr>
-              <a:t>junit-jupiter-api</a:t>
-            </a:r>
-            <a:endParaRPr lang="en-US" b="1" dirty="0">
-              <a:solidFill>
-                <a:schemeClr val="bg1"/>
-              </a:solidFill>
-            </a:endParaRPr>
-          </a:p>
-          <a:p>
-            <a:r>
-              <a:rPr lang="en-US" b="1" dirty="0">
-                <a:solidFill>
-                  <a:schemeClr val="bg1"/>
-                </a:solidFill>
-              </a:rPr>
-              <a:t>	</a:t>
-            </a:r>
-            <a:r>
-              <a:rPr lang="en-US" b="1" dirty="0" err="1">
-                <a:solidFill>
-                  <a:schemeClr val="bg1"/>
-                </a:solidFill>
-              </a:rPr>
-              <a:t>junit</a:t>
-            </a:r>
-            <a:r>
-              <a:rPr lang="en-US" b="1" dirty="0">
-                <a:solidFill>
-                  <a:schemeClr val="bg1"/>
-                </a:solidFill>
-              </a:rPr>
-              <a:t>-vintage-</a:t>
-            </a:r>
-            <a:r>
-              <a:rPr lang="en-US" b="1" dirty="0" err="1">
-                <a:solidFill>
-                  <a:schemeClr val="bg1"/>
-                </a:solidFill>
-              </a:rPr>
-              <a:t>engin</a:t>
-            </a:r>
-            <a:r>
-              <a:rPr lang="en-US" b="1" dirty="0">
-                <a:solidFill>
-                  <a:schemeClr val="bg1"/>
-                </a:solidFill>
-              </a:rPr>
-              <a:t> # if you have old version test cases...</a:t>
-            </a:r>
-          </a:p>
-          <a:p>
-            <a:endParaRPr lang="en-US" b="1" dirty="0">
-              <a:solidFill>
-                <a:schemeClr val="bg1"/>
-              </a:solidFill>
-            </a:endParaRPr>
-          </a:p>
-          <a:p>
-            <a:endParaRPr lang="en-US" b="1" dirty="0">
-              <a:solidFill>
-                <a:schemeClr val="bg1"/>
-              </a:solidFill>
-            </a:endParaRPr>
-          </a:p>
-          <a:p>
-            <a:endParaRPr lang="en-US" dirty="0">
-              <a:solidFill>
-                <a:schemeClr val="bg1"/>
-              </a:solidFill>
-            </a:endParaRPr>
-          </a:p>
         </p:txBody>
       </p:sp>
     </p:spTree>
     <p:extLst>
       <p:ext uri="{BB962C8B-B14F-4D97-AF65-F5344CB8AC3E}">
-        <p14:creationId xmlns:p14="http://schemas.microsoft.com/office/powerpoint/2010/main" val="2539159580"/>
+        <p14:creationId xmlns:p14="http://schemas.microsoft.com/office/powerpoint/2010/main" val="1047659052"/>
       </p:ext>
     </p:extLst>
   </p:cSld>
@@ -7393,7 +7797,7 @@
                   <a:schemeClr val="bg1"/>
                 </a:solidFill>
               </a:rPr>
-              <a:t>Junit 5 methods</a:t>
+              <a:t>Implement an Integration Test</a:t>
             </a:r>
           </a:p>
         </p:txBody>
@@ -7413,7 +7817,7 @@
         <p:spPr>
           <a:xfrm>
             <a:off x="838200" y="1779687"/>
-            <a:ext cx="10515600" cy="2862322"/>
+            <a:ext cx="10515600" cy="646331"/>
           </a:xfrm>
           <a:prstGeom prst="rect">
             <a:avLst/>
@@ -7432,234 +7836,22 @@
                   <a:schemeClr val="bg1"/>
                 </a:solidFill>
               </a:rPr>
-              <a:t> @</a:t>
-            </a:r>
-            <a:r>
-              <a:rPr lang="en-US" b="1" dirty="0" err="1">
-                <a:solidFill>
-                  <a:schemeClr val="bg1"/>
-                </a:solidFill>
-              </a:rPr>
-              <a:t>BeforeEach</a:t>
-            </a:r>
-            <a:endParaRPr lang="en-US" b="1" dirty="0">
+              <a:t>training\day3\Testing\InstrcutionsForTesting.txt</a:t>
+            </a:r>
+          </a:p>
+          <a:p>
+            <a:endParaRPr lang="en-US" dirty="0">
               <a:solidFill>
                 <a:schemeClr val="bg1"/>
               </a:solidFill>
             </a:endParaRPr>
           </a:p>
-          <a:p>
-            <a:r>
-              <a:rPr lang="en-US" b="1" dirty="0">
-                <a:solidFill>
-                  <a:schemeClr val="bg1"/>
-                </a:solidFill>
-              </a:rPr>
-              <a:t>	run before each @Test, @</a:t>
-            </a:r>
-            <a:r>
-              <a:rPr lang="en-US" b="1" dirty="0" err="1">
-                <a:solidFill>
-                  <a:schemeClr val="bg1"/>
-                </a:solidFill>
-              </a:rPr>
-              <a:t>RepeatedTest</a:t>
-            </a:r>
-            <a:r>
-              <a:rPr lang="en-US" b="1" dirty="0">
-                <a:solidFill>
-                  <a:schemeClr val="bg1"/>
-                </a:solidFill>
-              </a:rPr>
-              <a:t>, @</a:t>
-            </a:r>
-            <a:r>
-              <a:rPr lang="en-US" b="1" dirty="0" err="1">
-                <a:solidFill>
-                  <a:schemeClr val="bg1"/>
-                </a:solidFill>
-              </a:rPr>
-              <a:t>ParameterizedTest</a:t>
-            </a:r>
-            <a:r>
-              <a:rPr lang="en-US" b="1" dirty="0">
-                <a:solidFill>
-                  <a:schemeClr val="bg1"/>
-                </a:solidFill>
-              </a:rPr>
-              <a:t>, or @</a:t>
-            </a:r>
-            <a:r>
-              <a:rPr lang="en-US" b="1" dirty="0" err="1">
-                <a:solidFill>
-                  <a:schemeClr val="bg1"/>
-                </a:solidFill>
-              </a:rPr>
-              <a:t>TestFactory</a:t>
-            </a:r>
-            <a:endParaRPr lang="en-US" b="1" dirty="0">
-              <a:solidFill>
-                <a:schemeClr val="bg1"/>
-              </a:solidFill>
-            </a:endParaRPr>
-          </a:p>
-          <a:p>
-            <a:r>
-              <a:rPr lang="en-US" b="1" dirty="0">
-                <a:solidFill>
-                  <a:schemeClr val="bg1"/>
-                </a:solidFill>
-              </a:rPr>
-              <a:t>	Similar to @Before in junit4</a:t>
-            </a:r>
-          </a:p>
-          <a:p>
-            <a:r>
-              <a:rPr lang="en-US" b="1" dirty="0">
-                <a:solidFill>
-                  <a:schemeClr val="bg1"/>
-                </a:solidFill>
-              </a:rPr>
-              <a:t>@</a:t>
-            </a:r>
-            <a:r>
-              <a:rPr lang="en-US" b="1" dirty="0" err="1">
-                <a:solidFill>
-                  <a:schemeClr val="bg1"/>
-                </a:solidFill>
-              </a:rPr>
-              <a:t>AfterEach</a:t>
-            </a:r>
-            <a:endParaRPr lang="en-US" b="1" dirty="0">
-              <a:solidFill>
-                <a:schemeClr val="bg1"/>
-              </a:solidFill>
-            </a:endParaRPr>
-          </a:p>
-          <a:p>
-            <a:r>
-              <a:rPr lang="en-US" b="1" dirty="0">
-                <a:solidFill>
-                  <a:schemeClr val="bg1"/>
-                </a:solidFill>
-              </a:rPr>
-              <a:t>	run after each @Test, @</a:t>
-            </a:r>
-            <a:r>
-              <a:rPr lang="en-US" b="1" dirty="0" err="1">
-                <a:solidFill>
-                  <a:schemeClr val="bg1"/>
-                </a:solidFill>
-              </a:rPr>
-              <a:t>RepeatedTest</a:t>
-            </a:r>
-            <a:r>
-              <a:rPr lang="en-US" b="1" dirty="0">
-                <a:solidFill>
-                  <a:schemeClr val="bg1"/>
-                </a:solidFill>
-              </a:rPr>
-              <a:t>, @</a:t>
-            </a:r>
-            <a:r>
-              <a:rPr lang="en-US" b="1" dirty="0" err="1">
-                <a:solidFill>
-                  <a:schemeClr val="bg1"/>
-                </a:solidFill>
-              </a:rPr>
-              <a:t>ParameterizedTest</a:t>
-            </a:r>
-            <a:r>
-              <a:rPr lang="en-US" b="1" dirty="0">
-                <a:solidFill>
-                  <a:schemeClr val="bg1"/>
-                </a:solidFill>
-              </a:rPr>
-              <a:t>, or @</a:t>
-            </a:r>
-            <a:r>
-              <a:rPr lang="en-US" b="1" dirty="0" err="1">
-                <a:solidFill>
-                  <a:schemeClr val="bg1"/>
-                </a:solidFill>
-              </a:rPr>
-              <a:t>TestFactory</a:t>
-            </a:r>
-            <a:endParaRPr lang="en-US" b="1" dirty="0">
-              <a:solidFill>
-                <a:schemeClr val="bg1"/>
-              </a:solidFill>
-            </a:endParaRPr>
-          </a:p>
-          <a:p>
-            <a:r>
-              <a:rPr lang="en-US" b="1" dirty="0">
-                <a:solidFill>
-                  <a:schemeClr val="bg1"/>
-                </a:solidFill>
-              </a:rPr>
-              <a:t>	Similar to @After in junit4</a:t>
-            </a:r>
-          </a:p>
-          <a:p>
-            <a:r>
-              <a:rPr lang="en-US" b="1" dirty="0">
-                <a:solidFill>
-                  <a:schemeClr val="bg1"/>
-                </a:solidFill>
-              </a:rPr>
-              <a:t>@Test</a:t>
-            </a:r>
-          </a:p>
-          <a:p>
-            <a:r>
-              <a:rPr lang="en-US" b="1" dirty="0">
-                <a:solidFill>
-                  <a:schemeClr val="bg1"/>
-                </a:solidFill>
-              </a:rPr>
-              <a:t>	This is a test method</a:t>
-            </a:r>
-          </a:p>
-          <a:p>
-            <a:r>
-              <a:rPr lang="en-US" b="1" dirty="0">
-                <a:solidFill>
-                  <a:schemeClr val="bg1"/>
-                </a:solidFill>
-              </a:rPr>
-              <a:t>@</a:t>
-            </a:r>
-            <a:r>
-              <a:rPr lang="en-US" b="1" dirty="0" err="1">
-                <a:solidFill>
-                  <a:schemeClr val="bg1"/>
-                </a:solidFill>
-              </a:rPr>
-              <a:t>TestMethodOrder</a:t>
-            </a:r>
-            <a:endParaRPr lang="en-US" b="1" dirty="0">
-              <a:solidFill>
-                <a:schemeClr val="bg1"/>
-              </a:solidFill>
-            </a:endParaRPr>
-          </a:p>
-          <a:p>
-            <a:r>
-              <a:rPr lang="en-US" b="1" dirty="0">
-                <a:solidFill>
-                  <a:schemeClr val="bg1"/>
-                </a:solidFill>
-              </a:rPr>
-              <a:t>	Define test method order</a:t>
-            </a:r>
-          </a:p>
         </p:txBody>
       </p:sp>
     </p:spTree>
     <p:extLst>
       <p:ext uri="{BB962C8B-B14F-4D97-AF65-F5344CB8AC3E}">
-        <p14:creationId xmlns:p14="http://schemas.microsoft.com/office/powerpoint/2010/main" val="347202915"/>
+        <p14:creationId xmlns:p14="http://schemas.microsoft.com/office/powerpoint/2010/main" val="2145521508"/>
       </p:ext>
     </p:extLst>
   </p:cSld>
@@ -7729,7 +7921,7 @@
                   <a:schemeClr val="bg1"/>
                 </a:solidFill>
               </a:rPr>
-              <a:t>Junit 5 methods </a:t>
+              <a:t>API Gateway - </a:t>
             </a:r>
             <a:r>
               <a:rPr lang="en-US" b="1" dirty="0" err="1">
@@ -7737,16 +7929,13 @@
                   <a:schemeClr val="bg1"/>
                 </a:solidFill>
               </a:rPr>
-              <a:t>cntd</a:t>
-            </a:r>
-            <a:r>
-              <a:rPr lang="en-US" b="1" dirty="0">
-                <a:solidFill>
-                  <a:schemeClr val="bg1"/>
-                </a:solidFill>
-              </a:rPr>
-              <a:t>.</a:t>
-            </a:r>
+              <a:t>Zuul</a:t>
+            </a:r>
+            <a:endParaRPr lang="en-US" b="1" dirty="0">
+              <a:solidFill>
+                <a:schemeClr val="bg1"/>
+              </a:solidFill>
+            </a:endParaRPr>
           </a:p>
         </p:txBody>
       </p:sp>
@@ -7784,7 +7973,7 @@
                   <a:schemeClr val="bg1"/>
                 </a:solidFill>
               </a:rPr>
-              <a:t> @</a:t>
+              <a:t> With Microservices we can soon end up with having so many different </a:t>
             </a:r>
             <a:r>
               <a:rPr lang="en-US" b="1" dirty="0" err="1">
@@ -7792,22 +7981,25 @@
                   <a:schemeClr val="bg1"/>
                 </a:solidFill>
               </a:rPr>
-              <a:t>BeforeAll</a:t>
-            </a:r>
-            <a:endParaRPr lang="en-US" b="1" dirty="0">
-              <a:solidFill>
-                <a:schemeClr val="bg1"/>
-              </a:solidFill>
-            </a:endParaRPr>
-          </a:p>
-          <a:p>
-            <a:r>
-              <a:rPr lang="en-US" b="1" dirty="0">
-                <a:solidFill>
-                  <a:schemeClr val="bg1"/>
-                </a:solidFill>
-              </a:rPr>
-              <a:t>	method should be executed before all @Test, @</a:t>
+              <a:t>url's</a:t>
+            </a:r>
+            <a:r>
+              <a:rPr lang="en-US" b="1" dirty="0">
+                <a:solidFill>
+                  <a:schemeClr val="bg1"/>
+                </a:solidFill>
+              </a:rPr>
+              <a:t> all pointing to different IP.</a:t>
+            </a:r>
+          </a:p>
+          <a:p>
+            <a:r>
+              <a:rPr lang="en-US" b="1" dirty="0">
+                <a:solidFill>
+                  <a:schemeClr val="bg1"/>
+                </a:solidFill>
+              </a:rPr>
+              <a:t>User's need not be aware of the internal architecture and microservices design </a:t>
             </a:r>
             <a:r>
               <a:rPr lang="en-US" b="1" dirty="0" err="1">
@@ -7815,15 +8007,45 @@
                   <a:schemeClr val="bg1"/>
                 </a:solidFill>
               </a:rPr>
-              <a:t>RepeatedTest</a:t>
-            </a:r>
-            <a:r>
-              <a:rPr lang="en-US" b="1" dirty="0">
-                <a:solidFill>
-                  <a:schemeClr val="bg1"/>
-                </a:solidFill>
-              </a:rPr>
-              <a:t>, @</a:t>
+              <a:t>ect</a:t>
+            </a:r>
+            <a:r>
+              <a:rPr lang="en-US" b="1" dirty="0">
+                <a:solidFill>
+                  <a:schemeClr val="bg1"/>
+                </a:solidFill>
+              </a:rPr>
+              <a:t>.</a:t>
+            </a:r>
+          </a:p>
+          <a:p>
+            <a:r>
+              <a:rPr lang="en-US" b="1" dirty="0">
+                <a:solidFill>
+                  <a:schemeClr val="bg1"/>
+                </a:solidFill>
+              </a:rPr>
+              <a:t>Need to provide a unique gateway to the client applications of your system. </a:t>
+            </a:r>
+          </a:p>
+          <a:p>
+            <a:r>
+              <a:rPr lang="en-US" b="1" dirty="0">
+                <a:solidFill>
+                  <a:schemeClr val="bg1"/>
+                </a:solidFill>
+              </a:rPr>
+              <a:t>	</a:t>
+            </a:r>
+          </a:p>
+          <a:p>
+            <a:r>
+              <a:rPr lang="en-US" b="1" dirty="0">
+                <a:solidFill>
+                  <a:schemeClr val="bg1"/>
+                </a:solidFill>
+              </a:rPr>
+              <a:t>Open-sourced </a:t>
             </a:r>
             <a:r>
               <a:rPr lang="en-US" b="1" dirty="0" err="1">
@@ -7831,235 +8053,116 @@
                   <a:schemeClr val="bg1"/>
                 </a:solidFill>
               </a:rPr>
-              <a:t>ParameterizedTest</a:t>
-            </a:r>
-            <a:r>
-              <a:rPr lang="en-US" b="1" dirty="0">
-                <a:solidFill>
-                  <a:schemeClr val="bg1"/>
-                </a:solidFill>
-              </a:rPr>
-              <a:t>, and 	@</a:t>
-            </a:r>
-            <a:r>
-              <a:rPr lang="en-US" b="1" dirty="0" err="1">
-                <a:solidFill>
-                  <a:schemeClr val="bg1"/>
-                </a:solidFill>
-              </a:rPr>
-              <a:t>TestFactory</a:t>
-            </a:r>
-            <a:r>
-              <a:rPr lang="en-US" b="1" dirty="0">
-                <a:solidFill>
-                  <a:schemeClr val="bg1"/>
-                </a:solidFill>
-              </a:rPr>
-              <a:t> methods</a:t>
-            </a:r>
-          </a:p>
-          <a:p>
-            <a:r>
-              <a:rPr lang="en-US" b="1" dirty="0">
-                <a:solidFill>
-                  <a:schemeClr val="bg1"/>
-                </a:solidFill>
-              </a:rPr>
-              <a:t>	Similar to @</a:t>
-            </a:r>
-            <a:r>
-              <a:rPr lang="en-US" b="1" dirty="0" err="1">
-                <a:solidFill>
-                  <a:schemeClr val="bg1"/>
-                </a:solidFill>
-              </a:rPr>
-              <a:t>BeforeClass</a:t>
-            </a:r>
-            <a:r>
-              <a:rPr lang="en-US" b="1" dirty="0">
-                <a:solidFill>
-                  <a:schemeClr val="bg1"/>
-                </a:solidFill>
-              </a:rPr>
-              <a:t> in junit4</a:t>
-            </a:r>
-          </a:p>
-          <a:p>
-            <a:r>
-              <a:rPr lang="en-US" b="1" dirty="0">
-                <a:solidFill>
-                  <a:schemeClr val="bg1"/>
-                </a:solidFill>
-              </a:rPr>
-              <a:t>@</a:t>
-            </a:r>
-            <a:r>
-              <a:rPr lang="en-US" b="1" dirty="0" err="1">
-                <a:solidFill>
-                  <a:schemeClr val="bg1"/>
-                </a:solidFill>
-              </a:rPr>
-              <a:t>AfterAll</a:t>
-            </a:r>
-            <a:endParaRPr lang="en-US" b="1" dirty="0">
-              <a:solidFill>
-                <a:schemeClr val="bg1"/>
-              </a:solidFill>
-            </a:endParaRPr>
-          </a:p>
-          <a:p>
-            <a:r>
-              <a:rPr lang="en-US" b="1" dirty="0">
-                <a:solidFill>
-                  <a:schemeClr val="bg1"/>
-                </a:solidFill>
-              </a:rPr>
-              <a:t>	method should be executed after all @Test, @</a:t>
-            </a:r>
-            <a:r>
-              <a:rPr lang="en-US" b="1" dirty="0" err="1">
-                <a:solidFill>
-                  <a:schemeClr val="bg1"/>
-                </a:solidFill>
-              </a:rPr>
-              <a:t>RepeatedTest</a:t>
-            </a:r>
-            <a:r>
-              <a:rPr lang="en-US" b="1" dirty="0">
-                <a:solidFill>
-                  <a:schemeClr val="bg1"/>
-                </a:solidFill>
-              </a:rPr>
-              <a:t>, @</a:t>
-            </a:r>
-            <a:r>
-              <a:rPr lang="en-US" b="1" dirty="0" err="1">
-                <a:solidFill>
-                  <a:schemeClr val="bg1"/>
-                </a:solidFill>
-              </a:rPr>
-              <a:t>ParameterizedTest</a:t>
-            </a:r>
-            <a:r>
-              <a:rPr lang="en-US" b="1" dirty="0">
-                <a:solidFill>
-                  <a:schemeClr val="bg1"/>
-                </a:solidFill>
-              </a:rPr>
-              <a:t>, and 	@</a:t>
-            </a:r>
-            <a:r>
-              <a:rPr lang="en-US" b="1" dirty="0" err="1">
-                <a:solidFill>
-                  <a:schemeClr val="bg1"/>
-                </a:solidFill>
-              </a:rPr>
-              <a:t>TestFactory</a:t>
-            </a:r>
-            <a:r>
-              <a:rPr lang="en-US" b="1" dirty="0">
-                <a:solidFill>
-                  <a:schemeClr val="bg1"/>
-                </a:solidFill>
-              </a:rPr>
-              <a:t> methods</a:t>
-            </a:r>
-          </a:p>
-          <a:p>
-            <a:r>
-              <a:rPr lang="en-US" b="1" dirty="0">
-                <a:solidFill>
-                  <a:schemeClr val="bg1"/>
-                </a:solidFill>
-              </a:rPr>
-              <a:t>	Similar to @</a:t>
-            </a:r>
-            <a:r>
-              <a:rPr lang="en-US" b="1" dirty="0" err="1">
-                <a:solidFill>
-                  <a:schemeClr val="bg1"/>
-                </a:solidFill>
-              </a:rPr>
-              <a:t>AfterClass</a:t>
-            </a:r>
-            <a:r>
-              <a:rPr lang="en-US" b="1" dirty="0">
-                <a:solidFill>
-                  <a:schemeClr val="bg1"/>
-                </a:solidFill>
-              </a:rPr>
-              <a:t> in junit4</a:t>
-            </a:r>
-          </a:p>
-          <a:p>
-            <a:r>
-              <a:rPr lang="en-US" b="1" dirty="0">
-                <a:solidFill>
-                  <a:schemeClr val="bg1"/>
-                </a:solidFill>
-              </a:rPr>
-              <a:t>@Tag</a:t>
-            </a:r>
-          </a:p>
-          <a:p>
-            <a:r>
-              <a:rPr lang="en-US" b="1" dirty="0">
-                <a:solidFill>
-                  <a:schemeClr val="bg1"/>
-                </a:solidFill>
-              </a:rPr>
-              <a:t>		Define key value pair tags.</a:t>
-            </a:r>
-          </a:p>
-          <a:p>
-            <a:r>
-              <a:rPr lang="en-US" b="1" dirty="0">
-                <a:solidFill>
-                  <a:schemeClr val="bg1"/>
-                </a:solidFill>
-              </a:rPr>
-              <a:t>		Can be used to filter and run specific set of test cases.</a:t>
-            </a:r>
+              <a:t>Zuul</a:t>
+            </a:r>
+            <a:r>
+              <a:rPr lang="en-US" b="1" dirty="0">
+                <a:solidFill>
+                  <a:schemeClr val="bg1"/>
+                </a:solidFill>
+              </a:rPr>
+              <a:t> solves this.</a:t>
+            </a:r>
+          </a:p>
+          <a:p>
+            <a:r>
+              <a:rPr lang="en-US" b="1" dirty="0">
+                <a:solidFill>
+                  <a:schemeClr val="bg1"/>
+                </a:solidFill>
+              </a:rPr>
+              <a:t>	Edge service that proxies requests to multiple backing services. </a:t>
+            </a:r>
+          </a:p>
+          <a:p>
+            <a:r>
+              <a:rPr lang="en-US" b="1" dirty="0">
+                <a:solidFill>
+                  <a:schemeClr val="bg1"/>
+                </a:solidFill>
+              </a:rPr>
+              <a:t>	Provides a unified “front door” to your ecosystem hosted on different computers. </a:t>
+            </a:r>
+          </a:p>
+          <a:p>
+            <a:r>
+              <a:rPr lang="en-US" b="1" dirty="0">
+                <a:solidFill>
+                  <a:schemeClr val="bg1"/>
+                </a:solidFill>
+              </a:rPr>
+              <a:t>	Can execute various functions during </a:t>
+            </a:r>
+            <a:r>
+              <a:rPr lang="en-US" b="1">
+                <a:solidFill>
+                  <a:schemeClr val="bg1"/>
+                </a:solidFill>
+              </a:rPr>
+              <a:t>the following </a:t>
+            </a:r>
+            <a:r>
+              <a:rPr lang="en-US" b="1" dirty="0">
+                <a:solidFill>
+                  <a:schemeClr val="bg1"/>
+                </a:solidFill>
+              </a:rPr>
+              <a:t>lifecycle</a:t>
+            </a:r>
+          </a:p>
+          <a:p>
+            <a:r>
+              <a:rPr lang="en-US" b="1" dirty="0">
+                <a:solidFill>
+                  <a:schemeClr val="bg1"/>
+                </a:solidFill>
+              </a:rPr>
+              <a:t>		- Before forwarding</a:t>
+            </a:r>
+          </a:p>
+          <a:p>
+            <a:r>
+              <a:rPr lang="en-US" b="1" dirty="0">
+                <a:solidFill>
+                  <a:schemeClr val="bg1"/>
+                </a:solidFill>
+              </a:rPr>
+              <a:t>		- While forwarding</a:t>
+            </a:r>
+          </a:p>
+          <a:p>
+            <a:r>
+              <a:rPr lang="en-US" b="1" dirty="0">
+                <a:solidFill>
+                  <a:schemeClr val="bg1"/>
+                </a:solidFill>
+              </a:rPr>
+              <a:t>		- After forwarding</a:t>
+            </a:r>
+          </a:p>
+          <a:p>
+            <a:r>
+              <a:rPr lang="en-US" b="1" dirty="0">
+                <a:solidFill>
+                  <a:schemeClr val="bg1"/>
+                </a:solidFill>
+              </a:rPr>
+              <a:t>		- In case of an error</a:t>
+            </a:r>
+          </a:p>
+          <a:p>
             <a:endParaRPr lang="en-US" dirty="0">
               <a:solidFill>
                 <a:schemeClr val="bg1"/>
               </a:solidFill>
             </a:endParaRPr>
           </a:p>
-          <a:p>
-            <a:endParaRPr lang="en-US" dirty="0">
-              <a:solidFill>
-                <a:schemeClr val="bg1"/>
-              </a:solidFill>
-            </a:endParaRPr>
-          </a:p>
-          <a:p>
-            <a:r>
-              <a:rPr lang="en-US" b="1" dirty="0">
-                <a:solidFill>
-                  <a:schemeClr val="bg1"/>
-                </a:solidFill>
-              </a:rPr>
-              <a:t>Documentation: </a:t>
-            </a:r>
-            <a:r>
-              <a:rPr lang="en-IN" b="1" dirty="0">
-                <a:hlinkClick r:id="rId2"/>
-              </a:rPr>
-              <a:t>https://junit.org/junit5/docs/current/user-guide/</a:t>
-            </a:r>
-            <a:endParaRPr lang="en-US" b="1" dirty="0">
-              <a:solidFill>
-                <a:schemeClr val="bg1"/>
-              </a:solidFill>
-            </a:endParaRPr>
-          </a:p>
         </p:txBody>
       </p:sp>
     </p:spTree>
     <p:extLst>
       <p:ext uri="{BB962C8B-B14F-4D97-AF65-F5344CB8AC3E}">
-        <p14:creationId xmlns:p14="http://schemas.microsoft.com/office/powerpoint/2010/main" val="1047659052"/>
+        <p14:creationId xmlns:p14="http://schemas.microsoft.com/office/powerpoint/2010/main" val="389176938"/>
       </p:ext>
     </p:extLst>
   </p:cSld>
@@ -8129,7 +8232,7 @@
                   <a:schemeClr val="bg1"/>
                 </a:solidFill>
               </a:rPr>
-              <a:t>Implement an Integration Test</a:t>
+              <a:t>API Gateway</a:t>
             </a:r>
           </a:p>
         </p:txBody>
@@ -8148,8 +8251,8 @@
         </p:nvSpPr>
         <p:spPr>
           <a:xfrm>
-            <a:off x="838200" y="1779687"/>
-            <a:ext cx="10515600" cy="646331"/>
+            <a:off x="838199" y="1779687"/>
+            <a:ext cx="11954993" cy="369332"/>
           </a:xfrm>
           <a:prstGeom prst="rect">
             <a:avLst/>
@@ -8168,10 +8271,8 @@
                   <a:schemeClr val="bg1"/>
                 </a:solidFill>
               </a:rPr>
-              <a:t>training\day3\Testing\InstrcutionsForTesting.txt</a:t>
-            </a:r>
-          </a:p>
-          <a:p>
+              <a:t> </a:t>
+            </a:r>
             <a:endParaRPr lang="en-US" dirty="0">
               <a:solidFill>
                 <a:schemeClr val="bg1"/>
@@ -8180,10 +8281,57 @@
           </a:p>
         </p:txBody>
       </p:sp>
+      <p:pic>
+        <p:nvPicPr>
+          <p:cNvPr id="1026" name="Picture 2">
+            <a:extLst>
+              <a:ext uri="{FF2B5EF4-FFF2-40B4-BE49-F238E27FC236}">
+                <a16:creationId xmlns:a16="http://schemas.microsoft.com/office/drawing/2014/main" id="{38C130D5-96AB-40A1-8378-62EB6498BFA8}"/>
+              </a:ext>
+            </a:extLst>
+          </p:cNvPr>
+          <p:cNvPicPr>
+            <a:picLocks noChangeAspect="1" noChangeArrowheads="1"/>
+          </p:cNvPicPr>
+          <p:nvPr/>
+        </p:nvPicPr>
+        <p:blipFill>
+          <a:blip r:embed="rId2">
+            <a:extLst>
+              <a:ext uri="{28A0092B-C50C-407E-A947-70E740481C1C}">
+                <a14:useLocalDpi xmlns:a14="http://schemas.microsoft.com/office/drawing/2010/main" val="0"/>
+              </a:ext>
+            </a:extLst>
+          </a:blip>
+          <a:srcRect/>
+          <a:stretch>
+            <a:fillRect/>
+          </a:stretch>
+        </p:blipFill>
+        <p:spPr bwMode="auto">
+          <a:xfrm>
+            <a:off x="838199" y="1690688"/>
+            <a:ext cx="10646230" cy="4514169"/>
+          </a:xfrm>
+          <a:prstGeom prst="rect">
+            <a:avLst/>
+          </a:prstGeom>
+          <a:noFill/>
+          <a:extLst>
+            <a:ext uri="{909E8E84-426E-40DD-AFC4-6F175D3DCCD1}">
+              <a14:hiddenFill xmlns:a14="http://schemas.microsoft.com/office/drawing/2010/main">
+                <a:solidFill>
+                  <a:srgbClr val="FFFFFF"/>
+                </a:solidFill>
+              </a14:hiddenFill>
+            </a:ext>
+          </a:extLst>
+        </p:spPr>
+      </p:pic>
     </p:spTree>
     <p:extLst>
       <p:ext uri="{BB962C8B-B14F-4D97-AF65-F5344CB8AC3E}">
-        <p14:creationId xmlns:p14="http://schemas.microsoft.com/office/powerpoint/2010/main" val="2145521508"/>
+        <p14:creationId xmlns:p14="http://schemas.microsoft.com/office/powerpoint/2010/main" val="351667473"/>
       </p:ext>
     </p:extLst>
   </p:cSld>
@@ -8253,7 +8401,7 @@
                   <a:schemeClr val="bg1"/>
                 </a:solidFill>
               </a:rPr>
-              <a:t>API Gateway - </a:t>
+              <a:t>Advantages of </a:t>
             </a:r>
             <a:r>
               <a:rPr lang="en-US" b="1" dirty="0" err="1">
@@ -8286,7 +8434,7 @@
         <p:spPr>
           <a:xfrm>
             <a:off x="838200" y="1779687"/>
-            <a:ext cx="10515600" cy="3693319"/>
+            <a:ext cx="10515600" cy="3139321"/>
           </a:xfrm>
           <a:prstGeom prst="rect">
             <a:avLst/>
@@ -8305,7 +8453,7 @@
                   <a:schemeClr val="bg1"/>
                 </a:solidFill>
               </a:rPr>
-              <a:t> With Microservices we can soon end up with having </a:t>
+              <a:t>Netflix Uses </a:t>
             </a:r>
             <a:r>
               <a:rPr lang="en-US" b="1" dirty="0" err="1">
@@ -8313,94 +8461,6 @@
                   <a:schemeClr val="bg1"/>
                 </a:solidFill>
               </a:rPr>
-              <a:t>somany</a:t>
-            </a:r>
-            <a:r>
-              <a:rPr lang="en-US" b="1" dirty="0">
-                <a:solidFill>
-                  <a:schemeClr val="bg1"/>
-                </a:solidFill>
-              </a:rPr>
-              <a:t> different </a:t>
-            </a:r>
-            <a:r>
-              <a:rPr lang="en-US" b="1" dirty="0" err="1">
-                <a:solidFill>
-                  <a:schemeClr val="bg1"/>
-                </a:solidFill>
-              </a:rPr>
-              <a:t>url's</a:t>
-            </a:r>
-            <a:r>
-              <a:rPr lang="en-US" b="1" dirty="0">
-                <a:solidFill>
-                  <a:schemeClr val="bg1"/>
-                </a:solidFill>
-              </a:rPr>
-              <a:t> all pointing to different IP.</a:t>
-            </a:r>
-          </a:p>
-          <a:p>
-            <a:r>
-              <a:rPr lang="en-US" b="1" dirty="0">
-                <a:solidFill>
-                  <a:schemeClr val="bg1"/>
-                </a:solidFill>
-              </a:rPr>
-              <a:t>User's need not be aware of the internal architecture and microservices design </a:t>
-            </a:r>
-            <a:r>
-              <a:rPr lang="en-US" b="1" dirty="0" err="1">
-                <a:solidFill>
-                  <a:schemeClr val="bg1"/>
-                </a:solidFill>
-              </a:rPr>
-              <a:t>ect</a:t>
-            </a:r>
-            <a:r>
-              <a:rPr lang="en-US" b="1" dirty="0">
-                <a:solidFill>
-                  <a:schemeClr val="bg1"/>
-                </a:solidFill>
-              </a:rPr>
-              <a:t>.</a:t>
-            </a:r>
-          </a:p>
-          <a:p>
-            <a:r>
-              <a:rPr lang="en-US" b="1" dirty="0">
-                <a:solidFill>
-                  <a:schemeClr val="bg1"/>
-                </a:solidFill>
-              </a:rPr>
-              <a:t>Need to provide a unique gateway to the client applications of your system. </a:t>
-            </a:r>
-          </a:p>
-          <a:p>
-            <a:r>
-              <a:rPr lang="en-US" b="1" dirty="0">
-                <a:solidFill>
-                  <a:schemeClr val="bg1"/>
-                </a:solidFill>
-              </a:rPr>
-              <a:t>	</a:t>
-            </a:r>
-          </a:p>
-          <a:p>
-            <a:r>
-              <a:rPr lang="en-US" b="1" dirty="0">
-                <a:solidFill>
-                  <a:schemeClr val="bg1"/>
-                </a:solidFill>
-              </a:rPr>
-              <a:t>Open-sourced </a:t>
-            </a:r>
-            <a:r>
-              <a:rPr lang="en-US" b="1" dirty="0" err="1">
-                <a:solidFill>
-                  <a:schemeClr val="bg1"/>
-                </a:solidFill>
-              </a:rPr>
               <a:t>Zuul</a:t>
             </a:r>
             <a:r>
@@ -8409,96 +8469,108 @@
                   <a:schemeClr val="bg1"/>
                 </a:solidFill>
               </a:rPr>
-              <a:t> solves this.</a:t>
-            </a:r>
-          </a:p>
-          <a:p>
-            <a:r>
-              <a:rPr lang="en-US" b="1" dirty="0">
-                <a:solidFill>
-                  <a:schemeClr val="bg1"/>
-                </a:solidFill>
-              </a:rPr>
-              <a:t>	Edge service that proxies requests to multiple backing services. </a:t>
-            </a:r>
-          </a:p>
-          <a:p>
-            <a:r>
-              <a:rPr lang="en-US" b="1" dirty="0">
-                <a:solidFill>
-                  <a:schemeClr val="bg1"/>
-                </a:solidFill>
-              </a:rPr>
-              <a:t>	Provides a unified “front door” to your ecosystem hosted on different computers. </a:t>
-            </a:r>
-          </a:p>
-          <a:p>
-            <a:r>
-              <a:rPr lang="en-US" b="1" dirty="0">
-                <a:solidFill>
-                  <a:schemeClr val="bg1"/>
-                </a:solidFill>
-              </a:rPr>
-              <a:t>	Can execute various functions during the </a:t>
-            </a:r>
-            <a:r>
-              <a:rPr lang="en-US" b="1" dirty="0" err="1">
-                <a:solidFill>
-                  <a:schemeClr val="bg1"/>
-                </a:solidFill>
-              </a:rPr>
-              <a:t>followign</a:t>
-            </a:r>
-            <a:r>
-              <a:rPr lang="en-US" b="1" dirty="0">
-                <a:solidFill>
-                  <a:schemeClr val="bg1"/>
-                </a:solidFill>
-              </a:rPr>
-              <a:t> lifecycle</a:t>
-            </a:r>
-          </a:p>
-          <a:p>
-            <a:r>
-              <a:rPr lang="en-US" b="1" dirty="0">
-                <a:solidFill>
-                  <a:schemeClr val="bg1"/>
-                </a:solidFill>
-              </a:rPr>
-              <a:t>		- Before forwarding</a:t>
-            </a:r>
-          </a:p>
-          <a:p>
-            <a:r>
-              <a:rPr lang="en-US" b="1" dirty="0">
-                <a:solidFill>
-                  <a:schemeClr val="bg1"/>
-                </a:solidFill>
-              </a:rPr>
-              <a:t>		- While forwarding</a:t>
-            </a:r>
-          </a:p>
-          <a:p>
-            <a:r>
-              <a:rPr lang="en-US" b="1" dirty="0">
-                <a:solidFill>
-                  <a:schemeClr val="bg1"/>
-                </a:solidFill>
-              </a:rPr>
-              <a:t>		- After forwarding</a:t>
-            </a:r>
-          </a:p>
-          <a:p>
-            <a:r>
-              <a:rPr lang="en-US" b="1" dirty="0">
-                <a:solidFill>
-                  <a:schemeClr val="bg1"/>
-                </a:solidFill>
-              </a:rPr>
-              <a:t>		- In case of an error</a:t>
-            </a:r>
-          </a:p>
-          <a:p>
+              <a:t> for the following</a:t>
+            </a:r>
+          </a:p>
+          <a:p>
+            <a:r>
+              <a:rPr lang="en-US" b="1" dirty="0">
+                <a:solidFill>
+                  <a:schemeClr val="bg1"/>
+                </a:solidFill>
+              </a:rPr>
+              <a:t>	Provide a unified entry point</a:t>
+            </a:r>
+          </a:p>
+          <a:p>
+            <a:r>
+              <a:rPr lang="en-US" b="1" dirty="0">
+                <a:solidFill>
+                  <a:schemeClr val="bg1"/>
+                </a:solidFill>
+              </a:rPr>
+              <a:t>	Apply microservice authentication and security </a:t>
+            </a:r>
+          </a:p>
+          <a:p>
+            <a:r>
+              <a:rPr lang="en-US" b="1" dirty="0">
+                <a:solidFill>
+                  <a:schemeClr val="bg1"/>
+                </a:solidFill>
+              </a:rPr>
+              <a:t>	Can implement a single unified monitoring.</a:t>
+            </a:r>
+          </a:p>
+          <a:p>
+            <a:r>
+              <a:rPr lang="en-US" b="1" dirty="0">
+                <a:solidFill>
+                  <a:schemeClr val="bg1"/>
+                </a:solidFill>
+              </a:rPr>
+              <a:t>	Implement Dynamic Routing can route requests to different backend clusters as needed.</a:t>
+            </a:r>
+          </a:p>
+          <a:p>
+            <a:r>
+              <a:rPr lang="en-US" b="1" dirty="0">
+                <a:solidFill>
+                  <a:schemeClr val="bg1"/>
+                </a:solidFill>
+              </a:rPr>
+              <a:t>	Do runtime stress testing by gradually increasing the traffic </a:t>
+            </a:r>
+          </a:p>
+          <a:p>
+            <a:r>
+              <a:rPr lang="en-US" b="1" dirty="0">
+                <a:solidFill>
+                  <a:schemeClr val="bg1"/>
+                </a:solidFill>
+              </a:rPr>
+              <a:t>	We can do dynamic load shedding </a:t>
+            </a:r>
+          </a:p>
+          <a:p>
+            <a:r>
+              <a:rPr lang="en-US" b="1" dirty="0">
+                <a:solidFill>
+                  <a:schemeClr val="bg1"/>
+                </a:solidFill>
+              </a:rPr>
+              <a:t>		e.g. dropping requests that go over the limit.</a:t>
+            </a:r>
+          </a:p>
+          <a:p>
+            <a:r>
+              <a:rPr lang="en-US" b="1" dirty="0">
+                <a:solidFill>
+                  <a:schemeClr val="bg1"/>
+                </a:solidFill>
+              </a:rPr>
+              <a:t>	Apply static response handling </a:t>
+            </a:r>
+          </a:p>
+          <a:p>
+            <a:r>
+              <a:rPr lang="en-US" b="1" dirty="0">
+                <a:solidFill>
+                  <a:schemeClr val="bg1"/>
+                </a:solidFill>
+              </a:rPr>
+              <a:t>		e.g. while upgrading the system.</a:t>
+            </a:r>
+          </a:p>
+          <a:p>
+            <a:r>
+              <a:rPr lang="en-US" b="1" dirty="0">
+                <a:solidFill>
+                  <a:schemeClr val="bg1"/>
+                </a:solidFill>
+              </a:rPr>
+              <a:t>	Can enable dynamic routing, monitoring, resiliency, and security. </a:t>
+            </a:r>
             <a:endParaRPr lang="en-US" dirty="0">
               <a:solidFill>
                 <a:schemeClr val="bg1"/>
@@ -8510,7 +8582,7 @@
     </p:spTree>
     <p:extLst>
       <p:ext uri="{BB962C8B-B14F-4D97-AF65-F5344CB8AC3E}">
-        <p14:creationId xmlns:p14="http://schemas.microsoft.com/office/powerpoint/2010/main" val="389176938"/>
+        <p14:creationId xmlns:p14="http://schemas.microsoft.com/office/powerpoint/2010/main" val="2186921650"/>
       </p:ext>
     </p:extLst>
   </p:cSld>
@@ -8575,12 +8647,20 @@
           <a:lstStyle/>
           <a:p>
             <a:r>
-              <a:rPr lang="en-US" b="1" dirty="0">
-                <a:solidFill>
-                  <a:schemeClr val="bg1"/>
-                </a:solidFill>
-              </a:rPr>
-              <a:t>API Gateway</a:t>
+              <a:rPr lang="en-US" b="1" dirty="0" err="1">
+                <a:solidFill>
+                  <a:schemeClr val="bg1"/>
+                </a:solidFill>
+              </a:rPr>
+              <a:t>Zuul</a:t>
+            </a:r>
+            <a:r>
+              <a:rPr lang="en-US" b="1" dirty="0">
+                <a:solidFill>
+                  <a:schemeClr val="bg1"/>
+                </a:solidFill>
+              </a:rPr>
+              <a:t> - lab</a:t>
             </a:r>
           </a:p>
         </p:txBody>
@@ -8599,8 +8679,8 @@
         </p:nvSpPr>
         <p:spPr>
           <a:xfrm>
-            <a:off x="838199" y="1779687"/>
-            <a:ext cx="11954993" cy="369332"/>
+            <a:off x="838200" y="1779687"/>
+            <a:ext cx="10515600" cy="369332"/>
           </a:xfrm>
           <a:prstGeom prst="rect">
             <a:avLst/>
@@ -8619,7 +8699,23 @@
                   <a:schemeClr val="bg1"/>
                 </a:solidFill>
               </a:rPr>
-              <a:t> </a:t>
+              <a:t> training\day3\</a:t>
+            </a:r>
+            <a:r>
+              <a:rPr lang="en-US" b="1" dirty="0" err="1">
+                <a:solidFill>
+                  <a:schemeClr val="bg1"/>
+                </a:solidFill>
+              </a:rPr>
+              <a:t>APIGateway</a:t>
+            </a:r>
+            <a:r>
+              <a:rPr lang="en-US" b="1" dirty="0">
+                <a:solidFill>
+                  <a:schemeClr val="bg1"/>
+                </a:solidFill>
+              </a:rPr>
+              <a:t>\InstructionsForAPIGateway.txt</a:t>
             </a:r>
             <a:endParaRPr lang="en-US" dirty="0">
               <a:solidFill>
@@ -8629,57 +8725,10 @@
           </a:p>
         </p:txBody>
       </p:sp>
-      <p:pic>
-        <p:nvPicPr>
-          <p:cNvPr id="1026" name="Picture 2">
-            <a:extLst>
-              <a:ext uri="{FF2B5EF4-FFF2-40B4-BE49-F238E27FC236}">
-                <a16:creationId xmlns:a16="http://schemas.microsoft.com/office/drawing/2014/main" id="{38C130D5-96AB-40A1-8378-62EB6498BFA8}"/>
-              </a:ext>
-            </a:extLst>
-          </p:cNvPr>
-          <p:cNvPicPr>
-            <a:picLocks noChangeAspect="1" noChangeArrowheads="1"/>
-          </p:cNvPicPr>
-          <p:nvPr/>
-        </p:nvPicPr>
-        <p:blipFill>
-          <a:blip r:embed="rId2">
-            <a:extLst>
-              <a:ext uri="{28A0092B-C50C-407E-A947-70E740481C1C}">
-                <a14:useLocalDpi xmlns:a14="http://schemas.microsoft.com/office/drawing/2010/main" val="0"/>
-              </a:ext>
-            </a:extLst>
-          </a:blip>
-          <a:srcRect/>
-          <a:stretch>
-            <a:fillRect/>
-          </a:stretch>
-        </p:blipFill>
-        <p:spPr bwMode="auto">
-          <a:xfrm>
-            <a:off x="838199" y="1690688"/>
-            <a:ext cx="10646230" cy="4514169"/>
-          </a:xfrm>
-          <a:prstGeom prst="rect">
-            <a:avLst/>
-          </a:prstGeom>
-          <a:noFill/>
-          <a:extLst>
-            <a:ext uri="{909E8E84-426E-40DD-AFC4-6F175D3DCCD1}">
-              <a14:hiddenFill xmlns:a14="http://schemas.microsoft.com/office/drawing/2010/main">
-                <a:solidFill>
-                  <a:srgbClr val="FFFFFF"/>
-                </a:solidFill>
-              </a14:hiddenFill>
-            </a:ext>
-          </a:extLst>
-        </p:spPr>
-      </p:pic>
     </p:spTree>
     <p:extLst>
       <p:ext uri="{BB962C8B-B14F-4D97-AF65-F5344CB8AC3E}">
-        <p14:creationId xmlns:p14="http://schemas.microsoft.com/office/powerpoint/2010/main" val="351667473"/>
+        <p14:creationId xmlns:p14="http://schemas.microsoft.com/office/powerpoint/2010/main" val="91501442"/>
       </p:ext>
     </p:extLst>
   </p:cSld>
@@ -8749,21 +8798,8 @@
                   <a:schemeClr val="bg1"/>
                 </a:solidFill>
               </a:rPr>
-              <a:t>Advantages of </a:t>
-            </a:r>
-            <a:r>
-              <a:rPr lang="en-US" b="1" dirty="0" err="1">
-                <a:solidFill>
-                  <a:schemeClr val="bg1"/>
-                </a:solidFill>
-              </a:rPr>
-              <a:t>Zuul</a:t>
-            </a:r>
-            <a:endParaRPr lang="en-US" b="1" dirty="0">
-              <a:solidFill>
-                <a:schemeClr val="bg1"/>
-              </a:solidFill>
-            </a:endParaRPr>
+              <a:t>Security</a:t>
+            </a:r>
           </a:p>
         </p:txBody>
       </p:sp>
@@ -8782,7 +8818,7 @@
         <p:spPr>
           <a:xfrm>
             <a:off x="838200" y="1779687"/>
-            <a:ext cx="10515600" cy="3139321"/>
+            <a:ext cx="10515600" cy="3416320"/>
           </a:xfrm>
           <a:prstGeom prst="rect">
             <a:avLst/>
@@ -8801,136 +8837,125 @@
                   <a:schemeClr val="bg1"/>
                 </a:solidFill>
               </a:rPr>
-              <a:t>Netflix Uses </a:t>
-            </a:r>
-            <a:r>
-              <a:rPr lang="en-US" b="1" dirty="0" err="1">
-                <a:solidFill>
-                  <a:schemeClr val="bg1"/>
-                </a:solidFill>
-              </a:rPr>
-              <a:t>Zuul</a:t>
-            </a:r>
-            <a:r>
-              <a:rPr lang="en-US" b="1" dirty="0">
-                <a:solidFill>
-                  <a:schemeClr val="bg1"/>
-                </a:solidFill>
-              </a:rPr>
-              <a:t> for the following</a:t>
-            </a:r>
-          </a:p>
-          <a:p>
-            <a:r>
-              <a:rPr lang="en-US" b="1" dirty="0">
-                <a:solidFill>
-                  <a:schemeClr val="bg1"/>
-                </a:solidFill>
-              </a:rPr>
-              <a:t>	Provide a unified entry point</a:t>
-            </a:r>
-          </a:p>
-          <a:p>
-            <a:r>
-              <a:rPr lang="en-US" b="1" dirty="0">
-                <a:solidFill>
-                  <a:schemeClr val="bg1"/>
-                </a:solidFill>
-              </a:rPr>
-              <a:t>	Apply microservice authentication and security </a:t>
-            </a:r>
-          </a:p>
-          <a:p>
-            <a:r>
-              <a:rPr lang="en-US" b="1" dirty="0">
-                <a:solidFill>
-                  <a:schemeClr val="bg1"/>
-                </a:solidFill>
-              </a:rPr>
-              <a:t>	Can implement a single unified monitoring.</a:t>
-            </a:r>
-          </a:p>
-          <a:p>
-            <a:r>
-              <a:rPr lang="en-US" b="1" dirty="0">
-                <a:solidFill>
-                  <a:schemeClr val="bg1"/>
-                </a:solidFill>
-              </a:rPr>
-              <a:t>	Implement Dynamic Routing can route requests to different backend clusters as needed.</a:t>
-            </a:r>
-          </a:p>
-          <a:p>
-            <a:r>
-              <a:rPr lang="en-US" b="1" dirty="0">
-                <a:solidFill>
-                  <a:schemeClr val="bg1"/>
-                </a:solidFill>
-              </a:rPr>
-              <a:t>	Do runtime stress testing by gradually increasing the traffic </a:t>
-            </a:r>
-          </a:p>
-          <a:p>
-            <a:r>
-              <a:rPr lang="en-US" b="1" dirty="0">
-                <a:solidFill>
-                  <a:schemeClr val="bg1"/>
-                </a:solidFill>
-              </a:rPr>
-              <a:t>	We can do dynamic load shedding </a:t>
-            </a:r>
-          </a:p>
-          <a:p>
-            <a:r>
-              <a:rPr lang="en-US" b="1" dirty="0">
-                <a:solidFill>
-                  <a:schemeClr val="bg1"/>
-                </a:solidFill>
-              </a:rPr>
-              <a:t>		e.g. dropping requests that go over the limit.</a:t>
-            </a:r>
-          </a:p>
-          <a:p>
-            <a:r>
-              <a:rPr lang="en-US" b="1" dirty="0">
-                <a:solidFill>
-                  <a:schemeClr val="bg1"/>
-                </a:solidFill>
-              </a:rPr>
-              <a:t>	Apply static response handling </a:t>
-            </a:r>
-          </a:p>
-          <a:p>
-            <a:r>
-              <a:rPr lang="en-US" b="1" dirty="0">
-                <a:solidFill>
-                  <a:schemeClr val="bg1"/>
-                </a:solidFill>
-              </a:rPr>
-              <a:t>		e.g. while upgrading the system.</a:t>
-            </a:r>
-          </a:p>
-          <a:p>
-            <a:r>
-              <a:rPr lang="en-US" b="1" dirty="0">
-                <a:solidFill>
-                  <a:schemeClr val="bg1"/>
-                </a:solidFill>
-              </a:rPr>
-              <a:t>	Can enable dynamic routing, monitoring, resiliency, and security. </a:t>
-            </a:r>
-            <a:endParaRPr lang="en-US" dirty="0">
-              <a:solidFill>
-                <a:schemeClr val="bg1"/>
-              </a:solidFill>
-            </a:endParaRPr>
+              <a:t>11 Patterns for Security</a:t>
+            </a:r>
+          </a:p>
+          <a:p>
+            <a:r>
+              <a:rPr lang="en-US" b="1" dirty="0">
+                <a:solidFill>
+                  <a:schemeClr val="bg1"/>
+                </a:solidFill>
+              </a:rPr>
+              <a:t>	Be Secure by Design</a:t>
+            </a:r>
+          </a:p>
+          <a:p>
+            <a:r>
+              <a:rPr lang="en-US" b="1" dirty="0">
+                <a:solidFill>
+                  <a:schemeClr val="bg1"/>
+                </a:solidFill>
+              </a:rPr>
+              <a:t>	Scan Dependencies</a:t>
+            </a:r>
+          </a:p>
+          <a:p>
+            <a:r>
+              <a:rPr lang="en-US" b="1" dirty="0">
+                <a:solidFill>
+                  <a:schemeClr val="bg1"/>
+                </a:solidFill>
+              </a:rPr>
+              <a:t>	Use HTTPS Everywhere</a:t>
+            </a:r>
+          </a:p>
+          <a:p>
+            <a:r>
+              <a:rPr lang="en-US" b="1" dirty="0">
+                <a:solidFill>
+                  <a:schemeClr val="bg1"/>
+                </a:solidFill>
+              </a:rPr>
+              <a:t>	Use Access and Identity Tokens</a:t>
+            </a:r>
+          </a:p>
+          <a:p>
+            <a:r>
+              <a:rPr lang="en-US" b="1" dirty="0">
+                <a:solidFill>
+                  <a:schemeClr val="bg1"/>
+                </a:solidFill>
+              </a:rPr>
+              <a:t>	Encrypt and Protect Secrets</a:t>
+            </a:r>
+          </a:p>
+          <a:p>
+            <a:r>
+              <a:rPr lang="en-US" b="1" dirty="0">
+                <a:solidFill>
+                  <a:schemeClr val="bg1"/>
+                </a:solidFill>
+              </a:rPr>
+              <a:t>	Verify Security with Delivery Pipelines</a:t>
+            </a:r>
+          </a:p>
+          <a:p>
+            <a:r>
+              <a:rPr lang="en-US" b="1" dirty="0">
+                <a:solidFill>
+                  <a:schemeClr val="bg1"/>
+                </a:solidFill>
+              </a:rPr>
+              <a:t>	Slow Down Attackers</a:t>
+            </a:r>
+          </a:p>
+          <a:p>
+            <a:r>
+              <a:rPr lang="en-US" b="1" dirty="0">
+                <a:solidFill>
+                  <a:schemeClr val="bg1"/>
+                </a:solidFill>
+              </a:rPr>
+              <a:t>	Use Docker Rootless Mode</a:t>
+            </a:r>
+          </a:p>
+          <a:p>
+            <a:r>
+              <a:rPr lang="en-US" b="1" dirty="0">
+                <a:solidFill>
+                  <a:schemeClr val="bg1"/>
+                </a:solidFill>
+              </a:rPr>
+              <a:t>	Use Time-Based Security</a:t>
+            </a:r>
+          </a:p>
+          <a:p>
+            <a:r>
+              <a:rPr lang="en-US" b="1" dirty="0">
+                <a:solidFill>
+                  <a:schemeClr val="bg1"/>
+                </a:solidFill>
+              </a:rPr>
+              <a:t>	Scan Docker and Kubernetes Configuration for Vulnerabilities</a:t>
+            </a:r>
+          </a:p>
+          <a:p>
+            <a:r>
+              <a:rPr lang="en-US" b="1" dirty="0">
+                <a:solidFill>
+                  <a:schemeClr val="bg1"/>
+                </a:solidFill>
+              </a:rPr>
+              <a:t>	Know Your Cloud and Cluster Security</a:t>
+            </a:r>
           </a:p>
         </p:txBody>
       </p:sp>
     </p:spTree>
     <p:extLst>
       <p:ext uri="{BB962C8B-B14F-4D97-AF65-F5344CB8AC3E}">
-        <p14:creationId xmlns:p14="http://schemas.microsoft.com/office/powerpoint/2010/main" val="2186921650"/>
+        <p14:creationId xmlns:p14="http://schemas.microsoft.com/office/powerpoint/2010/main" val="265359252"/>
       </p:ext>
     </p:extLst>
   </p:cSld>
@@ -9142,20 +9167,12 @@
           <a:lstStyle/>
           <a:p>
             <a:r>
-              <a:rPr lang="en-US" b="1" dirty="0" err="1">
-                <a:solidFill>
-                  <a:schemeClr val="bg1"/>
-                </a:solidFill>
-              </a:rPr>
-              <a:t>Zuul</a:t>
-            </a:r>
-            <a:r>
-              <a:rPr lang="en-US" b="1" dirty="0">
-                <a:solidFill>
-                  <a:schemeClr val="bg1"/>
-                </a:solidFill>
-              </a:rPr>
-              <a:t> - lab</a:t>
+              <a:rPr lang="en-US" b="1" dirty="0">
+                <a:solidFill>
+                  <a:schemeClr val="bg1"/>
+                </a:solidFill>
+              </a:rPr>
+              <a:t>Be secure by Design</a:t>
             </a:r>
           </a:p>
         </p:txBody>
@@ -9174,8 +9191,8 @@
         </p:nvSpPr>
         <p:spPr>
           <a:xfrm>
-            <a:off x="838200" y="1779687"/>
-            <a:ext cx="10515600" cy="369332"/>
+            <a:off x="838200" y="1801459"/>
+            <a:ext cx="10515600" cy="3416320"/>
           </a:xfrm>
           <a:prstGeom prst="rect">
             <a:avLst/>
@@ -9194,7 +9211,47 @@
                   <a:schemeClr val="bg1"/>
                 </a:solidFill>
               </a:rPr>
-              <a:t> training\day3\</a:t>
+              <a:t>Design code for security. </a:t>
+            </a:r>
+          </a:p>
+          <a:p>
+            <a:r>
+              <a:rPr lang="en-US" b="1" dirty="0">
+                <a:solidFill>
+                  <a:schemeClr val="bg1"/>
+                </a:solidFill>
+              </a:rPr>
+              <a:t>Removing malicious characters is tricky </a:t>
+            </a:r>
+          </a:p>
+          <a:p>
+            <a:r>
+              <a:rPr lang="en-US" b="1" dirty="0">
+                <a:solidFill>
+                  <a:schemeClr val="bg1"/>
+                </a:solidFill>
+              </a:rPr>
+              <a:t>Malicious character depends on the context </a:t>
+            </a:r>
+          </a:p>
+          <a:p>
+            <a:r>
+              <a:rPr lang="en-US" b="1" dirty="0">
+                <a:solidFill>
+                  <a:schemeClr val="bg1"/>
+                </a:solidFill>
+              </a:rPr>
+              <a:t>For e.g. Ensure no malicious characters in an HTML context </a:t>
+            </a:r>
+          </a:p>
+          <a:p>
+            <a:r>
+              <a:rPr lang="en-US" b="1" dirty="0">
+                <a:solidFill>
+                  <a:schemeClr val="bg1"/>
+                </a:solidFill>
+              </a:rPr>
+              <a:t>There could be other injection attacks (i.e. JavaScript, SQL, </a:t>
             </a:r>
             <a:r>
               <a:rPr lang="en-US" b="1" dirty="0" err="1">
@@ -9202,28 +9259,93 @@
                   <a:schemeClr val="bg1"/>
                 </a:solidFill>
               </a:rPr>
-              <a:t>APIGateway</a:t>
-            </a:r>
-            <a:r>
-              <a:rPr lang="en-US" b="1" dirty="0">
-                <a:solidFill>
-                  <a:schemeClr val="bg1"/>
-                </a:solidFill>
-              </a:rPr>
-              <a:t>\InstructionsForAPIGateway.txt</a:t>
-            </a:r>
-            <a:endParaRPr lang="en-US" dirty="0">
-              <a:solidFill>
-                <a:schemeClr val="bg1"/>
-              </a:solidFill>
-            </a:endParaRPr>
+              <a:t>etc</a:t>
+            </a:r>
+            <a:r>
+              <a:rPr lang="en-US" b="1" dirty="0">
+                <a:solidFill>
+                  <a:schemeClr val="bg1"/>
+                </a:solidFill>
+              </a:rPr>
+              <a:t>). </a:t>
+            </a:r>
+          </a:p>
+          <a:p>
+            <a:r>
+              <a:rPr lang="en-US" b="1" dirty="0">
+                <a:solidFill>
+                  <a:schemeClr val="bg1"/>
+                </a:solidFill>
+              </a:rPr>
+              <a:t>Many time ' is a malicious character, </a:t>
+            </a:r>
+          </a:p>
+          <a:p>
+            <a:r>
+              <a:rPr lang="en-US" b="1" dirty="0">
+                <a:solidFill>
+                  <a:schemeClr val="bg1"/>
+                </a:solidFill>
+              </a:rPr>
+              <a:t>	but Business requires it. </a:t>
+            </a:r>
+          </a:p>
+          <a:p>
+            <a:r>
+              <a:rPr lang="en-US" b="1" dirty="0">
+                <a:solidFill>
+                  <a:schemeClr val="bg1"/>
+                </a:solidFill>
+              </a:rPr>
+              <a:t>	What should be done then?</a:t>
+            </a:r>
+          </a:p>
+          <a:p>
+            <a:r>
+              <a:rPr lang="en-US" b="1" dirty="0">
+                <a:solidFill>
+                  <a:schemeClr val="bg1"/>
+                </a:solidFill>
+              </a:rPr>
+              <a:t>Generally engineers concentrate on good design but not on security</a:t>
+            </a:r>
+          </a:p>
+          <a:p>
+            <a:r>
+              <a:rPr lang="en-US" b="1" dirty="0">
+                <a:solidFill>
+                  <a:schemeClr val="bg1"/>
+                </a:solidFill>
+              </a:rPr>
+              <a:t>Fight back when security issues are raised.</a:t>
+            </a:r>
+          </a:p>
+          <a:p>
+            <a:r>
+              <a:rPr lang="en-US" b="1" dirty="0">
+                <a:solidFill>
+                  <a:schemeClr val="bg1"/>
+                </a:solidFill>
+              </a:rPr>
+              <a:t>	</a:t>
+            </a:r>
+          </a:p>
+          <a:p>
+            <a:r>
+              <a:rPr lang="en-US" b="1" dirty="0">
+                <a:solidFill>
+                  <a:schemeClr val="bg1"/>
+                </a:solidFill>
+              </a:rPr>
+              <a:t>OWASP top 10 hasn't changed much.</a:t>
+            </a:r>
           </a:p>
         </p:txBody>
       </p:sp>
     </p:spTree>
     <p:extLst>
       <p:ext uri="{BB962C8B-B14F-4D97-AF65-F5344CB8AC3E}">
-        <p14:creationId xmlns:p14="http://schemas.microsoft.com/office/powerpoint/2010/main" val="91501442"/>
+        <p14:creationId xmlns:p14="http://schemas.microsoft.com/office/powerpoint/2010/main" val="1928521402"/>
       </p:ext>
     </p:extLst>
   </p:cSld>
@@ -9293,7 +9415,7 @@
                   <a:schemeClr val="bg1"/>
                 </a:solidFill>
               </a:rPr>
-              <a:t>Security</a:t>
+              <a:t>Be secure by Design</a:t>
             </a:r>
           </a:p>
         </p:txBody>
@@ -9312,8 +9434,8 @@
         </p:nvSpPr>
         <p:spPr>
           <a:xfrm>
-            <a:off x="838200" y="1779687"/>
-            <a:ext cx="10515600" cy="3416320"/>
+            <a:off x="838200" y="1801459"/>
+            <a:ext cx="10515600" cy="1200329"/>
           </a:xfrm>
           <a:prstGeom prst="rect">
             <a:avLst/>
@@ -9332,117 +9454,53 @@
                   <a:schemeClr val="bg1"/>
                 </a:solidFill>
               </a:rPr>
-              <a:t>11 Patterns for Security</a:t>
-            </a:r>
-          </a:p>
-          <a:p>
-            <a:r>
-              <a:rPr lang="en-US" b="1" dirty="0">
-                <a:solidFill>
-                  <a:schemeClr val="bg1"/>
-                </a:solidFill>
-              </a:rPr>
-              <a:t>	Be Secure by Design</a:t>
-            </a:r>
-          </a:p>
-          <a:p>
-            <a:r>
-              <a:rPr lang="en-US" b="1" dirty="0">
-                <a:solidFill>
-                  <a:schemeClr val="bg1"/>
-                </a:solidFill>
-              </a:rPr>
-              <a:t>	Scan Dependencies</a:t>
-            </a:r>
-          </a:p>
-          <a:p>
-            <a:r>
-              <a:rPr lang="en-US" b="1" dirty="0">
-                <a:solidFill>
-                  <a:schemeClr val="bg1"/>
-                </a:solidFill>
-              </a:rPr>
-              <a:t>	Use HTTPS Everywhere</a:t>
-            </a:r>
-          </a:p>
-          <a:p>
-            <a:r>
-              <a:rPr lang="en-US" b="1" dirty="0">
-                <a:solidFill>
-                  <a:schemeClr val="bg1"/>
-                </a:solidFill>
-              </a:rPr>
-              <a:t>	Use Access and Identity Tokens</a:t>
-            </a:r>
-          </a:p>
-          <a:p>
-            <a:r>
-              <a:rPr lang="en-US" b="1" dirty="0">
-                <a:solidFill>
-                  <a:schemeClr val="bg1"/>
-                </a:solidFill>
-              </a:rPr>
-              <a:t>	Encrypt and Protect Secrets</a:t>
-            </a:r>
-          </a:p>
-          <a:p>
-            <a:r>
-              <a:rPr lang="en-US" b="1" dirty="0">
-                <a:solidFill>
-                  <a:schemeClr val="bg1"/>
-                </a:solidFill>
-              </a:rPr>
-              <a:t>	Verify Security with Delivery Pipelines</a:t>
-            </a:r>
-          </a:p>
-          <a:p>
-            <a:r>
-              <a:rPr lang="en-US" b="1" dirty="0">
-                <a:solidFill>
-                  <a:schemeClr val="bg1"/>
-                </a:solidFill>
-              </a:rPr>
-              <a:t>	Slow Down Attackers</a:t>
-            </a:r>
-          </a:p>
-          <a:p>
-            <a:r>
-              <a:rPr lang="en-US" b="1" dirty="0">
-                <a:solidFill>
-                  <a:schemeClr val="bg1"/>
-                </a:solidFill>
-              </a:rPr>
-              <a:t>	Use Docker Rootless Mode</a:t>
-            </a:r>
-          </a:p>
-          <a:p>
-            <a:r>
-              <a:rPr lang="en-US" b="1" dirty="0">
-                <a:solidFill>
-                  <a:schemeClr val="bg1"/>
-                </a:solidFill>
-              </a:rPr>
-              <a:t>	Use Time-Based Security</a:t>
-            </a:r>
-          </a:p>
-          <a:p>
-            <a:r>
-              <a:rPr lang="en-US" b="1" dirty="0">
-                <a:solidFill>
-                  <a:schemeClr val="bg1"/>
-                </a:solidFill>
-              </a:rPr>
-              <a:t>	Scan Docker and Kubernetes Configuration for Vulnerabilities</a:t>
-            </a:r>
-          </a:p>
-          <a:p>
-            <a:r>
-              <a:rPr lang="en-US" b="1" dirty="0">
-                <a:solidFill>
-                  <a:schemeClr val="bg1"/>
-                </a:solidFill>
-              </a:rPr>
-              <a:t>	Know Your Cloud and Cluster Security</a:t>
+              <a:t>Developers need to </a:t>
+            </a:r>
+          </a:p>
+          <a:p>
+            <a:r>
+              <a:rPr lang="en-US" b="1" dirty="0">
+                <a:solidFill>
+                  <a:schemeClr val="bg1"/>
+                </a:solidFill>
+              </a:rPr>
+              <a:t>	Thinking about security vulnerabilities</a:t>
+            </a:r>
+          </a:p>
+          <a:p>
+            <a:r>
+              <a:rPr lang="en-US" b="1" dirty="0">
+                <a:solidFill>
+                  <a:schemeClr val="bg1"/>
+                </a:solidFill>
+              </a:rPr>
+              <a:t>	Have to be security experts and know to use </a:t>
+            </a:r>
+            <a:r>
+              <a:rPr lang="en-US" b="1" dirty="0" err="1">
+                <a:solidFill>
+                  <a:schemeClr val="bg1"/>
+                </a:solidFill>
+              </a:rPr>
+              <a:t>validateForXSS</a:t>
+            </a:r>
+            <a:r>
+              <a:rPr lang="en-US" b="1" dirty="0">
+                <a:solidFill>
+                  <a:schemeClr val="bg1"/>
+                </a:solidFill>
+              </a:rPr>
+              <a:t>()</a:t>
+            </a:r>
+          </a:p>
+          <a:p>
+            <a:r>
+              <a:rPr lang="en-US" b="1" dirty="0">
+                <a:solidFill>
+                  <a:schemeClr val="bg1"/>
+                </a:solidFill>
+              </a:rPr>
+              <a:t>	Person writing the code can identify potential weakness that might occur now or in the future</a:t>
             </a:r>
           </a:p>
         </p:txBody>
@@ -9450,7 +9508,7 @@
     </p:spTree>
     <p:extLst>
       <p:ext uri="{BB962C8B-B14F-4D97-AF65-F5344CB8AC3E}">
-        <p14:creationId xmlns:p14="http://schemas.microsoft.com/office/powerpoint/2010/main" val="265359252"/>
+        <p14:creationId xmlns:p14="http://schemas.microsoft.com/office/powerpoint/2010/main" val="3361787758"/>
       </p:ext>
     </p:extLst>
   </p:cSld>
@@ -9520,7 +9578,7 @@
                   <a:schemeClr val="bg1"/>
                 </a:solidFill>
               </a:rPr>
-              <a:t>Be secure by Design</a:t>
+              <a:t>Scan Dependencies</a:t>
             </a:r>
           </a:p>
         </p:txBody>
@@ -9539,7 +9597,7 @@
         </p:nvSpPr>
         <p:spPr>
           <a:xfrm>
-            <a:off x="838200" y="1801459"/>
+            <a:off x="870858" y="1779687"/>
             <a:ext cx="10515600" cy="3416320"/>
           </a:xfrm>
           <a:prstGeom prst="rect">
@@ -9559,47 +9617,94 @@
                   <a:schemeClr val="bg1"/>
                 </a:solidFill>
               </a:rPr>
-              <a:t>Design code for security. </a:t>
-            </a:r>
-          </a:p>
-          <a:p>
-            <a:r>
-              <a:rPr lang="en-US" b="1" dirty="0">
-                <a:solidFill>
-                  <a:schemeClr val="bg1"/>
-                </a:solidFill>
-              </a:rPr>
-              <a:t>Removing malicious characters is tricky </a:t>
-            </a:r>
-          </a:p>
-          <a:p>
-            <a:r>
-              <a:rPr lang="en-US" b="1" dirty="0">
-                <a:solidFill>
-                  <a:schemeClr val="bg1"/>
-                </a:solidFill>
-              </a:rPr>
-              <a:t>Malicious character depends on the context </a:t>
-            </a:r>
-          </a:p>
-          <a:p>
-            <a:r>
-              <a:rPr lang="en-US" b="1" dirty="0">
-                <a:solidFill>
-                  <a:schemeClr val="bg1"/>
-                </a:solidFill>
-              </a:rPr>
-              <a:t>For e.g. Ensure no malicious characters in an HTML context </a:t>
-            </a:r>
-          </a:p>
-          <a:p>
-            <a:r>
-              <a:rPr lang="en-US" b="1" dirty="0">
-                <a:solidFill>
-                  <a:schemeClr val="bg1"/>
-                </a:solidFill>
-              </a:rPr>
-              <a:t>There could be other injection attacks (i.e. JavaScript, SQL, </a:t>
+              <a:t>Transitive dependencies </a:t>
+            </a:r>
+          </a:p>
+          <a:p>
+            <a:r>
+              <a:rPr lang="en-US" b="1" dirty="0">
+                <a:solidFill>
+                  <a:schemeClr val="bg1"/>
+                </a:solidFill>
+              </a:rPr>
+              <a:t>	You use 3rd party s/w</a:t>
+            </a:r>
+          </a:p>
+          <a:p>
+            <a:r>
+              <a:rPr lang="en-US" b="1" dirty="0">
+                <a:solidFill>
+                  <a:schemeClr val="bg1"/>
+                </a:solidFill>
+              </a:rPr>
+              <a:t>		They use other 3rd party s/w</a:t>
+            </a:r>
+          </a:p>
+          <a:p>
+            <a:r>
+              <a:rPr lang="en-US" b="1" dirty="0">
+                <a:solidFill>
+                  <a:schemeClr val="bg1"/>
+                </a:solidFill>
+              </a:rPr>
+              <a:t>		You may not be even aware of this dependency.</a:t>
+            </a:r>
+          </a:p>
+          <a:p>
+            <a:r>
+              <a:rPr lang="en-US" b="1" dirty="0">
+                <a:solidFill>
+                  <a:schemeClr val="bg1"/>
+                </a:solidFill>
+              </a:rPr>
+              <a:t>	Their could be vulnerabilities anywhere </a:t>
+            </a:r>
+          </a:p>
+          <a:p>
+            <a:endParaRPr lang="en-US" b="1" dirty="0">
+              <a:solidFill>
+                <a:schemeClr val="bg1"/>
+              </a:solidFill>
+            </a:endParaRPr>
+          </a:p>
+          <a:p>
+            <a:r>
+              <a:rPr lang="en-US" b="1" dirty="0">
+                <a:solidFill>
+                  <a:schemeClr val="bg1"/>
+                </a:solidFill>
+              </a:rPr>
+              <a:t>Be aware of all dependencies.</a:t>
+            </a:r>
+          </a:p>
+          <a:p>
+            <a:r>
+              <a:rPr lang="en-US" b="1" dirty="0">
+                <a:solidFill>
+                  <a:schemeClr val="bg1"/>
+                </a:solidFill>
+              </a:rPr>
+              <a:t>Reduce dependencies to the extend possible.</a:t>
+            </a:r>
+          </a:p>
+          <a:p>
+            <a:r>
+              <a:rPr lang="en-US" b="1" dirty="0">
+                <a:solidFill>
+                  <a:schemeClr val="bg1"/>
+                </a:solidFill>
+              </a:rPr>
+              <a:t>	Use exclude where ever required.</a:t>
+            </a:r>
+          </a:p>
+          <a:p>
+            <a:r>
+              <a:rPr lang="en-US" b="1" dirty="0">
+                <a:solidFill>
+                  <a:schemeClr val="bg1"/>
+                </a:solidFill>
+              </a:rPr>
+              <a:t>	e.g. </a:t>
             </a:r>
             <a:r>
               <a:rPr lang="en-US" b="1" dirty="0" err="1">
@@ -9607,93 +9712,37 @@
                   <a:schemeClr val="bg1"/>
                 </a:solidFill>
               </a:rPr>
-              <a:t>etc</a:t>
-            </a:r>
-            <a:r>
-              <a:rPr lang="en-US" b="1" dirty="0">
-                <a:solidFill>
-                  <a:schemeClr val="bg1"/>
-                </a:solidFill>
-              </a:rPr>
-              <a:t>). </a:t>
-            </a:r>
-          </a:p>
-          <a:p>
-            <a:r>
-              <a:rPr lang="en-US" b="1" dirty="0">
-                <a:solidFill>
-                  <a:schemeClr val="bg1"/>
-                </a:solidFill>
-              </a:rPr>
-              <a:t>Many time ' is a malicious character, </a:t>
-            </a:r>
-          </a:p>
-          <a:p>
-            <a:r>
-              <a:rPr lang="en-US" b="1" dirty="0">
-                <a:solidFill>
-                  <a:schemeClr val="bg1"/>
-                </a:solidFill>
-              </a:rPr>
-              <a:t>	but Business requires it. </a:t>
-            </a:r>
-          </a:p>
-          <a:p>
-            <a:r>
-              <a:rPr lang="en-US" b="1" dirty="0">
-                <a:solidFill>
-                  <a:schemeClr val="bg1"/>
-                </a:solidFill>
-              </a:rPr>
-              <a:t>	What should be done then?</a:t>
-            </a:r>
-          </a:p>
-          <a:p>
-            <a:r>
-              <a:rPr lang="en-US" b="1" dirty="0">
-                <a:solidFill>
-                  <a:schemeClr val="bg1"/>
-                </a:solidFill>
-              </a:rPr>
-              <a:t>Generally engineers concentrate on good design but not on security</a:t>
-            </a:r>
-          </a:p>
-          <a:p>
-            <a:r>
-              <a:rPr lang="en-US" b="1" dirty="0">
-                <a:solidFill>
-                  <a:schemeClr val="bg1"/>
-                </a:solidFill>
-              </a:rPr>
-              <a:t>Fight back when security issues are raised.</a:t>
-            </a:r>
-          </a:p>
-          <a:p>
-            <a:r>
-              <a:rPr lang="en-US" b="1" dirty="0">
-                <a:solidFill>
-                  <a:schemeClr val="bg1"/>
-                </a:solidFill>
-              </a:rPr>
-              <a:t>	</a:t>
-            </a:r>
-          </a:p>
-          <a:p>
-            <a:r>
-              <a:rPr lang="en-US" b="1" dirty="0">
-                <a:solidFill>
-                  <a:schemeClr val="bg1"/>
-                </a:solidFill>
-              </a:rPr>
-              <a:t>OWASP top 10 hasn't changed much.</a:t>
-            </a:r>
+              <a:t>wintage</a:t>
+            </a:r>
+            <a:endParaRPr lang="en-US" b="1" dirty="0">
+              <a:solidFill>
+                <a:schemeClr val="bg1"/>
+              </a:solidFill>
+            </a:endParaRPr>
+          </a:p>
+          <a:p>
+            <a:r>
+              <a:rPr lang="en-US" b="1" dirty="0">
+                <a:solidFill>
+                  <a:schemeClr val="bg1"/>
+                </a:solidFill>
+              </a:rPr>
+              <a:t>Keep dependencies updated.</a:t>
+            </a:r>
+          </a:p>
+          <a:p>
+            <a:endParaRPr lang="en-US" dirty="0">
+              <a:solidFill>
+                <a:schemeClr val="bg1"/>
+              </a:solidFill>
+            </a:endParaRPr>
           </a:p>
         </p:txBody>
       </p:sp>
     </p:spTree>
     <p:extLst>
       <p:ext uri="{BB962C8B-B14F-4D97-AF65-F5344CB8AC3E}">
-        <p14:creationId xmlns:p14="http://schemas.microsoft.com/office/powerpoint/2010/main" val="1928521402"/>
+        <p14:creationId xmlns:p14="http://schemas.microsoft.com/office/powerpoint/2010/main" val="4077167694"/>
       </p:ext>
     </p:extLst>
   </p:cSld>
@@ -9763,7 +9812,7 @@
                   <a:schemeClr val="bg1"/>
                 </a:solidFill>
               </a:rPr>
-              <a:t>Be secure by Design</a:t>
+              <a:t>Use HTTPS Everywhere</a:t>
             </a:r>
           </a:p>
         </p:txBody>
@@ -9782,8 +9831,8 @@
         </p:nvSpPr>
         <p:spPr>
           <a:xfrm>
-            <a:off x="838200" y="1801459"/>
-            <a:ext cx="10515600" cy="1200329"/>
+            <a:off x="838200" y="1779687"/>
+            <a:ext cx="10515600" cy="5078313"/>
           </a:xfrm>
           <a:prstGeom prst="rect">
             <a:avLst/>
@@ -9802,27 +9851,37 @@
                   <a:schemeClr val="bg1"/>
                 </a:solidFill>
               </a:rPr>
-              <a:t>Developers need to </a:t>
-            </a:r>
-          </a:p>
-          <a:p>
-            <a:r>
-              <a:rPr lang="en-US" b="1" dirty="0">
-                <a:solidFill>
-                  <a:schemeClr val="bg1"/>
-                </a:solidFill>
-              </a:rPr>
-              <a:t>	Thinking about security vulnerabilities</a:t>
-            </a:r>
-          </a:p>
-          <a:p>
-            <a:r>
-              <a:rPr lang="en-US" b="1" dirty="0">
-                <a:solidFill>
-                  <a:schemeClr val="bg1"/>
-                </a:solidFill>
-              </a:rPr>
-              <a:t>	Have to be security experts and know to use </a:t>
+              <a:t>HTTPS requires certificates for 2 way authentication.	</a:t>
+            </a:r>
+          </a:p>
+          <a:p>
+            <a:r>
+              <a:rPr lang="en-US" b="1" dirty="0">
+                <a:solidFill>
+                  <a:schemeClr val="bg1"/>
+                </a:solidFill>
+              </a:rPr>
+              <a:t>Let’s Encrypt offers free certificates, and you can use its API to automate renewing them. </a:t>
+            </a:r>
+          </a:p>
+          <a:p>
+            <a:r>
+              <a:rPr lang="en-US" b="1" dirty="0">
+                <a:solidFill>
+                  <a:schemeClr val="bg1"/>
+                </a:solidFill>
+              </a:rPr>
+              <a:t>Let’s Encrypt </a:t>
+            </a:r>
+          </a:p>
+          <a:p>
+            <a:r>
+              <a:rPr lang="en-US" b="1" dirty="0">
+                <a:solidFill>
+                  <a:schemeClr val="bg1"/>
+                </a:solidFill>
+              </a:rPr>
+              <a:t>	Recommends you use </a:t>
             </a:r>
             <a:r>
               <a:rPr lang="en-US" b="1" dirty="0" err="1">
@@ -9830,33 +9889,208 @@
                   <a:schemeClr val="bg1"/>
                 </a:solidFill>
               </a:rPr>
-              <a:t>validateForXSS</a:t>
-            </a:r>
-            <a:r>
-              <a:rPr lang="en-US" b="1" dirty="0">
-                <a:solidFill>
-                  <a:schemeClr val="bg1"/>
-                </a:solidFill>
-              </a:rPr>
-              <a:t>()</a:t>
-            </a:r>
-          </a:p>
-          <a:p>
-            <a:r>
-              <a:rPr lang="en-US" b="1" dirty="0">
-                <a:solidFill>
-                  <a:schemeClr val="bg1"/>
-                </a:solidFill>
-              </a:rPr>
-              <a:t>	Person writing the code can identify potential weakness that might occur now or in the future</a:t>
-            </a:r>
+              <a:t>Certbot</a:t>
+            </a:r>
+            <a:r>
+              <a:rPr lang="en-US" b="1" dirty="0">
+                <a:solidFill>
+                  <a:schemeClr val="bg1"/>
+                </a:solidFill>
+              </a:rPr>
+              <a:t> to obtain and renew your certificates. </a:t>
+            </a:r>
+          </a:p>
+          <a:p>
+            <a:r>
+              <a:rPr lang="en-US" b="1" dirty="0">
+                <a:solidFill>
+                  <a:schemeClr val="bg1"/>
+                </a:solidFill>
+              </a:rPr>
+              <a:t>	is a free, </a:t>
+            </a:r>
+          </a:p>
+          <a:p>
+            <a:r>
+              <a:rPr lang="en-US" b="1" dirty="0">
+                <a:solidFill>
+                  <a:schemeClr val="bg1"/>
+                </a:solidFill>
+              </a:rPr>
+              <a:t>	open-source software tool </a:t>
+            </a:r>
+          </a:p>
+          <a:p>
+            <a:r>
+              <a:rPr lang="en-US" b="1" dirty="0">
+                <a:solidFill>
+                  <a:schemeClr val="bg1"/>
+                </a:solidFill>
+              </a:rPr>
+              <a:t>	Generate automatically using Let’s Encrypt certificates on manually-administrated websites . </a:t>
+            </a:r>
+          </a:p>
+          <a:p>
+            <a:r>
+              <a:rPr lang="en-US" b="1" dirty="0">
+                <a:solidFill>
+                  <a:schemeClr val="bg1"/>
+                </a:solidFill>
+              </a:rPr>
+              <a:t>	The Electronic Frontier Foundation (EFF) created and maintains </a:t>
+            </a:r>
+            <a:r>
+              <a:rPr lang="en-US" b="1" dirty="0" err="1">
+                <a:solidFill>
+                  <a:schemeClr val="bg1"/>
+                </a:solidFill>
+              </a:rPr>
+              <a:t>Certbot</a:t>
+            </a:r>
+            <a:r>
+              <a:rPr lang="en-US" b="1" dirty="0">
+                <a:solidFill>
+                  <a:schemeClr val="bg1"/>
+                </a:solidFill>
+              </a:rPr>
+              <a:t>.</a:t>
+            </a:r>
+          </a:p>
+          <a:p>
+            <a:r>
+              <a:rPr lang="en-US" b="1" dirty="0">
+                <a:solidFill>
+                  <a:schemeClr val="bg1"/>
+                </a:solidFill>
+              </a:rPr>
+              <a:t>		</a:t>
+            </a:r>
+            <a:r>
+              <a:rPr lang="en-US" b="1" dirty="0" err="1">
+                <a:solidFill>
+                  <a:schemeClr val="bg1"/>
+                </a:solidFill>
+              </a:rPr>
+              <a:t>CertbotsThe</a:t>
+            </a:r>
+            <a:r>
+              <a:rPr lang="en-US" b="1" dirty="0">
+                <a:solidFill>
+                  <a:schemeClr val="bg1"/>
+                </a:solidFill>
+              </a:rPr>
+              <a:t> </a:t>
+            </a:r>
+            <a:r>
+              <a:rPr lang="en-US" b="1" dirty="0" err="1">
+                <a:solidFill>
+                  <a:schemeClr val="bg1"/>
+                </a:solidFill>
+              </a:rPr>
+              <a:t>Certbot</a:t>
+            </a:r>
+            <a:r>
+              <a:rPr lang="en-US" b="1" dirty="0">
+                <a:solidFill>
+                  <a:schemeClr val="bg1"/>
+                </a:solidFill>
+              </a:rPr>
+              <a:t> website lets you choose your web server and system, </a:t>
+            </a:r>
+          </a:p>
+          <a:p>
+            <a:r>
+              <a:rPr lang="en-US" b="1" dirty="0">
+                <a:solidFill>
+                  <a:schemeClr val="bg1"/>
+                </a:solidFill>
+              </a:rPr>
+              <a:t>		then provides the instructions for automating certificate generation and renewal.</a:t>
+            </a:r>
+          </a:p>
+          <a:p>
+            <a:r>
+              <a:rPr lang="en-US" b="1" dirty="0">
+                <a:solidFill>
+                  <a:schemeClr val="bg1"/>
+                </a:solidFill>
+              </a:rPr>
+              <a:t>Force HTTPS. </a:t>
+            </a:r>
+          </a:p>
+          <a:p>
+            <a:r>
+              <a:rPr lang="en-US" b="1" dirty="0">
+                <a:solidFill>
+                  <a:schemeClr val="bg1"/>
+                </a:solidFill>
+              </a:rPr>
+              <a:t>	Often, forcing HTTPS </a:t>
+            </a:r>
+          </a:p>
+          <a:p>
+            <a:r>
+              <a:rPr lang="en-US" b="1" dirty="0">
+                <a:solidFill>
+                  <a:schemeClr val="bg1"/>
+                </a:solidFill>
+              </a:rPr>
+              <a:t>		Uses an HTTP Strict-Transport-Security response header </a:t>
+            </a:r>
+          </a:p>
+          <a:p>
+            <a:r>
+              <a:rPr lang="en-US" b="1" dirty="0">
+                <a:solidFill>
+                  <a:schemeClr val="bg1"/>
+                </a:solidFill>
+              </a:rPr>
+              <a:t>		Tell browsers they should only access a website using HTTPS.</a:t>
+            </a:r>
+          </a:p>
+          <a:p>
+            <a:r>
+              <a:rPr lang="en-US" b="1" dirty="0">
+                <a:solidFill>
+                  <a:schemeClr val="bg1"/>
+                </a:solidFill>
+              </a:rPr>
+              <a:t>			</a:t>
+            </a:r>
+          </a:p>
+          <a:p>
+            <a:r>
+              <a:rPr lang="en-US" b="1" dirty="0">
+                <a:solidFill>
+                  <a:schemeClr val="bg1"/>
+                </a:solidFill>
+              </a:rPr>
+              <a:t>Why HTTS inside our network</a:t>
+            </a:r>
+          </a:p>
+          <a:p>
+            <a:r>
+              <a:rPr lang="en-US" b="1" dirty="0">
+                <a:solidFill>
+                  <a:schemeClr val="bg1"/>
+                </a:solidFill>
+              </a:rPr>
+              <a:t>	Phishing and guessing people’s credentials are incredibly effective techniques to hack. </a:t>
+            </a:r>
+          </a:p>
+          <a:p>
+            <a:endParaRPr lang="en-US" b="1" dirty="0">
+              <a:solidFill>
+                <a:schemeClr val="bg1"/>
+              </a:solidFill>
+            </a:endParaRPr>
           </a:p>
         </p:txBody>
       </p:sp>
     </p:spTree>
     <p:extLst>
       <p:ext uri="{BB962C8B-B14F-4D97-AF65-F5344CB8AC3E}">
-        <p14:creationId xmlns:p14="http://schemas.microsoft.com/office/powerpoint/2010/main" val="3361787758"/>
+        <p14:creationId xmlns:p14="http://schemas.microsoft.com/office/powerpoint/2010/main" val="4182056134"/>
       </p:ext>
     </p:extLst>
   </p:cSld>
@@ -9926,7 +10160,7 @@
                   <a:schemeClr val="bg1"/>
                 </a:solidFill>
               </a:rPr>
-              <a:t>Scan Dependencies</a:t>
+              <a:t>Use Access and Identity Tokens</a:t>
             </a:r>
           </a:p>
         </p:txBody>
@@ -9945,8 +10179,8 @@
         </p:nvSpPr>
         <p:spPr>
           <a:xfrm>
-            <a:off x="870858" y="1779687"/>
-            <a:ext cx="10515600" cy="3416320"/>
+            <a:off x="838200" y="1516976"/>
+            <a:ext cx="10515600" cy="5355312"/>
           </a:xfrm>
           <a:prstGeom prst="rect">
             <a:avLst/>
@@ -9960,52 +10194,20 @@
           <a:lstStyle/>
           <a:p>
             <a:r>
-              <a:rPr lang="en-US" b="1" dirty="0">
-                <a:solidFill>
-                  <a:schemeClr val="bg1"/>
-                </a:solidFill>
-              </a:rPr>
-              <a:t>Transitive dependencies </a:t>
-            </a:r>
-          </a:p>
-          <a:p>
-            <a:r>
-              <a:rPr lang="en-US" b="1" dirty="0">
-                <a:solidFill>
-                  <a:schemeClr val="bg1"/>
-                </a:solidFill>
-              </a:rPr>
-              <a:t>	You use 3rd party s/w</a:t>
-            </a:r>
-          </a:p>
-          <a:p>
-            <a:r>
-              <a:rPr lang="en-US" b="1" dirty="0">
-                <a:solidFill>
-                  <a:schemeClr val="bg1"/>
-                </a:solidFill>
-              </a:rPr>
-              <a:t>		They use other 3rd party s/w</a:t>
-            </a:r>
-          </a:p>
-          <a:p>
-            <a:r>
-              <a:rPr lang="en-US" b="1" dirty="0">
-                <a:solidFill>
-                  <a:schemeClr val="bg1"/>
-                </a:solidFill>
-              </a:rPr>
-              <a:t>		You may not be even aware of this dependency.</a:t>
-            </a:r>
-          </a:p>
-          <a:p>
-            <a:r>
-              <a:rPr lang="en-US" b="1" dirty="0">
-                <a:solidFill>
-                  <a:schemeClr val="bg1"/>
-                </a:solidFill>
-              </a:rPr>
-              <a:t>	Their could be vulnerabilities anywhere </a:t>
+              <a:rPr lang="en-US" b="1" dirty="0" err="1">
+                <a:solidFill>
+                  <a:schemeClr val="bg1"/>
+                </a:solidFill>
+              </a:rPr>
+              <a:t>Oauth</a:t>
+            </a:r>
+            <a:r>
+              <a:rPr lang="en-US" b="1" dirty="0">
+                <a:solidFill>
+                  <a:schemeClr val="bg1"/>
+                </a:solidFill>
+              </a:rPr>
+              <a:t> and JWT are really famous token systems. Use them.</a:t>
             </a:r>
           </a:p>
           <a:p>
@@ -10017,50 +10219,12 @@
           </a:p>
           <a:p>
             <a:r>
-              <a:rPr lang="en-US" b="1" dirty="0">
-                <a:solidFill>
-                  <a:schemeClr val="bg1"/>
-                </a:solidFill>
-              </a:rPr>
-              <a:t>Be aware of all dependencies.</a:t>
-            </a:r>
-          </a:p>
-          <a:p>
-            <a:r>
-              <a:rPr lang="en-US" b="1" dirty="0">
-                <a:solidFill>
-                  <a:schemeClr val="bg1"/>
-                </a:solidFill>
-              </a:rPr>
-              <a:t>Reduce dependencies to the extend possible.</a:t>
-            </a:r>
-          </a:p>
-          <a:p>
-            <a:r>
-              <a:rPr lang="en-US" b="1" dirty="0">
-                <a:solidFill>
-                  <a:schemeClr val="bg1"/>
-                </a:solidFill>
-              </a:rPr>
-              <a:t>	Use exclude where ever required.</a:t>
-            </a:r>
-          </a:p>
-          <a:p>
-            <a:r>
-              <a:rPr lang="en-US" b="1" dirty="0">
-                <a:solidFill>
-                  <a:schemeClr val="bg1"/>
-                </a:solidFill>
-              </a:rPr>
-              <a:t>	e.g. </a:t>
-            </a:r>
-            <a:r>
               <a:rPr lang="en-US" b="1" dirty="0" err="1">
                 <a:solidFill>
                   <a:schemeClr val="bg1"/>
                 </a:solidFill>
               </a:rPr>
-              <a:t>wintage</a:t>
+              <a:t>oAuth</a:t>
             </a:r>
             <a:endParaRPr lang="en-US" b="1" dirty="0">
               <a:solidFill>
@@ -10075,22 +10239,322 @@
                   <a:schemeClr val="bg1"/>
                 </a:solidFill>
               </a:rPr>
-              <a:t>Keep dependencies updated.</a:t>
-            </a:r>
-          </a:p>
-          <a:p>
-            <a:endParaRPr lang="en-US" dirty="0">
+              <a:t>	</a:t>
+            </a:r>
+            <a:r>
+              <a:rPr lang="en-US" b="1" dirty="0" err="1">
+                <a:solidFill>
+                  <a:schemeClr val="bg1"/>
+                </a:solidFill>
+              </a:rPr>
+              <a:t>Tocken</a:t>
+            </a:r>
+            <a:r>
+              <a:rPr lang="en-US" b="1" dirty="0">
+                <a:solidFill>
+                  <a:schemeClr val="bg1"/>
+                </a:solidFill>
+              </a:rPr>
+              <a:t> based authorization </a:t>
+            </a:r>
+          </a:p>
+          <a:p>
+            <a:r>
+              <a:rPr lang="en-US" b="1" dirty="0">
+                <a:solidFill>
+                  <a:schemeClr val="bg1"/>
+                </a:solidFill>
+              </a:rPr>
+              <a:t>	Delegate access without user/</a:t>
+            </a:r>
+            <a:r>
+              <a:rPr lang="en-US" b="1" dirty="0" err="1">
+                <a:solidFill>
+                  <a:schemeClr val="bg1"/>
+                </a:solidFill>
+              </a:rPr>
+              <a:t>pwd</a:t>
+            </a:r>
+            <a:endParaRPr lang="en-US" b="1" dirty="0">
               <a:solidFill>
                 <a:schemeClr val="bg1"/>
               </a:solidFill>
             </a:endParaRPr>
           </a:p>
+          <a:p>
+            <a:r>
+              <a:rPr lang="en-US" b="1" dirty="0">
+                <a:solidFill>
+                  <a:schemeClr val="bg1"/>
+                </a:solidFill>
+              </a:rPr>
+              <a:t>	Grant access to a client to perform certain operation on behalf of user.</a:t>
+            </a:r>
+          </a:p>
+          <a:p>
+            <a:r>
+              <a:rPr lang="en-US" b="1" dirty="0">
+                <a:solidFill>
+                  <a:schemeClr val="bg1"/>
+                </a:solidFill>
+              </a:rPr>
+              <a:t>	Not authentication of user.</a:t>
+            </a:r>
+          </a:p>
+          <a:p>
+            <a:r>
+              <a:rPr lang="en-US" b="1" dirty="0">
+                <a:solidFill>
+                  <a:schemeClr val="bg1"/>
+                </a:solidFill>
+              </a:rPr>
+              <a:t>	Only authorization</a:t>
+            </a:r>
+          </a:p>
+          <a:p>
+            <a:r>
+              <a:rPr lang="en-US" b="1" dirty="0">
+                <a:solidFill>
+                  <a:schemeClr val="bg1"/>
+                </a:solidFill>
+              </a:rPr>
+              <a:t>	3rd party </a:t>
+            </a:r>
+            <a:r>
+              <a:rPr lang="en-US" b="1" dirty="0" err="1">
+                <a:solidFill>
+                  <a:schemeClr val="bg1"/>
+                </a:solidFill>
+              </a:rPr>
+              <a:t>oAuth</a:t>
+            </a:r>
+            <a:r>
+              <a:rPr lang="en-US" b="1" dirty="0">
+                <a:solidFill>
+                  <a:schemeClr val="bg1"/>
+                </a:solidFill>
+              </a:rPr>
+              <a:t> providers such as Google, fb, </a:t>
+            </a:r>
+            <a:r>
+              <a:rPr lang="en-US" b="1" dirty="0" err="1">
+                <a:solidFill>
+                  <a:schemeClr val="bg1"/>
+                </a:solidFill>
+              </a:rPr>
+              <a:t>github</a:t>
+            </a:r>
+            <a:r>
+              <a:rPr lang="en-US" b="1" dirty="0">
+                <a:solidFill>
+                  <a:schemeClr val="bg1"/>
+                </a:solidFill>
+              </a:rPr>
+              <a:t> </a:t>
+            </a:r>
+            <a:r>
+              <a:rPr lang="en-US" b="1" dirty="0" err="1">
+                <a:solidFill>
+                  <a:schemeClr val="bg1"/>
+                </a:solidFill>
+              </a:rPr>
+              <a:t>ect</a:t>
+            </a:r>
+            <a:r>
+              <a:rPr lang="en-US" b="1" dirty="0">
+                <a:solidFill>
+                  <a:schemeClr val="bg1"/>
+                </a:solidFill>
+              </a:rPr>
+              <a:t>..</a:t>
+            </a:r>
+          </a:p>
+          <a:p>
+            <a:r>
+              <a:rPr lang="en-US" b="1" dirty="0">
+                <a:solidFill>
+                  <a:schemeClr val="bg1"/>
+                </a:solidFill>
+              </a:rPr>
+              <a:t>JWTs are JSON data, encoded as a string, and cryptographically signed.</a:t>
+            </a:r>
+          </a:p>
+          <a:p>
+            <a:r>
+              <a:rPr lang="en-US" b="1" dirty="0">
+                <a:solidFill>
+                  <a:schemeClr val="bg1"/>
+                </a:solidFill>
+              </a:rPr>
+              <a:t>	</a:t>
+            </a:r>
+            <a:r>
+              <a:rPr lang="en-US" b="1" dirty="0" err="1">
+                <a:solidFill>
+                  <a:schemeClr val="bg1"/>
+                </a:solidFill>
+              </a:rPr>
+              <a:t>Unquely</a:t>
+            </a:r>
+            <a:r>
+              <a:rPr lang="en-US" b="1" dirty="0">
+                <a:solidFill>
+                  <a:schemeClr val="bg1"/>
+                </a:solidFill>
+              </a:rPr>
+              <a:t> identify a resource using JWT</a:t>
+            </a:r>
+          </a:p>
+          <a:p>
+            <a:r>
+              <a:rPr lang="en-US" b="1" dirty="0">
+                <a:solidFill>
+                  <a:schemeClr val="bg1"/>
+                </a:solidFill>
+              </a:rPr>
+              <a:t>Assume I’m blind and hard of hearing. </a:t>
+            </a:r>
+          </a:p>
+          <a:p>
+            <a:r>
+              <a:rPr lang="en-US" b="1" dirty="0">
+                <a:solidFill>
+                  <a:schemeClr val="bg1"/>
+                </a:solidFill>
+              </a:rPr>
+              <a:t>	Last week you bought me lunch, </a:t>
+            </a:r>
+          </a:p>
+          <a:p>
+            <a:r>
+              <a:rPr lang="en-US" b="1" dirty="0">
+                <a:solidFill>
+                  <a:schemeClr val="bg1"/>
+                </a:solidFill>
+              </a:rPr>
+              <a:t>	Now I need your </a:t>
+            </a:r>
+            <a:r>
+              <a:rPr lang="en-US" b="1" dirty="0" err="1">
+                <a:solidFill>
+                  <a:schemeClr val="bg1"/>
+                </a:solidFill>
+              </a:rPr>
+              <a:t>paytm</a:t>
+            </a:r>
+            <a:r>
+              <a:rPr lang="en-US" b="1" dirty="0">
+                <a:solidFill>
+                  <a:schemeClr val="bg1"/>
+                </a:solidFill>
+              </a:rPr>
+              <a:t> address to pay you back. </a:t>
+            </a:r>
+          </a:p>
+          <a:p>
+            <a:r>
+              <a:rPr lang="en-US" b="1" dirty="0">
+                <a:solidFill>
+                  <a:schemeClr val="bg1"/>
+                </a:solidFill>
+              </a:rPr>
+              <a:t>	If I ask you for your </a:t>
+            </a:r>
+            <a:r>
+              <a:rPr lang="en-US" b="1" dirty="0" err="1">
+                <a:solidFill>
+                  <a:schemeClr val="bg1"/>
+                </a:solidFill>
+              </a:rPr>
+              <a:t>paytm</a:t>
+            </a:r>
+            <a:r>
+              <a:rPr lang="en-US" b="1" dirty="0">
+                <a:solidFill>
+                  <a:schemeClr val="bg1"/>
+                </a:solidFill>
+              </a:rPr>
+              <a:t> address in person, </a:t>
+            </a:r>
+          </a:p>
+          <a:p>
+            <a:r>
+              <a:rPr lang="en-US" b="1" dirty="0">
+                <a:solidFill>
+                  <a:schemeClr val="bg1"/>
+                </a:solidFill>
+              </a:rPr>
+              <a:t>		someone else calls me and share their </a:t>
+            </a:r>
+            <a:r>
+              <a:rPr lang="en-US" b="1" dirty="0" err="1">
+                <a:solidFill>
+                  <a:schemeClr val="bg1"/>
+                </a:solidFill>
+              </a:rPr>
+              <a:t>paytm</a:t>
+            </a:r>
+            <a:r>
+              <a:rPr lang="en-US" b="1" dirty="0">
+                <a:solidFill>
+                  <a:schemeClr val="bg1"/>
+                </a:solidFill>
+              </a:rPr>
+              <a:t> address, </a:t>
+            </a:r>
+          </a:p>
+          <a:p>
+            <a:r>
+              <a:rPr lang="en-US" b="1" dirty="0">
+                <a:solidFill>
+                  <a:schemeClr val="bg1"/>
+                </a:solidFill>
+              </a:rPr>
+              <a:t>		I might accidentally send them the money I owe you.</a:t>
+            </a:r>
+          </a:p>
+          <a:p>
+            <a:r>
+              <a:rPr lang="en-US" b="1" dirty="0">
+                <a:solidFill>
+                  <a:schemeClr val="bg1"/>
+                </a:solidFill>
+              </a:rPr>
+              <a:t>	Instead if I gave you a unique number when </a:t>
+            </a:r>
+            <a:r>
+              <a:rPr lang="en-US" b="1" dirty="0" err="1">
+                <a:solidFill>
+                  <a:schemeClr val="bg1"/>
+                </a:solidFill>
+              </a:rPr>
+              <a:t>i</a:t>
+            </a:r>
+            <a:r>
+              <a:rPr lang="en-US" b="1" dirty="0">
+                <a:solidFill>
+                  <a:schemeClr val="bg1"/>
+                </a:solidFill>
+              </a:rPr>
+              <a:t> bought you lunch.</a:t>
+            </a:r>
+          </a:p>
+          <a:p>
+            <a:r>
+              <a:rPr lang="en-US" b="1" dirty="0">
+                <a:solidFill>
+                  <a:schemeClr val="bg1"/>
+                </a:solidFill>
+              </a:rPr>
+              <a:t>		Now you need to share the unique number along.</a:t>
+            </a:r>
+          </a:p>
         </p:txBody>
       </p:sp>
     </p:spTree>
     <p:extLst>
       <p:ext uri="{BB962C8B-B14F-4D97-AF65-F5344CB8AC3E}">
-        <p14:creationId xmlns:p14="http://schemas.microsoft.com/office/powerpoint/2010/main" val="4077167694"/>
+        <p14:creationId xmlns:p14="http://schemas.microsoft.com/office/powerpoint/2010/main" val="1131344006"/>
       </p:ext>
     </p:extLst>
   </p:cSld>
@@ -10160,7 +10624,7 @@
                   <a:schemeClr val="bg1"/>
                 </a:solidFill>
               </a:rPr>
-              <a:t>Use HTTPS Everywhere</a:t>
+              <a:t>Encrypt and Protect Secrets</a:t>
             </a:r>
           </a:p>
         </p:txBody>
@@ -10179,8 +10643,8 @@
         </p:nvSpPr>
         <p:spPr>
           <a:xfrm>
-            <a:off x="838200" y="1779687"/>
-            <a:ext cx="10515600" cy="5078313"/>
+            <a:off x="838200" y="1516976"/>
+            <a:ext cx="10515600" cy="4524315"/>
           </a:xfrm>
           <a:prstGeom prst="rect">
             <a:avLst/>
@@ -10199,37 +10663,47 @@
                   <a:schemeClr val="bg1"/>
                 </a:solidFill>
               </a:rPr>
-              <a:t>HTTPS requires certificates for 2 way authentication.	</a:t>
-            </a:r>
-          </a:p>
-          <a:p>
-            <a:r>
-              <a:rPr lang="en-US" b="1" dirty="0">
-                <a:solidFill>
-                  <a:schemeClr val="bg1"/>
-                </a:solidFill>
-              </a:rPr>
-              <a:t>Let’s Encrypt offers free certificates, and you can use its API to automate renewing them. </a:t>
-            </a:r>
-          </a:p>
-          <a:p>
-            <a:r>
-              <a:rPr lang="en-US" b="1" dirty="0">
-                <a:solidFill>
-                  <a:schemeClr val="bg1"/>
-                </a:solidFill>
-              </a:rPr>
-              <a:t>Let’s Encrypt </a:t>
-            </a:r>
-          </a:p>
-          <a:p>
-            <a:r>
-              <a:rPr lang="en-US" b="1" dirty="0">
-                <a:solidFill>
-                  <a:schemeClr val="bg1"/>
-                </a:solidFill>
-              </a:rPr>
-              <a:t>	Recommends you use </a:t>
+              <a:t>Generally microservices authenticates using an API key / tokens (JWT, PASTEO)</a:t>
+            </a:r>
+          </a:p>
+          <a:p>
+            <a:r>
+              <a:rPr lang="en-US" b="1" dirty="0">
+                <a:solidFill>
+                  <a:schemeClr val="bg1"/>
+                </a:solidFill>
+              </a:rPr>
+              <a:t>Rule 1</a:t>
+            </a:r>
+          </a:p>
+          <a:p>
+            <a:r>
+              <a:rPr lang="en-US" b="1" dirty="0">
+                <a:solidFill>
+                  <a:schemeClr val="bg1"/>
+                </a:solidFill>
+              </a:rPr>
+              <a:t>	Don’t check key into even private source control. </a:t>
+            </a:r>
+          </a:p>
+          <a:p>
+            <a:r>
+              <a:rPr lang="en-US" b="1" dirty="0">
+                <a:solidFill>
+                  <a:schemeClr val="bg1"/>
+                </a:solidFill>
+              </a:rPr>
+              <a:t>	Encrypt secrets </a:t>
+            </a:r>
+          </a:p>
+          <a:p>
+            <a:r>
+              <a:rPr lang="en-US" b="1" dirty="0">
+                <a:solidFill>
+                  <a:schemeClr val="bg1"/>
+                </a:solidFill>
+              </a:rPr>
+              <a:t>	Store in </a:t>
             </a:r>
             <a:r>
               <a:rPr lang="en-US" b="1" dirty="0" err="1">
@@ -10237,208 +10711,133 @@
                   <a:schemeClr val="bg1"/>
                 </a:solidFill>
               </a:rPr>
-              <a:t>Certbot</a:t>
-            </a:r>
-            <a:r>
-              <a:rPr lang="en-US" b="1" dirty="0">
-                <a:solidFill>
-                  <a:schemeClr val="bg1"/>
-                </a:solidFill>
-              </a:rPr>
-              <a:t> to obtain and renew your certificates. </a:t>
-            </a:r>
-          </a:p>
-          <a:p>
-            <a:r>
-              <a:rPr lang="en-US" b="1" dirty="0">
-                <a:solidFill>
-                  <a:schemeClr val="bg1"/>
-                </a:solidFill>
-              </a:rPr>
-              <a:t>	is a free, </a:t>
-            </a:r>
-          </a:p>
-          <a:p>
-            <a:r>
-              <a:rPr lang="en-US" b="1" dirty="0">
-                <a:solidFill>
-                  <a:schemeClr val="bg1"/>
-                </a:solidFill>
-              </a:rPr>
-              <a:t>	open-source software tool </a:t>
-            </a:r>
-          </a:p>
-          <a:p>
-            <a:r>
-              <a:rPr lang="en-US" b="1" dirty="0">
-                <a:solidFill>
-                  <a:schemeClr val="bg1"/>
-                </a:solidFill>
-              </a:rPr>
-              <a:t>	Generate automatically using Let’s Encrypt certificates on manually-administrated websites . </a:t>
-            </a:r>
-          </a:p>
-          <a:p>
-            <a:r>
-              <a:rPr lang="en-US" b="1" dirty="0">
-                <a:solidFill>
-                  <a:schemeClr val="bg1"/>
-                </a:solidFill>
-              </a:rPr>
-              <a:t>	The Electronic Frontier Foundation (EFF) created and maintains </a:t>
-            </a:r>
-            <a:r>
-              <a:rPr lang="en-US" b="1" dirty="0" err="1">
-                <a:solidFill>
-                  <a:schemeClr val="bg1"/>
-                </a:solidFill>
-              </a:rPr>
-              <a:t>Certbot</a:t>
-            </a:r>
-            <a:r>
-              <a:rPr lang="en-US" b="1" dirty="0">
-                <a:solidFill>
-                  <a:schemeClr val="bg1"/>
-                </a:solidFill>
-              </a:rPr>
-              <a:t>.</a:t>
-            </a:r>
-          </a:p>
-          <a:p>
-            <a:r>
-              <a:rPr lang="en-US" b="1" dirty="0">
-                <a:solidFill>
-                  <a:schemeClr val="bg1"/>
-                </a:solidFill>
-              </a:rPr>
-              <a:t>		</a:t>
-            </a:r>
-            <a:r>
-              <a:rPr lang="en-US" b="1" dirty="0" err="1">
-                <a:solidFill>
-                  <a:schemeClr val="bg1"/>
-                </a:solidFill>
-              </a:rPr>
-              <a:t>CertbotsThe</a:t>
-            </a:r>
-            <a:r>
-              <a:rPr lang="en-US" b="1" dirty="0">
-                <a:solidFill>
-                  <a:schemeClr val="bg1"/>
-                </a:solidFill>
-              </a:rPr>
-              <a:t> </a:t>
-            </a:r>
-            <a:r>
-              <a:rPr lang="en-US" b="1" dirty="0" err="1">
-                <a:solidFill>
-                  <a:schemeClr val="bg1"/>
-                </a:solidFill>
-              </a:rPr>
-              <a:t>Certbot</a:t>
-            </a:r>
-            <a:r>
-              <a:rPr lang="en-US" b="1" dirty="0">
-                <a:solidFill>
-                  <a:schemeClr val="bg1"/>
-                </a:solidFill>
-              </a:rPr>
-              <a:t> website lets you choose your web server and system, </a:t>
-            </a:r>
-          </a:p>
-          <a:p>
-            <a:r>
-              <a:rPr lang="en-US" b="1" dirty="0">
-                <a:solidFill>
-                  <a:schemeClr val="bg1"/>
-                </a:solidFill>
-              </a:rPr>
-              <a:t>		then provides the instructions for automating certificate generation and renewal.</a:t>
-            </a:r>
-          </a:p>
-          <a:p>
-            <a:r>
-              <a:rPr lang="en-US" b="1" dirty="0">
-                <a:solidFill>
-                  <a:schemeClr val="bg1"/>
-                </a:solidFill>
-              </a:rPr>
-              <a:t>Force HTTPS. </a:t>
-            </a:r>
-          </a:p>
-          <a:p>
-            <a:r>
-              <a:rPr lang="en-US" b="1" dirty="0">
-                <a:solidFill>
-                  <a:schemeClr val="bg1"/>
-                </a:solidFill>
-              </a:rPr>
-              <a:t>	Often, forcing HTTPS </a:t>
-            </a:r>
-          </a:p>
-          <a:p>
-            <a:r>
-              <a:rPr lang="en-US" b="1" dirty="0">
-                <a:solidFill>
-                  <a:schemeClr val="bg1"/>
-                </a:solidFill>
-              </a:rPr>
-              <a:t>		Uses an HTTP Strict-Transport-Security response header </a:t>
-            </a:r>
-          </a:p>
-          <a:p>
-            <a:r>
-              <a:rPr lang="en-US" b="1" dirty="0">
-                <a:solidFill>
-                  <a:schemeClr val="bg1"/>
-                </a:solidFill>
-              </a:rPr>
-              <a:t>		Tell browsers they should only access a website using HTTPS.</a:t>
-            </a:r>
-          </a:p>
-          <a:p>
-            <a:r>
-              <a:rPr lang="en-US" b="1" dirty="0">
-                <a:solidFill>
-                  <a:schemeClr val="bg1"/>
-                </a:solidFill>
-              </a:rPr>
-              <a:t>			</a:t>
-            </a:r>
-          </a:p>
-          <a:p>
-            <a:r>
-              <a:rPr lang="en-US" b="1" dirty="0">
-                <a:solidFill>
-                  <a:schemeClr val="bg1"/>
-                </a:solidFill>
-              </a:rPr>
-              <a:t>Why HTTS inside our network</a:t>
-            </a:r>
-          </a:p>
-          <a:p>
-            <a:r>
-              <a:rPr lang="en-US" b="1" dirty="0">
-                <a:solidFill>
-                  <a:schemeClr val="bg1"/>
-                </a:solidFill>
-              </a:rPr>
-              <a:t>	Phishing and guessing people’s credentials are incredibly effective techniques to hack. </a:t>
-            </a:r>
-          </a:p>
-          <a:p>
-            <a:endParaRPr lang="en-US" b="1" dirty="0">
-              <a:solidFill>
-                <a:schemeClr val="bg1"/>
-              </a:solidFill>
-            </a:endParaRPr>
+              <a:t>Hashicorp</a:t>
+            </a:r>
+            <a:r>
+              <a:rPr lang="en-US" b="1" dirty="0">
+                <a:solidFill>
+                  <a:schemeClr val="bg1"/>
+                </a:solidFill>
+              </a:rPr>
+              <a:t> Vault or Spring Vault or Amazon KMS</a:t>
+            </a:r>
+          </a:p>
+          <a:p>
+            <a:r>
+              <a:rPr lang="en-US" b="1" dirty="0">
+                <a:solidFill>
+                  <a:schemeClr val="bg1"/>
+                </a:solidFill>
+              </a:rPr>
+              <a:t>Amazon KMS</a:t>
+            </a:r>
+          </a:p>
+          <a:p>
+            <a:r>
+              <a:rPr lang="en-US" b="1" dirty="0">
+                <a:solidFill>
+                  <a:schemeClr val="bg1"/>
+                </a:solidFill>
+              </a:rPr>
+              <a:t>	You generate a master key using KMS</a:t>
+            </a:r>
+          </a:p>
+          <a:p>
+            <a:r>
+              <a:rPr lang="en-US" b="1" dirty="0">
+                <a:solidFill>
+                  <a:schemeClr val="bg1"/>
+                </a:solidFill>
+              </a:rPr>
+              <a:t>	You want to encrypt data, </a:t>
+            </a:r>
+          </a:p>
+          <a:p>
+            <a:r>
+              <a:rPr lang="en-US" b="1" dirty="0">
+                <a:solidFill>
+                  <a:schemeClr val="bg1"/>
+                </a:solidFill>
+              </a:rPr>
+              <a:t>	You ask AWS to generate a new data key for you. </a:t>
+            </a:r>
+          </a:p>
+          <a:p>
+            <a:r>
+              <a:rPr lang="en-US" b="1" dirty="0">
+                <a:solidFill>
+                  <a:schemeClr val="bg1"/>
+                </a:solidFill>
+              </a:rPr>
+              <a:t>	A data key is a unique encryption key AWS generates for each piece of data you need to encrypt.</a:t>
+            </a:r>
+          </a:p>
+          <a:p>
+            <a:r>
+              <a:rPr lang="en-US" b="1" dirty="0">
+                <a:solidFill>
+                  <a:schemeClr val="bg1"/>
+                </a:solidFill>
+              </a:rPr>
+              <a:t>	You then encrypt your data using the data key</a:t>
+            </a:r>
+          </a:p>
+          <a:p>
+            <a:r>
+              <a:rPr lang="en-US" b="1" dirty="0">
+                <a:solidFill>
+                  <a:schemeClr val="bg1"/>
+                </a:solidFill>
+              </a:rPr>
+              <a:t>	Amazon will then encrypt your data key using the master key</a:t>
+            </a:r>
+          </a:p>
+          <a:p>
+            <a:r>
+              <a:rPr lang="en-US" b="1" dirty="0">
+                <a:solidFill>
+                  <a:schemeClr val="bg1"/>
+                </a:solidFill>
+              </a:rPr>
+              <a:t>	You merge the encrypted data key with the encrypted data to create an encrypted message. </a:t>
+            </a:r>
+          </a:p>
+          <a:p>
+            <a:r>
+              <a:rPr lang="en-US" b="1" dirty="0">
+                <a:solidFill>
+                  <a:schemeClr val="bg1"/>
+                </a:solidFill>
+              </a:rPr>
+              <a:t>	The encrypted message is your final output, </a:t>
+            </a:r>
+          </a:p>
+          <a:p>
+            <a:r>
+              <a:rPr lang="en-US" b="1" dirty="0">
+                <a:solidFill>
+                  <a:schemeClr val="bg1"/>
+                </a:solidFill>
+              </a:rPr>
+              <a:t>	which is what you would store as a file or in a database.</a:t>
+            </a:r>
+          </a:p>
+          <a:p>
+            <a:r>
+              <a:rPr lang="en-US" b="1" dirty="0">
+                <a:solidFill>
+                  <a:schemeClr val="bg1"/>
+                </a:solidFill>
+              </a:rPr>
+              <a:t>Alternatively you can use Azure Key Vaults</a:t>
+            </a:r>
           </a:p>
         </p:txBody>
       </p:sp>
     </p:spTree>
     <p:extLst>
       <p:ext uri="{BB962C8B-B14F-4D97-AF65-F5344CB8AC3E}">
-        <p14:creationId xmlns:p14="http://schemas.microsoft.com/office/powerpoint/2010/main" val="4182056134"/>
+        <p14:creationId xmlns:p14="http://schemas.microsoft.com/office/powerpoint/2010/main" val="118816738"/>
       </p:ext>
     </p:extLst>
   </p:cSld>
@@ -10508,7 +10907,7 @@
                   <a:schemeClr val="bg1"/>
                 </a:solidFill>
               </a:rPr>
-              <a:t>Use Access and Identity Tokens</a:t>
+              <a:t>Verify Security with Delivery Pipelines</a:t>
             </a:r>
           </a:p>
         </p:txBody>
@@ -10528,7 +10927,7 @@
         <p:spPr>
           <a:xfrm>
             <a:off x="838200" y="1516976"/>
-            <a:ext cx="10515600" cy="5355312"/>
+            <a:ext cx="10515600" cy="1754326"/>
           </a:xfrm>
           <a:prstGeom prst="rect">
             <a:avLst/>
@@ -10542,20 +10941,52 @@
           <a:lstStyle/>
           <a:p>
             <a:r>
-              <a:rPr lang="en-US" b="1" dirty="0" err="1">
-                <a:solidFill>
-                  <a:schemeClr val="bg1"/>
-                </a:solidFill>
-              </a:rPr>
-              <a:t>Oauth</a:t>
-            </a:r>
-            <a:r>
-              <a:rPr lang="en-US" b="1" dirty="0">
-                <a:solidFill>
-                  <a:schemeClr val="bg1"/>
-                </a:solidFill>
-              </a:rPr>
-              <a:t> and JWT are really famous token systems. Use them.</a:t>
+              <a:rPr lang="en-US" b="1" dirty="0">
+                <a:solidFill>
+                  <a:schemeClr val="bg1"/>
+                </a:solidFill>
+              </a:rPr>
+              <a:t>Dependency and container scanning should be part of your source control monitoring system</a:t>
+            </a:r>
+          </a:p>
+          <a:p>
+            <a:r>
+              <a:rPr lang="en-US" b="1" dirty="0">
+                <a:solidFill>
+                  <a:schemeClr val="bg1"/>
+                </a:solidFill>
+              </a:rPr>
+              <a:t>Execute security tests when executing CI/CD.</a:t>
+            </a:r>
+          </a:p>
+          <a:p>
+            <a:r>
+              <a:rPr lang="en-US" b="1" dirty="0">
+                <a:solidFill>
+                  <a:schemeClr val="bg1"/>
+                </a:solidFill>
+              </a:rPr>
+              <a:t>	 security unit tests, </a:t>
+            </a:r>
+          </a:p>
+          <a:p>
+            <a:r>
+              <a:rPr lang="en-US" b="1" dirty="0">
+                <a:solidFill>
+                  <a:schemeClr val="bg1"/>
+                </a:solidFill>
+              </a:rPr>
+              <a:t>	 static analysis security testing (SAST), </a:t>
+            </a:r>
+          </a:p>
+          <a:p>
+            <a:r>
+              <a:rPr lang="en-US" b="1" dirty="0">
+                <a:solidFill>
+                  <a:schemeClr val="bg1"/>
+                </a:solidFill>
+              </a:rPr>
+              <a:t>	 dynamic analysis security testing (DAST).</a:t>
             </a:r>
           </a:p>
           <a:p>
@@ -10565,344 +10996,12 @@
               </a:solidFill>
             </a:endParaRPr>
           </a:p>
-          <a:p>
-            <a:r>
-              <a:rPr lang="en-US" b="1" dirty="0" err="1">
-                <a:solidFill>
-                  <a:schemeClr val="bg1"/>
-                </a:solidFill>
-              </a:rPr>
-              <a:t>oAuth</a:t>
-            </a:r>
-            <a:endParaRPr lang="en-US" b="1" dirty="0">
-              <a:solidFill>
-                <a:schemeClr val="bg1"/>
-              </a:solidFill>
-            </a:endParaRPr>
-          </a:p>
-          <a:p>
-            <a:r>
-              <a:rPr lang="en-US" b="1" dirty="0">
-                <a:solidFill>
-                  <a:schemeClr val="bg1"/>
-                </a:solidFill>
-              </a:rPr>
-              <a:t>	</a:t>
-            </a:r>
-            <a:r>
-              <a:rPr lang="en-US" b="1" dirty="0" err="1">
-                <a:solidFill>
-                  <a:schemeClr val="bg1"/>
-                </a:solidFill>
-              </a:rPr>
-              <a:t>Tocken</a:t>
-            </a:r>
-            <a:r>
-              <a:rPr lang="en-US" b="1" dirty="0">
-                <a:solidFill>
-                  <a:schemeClr val="bg1"/>
-                </a:solidFill>
-              </a:rPr>
-              <a:t> based authorization </a:t>
-            </a:r>
-          </a:p>
-          <a:p>
-            <a:r>
-              <a:rPr lang="en-US" b="1" dirty="0">
-                <a:solidFill>
-                  <a:schemeClr val="bg1"/>
-                </a:solidFill>
-              </a:rPr>
-              <a:t>	Delegate access without user/</a:t>
-            </a:r>
-            <a:r>
-              <a:rPr lang="en-US" b="1" dirty="0" err="1">
-                <a:solidFill>
-                  <a:schemeClr val="bg1"/>
-                </a:solidFill>
-              </a:rPr>
-              <a:t>pwd</a:t>
-            </a:r>
-            <a:endParaRPr lang="en-US" b="1" dirty="0">
-              <a:solidFill>
-                <a:schemeClr val="bg1"/>
-              </a:solidFill>
-            </a:endParaRPr>
-          </a:p>
-          <a:p>
-            <a:r>
-              <a:rPr lang="en-US" b="1" dirty="0">
-                <a:solidFill>
-                  <a:schemeClr val="bg1"/>
-                </a:solidFill>
-              </a:rPr>
-              <a:t>	Grant access to a client to perform certain operation on behalf of user.</a:t>
-            </a:r>
-          </a:p>
-          <a:p>
-            <a:r>
-              <a:rPr lang="en-US" b="1" dirty="0">
-                <a:solidFill>
-                  <a:schemeClr val="bg1"/>
-                </a:solidFill>
-              </a:rPr>
-              <a:t>	Not authentication of user.</a:t>
-            </a:r>
-          </a:p>
-          <a:p>
-            <a:r>
-              <a:rPr lang="en-US" b="1" dirty="0">
-                <a:solidFill>
-                  <a:schemeClr val="bg1"/>
-                </a:solidFill>
-              </a:rPr>
-              <a:t>	Only authorization</a:t>
-            </a:r>
-          </a:p>
-          <a:p>
-            <a:r>
-              <a:rPr lang="en-US" b="1" dirty="0">
-                <a:solidFill>
-                  <a:schemeClr val="bg1"/>
-                </a:solidFill>
-              </a:rPr>
-              <a:t>	3rd party </a:t>
-            </a:r>
-            <a:r>
-              <a:rPr lang="en-US" b="1" dirty="0" err="1">
-                <a:solidFill>
-                  <a:schemeClr val="bg1"/>
-                </a:solidFill>
-              </a:rPr>
-              <a:t>oAuth</a:t>
-            </a:r>
-            <a:r>
-              <a:rPr lang="en-US" b="1" dirty="0">
-                <a:solidFill>
-                  <a:schemeClr val="bg1"/>
-                </a:solidFill>
-              </a:rPr>
-              <a:t> providers such as Google, fb, </a:t>
-            </a:r>
-            <a:r>
-              <a:rPr lang="en-US" b="1" dirty="0" err="1">
-                <a:solidFill>
-                  <a:schemeClr val="bg1"/>
-                </a:solidFill>
-              </a:rPr>
-              <a:t>github</a:t>
-            </a:r>
-            <a:r>
-              <a:rPr lang="en-US" b="1" dirty="0">
-                <a:solidFill>
-                  <a:schemeClr val="bg1"/>
-                </a:solidFill>
-              </a:rPr>
-              <a:t> </a:t>
-            </a:r>
-            <a:r>
-              <a:rPr lang="en-US" b="1" dirty="0" err="1">
-                <a:solidFill>
-                  <a:schemeClr val="bg1"/>
-                </a:solidFill>
-              </a:rPr>
-              <a:t>ect</a:t>
-            </a:r>
-            <a:r>
-              <a:rPr lang="en-US" b="1" dirty="0">
-                <a:solidFill>
-                  <a:schemeClr val="bg1"/>
-                </a:solidFill>
-              </a:rPr>
-              <a:t>..</a:t>
-            </a:r>
-          </a:p>
-          <a:p>
-            <a:r>
-              <a:rPr lang="en-US" b="1" dirty="0">
-                <a:solidFill>
-                  <a:schemeClr val="bg1"/>
-                </a:solidFill>
-              </a:rPr>
-              <a:t>JWTs are JSON data, encoded as a string, and cryptographically signed.</a:t>
-            </a:r>
-          </a:p>
-          <a:p>
-            <a:r>
-              <a:rPr lang="en-US" b="1" dirty="0">
-                <a:solidFill>
-                  <a:schemeClr val="bg1"/>
-                </a:solidFill>
-              </a:rPr>
-              <a:t>	</a:t>
-            </a:r>
-            <a:r>
-              <a:rPr lang="en-US" b="1" dirty="0" err="1">
-                <a:solidFill>
-                  <a:schemeClr val="bg1"/>
-                </a:solidFill>
-              </a:rPr>
-              <a:t>Unquely</a:t>
-            </a:r>
-            <a:r>
-              <a:rPr lang="en-US" b="1" dirty="0">
-                <a:solidFill>
-                  <a:schemeClr val="bg1"/>
-                </a:solidFill>
-              </a:rPr>
-              <a:t> identify a resource using JWT</a:t>
-            </a:r>
-          </a:p>
-          <a:p>
-            <a:r>
-              <a:rPr lang="en-US" b="1" dirty="0">
-                <a:solidFill>
-                  <a:schemeClr val="bg1"/>
-                </a:solidFill>
-              </a:rPr>
-              <a:t>Assume I’m blind and hard of hearing. </a:t>
-            </a:r>
-          </a:p>
-          <a:p>
-            <a:r>
-              <a:rPr lang="en-US" b="1" dirty="0">
-                <a:solidFill>
-                  <a:schemeClr val="bg1"/>
-                </a:solidFill>
-              </a:rPr>
-              <a:t>	Last week you bought me lunch, </a:t>
-            </a:r>
-          </a:p>
-          <a:p>
-            <a:r>
-              <a:rPr lang="en-US" b="1" dirty="0">
-                <a:solidFill>
-                  <a:schemeClr val="bg1"/>
-                </a:solidFill>
-              </a:rPr>
-              <a:t>	Now I need your </a:t>
-            </a:r>
-            <a:r>
-              <a:rPr lang="en-US" b="1" dirty="0" err="1">
-                <a:solidFill>
-                  <a:schemeClr val="bg1"/>
-                </a:solidFill>
-              </a:rPr>
-              <a:t>paytm</a:t>
-            </a:r>
-            <a:r>
-              <a:rPr lang="en-US" b="1" dirty="0">
-                <a:solidFill>
-                  <a:schemeClr val="bg1"/>
-                </a:solidFill>
-              </a:rPr>
-              <a:t> address to pay you back. </a:t>
-            </a:r>
-          </a:p>
-          <a:p>
-            <a:r>
-              <a:rPr lang="en-US" b="1" dirty="0">
-                <a:solidFill>
-                  <a:schemeClr val="bg1"/>
-                </a:solidFill>
-              </a:rPr>
-              <a:t>	If I ask you for your </a:t>
-            </a:r>
-            <a:r>
-              <a:rPr lang="en-US" b="1" dirty="0" err="1">
-                <a:solidFill>
-                  <a:schemeClr val="bg1"/>
-                </a:solidFill>
-              </a:rPr>
-              <a:t>paytm</a:t>
-            </a:r>
-            <a:r>
-              <a:rPr lang="en-US" b="1" dirty="0">
-                <a:solidFill>
-                  <a:schemeClr val="bg1"/>
-                </a:solidFill>
-              </a:rPr>
-              <a:t> address in person, </a:t>
-            </a:r>
-          </a:p>
-          <a:p>
-            <a:r>
-              <a:rPr lang="en-US" b="1" dirty="0">
-                <a:solidFill>
-                  <a:schemeClr val="bg1"/>
-                </a:solidFill>
-              </a:rPr>
-              <a:t>		someone else calls me and share their </a:t>
-            </a:r>
-            <a:r>
-              <a:rPr lang="en-US" b="1" dirty="0" err="1">
-                <a:solidFill>
-                  <a:schemeClr val="bg1"/>
-                </a:solidFill>
-              </a:rPr>
-              <a:t>paytm</a:t>
-            </a:r>
-            <a:r>
-              <a:rPr lang="en-US" b="1" dirty="0">
-                <a:solidFill>
-                  <a:schemeClr val="bg1"/>
-                </a:solidFill>
-              </a:rPr>
-              <a:t> address, </a:t>
-            </a:r>
-          </a:p>
-          <a:p>
-            <a:r>
-              <a:rPr lang="en-US" b="1" dirty="0">
-                <a:solidFill>
-                  <a:schemeClr val="bg1"/>
-                </a:solidFill>
-              </a:rPr>
-              <a:t>		I might accidentally send them the money I owe you.</a:t>
-            </a:r>
-          </a:p>
-          <a:p>
-            <a:r>
-              <a:rPr lang="en-US" b="1" dirty="0">
-                <a:solidFill>
-                  <a:schemeClr val="bg1"/>
-                </a:solidFill>
-              </a:rPr>
-              <a:t>	Instead if I gave you a unique number when </a:t>
-            </a:r>
-            <a:r>
-              <a:rPr lang="en-US" b="1" dirty="0" err="1">
-                <a:solidFill>
-                  <a:schemeClr val="bg1"/>
-                </a:solidFill>
-              </a:rPr>
-              <a:t>i</a:t>
-            </a:r>
-            <a:r>
-              <a:rPr lang="en-US" b="1" dirty="0">
-                <a:solidFill>
-                  <a:schemeClr val="bg1"/>
-                </a:solidFill>
-              </a:rPr>
-              <a:t> bought you lunch.</a:t>
-            </a:r>
-          </a:p>
-          <a:p>
-            <a:r>
-              <a:rPr lang="en-US" b="1" dirty="0">
-                <a:solidFill>
-                  <a:schemeClr val="bg1"/>
-                </a:solidFill>
-              </a:rPr>
-              <a:t>		Now you need to share the unique number along.</a:t>
-            </a:r>
-          </a:p>
         </p:txBody>
       </p:sp>
     </p:spTree>
     <p:extLst>
       <p:ext uri="{BB962C8B-B14F-4D97-AF65-F5344CB8AC3E}">
-        <p14:creationId xmlns:p14="http://schemas.microsoft.com/office/powerpoint/2010/main" val="1131344006"/>
+        <p14:creationId xmlns:p14="http://schemas.microsoft.com/office/powerpoint/2010/main" val="4119130609"/>
       </p:ext>
     </p:extLst>
   </p:cSld>
@@ -10972,7 +11071,7 @@
                   <a:schemeClr val="bg1"/>
                 </a:solidFill>
               </a:rPr>
-              <a:t>Encrypt and Protect Secrets</a:t>
+              <a:t>Slow Down Attackers</a:t>
             </a:r>
           </a:p>
         </p:txBody>
@@ -10992,7 +11091,7 @@
         <p:spPr>
           <a:xfrm>
             <a:off x="838200" y="1516976"/>
-            <a:ext cx="10515600" cy="4524315"/>
+            <a:ext cx="10515600" cy="3139321"/>
           </a:xfrm>
           <a:prstGeom prst="rect">
             <a:avLst/>
@@ -11011,47 +11110,67 @@
                   <a:schemeClr val="bg1"/>
                 </a:solidFill>
               </a:rPr>
-              <a:t>Generally microservices authenticates using an API key / tokens (JWT, PASTEO)</a:t>
-            </a:r>
-          </a:p>
-          <a:p>
-            <a:r>
-              <a:rPr lang="en-US" b="1" dirty="0">
-                <a:solidFill>
-                  <a:schemeClr val="bg1"/>
-                </a:solidFill>
-              </a:rPr>
-              <a:t>Rule 1</a:t>
-            </a:r>
-          </a:p>
-          <a:p>
-            <a:r>
-              <a:rPr lang="en-US" b="1" dirty="0">
-                <a:solidFill>
-                  <a:schemeClr val="bg1"/>
-                </a:solidFill>
-              </a:rPr>
-              <a:t>	Don’t check key into even private source control. </a:t>
-            </a:r>
-          </a:p>
-          <a:p>
-            <a:r>
-              <a:rPr lang="en-US" b="1" dirty="0">
-                <a:solidFill>
-                  <a:schemeClr val="bg1"/>
-                </a:solidFill>
-              </a:rPr>
-              <a:t>	Encrypt secrets </a:t>
-            </a:r>
-          </a:p>
-          <a:p>
-            <a:r>
-              <a:rPr lang="en-US" b="1" dirty="0">
-                <a:solidFill>
-                  <a:schemeClr val="bg1"/>
-                </a:solidFill>
-              </a:rPr>
-              <a:t>	Store in </a:t>
+              <a:t>If someone tries to attack your APIs with hundreds of gigs of username/password combinations, </a:t>
+            </a:r>
+          </a:p>
+          <a:p>
+            <a:r>
+              <a:rPr lang="en-US" b="1" dirty="0">
+                <a:solidFill>
+                  <a:schemeClr val="bg1"/>
+                </a:solidFill>
+              </a:rPr>
+              <a:t>It could take a while for them to authenticate successfully. </a:t>
+            </a:r>
+          </a:p>
+          <a:p>
+            <a:r>
+              <a:rPr lang="en-US" b="1" dirty="0">
+                <a:solidFill>
+                  <a:schemeClr val="bg1"/>
+                </a:solidFill>
+              </a:rPr>
+              <a:t>	</a:t>
+            </a:r>
+          </a:p>
+          <a:p>
+            <a:r>
+              <a:rPr lang="en-US" b="1" dirty="0">
+                <a:solidFill>
+                  <a:schemeClr val="bg1"/>
+                </a:solidFill>
+              </a:rPr>
+              <a:t>Detect this attack and slow down your service, </a:t>
+            </a:r>
+          </a:p>
+          <a:p>
+            <a:r>
+              <a:rPr lang="en-US" b="1" dirty="0">
+                <a:solidFill>
+                  <a:schemeClr val="bg1"/>
+                </a:solidFill>
+              </a:rPr>
+              <a:t>	Most likely the attacker will go away. </a:t>
+            </a:r>
+          </a:p>
+          <a:p>
+            <a:r>
+              <a:rPr lang="en-US" b="1" dirty="0">
+                <a:solidFill>
+                  <a:schemeClr val="bg1"/>
+                </a:solidFill>
+              </a:rPr>
+              <a:t>	Simply not worth their time.</a:t>
+            </a:r>
+          </a:p>
+          <a:p>
+            <a:r>
+              <a:rPr lang="en-US" b="1" dirty="0">
+                <a:solidFill>
+                  <a:schemeClr val="bg1"/>
+                </a:solidFill>
+              </a:rPr>
+              <a:t>	You can implement rate-limiting (API rate limiting, email rate limiting </a:t>
             </a:r>
             <a:r>
               <a:rPr lang="en-US" b="1" dirty="0" err="1">
@@ -11059,133 +11178,57 @@
                   <a:schemeClr val="bg1"/>
                 </a:solidFill>
               </a:rPr>
-              <a:t>Hashicorp</a:t>
-            </a:r>
-            <a:r>
-              <a:rPr lang="en-US" b="1" dirty="0">
-                <a:solidFill>
-                  <a:schemeClr val="bg1"/>
-                </a:solidFill>
-              </a:rPr>
-              <a:t> Vault or Spring Vault or Amazon KMS</a:t>
-            </a:r>
-          </a:p>
-          <a:p>
-            <a:r>
-              <a:rPr lang="en-US" b="1" dirty="0">
-                <a:solidFill>
-                  <a:schemeClr val="bg1"/>
-                </a:solidFill>
-              </a:rPr>
-              <a:t>Amazon KMS</a:t>
-            </a:r>
-          </a:p>
-          <a:p>
-            <a:r>
-              <a:rPr lang="en-US" b="1" dirty="0">
-                <a:solidFill>
-                  <a:schemeClr val="bg1"/>
-                </a:solidFill>
-              </a:rPr>
-              <a:t>	You generate a master key using KMS</a:t>
-            </a:r>
-          </a:p>
-          <a:p>
-            <a:r>
-              <a:rPr lang="en-US" b="1" dirty="0">
-                <a:solidFill>
-                  <a:schemeClr val="bg1"/>
-                </a:solidFill>
-              </a:rPr>
-              <a:t>	You want to encrypt data, </a:t>
-            </a:r>
-          </a:p>
-          <a:p>
-            <a:r>
-              <a:rPr lang="en-US" b="1" dirty="0">
-                <a:solidFill>
-                  <a:schemeClr val="bg1"/>
-                </a:solidFill>
-              </a:rPr>
-              <a:t>	You ask AWS to generate a new data key for you. </a:t>
-            </a:r>
-          </a:p>
-          <a:p>
-            <a:r>
-              <a:rPr lang="en-US" b="1" dirty="0">
-                <a:solidFill>
-                  <a:schemeClr val="bg1"/>
-                </a:solidFill>
-              </a:rPr>
-              <a:t>	A data key is a unique encryption key AWS generates for each piece of data you need to encrypt.</a:t>
-            </a:r>
-          </a:p>
-          <a:p>
-            <a:r>
-              <a:rPr lang="en-US" b="1" dirty="0">
-                <a:solidFill>
-                  <a:schemeClr val="bg1"/>
-                </a:solidFill>
-              </a:rPr>
-              <a:t>	You then encrypt your data using the data key</a:t>
-            </a:r>
-          </a:p>
-          <a:p>
-            <a:r>
-              <a:rPr lang="en-US" b="1" dirty="0">
-                <a:solidFill>
-                  <a:schemeClr val="bg1"/>
-                </a:solidFill>
-              </a:rPr>
-              <a:t>	Amazon will then encrypt your data key using the master key</a:t>
-            </a:r>
-          </a:p>
-          <a:p>
-            <a:r>
-              <a:rPr lang="en-US" b="1" dirty="0">
-                <a:solidFill>
-                  <a:schemeClr val="bg1"/>
-                </a:solidFill>
-              </a:rPr>
-              <a:t>	You merge the encrypted data key with the encrypted data to create an encrypted message. </a:t>
-            </a:r>
-          </a:p>
-          <a:p>
-            <a:r>
-              <a:rPr lang="en-US" b="1" dirty="0">
-                <a:solidFill>
-                  <a:schemeClr val="bg1"/>
-                </a:solidFill>
-              </a:rPr>
-              <a:t>	The encrypted message is your final output, </a:t>
-            </a:r>
-          </a:p>
-          <a:p>
-            <a:r>
-              <a:rPr lang="en-US" b="1" dirty="0">
-                <a:solidFill>
-                  <a:schemeClr val="bg1"/>
-                </a:solidFill>
-              </a:rPr>
-              <a:t>	which is what you would store as a file or in a database.</a:t>
-            </a:r>
-          </a:p>
-          <a:p>
-            <a:r>
-              <a:rPr lang="en-US" b="1" dirty="0">
-                <a:solidFill>
-                  <a:schemeClr val="bg1"/>
-                </a:solidFill>
-              </a:rPr>
-              <a:t>Alternatively you can use Azure Key Vaults</a:t>
-            </a:r>
+              <a:t>etc</a:t>
+            </a:r>
+            <a:r>
+              <a:rPr lang="en-US" b="1" dirty="0">
+                <a:solidFill>
+                  <a:schemeClr val="bg1"/>
+                </a:solidFill>
+              </a:rPr>
+              <a:t>)in your code </a:t>
+            </a:r>
+          </a:p>
+          <a:p>
+            <a:r>
+              <a:rPr lang="en-US" b="1" dirty="0">
+                <a:solidFill>
+                  <a:schemeClr val="bg1"/>
+                </a:solidFill>
+              </a:rPr>
+              <a:t>		(often with an open-source library) or </a:t>
+            </a:r>
+          </a:p>
+          <a:p>
+            <a:r>
+              <a:rPr lang="en-US" b="1" dirty="0">
+                <a:solidFill>
+                  <a:schemeClr val="bg1"/>
+                </a:solidFill>
+              </a:rPr>
+              <a:t>		your API Gateway or third party software. </a:t>
+            </a:r>
+          </a:p>
+          <a:p>
+            <a:endParaRPr lang="en-US" b="1" dirty="0">
+              <a:solidFill>
+                <a:schemeClr val="bg1"/>
+              </a:solidFill>
+            </a:endParaRPr>
+          </a:p>
+          <a:p>
+            <a:endParaRPr lang="en-US" b="1" dirty="0">
+              <a:solidFill>
+                <a:schemeClr val="bg1"/>
+              </a:solidFill>
+            </a:endParaRPr>
           </a:p>
         </p:txBody>
       </p:sp>
     </p:spTree>
     <p:extLst>
       <p:ext uri="{BB962C8B-B14F-4D97-AF65-F5344CB8AC3E}">
-        <p14:creationId xmlns:p14="http://schemas.microsoft.com/office/powerpoint/2010/main" val="118816738"/>
+        <p14:creationId xmlns:p14="http://schemas.microsoft.com/office/powerpoint/2010/main" val="3884806925"/>
       </p:ext>
     </p:extLst>
   </p:cSld>
@@ -11255,7 +11298,7 @@
                   <a:schemeClr val="bg1"/>
                 </a:solidFill>
               </a:rPr>
-              <a:t>Verify Security with Delivery Pipelines</a:t>
+              <a:t>Use Docker Rootless Mode</a:t>
             </a:r>
           </a:p>
         </p:txBody>
@@ -11275,7 +11318,7 @@
         <p:spPr>
           <a:xfrm>
             <a:off x="838200" y="1516976"/>
-            <a:ext cx="10515600" cy="1754326"/>
+            <a:ext cx="10515600" cy="369332"/>
           </a:xfrm>
           <a:prstGeom prst="rect">
             <a:avLst/>
@@ -11294,62 +11337,15 @@
                   <a:schemeClr val="bg1"/>
                 </a:solidFill>
               </a:rPr>
-              <a:t>Dependency and container scanning should be part of your source control monitoring system</a:t>
-            </a:r>
-          </a:p>
-          <a:p>
-            <a:r>
-              <a:rPr lang="en-US" b="1" dirty="0">
-                <a:solidFill>
-                  <a:schemeClr val="bg1"/>
-                </a:solidFill>
-              </a:rPr>
-              <a:t>Execute security tests when executing CI/CD.</a:t>
-            </a:r>
-          </a:p>
-          <a:p>
-            <a:r>
-              <a:rPr lang="en-US" b="1" dirty="0">
-                <a:solidFill>
-                  <a:schemeClr val="bg1"/>
-                </a:solidFill>
-              </a:rPr>
-              <a:t>	 security unit tests, </a:t>
-            </a:r>
-          </a:p>
-          <a:p>
-            <a:r>
-              <a:rPr lang="en-US" b="1" dirty="0">
-                <a:solidFill>
-                  <a:schemeClr val="bg1"/>
-                </a:solidFill>
-              </a:rPr>
-              <a:t>	 static analysis security testing (SAST), </a:t>
-            </a:r>
-          </a:p>
-          <a:p>
-            <a:r>
-              <a:rPr lang="en-US" b="1" dirty="0">
-                <a:solidFill>
-                  <a:schemeClr val="bg1"/>
-                </a:solidFill>
-              </a:rPr>
-              <a:t>	 dynamic analysis security testing (DAST).</a:t>
-            </a:r>
-          </a:p>
-          <a:p>
-            <a:endParaRPr lang="en-US" b="1" dirty="0">
-              <a:solidFill>
-                <a:schemeClr val="bg1"/>
-              </a:solidFill>
-            </a:endParaRPr>
+              <a:t>?</a:t>
+            </a:r>
           </a:p>
         </p:txBody>
       </p:sp>
     </p:spTree>
     <p:extLst>
       <p:ext uri="{BB962C8B-B14F-4D97-AF65-F5344CB8AC3E}">
-        <p14:creationId xmlns:p14="http://schemas.microsoft.com/office/powerpoint/2010/main" val="4119130609"/>
+        <p14:creationId xmlns:p14="http://schemas.microsoft.com/office/powerpoint/2010/main" val="3331135260"/>
       </p:ext>
     </p:extLst>
   </p:cSld>
@@ -11419,7 +11415,7 @@
                   <a:schemeClr val="bg1"/>
                 </a:solidFill>
               </a:rPr>
-              <a:t>Slow Down Attackers</a:t>
+              <a:t>Use Time-Based Security</a:t>
             </a:r>
           </a:p>
         </p:txBody>
@@ -11458,17 +11454,37 @@
                   <a:schemeClr val="bg1"/>
                 </a:solidFill>
               </a:rPr>
-              <a:t>If someone tries to attack your APIs with hundreds of gigs of username/password combinations, </a:t>
-            </a:r>
-          </a:p>
-          <a:p>
-            <a:r>
-              <a:rPr lang="en-US" b="1" dirty="0">
-                <a:solidFill>
-                  <a:schemeClr val="bg1"/>
-                </a:solidFill>
-              </a:rPr>
-              <a:t>It could take a while for them to authenticate successfully. </a:t>
+              <a:t>System is never fully secure—</a:t>
+            </a:r>
+          </a:p>
+          <a:p>
+            <a:r>
+              <a:rPr lang="en-US" b="1" dirty="0">
+                <a:solidFill>
+                  <a:schemeClr val="bg1"/>
+                </a:solidFill>
+              </a:rPr>
+              <a:t>Someone will break in. </a:t>
+            </a:r>
+          </a:p>
+          <a:p>
+            <a:r>
+              <a:rPr lang="en-US" b="1" dirty="0">
+                <a:solidFill>
+                  <a:schemeClr val="bg1"/>
+                </a:solidFill>
+              </a:rPr>
+              <a:t>Preventing intruders is only one part of securing a system; </a:t>
+            </a:r>
+          </a:p>
+          <a:p>
+            <a:r>
+              <a:rPr lang="en-US" b="1" dirty="0">
+                <a:solidFill>
+                  <a:schemeClr val="bg1"/>
+                </a:solidFill>
+              </a:rPr>
+              <a:t>Detection and reaction are essential, too.</a:t>
             </a:r>
           </a:p>
           <a:p>
@@ -11488,37 +11504,57 @@
                   <a:schemeClr val="bg1"/>
                 </a:solidFill>
               </a:rPr>
-              <a:t>Detect this attack and slow down your service, </a:t>
-            </a:r>
-          </a:p>
-          <a:p>
-            <a:r>
-              <a:rPr lang="en-US" b="1" dirty="0">
-                <a:solidFill>
-                  <a:schemeClr val="bg1"/>
-                </a:solidFill>
-              </a:rPr>
-              <a:t>	Most likely the attacker will go away. </a:t>
-            </a:r>
-          </a:p>
-          <a:p>
-            <a:r>
-              <a:rPr lang="en-US" b="1" dirty="0">
-                <a:solidFill>
-                  <a:schemeClr val="bg1"/>
-                </a:solidFill>
-              </a:rPr>
-              <a:t>	Simply not worth their time.</a:t>
-            </a:r>
-          </a:p>
-          <a:p>
-            <a:r>
-              <a:rPr lang="en-US" b="1" dirty="0">
-                <a:solidFill>
-                  <a:schemeClr val="bg1"/>
-                </a:solidFill>
-              </a:rPr>
-              <a:t>	You can implement rate-limiting (API rate limiting, email rate limiting </a:t>
+              <a:t>Use multi-factor authentication to slow down intruders, </a:t>
+            </a:r>
+          </a:p>
+          <a:p>
+            <a:r>
+              <a:rPr lang="en-US" b="1" dirty="0">
+                <a:solidFill>
+                  <a:schemeClr val="bg1"/>
+                </a:solidFill>
+              </a:rPr>
+              <a:t>	</a:t>
+            </a:r>
+          </a:p>
+          <a:p>
+            <a:r>
+              <a:rPr lang="en-US" b="1" dirty="0">
+                <a:solidFill>
+                  <a:schemeClr val="bg1"/>
+                </a:solidFill>
+              </a:rPr>
+              <a:t>But also to help detect when someone with elevated privilege authenticates into a critical server </a:t>
+            </a:r>
+          </a:p>
+          <a:p>
+            <a:r>
+              <a:rPr lang="en-US" b="1" dirty="0">
+                <a:solidFill>
+                  <a:schemeClr val="bg1"/>
+                </a:solidFill>
+              </a:rPr>
+              <a:t>	Send an alert to your network administrator team whenever there’s a successful login.</a:t>
+            </a:r>
+          </a:p>
+          <a:p>
+            <a:r>
+              <a:rPr lang="en-US" b="1" dirty="0">
+                <a:solidFill>
+                  <a:schemeClr val="bg1"/>
+                </a:solidFill>
+              </a:rPr>
+              <a:t>Implement solutions like the above.</a:t>
+            </a:r>
+          </a:p>
+          <a:p>
+            <a:r>
+              <a:rPr lang="en-US" b="1" dirty="0">
+                <a:solidFill>
+                  <a:schemeClr val="bg1"/>
+                </a:solidFill>
+              </a:rPr>
+              <a:t>	Another e.g. </a:t>
             </a:r>
             <a:r>
               <a:rPr lang="en-US" b="1" dirty="0" err="1">
@@ -11526,57 +11562,23 @@
                   <a:schemeClr val="bg1"/>
                 </a:solidFill>
               </a:rPr>
-              <a:t>etc</a:t>
-            </a:r>
-            <a:r>
-              <a:rPr lang="en-US" b="1" dirty="0">
-                <a:solidFill>
-                  <a:schemeClr val="bg1"/>
-                </a:solidFill>
-              </a:rPr>
-              <a:t>)in your code </a:t>
-            </a:r>
-          </a:p>
-          <a:p>
-            <a:r>
-              <a:rPr lang="en-US" b="1" dirty="0">
-                <a:solidFill>
-                  <a:schemeClr val="bg1"/>
-                </a:solidFill>
-              </a:rPr>
-              <a:t>		(often with an open-source library) or </a:t>
-            </a:r>
-          </a:p>
-          <a:p>
-            <a:r>
-              <a:rPr lang="en-US" b="1" dirty="0">
-                <a:solidFill>
-                  <a:schemeClr val="bg1"/>
-                </a:solidFill>
-              </a:rPr>
-              <a:t>		your API Gateway or third party software. </a:t>
-            </a:r>
-          </a:p>
-          <a:p>
-            <a:endParaRPr lang="en-US" b="1" dirty="0">
-              <a:solidFill>
-                <a:schemeClr val="bg1"/>
-              </a:solidFill>
-            </a:endParaRPr>
-          </a:p>
-          <a:p>
-            <a:endParaRPr lang="en-US" b="1" dirty="0">
-              <a:solidFill>
-                <a:schemeClr val="bg1"/>
-              </a:solidFill>
-            </a:endParaRPr>
+              <a:t>extemely</a:t>
+            </a:r>
+            <a:r>
+              <a:rPr lang="en-US" b="1" dirty="0">
+                <a:solidFill>
+                  <a:schemeClr val="bg1"/>
+                </a:solidFill>
+              </a:rPr>
+              <a:t> critical login can happen only from a single machine.</a:t>
+            </a:r>
           </a:p>
         </p:txBody>
       </p:sp>
     </p:spTree>
     <p:extLst>
       <p:ext uri="{BB962C8B-B14F-4D97-AF65-F5344CB8AC3E}">
-        <p14:creationId xmlns:p14="http://schemas.microsoft.com/office/powerpoint/2010/main" val="3884806925"/>
+        <p14:creationId xmlns:p14="http://schemas.microsoft.com/office/powerpoint/2010/main" val="4228632976"/>
       </p:ext>
     </p:extLst>
   </p:cSld>
@@ -11836,7 +11838,7 @@
                   <a:schemeClr val="bg1"/>
                 </a:solidFill>
               </a:rPr>
-              <a:t>Use Docker Rootless Mode</a:t>
+              <a:t>Scan Docker and Kubernetes Configuration for Vulnerabilities</a:t>
             </a:r>
           </a:p>
         </p:txBody>
@@ -11855,8 +11857,8 @@
         </p:nvSpPr>
         <p:spPr>
           <a:xfrm>
-            <a:off x="838200" y="1516976"/>
-            <a:ext cx="10515600" cy="369332"/>
+            <a:off x="838200" y="1859339"/>
+            <a:ext cx="10515600" cy="3139321"/>
           </a:xfrm>
           <a:prstGeom prst="rect">
             <a:avLst/>
@@ -11875,15 +11877,147 @@
                   <a:schemeClr val="bg1"/>
                 </a:solidFill>
               </a:rPr>
-              <a:t>?</a:t>
-            </a:r>
+              <a:t> Prefer minimal base images</a:t>
+            </a:r>
+          </a:p>
+          <a:p>
+            <a:r>
+              <a:rPr lang="en-US" b="1" dirty="0">
+                <a:solidFill>
+                  <a:schemeClr val="bg1"/>
+                </a:solidFill>
+              </a:rPr>
+              <a:t>Use the USER directive to make sure the least privileged is used</a:t>
+            </a:r>
+          </a:p>
+          <a:p>
+            <a:r>
+              <a:rPr lang="en-US" b="1" dirty="0">
+                <a:solidFill>
+                  <a:schemeClr val="bg1"/>
+                </a:solidFill>
+              </a:rPr>
+              <a:t>Sign and verify images to mitigate attacks</a:t>
+            </a:r>
+          </a:p>
+          <a:p>
+            <a:r>
+              <a:rPr lang="en-US" b="1" dirty="0">
+                <a:solidFill>
+                  <a:schemeClr val="bg1"/>
+                </a:solidFill>
+              </a:rPr>
+              <a:t>Find, fix, and monitor for open-source vulnerabilities (</a:t>
+            </a:r>
+            <a:r>
+              <a:rPr lang="en-US" b="1" dirty="0" err="1">
+                <a:solidFill>
+                  <a:schemeClr val="bg1"/>
+                </a:solidFill>
+              </a:rPr>
+              <a:t>Snyk</a:t>
+            </a:r>
+            <a:r>
+              <a:rPr lang="en-US" b="1" dirty="0">
+                <a:solidFill>
+                  <a:schemeClr val="bg1"/>
+                </a:solidFill>
+              </a:rPr>
+              <a:t> offers a way to scan and monitor your Docker images too)</a:t>
+            </a:r>
+          </a:p>
+          <a:p>
+            <a:r>
+              <a:rPr lang="en-US" b="1" dirty="0">
+                <a:solidFill>
+                  <a:schemeClr val="bg1"/>
+                </a:solidFill>
+              </a:rPr>
+              <a:t>Don’t leak sensitive information to Docker images</a:t>
+            </a:r>
+          </a:p>
+          <a:p>
+            <a:r>
+              <a:rPr lang="en-US" b="1" dirty="0">
+                <a:solidFill>
+                  <a:schemeClr val="bg1"/>
+                </a:solidFill>
+              </a:rPr>
+              <a:t>Use fixed tags for immutability</a:t>
+            </a:r>
+          </a:p>
+          <a:p>
+            <a:r>
+              <a:rPr lang="en-US" b="1" dirty="0">
+                <a:solidFill>
+                  <a:schemeClr val="bg1"/>
+                </a:solidFill>
+              </a:rPr>
+              <a:t>Use COPY instead of ADD</a:t>
+            </a:r>
+          </a:p>
+          <a:p>
+            <a:r>
+              <a:rPr lang="en-US" b="1" dirty="0">
+                <a:solidFill>
+                  <a:schemeClr val="bg1"/>
+                </a:solidFill>
+              </a:rPr>
+              <a:t>Use metadata labels like maintainer and </a:t>
+            </a:r>
+            <a:r>
+              <a:rPr lang="en-US" b="1" dirty="0" err="1">
+                <a:solidFill>
+                  <a:schemeClr val="bg1"/>
+                </a:solidFill>
+              </a:rPr>
+              <a:t>securitytxt</a:t>
+            </a:r>
+            <a:endParaRPr lang="en-US" b="1" dirty="0">
+              <a:solidFill>
+                <a:schemeClr val="bg1"/>
+              </a:solidFill>
+            </a:endParaRPr>
+          </a:p>
+          <a:p>
+            <a:r>
+              <a:rPr lang="en-US" b="1" dirty="0">
+                <a:solidFill>
+                  <a:schemeClr val="bg1"/>
+                </a:solidFill>
+              </a:rPr>
+              <a:t>Use multi-stage builds for small and secure images</a:t>
+            </a:r>
+          </a:p>
+          <a:p>
+            <a:r>
+              <a:rPr lang="en-US" b="1" dirty="0">
+                <a:solidFill>
+                  <a:schemeClr val="bg1"/>
+                </a:solidFill>
+              </a:rPr>
+              <a:t>Use a linter like </a:t>
+            </a:r>
+            <a:r>
+              <a:rPr lang="en-US" b="1" dirty="0" err="1">
+                <a:solidFill>
+                  <a:schemeClr val="bg1"/>
+                </a:solidFill>
+              </a:rPr>
+              <a:t>hadolint</a:t>
+            </a:r>
+            <a:endParaRPr lang="en-US" b="1" dirty="0">
+              <a:solidFill>
+                <a:schemeClr val="bg1"/>
+              </a:solidFill>
+            </a:endParaRPr>
           </a:p>
         </p:txBody>
       </p:sp>
     </p:spTree>
     <p:extLst>
       <p:ext uri="{BB962C8B-B14F-4D97-AF65-F5344CB8AC3E}">
-        <p14:creationId xmlns:p14="http://schemas.microsoft.com/office/powerpoint/2010/main" val="3331135260"/>
+        <p14:creationId xmlns:p14="http://schemas.microsoft.com/office/powerpoint/2010/main" val="1904339396"/>
       </p:ext>
     </p:extLst>
   </p:cSld>
@@ -11953,488 +12087,6 @@
                   <a:schemeClr val="bg1"/>
                 </a:solidFill>
               </a:rPr>
-              <a:t>Use Time-Based Security</a:t>
-            </a:r>
-          </a:p>
-        </p:txBody>
-      </p:sp>
-      <p:sp>
-        <p:nvSpPr>
-          <p:cNvPr id="4" name="TextBox 3">
-            <a:extLst>
-              <a:ext uri="{FF2B5EF4-FFF2-40B4-BE49-F238E27FC236}">
-                <a16:creationId xmlns:a16="http://schemas.microsoft.com/office/drawing/2014/main" id="{A32609F5-383A-417E-B9B0-CE955463E2E4}"/>
-              </a:ext>
-            </a:extLst>
-          </p:cNvPr>
-          <p:cNvSpPr txBox="1"/>
-          <p:nvPr/>
-        </p:nvSpPr>
-        <p:spPr>
-          <a:xfrm>
-            <a:off x="838200" y="1516976"/>
-            <a:ext cx="10515600" cy="3139321"/>
-          </a:xfrm>
-          <a:prstGeom prst="rect">
-            <a:avLst/>
-          </a:prstGeom>
-          <a:noFill/>
-        </p:spPr>
-        <p:txBody>
-          <a:bodyPr wrap="square" rtlCol="0">
-            <a:spAutoFit/>
-          </a:bodyPr>
-          <a:lstStyle/>
-          <a:p>
-            <a:r>
-              <a:rPr lang="en-US" b="1" dirty="0">
-                <a:solidFill>
-                  <a:schemeClr val="bg1"/>
-                </a:solidFill>
-              </a:rPr>
-              <a:t>System is never fully secure—</a:t>
-            </a:r>
-          </a:p>
-          <a:p>
-            <a:r>
-              <a:rPr lang="en-US" b="1" dirty="0">
-                <a:solidFill>
-                  <a:schemeClr val="bg1"/>
-                </a:solidFill>
-              </a:rPr>
-              <a:t>Someone will break in. </a:t>
-            </a:r>
-          </a:p>
-          <a:p>
-            <a:r>
-              <a:rPr lang="en-US" b="1" dirty="0">
-                <a:solidFill>
-                  <a:schemeClr val="bg1"/>
-                </a:solidFill>
-              </a:rPr>
-              <a:t>Preventing intruders is only one part of securing a system; </a:t>
-            </a:r>
-          </a:p>
-          <a:p>
-            <a:r>
-              <a:rPr lang="en-US" b="1" dirty="0">
-                <a:solidFill>
-                  <a:schemeClr val="bg1"/>
-                </a:solidFill>
-              </a:rPr>
-              <a:t>Detection and reaction are essential, too.</a:t>
-            </a:r>
-          </a:p>
-          <a:p>
-            <a:r>
-              <a:rPr lang="en-US" b="1" dirty="0">
-                <a:solidFill>
-                  <a:schemeClr val="bg1"/>
-                </a:solidFill>
-              </a:rPr>
-              <a:t>	</a:t>
-            </a:r>
-          </a:p>
-          <a:p>
-            <a:r>
-              <a:rPr lang="en-US" b="1" dirty="0">
-                <a:solidFill>
-                  <a:schemeClr val="bg1"/>
-                </a:solidFill>
-              </a:rPr>
-              <a:t>Use multi-factor authentication to slow down intruders, </a:t>
-            </a:r>
-          </a:p>
-          <a:p>
-            <a:r>
-              <a:rPr lang="en-US" b="1" dirty="0">
-                <a:solidFill>
-                  <a:schemeClr val="bg1"/>
-                </a:solidFill>
-              </a:rPr>
-              <a:t>	</a:t>
-            </a:r>
-          </a:p>
-          <a:p>
-            <a:r>
-              <a:rPr lang="en-US" b="1" dirty="0">
-                <a:solidFill>
-                  <a:schemeClr val="bg1"/>
-                </a:solidFill>
-              </a:rPr>
-              <a:t>But also to help detect when someone with elevated privilege authenticates into a critical server </a:t>
-            </a:r>
-          </a:p>
-          <a:p>
-            <a:r>
-              <a:rPr lang="en-US" b="1" dirty="0">
-                <a:solidFill>
-                  <a:schemeClr val="bg1"/>
-                </a:solidFill>
-              </a:rPr>
-              <a:t>	Send an alert to your network administrator team whenever there’s a successful login.</a:t>
-            </a:r>
-          </a:p>
-          <a:p>
-            <a:r>
-              <a:rPr lang="en-US" b="1" dirty="0">
-                <a:solidFill>
-                  <a:schemeClr val="bg1"/>
-                </a:solidFill>
-              </a:rPr>
-              <a:t>Implement solutions like the above.</a:t>
-            </a:r>
-          </a:p>
-          <a:p>
-            <a:r>
-              <a:rPr lang="en-US" b="1" dirty="0">
-                <a:solidFill>
-                  <a:schemeClr val="bg1"/>
-                </a:solidFill>
-              </a:rPr>
-              <a:t>	Another e.g. </a:t>
-            </a:r>
-            <a:r>
-              <a:rPr lang="en-US" b="1" dirty="0" err="1">
-                <a:solidFill>
-                  <a:schemeClr val="bg1"/>
-                </a:solidFill>
-              </a:rPr>
-              <a:t>extemely</a:t>
-            </a:r>
-            <a:r>
-              <a:rPr lang="en-US" b="1" dirty="0">
-                <a:solidFill>
-                  <a:schemeClr val="bg1"/>
-                </a:solidFill>
-              </a:rPr>
-              <a:t> critical login can happen only from a single machine.</a:t>
-            </a:r>
-          </a:p>
-        </p:txBody>
-      </p:sp>
-    </p:spTree>
-    <p:extLst>
-      <p:ext uri="{BB962C8B-B14F-4D97-AF65-F5344CB8AC3E}">
-        <p14:creationId xmlns:p14="http://schemas.microsoft.com/office/powerpoint/2010/main" val="4228632976"/>
-      </p:ext>
-    </p:extLst>
-  </p:cSld>
-  <p:clrMapOvr>
-    <a:masterClrMapping/>
-  </p:clrMapOvr>
-</p:sld>
-</file>
-
-<file path=ppt/slides/slide42.xml><?xml version="1.0" encoding="utf-8"?>
-<p:sld xmlns:a="http://schemas.openxmlformats.org/drawingml/2006/main" xmlns:r="http://schemas.openxmlformats.org/officeDocument/2006/relationships" xmlns:p="http://schemas.openxmlformats.org/presentationml/2006/main">
-  <p:cSld>
-    <p:bg>
-      <p:bgPr>
-        <a:solidFill>
-          <a:schemeClr val="tx2">
-            <a:lumMod val="60000"/>
-            <a:lumOff val="40000"/>
-          </a:schemeClr>
-        </a:solidFill>
-        <a:effectLst/>
-      </p:bgPr>
-    </p:bg>
-    <p:spTree>
-      <p:nvGrpSpPr>
-        <p:cNvPr id="1" name=""/>
-        <p:cNvGrpSpPr/>
-        <p:nvPr/>
-      </p:nvGrpSpPr>
-      <p:grpSpPr>
-        <a:xfrm>
-          <a:off x="0" y="0"/>
-          <a:ext cx="0" cy="0"/>
-          <a:chOff x="0" y="0"/>
-          <a:chExt cx="0" cy="0"/>
-        </a:xfrm>
-      </p:grpSpPr>
-      <p:sp>
-        <p:nvSpPr>
-          <p:cNvPr id="2" name="Title 1">
-            <a:extLst>
-              <a:ext uri="{FF2B5EF4-FFF2-40B4-BE49-F238E27FC236}">
-                <a16:creationId xmlns:a16="http://schemas.microsoft.com/office/drawing/2014/main" id="{51F2C05B-3556-493B-855C-1F19ADDBAF69}"/>
-              </a:ext>
-            </a:extLst>
-          </p:cNvPr>
-          <p:cNvSpPr>
-            <a:spLocks noGrp="1"/>
-          </p:cNvSpPr>
-          <p:nvPr>
-            <p:ph type="title"/>
-          </p:nvPr>
-        </p:nvSpPr>
-        <p:spPr>
-          <a:xfrm>
-            <a:off x="838200" y="365125"/>
-            <a:ext cx="11099104" cy="1325563"/>
-          </a:xfrm>
-        </p:spPr>
-        <p:txBody>
-          <a:bodyPr/>
-          <a:lstStyle/>
-          <a:p>
-            <a:r>
-              <a:rPr lang="en-US" b="1" dirty="0">
-                <a:solidFill>
-                  <a:schemeClr val="bg1"/>
-                </a:solidFill>
-              </a:rPr>
-              <a:t>Scan Docker and Kubernetes Configuration for Vulnerabilities</a:t>
-            </a:r>
-          </a:p>
-        </p:txBody>
-      </p:sp>
-      <p:sp>
-        <p:nvSpPr>
-          <p:cNvPr id="4" name="TextBox 3">
-            <a:extLst>
-              <a:ext uri="{FF2B5EF4-FFF2-40B4-BE49-F238E27FC236}">
-                <a16:creationId xmlns:a16="http://schemas.microsoft.com/office/drawing/2014/main" id="{A32609F5-383A-417E-B9B0-CE955463E2E4}"/>
-              </a:ext>
-            </a:extLst>
-          </p:cNvPr>
-          <p:cNvSpPr txBox="1"/>
-          <p:nvPr/>
-        </p:nvSpPr>
-        <p:spPr>
-          <a:xfrm>
-            <a:off x="838200" y="1859339"/>
-            <a:ext cx="10515600" cy="3139321"/>
-          </a:xfrm>
-          <a:prstGeom prst="rect">
-            <a:avLst/>
-          </a:prstGeom>
-          <a:noFill/>
-        </p:spPr>
-        <p:txBody>
-          <a:bodyPr wrap="square" rtlCol="0">
-            <a:spAutoFit/>
-          </a:bodyPr>
-          <a:lstStyle/>
-          <a:p>
-            <a:r>
-              <a:rPr lang="en-US" b="1" dirty="0">
-                <a:solidFill>
-                  <a:schemeClr val="bg1"/>
-                </a:solidFill>
-              </a:rPr>
-              <a:t> Prefer minimal base images</a:t>
-            </a:r>
-          </a:p>
-          <a:p>
-            <a:r>
-              <a:rPr lang="en-US" b="1" dirty="0">
-                <a:solidFill>
-                  <a:schemeClr val="bg1"/>
-                </a:solidFill>
-              </a:rPr>
-              <a:t>Use the USER directive to make sure the least privileged is used</a:t>
-            </a:r>
-          </a:p>
-          <a:p>
-            <a:r>
-              <a:rPr lang="en-US" b="1" dirty="0">
-                <a:solidFill>
-                  <a:schemeClr val="bg1"/>
-                </a:solidFill>
-              </a:rPr>
-              <a:t>Sign and verify images to mitigate attacks</a:t>
-            </a:r>
-          </a:p>
-          <a:p>
-            <a:r>
-              <a:rPr lang="en-US" b="1" dirty="0">
-                <a:solidFill>
-                  <a:schemeClr val="bg1"/>
-                </a:solidFill>
-              </a:rPr>
-              <a:t>Find, fix, and monitor for open-source vulnerabilities (</a:t>
-            </a:r>
-            <a:r>
-              <a:rPr lang="en-US" b="1" dirty="0" err="1">
-                <a:solidFill>
-                  <a:schemeClr val="bg1"/>
-                </a:solidFill>
-              </a:rPr>
-              <a:t>Snyk</a:t>
-            </a:r>
-            <a:r>
-              <a:rPr lang="en-US" b="1" dirty="0">
-                <a:solidFill>
-                  <a:schemeClr val="bg1"/>
-                </a:solidFill>
-              </a:rPr>
-              <a:t> offers a way to scan and monitor your Docker images too)</a:t>
-            </a:r>
-          </a:p>
-          <a:p>
-            <a:r>
-              <a:rPr lang="en-US" b="1" dirty="0">
-                <a:solidFill>
-                  <a:schemeClr val="bg1"/>
-                </a:solidFill>
-              </a:rPr>
-              <a:t>Don’t leak sensitive information to Docker images</a:t>
-            </a:r>
-          </a:p>
-          <a:p>
-            <a:r>
-              <a:rPr lang="en-US" b="1" dirty="0">
-                <a:solidFill>
-                  <a:schemeClr val="bg1"/>
-                </a:solidFill>
-              </a:rPr>
-              <a:t>Use fixed tags for immutability</a:t>
-            </a:r>
-          </a:p>
-          <a:p>
-            <a:r>
-              <a:rPr lang="en-US" b="1" dirty="0">
-                <a:solidFill>
-                  <a:schemeClr val="bg1"/>
-                </a:solidFill>
-              </a:rPr>
-              <a:t>Use COPY instead of ADD</a:t>
-            </a:r>
-          </a:p>
-          <a:p>
-            <a:r>
-              <a:rPr lang="en-US" b="1" dirty="0">
-                <a:solidFill>
-                  <a:schemeClr val="bg1"/>
-                </a:solidFill>
-              </a:rPr>
-              <a:t>Use metadata labels like maintainer and </a:t>
-            </a:r>
-            <a:r>
-              <a:rPr lang="en-US" b="1" dirty="0" err="1">
-                <a:solidFill>
-                  <a:schemeClr val="bg1"/>
-                </a:solidFill>
-              </a:rPr>
-              <a:t>securitytxt</a:t>
-            </a:r>
-            <a:endParaRPr lang="en-US" b="1" dirty="0">
-              <a:solidFill>
-                <a:schemeClr val="bg1"/>
-              </a:solidFill>
-            </a:endParaRPr>
-          </a:p>
-          <a:p>
-            <a:r>
-              <a:rPr lang="en-US" b="1" dirty="0">
-                <a:solidFill>
-                  <a:schemeClr val="bg1"/>
-                </a:solidFill>
-              </a:rPr>
-              <a:t>Use multi-stage builds for small and secure images</a:t>
-            </a:r>
-          </a:p>
-          <a:p>
-            <a:r>
-              <a:rPr lang="en-US" b="1" dirty="0">
-                <a:solidFill>
-                  <a:schemeClr val="bg1"/>
-                </a:solidFill>
-              </a:rPr>
-              <a:t>Use a linter like </a:t>
-            </a:r>
-            <a:r>
-              <a:rPr lang="en-US" b="1" dirty="0" err="1">
-                <a:solidFill>
-                  <a:schemeClr val="bg1"/>
-                </a:solidFill>
-              </a:rPr>
-              <a:t>hadolint</a:t>
-            </a:r>
-            <a:endParaRPr lang="en-US" b="1" dirty="0">
-              <a:solidFill>
-                <a:schemeClr val="bg1"/>
-              </a:solidFill>
-            </a:endParaRPr>
-          </a:p>
-        </p:txBody>
-      </p:sp>
-    </p:spTree>
-    <p:extLst>
-      <p:ext uri="{BB962C8B-B14F-4D97-AF65-F5344CB8AC3E}">
-        <p14:creationId xmlns:p14="http://schemas.microsoft.com/office/powerpoint/2010/main" val="1904339396"/>
-      </p:ext>
-    </p:extLst>
-  </p:cSld>
-  <p:clrMapOvr>
-    <a:masterClrMapping/>
-  </p:clrMapOvr>
-</p:sld>
-</file>
-
-<file path=ppt/slides/slide43.xml><?xml version="1.0" encoding="utf-8"?>
-<p:sld xmlns:a="http://schemas.openxmlformats.org/drawingml/2006/main" xmlns:r="http://schemas.openxmlformats.org/officeDocument/2006/relationships" xmlns:p="http://schemas.openxmlformats.org/presentationml/2006/main">
-  <p:cSld>
-    <p:bg>
-      <p:bgPr>
-        <a:solidFill>
-          <a:schemeClr val="tx2">
-            <a:lumMod val="60000"/>
-            <a:lumOff val="40000"/>
-          </a:schemeClr>
-        </a:solidFill>
-        <a:effectLst/>
-      </p:bgPr>
-    </p:bg>
-    <p:spTree>
-      <p:nvGrpSpPr>
-        <p:cNvPr id="1" name=""/>
-        <p:cNvGrpSpPr/>
-        <p:nvPr/>
-      </p:nvGrpSpPr>
-      <p:grpSpPr>
-        <a:xfrm>
-          <a:off x="0" y="0"/>
-          <a:ext cx="0" cy="0"/>
-          <a:chOff x="0" y="0"/>
-          <a:chExt cx="0" cy="0"/>
-        </a:xfrm>
-      </p:grpSpPr>
-      <p:sp>
-        <p:nvSpPr>
-          <p:cNvPr id="2" name="Title 1">
-            <a:extLst>
-              <a:ext uri="{FF2B5EF4-FFF2-40B4-BE49-F238E27FC236}">
-                <a16:creationId xmlns:a16="http://schemas.microsoft.com/office/drawing/2014/main" id="{51F2C05B-3556-493B-855C-1F19ADDBAF69}"/>
-              </a:ext>
-            </a:extLst>
-          </p:cNvPr>
-          <p:cNvSpPr>
-            <a:spLocks noGrp="1"/>
-          </p:cNvSpPr>
-          <p:nvPr>
-            <p:ph type="title"/>
-          </p:nvPr>
-        </p:nvSpPr>
-        <p:spPr>
-          <a:xfrm>
-            <a:off x="838200" y="365125"/>
-            <a:ext cx="11099104" cy="1325563"/>
-          </a:xfrm>
-        </p:spPr>
-        <p:txBody>
-          <a:bodyPr/>
-          <a:lstStyle/>
-          <a:p>
-            <a:r>
-              <a:rPr lang="en-US" b="1" dirty="0">
-                <a:solidFill>
-                  <a:schemeClr val="bg1"/>
-                </a:solidFill>
-              </a:rPr>
               <a:t>Know Your Cloud and Cluster Security</a:t>
             </a:r>
           </a:p>
@@ -12637,7 +12289,7 @@
 </p:sld>
 </file>
 
-<file path=ppt/slides/slide44.xml><?xml version="1.0" encoding="utf-8"?>
+<file path=ppt/slides/slide42.xml><?xml version="1.0" encoding="utf-8"?>
 <p:sld xmlns:a="http://schemas.openxmlformats.org/drawingml/2006/main" xmlns:r="http://schemas.openxmlformats.org/officeDocument/2006/relationships" xmlns:p="http://schemas.openxmlformats.org/presentationml/2006/main">
   <p:cSld>
     <p:bg>
@@ -13467,17 +13119,61 @@
                   <a:schemeClr val="bg1"/>
                 </a:solidFill>
               </a:rPr>
+              <a:t>Architecture</a:t>
+            </a:r>
+          </a:p>
+        </p:txBody>
+      </p:sp>
+      <p:sp>
+        <p:nvSpPr>
+          <p:cNvPr id="4" name="TextBox 3">
+            <a:extLst>
+              <a:ext uri="{FF2B5EF4-FFF2-40B4-BE49-F238E27FC236}">
+                <a16:creationId xmlns:a16="http://schemas.microsoft.com/office/drawing/2014/main" id="{A32609F5-383A-417E-B9B0-CE955463E2E4}"/>
+              </a:ext>
+            </a:extLst>
+          </p:cNvPr>
+          <p:cNvSpPr txBox="1"/>
+          <p:nvPr/>
+        </p:nvSpPr>
+        <p:spPr>
+          <a:xfrm>
+            <a:off x="838200" y="1779687"/>
+            <a:ext cx="10515600" cy="369332"/>
+          </a:xfrm>
+          <a:prstGeom prst="rect">
+            <a:avLst/>
+          </a:prstGeom>
+          <a:noFill/>
+        </p:spPr>
+        <p:txBody>
+          <a:bodyPr wrap="square" rtlCol="0">
+            <a:spAutoFit/>
+          </a:bodyPr>
+          <a:lstStyle/>
+          <a:p>
+            <a:r>
+              <a:rPr lang="en-US" b="1" dirty="0">
+                <a:solidFill>
+                  <a:schemeClr val="bg1"/>
+                </a:solidFill>
+              </a:rPr>
               <a:t> </a:t>
             </a:r>
+            <a:endParaRPr lang="en-US" dirty="0">
+              <a:solidFill>
+                <a:schemeClr val="bg1"/>
+              </a:solidFill>
+            </a:endParaRPr>
           </a:p>
         </p:txBody>
       </p:sp>
       <p:pic>
         <p:nvPicPr>
-          <p:cNvPr id="1026" name="Picture 2" descr="TSM - (Micro)Service Discovery using Netflix Eureka">
-            <a:extLst>
-              <a:ext uri="{FF2B5EF4-FFF2-40B4-BE49-F238E27FC236}">
-                <a16:creationId xmlns:a16="http://schemas.microsoft.com/office/drawing/2014/main" id="{AA49C754-699D-4F19-963E-2A687CB926A9}"/>
+          <p:cNvPr id="3074" name="Picture 2" descr="Figure 1. Eureka 2.0 Architecture">
+            <a:extLst>
+              <a:ext uri="{FF2B5EF4-FFF2-40B4-BE49-F238E27FC236}">
+                <a16:creationId xmlns:a16="http://schemas.microsoft.com/office/drawing/2014/main" id="{85B98369-E3D9-4FB3-AC89-E36381DED70C}"/>
               </a:ext>
             </a:extLst>
           </p:cNvPr>
@@ -13501,8 +13197,8 @@
         </p:blipFill>
         <p:spPr bwMode="auto">
           <a:xfrm>
-            <a:off x="838200" y="511630"/>
-            <a:ext cx="10657114" cy="5889170"/>
+            <a:off x="1306286" y="1371600"/>
+            <a:ext cx="9590314" cy="4500563"/>
           </a:xfrm>
           <a:prstGeom prst="rect">
             <a:avLst/>
@@ -13522,7 +13218,7 @@
     </p:spTree>
     <p:extLst>
       <p:ext uri="{BB962C8B-B14F-4D97-AF65-F5344CB8AC3E}">
-        <p14:creationId xmlns:p14="http://schemas.microsoft.com/office/powerpoint/2010/main" val="3954957470"/>
+        <p14:creationId xmlns:p14="http://schemas.microsoft.com/office/powerpoint/2010/main" val="20253337"/>
       </p:ext>
     </p:extLst>
   </p:cSld>
@@ -13611,8 +13307,8 @@
         </p:nvSpPr>
         <p:spPr>
           <a:xfrm>
-            <a:off x="838200" y="1779687"/>
-            <a:ext cx="10515600" cy="369332"/>
+            <a:off x="838200" y="1639662"/>
+            <a:ext cx="10515600" cy="4801314"/>
           </a:xfrm>
           <a:prstGeom prst="rect">
             <a:avLst/>
@@ -13631,67 +13327,175 @@
                   <a:schemeClr val="bg1"/>
                 </a:solidFill>
               </a:rPr>
-              <a:t> </a:t>
-            </a:r>
-            <a:endParaRPr lang="en-US" dirty="0">
-              <a:solidFill>
-                <a:schemeClr val="bg1"/>
-              </a:solidFill>
-            </a:endParaRPr>
-          </a:p>
-        </p:txBody>
-      </p:sp>
-      <p:pic>
-        <p:nvPicPr>
-          <p:cNvPr id="3074" name="Picture 2" descr="Figure 1. Eureka 2.0 Architecture">
-            <a:extLst>
-              <a:ext uri="{FF2B5EF4-FFF2-40B4-BE49-F238E27FC236}">
-                <a16:creationId xmlns:a16="http://schemas.microsoft.com/office/drawing/2014/main" id="{85B98369-E3D9-4FB3-AC89-E36381DED70C}"/>
-              </a:ext>
-            </a:extLst>
-          </p:cNvPr>
-          <p:cNvPicPr>
-            <a:picLocks noChangeAspect="1" noChangeArrowheads="1"/>
-          </p:cNvPicPr>
-          <p:nvPr/>
-        </p:nvPicPr>
-        <p:blipFill>
-          <a:blip r:embed="rId2">
-            <a:extLst>
-              <a:ext uri="{28A0092B-C50C-407E-A947-70E740481C1C}">
-                <a14:useLocalDpi xmlns:a14="http://schemas.microsoft.com/office/drawing/2010/main" val="0"/>
-              </a:ext>
-            </a:extLst>
-          </a:blip>
-          <a:srcRect/>
-          <a:stretch>
-            <a:fillRect/>
-          </a:stretch>
-        </p:blipFill>
-        <p:spPr bwMode="auto">
-          <a:xfrm>
-            <a:off x="1306286" y="1371600"/>
-            <a:ext cx="9590314" cy="4500563"/>
-          </a:xfrm>
-          <a:prstGeom prst="rect">
-            <a:avLst/>
-          </a:prstGeom>
-          <a:noFill/>
-          <a:extLst>
-            <a:ext uri="{909E8E84-426E-40DD-AFC4-6F175D3DCCD1}">
-              <a14:hiddenFill xmlns:a14="http://schemas.microsoft.com/office/drawing/2010/main">
-                <a:solidFill>
-                  <a:srgbClr val="FFFFFF"/>
-                </a:solidFill>
-              </a14:hiddenFill>
-            </a:ext>
-          </a:extLst>
-        </p:spPr>
-      </p:pic>
+              <a:t>Eureka system </a:t>
+            </a:r>
+          </a:p>
+          <a:p>
+            <a:r>
+              <a:rPr lang="en-US" b="1" dirty="0">
+                <a:solidFill>
+                  <a:schemeClr val="bg1"/>
+                </a:solidFill>
+              </a:rPr>
+              <a:t>	consists of a write and read cluster. </a:t>
+            </a:r>
+          </a:p>
+          <a:p>
+            <a:r>
+              <a:rPr lang="en-US" b="1" dirty="0">
+                <a:solidFill>
+                  <a:schemeClr val="bg1"/>
+                </a:solidFill>
+              </a:rPr>
+              <a:t>The write cluster </a:t>
+            </a:r>
+          </a:p>
+          <a:p>
+            <a:r>
+              <a:rPr lang="en-US" b="1" dirty="0">
+                <a:solidFill>
+                  <a:schemeClr val="bg1"/>
+                </a:solidFill>
+              </a:rPr>
+              <a:t>	stateful subsystem, </a:t>
+            </a:r>
+          </a:p>
+          <a:p>
+            <a:r>
+              <a:rPr lang="en-US" b="1" dirty="0">
+                <a:solidFill>
+                  <a:schemeClr val="bg1"/>
+                </a:solidFill>
+              </a:rPr>
+              <a:t>	which handles client registrations </a:t>
+            </a:r>
+          </a:p>
+          <a:p>
+            <a:r>
+              <a:rPr lang="en-US" b="1" dirty="0">
+                <a:solidFill>
+                  <a:schemeClr val="bg1"/>
+                </a:solidFill>
+              </a:rPr>
+              <a:t>	maintains internal service registry. </a:t>
+            </a:r>
+          </a:p>
+          <a:p>
+            <a:r>
+              <a:rPr lang="en-US" b="1" dirty="0">
+                <a:solidFill>
+                  <a:schemeClr val="bg1"/>
+                </a:solidFill>
+              </a:rPr>
+              <a:t>The registry content </a:t>
+            </a:r>
+          </a:p>
+          <a:p>
+            <a:r>
+              <a:rPr lang="en-US" b="1" dirty="0">
+                <a:solidFill>
+                  <a:schemeClr val="bg1"/>
+                </a:solidFill>
+              </a:rPr>
+              <a:t>	replicated between all write server nodes in an eventually consistent manner. </a:t>
+            </a:r>
+          </a:p>
+          <a:p>
+            <a:r>
+              <a:rPr lang="en-US" b="1" dirty="0">
+                <a:solidFill>
+                  <a:schemeClr val="bg1"/>
+                </a:solidFill>
+              </a:rPr>
+              <a:t>The write cluster's registry content is read by the read cluster</a:t>
+            </a:r>
+          </a:p>
+          <a:p>
+            <a:r>
+              <a:rPr lang="en-US" b="1" dirty="0">
+                <a:solidFill>
+                  <a:schemeClr val="bg1"/>
+                </a:solidFill>
+              </a:rPr>
+              <a:t>	ultimately is used by the Eureka clients. </a:t>
+            </a:r>
+          </a:p>
+          <a:p>
+            <a:r>
+              <a:rPr lang="en-US" b="1" dirty="0">
+                <a:solidFill>
+                  <a:schemeClr val="bg1"/>
+                </a:solidFill>
+              </a:rPr>
+              <a:t>Read cluster </a:t>
+            </a:r>
+          </a:p>
+          <a:p>
+            <a:r>
+              <a:rPr lang="en-US" b="1" dirty="0">
+                <a:solidFill>
+                  <a:schemeClr val="bg1"/>
+                </a:solidFill>
+              </a:rPr>
+              <a:t>	is a cache layer, </a:t>
+            </a:r>
+          </a:p>
+          <a:p>
+            <a:r>
+              <a:rPr lang="en-US" b="1" dirty="0">
+                <a:solidFill>
+                  <a:schemeClr val="bg1"/>
+                </a:solidFill>
+              </a:rPr>
+              <a:t>	can be easily, and rapidly scaled out/in </a:t>
+            </a:r>
+          </a:p>
+          <a:p>
+            <a:r>
+              <a:rPr lang="en-US" b="1" dirty="0">
+                <a:solidFill>
+                  <a:schemeClr val="bg1"/>
+                </a:solidFill>
+              </a:rPr>
+              <a:t>The write cluster </a:t>
+            </a:r>
+          </a:p>
+          <a:p>
+            <a:r>
+              <a:rPr lang="en-US" b="1" dirty="0">
+                <a:solidFill>
+                  <a:schemeClr val="bg1"/>
+                </a:solidFill>
+              </a:rPr>
+              <a:t>	should be pre-scaled with a capacity enough to handle the peek/busy hour traffic. </a:t>
+            </a:r>
+          </a:p>
+          <a:p>
+            <a:r>
+              <a:rPr lang="en-US" b="1" dirty="0">
+                <a:solidFill>
+                  <a:schemeClr val="bg1"/>
+                </a:solidFill>
+              </a:rPr>
+              <a:t>	Scale out requires re-balancing (eventually balanced)</a:t>
+            </a:r>
+          </a:p>
+          <a:p>
+            <a:r>
+              <a:rPr lang="en-US" b="1" dirty="0">
+                <a:solidFill>
+                  <a:schemeClr val="bg1"/>
+                </a:solidFill>
+              </a:rPr>
+              <a:t>	Scale down will force terminated clients to re-register</a:t>
+            </a:r>
+          </a:p>
+        </p:txBody>
+      </p:sp>
     </p:spTree>
     <p:extLst>
       <p:ext uri="{BB962C8B-B14F-4D97-AF65-F5344CB8AC3E}">
-        <p14:creationId xmlns:p14="http://schemas.microsoft.com/office/powerpoint/2010/main" val="20253337"/>
+        <p14:creationId xmlns:p14="http://schemas.microsoft.com/office/powerpoint/2010/main" val="3187117589"/>
       </p:ext>
     </p:extLst>
   </p:cSld>

--- a/training/day3/Day3.pptx
+++ b/training/day3/Day3.pptx
@@ -5,7 +5,7 @@
     <p:sldMasterId id="2147483648" r:id="rId1"/>
   </p:sldMasterIdLst>
   <p:notesMasterIdLst>
-    <p:notesMasterId r:id="rId44"/>
+    <p:notesMasterId r:id="rId45"/>
   </p:notesMasterIdLst>
   <p:sldIdLst>
     <p:sldId id="414" r:id="rId2"/>
@@ -50,6 +50,7 @@
     <p:sldId id="474" r:id="rId41"/>
     <p:sldId id="475" r:id="rId42"/>
     <p:sldId id="476" r:id="rId43"/>
+    <p:sldId id="477" r:id="rId44"/>
   </p:sldIdLst>
   <p:sldSz cx="12192000" cy="6858000"/>
   <p:notesSz cx="6858000" cy="9144000"/>
@@ -238,7 +239,7 @@
           <a:p>
             <a:fld id="{F15A6252-5F50-4106-9C23-9E03A675631E}" type="datetimeFigureOut">
               <a:rPr lang="en-IN" smtClean="0"/>
-              <a:t>07-05-2020</a:t>
+              <a:t>08-05-2020</a:t>
             </a:fld>
             <a:endParaRPr lang="en-IN"/>
           </a:p>
@@ -739,7 +740,7 @@
           <a:p>
             <a:fld id="{4086692B-153F-4DFE-BFBD-A2AE2C7443B6}" type="datetimeFigureOut">
               <a:rPr lang="en-IN" smtClean="0"/>
-              <a:t>07-05-2020</a:t>
+              <a:t>08-05-2020</a:t>
             </a:fld>
             <a:endParaRPr lang="en-IN"/>
           </a:p>
@@ -939,7 +940,7 @@
           <a:p>
             <a:fld id="{4086692B-153F-4DFE-BFBD-A2AE2C7443B6}" type="datetimeFigureOut">
               <a:rPr lang="en-IN" smtClean="0"/>
-              <a:t>07-05-2020</a:t>
+              <a:t>08-05-2020</a:t>
             </a:fld>
             <a:endParaRPr lang="en-IN"/>
           </a:p>
@@ -1149,7 +1150,7 @@
           <a:p>
             <a:fld id="{4086692B-153F-4DFE-BFBD-A2AE2C7443B6}" type="datetimeFigureOut">
               <a:rPr lang="en-IN" smtClean="0"/>
-              <a:t>07-05-2020</a:t>
+              <a:t>08-05-2020</a:t>
             </a:fld>
             <a:endParaRPr lang="en-IN"/>
           </a:p>
@@ -1349,7 +1350,7 @@
           <a:p>
             <a:fld id="{4086692B-153F-4DFE-BFBD-A2AE2C7443B6}" type="datetimeFigureOut">
               <a:rPr lang="en-IN" smtClean="0"/>
-              <a:t>07-05-2020</a:t>
+              <a:t>08-05-2020</a:t>
             </a:fld>
             <a:endParaRPr lang="en-IN"/>
           </a:p>
@@ -1625,7 +1626,7 @@
           <a:p>
             <a:fld id="{4086692B-153F-4DFE-BFBD-A2AE2C7443B6}" type="datetimeFigureOut">
               <a:rPr lang="en-IN" smtClean="0"/>
-              <a:t>07-05-2020</a:t>
+              <a:t>08-05-2020</a:t>
             </a:fld>
             <a:endParaRPr lang="en-IN"/>
           </a:p>
@@ -1893,7 +1894,7 @@
           <a:p>
             <a:fld id="{4086692B-153F-4DFE-BFBD-A2AE2C7443B6}" type="datetimeFigureOut">
               <a:rPr lang="en-IN" smtClean="0"/>
-              <a:t>07-05-2020</a:t>
+              <a:t>08-05-2020</a:t>
             </a:fld>
             <a:endParaRPr lang="en-IN"/>
           </a:p>
@@ -2308,7 +2309,7 @@
           <a:p>
             <a:fld id="{4086692B-153F-4DFE-BFBD-A2AE2C7443B6}" type="datetimeFigureOut">
               <a:rPr lang="en-IN" smtClean="0"/>
-              <a:t>07-05-2020</a:t>
+              <a:t>08-05-2020</a:t>
             </a:fld>
             <a:endParaRPr lang="en-IN"/>
           </a:p>
@@ -2450,7 +2451,7 @@
           <a:p>
             <a:fld id="{4086692B-153F-4DFE-BFBD-A2AE2C7443B6}" type="datetimeFigureOut">
               <a:rPr lang="en-IN" smtClean="0"/>
-              <a:t>07-05-2020</a:t>
+              <a:t>08-05-2020</a:t>
             </a:fld>
             <a:endParaRPr lang="en-IN"/>
           </a:p>
@@ -2563,7 +2564,7 @@
           <a:p>
             <a:fld id="{4086692B-153F-4DFE-BFBD-A2AE2C7443B6}" type="datetimeFigureOut">
               <a:rPr lang="en-IN" smtClean="0"/>
-              <a:t>07-05-2020</a:t>
+              <a:t>08-05-2020</a:t>
             </a:fld>
             <a:endParaRPr lang="en-IN"/>
           </a:p>
@@ -2876,7 +2877,7 @@
           <a:p>
             <a:fld id="{4086692B-153F-4DFE-BFBD-A2AE2C7443B6}" type="datetimeFigureOut">
               <a:rPr lang="en-IN" smtClean="0"/>
-              <a:t>07-05-2020</a:t>
+              <a:t>08-05-2020</a:t>
             </a:fld>
             <a:endParaRPr lang="en-IN"/>
           </a:p>
@@ -3165,7 +3166,7 @@
           <a:p>
             <a:fld id="{4086692B-153F-4DFE-BFBD-A2AE2C7443B6}" type="datetimeFigureOut">
               <a:rPr lang="en-IN" smtClean="0"/>
-              <a:t>07-05-2020</a:t>
+              <a:t>08-05-2020</a:t>
             </a:fld>
             <a:endParaRPr lang="en-IN"/>
           </a:p>
@@ -3408,7 +3409,7 @@
           <a:p>
             <a:fld id="{4086692B-153F-4DFE-BFBD-A2AE2C7443B6}" type="datetimeFigureOut">
               <a:rPr lang="en-IN" smtClean="0"/>
-              <a:t>07-05-2020</a:t>
+              <a:t>08-05-2020</a:t>
             </a:fld>
             <a:endParaRPr lang="en-IN"/>
           </a:p>
@@ -9044,7 +9045,7 @@
         </p:nvSpPr>
         <p:spPr>
           <a:xfrm>
-            <a:off x="838200" y="1779687"/>
+            <a:off x="838200" y="1796016"/>
             <a:ext cx="10515600" cy="1200329"/>
           </a:xfrm>
           <a:prstGeom prst="rect">
@@ -11298,7 +11299,7 @@
                   <a:schemeClr val="bg1"/>
                 </a:solidFill>
               </a:rPr>
-              <a:t>Use Docker Rootless Mode</a:t>
+              <a:t>Don’t Use Docker Rootless Mode</a:t>
             </a:r>
           </a:p>
         </p:txBody>
@@ -11877,7 +11878,7 @@
                   <a:schemeClr val="bg1"/>
                 </a:solidFill>
               </a:rPr>
-              <a:t> Prefer minimal base images</a:t>
+              <a:t>Prefer minimal base images</a:t>
             </a:r>
           </a:p>
           <a:p>
@@ -12369,6 +12370,170 @@
         <p:spPr>
           <a:xfrm>
             <a:off x="838200" y="1516976"/>
+            <a:ext cx="10515600" cy="646331"/>
+          </a:xfrm>
+          <a:prstGeom prst="rect">
+            <a:avLst/>
+          </a:prstGeom>
+          <a:noFill/>
+        </p:spPr>
+        <p:txBody>
+          <a:bodyPr wrap="square" rtlCol="0">
+            <a:spAutoFit/>
+          </a:bodyPr>
+          <a:lstStyle/>
+          <a:p>
+            <a:r>
+              <a:rPr lang="en-US" b="1" dirty="0">
+                <a:solidFill>
+                  <a:schemeClr val="bg1"/>
+                </a:solidFill>
+              </a:rPr>
+              <a:t>Add details on </a:t>
+            </a:r>
+            <a:r>
+              <a:rPr lang="en-US" b="1" dirty="0" err="1">
+                <a:solidFill>
+                  <a:schemeClr val="bg1"/>
+                </a:solidFill>
+              </a:rPr>
+              <a:t>UserDetails</a:t>
+            </a:r>
+            <a:r>
+              <a:rPr lang="en-US" b="1" dirty="0">
+                <a:solidFill>
+                  <a:schemeClr val="bg1"/>
+                </a:solidFill>
+              </a:rPr>
+              <a:t> and </a:t>
+            </a:r>
+            <a:r>
+              <a:rPr lang="en-US" b="1" dirty="0" err="1">
+                <a:solidFill>
+                  <a:schemeClr val="bg1"/>
+                </a:solidFill>
+              </a:rPr>
+              <a:t>UserDetailsService</a:t>
+            </a:r>
+            <a:r>
+              <a:rPr lang="en-US" b="1" dirty="0">
+                <a:solidFill>
+                  <a:schemeClr val="bg1"/>
+                </a:solidFill>
+              </a:rPr>
+              <a:t> or some </a:t>
+            </a:r>
+            <a:r>
+              <a:rPr lang="en-US" b="1">
+                <a:solidFill>
+                  <a:schemeClr val="bg1"/>
+                </a:solidFill>
+              </a:rPr>
+              <a:t>thing similar.</a:t>
+            </a:r>
+          </a:p>
+          <a:p>
+            <a:endParaRPr lang="en-US" b="1" dirty="0">
+              <a:solidFill>
+                <a:schemeClr val="bg1"/>
+              </a:solidFill>
+            </a:endParaRPr>
+          </a:p>
+        </p:txBody>
+      </p:sp>
+    </p:spTree>
+    <p:extLst>
+      <p:ext uri="{BB962C8B-B14F-4D97-AF65-F5344CB8AC3E}">
+        <p14:creationId xmlns:p14="http://schemas.microsoft.com/office/powerpoint/2010/main" val="2011420473"/>
+      </p:ext>
+    </p:extLst>
+  </p:cSld>
+  <p:clrMapOvr>
+    <a:masterClrMapping/>
+  </p:clrMapOvr>
+</p:sld>
+</file>
+
+<file path=ppt/slides/slide43.xml><?xml version="1.0" encoding="utf-8"?>
+<p:sld xmlns:a="http://schemas.openxmlformats.org/drawingml/2006/main" xmlns:r="http://schemas.openxmlformats.org/officeDocument/2006/relationships" xmlns:p="http://schemas.openxmlformats.org/presentationml/2006/main">
+  <p:cSld>
+    <p:bg>
+      <p:bgPr>
+        <a:solidFill>
+          <a:schemeClr val="tx2">
+            <a:lumMod val="60000"/>
+            <a:lumOff val="40000"/>
+          </a:schemeClr>
+        </a:solidFill>
+        <a:effectLst/>
+      </p:bgPr>
+    </p:bg>
+    <p:spTree>
+      <p:nvGrpSpPr>
+        <p:cNvPr id="1" name=""/>
+        <p:cNvGrpSpPr/>
+        <p:nvPr/>
+      </p:nvGrpSpPr>
+      <p:grpSpPr>
+        <a:xfrm>
+          <a:off x="0" y="0"/>
+          <a:ext cx="0" cy="0"/>
+          <a:chOff x="0" y="0"/>
+          <a:chExt cx="0" cy="0"/>
+        </a:xfrm>
+      </p:grpSpPr>
+      <p:sp>
+        <p:nvSpPr>
+          <p:cNvPr id="2" name="Title 1">
+            <a:extLst>
+              <a:ext uri="{FF2B5EF4-FFF2-40B4-BE49-F238E27FC236}">
+                <a16:creationId xmlns:a16="http://schemas.microsoft.com/office/drawing/2014/main" id="{51F2C05B-3556-493B-855C-1F19ADDBAF69}"/>
+              </a:ext>
+            </a:extLst>
+          </p:cNvPr>
+          <p:cNvSpPr>
+            <a:spLocks noGrp="1"/>
+          </p:cNvSpPr>
+          <p:nvPr>
+            <p:ph type="title"/>
+          </p:nvPr>
+        </p:nvSpPr>
+        <p:spPr>
+          <a:xfrm>
+            <a:off x="838200" y="365125"/>
+            <a:ext cx="11099104" cy="1325563"/>
+          </a:xfrm>
+        </p:spPr>
+        <p:txBody>
+          <a:bodyPr/>
+          <a:lstStyle/>
+          <a:p>
+            <a:r>
+              <a:rPr lang="en-US" b="1" dirty="0">
+                <a:solidFill>
+                  <a:schemeClr val="bg1"/>
+                </a:solidFill>
+              </a:rPr>
+              <a:t>JWT - lab</a:t>
+            </a:r>
+          </a:p>
+        </p:txBody>
+      </p:sp>
+      <p:sp>
+        <p:nvSpPr>
+          <p:cNvPr id="4" name="TextBox 3">
+            <a:extLst>
+              <a:ext uri="{FF2B5EF4-FFF2-40B4-BE49-F238E27FC236}">
+                <a16:creationId xmlns:a16="http://schemas.microsoft.com/office/drawing/2014/main" id="{A32609F5-383A-417E-B9B0-CE955463E2E4}"/>
+              </a:ext>
+            </a:extLst>
+          </p:cNvPr>
+          <p:cNvSpPr txBox="1"/>
+          <p:nvPr/>
+        </p:nvSpPr>
+        <p:spPr>
+          <a:xfrm>
+            <a:off x="838200" y="1516976"/>
             <a:ext cx="10515600" cy="369332"/>
           </a:xfrm>
           <a:prstGeom prst="rect">
@@ -12409,7 +12574,7 @@
     </p:spTree>
     <p:extLst>
       <p:ext uri="{BB962C8B-B14F-4D97-AF65-F5344CB8AC3E}">
-        <p14:creationId xmlns:p14="http://schemas.microsoft.com/office/powerpoint/2010/main" val="2011420473"/>
+        <p14:creationId xmlns:p14="http://schemas.microsoft.com/office/powerpoint/2010/main" val="2037078707"/>
       </p:ext>
     </p:extLst>
   </p:cSld>
@@ -12742,7 +12907,7 @@
                   <a:schemeClr val="bg1"/>
                 </a:solidFill>
               </a:rPr>
-              <a:t>Disclaimer: Not in comparison with Service Side Service Discovery</a:t>
+              <a:t>Disclaimer: Not in comparison with Server  side Service Discovery</a:t>
             </a:r>
           </a:p>
           <a:p>
@@ -12769,8 +12934,21 @@
                   <a:schemeClr val="bg1"/>
                 </a:solidFill>
               </a:rPr>
-              <a:t>Clients doesn't need to maintain address of other Microservice, </a:t>
-            </a:r>
+              <a:t>Clients doesn't need to maintain address of </a:t>
+            </a:r>
+            <a:r>
+              <a:rPr lang="en-US" b="1">
+                <a:solidFill>
+                  <a:schemeClr val="bg1"/>
+                </a:solidFill>
+              </a:rPr>
+              <a:t>other Microservices. </a:t>
+            </a:r>
+            <a:endParaRPr lang="en-US" b="1" dirty="0">
+              <a:solidFill>
+                <a:schemeClr val="bg1"/>
+              </a:solidFill>
+            </a:endParaRPr>
           </a:p>
           <a:p>
             <a:r>

--- a/training/day3/Day3.pptx
+++ b/training/day3/Day3.pptx
@@ -5,7 +5,7 @@
     <p:sldMasterId id="2147483648" r:id="rId1"/>
   </p:sldMasterIdLst>
   <p:notesMasterIdLst>
-    <p:notesMasterId r:id="rId45"/>
+    <p:notesMasterId r:id="rId44"/>
   </p:notesMasterIdLst>
   <p:sldIdLst>
     <p:sldId id="414" r:id="rId2"/>
@@ -33,24 +33,23 @@
     <p:sldId id="456" r:id="rId24"/>
     <p:sldId id="457" r:id="rId25"/>
     <p:sldId id="458" r:id="rId26"/>
-    <p:sldId id="459" r:id="rId27"/>
-    <p:sldId id="460" r:id="rId28"/>
-    <p:sldId id="461" r:id="rId29"/>
-    <p:sldId id="462" r:id="rId30"/>
-    <p:sldId id="463" r:id="rId31"/>
-    <p:sldId id="467" r:id="rId32"/>
-    <p:sldId id="464" r:id="rId33"/>
-    <p:sldId id="465" r:id="rId34"/>
-    <p:sldId id="466" r:id="rId35"/>
-    <p:sldId id="468" r:id="rId36"/>
-    <p:sldId id="470" r:id="rId37"/>
-    <p:sldId id="471" r:id="rId38"/>
-    <p:sldId id="472" r:id="rId39"/>
-    <p:sldId id="473" r:id="rId40"/>
-    <p:sldId id="474" r:id="rId41"/>
-    <p:sldId id="475" r:id="rId42"/>
-    <p:sldId id="476" r:id="rId43"/>
-    <p:sldId id="477" r:id="rId44"/>
+    <p:sldId id="460" r:id="rId27"/>
+    <p:sldId id="461" r:id="rId28"/>
+    <p:sldId id="462" r:id="rId29"/>
+    <p:sldId id="463" r:id="rId30"/>
+    <p:sldId id="467" r:id="rId31"/>
+    <p:sldId id="464" r:id="rId32"/>
+    <p:sldId id="465" r:id="rId33"/>
+    <p:sldId id="466" r:id="rId34"/>
+    <p:sldId id="468" r:id="rId35"/>
+    <p:sldId id="470" r:id="rId36"/>
+    <p:sldId id="471" r:id="rId37"/>
+    <p:sldId id="472" r:id="rId38"/>
+    <p:sldId id="473" r:id="rId39"/>
+    <p:sldId id="474" r:id="rId40"/>
+    <p:sldId id="475" r:id="rId41"/>
+    <p:sldId id="476" r:id="rId42"/>
+    <p:sldId id="477" r:id="rId43"/>
   </p:sldIdLst>
   <p:sldSz cx="12192000" cy="6858000"/>
   <p:notesSz cx="6858000" cy="9144000"/>
@@ -239,7 +238,7 @@
           <a:p>
             <a:fld id="{F15A6252-5F50-4106-9C23-9E03A675631E}" type="datetimeFigureOut">
               <a:rPr lang="en-IN" smtClean="0"/>
-              <a:t>08-05-2020</a:t>
+              <a:t>28-02-2021</a:t>
             </a:fld>
             <a:endParaRPr lang="en-IN"/>
           </a:p>
@@ -740,7 +739,7 @@
           <a:p>
             <a:fld id="{4086692B-153F-4DFE-BFBD-A2AE2C7443B6}" type="datetimeFigureOut">
               <a:rPr lang="en-IN" smtClean="0"/>
-              <a:t>08-05-2020</a:t>
+              <a:t>28-02-2021</a:t>
             </a:fld>
             <a:endParaRPr lang="en-IN"/>
           </a:p>
@@ -940,7 +939,7 @@
           <a:p>
             <a:fld id="{4086692B-153F-4DFE-BFBD-A2AE2C7443B6}" type="datetimeFigureOut">
               <a:rPr lang="en-IN" smtClean="0"/>
-              <a:t>08-05-2020</a:t>
+              <a:t>28-02-2021</a:t>
             </a:fld>
             <a:endParaRPr lang="en-IN"/>
           </a:p>
@@ -1150,7 +1149,7 @@
           <a:p>
             <a:fld id="{4086692B-153F-4DFE-BFBD-A2AE2C7443B6}" type="datetimeFigureOut">
               <a:rPr lang="en-IN" smtClean="0"/>
-              <a:t>08-05-2020</a:t>
+              <a:t>28-02-2021</a:t>
             </a:fld>
             <a:endParaRPr lang="en-IN"/>
           </a:p>
@@ -1350,7 +1349,7 @@
           <a:p>
             <a:fld id="{4086692B-153F-4DFE-BFBD-A2AE2C7443B6}" type="datetimeFigureOut">
               <a:rPr lang="en-IN" smtClean="0"/>
-              <a:t>08-05-2020</a:t>
+              <a:t>28-02-2021</a:t>
             </a:fld>
             <a:endParaRPr lang="en-IN"/>
           </a:p>
@@ -1626,7 +1625,7 @@
           <a:p>
             <a:fld id="{4086692B-153F-4DFE-BFBD-A2AE2C7443B6}" type="datetimeFigureOut">
               <a:rPr lang="en-IN" smtClean="0"/>
-              <a:t>08-05-2020</a:t>
+              <a:t>28-02-2021</a:t>
             </a:fld>
             <a:endParaRPr lang="en-IN"/>
           </a:p>
@@ -1894,7 +1893,7 @@
           <a:p>
             <a:fld id="{4086692B-153F-4DFE-BFBD-A2AE2C7443B6}" type="datetimeFigureOut">
               <a:rPr lang="en-IN" smtClean="0"/>
-              <a:t>08-05-2020</a:t>
+              <a:t>28-02-2021</a:t>
             </a:fld>
             <a:endParaRPr lang="en-IN"/>
           </a:p>
@@ -2309,7 +2308,7 @@
           <a:p>
             <a:fld id="{4086692B-153F-4DFE-BFBD-A2AE2C7443B6}" type="datetimeFigureOut">
               <a:rPr lang="en-IN" smtClean="0"/>
-              <a:t>08-05-2020</a:t>
+              <a:t>28-02-2021</a:t>
             </a:fld>
             <a:endParaRPr lang="en-IN"/>
           </a:p>
@@ -2451,7 +2450,7 @@
           <a:p>
             <a:fld id="{4086692B-153F-4DFE-BFBD-A2AE2C7443B6}" type="datetimeFigureOut">
               <a:rPr lang="en-IN" smtClean="0"/>
-              <a:t>08-05-2020</a:t>
+              <a:t>28-02-2021</a:t>
             </a:fld>
             <a:endParaRPr lang="en-IN"/>
           </a:p>
@@ -2564,7 +2563,7 @@
           <a:p>
             <a:fld id="{4086692B-153F-4DFE-BFBD-A2AE2C7443B6}" type="datetimeFigureOut">
               <a:rPr lang="en-IN" smtClean="0"/>
-              <a:t>08-05-2020</a:t>
+              <a:t>28-02-2021</a:t>
             </a:fld>
             <a:endParaRPr lang="en-IN"/>
           </a:p>
@@ -2877,7 +2876,7 @@
           <a:p>
             <a:fld id="{4086692B-153F-4DFE-BFBD-A2AE2C7443B6}" type="datetimeFigureOut">
               <a:rPr lang="en-IN" smtClean="0"/>
-              <a:t>08-05-2020</a:t>
+              <a:t>28-02-2021</a:t>
             </a:fld>
             <a:endParaRPr lang="en-IN"/>
           </a:p>
@@ -3166,7 +3165,7 @@
           <a:p>
             <a:fld id="{4086692B-153F-4DFE-BFBD-A2AE2C7443B6}" type="datetimeFigureOut">
               <a:rPr lang="en-IN" smtClean="0"/>
-              <a:t>08-05-2020</a:t>
+              <a:t>28-02-2021</a:t>
             </a:fld>
             <a:endParaRPr lang="en-IN"/>
           </a:p>
@@ -3409,7 +3408,7 @@
           <a:p>
             <a:fld id="{4086692B-153F-4DFE-BFBD-A2AE2C7443B6}" type="datetimeFigureOut">
               <a:rPr lang="en-IN" smtClean="0"/>
-              <a:t>08-05-2020</a:t>
+              <a:t>28-02-2021</a:t>
             </a:fld>
             <a:endParaRPr lang="en-IN"/>
           </a:p>
@@ -7922,21 +7921,8 @@
                   <a:schemeClr val="bg1"/>
                 </a:solidFill>
               </a:rPr>
-              <a:t>API Gateway - </a:t>
-            </a:r>
-            <a:r>
-              <a:rPr lang="en-US" b="1" dirty="0" err="1">
-                <a:solidFill>
-                  <a:schemeClr val="bg1"/>
-                </a:solidFill>
-              </a:rPr>
-              <a:t>Zuul</a:t>
-            </a:r>
-            <a:endParaRPr lang="en-US" b="1" dirty="0">
-              <a:solidFill>
-                <a:schemeClr val="bg1"/>
-              </a:solidFill>
-            </a:endParaRPr>
+              <a:t>API Gateway – Spring Cloud API Gateway</a:t>
+            </a:r>
           </a:p>
         </p:txBody>
       </p:sp>
@@ -7955,7 +7941,7 @@
         <p:spPr>
           <a:xfrm>
             <a:off x="838200" y="1779687"/>
-            <a:ext cx="10515600" cy="3693319"/>
+            <a:ext cx="10515600" cy="2585323"/>
           </a:xfrm>
           <a:prstGeom prst="rect">
             <a:avLst/>
@@ -7969,194 +7955,93 @@
           <a:lstStyle/>
           <a:p>
             <a:r>
-              <a:rPr lang="en-US" b="1" dirty="0">
-                <a:solidFill>
-                  <a:schemeClr val="bg1"/>
-                </a:solidFill>
-              </a:rPr>
-              <a:t> With Microservices we can soon end up with having so many different </a:t>
-            </a:r>
-            <a:r>
-              <a:rPr lang="en-US" b="1" dirty="0" err="1">
-                <a:solidFill>
-                  <a:schemeClr val="bg1"/>
-                </a:solidFill>
-              </a:rPr>
-              <a:t>url's</a:t>
-            </a:r>
-            <a:r>
-              <a:rPr lang="en-US" b="1" dirty="0">
-                <a:solidFill>
-                  <a:schemeClr val="bg1"/>
-                </a:solidFill>
-              </a:rPr>
-              <a:t> all pointing to different IP.</a:t>
-            </a:r>
-          </a:p>
-          <a:p>
-            <a:r>
-              <a:rPr lang="en-US" b="1" dirty="0">
-                <a:solidFill>
-                  <a:schemeClr val="bg1"/>
-                </a:solidFill>
-              </a:rPr>
-              <a:t>User's need not be aware of the internal architecture and microservices design </a:t>
-            </a:r>
-            <a:r>
-              <a:rPr lang="en-US" b="1" dirty="0" err="1">
-                <a:solidFill>
-                  <a:schemeClr val="bg1"/>
-                </a:solidFill>
-              </a:rPr>
-              <a:t>ect</a:t>
-            </a:r>
-            <a:r>
-              <a:rPr lang="en-US" b="1" dirty="0">
-                <a:solidFill>
-                  <a:schemeClr val="bg1"/>
-                </a:solidFill>
-              </a:rPr>
-              <a:t>.</a:t>
-            </a:r>
-          </a:p>
-          <a:p>
-            <a:r>
-              <a:rPr lang="en-US" b="1" dirty="0">
-                <a:solidFill>
-                  <a:schemeClr val="bg1"/>
-                </a:solidFill>
-              </a:rPr>
-              <a:t>Need to provide a unique gateway to the client applications of your system. </a:t>
-            </a:r>
-          </a:p>
-          <a:p>
-            <a:r>
-              <a:rPr lang="en-US" b="1" dirty="0">
-                <a:solidFill>
-                  <a:schemeClr val="bg1"/>
-                </a:solidFill>
-              </a:rPr>
-              <a:t>	</a:t>
-            </a:r>
-          </a:p>
-          <a:p>
-            <a:r>
-              <a:rPr lang="en-US" b="1" dirty="0">
-                <a:solidFill>
-                  <a:schemeClr val="bg1"/>
-                </a:solidFill>
-              </a:rPr>
-              <a:t>Open-sourced </a:t>
-            </a:r>
-            <a:r>
-              <a:rPr lang="en-US" b="1" dirty="0" err="1">
-                <a:solidFill>
-                  <a:schemeClr val="bg1"/>
-                </a:solidFill>
-              </a:rPr>
-              <a:t>Zuul</a:t>
-            </a:r>
-            <a:r>
-              <a:rPr lang="en-US" b="1" dirty="0">
-                <a:solidFill>
-                  <a:schemeClr val="bg1"/>
-                </a:solidFill>
-              </a:rPr>
-              <a:t> solves this.</a:t>
-            </a:r>
-          </a:p>
-          <a:p>
-            <a:r>
-              <a:rPr lang="en-US" b="1" dirty="0">
-                <a:solidFill>
-                  <a:schemeClr val="bg1"/>
-                </a:solidFill>
-              </a:rPr>
-              <a:t>	Edge service that proxies requests to multiple backing services. </a:t>
-            </a:r>
-          </a:p>
-          <a:p>
-            <a:r>
-              <a:rPr lang="en-US" b="1" dirty="0">
-                <a:solidFill>
-                  <a:schemeClr val="bg1"/>
-                </a:solidFill>
-              </a:rPr>
-              <a:t>	Provides a unified “front door” to your ecosystem hosted on different computers. </a:t>
-            </a:r>
-          </a:p>
-          <a:p>
-            <a:r>
-              <a:rPr lang="en-US" b="1" dirty="0">
-                <a:solidFill>
-                  <a:schemeClr val="bg1"/>
-                </a:solidFill>
-              </a:rPr>
-              <a:t>	Can execute various functions during </a:t>
-            </a:r>
-            <a:r>
-              <a:rPr lang="en-US" b="1">
-                <a:solidFill>
-                  <a:schemeClr val="bg1"/>
-                </a:solidFill>
-              </a:rPr>
-              <a:t>the following </a:t>
-            </a:r>
-            <a:r>
-              <a:rPr lang="en-US" b="1" dirty="0">
-                <a:solidFill>
-                  <a:schemeClr val="bg1"/>
-                </a:solidFill>
-              </a:rPr>
-              <a:t>lifecycle</a:t>
-            </a:r>
-          </a:p>
-          <a:p>
-            <a:r>
-              <a:rPr lang="en-US" b="1" dirty="0">
-                <a:solidFill>
-                  <a:schemeClr val="bg1"/>
-                </a:solidFill>
-              </a:rPr>
-              <a:t>		- Before forwarding</a:t>
-            </a:r>
-          </a:p>
-          <a:p>
-            <a:r>
-              <a:rPr lang="en-US" b="1" dirty="0">
-                <a:solidFill>
-                  <a:schemeClr val="bg1"/>
-                </a:solidFill>
-              </a:rPr>
-              <a:t>		- While forwarding</a:t>
-            </a:r>
-          </a:p>
-          <a:p>
-            <a:r>
-              <a:rPr lang="en-US" b="1" dirty="0">
-                <a:solidFill>
-                  <a:schemeClr val="bg1"/>
-                </a:solidFill>
-              </a:rPr>
-              <a:t>		- After forwarding</a:t>
-            </a:r>
-          </a:p>
-          <a:p>
-            <a:r>
-              <a:rPr lang="en-US" b="1" dirty="0">
-                <a:solidFill>
-                  <a:schemeClr val="bg1"/>
-                </a:solidFill>
-              </a:rPr>
-              <a:t>		- In case of an error</a:t>
-            </a:r>
-          </a:p>
-          <a:p>
+              <a:rPr lang="en-US" dirty="0">
+                <a:solidFill>
+                  <a:schemeClr val="bg1"/>
+                </a:solidFill>
+              </a:rPr>
+              <a:t>https://www.javainuse.com/spring/cloud-gateway</a:t>
+            </a:r>
+          </a:p>
+          <a:p>
+            <a:r>
+              <a:rPr lang="en-US" dirty="0">
+                <a:solidFill>
+                  <a:schemeClr val="bg1"/>
+                </a:solidFill>
+                <a:hlinkClick r:id="rId2"/>
+              </a:rPr>
+              <a:t>https://www.javainuse.com/spring/cloud-filter</a:t>
+            </a:r>
             <a:endParaRPr lang="en-US" dirty="0">
               <a:solidFill>
                 <a:schemeClr val="bg1"/>
               </a:solidFill>
             </a:endParaRPr>
+          </a:p>
+          <a:p>
+            <a:endParaRPr lang="en-US" dirty="0">
+              <a:solidFill>
+                <a:schemeClr val="bg1"/>
+              </a:solidFill>
+            </a:endParaRPr>
+          </a:p>
+          <a:p>
+            <a:r>
+              <a:rPr lang="en-US" dirty="0">
+                <a:solidFill>
+                  <a:schemeClr val="bg1"/>
+                </a:solidFill>
+              </a:rPr>
+              <a:t>Implementation refer</a:t>
+            </a:r>
+          </a:p>
+          <a:p>
+            <a:r>
+              <a:rPr lang="en-US" dirty="0">
+                <a:solidFill>
+                  <a:schemeClr val="bg1"/>
+                </a:solidFill>
+              </a:rPr>
+              <a:t>	D:\PraiseTheLord\HSBGInfotech\Others\vilas\microservices1\apigateway\springcloud\</a:t>
+            </a:r>
+          </a:p>
+          <a:p>
+            <a:endParaRPr lang="en-US" dirty="0">
+              <a:solidFill>
+                <a:schemeClr val="bg1"/>
+              </a:solidFill>
+            </a:endParaRPr>
+          </a:p>
+          <a:p>
+            <a:r>
+              <a:rPr lang="en-US" dirty="0">
+                <a:solidFill>
+                  <a:schemeClr val="bg1"/>
+                </a:solidFill>
+              </a:rPr>
+              <a:t>Spring Cloud Gateway </a:t>
+            </a:r>
+          </a:p>
+          <a:p>
+            <a:r>
+              <a:rPr lang="en-US" dirty="0">
+                <a:solidFill>
+                  <a:schemeClr val="bg1"/>
+                </a:solidFill>
+              </a:rPr>
+              <a:t>	Highly configurable</a:t>
+            </a:r>
+          </a:p>
+          <a:p>
+            <a:r>
+              <a:rPr lang="en-US" dirty="0">
+                <a:solidFill>
+                  <a:schemeClr val="bg1"/>
+                </a:solidFill>
+              </a:rPr>
+              <a:t>	https://cloud.spring.io/spring-cloud-gateway/reference/html/</a:t>
+            </a:r>
           </a:p>
         </p:txBody>
       </p:sp>
@@ -8233,7 +8118,7 @@
                   <a:schemeClr val="bg1"/>
                 </a:solidFill>
               </a:rPr>
-              <a:t>API Gateway</a:t>
+              <a:t>Advantages of API Gateway</a:t>
             </a:r>
           </a:p>
         </p:txBody>
@@ -8252,8 +8137,8 @@
         </p:nvSpPr>
         <p:spPr>
           <a:xfrm>
-            <a:off x="838199" y="1779687"/>
-            <a:ext cx="11954993" cy="369332"/>
+            <a:off x="838200" y="1779687"/>
+            <a:ext cx="10515600" cy="2862322"/>
           </a:xfrm>
           <a:prstGeom prst="rect">
             <a:avLst/>
@@ -8272,7 +8157,105 @@
                   <a:schemeClr val="bg1"/>
                 </a:solidFill>
               </a:rPr>
-              <a:t> </a:t>
+              <a:t>Provide a unified entry point</a:t>
+            </a:r>
+          </a:p>
+          <a:p>
+            <a:r>
+              <a:rPr lang="en-US" b="1" dirty="0">
+                <a:solidFill>
+                  <a:schemeClr val="bg1"/>
+                </a:solidFill>
+              </a:rPr>
+              <a:t>Apply microservice authentication and security </a:t>
+            </a:r>
+          </a:p>
+          <a:p>
+            <a:r>
+              <a:rPr lang="en-US" b="1" dirty="0">
+                <a:solidFill>
+                  <a:schemeClr val="bg1"/>
+                </a:solidFill>
+              </a:rPr>
+              <a:t>Can implement a single unified monitoring.</a:t>
+            </a:r>
+          </a:p>
+          <a:p>
+            <a:r>
+              <a:rPr lang="en-US" b="1" dirty="0">
+                <a:solidFill>
+                  <a:schemeClr val="bg1"/>
+                </a:solidFill>
+              </a:rPr>
+              <a:t>Implement Dynamic Routing can route requests to different backend clusters as needed.</a:t>
+            </a:r>
+          </a:p>
+          <a:p>
+            <a:r>
+              <a:rPr lang="en-US" b="1" dirty="0">
+                <a:solidFill>
+                  <a:schemeClr val="bg1"/>
+                </a:solidFill>
+              </a:rPr>
+              <a:t>Do runtime stress testing by gradually increasing the traffic </a:t>
+            </a:r>
+          </a:p>
+          <a:p>
+            <a:r>
+              <a:rPr lang="en-US" b="1" dirty="0">
+                <a:solidFill>
+                  <a:schemeClr val="bg1"/>
+                </a:solidFill>
+              </a:rPr>
+              <a:t>We can do dynamic load shedding </a:t>
+            </a:r>
+          </a:p>
+          <a:p>
+            <a:r>
+              <a:rPr lang="en-US" b="1" dirty="0">
+                <a:solidFill>
+                  <a:schemeClr val="bg1"/>
+                </a:solidFill>
+              </a:rPr>
+              <a:t>	e.g. dropping requests that go over the limit.</a:t>
+            </a:r>
+          </a:p>
+          <a:p>
+            <a:r>
+              <a:rPr lang="en-US" b="1" dirty="0">
+                <a:solidFill>
+                  <a:schemeClr val="bg1"/>
+                </a:solidFill>
+              </a:rPr>
+              <a:t>Apply static response handling </a:t>
+            </a:r>
+          </a:p>
+          <a:p>
+            <a:r>
+              <a:rPr lang="en-US" b="1" dirty="0">
+                <a:solidFill>
+                  <a:schemeClr val="bg1"/>
+                </a:solidFill>
+              </a:rPr>
+              <a:t>	e.g. while upgrading the system.</a:t>
+            </a:r>
+          </a:p>
+          <a:p>
+            <a:r>
+              <a:rPr lang="en-US" b="1">
+                <a:solidFill>
+                  <a:schemeClr val="bg1"/>
+                </a:solidFill>
+              </a:rPr>
+              <a:t>Can </a:t>
+            </a:r>
+            <a:r>
+              <a:rPr lang="en-US" b="1" dirty="0">
+                <a:solidFill>
+                  <a:schemeClr val="bg1"/>
+                </a:solidFill>
+              </a:rPr>
+              <a:t>enable dynamic routing, monitoring, resiliency, and security. </a:t>
             </a:r>
             <a:endParaRPr lang="en-US" dirty="0">
               <a:solidFill>
@@ -8282,57 +8265,10 @@
           </a:p>
         </p:txBody>
       </p:sp>
-      <p:pic>
-        <p:nvPicPr>
-          <p:cNvPr id="1026" name="Picture 2">
-            <a:extLst>
-              <a:ext uri="{FF2B5EF4-FFF2-40B4-BE49-F238E27FC236}">
-                <a16:creationId xmlns:a16="http://schemas.microsoft.com/office/drawing/2014/main" id="{38C130D5-96AB-40A1-8378-62EB6498BFA8}"/>
-              </a:ext>
-            </a:extLst>
-          </p:cNvPr>
-          <p:cNvPicPr>
-            <a:picLocks noChangeAspect="1" noChangeArrowheads="1"/>
-          </p:cNvPicPr>
-          <p:nvPr/>
-        </p:nvPicPr>
-        <p:blipFill>
-          <a:blip r:embed="rId2">
-            <a:extLst>
-              <a:ext uri="{28A0092B-C50C-407E-A947-70E740481C1C}">
-                <a14:useLocalDpi xmlns:a14="http://schemas.microsoft.com/office/drawing/2010/main" val="0"/>
-              </a:ext>
-            </a:extLst>
-          </a:blip>
-          <a:srcRect/>
-          <a:stretch>
-            <a:fillRect/>
-          </a:stretch>
-        </p:blipFill>
-        <p:spPr bwMode="auto">
-          <a:xfrm>
-            <a:off x="838199" y="1690688"/>
-            <a:ext cx="10646230" cy="4514169"/>
-          </a:xfrm>
-          <a:prstGeom prst="rect">
-            <a:avLst/>
-          </a:prstGeom>
-          <a:noFill/>
-          <a:extLst>
-            <a:ext uri="{909E8E84-426E-40DD-AFC4-6F175D3DCCD1}">
-              <a14:hiddenFill xmlns:a14="http://schemas.microsoft.com/office/drawing/2010/main">
-                <a:solidFill>
-                  <a:srgbClr val="FFFFFF"/>
-                </a:solidFill>
-              </a14:hiddenFill>
-            </a:ext>
-          </a:extLst>
-        </p:spPr>
-      </p:pic>
     </p:spTree>
     <p:extLst>
       <p:ext uri="{BB962C8B-B14F-4D97-AF65-F5344CB8AC3E}">
-        <p14:creationId xmlns:p14="http://schemas.microsoft.com/office/powerpoint/2010/main" val="351667473"/>
+        <p14:creationId xmlns:p14="http://schemas.microsoft.com/office/powerpoint/2010/main" val="2186921650"/>
       </p:ext>
     </p:extLst>
   </p:cSld>
@@ -8397,14 +8333,6 @@
           <a:lstStyle/>
           <a:p>
             <a:r>
-              <a:rPr lang="en-US" b="1" dirty="0">
-                <a:solidFill>
-                  <a:schemeClr val="bg1"/>
-                </a:solidFill>
-              </a:rPr>
-              <a:t>Advantages of </a:t>
-            </a:r>
-            <a:r>
               <a:rPr lang="en-US" b="1" dirty="0" err="1">
                 <a:solidFill>
                   <a:schemeClr val="bg1"/>
@@ -8412,11 +8340,14 @@
               </a:rPr>
               <a:t>Zuul</a:t>
             </a:r>
-            <a:endParaRPr lang="en-US" b="1" dirty="0">
-              <a:solidFill>
-                <a:schemeClr val="bg1"/>
-              </a:solidFill>
-            </a:endParaRPr>
+            <a:r>
+              <a:rPr lang="en-US" b="1" dirty="0">
+                <a:solidFill>
+                  <a:schemeClr val="bg1"/>
+                </a:solidFill>
+              </a:rPr>
+              <a:t> - lab</a:t>
+            </a:r>
           </a:p>
         </p:txBody>
       </p:sp>
@@ -8435,7 +8366,7 @@
         <p:spPr>
           <a:xfrm>
             <a:off x="838200" y="1779687"/>
-            <a:ext cx="10515600" cy="3139321"/>
+            <a:ext cx="10515600" cy="369332"/>
           </a:xfrm>
           <a:prstGeom prst="rect">
             <a:avLst/>
@@ -8454,7 +8385,7 @@
                   <a:schemeClr val="bg1"/>
                 </a:solidFill>
               </a:rPr>
-              <a:t>Netflix Uses </a:t>
+              <a:t> training\day3\</a:t>
             </a:r>
             <a:r>
               <a:rPr lang="en-US" b="1" dirty="0" err="1">
@@ -8462,115 +8393,15 @@
                   <a:schemeClr val="bg1"/>
                 </a:solidFill>
               </a:rPr>
-              <a:t>Zuul</a:t>
-            </a:r>
-            <a:r>
-              <a:rPr lang="en-US" b="1" dirty="0">
-                <a:solidFill>
-                  <a:schemeClr val="bg1"/>
-                </a:solidFill>
-              </a:rPr>
-              <a:t> for the following</a:t>
-            </a:r>
-          </a:p>
-          <a:p>
-            <a:r>
-              <a:rPr lang="en-US" b="1" dirty="0">
-                <a:solidFill>
-                  <a:schemeClr val="bg1"/>
-                </a:solidFill>
-              </a:rPr>
-              <a:t>	Provide a unified entry point</a:t>
-            </a:r>
-          </a:p>
-          <a:p>
-            <a:r>
-              <a:rPr lang="en-US" b="1" dirty="0">
-                <a:solidFill>
-                  <a:schemeClr val="bg1"/>
-                </a:solidFill>
-              </a:rPr>
-              <a:t>	Apply microservice authentication and security </a:t>
-            </a:r>
-          </a:p>
-          <a:p>
-            <a:r>
-              <a:rPr lang="en-US" b="1" dirty="0">
-                <a:solidFill>
-                  <a:schemeClr val="bg1"/>
-                </a:solidFill>
-              </a:rPr>
-              <a:t>	Can implement a single unified monitoring.</a:t>
-            </a:r>
-          </a:p>
-          <a:p>
-            <a:r>
-              <a:rPr lang="en-US" b="1" dirty="0">
-                <a:solidFill>
-                  <a:schemeClr val="bg1"/>
-                </a:solidFill>
-              </a:rPr>
-              <a:t>	Implement Dynamic Routing can route requests to different backend clusters as needed.</a:t>
-            </a:r>
-          </a:p>
-          <a:p>
-            <a:r>
-              <a:rPr lang="en-US" b="1" dirty="0">
-                <a:solidFill>
-                  <a:schemeClr val="bg1"/>
-                </a:solidFill>
-              </a:rPr>
-              <a:t>	Do runtime stress testing by gradually increasing the traffic </a:t>
-            </a:r>
-          </a:p>
-          <a:p>
-            <a:r>
-              <a:rPr lang="en-US" b="1" dirty="0">
-                <a:solidFill>
-                  <a:schemeClr val="bg1"/>
-                </a:solidFill>
-              </a:rPr>
-              <a:t>	We can do dynamic load shedding </a:t>
-            </a:r>
-          </a:p>
-          <a:p>
-            <a:r>
-              <a:rPr lang="en-US" b="1" dirty="0">
-                <a:solidFill>
-                  <a:schemeClr val="bg1"/>
-                </a:solidFill>
-              </a:rPr>
-              <a:t>		e.g. dropping requests that go over the limit.</a:t>
-            </a:r>
-          </a:p>
-          <a:p>
-            <a:r>
-              <a:rPr lang="en-US" b="1" dirty="0">
-                <a:solidFill>
-                  <a:schemeClr val="bg1"/>
-                </a:solidFill>
-              </a:rPr>
-              <a:t>	Apply static response handling </a:t>
-            </a:r>
-          </a:p>
-          <a:p>
-            <a:r>
-              <a:rPr lang="en-US" b="1" dirty="0">
-                <a:solidFill>
-                  <a:schemeClr val="bg1"/>
-                </a:solidFill>
-              </a:rPr>
-              <a:t>		e.g. while upgrading the system.</a:t>
-            </a:r>
-          </a:p>
-          <a:p>
-            <a:r>
-              <a:rPr lang="en-US" b="1" dirty="0">
-                <a:solidFill>
-                  <a:schemeClr val="bg1"/>
-                </a:solidFill>
-              </a:rPr>
-              <a:t>	Can enable dynamic routing, monitoring, resiliency, and security. </a:t>
+              <a:t>APIGateway</a:t>
+            </a:r>
+            <a:r>
+              <a:rPr lang="en-US" b="1" dirty="0">
+                <a:solidFill>
+                  <a:schemeClr val="bg1"/>
+                </a:solidFill>
+              </a:rPr>
+              <a:t>\InstructionsForAPIGateway.txt</a:t>
             </a:r>
             <a:endParaRPr lang="en-US" dirty="0">
               <a:solidFill>
@@ -8583,7 +8414,7 @@
     </p:spTree>
     <p:extLst>
       <p:ext uri="{BB962C8B-B14F-4D97-AF65-F5344CB8AC3E}">
-        <p14:creationId xmlns:p14="http://schemas.microsoft.com/office/powerpoint/2010/main" val="2186921650"/>
+        <p14:creationId xmlns:p14="http://schemas.microsoft.com/office/powerpoint/2010/main" val="91501442"/>
       </p:ext>
     </p:extLst>
   </p:cSld>
@@ -8648,20 +8479,12 @@
           <a:lstStyle/>
           <a:p>
             <a:r>
-              <a:rPr lang="en-US" b="1" dirty="0" err="1">
-                <a:solidFill>
-                  <a:schemeClr val="bg1"/>
-                </a:solidFill>
-              </a:rPr>
-              <a:t>Zuul</a:t>
-            </a:r>
-            <a:r>
-              <a:rPr lang="en-US" b="1" dirty="0">
-                <a:solidFill>
-                  <a:schemeClr val="bg1"/>
-                </a:solidFill>
-              </a:rPr>
-              <a:t> - lab</a:t>
+              <a:rPr lang="en-US" b="1" dirty="0">
+                <a:solidFill>
+                  <a:schemeClr val="bg1"/>
+                </a:solidFill>
+              </a:rPr>
+              <a:t>Security</a:t>
             </a:r>
           </a:p>
         </p:txBody>
@@ -8681,7 +8504,7 @@
         <p:spPr>
           <a:xfrm>
             <a:off x="838200" y="1779687"/>
-            <a:ext cx="10515600" cy="369332"/>
+            <a:ext cx="10515600" cy="3416320"/>
           </a:xfrm>
           <a:prstGeom prst="rect">
             <a:avLst/>
@@ -8700,36 +8523,125 @@
                   <a:schemeClr val="bg1"/>
                 </a:solidFill>
               </a:rPr>
-              <a:t> training\day3\</a:t>
-            </a:r>
-            <a:r>
-              <a:rPr lang="en-US" b="1" dirty="0" err="1">
-                <a:solidFill>
-                  <a:schemeClr val="bg1"/>
-                </a:solidFill>
-              </a:rPr>
-              <a:t>APIGateway</a:t>
-            </a:r>
-            <a:r>
-              <a:rPr lang="en-US" b="1" dirty="0">
-                <a:solidFill>
-                  <a:schemeClr val="bg1"/>
-                </a:solidFill>
-              </a:rPr>
-              <a:t>\InstructionsForAPIGateway.txt</a:t>
-            </a:r>
-            <a:endParaRPr lang="en-US" dirty="0">
-              <a:solidFill>
-                <a:schemeClr val="bg1"/>
-              </a:solidFill>
-            </a:endParaRPr>
+              <a:t>11 Patterns for Security</a:t>
+            </a:r>
+          </a:p>
+          <a:p>
+            <a:r>
+              <a:rPr lang="en-US" b="1" dirty="0">
+                <a:solidFill>
+                  <a:schemeClr val="bg1"/>
+                </a:solidFill>
+              </a:rPr>
+              <a:t>	Be Secure by Design</a:t>
+            </a:r>
+          </a:p>
+          <a:p>
+            <a:r>
+              <a:rPr lang="en-US" b="1" dirty="0">
+                <a:solidFill>
+                  <a:schemeClr val="bg1"/>
+                </a:solidFill>
+              </a:rPr>
+              <a:t>	Scan Dependencies</a:t>
+            </a:r>
+          </a:p>
+          <a:p>
+            <a:r>
+              <a:rPr lang="en-US" b="1" dirty="0">
+                <a:solidFill>
+                  <a:schemeClr val="bg1"/>
+                </a:solidFill>
+              </a:rPr>
+              <a:t>	Use HTTPS Everywhere</a:t>
+            </a:r>
+          </a:p>
+          <a:p>
+            <a:r>
+              <a:rPr lang="en-US" b="1" dirty="0">
+                <a:solidFill>
+                  <a:schemeClr val="bg1"/>
+                </a:solidFill>
+              </a:rPr>
+              <a:t>	Use Access and Identity Tokens</a:t>
+            </a:r>
+          </a:p>
+          <a:p>
+            <a:r>
+              <a:rPr lang="en-US" b="1" dirty="0">
+                <a:solidFill>
+                  <a:schemeClr val="bg1"/>
+                </a:solidFill>
+              </a:rPr>
+              <a:t>	Encrypt and Protect Secrets</a:t>
+            </a:r>
+          </a:p>
+          <a:p>
+            <a:r>
+              <a:rPr lang="en-US" b="1" dirty="0">
+                <a:solidFill>
+                  <a:schemeClr val="bg1"/>
+                </a:solidFill>
+              </a:rPr>
+              <a:t>	Verify Security with Delivery Pipelines</a:t>
+            </a:r>
+          </a:p>
+          <a:p>
+            <a:r>
+              <a:rPr lang="en-US" b="1" dirty="0">
+                <a:solidFill>
+                  <a:schemeClr val="bg1"/>
+                </a:solidFill>
+              </a:rPr>
+              <a:t>	Slow Down Attackers</a:t>
+            </a:r>
+          </a:p>
+          <a:p>
+            <a:r>
+              <a:rPr lang="en-US" b="1" dirty="0">
+                <a:solidFill>
+                  <a:schemeClr val="bg1"/>
+                </a:solidFill>
+              </a:rPr>
+              <a:t>	Use Docker Rootless Mode</a:t>
+            </a:r>
+          </a:p>
+          <a:p>
+            <a:r>
+              <a:rPr lang="en-US" b="1" dirty="0">
+                <a:solidFill>
+                  <a:schemeClr val="bg1"/>
+                </a:solidFill>
+              </a:rPr>
+              <a:t>	Use Time-Based Security</a:t>
+            </a:r>
+          </a:p>
+          <a:p>
+            <a:r>
+              <a:rPr lang="en-US" b="1" dirty="0">
+                <a:solidFill>
+                  <a:schemeClr val="bg1"/>
+                </a:solidFill>
+              </a:rPr>
+              <a:t>	Scan Docker and Kubernetes Configuration for Vulnerabilities</a:t>
+            </a:r>
+          </a:p>
+          <a:p>
+            <a:r>
+              <a:rPr lang="en-US" b="1" dirty="0">
+                <a:solidFill>
+                  <a:schemeClr val="bg1"/>
+                </a:solidFill>
+              </a:rPr>
+              <a:t>	Know Your Cloud and Cluster Security</a:t>
+            </a:r>
           </a:p>
         </p:txBody>
       </p:sp>
     </p:spTree>
     <p:extLst>
       <p:ext uri="{BB962C8B-B14F-4D97-AF65-F5344CB8AC3E}">
-        <p14:creationId xmlns:p14="http://schemas.microsoft.com/office/powerpoint/2010/main" val="91501442"/>
+        <p14:creationId xmlns:p14="http://schemas.microsoft.com/office/powerpoint/2010/main" val="265359252"/>
       </p:ext>
     </p:extLst>
   </p:cSld>
@@ -8799,7 +8711,7 @@
                   <a:schemeClr val="bg1"/>
                 </a:solidFill>
               </a:rPr>
-              <a:t>Security</a:t>
+              <a:t>Be secure by Design</a:t>
             </a:r>
           </a:p>
         </p:txBody>
@@ -8818,7 +8730,7 @@
         </p:nvSpPr>
         <p:spPr>
           <a:xfrm>
-            <a:off x="838200" y="1779687"/>
+            <a:off x="838200" y="1801459"/>
             <a:ext cx="10515600" cy="3416320"/>
           </a:xfrm>
           <a:prstGeom prst="rect">
@@ -8838,117 +8750,133 @@
                   <a:schemeClr val="bg1"/>
                 </a:solidFill>
               </a:rPr>
-              <a:t>11 Patterns for Security</a:t>
-            </a:r>
-          </a:p>
-          <a:p>
-            <a:r>
-              <a:rPr lang="en-US" b="1" dirty="0">
-                <a:solidFill>
-                  <a:schemeClr val="bg1"/>
-                </a:solidFill>
-              </a:rPr>
-              <a:t>	Be Secure by Design</a:t>
-            </a:r>
-          </a:p>
-          <a:p>
-            <a:r>
-              <a:rPr lang="en-US" b="1" dirty="0">
-                <a:solidFill>
-                  <a:schemeClr val="bg1"/>
-                </a:solidFill>
-              </a:rPr>
-              <a:t>	Scan Dependencies</a:t>
-            </a:r>
-          </a:p>
-          <a:p>
-            <a:r>
-              <a:rPr lang="en-US" b="1" dirty="0">
-                <a:solidFill>
-                  <a:schemeClr val="bg1"/>
-                </a:solidFill>
-              </a:rPr>
-              <a:t>	Use HTTPS Everywhere</a:t>
-            </a:r>
-          </a:p>
-          <a:p>
-            <a:r>
-              <a:rPr lang="en-US" b="1" dirty="0">
-                <a:solidFill>
-                  <a:schemeClr val="bg1"/>
-                </a:solidFill>
-              </a:rPr>
-              <a:t>	Use Access and Identity Tokens</a:t>
-            </a:r>
-          </a:p>
-          <a:p>
-            <a:r>
-              <a:rPr lang="en-US" b="1" dirty="0">
-                <a:solidFill>
-                  <a:schemeClr val="bg1"/>
-                </a:solidFill>
-              </a:rPr>
-              <a:t>	Encrypt and Protect Secrets</a:t>
-            </a:r>
-          </a:p>
-          <a:p>
-            <a:r>
-              <a:rPr lang="en-US" b="1" dirty="0">
-                <a:solidFill>
-                  <a:schemeClr val="bg1"/>
-                </a:solidFill>
-              </a:rPr>
-              <a:t>	Verify Security with Delivery Pipelines</a:t>
-            </a:r>
-          </a:p>
-          <a:p>
-            <a:r>
-              <a:rPr lang="en-US" b="1" dirty="0">
-                <a:solidFill>
-                  <a:schemeClr val="bg1"/>
-                </a:solidFill>
-              </a:rPr>
-              <a:t>	Slow Down Attackers</a:t>
-            </a:r>
-          </a:p>
-          <a:p>
-            <a:r>
-              <a:rPr lang="en-US" b="1" dirty="0">
-                <a:solidFill>
-                  <a:schemeClr val="bg1"/>
-                </a:solidFill>
-              </a:rPr>
-              <a:t>	Use Docker Rootless Mode</a:t>
-            </a:r>
-          </a:p>
-          <a:p>
-            <a:r>
-              <a:rPr lang="en-US" b="1" dirty="0">
-                <a:solidFill>
-                  <a:schemeClr val="bg1"/>
-                </a:solidFill>
-              </a:rPr>
-              <a:t>	Use Time-Based Security</a:t>
-            </a:r>
-          </a:p>
-          <a:p>
-            <a:r>
-              <a:rPr lang="en-US" b="1" dirty="0">
-                <a:solidFill>
-                  <a:schemeClr val="bg1"/>
-                </a:solidFill>
-              </a:rPr>
-              <a:t>	Scan Docker and Kubernetes Configuration for Vulnerabilities</a:t>
-            </a:r>
-          </a:p>
-          <a:p>
-            <a:r>
-              <a:rPr lang="en-US" b="1" dirty="0">
-                <a:solidFill>
-                  <a:schemeClr val="bg1"/>
-                </a:solidFill>
-              </a:rPr>
-              <a:t>	Know Your Cloud and Cluster Security</a:t>
+              <a:t>Design code for security. </a:t>
+            </a:r>
+          </a:p>
+          <a:p>
+            <a:r>
+              <a:rPr lang="en-US" b="1" dirty="0">
+                <a:solidFill>
+                  <a:schemeClr val="bg1"/>
+                </a:solidFill>
+              </a:rPr>
+              <a:t>Removing malicious characters is tricky </a:t>
+            </a:r>
+          </a:p>
+          <a:p>
+            <a:r>
+              <a:rPr lang="en-US" b="1" dirty="0">
+                <a:solidFill>
+                  <a:schemeClr val="bg1"/>
+                </a:solidFill>
+              </a:rPr>
+              <a:t>Malicious character depends on the context </a:t>
+            </a:r>
+          </a:p>
+          <a:p>
+            <a:r>
+              <a:rPr lang="en-US" b="1" dirty="0">
+                <a:solidFill>
+                  <a:schemeClr val="bg1"/>
+                </a:solidFill>
+              </a:rPr>
+              <a:t>For e.g. Ensure no malicious characters in an HTML context </a:t>
+            </a:r>
+          </a:p>
+          <a:p>
+            <a:r>
+              <a:rPr lang="en-US" b="1" dirty="0">
+                <a:solidFill>
+                  <a:schemeClr val="bg1"/>
+                </a:solidFill>
+              </a:rPr>
+              <a:t>There could be other injection attacks (i.e. JavaScript, SQL, </a:t>
+            </a:r>
+            <a:r>
+              <a:rPr lang="en-US" b="1" dirty="0" err="1">
+                <a:solidFill>
+                  <a:schemeClr val="bg1"/>
+                </a:solidFill>
+              </a:rPr>
+              <a:t>etc</a:t>
+            </a:r>
+            <a:r>
+              <a:rPr lang="en-US" b="1" dirty="0">
+                <a:solidFill>
+                  <a:schemeClr val="bg1"/>
+                </a:solidFill>
+              </a:rPr>
+              <a:t>). </a:t>
+            </a:r>
+          </a:p>
+          <a:p>
+            <a:r>
+              <a:rPr lang="en-US" b="1" dirty="0">
+                <a:solidFill>
+                  <a:schemeClr val="bg1"/>
+                </a:solidFill>
+              </a:rPr>
+              <a:t>Many time ' is a malicious character, </a:t>
+            </a:r>
+          </a:p>
+          <a:p>
+            <a:r>
+              <a:rPr lang="en-US" b="1" dirty="0">
+                <a:solidFill>
+                  <a:schemeClr val="bg1"/>
+                </a:solidFill>
+              </a:rPr>
+              <a:t>	but Business requires it. </a:t>
+            </a:r>
+          </a:p>
+          <a:p>
+            <a:r>
+              <a:rPr lang="en-US" b="1" dirty="0">
+                <a:solidFill>
+                  <a:schemeClr val="bg1"/>
+                </a:solidFill>
+              </a:rPr>
+              <a:t>	What should be done then?</a:t>
+            </a:r>
+          </a:p>
+          <a:p>
+            <a:r>
+              <a:rPr lang="en-US" b="1" dirty="0">
+                <a:solidFill>
+                  <a:schemeClr val="bg1"/>
+                </a:solidFill>
+              </a:rPr>
+              <a:t>Generally engineers concentrate on good design but not on security</a:t>
+            </a:r>
+          </a:p>
+          <a:p>
+            <a:r>
+              <a:rPr lang="en-US" b="1" dirty="0">
+                <a:solidFill>
+                  <a:schemeClr val="bg1"/>
+                </a:solidFill>
+              </a:rPr>
+              <a:t>Fight back when security issues are raised.</a:t>
+            </a:r>
+          </a:p>
+          <a:p>
+            <a:r>
+              <a:rPr lang="en-US" b="1" dirty="0">
+                <a:solidFill>
+                  <a:schemeClr val="bg1"/>
+                </a:solidFill>
+              </a:rPr>
+              <a:t>	</a:t>
+            </a:r>
+          </a:p>
+          <a:p>
+            <a:r>
+              <a:rPr lang="en-US" b="1" dirty="0">
+                <a:solidFill>
+                  <a:schemeClr val="bg1"/>
+                </a:solidFill>
+              </a:rPr>
+              <a:t>OWASP top 10 hasn't changed much.</a:t>
             </a:r>
           </a:p>
         </p:txBody>
@@ -8956,7 +8884,7 @@
     </p:spTree>
     <p:extLst>
       <p:ext uri="{BB962C8B-B14F-4D97-AF65-F5344CB8AC3E}">
-        <p14:creationId xmlns:p14="http://schemas.microsoft.com/office/powerpoint/2010/main" val="265359252"/>
+        <p14:creationId xmlns:p14="http://schemas.microsoft.com/office/powerpoint/2010/main" val="1928521402"/>
       </p:ext>
     </p:extLst>
   </p:cSld>
@@ -9193,7 +9121,7 @@
         <p:spPr>
           <a:xfrm>
             <a:off x="838200" y="1801459"/>
-            <a:ext cx="10515600" cy="3416320"/>
+            <a:ext cx="10515600" cy="1200329"/>
           </a:xfrm>
           <a:prstGeom prst="rect">
             <a:avLst/>
@@ -9212,47 +9140,27 @@
                   <a:schemeClr val="bg1"/>
                 </a:solidFill>
               </a:rPr>
-              <a:t>Design code for security. </a:t>
-            </a:r>
-          </a:p>
-          <a:p>
-            <a:r>
-              <a:rPr lang="en-US" b="1" dirty="0">
-                <a:solidFill>
-                  <a:schemeClr val="bg1"/>
-                </a:solidFill>
-              </a:rPr>
-              <a:t>Removing malicious characters is tricky </a:t>
-            </a:r>
-          </a:p>
-          <a:p>
-            <a:r>
-              <a:rPr lang="en-US" b="1" dirty="0">
-                <a:solidFill>
-                  <a:schemeClr val="bg1"/>
-                </a:solidFill>
-              </a:rPr>
-              <a:t>Malicious character depends on the context </a:t>
-            </a:r>
-          </a:p>
-          <a:p>
-            <a:r>
-              <a:rPr lang="en-US" b="1" dirty="0">
-                <a:solidFill>
-                  <a:schemeClr val="bg1"/>
-                </a:solidFill>
-              </a:rPr>
-              <a:t>For e.g. Ensure no malicious characters in an HTML context </a:t>
-            </a:r>
-          </a:p>
-          <a:p>
-            <a:r>
-              <a:rPr lang="en-US" b="1" dirty="0">
-                <a:solidFill>
-                  <a:schemeClr val="bg1"/>
-                </a:solidFill>
-              </a:rPr>
-              <a:t>There could be other injection attacks (i.e. JavaScript, SQL, </a:t>
+              <a:t>Developers need to </a:t>
+            </a:r>
+          </a:p>
+          <a:p>
+            <a:r>
+              <a:rPr lang="en-US" b="1" dirty="0">
+                <a:solidFill>
+                  <a:schemeClr val="bg1"/>
+                </a:solidFill>
+              </a:rPr>
+              <a:t>	Thinking about security vulnerabilities</a:t>
+            </a:r>
+          </a:p>
+          <a:p>
+            <a:r>
+              <a:rPr lang="en-US" b="1" dirty="0">
+                <a:solidFill>
+                  <a:schemeClr val="bg1"/>
+                </a:solidFill>
+              </a:rPr>
+              <a:t>	Have to be security experts and know to use </a:t>
             </a:r>
             <a:r>
               <a:rPr lang="en-US" b="1" dirty="0" err="1">
@@ -9260,85 +9168,25 @@
                   <a:schemeClr val="bg1"/>
                 </a:solidFill>
               </a:rPr>
-              <a:t>etc</a:t>
-            </a:r>
-            <a:r>
-              <a:rPr lang="en-US" b="1" dirty="0">
-                <a:solidFill>
-                  <a:schemeClr val="bg1"/>
-                </a:solidFill>
-              </a:rPr>
-              <a:t>). </a:t>
-            </a:r>
-          </a:p>
-          <a:p>
-            <a:r>
-              <a:rPr lang="en-US" b="1" dirty="0">
-                <a:solidFill>
-                  <a:schemeClr val="bg1"/>
-                </a:solidFill>
-              </a:rPr>
-              <a:t>Many time ' is a malicious character, </a:t>
-            </a:r>
-          </a:p>
-          <a:p>
-            <a:r>
-              <a:rPr lang="en-US" b="1" dirty="0">
-                <a:solidFill>
-                  <a:schemeClr val="bg1"/>
-                </a:solidFill>
-              </a:rPr>
-              <a:t>	but Business requires it. </a:t>
-            </a:r>
-          </a:p>
-          <a:p>
-            <a:r>
-              <a:rPr lang="en-US" b="1" dirty="0">
-                <a:solidFill>
-                  <a:schemeClr val="bg1"/>
-                </a:solidFill>
-              </a:rPr>
-              <a:t>	What should be done then?</a:t>
-            </a:r>
-          </a:p>
-          <a:p>
-            <a:r>
-              <a:rPr lang="en-US" b="1" dirty="0">
-                <a:solidFill>
-                  <a:schemeClr val="bg1"/>
-                </a:solidFill>
-              </a:rPr>
-              <a:t>Generally engineers concentrate on good design but not on security</a:t>
-            </a:r>
-          </a:p>
-          <a:p>
-            <a:r>
-              <a:rPr lang="en-US" b="1" dirty="0">
-                <a:solidFill>
-                  <a:schemeClr val="bg1"/>
-                </a:solidFill>
-              </a:rPr>
-              <a:t>Fight back when security issues are raised.</a:t>
-            </a:r>
-          </a:p>
-          <a:p>
-            <a:r>
-              <a:rPr lang="en-US" b="1" dirty="0">
-                <a:solidFill>
-                  <a:schemeClr val="bg1"/>
-                </a:solidFill>
-              </a:rPr>
-              <a:t>	</a:t>
-            </a:r>
-          </a:p>
-          <a:p>
-            <a:r>
-              <a:rPr lang="en-US" b="1" dirty="0">
-                <a:solidFill>
-                  <a:schemeClr val="bg1"/>
-                </a:solidFill>
-              </a:rPr>
-              <a:t>OWASP top 10 hasn't changed much.</a:t>
+              <a:t>validateForXSS</a:t>
+            </a:r>
+            <a:r>
+              <a:rPr lang="en-US" b="1" dirty="0">
+                <a:solidFill>
+                  <a:schemeClr val="bg1"/>
+                </a:solidFill>
+              </a:rPr>
+              <a:t>()</a:t>
+            </a:r>
+          </a:p>
+          <a:p>
+            <a:r>
+              <a:rPr lang="en-US" b="1" dirty="0">
+                <a:solidFill>
+                  <a:schemeClr val="bg1"/>
+                </a:solidFill>
+              </a:rPr>
+              <a:t>	Person writing the code can identify potential weakness that might occur now or in the future</a:t>
             </a:r>
           </a:p>
         </p:txBody>
@@ -9346,7 +9194,7 @@
     </p:spTree>
     <p:extLst>
       <p:ext uri="{BB962C8B-B14F-4D97-AF65-F5344CB8AC3E}">
-        <p14:creationId xmlns:p14="http://schemas.microsoft.com/office/powerpoint/2010/main" val="1928521402"/>
+        <p14:creationId xmlns:p14="http://schemas.microsoft.com/office/powerpoint/2010/main" val="3361787758"/>
       </p:ext>
     </p:extLst>
   </p:cSld>
@@ -9416,7 +9264,7 @@
                   <a:schemeClr val="bg1"/>
                 </a:solidFill>
               </a:rPr>
-              <a:t>Be secure by Design</a:t>
+              <a:t>Scan Dependencies</a:t>
             </a:r>
           </a:p>
         </p:txBody>
@@ -9435,8 +9283,8 @@
         </p:nvSpPr>
         <p:spPr>
           <a:xfrm>
-            <a:off x="838200" y="1801459"/>
-            <a:ext cx="10515600" cy="1200329"/>
+            <a:off x="870858" y="1779687"/>
+            <a:ext cx="10515600" cy="3416320"/>
           </a:xfrm>
           <a:prstGeom prst="rect">
             <a:avLst/>
@@ -9455,27 +9303,94 @@
                   <a:schemeClr val="bg1"/>
                 </a:solidFill>
               </a:rPr>
-              <a:t>Developers need to </a:t>
-            </a:r>
-          </a:p>
-          <a:p>
-            <a:r>
-              <a:rPr lang="en-US" b="1" dirty="0">
-                <a:solidFill>
-                  <a:schemeClr val="bg1"/>
-                </a:solidFill>
-              </a:rPr>
-              <a:t>	Thinking about security vulnerabilities</a:t>
-            </a:r>
-          </a:p>
-          <a:p>
-            <a:r>
-              <a:rPr lang="en-US" b="1" dirty="0">
-                <a:solidFill>
-                  <a:schemeClr val="bg1"/>
-                </a:solidFill>
-              </a:rPr>
-              <a:t>	Have to be security experts and know to use </a:t>
+              <a:t>Transitive dependencies </a:t>
+            </a:r>
+          </a:p>
+          <a:p>
+            <a:r>
+              <a:rPr lang="en-US" b="1" dirty="0">
+                <a:solidFill>
+                  <a:schemeClr val="bg1"/>
+                </a:solidFill>
+              </a:rPr>
+              <a:t>	You use 3rd party s/w</a:t>
+            </a:r>
+          </a:p>
+          <a:p>
+            <a:r>
+              <a:rPr lang="en-US" b="1" dirty="0">
+                <a:solidFill>
+                  <a:schemeClr val="bg1"/>
+                </a:solidFill>
+              </a:rPr>
+              <a:t>		They use other 3rd party s/w</a:t>
+            </a:r>
+          </a:p>
+          <a:p>
+            <a:r>
+              <a:rPr lang="en-US" b="1" dirty="0">
+                <a:solidFill>
+                  <a:schemeClr val="bg1"/>
+                </a:solidFill>
+              </a:rPr>
+              <a:t>		You may not be even aware of this dependency.</a:t>
+            </a:r>
+          </a:p>
+          <a:p>
+            <a:r>
+              <a:rPr lang="en-US" b="1" dirty="0">
+                <a:solidFill>
+                  <a:schemeClr val="bg1"/>
+                </a:solidFill>
+              </a:rPr>
+              <a:t>	Their could be vulnerabilities anywhere </a:t>
+            </a:r>
+          </a:p>
+          <a:p>
+            <a:endParaRPr lang="en-US" b="1" dirty="0">
+              <a:solidFill>
+                <a:schemeClr val="bg1"/>
+              </a:solidFill>
+            </a:endParaRPr>
+          </a:p>
+          <a:p>
+            <a:r>
+              <a:rPr lang="en-US" b="1" dirty="0">
+                <a:solidFill>
+                  <a:schemeClr val="bg1"/>
+                </a:solidFill>
+              </a:rPr>
+              <a:t>Be aware of all dependencies.</a:t>
+            </a:r>
+          </a:p>
+          <a:p>
+            <a:r>
+              <a:rPr lang="en-US" b="1" dirty="0">
+                <a:solidFill>
+                  <a:schemeClr val="bg1"/>
+                </a:solidFill>
+              </a:rPr>
+              <a:t>Reduce dependencies to the extend possible.</a:t>
+            </a:r>
+          </a:p>
+          <a:p>
+            <a:r>
+              <a:rPr lang="en-US" b="1" dirty="0">
+                <a:solidFill>
+                  <a:schemeClr val="bg1"/>
+                </a:solidFill>
+              </a:rPr>
+              <a:t>	Use exclude where ever required.</a:t>
+            </a:r>
+          </a:p>
+          <a:p>
+            <a:r>
+              <a:rPr lang="en-US" b="1" dirty="0">
+                <a:solidFill>
+                  <a:schemeClr val="bg1"/>
+                </a:solidFill>
+              </a:rPr>
+              <a:t>	e.g. </a:t>
             </a:r>
             <a:r>
               <a:rPr lang="en-US" b="1" dirty="0" err="1">
@@ -9483,33 +9398,37 @@
                   <a:schemeClr val="bg1"/>
                 </a:solidFill>
               </a:rPr>
-              <a:t>validateForXSS</a:t>
-            </a:r>
-            <a:r>
-              <a:rPr lang="en-US" b="1" dirty="0">
-                <a:solidFill>
-                  <a:schemeClr val="bg1"/>
-                </a:solidFill>
-              </a:rPr>
-              <a:t>()</a:t>
-            </a:r>
-          </a:p>
-          <a:p>
-            <a:r>
-              <a:rPr lang="en-US" b="1" dirty="0">
-                <a:solidFill>
-                  <a:schemeClr val="bg1"/>
-                </a:solidFill>
-              </a:rPr>
-              <a:t>	Person writing the code can identify potential weakness that might occur now or in the future</a:t>
-            </a:r>
+              <a:t>wintage</a:t>
+            </a:r>
+            <a:endParaRPr lang="en-US" b="1" dirty="0">
+              <a:solidFill>
+                <a:schemeClr val="bg1"/>
+              </a:solidFill>
+            </a:endParaRPr>
+          </a:p>
+          <a:p>
+            <a:r>
+              <a:rPr lang="en-US" b="1" dirty="0">
+                <a:solidFill>
+                  <a:schemeClr val="bg1"/>
+                </a:solidFill>
+              </a:rPr>
+              <a:t>Keep dependencies updated.</a:t>
+            </a:r>
+          </a:p>
+          <a:p>
+            <a:endParaRPr lang="en-US" dirty="0">
+              <a:solidFill>
+                <a:schemeClr val="bg1"/>
+              </a:solidFill>
+            </a:endParaRPr>
           </a:p>
         </p:txBody>
       </p:sp>
     </p:spTree>
     <p:extLst>
       <p:ext uri="{BB962C8B-B14F-4D97-AF65-F5344CB8AC3E}">
-        <p14:creationId xmlns:p14="http://schemas.microsoft.com/office/powerpoint/2010/main" val="3361787758"/>
+        <p14:creationId xmlns:p14="http://schemas.microsoft.com/office/powerpoint/2010/main" val="4077167694"/>
       </p:ext>
     </p:extLst>
   </p:cSld>
@@ -9579,7 +9498,7 @@
                   <a:schemeClr val="bg1"/>
                 </a:solidFill>
               </a:rPr>
-              <a:t>Scan Dependencies</a:t>
+              <a:t>Use HTTPS Everywhere</a:t>
             </a:r>
           </a:p>
         </p:txBody>
@@ -9598,8 +9517,8 @@
         </p:nvSpPr>
         <p:spPr>
           <a:xfrm>
-            <a:off x="870858" y="1779687"/>
-            <a:ext cx="10515600" cy="3416320"/>
+            <a:off x="838200" y="1779687"/>
+            <a:ext cx="10515600" cy="5078313"/>
           </a:xfrm>
           <a:prstGeom prst="rect">
             <a:avLst/>
@@ -9618,47 +9537,231 @@
                   <a:schemeClr val="bg1"/>
                 </a:solidFill>
               </a:rPr>
-              <a:t>Transitive dependencies </a:t>
-            </a:r>
-          </a:p>
-          <a:p>
-            <a:r>
-              <a:rPr lang="en-US" b="1" dirty="0">
-                <a:solidFill>
-                  <a:schemeClr val="bg1"/>
-                </a:solidFill>
-              </a:rPr>
-              <a:t>	You use 3rd party s/w</a:t>
-            </a:r>
-          </a:p>
-          <a:p>
-            <a:r>
-              <a:rPr lang="en-US" b="1" dirty="0">
-                <a:solidFill>
-                  <a:schemeClr val="bg1"/>
-                </a:solidFill>
-              </a:rPr>
-              <a:t>		They use other 3rd party s/w</a:t>
-            </a:r>
-          </a:p>
-          <a:p>
-            <a:r>
-              <a:rPr lang="en-US" b="1" dirty="0">
-                <a:solidFill>
-                  <a:schemeClr val="bg1"/>
-                </a:solidFill>
-              </a:rPr>
-              <a:t>		You may not be even aware of this dependency.</a:t>
-            </a:r>
-          </a:p>
-          <a:p>
-            <a:r>
-              <a:rPr lang="en-US" b="1" dirty="0">
-                <a:solidFill>
-                  <a:schemeClr val="bg1"/>
-                </a:solidFill>
-              </a:rPr>
-              <a:t>	Their could be vulnerabilities anywhere </a:t>
+              <a:t>HTTPS requires certificates for 2 way authentication.	</a:t>
+            </a:r>
+          </a:p>
+          <a:p>
+            <a:r>
+              <a:rPr lang="en-US" b="1" dirty="0">
+                <a:solidFill>
+                  <a:schemeClr val="bg1"/>
+                </a:solidFill>
+              </a:rPr>
+              <a:t>Let’s Encrypt offers free certificates, and you can use its API to automate renewing them. </a:t>
+            </a:r>
+          </a:p>
+          <a:p>
+            <a:r>
+              <a:rPr lang="en-US" b="1" dirty="0">
+                <a:solidFill>
+                  <a:schemeClr val="bg1"/>
+                </a:solidFill>
+              </a:rPr>
+              <a:t>Let’s Encrypt </a:t>
+            </a:r>
+          </a:p>
+          <a:p>
+            <a:r>
+              <a:rPr lang="en-US" b="1" dirty="0">
+                <a:solidFill>
+                  <a:schemeClr val="bg1"/>
+                </a:solidFill>
+              </a:rPr>
+              <a:t>	Recommends you use </a:t>
+            </a:r>
+            <a:r>
+              <a:rPr lang="en-US" b="1" dirty="0" err="1">
+                <a:solidFill>
+                  <a:schemeClr val="bg1"/>
+                </a:solidFill>
+              </a:rPr>
+              <a:t>Certbot</a:t>
+            </a:r>
+            <a:r>
+              <a:rPr lang="en-US" b="1" dirty="0">
+                <a:solidFill>
+                  <a:schemeClr val="bg1"/>
+                </a:solidFill>
+              </a:rPr>
+              <a:t> to obtain and renew your certificates. </a:t>
+            </a:r>
+          </a:p>
+          <a:p>
+            <a:r>
+              <a:rPr lang="en-US" b="1" dirty="0">
+                <a:solidFill>
+                  <a:schemeClr val="bg1"/>
+                </a:solidFill>
+              </a:rPr>
+              <a:t>	is a free, </a:t>
+            </a:r>
+          </a:p>
+          <a:p>
+            <a:r>
+              <a:rPr lang="en-US" b="1" dirty="0">
+                <a:solidFill>
+                  <a:schemeClr val="bg1"/>
+                </a:solidFill>
+              </a:rPr>
+              <a:t>	open-source software tool </a:t>
+            </a:r>
+          </a:p>
+          <a:p>
+            <a:r>
+              <a:rPr lang="en-US" b="1" dirty="0">
+                <a:solidFill>
+                  <a:schemeClr val="bg1"/>
+                </a:solidFill>
+              </a:rPr>
+              <a:t>	Generate automatically using Let’s Encrypt certificates on manually-administrated websites . </a:t>
+            </a:r>
+          </a:p>
+          <a:p>
+            <a:r>
+              <a:rPr lang="en-US" b="1" dirty="0">
+                <a:solidFill>
+                  <a:schemeClr val="bg1"/>
+                </a:solidFill>
+              </a:rPr>
+              <a:t>	The Electronic Frontier Foundation (EFF) created and maintains </a:t>
+            </a:r>
+            <a:r>
+              <a:rPr lang="en-US" b="1" dirty="0" err="1">
+                <a:solidFill>
+                  <a:schemeClr val="bg1"/>
+                </a:solidFill>
+              </a:rPr>
+              <a:t>Certbot</a:t>
+            </a:r>
+            <a:r>
+              <a:rPr lang="en-US" b="1" dirty="0">
+                <a:solidFill>
+                  <a:schemeClr val="bg1"/>
+                </a:solidFill>
+              </a:rPr>
+              <a:t>.</a:t>
+            </a:r>
+          </a:p>
+          <a:p>
+            <a:r>
+              <a:rPr lang="en-US" b="1" dirty="0">
+                <a:solidFill>
+                  <a:schemeClr val="bg1"/>
+                </a:solidFill>
+              </a:rPr>
+              <a:t>		</a:t>
+            </a:r>
+            <a:r>
+              <a:rPr lang="en-US" b="1" dirty="0" err="1">
+                <a:solidFill>
+                  <a:schemeClr val="bg1"/>
+                </a:solidFill>
+              </a:rPr>
+              <a:t>CertbotsThe</a:t>
+            </a:r>
+            <a:r>
+              <a:rPr lang="en-US" b="1" dirty="0">
+                <a:solidFill>
+                  <a:schemeClr val="bg1"/>
+                </a:solidFill>
+              </a:rPr>
+              <a:t> </a:t>
+            </a:r>
+            <a:r>
+              <a:rPr lang="en-US" b="1" dirty="0" err="1">
+                <a:solidFill>
+                  <a:schemeClr val="bg1"/>
+                </a:solidFill>
+              </a:rPr>
+              <a:t>Certbot</a:t>
+            </a:r>
+            <a:r>
+              <a:rPr lang="en-US" b="1" dirty="0">
+                <a:solidFill>
+                  <a:schemeClr val="bg1"/>
+                </a:solidFill>
+              </a:rPr>
+              <a:t> website lets you choose your web server and system, </a:t>
+            </a:r>
+          </a:p>
+          <a:p>
+            <a:r>
+              <a:rPr lang="en-US" b="1" dirty="0">
+                <a:solidFill>
+                  <a:schemeClr val="bg1"/>
+                </a:solidFill>
+              </a:rPr>
+              <a:t>		then provides the instructions for automating certificate generation and renewal.</a:t>
+            </a:r>
+          </a:p>
+          <a:p>
+            <a:r>
+              <a:rPr lang="en-US" b="1" dirty="0">
+                <a:solidFill>
+                  <a:schemeClr val="bg1"/>
+                </a:solidFill>
+              </a:rPr>
+              <a:t>Force HTTPS. </a:t>
+            </a:r>
+          </a:p>
+          <a:p>
+            <a:r>
+              <a:rPr lang="en-US" b="1" dirty="0">
+                <a:solidFill>
+                  <a:schemeClr val="bg1"/>
+                </a:solidFill>
+              </a:rPr>
+              <a:t>	Often, forcing HTTPS </a:t>
+            </a:r>
+          </a:p>
+          <a:p>
+            <a:r>
+              <a:rPr lang="en-US" b="1" dirty="0">
+                <a:solidFill>
+                  <a:schemeClr val="bg1"/>
+                </a:solidFill>
+              </a:rPr>
+              <a:t>		Uses an HTTP Strict-Transport-Security response header </a:t>
+            </a:r>
+          </a:p>
+          <a:p>
+            <a:r>
+              <a:rPr lang="en-US" b="1" dirty="0">
+                <a:solidFill>
+                  <a:schemeClr val="bg1"/>
+                </a:solidFill>
+              </a:rPr>
+              <a:t>		Tell browsers they should only access a website using HTTPS.</a:t>
+            </a:r>
+          </a:p>
+          <a:p>
+            <a:r>
+              <a:rPr lang="en-US" b="1" dirty="0">
+                <a:solidFill>
+                  <a:schemeClr val="bg1"/>
+                </a:solidFill>
+              </a:rPr>
+              <a:t>			</a:t>
+            </a:r>
+          </a:p>
+          <a:p>
+            <a:r>
+              <a:rPr lang="en-US" b="1" dirty="0">
+                <a:solidFill>
+                  <a:schemeClr val="bg1"/>
+                </a:solidFill>
+              </a:rPr>
+              <a:t>Why HTTS inside our network</a:t>
+            </a:r>
+          </a:p>
+          <a:p>
+            <a:r>
+              <a:rPr lang="en-US" b="1" dirty="0">
+                <a:solidFill>
+                  <a:schemeClr val="bg1"/>
+                </a:solidFill>
+              </a:rPr>
+              <a:t>	Phishing and guessing people’s credentials are incredibly effective techniques to hack. </a:t>
             </a:r>
           </a:p>
           <a:p>
@@ -9668,82 +9771,12 @@
               </a:solidFill>
             </a:endParaRPr>
           </a:p>
-          <a:p>
-            <a:r>
-              <a:rPr lang="en-US" b="1" dirty="0">
-                <a:solidFill>
-                  <a:schemeClr val="bg1"/>
-                </a:solidFill>
-              </a:rPr>
-              <a:t>Be aware of all dependencies.</a:t>
-            </a:r>
-          </a:p>
-          <a:p>
-            <a:r>
-              <a:rPr lang="en-US" b="1" dirty="0">
-                <a:solidFill>
-                  <a:schemeClr val="bg1"/>
-                </a:solidFill>
-              </a:rPr>
-              <a:t>Reduce dependencies to the extend possible.</a:t>
-            </a:r>
-          </a:p>
-          <a:p>
-            <a:r>
-              <a:rPr lang="en-US" b="1" dirty="0">
-                <a:solidFill>
-                  <a:schemeClr val="bg1"/>
-                </a:solidFill>
-              </a:rPr>
-              <a:t>	Use exclude where ever required.</a:t>
-            </a:r>
-          </a:p>
-          <a:p>
-            <a:r>
-              <a:rPr lang="en-US" b="1" dirty="0">
-                <a:solidFill>
-                  <a:schemeClr val="bg1"/>
-                </a:solidFill>
-              </a:rPr>
-              <a:t>	e.g. </a:t>
-            </a:r>
-            <a:r>
-              <a:rPr lang="en-US" b="1" dirty="0" err="1">
-                <a:solidFill>
-                  <a:schemeClr val="bg1"/>
-                </a:solidFill>
-              </a:rPr>
-              <a:t>wintage</a:t>
-            </a:r>
-            <a:endParaRPr lang="en-US" b="1" dirty="0">
-              <a:solidFill>
-                <a:schemeClr val="bg1"/>
-              </a:solidFill>
-            </a:endParaRPr>
-          </a:p>
-          <a:p>
-            <a:r>
-              <a:rPr lang="en-US" b="1" dirty="0">
-                <a:solidFill>
-                  <a:schemeClr val="bg1"/>
-                </a:solidFill>
-              </a:rPr>
-              <a:t>Keep dependencies updated.</a:t>
-            </a:r>
-          </a:p>
-          <a:p>
-            <a:endParaRPr lang="en-US" dirty="0">
-              <a:solidFill>
-                <a:schemeClr val="bg1"/>
-              </a:solidFill>
-            </a:endParaRPr>
-          </a:p>
         </p:txBody>
       </p:sp>
     </p:spTree>
     <p:extLst>
       <p:ext uri="{BB962C8B-B14F-4D97-AF65-F5344CB8AC3E}">
-        <p14:creationId xmlns:p14="http://schemas.microsoft.com/office/powerpoint/2010/main" val="4077167694"/>
+        <p14:creationId xmlns:p14="http://schemas.microsoft.com/office/powerpoint/2010/main" val="4182056134"/>
       </p:ext>
     </p:extLst>
   </p:cSld>
@@ -9813,7 +9846,7 @@
                   <a:schemeClr val="bg1"/>
                 </a:solidFill>
               </a:rPr>
-              <a:t>Use HTTPS Everywhere</a:t>
+              <a:t>Use Access and Identity Tokens</a:t>
             </a:r>
           </a:p>
         </p:txBody>
@@ -9832,8 +9865,8 @@
         </p:nvSpPr>
         <p:spPr>
           <a:xfrm>
-            <a:off x="838200" y="1779687"/>
-            <a:ext cx="10515600" cy="5078313"/>
+            <a:off x="838200" y="1516976"/>
+            <a:ext cx="10515600" cy="5355312"/>
           </a:xfrm>
           <a:prstGeom prst="rect">
             <a:avLst/>
@@ -9847,236 +9880,20 @@
           <a:lstStyle/>
           <a:p>
             <a:r>
-              <a:rPr lang="en-US" b="1" dirty="0">
-                <a:solidFill>
-                  <a:schemeClr val="bg1"/>
-                </a:solidFill>
-              </a:rPr>
-              <a:t>HTTPS requires certificates for 2 way authentication.	</a:t>
-            </a:r>
-          </a:p>
-          <a:p>
-            <a:r>
-              <a:rPr lang="en-US" b="1" dirty="0">
-                <a:solidFill>
-                  <a:schemeClr val="bg1"/>
-                </a:solidFill>
-              </a:rPr>
-              <a:t>Let’s Encrypt offers free certificates, and you can use its API to automate renewing them. </a:t>
-            </a:r>
-          </a:p>
-          <a:p>
-            <a:r>
-              <a:rPr lang="en-US" b="1" dirty="0">
-                <a:solidFill>
-                  <a:schemeClr val="bg1"/>
-                </a:solidFill>
-              </a:rPr>
-              <a:t>Let’s Encrypt </a:t>
-            </a:r>
-          </a:p>
-          <a:p>
-            <a:r>
-              <a:rPr lang="en-US" b="1" dirty="0">
-                <a:solidFill>
-                  <a:schemeClr val="bg1"/>
-                </a:solidFill>
-              </a:rPr>
-              <a:t>	Recommends you use </a:t>
-            </a:r>
-            <a:r>
               <a:rPr lang="en-US" b="1" dirty="0" err="1">
                 <a:solidFill>
                   <a:schemeClr val="bg1"/>
                 </a:solidFill>
               </a:rPr>
-              <a:t>Certbot</a:t>
-            </a:r>
-            <a:r>
-              <a:rPr lang="en-US" b="1" dirty="0">
-                <a:solidFill>
-                  <a:schemeClr val="bg1"/>
-                </a:solidFill>
-              </a:rPr>
-              <a:t> to obtain and renew your certificates. </a:t>
-            </a:r>
-          </a:p>
-          <a:p>
-            <a:r>
-              <a:rPr lang="en-US" b="1" dirty="0">
-                <a:solidFill>
-                  <a:schemeClr val="bg1"/>
-                </a:solidFill>
-              </a:rPr>
-              <a:t>	is a free, </a:t>
-            </a:r>
-          </a:p>
-          <a:p>
-            <a:r>
-              <a:rPr lang="en-US" b="1" dirty="0">
-                <a:solidFill>
-                  <a:schemeClr val="bg1"/>
-                </a:solidFill>
-              </a:rPr>
-              <a:t>	open-source software tool </a:t>
-            </a:r>
-          </a:p>
-          <a:p>
-            <a:r>
-              <a:rPr lang="en-US" b="1" dirty="0">
-                <a:solidFill>
-                  <a:schemeClr val="bg1"/>
-                </a:solidFill>
-              </a:rPr>
-              <a:t>	Generate automatically using Let’s Encrypt certificates on manually-administrated websites . </a:t>
-            </a:r>
-          </a:p>
-          <a:p>
-            <a:r>
-              <a:rPr lang="en-US" b="1" dirty="0">
-                <a:solidFill>
-                  <a:schemeClr val="bg1"/>
-                </a:solidFill>
-              </a:rPr>
-              <a:t>	The Electronic Frontier Foundation (EFF) created and maintains </a:t>
-            </a:r>
-            <a:r>
-              <a:rPr lang="en-US" b="1" dirty="0" err="1">
-                <a:solidFill>
-                  <a:schemeClr val="bg1"/>
-                </a:solidFill>
-              </a:rPr>
-              <a:t>Certbot</a:t>
-            </a:r>
-            <a:r>
-              <a:rPr lang="en-US" b="1" dirty="0">
-                <a:solidFill>
-                  <a:schemeClr val="bg1"/>
-                </a:solidFill>
-              </a:rPr>
-              <a:t>.</a:t>
-            </a:r>
-          </a:p>
-          <a:p>
-            <a:r>
-              <a:rPr lang="en-US" b="1" dirty="0">
-                <a:solidFill>
-                  <a:schemeClr val="bg1"/>
-                </a:solidFill>
-              </a:rPr>
-              <a:t>		</a:t>
-            </a:r>
-            <a:r>
-              <a:rPr lang="en-US" b="1" dirty="0" err="1">
-                <a:solidFill>
-                  <a:schemeClr val="bg1"/>
-                </a:solidFill>
-              </a:rPr>
-              <a:t>CertbotsThe</a:t>
-            </a:r>
-            <a:r>
-              <a:rPr lang="en-US" b="1" dirty="0">
-                <a:solidFill>
-                  <a:schemeClr val="bg1"/>
-                </a:solidFill>
-              </a:rPr>
-              <a:t> </a:t>
-            </a:r>
-            <a:r>
-              <a:rPr lang="en-US" b="1" dirty="0" err="1">
-                <a:solidFill>
-                  <a:schemeClr val="bg1"/>
-                </a:solidFill>
-              </a:rPr>
-              <a:t>Certbot</a:t>
-            </a:r>
-            <a:r>
-              <a:rPr lang="en-US" b="1" dirty="0">
-                <a:solidFill>
-                  <a:schemeClr val="bg1"/>
-                </a:solidFill>
-              </a:rPr>
-              <a:t> website lets you choose your web server and system, </a:t>
-            </a:r>
-          </a:p>
-          <a:p>
-            <a:r>
-              <a:rPr lang="en-US" b="1" dirty="0">
-                <a:solidFill>
-                  <a:schemeClr val="bg1"/>
-                </a:solidFill>
-              </a:rPr>
-              <a:t>		then provides the instructions for automating certificate generation and renewal.</a:t>
-            </a:r>
-          </a:p>
-          <a:p>
-            <a:r>
-              <a:rPr lang="en-US" b="1" dirty="0">
-                <a:solidFill>
-                  <a:schemeClr val="bg1"/>
-                </a:solidFill>
-              </a:rPr>
-              <a:t>Force HTTPS. </a:t>
-            </a:r>
-          </a:p>
-          <a:p>
-            <a:r>
-              <a:rPr lang="en-US" b="1" dirty="0">
-                <a:solidFill>
-                  <a:schemeClr val="bg1"/>
-                </a:solidFill>
-              </a:rPr>
-              <a:t>	Often, forcing HTTPS </a:t>
-            </a:r>
-          </a:p>
-          <a:p>
-            <a:r>
-              <a:rPr lang="en-US" b="1" dirty="0">
-                <a:solidFill>
-                  <a:schemeClr val="bg1"/>
-                </a:solidFill>
-              </a:rPr>
-              <a:t>		Uses an HTTP Strict-Transport-Security response header </a:t>
-            </a:r>
-          </a:p>
-          <a:p>
-            <a:r>
-              <a:rPr lang="en-US" b="1" dirty="0">
-                <a:solidFill>
-                  <a:schemeClr val="bg1"/>
-                </a:solidFill>
-              </a:rPr>
-              <a:t>		Tell browsers they should only access a website using HTTPS.</a:t>
-            </a:r>
-          </a:p>
-          <a:p>
-            <a:r>
-              <a:rPr lang="en-US" b="1" dirty="0">
-                <a:solidFill>
-                  <a:schemeClr val="bg1"/>
-                </a:solidFill>
-              </a:rPr>
-              <a:t>			</a:t>
-            </a:r>
-          </a:p>
-          <a:p>
-            <a:r>
-              <a:rPr lang="en-US" b="1" dirty="0">
-                <a:solidFill>
-                  <a:schemeClr val="bg1"/>
-                </a:solidFill>
-              </a:rPr>
-              <a:t>Why HTTS inside our network</a:t>
-            </a:r>
-          </a:p>
-          <a:p>
-            <a:r>
-              <a:rPr lang="en-US" b="1" dirty="0">
-                <a:solidFill>
-                  <a:schemeClr val="bg1"/>
-                </a:solidFill>
-              </a:rPr>
-              <a:t>	Phishing and guessing people’s credentials are incredibly effective techniques to hack. </a:t>
+              <a:t>Oauth</a:t>
+            </a:r>
+            <a:r>
+              <a:rPr lang="en-US" b="1" dirty="0">
+                <a:solidFill>
+                  <a:schemeClr val="bg1"/>
+                </a:solidFill>
+              </a:rPr>
+              <a:t> and JWT are really famous token systems. Use them.</a:t>
             </a:r>
           </a:p>
           <a:p>
@@ -10086,12 +9903,344 @@
               </a:solidFill>
             </a:endParaRPr>
           </a:p>
+          <a:p>
+            <a:r>
+              <a:rPr lang="en-US" b="1" dirty="0" err="1">
+                <a:solidFill>
+                  <a:schemeClr val="bg1"/>
+                </a:solidFill>
+              </a:rPr>
+              <a:t>oAuth</a:t>
+            </a:r>
+            <a:endParaRPr lang="en-US" b="1" dirty="0">
+              <a:solidFill>
+                <a:schemeClr val="bg1"/>
+              </a:solidFill>
+            </a:endParaRPr>
+          </a:p>
+          <a:p>
+            <a:r>
+              <a:rPr lang="en-US" b="1" dirty="0">
+                <a:solidFill>
+                  <a:schemeClr val="bg1"/>
+                </a:solidFill>
+              </a:rPr>
+              <a:t>	</a:t>
+            </a:r>
+            <a:r>
+              <a:rPr lang="en-US" b="1" dirty="0" err="1">
+                <a:solidFill>
+                  <a:schemeClr val="bg1"/>
+                </a:solidFill>
+              </a:rPr>
+              <a:t>Tocken</a:t>
+            </a:r>
+            <a:r>
+              <a:rPr lang="en-US" b="1" dirty="0">
+                <a:solidFill>
+                  <a:schemeClr val="bg1"/>
+                </a:solidFill>
+              </a:rPr>
+              <a:t> based authorization </a:t>
+            </a:r>
+          </a:p>
+          <a:p>
+            <a:r>
+              <a:rPr lang="en-US" b="1" dirty="0">
+                <a:solidFill>
+                  <a:schemeClr val="bg1"/>
+                </a:solidFill>
+              </a:rPr>
+              <a:t>	Delegate access without user/</a:t>
+            </a:r>
+            <a:r>
+              <a:rPr lang="en-US" b="1" dirty="0" err="1">
+                <a:solidFill>
+                  <a:schemeClr val="bg1"/>
+                </a:solidFill>
+              </a:rPr>
+              <a:t>pwd</a:t>
+            </a:r>
+            <a:endParaRPr lang="en-US" b="1" dirty="0">
+              <a:solidFill>
+                <a:schemeClr val="bg1"/>
+              </a:solidFill>
+            </a:endParaRPr>
+          </a:p>
+          <a:p>
+            <a:r>
+              <a:rPr lang="en-US" b="1" dirty="0">
+                <a:solidFill>
+                  <a:schemeClr val="bg1"/>
+                </a:solidFill>
+              </a:rPr>
+              <a:t>	Grant access to a client to perform certain operation on behalf of user.</a:t>
+            </a:r>
+          </a:p>
+          <a:p>
+            <a:r>
+              <a:rPr lang="en-US" b="1" dirty="0">
+                <a:solidFill>
+                  <a:schemeClr val="bg1"/>
+                </a:solidFill>
+              </a:rPr>
+              <a:t>	Not authentication of user.</a:t>
+            </a:r>
+          </a:p>
+          <a:p>
+            <a:r>
+              <a:rPr lang="en-US" b="1" dirty="0">
+                <a:solidFill>
+                  <a:schemeClr val="bg1"/>
+                </a:solidFill>
+              </a:rPr>
+              <a:t>	Only authorization</a:t>
+            </a:r>
+          </a:p>
+          <a:p>
+            <a:r>
+              <a:rPr lang="en-US" b="1" dirty="0">
+                <a:solidFill>
+                  <a:schemeClr val="bg1"/>
+                </a:solidFill>
+              </a:rPr>
+              <a:t>	3rd party </a:t>
+            </a:r>
+            <a:r>
+              <a:rPr lang="en-US" b="1" dirty="0" err="1">
+                <a:solidFill>
+                  <a:schemeClr val="bg1"/>
+                </a:solidFill>
+              </a:rPr>
+              <a:t>oAuth</a:t>
+            </a:r>
+            <a:r>
+              <a:rPr lang="en-US" b="1" dirty="0">
+                <a:solidFill>
+                  <a:schemeClr val="bg1"/>
+                </a:solidFill>
+              </a:rPr>
+              <a:t> providers such as Google, fb, </a:t>
+            </a:r>
+            <a:r>
+              <a:rPr lang="en-US" b="1" dirty="0" err="1">
+                <a:solidFill>
+                  <a:schemeClr val="bg1"/>
+                </a:solidFill>
+              </a:rPr>
+              <a:t>github</a:t>
+            </a:r>
+            <a:r>
+              <a:rPr lang="en-US" b="1" dirty="0">
+                <a:solidFill>
+                  <a:schemeClr val="bg1"/>
+                </a:solidFill>
+              </a:rPr>
+              <a:t> </a:t>
+            </a:r>
+            <a:r>
+              <a:rPr lang="en-US" b="1" dirty="0" err="1">
+                <a:solidFill>
+                  <a:schemeClr val="bg1"/>
+                </a:solidFill>
+              </a:rPr>
+              <a:t>ect</a:t>
+            </a:r>
+            <a:r>
+              <a:rPr lang="en-US" b="1" dirty="0">
+                <a:solidFill>
+                  <a:schemeClr val="bg1"/>
+                </a:solidFill>
+              </a:rPr>
+              <a:t>..</a:t>
+            </a:r>
+          </a:p>
+          <a:p>
+            <a:r>
+              <a:rPr lang="en-US" b="1" dirty="0">
+                <a:solidFill>
+                  <a:schemeClr val="bg1"/>
+                </a:solidFill>
+              </a:rPr>
+              <a:t>JWTs are JSON data, encoded as a string, and cryptographically signed.</a:t>
+            </a:r>
+          </a:p>
+          <a:p>
+            <a:r>
+              <a:rPr lang="en-US" b="1" dirty="0">
+                <a:solidFill>
+                  <a:schemeClr val="bg1"/>
+                </a:solidFill>
+              </a:rPr>
+              <a:t>	</a:t>
+            </a:r>
+            <a:r>
+              <a:rPr lang="en-US" b="1" dirty="0" err="1">
+                <a:solidFill>
+                  <a:schemeClr val="bg1"/>
+                </a:solidFill>
+              </a:rPr>
+              <a:t>Unquely</a:t>
+            </a:r>
+            <a:r>
+              <a:rPr lang="en-US" b="1" dirty="0">
+                <a:solidFill>
+                  <a:schemeClr val="bg1"/>
+                </a:solidFill>
+              </a:rPr>
+              <a:t> identify a resource using JWT</a:t>
+            </a:r>
+          </a:p>
+          <a:p>
+            <a:r>
+              <a:rPr lang="en-US" b="1" dirty="0">
+                <a:solidFill>
+                  <a:schemeClr val="bg1"/>
+                </a:solidFill>
+              </a:rPr>
+              <a:t>Assume I’m blind and hard of hearing. </a:t>
+            </a:r>
+          </a:p>
+          <a:p>
+            <a:r>
+              <a:rPr lang="en-US" b="1" dirty="0">
+                <a:solidFill>
+                  <a:schemeClr val="bg1"/>
+                </a:solidFill>
+              </a:rPr>
+              <a:t>	Last week you bought me lunch, </a:t>
+            </a:r>
+          </a:p>
+          <a:p>
+            <a:r>
+              <a:rPr lang="en-US" b="1" dirty="0">
+                <a:solidFill>
+                  <a:schemeClr val="bg1"/>
+                </a:solidFill>
+              </a:rPr>
+              <a:t>	Now I need your </a:t>
+            </a:r>
+            <a:r>
+              <a:rPr lang="en-US" b="1" dirty="0" err="1">
+                <a:solidFill>
+                  <a:schemeClr val="bg1"/>
+                </a:solidFill>
+              </a:rPr>
+              <a:t>paytm</a:t>
+            </a:r>
+            <a:r>
+              <a:rPr lang="en-US" b="1" dirty="0">
+                <a:solidFill>
+                  <a:schemeClr val="bg1"/>
+                </a:solidFill>
+              </a:rPr>
+              <a:t> address to pay you back. </a:t>
+            </a:r>
+          </a:p>
+          <a:p>
+            <a:r>
+              <a:rPr lang="en-US" b="1" dirty="0">
+                <a:solidFill>
+                  <a:schemeClr val="bg1"/>
+                </a:solidFill>
+              </a:rPr>
+              <a:t>	If I ask you for your </a:t>
+            </a:r>
+            <a:r>
+              <a:rPr lang="en-US" b="1" dirty="0" err="1">
+                <a:solidFill>
+                  <a:schemeClr val="bg1"/>
+                </a:solidFill>
+              </a:rPr>
+              <a:t>paytm</a:t>
+            </a:r>
+            <a:r>
+              <a:rPr lang="en-US" b="1" dirty="0">
+                <a:solidFill>
+                  <a:schemeClr val="bg1"/>
+                </a:solidFill>
+              </a:rPr>
+              <a:t> address in person, </a:t>
+            </a:r>
+          </a:p>
+          <a:p>
+            <a:r>
+              <a:rPr lang="en-US" b="1" dirty="0">
+                <a:solidFill>
+                  <a:schemeClr val="bg1"/>
+                </a:solidFill>
+              </a:rPr>
+              <a:t>		someone else calls me and share their </a:t>
+            </a:r>
+            <a:r>
+              <a:rPr lang="en-US" b="1" dirty="0" err="1">
+                <a:solidFill>
+                  <a:schemeClr val="bg1"/>
+                </a:solidFill>
+              </a:rPr>
+              <a:t>paytm</a:t>
+            </a:r>
+            <a:r>
+              <a:rPr lang="en-US" b="1" dirty="0">
+                <a:solidFill>
+                  <a:schemeClr val="bg1"/>
+                </a:solidFill>
+              </a:rPr>
+              <a:t> address, </a:t>
+            </a:r>
+          </a:p>
+          <a:p>
+            <a:r>
+              <a:rPr lang="en-US" b="1" dirty="0">
+                <a:solidFill>
+                  <a:schemeClr val="bg1"/>
+                </a:solidFill>
+              </a:rPr>
+              <a:t>		I might accidentally send them the money I owe you.</a:t>
+            </a:r>
+          </a:p>
+          <a:p>
+            <a:r>
+              <a:rPr lang="en-US" b="1" dirty="0">
+                <a:solidFill>
+                  <a:schemeClr val="bg1"/>
+                </a:solidFill>
+              </a:rPr>
+              <a:t>	Instead if I gave you a unique number when </a:t>
+            </a:r>
+            <a:r>
+              <a:rPr lang="en-US" b="1" dirty="0" err="1">
+                <a:solidFill>
+                  <a:schemeClr val="bg1"/>
+                </a:solidFill>
+              </a:rPr>
+              <a:t>i</a:t>
+            </a:r>
+            <a:r>
+              <a:rPr lang="en-US" b="1" dirty="0">
+                <a:solidFill>
+                  <a:schemeClr val="bg1"/>
+                </a:solidFill>
+              </a:rPr>
+              <a:t> bought you lunch.</a:t>
+            </a:r>
+          </a:p>
+          <a:p>
+            <a:r>
+              <a:rPr lang="en-US" b="1" dirty="0">
+                <a:solidFill>
+                  <a:schemeClr val="bg1"/>
+                </a:solidFill>
+              </a:rPr>
+              <a:t>		Now you need to share the unique number along.</a:t>
+            </a:r>
+          </a:p>
         </p:txBody>
       </p:sp>
     </p:spTree>
     <p:extLst>
       <p:ext uri="{BB962C8B-B14F-4D97-AF65-F5344CB8AC3E}">
-        <p14:creationId xmlns:p14="http://schemas.microsoft.com/office/powerpoint/2010/main" val="4182056134"/>
+        <p14:creationId xmlns:p14="http://schemas.microsoft.com/office/powerpoint/2010/main" val="1131344006"/>
       </p:ext>
     </p:extLst>
   </p:cSld>
@@ -10161,7 +10310,7 @@
                   <a:schemeClr val="bg1"/>
                 </a:solidFill>
               </a:rPr>
-              <a:t>Use Access and Identity Tokens</a:t>
+              <a:t>Encrypt and Protect Secrets</a:t>
             </a:r>
           </a:p>
         </p:txBody>
@@ -10181,7 +10330,7 @@
         <p:spPr>
           <a:xfrm>
             <a:off x="838200" y="1516976"/>
-            <a:ext cx="10515600" cy="5355312"/>
+            <a:ext cx="10515600" cy="4524315"/>
           </a:xfrm>
           <a:prstGeom prst="rect">
             <a:avLst/>
@@ -10195,359 +10344,178 @@
           <a:lstStyle/>
           <a:p>
             <a:r>
+              <a:rPr lang="en-US" b="1" dirty="0">
+                <a:solidFill>
+                  <a:schemeClr val="bg1"/>
+                </a:solidFill>
+              </a:rPr>
+              <a:t>Generally microservices authenticates using an API key / tokens (JWT, PASTEO)</a:t>
+            </a:r>
+          </a:p>
+          <a:p>
+            <a:r>
+              <a:rPr lang="en-US" b="1" dirty="0">
+                <a:solidFill>
+                  <a:schemeClr val="bg1"/>
+                </a:solidFill>
+              </a:rPr>
+              <a:t>Rule 1</a:t>
+            </a:r>
+          </a:p>
+          <a:p>
+            <a:r>
+              <a:rPr lang="en-US" b="1" dirty="0">
+                <a:solidFill>
+                  <a:schemeClr val="bg1"/>
+                </a:solidFill>
+              </a:rPr>
+              <a:t>	Don’t check key into even private source control. </a:t>
+            </a:r>
+          </a:p>
+          <a:p>
+            <a:r>
+              <a:rPr lang="en-US" b="1" dirty="0">
+                <a:solidFill>
+                  <a:schemeClr val="bg1"/>
+                </a:solidFill>
+              </a:rPr>
+              <a:t>	Encrypt secrets </a:t>
+            </a:r>
+          </a:p>
+          <a:p>
+            <a:r>
+              <a:rPr lang="en-US" b="1" dirty="0">
+                <a:solidFill>
+                  <a:schemeClr val="bg1"/>
+                </a:solidFill>
+              </a:rPr>
+              <a:t>	Store in </a:t>
+            </a:r>
+            <a:r>
               <a:rPr lang="en-US" b="1" dirty="0" err="1">
                 <a:solidFill>
                   <a:schemeClr val="bg1"/>
                 </a:solidFill>
               </a:rPr>
-              <a:t>Oauth</a:t>
-            </a:r>
-            <a:r>
-              <a:rPr lang="en-US" b="1" dirty="0">
-                <a:solidFill>
-                  <a:schemeClr val="bg1"/>
-                </a:solidFill>
-              </a:rPr>
-              <a:t> and JWT are really famous token systems. Use them.</a:t>
-            </a:r>
-          </a:p>
-          <a:p>
-            <a:endParaRPr lang="en-US" b="1" dirty="0">
-              <a:solidFill>
-                <a:schemeClr val="bg1"/>
-              </a:solidFill>
-            </a:endParaRPr>
-          </a:p>
-          <a:p>
-            <a:r>
-              <a:rPr lang="en-US" b="1" dirty="0" err="1">
-                <a:solidFill>
-                  <a:schemeClr val="bg1"/>
-                </a:solidFill>
-              </a:rPr>
-              <a:t>oAuth</a:t>
-            </a:r>
-            <a:endParaRPr lang="en-US" b="1" dirty="0">
-              <a:solidFill>
-                <a:schemeClr val="bg1"/>
-              </a:solidFill>
-            </a:endParaRPr>
-          </a:p>
-          <a:p>
-            <a:r>
-              <a:rPr lang="en-US" b="1" dirty="0">
-                <a:solidFill>
-                  <a:schemeClr val="bg1"/>
-                </a:solidFill>
-              </a:rPr>
-              <a:t>	</a:t>
-            </a:r>
-            <a:r>
-              <a:rPr lang="en-US" b="1" dirty="0" err="1">
-                <a:solidFill>
-                  <a:schemeClr val="bg1"/>
-                </a:solidFill>
-              </a:rPr>
-              <a:t>Tocken</a:t>
-            </a:r>
-            <a:r>
-              <a:rPr lang="en-US" b="1" dirty="0">
-                <a:solidFill>
-                  <a:schemeClr val="bg1"/>
-                </a:solidFill>
-              </a:rPr>
-              <a:t> based authorization </a:t>
-            </a:r>
-          </a:p>
-          <a:p>
-            <a:r>
-              <a:rPr lang="en-US" b="1" dirty="0">
-                <a:solidFill>
-                  <a:schemeClr val="bg1"/>
-                </a:solidFill>
-              </a:rPr>
-              <a:t>	Delegate access without user/</a:t>
-            </a:r>
-            <a:r>
-              <a:rPr lang="en-US" b="1" dirty="0" err="1">
-                <a:solidFill>
-                  <a:schemeClr val="bg1"/>
-                </a:solidFill>
-              </a:rPr>
-              <a:t>pwd</a:t>
-            </a:r>
-            <a:endParaRPr lang="en-US" b="1" dirty="0">
-              <a:solidFill>
-                <a:schemeClr val="bg1"/>
-              </a:solidFill>
-            </a:endParaRPr>
-          </a:p>
-          <a:p>
-            <a:r>
-              <a:rPr lang="en-US" b="1" dirty="0">
-                <a:solidFill>
-                  <a:schemeClr val="bg1"/>
-                </a:solidFill>
-              </a:rPr>
-              <a:t>	Grant access to a client to perform certain operation on behalf of user.</a:t>
-            </a:r>
-          </a:p>
-          <a:p>
-            <a:r>
-              <a:rPr lang="en-US" b="1" dirty="0">
-                <a:solidFill>
-                  <a:schemeClr val="bg1"/>
-                </a:solidFill>
-              </a:rPr>
-              <a:t>	Not authentication of user.</a:t>
-            </a:r>
-          </a:p>
-          <a:p>
-            <a:r>
-              <a:rPr lang="en-US" b="1" dirty="0">
-                <a:solidFill>
-                  <a:schemeClr val="bg1"/>
-                </a:solidFill>
-              </a:rPr>
-              <a:t>	Only authorization</a:t>
-            </a:r>
-          </a:p>
-          <a:p>
-            <a:r>
-              <a:rPr lang="en-US" b="1" dirty="0">
-                <a:solidFill>
-                  <a:schemeClr val="bg1"/>
-                </a:solidFill>
-              </a:rPr>
-              <a:t>	3rd party </a:t>
-            </a:r>
-            <a:r>
-              <a:rPr lang="en-US" b="1" dirty="0" err="1">
-                <a:solidFill>
-                  <a:schemeClr val="bg1"/>
-                </a:solidFill>
-              </a:rPr>
-              <a:t>oAuth</a:t>
-            </a:r>
-            <a:r>
-              <a:rPr lang="en-US" b="1" dirty="0">
-                <a:solidFill>
-                  <a:schemeClr val="bg1"/>
-                </a:solidFill>
-              </a:rPr>
-              <a:t> providers such as Google, fb, </a:t>
-            </a:r>
-            <a:r>
-              <a:rPr lang="en-US" b="1" dirty="0" err="1">
-                <a:solidFill>
-                  <a:schemeClr val="bg1"/>
-                </a:solidFill>
-              </a:rPr>
-              <a:t>github</a:t>
-            </a:r>
-            <a:r>
-              <a:rPr lang="en-US" b="1" dirty="0">
-                <a:solidFill>
-                  <a:schemeClr val="bg1"/>
-                </a:solidFill>
-              </a:rPr>
-              <a:t> </a:t>
-            </a:r>
-            <a:r>
-              <a:rPr lang="en-US" b="1" dirty="0" err="1">
-                <a:solidFill>
-                  <a:schemeClr val="bg1"/>
-                </a:solidFill>
-              </a:rPr>
-              <a:t>ect</a:t>
-            </a:r>
-            <a:r>
-              <a:rPr lang="en-US" b="1" dirty="0">
-                <a:solidFill>
-                  <a:schemeClr val="bg1"/>
-                </a:solidFill>
-              </a:rPr>
-              <a:t>..</a:t>
-            </a:r>
-          </a:p>
-          <a:p>
-            <a:r>
-              <a:rPr lang="en-US" b="1" dirty="0">
-                <a:solidFill>
-                  <a:schemeClr val="bg1"/>
-                </a:solidFill>
-              </a:rPr>
-              <a:t>JWTs are JSON data, encoded as a string, and cryptographically signed.</a:t>
-            </a:r>
-          </a:p>
-          <a:p>
-            <a:r>
-              <a:rPr lang="en-US" b="1" dirty="0">
-                <a:solidFill>
-                  <a:schemeClr val="bg1"/>
-                </a:solidFill>
-              </a:rPr>
-              <a:t>	</a:t>
-            </a:r>
-            <a:r>
-              <a:rPr lang="en-US" b="1" dirty="0" err="1">
-                <a:solidFill>
-                  <a:schemeClr val="bg1"/>
-                </a:solidFill>
-              </a:rPr>
-              <a:t>Unquely</a:t>
-            </a:r>
-            <a:r>
-              <a:rPr lang="en-US" b="1" dirty="0">
-                <a:solidFill>
-                  <a:schemeClr val="bg1"/>
-                </a:solidFill>
-              </a:rPr>
-              <a:t> identify a resource using JWT</a:t>
-            </a:r>
-          </a:p>
-          <a:p>
-            <a:r>
-              <a:rPr lang="en-US" b="1" dirty="0">
-                <a:solidFill>
-                  <a:schemeClr val="bg1"/>
-                </a:solidFill>
-              </a:rPr>
-              <a:t>Assume I’m blind and hard of hearing. </a:t>
-            </a:r>
-          </a:p>
-          <a:p>
-            <a:r>
-              <a:rPr lang="en-US" b="1" dirty="0">
-                <a:solidFill>
-                  <a:schemeClr val="bg1"/>
-                </a:solidFill>
-              </a:rPr>
-              <a:t>	Last week you bought me lunch, </a:t>
-            </a:r>
-          </a:p>
-          <a:p>
-            <a:r>
-              <a:rPr lang="en-US" b="1" dirty="0">
-                <a:solidFill>
-                  <a:schemeClr val="bg1"/>
-                </a:solidFill>
-              </a:rPr>
-              <a:t>	Now I need your </a:t>
-            </a:r>
-            <a:r>
-              <a:rPr lang="en-US" b="1" dirty="0" err="1">
-                <a:solidFill>
-                  <a:schemeClr val="bg1"/>
-                </a:solidFill>
-              </a:rPr>
-              <a:t>paytm</a:t>
-            </a:r>
-            <a:r>
-              <a:rPr lang="en-US" b="1" dirty="0">
-                <a:solidFill>
-                  <a:schemeClr val="bg1"/>
-                </a:solidFill>
-              </a:rPr>
-              <a:t> address to pay you back. </a:t>
-            </a:r>
-          </a:p>
-          <a:p>
-            <a:r>
-              <a:rPr lang="en-US" b="1" dirty="0">
-                <a:solidFill>
-                  <a:schemeClr val="bg1"/>
-                </a:solidFill>
-              </a:rPr>
-              <a:t>	If I ask you for your </a:t>
-            </a:r>
-            <a:r>
-              <a:rPr lang="en-US" b="1" dirty="0" err="1">
-                <a:solidFill>
-                  <a:schemeClr val="bg1"/>
-                </a:solidFill>
-              </a:rPr>
-              <a:t>paytm</a:t>
-            </a:r>
-            <a:r>
-              <a:rPr lang="en-US" b="1" dirty="0">
-                <a:solidFill>
-                  <a:schemeClr val="bg1"/>
-                </a:solidFill>
-              </a:rPr>
-              <a:t> address in person, </a:t>
-            </a:r>
-          </a:p>
-          <a:p>
-            <a:r>
-              <a:rPr lang="en-US" b="1" dirty="0">
-                <a:solidFill>
-                  <a:schemeClr val="bg1"/>
-                </a:solidFill>
-              </a:rPr>
-              <a:t>		someone else calls me and share their </a:t>
-            </a:r>
-            <a:r>
-              <a:rPr lang="en-US" b="1" dirty="0" err="1">
-                <a:solidFill>
-                  <a:schemeClr val="bg1"/>
-                </a:solidFill>
-              </a:rPr>
-              <a:t>paytm</a:t>
-            </a:r>
-            <a:r>
-              <a:rPr lang="en-US" b="1" dirty="0">
-                <a:solidFill>
-                  <a:schemeClr val="bg1"/>
-                </a:solidFill>
-              </a:rPr>
-              <a:t> address, </a:t>
-            </a:r>
-          </a:p>
-          <a:p>
-            <a:r>
-              <a:rPr lang="en-US" b="1" dirty="0">
-                <a:solidFill>
-                  <a:schemeClr val="bg1"/>
-                </a:solidFill>
-              </a:rPr>
-              <a:t>		I might accidentally send them the money I owe you.</a:t>
-            </a:r>
-          </a:p>
-          <a:p>
-            <a:r>
-              <a:rPr lang="en-US" b="1" dirty="0">
-                <a:solidFill>
-                  <a:schemeClr val="bg1"/>
-                </a:solidFill>
-              </a:rPr>
-              <a:t>	Instead if I gave you a unique number when </a:t>
-            </a:r>
-            <a:r>
-              <a:rPr lang="en-US" b="1" dirty="0" err="1">
-                <a:solidFill>
-                  <a:schemeClr val="bg1"/>
-                </a:solidFill>
-              </a:rPr>
-              <a:t>i</a:t>
-            </a:r>
-            <a:r>
-              <a:rPr lang="en-US" b="1" dirty="0">
-                <a:solidFill>
-                  <a:schemeClr val="bg1"/>
-                </a:solidFill>
-              </a:rPr>
-              <a:t> bought you lunch.</a:t>
-            </a:r>
-          </a:p>
-          <a:p>
-            <a:r>
-              <a:rPr lang="en-US" b="1" dirty="0">
-                <a:solidFill>
-                  <a:schemeClr val="bg1"/>
-                </a:solidFill>
-              </a:rPr>
-              <a:t>		Now you need to share the unique number along.</a:t>
+              <a:t>Hashicorp</a:t>
+            </a:r>
+            <a:r>
+              <a:rPr lang="en-US" b="1" dirty="0">
+                <a:solidFill>
+                  <a:schemeClr val="bg1"/>
+                </a:solidFill>
+              </a:rPr>
+              <a:t> Vault or Spring Vault or Amazon KMS</a:t>
+            </a:r>
+          </a:p>
+          <a:p>
+            <a:r>
+              <a:rPr lang="en-US" b="1" dirty="0">
+                <a:solidFill>
+                  <a:schemeClr val="bg1"/>
+                </a:solidFill>
+              </a:rPr>
+              <a:t>Amazon KMS</a:t>
+            </a:r>
+          </a:p>
+          <a:p>
+            <a:r>
+              <a:rPr lang="en-US" b="1" dirty="0">
+                <a:solidFill>
+                  <a:schemeClr val="bg1"/>
+                </a:solidFill>
+              </a:rPr>
+              <a:t>	You generate a master key using KMS</a:t>
+            </a:r>
+          </a:p>
+          <a:p>
+            <a:r>
+              <a:rPr lang="en-US" b="1" dirty="0">
+                <a:solidFill>
+                  <a:schemeClr val="bg1"/>
+                </a:solidFill>
+              </a:rPr>
+              <a:t>	You want to encrypt data, </a:t>
+            </a:r>
+          </a:p>
+          <a:p>
+            <a:r>
+              <a:rPr lang="en-US" b="1" dirty="0">
+                <a:solidFill>
+                  <a:schemeClr val="bg1"/>
+                </a:solidFill>
+              </a:rPr>
+              <a:t>	You ask AWS to generate a new data key for you. </a:t>
+            </a:r>
+          </a:p>
+          <a:p>
+            <a:r>
+              <a:rPr lang="en-US" b="1" dirty="0">
+                <a:solidFill>
+                  <a:schemeClr val="bg1"/>
+                </a:solidFill>
+              </a:rPr>
+              <a:t>	A data key is a unique encryption key AWS generates for each piece of data you need to encrypt.</a:t>
+            </a:r>
+          </a:p>
+          <a:p>
+            <a:r>
+              <a:rPr lang="en-US" b="1" dirty="0">
+                <a:solidFill>
+                  <a:schemeClr val="bg1"/>
+                </a:solidFill>
+              </a:rPr>
+              <a:t>	You then encrypt your data using the data key</a:t>
+            </a:r>
+          </a:p>
+          <a:p>
+            <a:r>
+              <a:rPr lang="en-US" b="1" dirty="0">
+                <a:solidFill>
+                  <a:schemeClr val="bg1"/>
+                </a:solidFill>
+              </a:rPr>
+              <a:t>	Amazon will then encrypt your data key using the master key</a:t>
+            </a:r>
+          </a:p>
+          <a:p>
+            <a:r>
+              <a:rPr lang="en-US" b="1" dirty="0">
+                <a:solidFill>
+                  <a:schemeClr val="bg1"/>
+                </a:solidFill>
+              </a:rPr>
+              <a:t>	You merge the encrypted data key with the encrypted data to create an encrypted message. </a:t>
+            </a:r>
+          </a:p>
+          <a:p>
+            <a:r>
+              <a:rPr lang="en-US" b="1" dirty="0">
+                <a:solidFill>
+                  <a:schemeClr val="bg1"/>
+                </a:solidFill>
+              </a:rPr>
+              <a:t>	The encrypted message is your final output, </a:t>
+            </a:r>
+          </a:p>
+          <a:p>
+            <a:r>
+              <a:rPr lang="en-US" b="1" dirty="0">
+                <a:solidFill>
+                  <a:schemeClr val="bg1"/>
+                </a:solidFill>
+              </a:rPr>
+              <a:t>	which is what you would store as a file or in a database.</a:t>
+            </a:r>
+          </a:p>
+          <a:p>
+            <a:r>
+              <a:rPr lang="en-US" b="1" dirty="0">
+                <a:solidFill>
+                  <a:schemeClr val="bg1"/>
+                </a:solidFill>
+              </a:rPr>
+              <a:t>Alternatively you can use Azure Key Vaults</a:t>
             </a:r>
           </a:p>
         </p:txBody>
@@ -10555,7 +10523,7 @@
     </p:spTree>
     <p:extLst>
       <p:ext uri="{BB962C8B-B14F-4D97-AF65-F5344CB8AC3E}">
-        <p14:creationId xmlns:p14="http://schemas.microsoft.com/office/powerpoint/2010/main" val="1131344006"/>
+        <p14:creationId xmlns:p14="http://schemas.microsoft.com/office/powerpoint/2010/main" val="118816738"/>
       </p:ext>
     </p:extLst>
   </p:cSld>
@@ -10625,7 +10593,7 @@
                   <a:schemeClr val="bg1"/>
                 </a:solidFill>
               </a:rPr>
-              <a:t>Encrypt and Protect Secrets</a:t>
+              <a:t>Verify Security with Delivery Pipelines</a:t>
             </a:r>
           </a:p>
         </p:txBody>
@@ -10645,7 +10613,7 @@
         <p:spPr>
           <a:xfrm>
             <a:off x="838200" y="1516976"/>
-            <a:ext cx="10515600" cy="4524315"/>
+            <a:ext cx="10515600" cy="1754326"/>
           </a:xfrm>
           <a:prstGeom prst="rect">
             <a:avLst/>
@@ -10664,181 +10632,62 @@
                   <a:schemeClr val="bg1"/>
                 </a:solidFill>
               </a:rPr>
-              <a:t>Generally microservices authenticates using an API key / tokens (JWT, PASTEO)</a:t>
-            </a:r>
-          </a:p>
-          <a:p>
-            <a:r>
-              <a:rPr lang="en-US" b="1" dirty="0">
-                <a:solidFill>
-                  <a:schemeClr val="bg1"/>
-                </a:solidFill>
-              </a:rPr>
-              <a:t>Rule 1</a:t>
-            </a:r>
-          </a:p>
-          <a:p>
-            <a:r>
-              <a:rPr lang="en-US" b="1" dirty="0">
-                <a:solidFill>
-                  <a:schemeClr val="bg1"/>
-                </a:solidFill>
-              </a:rPr>
-              <a:t>	Don’t check key into even private source control. </a:t>
-            </a:r>
-          </a:p>
-          <a:p>
-            <a:r>
-              <a:rPr lang="en-US" b="1" dirty="0">
-                <a:solidFill>
-                  <a:schemeClr val="bg1"/>
-                </a:solidFill>
-              </a:rPr>
-              <a:t>	Encrypt secrets </a:t>
-            </a:r>
-          </a:p>
-          <a:p>
-            <a:r>
-              <a:rPr lang="en-US" b="1" dirty="0">
-                <a:solidFill>
-                  <a:schemeClr val="bg1"/>
-                </a:solidFill>
-              </a:rPr>
-              <a:t>	Store in </a:t>
-            </a:r>
-            <a:r>
-              <a:rPr lang="en-US" b="1" dirty="0" err="1">
-                <a:solidFill>
-                  <a:schemeClr val="bg1"/>
-                </a:solidFill>
-              </a:rPr>
-              <a:t>Hashicorp</a:t>
-            </a:r>
-            <a:r>
-              <a:rPr lang="en-US" b="1" dirty="0">
-                <a:solidFill>
-                  <a:schemeClr val="bg1"/>
-                </a:solidFill>
-              </a:rPr>
-              <a:t> Vault or Spring Vault or Amazon KMS</a:t>
-            </a:r>
-          </a:p>
-          <a:p>
-            <a:r>
-              <a:rPr lang="en-US" b="1" dirty="0">
-                <a:solidFill>
-                  <a:schemeClr val="bg1"/>
-                </a:solidFill>
-              </a:rPr>
-              <a:t>Amazon KMS</a:t>
-            </a:r>
-          </a:p>
-          <a:p>
-            <a:r>
-              <a:rPr lang="en-US" b="1" dirty="0">
-                <a:solidFill>
-                  <a:schemeClr val="bg1"/>
-                </a:solidFill>
-              </a:rPr>
-              <a:t>	You generate a master key using KMS</a:t>
-            </a:r>
-          </a:p>
-          <a:p>
-            <a:r>
-              <a:rPr lang="en-US" b="1" dirty="0">
-                <a:solidFill>
-                  <a:schemeClr val="bg1"/>
-                </a:solidFill>
-              </a:rPr>
-              <a:t>	You want to encrypt data, </a:t>
-            </a:r>
-          </a:p>
-          <a:p>
-            <a:r>
-              <a:rPr lang="en-US" b="1" dirty="0">
-                <a:solidFill>
-                  <a:schemeClr val="bg1"/>
-                </a:solidFill>
-              </a:rPr>
-              <a:t>	You ask AWS to generate a new data key for you. </a:t>
-            </a:r>
-          </a:p>
-          <a:p>
-            <a:r>
-              <a:rPr lang="en-US" b="1" dirty="0">
-                <a:solidFill>
-                  <a:schemeClr val="bg1"/>
-                </a:solidFill>
-              </a:rPr>
-              <a:t>	A data key is a unique encryption key AWS generates for each piece of data you need to encrypt.</a:t>
-            </a:r>
-          </a:p>
-          <a:p>
-            <a:r>
-              <a:rPr lang="en-US" b="1" dirty="0">
-                <a:solidFill>
-                  <a:schemeClr val="bg1"/>
-                </a:solidFill>
-              </a:rPr>
-              <a:t>	You then encrypt your data using the data key</a:t>
-            </a:r>
-          </a:p>
-          <a:p>
-            <a:r>
-              <a:rPr lang="en-US" b="1" dirty="0">
-                <a:solidFill>
-                  <a:schemeClr val="bg1"/>
-                </a:solidFill>
-              </a:rPr>
-              <a:t>	Amazon will then encrypt your data key using the master key</a:t>
-            </a:r>
-          </a:p>
-          <a:p>
-            <a:r>
-              <a:rPr lang="en-US" b="1" dirty="0">
-                <a:solidFill>
-                  <a:schemeClr val="bg1"/>
-                </a:solidFill>
-              </a:rPr>
-              <a:t>	You merge the encrypted data key with the encrypted data to create an encrypted message. </a:t>
-            </a:r>
-          </a:p>
-          <a:p>
-            <a:r>
-              <a:rPr lang="en-US" b="1" dirty="0">
-                <a:solidFill>
-                  <a:schemeClr val="bg1"/>
-                </a:solidFill>
-              </a:rPr>
-              <a:t>	The encrypted message is your final output, </a:t>
-            </a:r>
-          </a:p>
-          <a:p>
-            <a:r>
-              <a:rPr lang="en-US" b="1" dirty="0">
-                <a:solidFill>
-                  <a:schemeClr val="bg1"/>
-                </a:solidFill>
-              </a:rPr>
-              <a:t>	which is what you would store as a file or in a database.</a:t>
-            </a:r>
-          </a:p>
-          <a:p>
-            <a:r>
-              <a:rPr lang="en-US" b="1" dirty="0">
-                <a:solidFill>
-                  <a:schemeClr val="bg1"/>
-                </a:solidFill>
-              </a:rPr>
-              <a:t>Alternatively you can use Azure Key Vaults</a:t>
-            </a:r>
+              <a:t>Dependency and container scanning should be part of your source control monitoring system</a:t>
+            </a:r>
+          </a:p>
+          <a:p>
+            <a:r>
+              <a:rPr lang="en-US" b="1" dirty="0">
+                <a:solidFill>
+                  <a:schemeClr val="bg1"/>
+                </a:solidFill>
+              </a:rPr>
+              <a:t>Execute security tests when executing CI/CD.</a:t>
+            </a:r>
+          </a:p>
+          <a:p>
+            <a:r>
+              <a:rPr lang="en-US" b="1" dirty="0">
+                <a:solidFill>
+                  <a:schemeClr val="bg1"/>
+                </a:solidFill>
+              </a:rPr>
+              <a:t>	 security unit tests, </a:t>
+            </a:r>
+          </a:p>
+          <a:p>
+            <a:r>
+              <a:rPr lang="en-US" b="1" dirty="0">
+                <a:solidFill>
+                  <a:schemeClr val="bg1"/>
+                </a:solidFill>
+              </a:rPr>
+              <a:t>	 static analysis security testing (SAST), </a:t>
+            </a:r>
+          </a:p>
+          <a:p>
+            <a:r>
+              <a:rPr lang="en-US" b="1" dirty="0">
+                <a:solidFill>
+                  <a:schemeClr val="bg1"/>
+                </a:solidFill>
+              </a:rPr>
+              <a:t>	 dynamic analysis security testing (DAST).</a:t>
+            </a:r>
+          </a:p>
+          <a:p>
+            <a:endParaRPr lang="en-US" b="1" dirty="0">
+              <a:solidFill>
+                <a:schemeClr val="bg1"/>
+              </a:solidFill>
+            </a:endParaRPr>
           </a:p>
         </p:txBody>
       </p:sp>
     </p:spTree>
     <p:extLst>
       <p:ext uri="{BB962C8B-B14F-4D97-AF65-F5344CB8AC3E}">
-        <p14:creationId xmlns:p14="http://schemas.microsoft.com/office/powerpoint/2010/main" val="118816738"/>
+        <p14:creationId xmlns:p14="http://schemas.microsoft.com/office/powerpoint/2010/main" val="4119130609"/>
       </p:ext>
     </p:extLst>
   </p:cSld>
@@ -10908,7 +10757,7 @@
                   <a:schemeClr val="bg1"/>
                 </a:solidFill>
               </a:rPr>
-              <a:t>Verify Security with Delivery Pipelines</a:t>
+              <a:t>Slow Down Attackers</a:t>
             </a:r>
           </a:p>
         </p:txBody>
@@ -10928,7 +10777,7 @@
         <p:spPr>
           <a:xfrm>
             <a:off x="838200" y="1516976"/>
-            <a:ext cx="10515600" cy="1754326"/>
+            <a:ext cx="10515600" cy="3139321"/>
           </a:xfrm>
           <a:prstGeom prst="rect">
             <a:avLst/>
@@ -10947,47 +10796,103 @@
                   <a:schemeClr val="bg1"/>
                 </a:solidFill>
               </a:rPr>
-              <a:t>Dependency and container scanning should be part of your source control monitoring system</a:t>
-            </a:r>
-          </a:p>
-          <a:p>
-            <a:r>
-              <a:rPr lang="en-US" b="1" dirty="0">
-                <a:solidFill>
-                  <a:schemeClr val="bg1"/>
-                </a:solidFill>
-              </a:rPr>
-              <a:t>Execute security tests when executing CI/CD.</a:t>
-            </a:r>
-          </a:p>
-          <a:p>
-            <a:r>
-              <a:rPr lang="en-US" b="1" dirty="0">
-                <a:solidFill>
-                  <a:schemeClr val="bg1"/>
-                </a:solidFill>
-              </a:rPr>
-              <a:t>	 security unit tests, </a:t>
-            </a:r>
-          </a:p>
-          <a:p>
-            <a:r>
-              <a:rPr lang="en-US" b="1" dirty="0">
-                <a:solidFill>
-                  <a:schemeClr val="bg1"/>
-                </a:solidFill>
-              </a:rPr>
-              <a:t>	 static analysis security testing (SAST), </a:t>
-            </a:r>
-          </a:p>
-          <a:p>
-            <a:r>
-              <a:rPr lang="en-US" b="1" dirty="0">
-                <a:solidFill>
-                  <a:schemeClr val="bg1"/>
-                </a:solidFill>
-              </a:rPr>
-              <a:t>	 dynamic analysis security testing (DAST).</a:t>
+              <a:t>If someone tries to attack your APIs with hundreds of gigs of username/password combinations, </a:t>
+            </a:r>
+          </a:p>
+          <a:p>
+            <a:r>
+              <a:rPr lang="en-US" b="1" dirty="0">
+                <a:solidFill>
+                  <a:schemeClr val="bg1"/>
+                </a:solidFill>
+              </a:rPr>
+              <a:t>It could take a while for them to authenticate successfully. </a:t>
+            </a:r>
+          </a:p>
+          <a:p>
+            <a:r>
+              <a:rPr lang="en-US" b="1" dirty="0">
+                <a:solidFill>
+                  <a:schemeClr val="bg1"/>
+                </a:solidFill>
+              </a:rPr>
+              <a:t>	</a:t>
+            </a:r>
+          </a:p>
+          <a:p>
+            <a:r>
+              <a:rPr lang="en-US" b="1" dirty="0">
+                <a:solidFill>
+                  <a:schemeClr val="bg1"/>
+                </a:solidFill>
+              </a:rPr>
+              <a:t>Detect this attack and slow down your service, </a:t>
+            </a:r>
+          </a:p>
+          <a:p>
+            <a:r>
+              <a:rPr lang="en-US" b="1" dirty="0">
+                <a:solidFill>
+                  <a:schemeClr val="bg1"/>
+                </a:solidFill>
+              </a:rPr>
+              <a:t>	Most likely the attacker will go away. </a:t>
+            </a:r>
+          </a:p>
+          <a:p>
+            <a:r>
+              <a:rPr lang="en-US" b="1" dirty="0">
+                <a:solidFill>
+                  <a:schemeClr val="bg1"/>
+                </a:solidFill>
+              </a:rPr>
+              <a:t>	Simply not worth their time.</a:t>
+            </a:r>
+          </a:p>
+          <a:p>
+            <a:r>
+              <a:rPr lang="en-US" b="1" dirty="0">
+                <a:solidFill>
+                  <a:schemeClr val="bg1"/>
+                </a:solidFill>
+              </a:rPr>
+              <a:t>	You can implement rate-limiting (API rate limiting, email rate limiting </a:t>
+            </a:r>
+            <a:r>
+              <a:rPr lang="en-US" b="1" dirty="0" err="1">
+                <a:solidFill>
+                  <a:schemeClr val="bg1"/>
+                </a:solidFill>
+              </a:rPr>
+              <a:t>etc</a:t>
+            </a:r>
+            <a:r>
+              <a:rPr lang="en-US" b="1" dirty="0">
+                <a:solidFill>
+                  <a:schemeClr val="bg1"/>
+                </a:solidFill>
+              </a:rPr>
+              <a:t>)in your code </a:t>
+            </a:r>
+          </a:p>
+          <a:p>
+            <a:r>
+              <a:rPr lang="en-US" b="1" dirty="0">
+                <a:solidFill>
+                  <a:schemeClr val="bg1"/>
+                </a:solidFill>
+              </a:rPr>
+              <a:t>		(often with an open-source library) or </a:t>
+            </a:r>
+          </a:p>
+          <a:p>
+            <a:r>
+              <a:rPr lang="en-US" b="1" dirty="0">
+                <a:solidFill>
+                  <a:schemeClr val="bg1"/>
+                </a:solidFill>
+              </a:rPr>
+              <a:t>		your API Gateway or third party software. </a:t>
             </a:r>
           </a:p>
           <a:p>
@@ -10997,12 +10902,19 @@
               </a:solidFill>
             </a:endParaRPr>
           </a:p>
+          <a:p>
+            <a:endParaRPr lang="en-US" b="1" dirty="0">
+              <a:solidFill>
+                <a:schemeClr val="bg1"/>
+              </a:solidFill>
+            </a:endParaRPr>
+          </a:p>
         </p:txBody>
       </p:sp>
     </p:spTree>
     <p:extLst>
       <p:ext uri="{BB962C8B-B14F-4D97-AF65-F5344CB8AC3E}">
-        <p14:creationId xmlns:p14="http://schemas.microsoft.com/office/powerpoint/2010/main" val="4119130609"/>
+        <p14:creationId xmlns:p14="http://schemas.microsoft.com/office/powerpoint/2010/main" val="3884806925"/>
       </p:ext>
     </p:extLst>
   </p:cSld>
@@ -11072,7 +10984,7 @@
                   <a:schemeClr val="bg1"/>
                 </a:solidFill>
               </a:rPr>
-              <a:t>Slow Down Attackers</a:t>
+              <a:t>Don’t Use Docker Rootless Mode</a:t>
             </a:r>
           </a:p>
         </p:txBody>
@@ -11092,7 +11004,7 @@
         <p:spPr>
           <a:xfrm>
             <a:off x="838200" y="1516976"/>
-            <a:ext cx="10515600" cy="3139321"/>
+            <a:ext cx="10515600" cy="369332"/>
           </a:xfrm>
           <a:prstGeom prst="rect">
             <a:avLst/>
@@ -11111,125 +11023,15 @@
                   <a:schemeClr val="bg1"/>
                 </a:solidFill>
               </a:rPr>
-              <a:t>If someone tries to attack your APIs with hundreds of gigs of username/password combinations, </a:t>
-            </a:r>
-          </a:p>
-          <a:p>
-            <a:r>
-              <a:rPr lang="en-US" b="1" dirty="0">
-                <a:solidFill>
-                  <a:schemeClr val="bg1"/>
-                </a:solidFill>
-              </a:rPr>
-              <a:t>It could take a while for them to authenticate successfully. </a:t>
-            </a:r>
-          </a:p>
-          <a:p>
-            <a:r>
-              <a:rPr lang="en-US" b="1" dirty="0">
-                <a:solidFill>
-                  <a:schemeClr val="bg1"/>
-                </a:solidFill>
-              </a:rPr>
-              <a:t>	</a:t>
-            </a:r>
-          </a:p>
-          <a:p>
-            <a:r>
-              <a:rPr lang="en-US" b="1" dirty="0">
-                <a:solidFill>
-                  <a:schemeClr val="bg1"/>
-                </a:solidFill>
-              </a:rPr>
-              <a:t>Detect this attack and slow down your service, </a:t>
-            </a:r>
-          </a:p>
-          <a:p>
-            <a:r>
-              <a:rPr lang="en-US" b="1" dirty="0">
-                <a:solidFill>
-                  <a:schemeClr val="bg1"/>
-                </a:solidFill>
-              </a:rPr>
-              <a:t>	Most likely the attacker will go away. </a:t>
-            </a:r>
-          </a:p>
-          <a:p>
-            <a:r>
-              <a:rPr lang="en-US" b="1" dirty="0">
-                <a:solidFill>
-                  <a:schemeClr val="bg1"/>
-                </a:solidFill>
-              </a:rPr>
-              <a:t>	Simply not worth their time.</a:t>
-            </a:r>
-          </a:p>
-          <a:p>
-            <a:r>
-              <a:rPr lang="en-US" b="1" dirty="0">
-                <a:solidFill>
-                  <a:schemeClr val="bg1"/>
-                </a:solidFill>
-              </a:rPr>
-              <a:t>	You can implement rate-limiting (API rate limiting, email rate limiting </a:t>
-            </a:r>
-            <a:r>
-              <a:rPr lang="en-US" b="1" dirty="0" err="1">
-                <a:solidFill>
-                  <a:schemeClr val="bg1"/>
-                </a:solidFill>
-              </a:rPr>
-              <a:t>etc</a:t>
-            </a:r>
-            <a:r>
-              <a:rPr lang="en-US" b="1" dirty="0">
-                <a:solidFill>
-                  <a:schemeClr val="bg1"/>
-                </a:solidFill>
-              </a:rPr>
-              <a:t>)in your code </a:t>
-            </a:r>
-          </a:p>
-          <a:p>
-            <a:r>
-              <a:rPr lang="en-US" b="1" dirty="0">
-                <a:solidFill>
-                  <a:schemeClr val="bg1"/>
-                </a:solidFill>
-              </a:rPr>
-              <a:t>		(often with an open-source library) or </a:t>
-            </a:r>
-          </a:p>
-          <a:p>
-            <a:r>
-              <a:rPr lang="en-US" b="1" dirty="0">
-                <a:solidFill>
-                  <a:schemeClr val="bg1"/>
-                </a:solidFill>
-              </a:rPr>
-              <a:t>		your API Gateway or third party software. </a:t>
-            </a:r>
-          </a:p>
-          <a:p>
-            <a:endParaRPr lang="en-US" b="1" dirty="0">
-              <a:solidFill>
-                <a:schemeClr val="bg1"/>
-              </a:solidFill>
-            </a:endParaRPr>
-          </a:p>
-          <a:p>
-            <a:endParaRPr lang="en-US" b="1" dirty="0">
-              <a:solidFill>
-                <a:schemeClr val="bg1"/>
-              </a:solidFill>
-            </a:endParaRPr>
+              <a:t>?</a:t>
+            </a:r>
           </a:p>
         </p:txBody>
       </p:sp>
     </p:spTree>
     <p:extLst>
       <p:ext uri="{BB962C8B-B14F-4D97-AF65-F5344CB8AC3E}">
-        <p14:creationId xmlns:p14="http://schemas.microsoft.com/office/powerpoint/2010/main" val="3884806925"/>
+        <p14:creationId xmlns:p14="http://schemas.microsoft.com/office/powerpoint/2010/main" val="3331135260"/>
       </p:ext>
     </p:extLst>
   </p:cSld>
@@ -11299,7 +11101,7 @@
                   <a:schemeClr val="bg1"/>
                 </a:solidFill>
               </a:rPr>
-              <a:t>Don’t Use Docker Rootless Mode</a:t>
+              <a:t>Use Time-Based Security</a:t>
             </a:r>
           </a:p>
         </p:txBody>
@@ -11319,7 +11121,7 @@
         <p:spPr>
           <a:xfrm>
             <a:off x="838200" y="1516976"/>
-            <a:ext cx="10515600" cy="369332"/>
+            <a:ext cx="10515600" cy="3139321"/>
           </a:xfrm>
           <a:prstGeom prst="rect">
             <a:avLst/>
@@ -11338,7 +11140,123 @@
                   <a:schemeClr val="bg1"/>
                 </a:solidFill>
               </a:rPr>
-              <a:t>?</a:t>
+              <a:t>System is never fully secure—</a:t>
+            </a:r>
+          </a:p>
+          <a:p>
+            <a:r>
+              <a:rPr lang="en-US" b="1" dirty="0">
+                <a:solidFill>
+                  <a:schemeClr val="bg1"/>
+                </a:solidFill>
+              </a:rPr>
+              <a:t>Someone will break in. </a:t>
+            </a:r>
+          </a:p>
+          <a:p>
+            <a:r>
+              <a:rPr lang="en-US" b="1" dirty="0">
+                <a:solidFill>
+                  <a:schemeClr val="bg1"/>
+                </a:solidFill>
+              </a:rPr>
+              <a:t>Preventing intruders is only one part of securing a system; </a:t>
+            </a:r>
+          </a:p>
+          <a:p>
+            <a:r>
+              <a:rPr lang="en-US" b="1" dirty="0">
+                <a:solidFill>
+                  <a:schemeClr val="bg1"/>
+                </a:solidFill>
+              </a:rPr>
+              <a:t>Detection and reaction are essential, too.</a:t>
+            </a:r>
+          </a:p>
+          <a:p>
+            <a:r>
+              <a:rPr lang="en-US" b="1" dirty="0">
+                <a:solidFill>
+                  <a:schemeClr val="bg1"/>
+                </a:solidFill>
+              </a:rPr>
+              <a:t>	</a:t>
+            </a:r>
+          </a:p>
+          <a:p>
+            <a:r>
+              <a:rPr lang="en-US" b="1" dirty="0">
+                <a:solidFill>
+                  <a:schemeClr val="bg1"/>
+                </a:solidFill>
+              </a:rPr>
+              <a:t>Use multi-factor authentication to slow down intruders, </a:t>
+            </a:r>
+          </a:p>
+          <a:p>
+            <a:r>
+              <a:rPr lang="en-US" b="1" dirty="0">
+                <a:solidFill>
+                  <a:schemeClr val="bg1"/>
+                </a:solidFill>
+              </a:rPr>
+              <a:t>	</a:t>
+            </a:r>
+          </a:p>
+          <a:p>
+            <a:r>
+              <a:rPr lang="en-US" b="1" dirty="0">
+                <a:solidFill>
+                  <a:schemeClr val="bg1"/>
+                </a:solidFill>
+              </a:rPr>
+              <a:t>But also to help detect when someone with elevated privilege authenticates into a critical server </a:t>
+            </a:r>
+          </a:p>
+          <a:p>
+            <a:r>
+              <a:rPr lang="en-US" b="1" dirty="0">
+                <a:solidFill>
+                  <a:schemeClr val="bg1"/>
+                </a:solidFill>
+              </a:rPr>
+              <a:t>	Send an alert to your network administrator team whenever there’s a successful login.</a:t>
+            </a:r>
+          </a:p>
+          <a:p>
+            <a:r>
+              <a:rPr lang="en-US" b="1" dirty="0">
+                <a:solidFill>
+                  <a:schemeClr val="bg1"/>
+                </a:solidFill>
+              </a:rPr>
+              <a:t>Implement solutions like the above.</a:t>
+            </a:r>
+          </a:p>
+          <a:p>
+            <a:r>
+              <a:rPr lang="en-US" b="1" dirty="0">
+                <a:solidFill>
+                  <a:schemeClr val="bg1"/>
+                </a:solidFill>
+              </a:rPr>
+              <a:t>	Another e.g. </a:t>
+            </a:r>
+            <a:r>
+              <a:rPr lang="en-US" b="1" dirty="0" err="1">
+                <a:solidFill>
+                  <a:schemeClr val="bg1"/>
+                </a:solidFill>
+              </a:rPr>
+              <a:t>extemely</a:t>
+            </a:r>
+            <a:r>
+              <a:rPr lang="en-US" b="1" dirty="0">
+                <a:solidFill>
+                  <a:schemeClr val="bg1"/>
+                </a:solidFill>
+              </a:rPr>
+              <a:t> critical login can happen only from a single machine.</a:t>
             </a:r>
           </a:p>
         </p:txBody>
@@ -11346,7 +11264,7 @@
     </p:spTree>
     <p:extLst>
       <p:ext uri="{BB962C8B-B14F-4D97-AF65-F5344CB8AC3E}">
-        <p14:creationId xmlns:p14="http://schemas.microsoft.com/office/powerpoint/2010/main" val="3331135260"/>
+        <p14:creationId xmlns:p14="http://schemas.microsoft.com/office/powerpoint/2010/main" val="4228632976"/>
       </p:ext>
     </p:extLst>
   </p:cSld>
@@ -11416,7 +11334,7 @@
                   <a:schemeClr val="bg1"/>
                 </a:solidFill>
               </a:rPr>
-              <a:t>Use Time-Based Security</a:t>
+              <a:t>Scan Docker and Kubernetes Configuration for Vulnerabilities</a:t>
             </a:r>
           </a:p>
         </p:txBody>
@@ -11435,7 +11353,7 @@
         </p:nvSpPr>
         <p:spPr>
           <a:xfrm>
-            <a:off x="838200" y="1516976"/>
+            <a:off x="838200" y="1859339"/>
             <a:ext cx="10515600" cy="3139321"/>
           </a:xfrm>
           <a:prstGeom prst="rect">
@@ -11455,107 +11373,37 @@
                   <a:schemeClr val="bg1"/>
                 </a:solidFill>
               </a:rPr>
-              <a:t>System is never fully secure—</a:t>
-            </a:r>
-          </a:p>
-          <a:p>
-            <a:r>
-              <a:rPr lang="en-US" b="1" dirty="0">
-                <a:solidFill>
-                  <a:schemeClr val="bg1"/>
-                </a:solidFill>
-              </a:rPr>
-              <a:t>Someone will break in. </a:t>
-            </a:r>
-          </a:p>
-          <a:p>
-            <a:r>
-              <a:rPr lang="en-US" b="1" dirty="0">
-                <a:solidFill>
-                  <a:schemeClr val="bg1"/>
-                </a:solidFill>
-              </a:rPr>
-              <a:t>Preventing intruders is only one part of securing a system; </a:t>
-            </a:r>
-          </a:p>
-          <a:p>
-            <a:r>
-              <a:rPr lang="en-US" b="1" dirty="0">
-                <a:solidFill>
-                  <a:schemeClr val="bg1"/>
-                </a:solidFill>
-              </a:rPr>
-              <a:t>Detection and reaction are essential, too.</a:t>
-            </a:r>
-          </a:p>
-          <a:p>
-            <a:r>
-              <a:rPr lang="en-US" b="1" dirty="0">
-                <a:solidFill>
-                  <a:schemeClr val="bg1"/>
-                </a:solidFill>
-              </a:rPr>
-              <a:t>	</a:t>
-            </a:r>
-          </a:p>
-          <a:p>
-            <a:r>
-              <a:rPr lang="en-US" b="1" dirty="0">
-                <a:solidFill>
-                  <a:schemeClr val="bg1"/>
-                </a:solidFill>
-              </a:rPr>
-              <a:t>Use multi-factor authentication to slow down intruders, </a:t>
-            </a:r>
-          </a:p>
-          <a:p>
-            <a:r>
-              <a:rPr lang="en-US" b="1" dirty="0">
-                <a:solidFill>
-                  <a:schemeClr val="bg1"/>
-                </a:solidFill>
-              </a:rPr>
-              <a:t>	</a:t>
-            </a:r>
-          </a:p>
-          <a:p>
-            <a:r>
-              <a:rPr lang="en-US" b="1" dirty="0">
-                <a:solidFill>
-                  <a:schemeClr val="bg1"/>
-                </a:solidFill>
-              </a:rPr>
-              <a:t>But also to help detect when someone with elevated privilege authenticates into a critical server </a:t>
-            </a:r>
-          </a:p>
-          <a:p>
-            <a:r>
-              <a:rPr lang="en-US" b="1" dirty="0">
-                <a:solidFill>
-                  <a:schemeClr val="bg1"/>
-                </a:solidFill>
-              </a:rPr>
-              <a:t>	Send an alert to your network administrator team whenever there’s a successful login.</a:t>
-            </a:r>
-          </a:p>
-          <a:p>
-            <a:r>
-              <a:rPr lang="en-US" b="1" dirty="0">
-                <a:solidFill>
-                  <a:schemeClr val="bg1"/>
-                </a:solidFill>
-              </a:rPr>
-              <a:t>Implement solutions like the above.</a:t>
-            </a:r>
-          </a:p>
-          <a:p>
-            <a:r>
-              <a:rPr lang="en-US" b="1" dirty="0">
-                <a:solidFill>
-                  <a:schemeClr val="bg1"/>
-                </a:solidFill>
-              </a:rPr>
-              <a:t>	Another e.g. </a:t>
+              <a:t>Prefer minimal base images</a:t>
+            </a:r>
+          </a:p>
+          <a:p>
+            <a:r>
+              <a:rPr lang="en-US" b="1" dirty="0">
+                <a:solidFill>
+                  <a:schemeClr val="bg1"/>
+                </a:solidFill>
+              </a:rPr>
+              <a:t>Use the USER directive to make sure the least privileged is used</a:t>
+            </a:r>
+          </a:p>
+          <a:p>
+            <a:r>
+              <a:rPr lang="en-US" b="1" dirty="0">
+                <a:solidFill>
+                  <a:schemeClr val="bg1"/>
+                </a:solidFill>
+              </a:rPr>
+              <a:t>Sign and verify images to mitigate attacks</a:t>
+            </a:r>
+          </a:p>
+          <a:p>
+            <a:r>
+              <a:rPr lang="en-US" b="1" dirty="0">
+                <a:solidFill>
+                  <a:schemeClr val="bg1"/>
+                </a:solidFill>
+              </a:rPr>
+              <a:t>Find, fix, and monitor for open-source vulnerabilities (</a:t>
             </a:r>
             <a:r>
               <a:rPr lang="en-US" b="1" dirty="0" err="1">
@@ -11563,23 +11411,109 @@
                   <a:schemeClr val="bg1"/>
                 </a:solidFill>
               </a:rPr>
-              <a:t>extemely</a:t>
-            </a:r>
-            <a:r>
-              <a:rPr lang="en-US" b="1" dirty="0">
-                <a:solidFill>
-                  <a:schemeClr val="bg1"/>
-                </a:solidFill>
-              </a:rPr>
-              <a:t> critical login can happen only from a single machine.</a:t>
-            </a:r>
+              <a:t>Snyk</a:t>
+            </a:r>
+            <a:r>
+              <a:rPr lang="en-US" b="1" dirty="0">
+                <a:solidFill>
+                  <a:schemeClr val="bg1"/>
+                </a:solidFill>
+              </a:rPr>
+              <a:t> offers a way to scan and monitor your Docker images too)</a:t>
+            </a:r>
+          </a:p>
+          <a:p>
+            <a:r>
+              <a:rPr lang="en-US" b="1" dirty="0">
+                <a:solidFill>
+                  <a:schemeClr val="bg1"/>
+                </a:solidFill>
+              </a:rPr>
+              <a:t>Don’t leak sensitive information to Docker images</a:t>
+            </a:r>
+          </a:p>
+          <a:p>
+            <a:r>
+              <a:rPr lang="en-US" b="1" dirty="0">
+                <a:solidFill>
+                  <a:schemeClr val="bg1"/>
+                </a:solidFill>
+              </a:rPr>
+              <a:t>Use fixed tags for immutability</a:t>
+            </a:r>
+          </a:p>
+          <a:p>
+            <a:r>
+              <a:rPr lang="en-US" b="1" dirty="0">
+                <a:solidFill>
+                  <a:schemeClr val="bg1"/>
+                </a:solidFill>
+              </a:rPr>
+              <a:t>Use COPY instead of ADD</a:t>
+            </a:r>
+          </a:p>
+          <a:p>
+            <a:r>
+              <a:rPr lang="en-US" b="1" dirty="0">
+                <a:solidFill>
+                  <a:schemeClr val="bg1"/>
+                </a:solidFill>
+              </a:rPr>
+              <a:t>Use metadata labels like maintainer and </a:t>
+            </a:r>
+            <a:r>
+              <a:rPr lang="en-US" b="1" dirty="0" err="1">
+                <a:solidFill>
+                  <a:schemeClr val="bg1"/>
+                </a:solidFill>
+              </a:rPr>
+              <a:t>securitytxt</a:t>
+            </a:r>
+            <a:endParaRPr lang="en-US" b="1" dirty="0">
+              <a:solidFill>
+                <a:schemeClr val="bg1"/>
+              </a:solidFill>
+            </a:endParaRPr>
+          </a:p>
+          <a:p>
+            <a:r>
+              <a:rPr lang="en-US" b="1" dirty="0">
+                <a:solidFill>
+                  <a:schemeClr val="bg1"/>
+                </a:solidFill>
+              </a:rPr>
+              <a:t>Use multi-stage builds for small and secure images</a:t>
+            </a:r>
+          </a:p>
+          <a:p>
+            <a:r>
+              <a:rPr lang="en-US" b="1" dirty="0">
+                <a:solidFill>
+                  <a:schemeClr val="bg1"/>
+                </a:solidFill>
+              </a:rPr>
+              <a:t>Use a linter like </a:t>
+            </a:r>
+            <a:r>
+              <a:rPr lang="en-US" b="1" dirty="0" err="1">
+                <a:solidFill>
+                  <a:schemeClr val="bg1"/>
+                </a:solidFill>
+              </a:rPr>
+              <a:t>hadolint</a:t>
+            </a:r>
+            <a:endParaRPr lang="en-US" b="1" dirty="0">
+              <a:solidFill>
+                <a:schemeClr val="bg1"/>
+              </a:solidFill>
+            </a:endParaRPr>
           </a:p>
         </p:txBody>
       </p:sp>
     </p:spTree>
     <p:extLst>
       <p:ext uri="{BB962C8B-B14F-4D97-AF65-F5344CB8AC3E}">
-        <p14:creationId xmlns:p14="http://schemas.microsoft.com/office/powerpoint/2010/main" val="4228632976"/>
+        <p14:creationId xmlns:p14="http://schemas.microsoft.com/office/powerpoint/2010/main" val="1904339396"/>
       </p:ext>
     </p:extLst>
   </p:cSld>
@@ -11839,7 +11773,7 @@
                   <a:schemeClr val="bg1"/>
                 </a:solidFill>
               </a:rPr>
-              <a:t>Scan Docker and Kubernetes Configuration for Vulnerabilities</a:t>
+              <a:t>Know Your Cloud and Cluster Security</a:t>
             </a:r>
           </a:p>
         </p:txBody>
@@ -11858,7 +11792,7 @@
         </p:nvSpPr>
         <p:spPr>
           <a:xfrm>
-            <a:off x="838200" y="1859339"/>
+            <a:off x="838200" y="1516976"/>
             <a:ext cx="10515600" cy="3139321"/>
           </a:xfrm>
           <a:prstGeom prst="rect">
@@ -11878,37 +11812,37 @@
                   <a:schemeClr val="bg1"/>
                 </a:solidFill>
               </a:rPr>
-              <a:t>Prefer minimal base images</a:t>
-            </a:r>
-          </a:p>
-          <a:p>
-            <a:r>
-              <a:rPr lang="en-US" b="1" dirty="0">
-                <a:solidFill>
-                  <a:schemeClr val="bg1"/>
-                </a:solidFill>
-              </a:rPr>
-              <a:t>Use the USER directive to make sure the least privileged is used</a:t>
-            </a:r>
-          </a:p>
-          <a:p>
-            <a:r>
-              <a:rPr lang="en-US" b="1" dirty="0">
-                <a:solidFill>
-                  <a:schemeClr val="bg1"/>
-                </a:solidFill>
-              </a:rPr>
-              <a:t>Sign and verify images to mitigate attacks</a:t>
-            </a:r>
-          </a:p>
-          <a:p>
-            <a:r>
-              <a:rPr lang="en-US" b="1" dirty="0">
-                <a:solidFill>
-                  <a:schemeClr val="bg1"/>
-                </a:solidFill>
-              </a:rPr>
-              <a:t>Find, fix, and monitor for open-source vulnerabilities (</a:t>
+              <a:t> Use TLS Everywhere</a:t>
+            </a:r>
+          </a:p>
+          <a:p>
+            <a:r>
+              <a:rPr lang="en-US" b="1" dirty="0">
+                <a:solidFill>
+                  <a:schemeClr val="bg1"/>
+                </a:solidFill>
+              </a:rPr>
+              <a:t>Enable RBAC with Least Privilege, Disable ABAC, and use Audit Logging</a:t>
+            </a:r>
+          </a:p>
+          <a:p>
+            <a:r>
+              <a:rPr lang="en-US" b="1" dirty="0">
+                <a:solidFill>
+                  <a:schemeClr val="bg1"/>
+                </a:solidFill>
+              </a:rPr>
+              <a:t>Use a Third-Party Auth provider (like Google, GitHub - or Okta!)</a:t>
+            </a:r>
+          </a:p>
+          <a:p>
+            <a:r>
+              <a:rPr lang="en-US" b="1" dirty="0">
+                <a:solidFill>
+                  <a:schemeClr val="bg1"/>
+                </a:solidFill>
+              </a:rPr>
+              <a:t>Separate and Firewall your </a:t>
             </a:r>
             <a:r>
               <a:rPr lang="en-US" b="1" dirty="0" err="1">
@@ -11916,55 +11850,35 @@
                   <a:schemeClr val="bg1"/>
                 </a:solidFill>
               </a:rPr>
-              <a:t>Snyk</a:t>
-            </a:r>
-            <a:r>
-              <a:rPr lang="en-US" b="1" dirty="0">
-                <a:solidFill>
-                  <a:schemeClr val="bg1"/>
-                </a:solidFill>
-              </a:rPr>
-              <a:t> offers a way to scan and monitor your Docker images too)</a:t>
-            </a:r>
-          </a:p>
-          <a:p>
-            <a:r>
-              <a:rPr lang="en-US" b="1" dirty="0">
-                <a:solidFill>
-                  <a:schemeClr val="bg1"/>
-                </a:solidFill>
-              </a:rPr>
-              <a:t>Don’t leak sensitive information to Docker images</a:t>
-            </a:r>
-          </a:p>
-          <a:p>
-            <a:r>
-              <a:rPr lang="en-US" b="1" dirty="0">
-                <a:solidFill>
-                  <a:schemeClr val="bg1"/>
-                </a:solidFill>
-              </a:rPr>
-              <a:t>Use fixed tags for immutability</a:t>
-            </a:r>
-          </a:p>
-          <a:p>
-            <a:r>
-              <a:rPr lang="en-US" b="1" dirty="0">
-                <a:solidFill>
-                  <a:schemeClr val="bg1"/>
-                </a:solidFill>
-              </a:rPr>
-              <a:t>Use COPY instead of ADD</a:t>
-            </a:r>
-          </a:p>
-          <a:p>
-            <a:r>
-              <a:rPr lang="en-US" b="1" dirty="0">
-                <a:solidFill>
-                  <a:schemeClr val="bg1"/>
-                </a:solidFill>
-              </a:rPr>
-              <a:t>Use metadata labels like maintainer and </a:t>
+              <a:t>etcd</a:t>
+            </a:r>
+            <a:r>
+              <a:rPr lang="en-US" b="1" dirty="0">
+                <a:solidFill>
+                  <a:schemeClr val="bg1"/>
+                </a:solidFill>
+              </a:rPr>
+              <a:t> Cluster</a:t>
+            </a:r>
+          </a:p>
+          <a:p>
+            <a:r>
+              <a:rPr lang="en-US" b="1" dirty="0">
+                <a:solidFill>
+                  <a:schemeClr val="bg1"/>
+                </a:solidFill>
+              </a:rPr>
+              <a:t>Rotate Encryption Keys</a:t>
+            </a:r>
+          </a:p>
+          <a:p>
+            <a:r>
+              <a:rPr lang="en-US" b="1" dirty="0">
+                <a:solidFill>
+                  <a:schemeClr val="bg1"/>
+                </a:solidFill>
+              </a:rPr>
+              <a:t>Use Linux Security Features and a restricted </a:t>
             </a:r>
             <a:r>
               <a:rPr lang="en-US" b="1" dirty="0" err="1">
@@ -11972,7 +11886,7 @@
                   <a:schemeClr val="bg1"/>
                 </a:solidFill>
               </a:rPr>
-              <a:t>securitytxt</a:t>
+              <a:t>PodSecurityPolicy</a:t>
             </a:r>
             <a:endParaRPr lang="en-US" b="1" dirty="0">
               <a:solidFill>
@@ -11987,17 +11901,7 @@
                   <a:schemeClr val="bg1"/>
                 </a:solidFill>
               </a:rPr>
-              <a:t>Use multi-stage builds for small and secure images</a:t>
-            </a:r>
-          </a:p>
-          <a:p>
-            <a:r>
-              <a:rPr lang="en-US" b="1" dirty="0">
-                <a:solidFill>
-                  <a:schemeClr val="bg1"/>
-                </a:solidFill>
-              </a:rPr>
-              <a:t>Use a linter like </a:t>
+              <a:t>Statically </a:t>
             </a:r>
             <a:r>
               <a:rPr lang="en-US" b="1" dirty="0" err="1">
@@ -12005,20 +11909,63 @@
                   <a:schemeClr val="bg1"/>
                 </a:solidFill>
               </a:rPr>
-              <a:t>hadolint</a:t>
-            </a:r>
-            <a:endParaRPr lang="en-US" b="1" dirty="0">
-              <a:solidFill>
-                <a:schemeClr val="bg1"/>
-              </a:solidFill>
-            </a:endParaRPr>
+              <a:t>Analyse</a:t>
+            </a:r>
+            <a:r>
+              <a:rPr lang="en-US" b="1" dirty="0">
+                <a:solidFill>
+                  <a:schemeClr val="bg1"/>
+                </a:solidFill>
+              </a:rPr>
+              <a:t> YAML</a:t>
+            </a:r>
+          </a:p>
+          <a:p>
+            <a:r>
+              <a:rPr lang="en-US" b="1" dirty="0">
+                <a:solidFill>
+                  <a:schemeClr val="bg1"/>
+                </a:solidFill>
+              </a:rPr>
+              <a:t>Run Containers as a Non-Root User</a:t>
+            </a:r>
+          </a:p>
+          <a:p>
+            <a:r>
+              <a:rPr lang="en-US" b="1" dirty="0">
+                <a:solidFill>
+                  <a:schemeClr val="bg1"/>
+                </a:solidFill>
+              </a:rPr>
+              <a:t>Use Network Policies (to limit traffic between pods)</a:t>
+            </a:r>
+          </a:p>
+          <a:p>
+            <a:r>
+              <a:rPr lang="en-US" b="1" dirty="0">
+                <a:solidFill>
+                  <a:schemeClr val="bg1"/>
+                </a:solidFill>
+              </a:rPr>
+              <a:t>Scan Images and Run IDS (Intrusion Detection System)</a:t>
+            </a:r>
+          </a:p>
+          <a:p>
+            <a:r>
+              <a:rPr lang="en-US" b="1" dirty="0">
+                <a:solidFill>
+                  <a:schemeClr val="bg1"/>
+                </a:solidFill>
+              </a:rPr>
+              <a:t>Run a Service Mesh</a:t>
+            </a:r>
           </a:p>
         </p:txBody>
       </p:sp>
     </p:spTree>
     <p:extLst>
       <p:ext uri="{BB962C8B-B14F-4D97-AF65-F5344CB8AC3E}">
-        <p14:creationId xmlns:p14="http://schemas.microsoft.com/office/powerpoint/2010/main" val="1904339396"/>
+        <p14:creationId xmlns:p14="http://schemas.microsoft.com/office/powerpoint/2010/main" val="2920852439"/>
       </p:ext>
     </p:extLst>
   </p:cSld>
@@ -12088,268 +12035,6 @@
                   <a:schemeClr val="bg1"/>
                 </a:solidFill>
               </a:rPr>
-              <a:t>Know Your Cloud and Cluster Security</a:t>
-            </a:r>
-          </a:p>
-        </p:txBody>
-      </p:sp>
-      <p:sp>
-        <p:nvSpPr>
-          <p:cNvPr id="4" name="TextBox 3">
-            <a:extLst>
-              <a:ext uri="{FF2B5EF4-FFF2-40B4-BE49-F238E27FC236}">
-                <a16:creationId xmlns:a16="http://schemas.microsoft.com/office/drawing/2014/main" id="{A32609F5-383A-417E-B9B0-CE955463E2E4}"/>
-              </a:ext>
-            </a:extLst>
-          </p:cNvPr>
-          <p:cNvSpPr txBox="1"/>
-          <p:nvPr/>
-        </p:nvSpPr>
-        <p:spPr>
-          <a:xfrm>
-            <a:off x="838200" y="1516976"/>
-            <a:ext cx="10515600" cy="3139321"/>
-          </a:xfrm>
-          <a:prstGeom prst="rect">
-            <a:avLst/>
-          </a:prstGeom>
-          <a:noFill/>
-        </p:spPr>
-        <p:txBody>
-          <a:bodyPr wrap="square" rtlCol="0">
-            <a:spAutoFit/>
-          </a:bodyPr>
-          <a:lstStyle/>
-          <a:p>
-            <a:r>
-              <a:rPr lang="en-US" b="1" dirty="0">
-                <a:solidFill>
-                  <a:schemeClr val="bg1"/>
-                </a:solidFill>
-              </a:rPr>
-              <a:t> Use TLS Everywhere</a:t>
-            </a:r>
-          </a:p>
-          <a:p>
-            <a:r>
-              <a:rPr lang="en-US" b="1" dirty="0">
-                <a:solidFill>
-                  <a:schemeClr val="bg1"/>
-                </a:solidFill>
-              </a:rPr>
-              <a:t>Enable RBAC with Least Privilege, Disable ABAC, and use Audit Logging</a:t>
-            </a:r>
-          </a:p>
-          <a:p>
-            <a:r>
-              <a:rPr lang="en-US" b="1" dirty="0">
-                <a:solidFill>
-                  <a:schemeClr val="bg1"/>
-                </a:solidFill>
-              </a:rPr>
-              <a:t>Use a Third-Party Auth provider (like Google, GitHub - or Okta!)</a:t>
-            </a:r>
-          </a:p>
-          <a:p>
-            <a:r>
-              <a:rPr lang="en-US" b="1" dirty="0">
-                <a:solidFill>
-                  <a:schemeClr val="bg1"/>
-                </a:solidFill>
-              </a:rPr>
-              <a:t>Separate and Firewall your </a:t>
-            </a:r>
-            <a:r>
-              <a:rPr lang="en-US" b="1" dirty="0" err="1">
-                <a:solidFill>
-                  <a:schemeClr val="bg1"/>
-                </a:solidFill>
-              </a:rPr>
-              <a:t>etcd</a:t>
-            </a:r>
-            <a:r>
-              <a:rPr lang="en-US" b="1" dirty="0">
-                <a:solidFill>
-                  <a:schemeClr val="bg1"/>
-                </a:solidFill>
-              </a:rPr>
-              <a:t> Cluster</a:t>
-            </a:r>
-          </a:p>
-          <a:p>
-            <a:r>
-              <a:rPr lang="en-US" b="1" dirty="0">
-                <a:solidFill>
-                  <a:schemeClr val="bg1"/>
-                </a:solidFill>
-              </a:rPr>
-              <a:t>Rotate Encryption Keys</a:t>
-            </a:r>
-          </a:p>
-          <a:p>
-            <a:r>
-              <a:rPr lang="en-US" b="1" dirty="0">
-                <a:solidFill>
-                  <a:schemeClr val="bg1"/>
-                </a:solidFill>
-              </a:rPr>
-              <a:t>Use Linux Security Features and a restricted </a:t>
-            </a:r>
-            <a:r>
-              <a:rPr lang="en-US" b="1" dirty="0" err="1">
-                <a:solidFill>
-                  <a:schemeClr val="bg1"/>
-                </a:solidFill>
-              </a:rPr>
-              <a:t>PodSecurityPolicy</a:t>
-            </a:r>
-            <a:endParaRPr lang="en-US" b="1" dirty="0">
-              <a:solidFill>
-                <a:schemeClr val="bg1"/>
-              </a:solidFill>
-            </a:endParaRPr>
-          </a:p>
-          <a:p>
-            <a:r>
-              <a:rPr lang="en-US" b="1" dirty="0">
-                <a:solidFill>
-                  <a:schemeClr val="bg1"/>
-                </a:solidFill>
-              </a:rPr>
-              <a:t>Statically </a:t>
-            </a:r>
-            <a:r>
-              <a:rPr lang="en-US" b="1" dirty="0" err="1">
-                <a:solidFill>
-                  <a:schemeClr val="bg1"/>
-                </a:solidFill>
-              </a:rPr>
-              <a:t>Analyse</a:t>
-            </a:r>
-            <a:r>
-              <a:rPr lang="en-US" b="1" dirty="0">
-                <a:solidFill>
-                  <a:schemeClr val="bg1"/>
-                </a:solidFill>
-              </a:rPr>
-              <a:t> YAML</a:t>
-            </a:r>
-          </a:p>
-          <a:p>
-            <a:r>
-              <a:rPr lang="en-US" b="1" dirty="0">
-                <a:solidFill>
-                  <a:schemeClr val="bg1"/>
-                </a:solidFill>
-              </a:rPr>
-              <a:t>Run Containers as a Non-Root User</a:t>
-            </a:r>
-          </a:p>
-          <a:p>
-            <a:r>
-              <a:rPr lang="en-US" b="1" dirty="0">
-                <a:solidFill>
-                  <a:schemeClr val="bg1"/>
-                </a:solidFill>
-              </a:rPr>
-              <a:t>Use Network Policies (to limit traffic between pods)</a:t>
-            </a:r>
-          </a:p>
-          <a:p>
-            <a:r>
-              <a:rPr lang="en-US" b="1" dirty="0">
-                <a:solidFill>
-                  <a:schemeClr val="bg1"/>
-                </a:solidFill>
-              </a:rPr>
-              <a:t>Scan Images and Run IDS (Intrusion Detection System)</a:t>
-            </a:r>
-          </a:p>
-          <a:p>
-            <a:r>
-              <a:rPr lang="en-US" b="1" dirty="0">
-                <a:solidFill>
-                  <a:schemeClr val="bg1"/>
-                </a:solidFill>
-              </a:rPr>
-              <a:t>Run a Service Mesh</a:t>
-            </a:r>
-          </a:p>
-        </p:txBody>
-      </p:sp>
-    </p:spTree>
-    <p:extLst>
-      <p:ext uri="{BB962C8B-B14F-4D97-AF65-F5344CB8AC3E}">
-        <p14:creationId xmlns:p14="http://schemas.microsoft.com/office/powerpoint/2010/main" val="2920852439"/>
-      </p:ext>
-    </p:extLst>
-  </p:cSld>
-  <p:clrMapOvr>
-    <a:masterClrMapping/>
-  </p:clrMapOvr>
-</p:sld>
-</file>
-
-<file path=ppt/slides/slide42.xml><?xml version="1.0" encoding="utf-8"?>
-<p:sld xmlns:a="http://schemas.openxmlformats.org/drawingml/2006/main" xmlns:r="http://schemas.openxmlformats.org/officeDocument/2006/relationships" xmlns:p="http://schemas.openxmlformats.org/presentationml/2006/main">
-  <p:cSld>
-    <p:bg>
-      <p:bgPr>
-        <a:solidFill>
-          <a:schemeClr val="tx2">
-            <a:lumMod val="60000"/>
-            <a:lumOff val="40000"/>
-          </a:schemeClr>
-        </a:solidFill>
-        <a:effectLst/>
-      </p:bgPr>
-    </p:bg>
-    <p:spTree>
-      <p:nvGrpSpPr>
-        <p:cNvPr id="1" name=""/>
-        <p:cNvGrpSpPr/>
-        <p:nvPr/>
-      </p:nvGrpSpPr>
-      <p:grpSpPr>
-        <a:xfrm>
-          <a:off x="0" y="0"/>
-          <a:ext cx="0" cy="0"/>
-          <a:chOff x="0" y="0"/>
-          <a:chExt cx="0" cy="0"/>
-        </a:xfrm>
-      </p:grpSpPr>
-      <p:sp>
-        <p:nvSpPr>
-          <p:cNvPr id="2" name="Title 1">
-            <a:extLst>
-              <a:ext uri="{FF2B5EF4-FFF2-40B4-BE49-F238E27FC236}">
-                <a16:creationId xmlns:a16="http://schemas.microsoft.com/office/drawing/2014/main" id="{51F2C05B-3556-493B-855C-1F19ADDBAF69}"/>
-              </a:ext>
-            </a:extLst>
-          </p:cNvPr>
-          <p:cNvSpPr>
-            <a:spLocks noGrp="1"/>
-          </p:cNvSpPr>
-          <p:nvPr>
-            <p:ph type="title"/>
-          </p:nvPr>
-        </p:nvSpPr>
-        <p:spPr>
-          <a:xfrm>
-            <a:off x="838200" y="365125"/>
-            <a:ext cx="11099104" cy="1325563"/>
-          </a:xfrm>
-        </p:spPr>
-        <p:txBody>
-          <a:bodyPr/>
-          <a:lstStyle/>
-          <a:p>
-            <a:r>
-              <a:rPr lang="en-US" b="1" dirty="0">
-                <a:solidFill>
-                  <a:schemeClr val="bg1"/>
-                </a:solidFill>
-              </a:rPr>
               <a:t>JWT - lab</a:t>
             </a:r>
           </a:p>
@@ -12454,7 +12139,7 @@
 </p:sld>
 </file>
 
-<file path=ppt/slides/slide43.xml><?xml version="1.0" encoding="utf-8"?>
+<file path=ppt/slides/slide42.xml><?xml version="1.0" encoding="utf-8"?>
 <p:sld xmlns:a="http://schemas.openxmlformats.org/drawingml/2006/main" xmlns:r="http://schemas.openxmlformats.org/officeDocument/2006/relationships" xmlns:p="http://schemas.openxmlformats.org/presentationml/2006/main">
   <p:cSld>
     <p:bg>
